--- a/doc/Progetto.pptx
+++ b/doc/Progetto.pptx
@@ -6,7 +6,7 @@
     <p:sldMasterId id="2147483661" r:id="rId2"/>
   </p:sldMasterIdLst>
   <p:notesMasterIdLst>
-    <p:notesMasterId r:id="rId18"/>
+    <p:notesMasterId r:id="rId22"/>
   </p:notesMasterIdLst>
   <p:sldIdLst>
     <p:sldId id="256" r:id="rId3"/>
@@ -20,10 +20,14 @@
     <p:sldId id="264" r:id="rId11"/>
     <p:sldId id="265" r:id="rId12"/>
     <p:sldId id="266" r:id="rId13"/>
-    <p:sldId id="268" r:id="rId14"/>
-    <p:sldId id="267" r:id="rId15"/>
-    <p:sldId id="269" r:id="rId16"/>
-    <p:sldId id="270" r:id="rId17"/>
+    <p:sldId id="269" r:id="rId14"/>
+    <p:sldId id="268" r:id="rId15"/>
+    <p:sldId id="271" r:id="rId16"/>
+    <p:sldId id="267" r:id="rId17"/>
+    <p:sldId id="272" r:id="rId18"/>
+    <p:sldId id="270" r:id="rId19"/>
+    <p:sldId id="274" r:id="rId20"/>
+    <p:sldId id="273" r:id="rId21"/>
   </p:sldIdLst>
   <p:sldSz cx="12192000" cy="6858000"/>
   <p:notesSz cx="6858000" cy="9144000"/>
@@ -122,6 +126,11 @@
       </a:defRPr>
     </a:lvl9pPr>
   </p:defaultTextStyle>
+  <p:extLst>
+    <p:ext uri="{EFAFB233-063F-42B5-8137-9DF3F51BA10A}">
+      <p15:sldGuideLst xmlns:p15="http://schemas.microsoft.com/office/powerpoint/2012/main"/>
+    </p:ext>
+  </p:extLst>
 </p:presentation>
 </file>
 
@@ -5877,7 +5886,7 @@
               </a:lnSpc>
             </a:pPr>
             <a:r>
-              <a:rPr lang="en-US" sz="4800" b="0" strike="noStrike" spc="-1">
+              <a:rPr lang="en-US" sz="4800" b="0" strike="noStrike" spc="-1" dirty="0" smtClean="0">
                 <a:solidFill>
                   <a:srgbClr val="262626"/>
                 </a:solidFill>
@@ -5888,19 +5897,43 @@
                 </a:uFill>
                 <a:latin typeface="Franklin Gothic Medium"/>
               </a:rPr>
-              <a:t>Titolo</a:t>
-            </a:r>
-            <a:endParaRPr lang="en-US" sz="1800" b="0" strike="noStrike" spc="-1">
-              <a:solidFill>
-                <a:srgbClr val="000000"/>
-              </a:solidFill>
-              <a:uFill>
-                <a:solidFill>
-                  <a:srgbClr val="FFFFFF"/>
-                </a:solidFill>
-              </a:uFill>
-              <a:latin typeface="Franklin Gothic Medium"/>
-            </a:endParaRPr>
+              <a:t>Information Retrieval</a:t>
+            </a:r>
+          </a:p>
+          <a:p>
+            <a:pPr algn="ctr">
+              <a:lnSpc>
+                <a:spcPct val="100000"/>
+              </a:lnSpc>
+            </a:pPr>
+            <a:r>
+              <a:rPr lang="en-US" sz="4800" spc="-1" dirty="0">
+                <a:solidFill>
+                  <a:srgbClr val="262626"/>
+                </a:solidFill>
+                <a:uFill>
+                  <a:solidFill>
+                    <a:srgbClr val="FFFFFF"/>
+                  </a:solidFill>
+                </a:uFill>
+                <a:latin typeface="Franklin Gothic Medium"/>
+              </a:rPr>
+              <a:t>w</a:t>
+            </a:r>
+            <a:r>
+              <a:rPr lang="en-US" sz="4800" spc="-1" dirty="0" smtClean="0">
+                <a:solidFill>
+                  <a:srgbClr val="262626"/>
+                </a:solidFill>
+                <a:uFill>
+                  <a:solidFill>
+                    <a:srgbClr val="FFFFFF"/>
+                  </a:solidFill>
+                </a:uFill>
+                <a:latin typeface="Franklin Gothic Medium"/>
+              </a:rPr>
+              <a:t>ith Whoosh</a:t>
+            </a:r>
           </a:p>
         </p:txBody>
       </p:sp>
@@ -6704,7 +6737,7 @@
           <a:lstStyle/>
           <a:p>
             <a:r>
-              <a:rPr lang="en-US" sz="3600" spc="-1" dirty="0">
+              <a:rPr lang="en-US" sz="3600" spc="-1" dirty="0" err="1" smtClean="0">
                 <a:solidFill>
                   <a:srgbClr val="FFFFFF"/>
                 </a:solidFill>
@@ -6715,7 +6748,7 @@
                 </a:uFill>
                 <a:latin typeface="Franklin Gothic Medium"/>
               </a:rPr>
-              <a:t>N</a:t>
+              <a:t>Codice</a:t>
             </a:r>
             <a:r>
               <a:rPr lang="en-US" sz="3600" spc="-1" dirty="0" smtClean="0">
@@ -6729,9 +6762,23 @@
                 </a:uFill>
                 <a:latin typeface="Franklin Gothic Medium"/>
               </a:rPr>
-              <a:t>-grams</a:t>
-            </a:r>
-            <a:endParaRPr lang="en-US" sz="3600" spc="-1" dirty="0">
+              <a:t>: </a:t>
+            </a:r>
+            <a:r>
+              <a:rPr lang="en-US" sz="3600" spc="-1" dirty="0" err="1" smtClean="0">
+                <a:solidFill>
+                  <a:srgbClr val="FFFFFF"/>
+                </a:solidFill>
+                <a:uFill>
+                  <a:solidFill>
+                    <a:srgbClr val="FFFFFF"/>
+                  </a:solidFill>
+                </a:uFill>
+                <a:latin typeface="Franklin Gothic Medium"/>
+              </a:rPr>
+              <a:t>editDistance</a:t>
+            </a:r>
+            <a:endParaRPr lang="en-US" sz="3600" spc="-1" dirty="0" smtClean="0">
               <a:solidFill>
                 <a:srgbClr val="FFFFFF"/>
               </a:solidFill>
@@ -6769,35 +6816,21 @@
           <a:lstStyle/>
           <a:p>
             <a:r>
-              <a:rPr lang="en-US" sz="2800" spc="-1" dirty="0" smtClean="0">
-                <a:solidFill>
-                  <a:srgbClr val="404040"/>
-                </a:solidFill>
-                <a:uFill>
-                  <a:solidFill>
-                    <a:srgbClr val="FFFFFF"/>
-                  </a:solidFill>
-                </a:uFill>
-                <a:latin typeface="Franklin Gothic Medium"/>
-              </a:rPr>
-              <a:t>Grazie </a:t>
-            </a:r>
-            <a:r>
-              <a:rPr lang="en-US" sz="2800" spc="-1" dirty="0" err="1" smtClean="0">
-                <a:solidFill>
-                  <a:srgbClr val="404040"/>
-                </a:solidFill>
-                <a:uFill>
-                  <a:solidFill>
-                    <a:srgbClr val="FFFFFF"/>
-                  </a:solidFill>
-                </a:uFill>
-                <a:latin typeface="Franklin Gothic Medium"/>
-              </a:rPr>
-              <a:t>alla</a:t>
-            </a:r>
-            <a:r>
-              <a:rPr lang="en-US" sz="2800" spc="-1" dirty="0" smtClean="0">
+              <a:rPr lang="it-IT" sz="2400" spc="-1" dirty="0" err="1">
+                <a:solidFill>
+                  <a:srgbClr val="E76724"/>
+                </a:solidFill>
+                <a:uFill>
+                  <a:solidFill>
+                    <a:srgbClr val="FFFFFF"/>
+                  </a:solidFill>
+                </a:uFill>
+                <a:latin typeface="Franklin Gothic Medium"/>
+              </a:rPr>
+              <a:t>def</a:t>
+            </a:r>
+            <a:r>
+              <a:rPr lang="it-IT" sz="2400" spc="-1" dirty="0">
                 <a:solidFill>
                   <a:srgbClr val="404040"/>
                 </a:solidFill>
@@ -6811,21 +6844,305 @@
               <a:t> </a:t>
             </a:r>
             <a:r>
-              <a:rPr lang="en-US" sz="2800" spc="-1" dirty="0" err="1" smtClean="0">
-                <a:solidFill>
-                  <a:srgbClr val="404040"/>
-                </a:solidFill>
-                <a:uFill>
-                  <a:solidFill>
-                    <a:srgbClr val="FFFFFF"/>
-                  </a:solidFill>
-                </a:uFill>
-                <a:latin typeface="Franklin Gothic Medium"/>
-              </a:rPr>
-              <a:t>libreria</a:t>
-            </a:r>
-            <a:r>
-              <a:rPr lang="en-US" sz="2800" spc="-1" dirty="0" smtClean="0">
+              <a:rPr lang="it-IT" sz="2400" spc="-1" dirty="0" err="1" smtClean="0">
+                <a:solidFill>
+                  <a:srgbClr val="FFC000"/>
+                </a:solidFill>
+                <a:uFill>
+                  <a:solidFill>
+                    <a:srgbClr val="FFFFFF"/>
+                  </a:solidFill>
+                </a:uFill>
+                <a:latin typeface="Franklin Gothic Medium"/>
+              </a:rPr>
+              <a:t>editDistanceCorrection</a:t>
+            </a:r>
+            <a:r>
+              <a:rPr lang="it-IT" sz="2400" spc="-1" dirty="0" smtClean="0">
+                <a:solidFill>
+                  <a:srgbClr val="404040"/>
+                </a:solidFill>
+                <a:uFill>
+                  <a:solidFill>
+                    <a:srgbClr val="FFFFFF"/>
+                  </a:solidFill>
+                </a:uFill>
+                <a:latin typeface="Franklin Gothic Medium"/>
+              </a:rPr>
+              <a:t>(</a:t>
+            </a:r>
+            <a:r>
+              <a:rPr lang="it-IT" sz="2400" spc="-1" dirty="0" smtClean="0">
+                <a:solidFill>
+                  <a:srgbClr val="7030A0"/>
+                </a:solidFill>
+                <a:uFill>
+                  <a:solidFill>
+                    <a:srgbClr val="FFFFFF"/>
+                  </a:solidFill>
+                </a:uFill>
+                <a:latin typeface="Franklin Gothic Medium"/>
+              </a:rPr>
+              <a:t>self</a:t>
+            </a:r>
+            <a:r>
+              <a:rPr lang="it-IT" sz="2400" spc="-1" dirty="0">
+                <a:solidFill>
+                  <a:srgbClr val="404040"/>
+                </a:solidFill>
+                <a:uFill>
+                  <a:solidFill>
+                    <a:srgbClr val="FFFFFF"/>
+                  </a:solidFill>
+                </a:uFill>
+                <a:latin typeface="Franklin Gothic Medium"/>
+              </a:rPr>
+              <a:t>, query, index</a:t>
+            </a:r>
+            <a:r>
+              <a:rPr lang="it-IT" sz="2400" spc="-1" dirty="0">
+                <a:solidFill>
+                  <a:srgbClr val="404040"/>
+                </a:solidFill>
+                <a:uFill>
+                  <a:solidFill>
+                    <a:srgbClr val="FFFFFF"/>
+                  </a:solidFill>
+                </a:uFill>
+                <a:latin typeface="Franklin Gothic Medium"/>
+              </a:rPr>
+              <a:t>):</a:t>
+            </a:r>
+          </a:p>
+          <a:p>
+            <a:r>
+              <a:rPr lang="en-US" sz="2400" spc="-1" dirty="0" smtClean="0">
+                <a:solidFill>
+                  <a:srgbClr val="00B050"/>
+                </a:solidFill>
+                <a:uFill>
+                  <a:solidFill>
+                    <a:srgbClr val="FFFFFF"/>
+                  </a:solidFill>
+                </a:uFill>
+                <a:latin typeface="Franklin Gothic Medium"/>
+              </a:rPr>
+              <a:t>	# </a:t>
+            </a:r>
+            <a:r>
+              <a:rPr lang="en-US" sz="2400" spc="-1" dirty="0">
+                <a:solidFill>
+                  <a:srgbClr val="00B050"/>
+                </a:solidFill>
+                <a:uFill>
+                  <a:solidFill>
+                    <a:srgbClr val="FFFFFF"/>
+                  </a:solidFill>
+                </a:uFill>
+                <a:latin typeface="Franklin Gothic Medium"/>
+              </a:rPr>
+              <a:t>Parse the user query </a:t>
+            </a:r>
+            <a:r>
+              <a:rPr lang="en-US" sz="2400" spc="-1" dirty="0" smtClean="0">
+                <a:solidFill>
+                  <a:srgbClr val="00B050"/>
+                </a:solidFill>
+                <a:uFill>
+                  <a:solidFill>
+                    <a:srgbClr val="FFFFFF"/>
+                  </a:solidFill>
+                </a:uFill>
+                <a:latin typeface="Franklin Gothic Medium"/>
+              </a:rPr>
+              <a:t>string</a:t>
+            </a:r>
+            <a:endParaRPr lang="it-IT" sz="2400" spc="-1" dirty="0">
+              <a:solidFill>
+                <a:srgbClr val="00B050"/>
+              </a:solidFill>
+              <a:uFill>
+                <a:solidFill>
+                  <a:srgbClr val="FFFFFF"/>
+                </a:solidFill>
+              </a:uFill>
+              <a:latin typeface="Franklin Gothic Medium"/>
+            </a:endParaRPr>
+          </a:p>
+          <a:p>
+            <a:r>
+              <a:rPr lang="it-IT" sz="2400" spc="-1" dirty="0" smtClean="0">
+                <a:solidFill>
+                  <a:srgbClr val="404040"/>
+                </a:solidFill>
+                <a:uFill>
+                  <a:solidFill>
+                    <a:srgbClr val="FFFFFF"/>
+                  </a:solidFill>
+                </a:uFill>
+                <a:latin typeface="Franklin Gothic Medium"/>
+              </a:rPr>
+              <a:t>	. . . </a:t>
+            </a:r>
+            <a:endParaRPr lang="it-IT" sz="2400" spc="-1" dirty="0">
+              <a:solidFill>
+                <a:srgbClr val="404040"/>
+              </a:solidFill>
+              <a:uFill>
+                <a:solidFill>
+                  <a:srgbClr val="FFFFFF"/>
+                </a:solidFill>
+              </a:uFill>
+              <a:latin typeface="Franklin Gothic Medium"/>
+            </a:endParaRPr>
+          </a:p>
+          <a:p>
+            <a:r>
+              <a:rPr lang="it-IT" sz="2400" spc="-1" dirty="0" smtClean="0">
+                <a:solidFill>
+                  <a:srgbClr val="00B050"/>
+                </a:solidFill>
+                <a:uFill>
+                  <a:solidFill>
+                    <a:srgbClr val="FFFFFF"/>
+                  </a:solidFill>
+                </a:uFill>
+                <a:latin typeface="Franklin Gothic Medium"/>
+              </a:rPr>
+              <a:t>	# </a:t>
+            </a:r>
+            <a:r>
+              <a:rPr lang="it-IT" sz="2400" spc="-1" dirty="0">
+                <a:solidFill>
+                  <a:srgbClr val="00B050"/>
+                </a:solidFill>
+                <a:uFill>
+                  <a:solidFill>
+                    <a:srgbClr val="FFFFFF"/>
+                  </a:solidFill>
+                </a:uFill>
+                <a:latin typeface="Franklin Gothic Medium"/>
+              </a:rPr>
+              <a:t>Try </a:t>
+            </a:r>
+            <a:r>
+              <a:rPr lang="it-IT" sz="2400" spc="-1" dirty="0" err="1">
+                <a:solidFill>
+                  <a:srgbClr val="00B050"/>
+                </a:solidFill>
+                <a:uFill>
+                  <a:solidFill>
+                    <a:srgbClr val="FFFFFF"/>
+                  </a:solidFill>
+                </a:uFill>
+                <a:latin typeface="Franklin Gothic Medium"/>
+              </a:rPr>
+              <a:t>correcting</a:t>
+            </a:r>
+            <a:r>
+              <a:rPr lang="it-IT" sz="2400" spc="-1" dirty="0">
+                <a:solidFill>
+                  <a:srgbClr val="00B050"/>
+                </a:solidFill>
+                <a:uFill>
+                  <a:solidFill>
+                    <a:srgbClr val="FFFFFF"/>
+                  </a:solidFill>
+                </a:uFill>
+                <a:latin typeface="Franklin Gothic Medium"/>
+              </a:rPr>
+              <a:t> the query</a:t>
+            </a:r>
+          </a:p>
+          <a:p>
+            <a:r>
+              <a:rPr lang="it-IT" sz="2400" spc="-1" dirty="0" smtClean="0">
+                <a:solidFill>
+                  <a:srgbClr val="404040"/>
+                </a:solidFill>
+                <a:uFill>
+                  <a:solidFill>
+                    <a:srgbClr val="FFFFFF"/>
+                  </a:solidFill>
+                </a:uFill>
+                <a:latin typeface="Franklin Gothic Medium"/>
+              </a:rPr>
+              <a:t>	s </a:t>
+            </a:r>
+            <a:r>
+              <a:rPr lang="it-IT" sz="2400" spc="-1" dirty="0">
+                <a:solidFill>
+                  <a:srgbClr val="404040"/>
+                </a:solidFill>
+                <a:uFill>
+                  <a:solidFill>
+                    <a:srgbClr val="FFFFFF"/>
+                  </a:solidFill>
+                </a:uFill>
+                <a:latin typeface="Franklin Gothic Medium"/>
+              </a:rPr>
+              <a:t>= </a:t>
+            </a:r>
+            <a:r>
+              <a:rPr lang="it-IT" sz="2400" spc="-1" dirty="0" err="1">
+                <a:solidFill>
+                  <a:srgbClr val="404040"/>
+                </a:solidFill>
+                <a:uFill>
+                  <a:solidFill>
+                    <a:srgbClr val="FFFFFF"/>
+                  </a:solidFill>
+                </a:uFill>
+                <a:latin typeface="Franklin Gothic Medium"/>
+              </a:rPr>
+              <a:t>index.ix.searcher</a:t>
+            </a:r>
+            <a:r>
+              <a:rPr lang="it-IT" sz="2400" spc="-1" dirty="0">
+                <a:solidFill>
+                  <a:srgbClr val="404040"/>
+                </a:solidFill>
+                <a:uFill>
+                  <a:solidFill>
+                    <a:srgbClr val="FFFFFF"/>
+                  </a:solidFill>
+                </a:uFill>
+                <a:latin typeface="Franklin Gothic Medium"/>
+              </a:rPr>
+              <a:t>()</a:t>
+            </a:r>
+          </a:p>
+          <a:p>
+            <a:r>
+              <a:rPr lang="it-IT" sz="2400" spc="-1" dirty="0" smtClean="0">
+                <a:solidFill>
+                  <a:srgbClr val="404040"/>
+                </a:solidFill>
+                <a:uFill>
+                  <a:solidFill>
+                    <a:srgbClr val="FFFFFF"/>
+                  </a:solidFill>
+                </a:uFill>
+                <a:latin typeface="Franklin Gothic Medium"/>
+              </a:rPr>
+              <a:t>	</a:t>
+            </a:r>
+            <a:r>
+              <a:rPr lang="it-IT" sz="2400" spc="-1" dirty="0" err="1" smtClean="0">
+                <a:solidFill>
+                  <a:srgbClr val="404040"/>
+                </a:solidFill>
+                <a:uFill>
+                  <a:solidFill>
+                    <a:srgbClr val="FFFFFF"/>
+                  </a:solidFill>
+                </a:uFill>
+                <a:latin typeface="Franklin Gothic Medium"/>
+              </a:rPr>
+              <a:t>corrections</a:t>
+            </a:r>
+            <a:r>
+              <a:rPr lang="it-IT" sz="2400" spc="-1" dirty="0" smtClean="0">
                 <a:solidFill>
                   <a:srgbClr val="404040"/>
                 </a:solidFill>
@@ -6839,21 +7156,37 @@
               <a:t> </a:t>
             </a:r>
             <a:r>
-              <a:rPr lang="en-US" sz="2800" spc="-1" dirty="0" err="1" smtClean="0">
-                <a:solidFill>
-                  <a:srgbClr val="404040"/>
-                </a:solidFill>
-                <a:uFill>
-                  <a:solidFill>
-                    <a:srgbClr val="FFFFFF"/>
-                  </a:solidFill>
-                </a:uFill>
-                <a:latin typeface="Franklin Gothic Medium"/>
-              </a:rPr>
-              <a:t>nltk</a:t>
-            </a:r>
-            <a:r>
-              <a:rPr lang="en-US" sz="2800" spc="-1" dirty="0" smtClean="0">
+              <a:rPr lang="it-IT" sz="2400" spc="-1" dirty="0">
+                <a:solidFill>
+                  <a:srgbClr val="404040"/>
+                </a:solidFill>
+                <a:uFill>
+                  <a:solidFill>
+                    <a:srgbClr val="FFFFFF"/>
+                  </a:solidFill>
+                </a:uFill>
+                <a:latin typeface="Franklin Gothic Medium"/>
+              </a:rPr>
+              <a:t>= []</a:t>
+            </a:r>
+          </a:p>
+          <a:p>
+            <a:r>
+              <a:rPr lang="it-IT" sz="2400" spc="-1" dirty="0" smtClean="0">
+                <a:solidFill>
+                  <a:srgbClr val="E76724"/>
+                </a:solidFill>
+                <a:uFill>
+                  <a:solidFill>
+                    <a:srgbClr val="FFFFFF"/>
+                  </a:solidFill>
+                </a:uFill>
+                <a:latin typeface="Franklin Gothic Medium"/>
+              </a:rPr>
+              <a:t>	for</a:t>
+            </a:r>
+            <a:r>
+              <a:rPr lang="it-IT" sz="2400" spc="-1" dirty="0" smtClean="0">
                 <a:solidFill>
                   <a:srgbClr val="404040"/>
                 </a:solidFill>
@@ -6867,21 +7200,35 @@
               <a:t> </a:t>
             </a:r>
             <a:r>
-              <a:rPr lang="en-US" sz="2800" spc="-1" dirty="0" err="1" smtClean="0">
-                <a:solidFill>
-                  <a:srgbClr val="404040"/>
-                </a:solidFill>
-                <a:uFill>
-                  <a:solidFill>
-                    <a:srgbClr val="FFFFFF"/>
-                  </a:solidFill>
-                </a:uFill>
-                <a:latin typeface="Franklin Gothic Medium"/>
-              </a:rPr>
-              <a:t>che</a:t>
-            </a:r>
-            <a:r>
-              <a:rPr lang="en-US" sz="2800" spc="-1" dirty="0" smtClean="0">
+              <a:rPr lang="it-IT" sz="2400" spc="-1" dirty="0">
+                <a:solidFill>
+                  <a:srgbClr val="404040"/>
+                </a:solidFill>
+                <a:uFill>
+                  <a:solidFill>
+                    <a:srgbClr val="FFFFFF"/>
+                  </a:solidFill>
+                </a:uFill>
+                <a:latin typeface="Franklin Gothic Medium"/>
+              </a:rPr>
+              <a:t>token </a:t>
+            </a:r>
+            <a:r>
+              <a:rPr lang="it-IT" sz="2400" spc="-1" dirty="0">
+                <a:solidFill>
+                  <a:srgbClr val="E76724"/>
+                </a:solidFill>
+                <a:uFill>
+                  <a:solidFill>
+                    <a:srgbClr val="FFFFFF"/>
+                  </a:solidFill>
+                </a:uFill>
+                <a:latin typeface="Franklin Gothic Medium"/>
+              </a:rPr>
+              <a:t>in</a:t>
+            </a:r>
+            <a:r>
+              <a:rPr lang="it-IT" sz="2400" spc="-1" dirty="0" smtClean="0">
                 <a:solidFill>
                   <a:srgbClr val="404040"/>
                 </a:solidFill>
@@ -6895,49 +7242,237 @@
               <a:t> </a:t>
             </a:r>
             <a:r>
-              <a:rPr lang="en-US" sz="2800" spc="-1" dirty="0" err="1" smtClean="0">
-                <a:solidFill>
-                  <a:srgbClr val="404040"/>
-                </a:solidFill>
-                <a:uFill>
-                  <a:solidFill>
-                    <a:srgbClr val="FFFFFF"/>
-                  </a:solidFill>
-                </a:uFill>
-                <a:latin typeface="Franklin Gothic Medium"/>
-              </a:rPr>
-              <a:t>mette</a:t>
-            </a:r>
-            <a:r>
-              <a:rPr lang="en-US" sz="2800" spc="-1" dirty="0" smtClean="0">
-                <a:solidFill>
-                  <a:srgbClr val="404040"/>
-                </a:solidFill>
-                <a:uFill>
-                  <a:solidFill>
-                    <a:srgbClr val="FFFFFF"/>
-                  </a:solidFill>
-                </a:uFill>
-                <a:latin typeface="Franklin Gothic Medium"/>
-              </a:rPr>
-              <a:t> a </a:t>
-            </a:r>
-            <a:r>
-              <a:rPr lang="en-US" sz="2800" spc="-1" dirty="0" err="1" smtClean="0">
-                <a:solidFill>
-                  <a:srgbClr val="404040"/>
-                </a:solidFill>
-                <a:uFill>
-                  <a:solidFill>
-                    <a:srgbClr val="FFFFFF"/>
-                  </a:solidFill>
-                </a:uFill>
-                <a:latin typeface="Franklin Gothic Medium"/>
-              </a:rPr>
-              <a:t>disposizione</a:t>
-            </a:r>
-            <a:r>
-              <a:rPr lang="en-US" sz="2800" spc="-1" dirty="0" smtClean="0">
+              <a:rPr lang="it-IT" sz="2400" spc="-1" dirty="0" err="1" smtClean="0">
+                <a:solidFill>
+                  <a:srgbClr val="404040"/>
+                </a:solidFill>
+                <a:uFill>
+                  <a:solidFill>
+                    <a:srgbClr val="FFFFFF"/>
+                  </a:solidFill>
+                </a:uFill>
+                <a:latin typeface="Franklin Gothic Medium"/>
+              </a:rPr>
+              <a:t>analyzer</a:t>
+            </a:r>
+            <a:r>
+              <a:rPr lang="it-IT" sz="2400" spc="-1" dirty="0" smtClean="0">
+                <a:solidFill>
+                  <a:srgbClr val="404040"/>
+                </a:solidFill>
+                <a:uFill>
+                  <a:solidFill>
+                    <a:srgbClr val="FFFFFF"/>
+                  </a:solidFill>
+                </a:uFill>
+                <a:latin typeface="Franklin Gothic Medium"/>
+              </a:rPr>
+              <a:t>(query):</a:t>
+            </a:r>
+          </a:p>
+          <a:p>
+            <a:r>
+              <a:rPr lang="it-IT" sz="2400" spc="-1" dirty="0" smtClean="0">
+                <a:solidFill>
+                  <a:srgbClr val="404040"/>
+                </a:solidFill>
+                <a:uFill>
+                  <a:solidFill>
+                    <a:srgbClr val="FFFFFF"/>
+                  </a:solidFill>
+                </a:uFill>
+                <a:latin typeface="Franklin Gothic Medium"/>
+              </a:rPr>
+              <a:t>		q = </a:t>
+            </a:r>
+            <a:r>
+              <a:rPr lang="it-IT" sz="2400" spc="-1" dirty="0" err="1" smtClean="0">
+                <a:solidFill>
+                  <a:srgbClr val="404040"/>
+                </a:solidFill>
+                <a:uFill>
+                  <a:solidFill>
+                    <a:srgbClr val="FFFFFF"/>
+                  </a:solidFill>
+                </a:uFill>
+                <a:latin typeface="Franklin Gothic Medium"/>
+              </a:rPr>
+              <a:t>qp.parse</a:t>
+            </a:r>
+            <a:r>
+              <a:rPr lang="it-IT" sz="2400" spc="-1" dirty="0" smtClean="0">
+                <a:solidFill>
+                  <a:srgbClr val="404040"/>
+                </a:solidFill>
+                <a:uFill>
+                  <a:solidFill>
+                    <a:srgbClr val="FFFFFF"/>
+                  </a:solidFill>
+                </a:uFill>
+                <a:latin typeface="Franklin Gothic Medium"/>
+              </a:rPr>
+              <a:t>(</a:t>
+            </a:r>
+            <a:r>
+              <a:rPr lang="it-IT" sz="2400" spc="-1" dirty="0" err="1" smtClean="0">
+                <a:solidFill>
+                  <a:srgbClr val="404040"/>
+                </a:solidFill>
+                <a:uFill>
+                  <a:solidFill>
+                    <a:srgbClr val="FFFFFF"/>
+                  </a:solidFill>
+                </a:uFill>
+                <a:latin typeface="Franklin Gothic Medium"/>
+              </a:rPr>
+              <a:t>token.text</a:t>
+            </a:r>
+            <a:r>
+              <a:rPr lang="it-IT" sz="2400" spc="-1" dirty="0" smtClean="0">
+                <a:solidFill>
+                  <a:srgbClr val="404040"/>
+                </a:solidFill>
+                <a:uFill>
+                  <a:solidFill>
+                    <a:srgbClr val="FFFFFF"/>
+                  </a:solidFill>
+                </a:uFill>
+                <a:latin typeface="Franklin Gothic Medium"/>
+              </a:rPr>
+              <a:t>)</a:t>
+            </a:r>
+          </a:p>
+          <a:p>
+            <a:r>
+              <a:rPr lang="it-IT" sz="2400" spc="-1" dirty="0" smtClean="0">
+                <a:solidFill>
+                  <a:srgbClr val="404040"/>
+                </a:solidFill>
+                <a:uFill>
+                  <a:solidFill>
+                    <a:srgbClr val="FFFFFF"/>
+                  </a:solidFill>
+                </a:uFill>
+                <a:latin typeface="Franklin Gothic Medium"/>
+              </a:rPr>
+              <a:t>		</a:t>
+            </a:r>
+            <a:r>
+              <a:rPr lang="it-IT" sz="2400" spc="-1" dirty="0" err="1" smtClean="0">
+                <a:solidFill>
+                  <a:srgbClr val="404040"/>
+                </a:solidFill>
+                <a:uFill>
+                  <a:solidFill>
+                    <a:srgbClr val="FFFFFF"/>
+                  </a:solidFill>
+                </a:uFill>
+                <a:latin typeface="Franklin Gothic Medium"/>
+              </a:rPr>
+              <a:t>corrected</a:t>
+            </a:r>
+            <a:r>
+              <a:rPr lang="it-IT" sz="2400" spc="-1" dirty="0" smtClean="0">
+                <a:solidFill>
+                  <a:srgbClr val="404040"/>
+                </a:solidFill>
+                <a:uFill>
+                  <a:solidFill>
+                    <a:srgbClr val="FFFFFF"/>
+                  </a:solidFill>
+                </a:uFill>
+                <a:latin typeface="Franklin Gothic Medium"/>
+              </a:rPr>
+              <a:t> = </a:t>
+            </a:r>
+            <a:r>
+              <a:rPr lang="it-IT" sz="2400" spc="-1" dirty="0" err="1" smtClean="0">
+                <a:solidFill>
+                  <a:srgbClr val="404040"/>
+                </a:solidFill>
+                <a:uFill>
+                  <a:solidFill>
+                    <a:srgbClr val="FFFFFF"/>
+                  </a:solidFill>
+                </a:uFill>
+                <a:latin typeface="Franklin Gothic Medium"/>
+              </a:rPr>
+              <a:t>s.correct_query</a:t>
+            </a:r>
+            <a:r>
+              <a:rPr lang="it-IT" sz="2400" spc="-1" dirty="0" smtClean="0">
+                <a:solidFill>
+                  <a:srgbClr val="404040"/>
+                </a:solidFill>
+                <a:uFill>
+                  <a:solidFill>
+                    <a:srgbClr val="FFFFFF"/>
+                  </a:solidFill>
+                </a:uFill>
+                <a:latin typeface="Franklin Gothic Medium"/>
+              </a:rPr>
+              <a:t>(q, </a:t>
+            </a:r>
+            <a:r>
+              <a:rPr lang="it-IT" sz="2400" spc="-1" dirty="0" err="1" smtClean="0">
+                <a:solidFill>
+                  <a:srgbClr val="404040"/>
+                </a:solidFill>
+                <a:uFill>
+                  <a:solidFill>
+                    <a:srgbClr val="FFFFFF"/>
+                  </a:solidFill>
+                </a:uFill>
+                <a:latin typeface="Franklin Gothic Medium"/>
+              </a:rPr>
+              <a:t>token.text</a:t>
+            </a:r>
+            <a:r>
+              <a:rPr lang="it-IT" sz="2400" spc="-1" dirty="0" smtClean="0">
+                <a:solidFill>
+                  <a:srgbClr val="404040"/>
+                </a:solidFill>
+                <a:uFill>
+                  <a:solidFill>
+                    <a:srgbClr val="FFFFFF"/>
+                  </a:solidFill>
+                </a:uFill>
+                <a:latin typeface="Franklin Gothic Medium"/>
+              </a:rPr>
+              <a:t>)</a:t>
+            </a:r>
+          </a:p>
+          <a:p>
+            <a:r>
+              <a:rPr lang="it-IT" sz="2400" spc="-1" dirty="0" smtClean="0">
+                <a:solidFill>
+                  <a:srgbClr val="404040"/>
+                </a:solidFill>
+                <a:uFill>
+                  <a:solidFill>
+                    <a:srgbClr val="FFFFFF"/>
+                  </a:solidFill>
+                </a:uFill>
+                <a:latin typeface="Franklin Gothic Medium"/>
+              </a:rPr>
+              <a:t>		</a:t>
+            </a:r>
+            <a:r>
+              <a:rPr lang="it-IT" sz="2400" spc="-1" dirty="0">
+                <a:solidFill>
+                  <a:srgbClr val="E76724"/>
+                </a:solidFill>
+                <a:uFill>
+                  <a:solidFill>
+                    <a:srgbClr val="FFFFFF"/>
+                  </a:solidFill>
+                </a:uFill>
+                <a:latin typeface="Franklin Gothic Medium"/>
+              </a:rPr>
+              <a:t>if</a:t>
+            </a:r>
+            <a:r>
+              <a:rPr lang="it-IT" sz="2400" spc="-1" dirty="0" smtClean="0">
                 <a:solidFill>
                   <a:srgbClr val="404040"/>
                 </a:solidFill>
@@ -6950,13 +7485,223 @@
               </a:rPr>
               <a:t> </a:t>
             </a:r>
+            <a:r>
+              <a:rPr lang="it-IT" sz="2400" spc="-1" dirty="0" err="1" smtClean="0">
+                <a:solidFill>
+                  <a:srgbClr val="404040"/>
+                </a:solidFill>
+                <a:uFill>
+                  <a:solidFill>
+                    <a:srgbClr val="FFFFFF"/>
+                  </a:solidFill>
+                </a:uFill>
+                <a:latin typeface="Franklin Gothic Medium"/>
+              </a:rPr>
+              <a:t>corrected.query</a:t>
+            </a:r>
+            <a:r>
+              <a:rPr lang="it-IT" sz="2400" spc="-1" dirty="0" smtClean="0">
+                <a:solidFill>
+                  <a:srgbClr val="404040"/>
+                </a:solidFill>
+                <a:uFill>
+                  <a:solidFill>
+                    <a:srgbClr val="FFFFFF"/>
+                  </a:solidFill>
+                </a:uFill>
+                <a:latin typeface="Franklin Gothic Medium"/>
+              </a:rPr>
+              <a:t> != q:</a:t>
+            </a:r>
+          </a:p>
+          <a:p>
+            <a:r>
+              <a:rPr lang="it-IT" sz="2400" spc="-1" dirty="0" smtClean="0">
+                <a:solidFill>
+                  <a:srgbClr val="404040"/>
+                </a:solidFill>
+                <a:uFill>
+                  <a:solidFill>
+                    <a:srgbClr val="FFFFFF"/>
+                  </a:solidFill>
+                </a:uFill>
+                <a:latin typeface="Franklin Gothic Medium"/>
+              </a:rPr>
+              <a:t>			</a:t>
+            </a:r>
+            <a:r>
+              <a:rPr lang="it-IT" sz="2400" spc="-1" dirty="0" err="1" smtClean="0">
+                <a:solidFill>
+                  <a:srgbClr val="404040"/>
+                </a:solidFill>
+                <a:uFill>
+                  <a:solidFill>
+                    <a:srgbClr val="FFFFFF"/>
+                  </a:solidFill>
+                </a:uFill>
+                <a:latin typeface="Franklin Gothic Medium"/>
+              </a:rPr>
+              <a:t>corrections.append</a:t>
+            </a:r>
+            <a:r>
+              <a:rPr lang="it-IT" sz="2400" spc="-1" dirty="0" smtClean="0">
+                <a:solidFill>
+                  <a:srgbClr val="404040"/>
+                </a:solidFill>
+                <a:uFill>
+                  <a:solidFill>
+                    <a:srgbClr val="FFFFFF"/>
+                  </a:solidFill>
+                </a:uFill>
+                <a:latin typeface="Franklin Gothic Medium"/>
+              </a:rPr>
+              <a:t>((</a:t>
+            </a:r>
+            <a:r>
+              <a:rPr lang="it-IT" sz="2400" spc="-1" dirty="0" err="1" smtClean="0">
+                <a:solidFill>
+                  <a:srgbClr val="404040"/>
+                </a:solidFill>
+                <a:uFill>
+                  <a:solidFill>
+                    <a:srgbClr val="FFFFFF"/>
+                  </a:solidFill>
+                </a:uFill>
+                <a:latin typeface="Franklin Gothic Medium"/>
+              </a:rPr>
+              <a:t>token.text</a:t>
+            </a:r>
+            <a:r>
+              <a:rPr lang="it-IT" sz="2400" spc="-1" dirty="0" smtClean="0">
+                <a:solidFill>
+                  <a:srgbClr val="404040"/>
+                </a:solidFill>
+                <a:uFill>
+                  <a:solidFill>
+                    <a:srgbClr val="FFFFFF"/>
+                  </a:solidFill>
+                </a:uFill>
+                <a:latin typeface="Franklin Gothic Medium"/>
+              </a:rPr>
+              <a:t>, </a:t>
+            </a:r>
+            <a:r>
+              <a:rPr lang="it-IT" sz="2400" spc="-1" dirty="0" err="1" smtClean="0">
+                <a:solidFill>
+                  <a:srgbClr val="404040"/>
+                </a:solidFill>
+                <a:uFill>
+                  <a:solidFill>
+                    <a:srgbClr val="FFFFFF"/>
+                  </a:solidFill>
+                </a:uFill>
+                <a:latin typeface="Franklin Gothic Medium"/>
+              </a:rPr>
+              <a:t>corrected.string</a:t>
+            </a:r>
+            <a:r>
+              <a:rPr lang="it-IT" sz="2400" spc="-1" dirty="0" smtClean="0">
+                <a:solidFill>
+                  <a:srgbClr val="404040"/>
+                </a:solidFill>
+                <a:uFill>
+                  <a:solidFill>
+                    <a:srgbClr val="FFFFFF"/>
+                  </a:solidFill>
+                </a:uFill>
+                <a:latin typeface="Franklin Gothic Medium"/>
+              </a:rPr>
+              <a:t>))</a:t>
+            </a:r>
+          </a:p>
+          <a:p>
+            <a:endParaRPr lang="it-IT" sz="2400" spc="-1" dirty="0" smtClean="0">
+              <a:solidFill>
+                <a:srgbClr val="404040"/>
+              </a:solidFill>
+              <a:uFill>
+                <a:solidFill>
+                  <a:srgbClr val="FFFFFF"/>
+                </a:solidFill>
+              </a:uFill>
+              <a:latin typeface="Franklin Gothic Medium"/>
+            </a:endParaRPr>
+          </a:p>
+          <a:p>
+            <a:r>
+              <a:rPr lang="it-IT" sz="2400" spc="-1" dirty="0" smtClean="0">
+                <a:solidFill>
+                  <a:srgbClr val="E76724"/>
+                </a:solidFill>
+                <a:uFill>
+                  <a:solidFill>
+                    <a:srgbClr val="FFFFFF"/>
+                  </a:solidFill>
+                </a:uFill>
+                <a:latin typeface="Franklin Gothic Medium"/>
+              </a:rPr>
+              <a:t>	</a:t>
+            </a:r>
+            <a:r>
+              <a:rPr lang="it-IT" sz="2400" spc="-1" dirty="0" err="1" smtClean="0">
+                <a:solidFill>
+                  <a:srgbClr val="E76724"/>
+                </a:solidFill>
+                <a:uFill>
+                  <a:solidFill>
+                    <a:srgbClr val="FFFFFF"/>
+                  </a:solidFill>
+                </a:uFill>
+                <a:latin typeface="Franklin Gothic Medium"/>
+              </a:rPr>
+              <a:t>return</a:t>
+            </a:r>
+            <a:r>
+              <a:rPr lang="it-IT" sz="2400" spc="-1" dirty="0" smtClean="0">
+                <a:solidFill>
+                  <a:srgbClr val="404040"/>
+                </a:solidFill>
+                <a:uFill>
+                  <a:solidFill>
+                    <a:srgbClr val="FFFFFF"/>
+                  </a:solidFill>
+                </a:uFill>
+                <a:latin typeface="Franklin Gothic Medium"/>
+              </a:rPr>
+              <a:t> </a:t>
+            </a:r>
+            <a:r>
+              <a:rPr lang="it-IT" sz="2400" spc="-1" dirty="0" err="1" smtClean="0">
+                <a:solidFill>
+                  <a:srgbClr val="404040"/>
+                </a:solidFill>
+                <a:uFill>
+                  <a:solidFill>
+                    <a:srgbClr val="FFFFFF"/>
+                  </a:solidFill>
+                </a:uFill>
+                <a:latin typeface="Franklin Gothic Medium"/>
+              </a:rPr>
+              <a:t>corrections</a:t>
+            </a:r>
+            <a:endParaRPr lang="en-US" sz="2400" spc="-1" dirty="0">
+              <a:solidFill>
+                <a:srgbClr val="404040"/>
+              </a:solidFill>
+              <a:uFill>
+                <a:solidFill>
+                  <a:srgbClr val="FFFFFF"/>
+                </a:solidFill>
+              </a:uFill>
+              <a:latin typeface="Franklin Gothic Medium"/>
+            </a:endParaRPr>
           </a:p>
         </p:txBody>
       </p:sp>
     </p:spTree>
     <p:extLst>
       <p:ext uri="{BB962C8B-B14F-4D97-AF65-F5344CB8AC3E}">
-        <p14:creationId xmlns:p14="http://schemas.microsoft.com/office/powerpoint/2010/main" val="4023376459"/>
+        <p14:creationId xmlns:p14="http://schemas.microsoft.com/office/powerpoint/2010/main" val="3187986030"/>
       </p:ext>
     </p:extLst>
   </p:cSld>
@@ -7037,7 +7782,7 @@
           <a:lstStyle/>
           <a:p>
             <a:r>
-              <a:rPr lang="en-US" sz="3600" spc="-1" dirty="0" err="1" smtClean="0">
+              <a:rPr lang="en-US" sz="3600" spc="-1" dirty="0">
                 <a:solidFill>
                   <a:srgbClr val="FFFFFF"/>
                 </a:solidFill>
@@ -7048,9 +7793,23 @@
                 </a:uFill>
                 <a:latin typeface="Franklin Gothic Medium"/>
               </a:rPr>
-              <a:t>Pyenchant</a:t>
-            </a:r>
-            <a:endParaRPr lang="en-US" sz="3600" spc="-1" dirty="0" smtClean="0">
+              <a:t>N</a:t>
+            </a:r>
+            <a:r>
+              <a:rPr lang="en-US" sz="3600" spc="-1" dirty="0" smtClean="0">
+                <a:solidFill>
+                  <a:srgbClr val="FFFFFF"/>
+                </a:solidFill>
+                <a:uFill>
+                  <a:solidFill>
+                    <a:srgbClr val="FFFFFF"/>
+                  </a:solidFill>
+                </a:uFill>
+                <a:latin typeface="Franklin Gothic Medium"/>
+              </a:rPr>
+              <a:t>-grams</a:t>
+            </a:r>
+            <a:endParaRPr lang="en-US" sz="3600" spc="-1" dirty="0">
               <a:solidFill>
                 <a:srgbClr val="FFFFFF"/>
               </a:solidFill>
@@ -7155,7 +7914,7 @@
                 </a:uFill>
                 <a:latin typeface="Franklin Gothic Medium"/>
               </a:rPr>
-              <a:t> enchant di python </a:t>
+              <a:t> </a:t>
             </a:r>
             <a:r>
               <a:rPr lang="en-US" sz="2800" spc="-1" dirty="0" err="1" smtClean="0">
@@ -7169,6 +7928,34 @@
                 </a:uFill>
                 <a:latin typeface="Franklin Gothic Medium"/>
               </a:rPr>
+              <a:t>nltk</a:t>
+            </a:r>
+            <a:r>
+              <a:rPr lang="en-US" sz="2800" spc="-1" dirty="0" smtClean="0">
+                <a:solidFill>
+                  <a:srgbClr val="404040"/>
+                </a:solidFill>
+                <a:uFill>
+                  <a:solidFill>
+                    <a:srgbClr val="FFFFFF"/>
+                  </a:solidFill>
+                </a:uFill>
+                <a:latin typeface="Franklin Gothic Medium"/>
+              </a:rPr>
+              <a:t> </a:t>
+            </a:r>
+            <a:r>
+              <a:rPr lang="en-US" sz="2800" spc="-1" dirty="0" err="1" smtClean="0">
+                <a:solidFill>
+                  <a:srgbClr val="404040"/>
+                </a:solidFill>
+                <a:uFill>
+                  <a:solidFill>
+                    <a:srgbClr val="FFFFFF"/>
+                  </a:solidFill>
+                </a:uFill>
+                <a:latin typeface="Franklin Gothic Medium"/>
+              </a:rPr>
               <a:t>che</a:t>
             </a:r>
             <a:r>
@@ -7227,24 +8014,27 @@
               </a:rPr>
               <a:t>disposizione</a:t>
             </a:r>
-            <a:endParaRPr lang="en-US" sz="2800" spc="-1" dirty="0" smtClean="0">
-              <a:solidFill>
-                <a:srgbClr val="404040"/>
-              </a:solidFill>
-              <a:uFill>
-                <a:solidFill>
-                  <a:srgbClr val="FFFFFF"/>
-                </a:solidFill>
-              </a:uFill>
-              <a:latin typeface="Franklin Gothic Medium"/>
-            </a:endParaRPr>
+            <a:r>
+              <a:rPr lang="en-US" sz="2800" spc="-1" dirty="0" smtClean="0">
+                <a:solidFill>
+                  <a:srgbClr val="404040"/>
+                </a:solidFill>
+                <a:uFill>
+                  <a:solidFill>
+                    <a:srgbClr val="FFFFFF"/>
+                  </a:solidFill>
+                </a:uFill>
+                <a:latin typeface="Franklin Gothic Medium"/>
+              </a:rPr>
+              <a:t> </a:t>
+            </a:r>
           </a:p>
         </p:txBody>
       </p:sp>
     </p:spTree>
     <p:extLst>
       <p:ext uri="{BB962C8B-B14F-4D97-AF65-F5344CB8AC3E}">
-        <p14:creationId xmlns:p14="http://schemas.microsoft.com/office/powerpoint/2010/main" val="1487974897"/>
+        <p14:creationId xmlns:p14="http://schemas.microsoft.com/office/powerpoint/2010/main" val="4023376459"/>
       </p:ext>
     </p:extLst>
   </p:cSld>
@@ -7324,17 +8114,48 @@
           <a:bodyPr anchor="ctr"/>
           <a:lstStyle/>
           <a:p>
-            <a:endParaRPr lang="en-US" sz="3600" spc="-1" dirty="0">
-              <a:solidFill>
-                <a:srgbClr val="FFFFFF"/>
-              </a:solidFill>
-              <a:uFill>
+            <a:r>
+              <a:rPr lang="en-US" sz="3600" spc="-1" dirty="0" err="1">
                 <a:solidFill>
                   <a:srgbClr val="FFFFFF"/>
                 </a:solidFill>
-              </a:uFill>
-              <a:latin typeface="Franklin Gothic Medium"/>
-            </a:endParaRPr>
+                <a:uFill>
+                  <a:solidFill>
+                    <a:srgbClr val="FFFFFF"/>
+                  </a:solidFill>
+                </a:uFill>
+                <a:latin typeface="Franklin Gothic Medium"/>
+              </a:rPr>
+              <a:t>Codice</a:t>
+            </a:r>
+            <a:r>
+              <a:rPr lang="en-US" sz="3600" spc="-1" dirty="0">
+                <a:solidFill>
+                  <a:srgbClr val="FFFFFF"/>
+                </a:solidFill>
+                <a:uFill>
+                  <a:solidFill>
+                    <a:srgbClr val="FFFFFF"/>
+                  </a:solidFill>
+                </a:uFill>
+                <a:latin typeface="Franklin Gothic Medium"/>
+              </a:rPr>
+              <a:t>: </a:t>
+            </a:r>
+            <a:r>
+              <a:rPr lang="en-US" sz="3600" spc="-1" dirty="0" smtClean="0">
+                <a:solidFill>
+                  <a:srgbClr val="FFFFFF"/>
+                </a:solidFill>
+                <a:uFill>
+                  <a:solidFill>
+                    <a:srgbClr val="FFFFFF"/>
+                  </a:solidFill>
+                </a:uFill>
+                <a:latin typeface="Franklin Gothic Medium"/>
+              </a:rPr>
+              <a:t>N-Grams</a:t>
+            </a:r>
           </a:p>
         </p:txBody>
       </p:sp>
@@ -7361,7 +8182,834 @@
           <a:bodyPr/>
           <a:lstStyle/>
           <a:p>
-            <a:endParaRPr lang="en-US" sz="2800" spc="-1" dirty="0" smtClean="0">
+            <a:r>
+              <a:rPr lang="it-IT" sz="2400" spc="-1" dirty="0" err="1">
+                <a:solidFill>
+                  <a:srgbClr val="E76724"/>
+                </a:solidFill>
+                <a:uFill>
+                  <a:solidFill>
+                    <a:srgbClr val="FFFFFF"/>
+                  </a:solidFill>
+                </a:uFill>
+                <a:latin typeface="Franklin Gothic Medium" panose="020B0603020102020204" pitchFamily="34" charset="0"/>
+              </a:rPr>
+              <a:t>def</a:t>
+            </a:r>
+            <a:r>
+              <a:rPr lang="it-IT" sz="2400" dirty="0">
+                <a:latin typeface="Franklin Gothic Medium" panose="020B0603020102020204" pitchFamily="34" charset="0"/>
+              </a:rPr>
+              <a:t> </a:t>
+            </a:r>
+            <a:r>
+              <a:rPr lang="it-IT" sz="2400" spc="-1" dirty="0" err="1">
+                <a:solidFill>
+                  <a:srgbClr val="FFC000"/>
+                </a:solidFill>
+                <a:uFill>
+                  <a:solidFill>
+                    <a:srgbClr val="FFFFFF"/>
+                  </a:solidFill>
+                </a:uFill>
+                <a:latin typeface="Franklin Gothic Medium" panose="020B0603020102020204" pitchFamily="34" charset="0"/>
+              </a:rPr>
+              <a:t>ngramsCorrection</a:t>
+            </a:r>
+            <a:r>
+              <a:rPr lang="it-IT" sz="2400" spc="-1" dirty="0">
+                <a:solidFill>
+                  <a:srgbClr val="404040"/>
+                </a:solidFill>
+                <a:uFill>
+                  <a:solidFill>
+                    <a:srgbClr val="FFFFFF"/>
+                  </a:solidFill>
+                </a:uFill>
+                <a:latin typeface="Franklin Gothic Medium" panose="020B0603020102020204" pitchFamily="34" charset="0"/>
+              </a:rPr>
+              <a:t>(</a:t>
+            </a:r>
+            <a:r>
+              <a:rPr lang="it-IT" sz="2400" spc="-1" dirty="0">
+                <a:solidFill>
+                  <a:srgbClr val="7030A0"/>
+                </a:solidFill>
+                <a:uFill>
+                  <a:solidFill>
+                    <a:srgbClr val="FFFFFF"/>
+                  </a:solidFill>
+                </a:uFill>
+                <a:latin typeface="Franklin Gothic Medium" panose="020B0603020102020204" pitchFamily="34" charset="0"/>
+              </a:rPr>
+              <a:t>self</a:t>
+            </a:r>
+            <a:r>
+              <a:rPr lang="it-IT" sz="2400" spc="-1" dirty="0">
+                <a:solidFill>
+                  <a:srgbClr val="404040"/>
+                </a:solidFill>
+                <a:uFill>
+                  <a:solidFill>
+                    <a:srgbClr val="FFFFFF"/>
+                  </a:solidFill>
+                </a:uFill>
+                <a:latin typeface="Franklin Gothic Medium" panose="020B0603020102020204" pitchFamily="34" charset="0"/>
+              </a:rPr>
+              <a:t>, query</a:t>
+            </a:r>
+            <a:r>
+              <a:rPr lang="it-IT" sz="2400" spc="-1" dirty="0" smtClean="0">
+                <a:solidFill>
+                  <a:srgbClr val="404040"/>
+                </a:solidFill>
+                <a:uFill>
+                  <a:solidFill>
+                    <a:srgbClr val="FFFFFF"/>
+                  </a:solidFill>
+                </a:uFill>
+                <a:latin typeface="Franklin Gothic Medium" panose="020B0603020102020204" pitchFamily="34" charset="0"/>
+              </a:rPr>
+              <a:t>):</a:t>
+            </a:r>
+          </a:p>
+          <a:p>
+            <a:r>
+              <a:rPr lang="it-IT" sz="2400" spc="-1" dirty="0">
+                <a:solidFill>
+                  <a:srgbClr val="404040"/>
+                </a:solidFill>
+                <a:uFill>
+                  <a:solidFill>
+                    <a:srgbClr val="FFFFFF"/>
+                  </a:solidFill>
+                </a:uFill>
+                <a:latin typeface="Franklin Gothic Medium" panose="020B0603020102020204" pitchFamily="34" charset="0"/>
+              </a:rPr>
+              <a:t>	</a:t>
+            </a:r>
+            <a:r>
+              <a:rPr lang="it-IT" sz="2400" spc="-1" dirty="0" smtClean="0">
+                <a:solidFill>
+                  <a:srgbClr val="404040"/>
+                </a:solidFill>
+                <a:uFill>
+                  <a:solidFill>
+                    <a:srgbClr val="FFFFFF"/>
+                  </a:solidFill>
+                </a:uFill>
+                <a:latin typeface="Franklin Gothic Medium" panose="020B0603020102020204" pitchFamily="34" charset="0"/>
+              </a:rPr>
+              <a:t>. . .</a:t>
+            </a:r>
+          </a:p>
+          <a:p>
+            <a:r>
+              <a:rPr lang="it-IT" sz="2400" spc="-1" dirty="0">
+                <a:solidFill>
+                  <a:srgbClr val="404040"/>
+                </a:solidFill>
+                <a:uFill>
+                  <a:solidFill>
+                    <a:srgbClr val="FFFFFF"/>
+                  </a:solidFill>
+                </a:uFill>
+                <a:latin typeface="Franklin Gothic Medium" panose="020B0603020102020204" pitchFamily="34" charset="0"/>
+              </a:rPr>
+              <a:t>	</a:t>
+            </a:r>
+            <a:r>
+              <a:rPr lang="it-IT" sz="2400" spc="-1" dirty="0">
+                <a:solidFill>
+                  <a:srgbClr val="00B050"/>
+                </a:solidFill>
+                <a:uFill>
+                  <a:solidFill>
+                    <a:srgbClr val="FFFFFF"/>
+                  </a:solidFill>
+                </a:uFill>
+                <a:latin typeface="Franklin Gothic Medium" panose="020B0603020102020204" pitchFamily="34" charset="0"/>
+              </a:rPr>
+              <a:t># Try </a:t>
+            </a:r>
+            <a:r>
+              <a:rPr lang="it-IT" sz="2400" spc="-1" dirty="0" err="1">
+                <a:solidFill>
+                  <a:srgbClr val="00B050"/>
+                </a:solidFill>
+                <a:uFill>
+                  <a:solidFill>
+                    <a:srgbClr val="FFFFFF"/>
+                  </a:solidFill>
+                </a:uFill>
+                <a:latin typeface="Franklin Gothic Medium" panose="020B0603020102020204" pitchFamily="34" charset="0"/>
+              </a:rPr>
+              <a:t>correcting</a:t>
+            </a:r>
+            <a:r>
+              <a:rPr lang="it-IT" sz="2400" spc="-1" dirty="0">
+                <a:solidFill>
+                  <a:srgbClr val="00B050"/>
+                </a:solidFill>
+                <a:uFill>
+                  <a:solidFill>
+                    <a:srgbClr val="FFFFFF"/>
+                  </a:solidFill>
+                </a:uFill>
+                <a:latin typeface="Franklin Gothic Medium" panose="020B0603020102020204" pitchFamily="34" charset="0"/>
+              </a:rPr>
+              <a:t> the </a:t>
+            </a:r>
+            <a:r>
+              <a:rPr lang="it-IT" sz="2400" spc="-1" dirty="0" smtClean="0">
+                <a:solidFill>
+                  <a:srgbClr val="00B050"/>
+                </a:solidFill>
+                <a:uFill>
+                  <a:solidFill>
+                    <a:srgbClr val="FFFFFF"/>
+                  </a:solidFill>
+                </a:uFill>
+                <a:latin typeface="Franklin Gothic Medium" panose="020B0603020102020204" pitchFamily="34" charset="0"/>
+              </a:rPr>
+              <a:t>query</a:t>
+            </a:r>
+          </a:p>
+          <a:p>
+            <a:r>
+              <a:rPr lang="it-IT" sz="2400" spc="-1" dirty="0">
+                <a:solidFill>
+                  <a:srgbClr val="00B050"/>
+                </a:solidFill>
+                <a:uFill>
+                  <a:solidFill>
+                    <a:srgbClr val="FFFFFF"/>
+                  </a:solidFill>
+                </a:uFill>
+                <a:latin typeface="Franklin Gothic Medium" panose="020B0603020102020204" pitchFamily="34" charset="0"/>
+              </a:rPr>
+              <a:t>	</a:t>
+            </a:r>
+            <a:r>
+              <a:rPr lang="it-IT" sz="2400" spc="-1" dirty="0" err="1">
+                <a:solidFill>
+                  <a:srgbClr val="404040"/>
+                </a:solidFill>
+                <a:uFill>
+                  <a:solidFill>
+                    <a:srgbClr val="FFFFFF"/>
+                  </a:solidFill>
+                </a:uFill>
+                <a:latin typeface="Franklin Gothic Medium" panose="020B0603020102020204" pitchFamily="34" charset="0"/>
+              </a:rPr>
+              <a:t>corrections</a:t>
+            </a:r>
+            <a:r>
+              <a:rPr lang="it-IT" sz="2400" spc="-1" dirty="0">
+                <a:solidFill>
+                  <a:srgbClr val="404040"/>
+                </a:solidFill>
+                <a:uFill>
+                  <a:solidFill>
+                    <a:srgbClr val="FFFFFF"/>
+                  </a:solidFill>
+                </a:uFill>
+                <a:latin typeface="Franklin Gothic Medium" panose="020B0603020102020204" pitchFamily="34" charset="0"/>
+              </a:rPr>
+              <a:t> = </a:t>
+            </a:r>
+            <a:r>
+              <a:rPr lang="it-IT" sz="2400" spc="-1" dirty="0">
+                <a:solidFill>
+                  <a:srgbClr val="404040"/>
+                </a:solidFill>
+                <a:uFill>
+                  <a:solidFill>
+                    <a:srgbClr val="FFFFFF"/>
+                  </a:solidFill>
+                </a:uFill>
+                <a:latin typeface="Franklin Gothic Medium" panose="020B0603020102020204" pitchFamily="34" charset="0"/>
+              </a:rPr>
+              <a:t>[]</a:t>
+            </a:r>
+          </a:p>
+          <a:p>
+            <a:r>
+              <a:rPr lang="it-IT" sz="2400" spc="-1" dirty="0">
+                <a:solidFill>
+                  <a:srgbClr val="00B050"/>
+                </a:solidFill>
+                <a:uFill>
+                  <a:solidFill>
+                    <a:srgbClr val="FFFFFF"/>
+                  </a:solidFill>
+                </a:uFill>
+                <a:latin typeface="Franklin Gothic Medium" panose="020B0603020102020204" pitchFamily="34" charset="0"/>
+              </a:rPr>
+              <a:t>	</a:t>
+            </a:r>
+            <a:r>
+              <a:rPr lang="it-IT" sz="2400" spc="-1" dirty="0">
+                <a:solidFill>
+                  <a:srgbClr val="E76724"/>
+                </a:solidFill>
+                <a:uFill>
+                  <a:solidFill>
+                    <a:srgbClr val="FFFFFF"/>
+                  </a:solidFill>
+                </a:uFill>
+                <a:latin typeface="Franklin Gothic Medium" panose="020B0603020102020204" pitchFamily="34" charset="0"/>
+              </a:rPr>
+              <a:t>for</a:t>
+            </a:r>
+            <a:r>
+              <a:rPr lang="it-IT" sz="2400" dirty="0">
+                <a:latin typeface="Franklin Gothic Medium" panose="020B0603020102020204" pitchFamily="34" charset="0"/>
+              </a:rPr>
+              <a:t> </a:t>
+            </a:r>
+            <a:r>
+              <a:rPr lang="it-IT" sz="2400" spc="-1" dirty="0">
+                <a:solidFill>
+                  <a:srgbClr val="404040"/>
+                </a:solidFill>
+                <a:uFill>
+                  <a:solidFill>
+                    <a:srgbClr val="FFFFFF"/>
+                  </a:solidFill>
+                </a:uFill>
+                <a:latin typeface="Franklin Gothic Medium" panose="020B0603020102020204" pitchFamily="34" charset="0"/>
+              </a:rPr>
+              <a:t>token</a:t>
+            </a:r>
+            <a:r>
+              <a:rPr lang="it-IT" sz="2400" dirty="0">
+                <a:latin typeface="Franklin Gothic Medium" panose="020B0603020102020204" pitchFamily="34" charset="0"/>
+              </a:rPr>
+              <a:t> </a:t>
+            </a:r>
+            <a:r>
+              <a:rPr lang="it-IT" sz="2400" spc="-1" dirty="0">
+                <a:solidFill>
+                  <a:srgbClr val="E76724"/>
+                </a:solidFill>
+                <a:uFill>
+                  <a:solidFill>
+                    <a:srgbClr val="FFFFFF"/>
+                  </a:solidFill>
+                </a:uFill>
+                <a:latin typeface="Franklin Gothic Medium" panose="020B0603020102020204" pitchFamily="34" charset="0"/>
+              </a:rPr>
+              <a:t>in</a:t>
+            </a:r>
+            <a:r>
+              <a:rPr lang="it-IT" sz="2400" dirty="0">
+                <a:latin typeface="Franklin Gothic Medium" panose="020B0603020102020204" pitchFamily="34" charset="0"/>
+              </a:rPr>
+              <a:t> </a:t>
+            </a:r>
+            <a:r>
+              <a:rPr lang="it-IT" sz="2400" spc="-1" dirty="0" err="1">
+                <a:solidFill>
+                  <a:srgbClr val="404040"/>
+                </a:solidFill>
+                <a:uFill>
+                  <a:solidFill>
+                    <a:srgbClr val="FFFFFF"/>
+                  </a:solidFill>
+                </a:uFill>
+                <a:latin typeface="Franklin Gothic Medium" panose="020B0603020102020204" pitchFamily="34" charset="0"/>
+              </a:rPr>
+              <a:t>analyzer</a:t>
+            </a:r>
+            <a:r>
+              <a:rPr lang="it-IT" sz="2400" spc="-1" dirty="0">
+                <a:solidFill>
+                  <a:srgbClr val="404040"/>
+                </a:solidFill>
+                <a:uFill>
+                  <a:solidFill>
+                    <a:srgbClr val="FFFFFF"/>
+                  </a:solidFill>
+                </a:uFill>
+                <a:latin typeface="Franklin Gothic Medium" panose="020B0603020102020204" pitchFamily="34" charset="0"/>
+              </a:rPr>
+              <a:t>(query</a:t>
+            </a:r>
+            <a:r>
+              <a:rPr lang="it-IT" sz="2400" spc="-1" dirty="0">
+                <a:solidFill>
+                  <a:srgbClr val="404040"/>
+                </a:solidFill>
+                <a:uFill>
+                  <a:solidFill>
+                    <a:srgbClr val="FFFFFF"/>
+                  </a:solidFill>
+                </a:uFill>
+                <a:latin typeface="Franklin Gothic Medium" panose="020B0603020102020204" pitchFamily="34" charset="0"/>
+              </a:rPr>
+              <a:t>):</a:t>
+            </a:r>
+          </a:p>
+          <a:p>
+            <a:r>
+              <a:rPr lang="it-IT" sz="2400" spc="-1" dirty="0">
+                <a:solidFill>
+                  <a:srgbClr val="00B050"/>
+                </a:solidFill>
+                <a:uFill>
+                  <a:solidFill>
+                    <a:srgbClr val="FFFFFF"/>
+                  </a:solidFill>
+                </a:uFill>
+                <a:latin typeface="Franklin Gothic Medium" panose="020B0603020102020204" pitchFamily="34" charset="0"/>
+              </a:rPr>
+              <a:t>	</a:t>
+            </a:r>
+            <a:r>
+              <a:rPr lang="it-IT" sz="2400" spc="-1" dirty="0" smtClean="0">
+                <a:solidFill>
+                  <a:srgbClr val="00B050"/>
+                </a:solidFill>
+                <a:uFill>
+                  <a:solidFill>
+                    <a:srgbClr val="FFFFFF"/>
+                  </a:solidFill>
+                </a:uFill>
+                <a:latin typeface="Franklin Gothic Medium" panose="020B0603020102020204" pitchFamily="34" charset="0"/>
+              </a:rPr>
+              <a:t>	</a:t>
+            </a:r>
+            <a:r>
+              <a:rPr lang="it-IT" sz="2400" spc="-1" dirty="0" err="1">
+                <a:solidFill>
+                  <a:srgbClr val="404040"/>
+                </a:solidFill>
+                <a:uFill>
+                  <a:solidFill>
+                    <a:srgbClr val="FFFFFF"/>
+                  </a:solidFill>
+                </a:uFill>
+                <a:latin typeface="Franklin Gothic Medium" panose="020B0603020102020204" pitchFamily="34" charset="0"/>
+              </a:rPr>
+              <a:t>corrected</a:t>
+            </a:r>
+            <a:r>
+              <a:rPr lang="it-IT" sz="2400" spc="-1" dirty="0">
+                <a:solidFill>
+                  <a:srgbClr val="404040"/>
+                </a:solidFill>
+                <a:uFill>
+                  <a:solidFill>
+                    <a:srgbClr val="FFFFFF"/>
+                  </a:solidFill>
+                </a:uFill>
+                <a:latin typeface="Franklin Gothic Medium" panose="020B0603020102020204" pitchFamily="34" charset="0"/>
+              </a:rPr>
+              <a:t> = </a:t>
+            </a:r>
+            <a:r>
+              <a:rPr lang="it-IT" sz="2400" spc="-1" dirty="0" err="1">
+                <a:solidFill>
+                  <a:srgbClr val="7030A0"/>
+                </a:solidFill>
+                <a:uFill>
+                  <a:solidFill>
+                    <a:srgbClr val="FFFFFF"/>
+                  </a:solidFill>
+                </a:uFill>
+                <a:latin typeface="Franklin Gothic Medium" panose="020B0603020102020204" pitchFamily="34" charset="0"/>
+              </a:rPr>
+              <a:t>self</a:t>
+            </a:r>
+            <a:r>
+              <a:rPr lang="it-IT" sz="2400" spc="-1" dirty="0" err="1">
+                <a:solidFill>
+                  <a:srgbClr val="404040"/>
+                </a:solidFill>
+                <a:uFill>
+                  <a:solidFill>
+                    <a:srgbClr val="FFFFFF"/>
+                  </a:solidFill>
+                </a:uFill>
+                <a:latin typeface="Franklin Gothic Medium" panose="020B0603020102020204" pitchFamily="34" charset="0"/>
+              </a:rPr>
+              <a:t>.ngramsMatcher</a:t>
+            </a:r>
+            <a:r>
+              <a:rPr lang="it-IT" sz="2400" spc="-1" dirty="0">
+                <a:solidFill>
+                  <a:srgbClr val="404040"/>
+                </a:solidFill>
+                <a:uFill>
+                  <a:solidFill>
+                    <a:srgbClr val="FFFFFF"/>
+                  </a:solidFill>
+                </a:uFill>
+                <a:latin typeface="Franklin Gothic Medium" panose="020B0603020102020204" pitchFamily="34" charset="0"/>
+              </a:rPr>
+              <a:t>(</a:t>
+            </a:r>
+            <a:r>
+              <a:rPr lang="it-IT" sz="2400" spc="-1" dirty="0" err="1">
+                <a:solidFill>
+                  <a:srgbClr val="404040"/>
+                </a:solidFill>
+                <a:uFill>
+                  <a:solidFill>
+                    <a:srgbClr val="FFFFFF"/>
+                  </a:solidFill>
+                </a:uFill>
+                <a:latin typeface="Franklin Gothic Medium" panose="020B0603020102020204" pitchFamily="34" charset="0"/>
+              </a:rPr>
+              <a:t>token.text</a:t>
+            </a:r>
+            <a:r>
+              <a:rPr lang="it-IT" sz="2400" spc="-1" dirty="0">
+                <a:solidFill>
+                  <a:srgbClr val="404040"/>
+                </a:solidFill>
+                <a:uFill>
+                  <a:solidFill>
+                    <a:srgbClr val="FFFFFF"/>
+                  </a:solidFill>
+                </a:uFill>
+                <a:latin typeface="Franklin Gothic Medium" panose="020B0603020102020204" pitchFamily="34" charset="0"/>
+              </a:rPr>
+              <a:t>)</a:t>
+            </a:r>
+          </a:p>
+          <a:p>
+            <a:r>
+              <a:rPr lang="it-IT" sz="2400" spc="-1" dirty="0">
+                <a:solidFill>
+                  <a:srgbClr val="00B050"/>
+                </a:solidFill>
+                <a:uFill>
+                  <a:solidFill>
+                    <a:srgbClr val="FFFFFF"/>
+                  </a:solidFill>
+                </a:uFill>
+                <a:latin typeface="Franklin Gothic Medium" panose="020B0603020102020204" pitchFamily="34" charset="0"/>
+              </a:rPr>
+              <a:t>	</a:t>
+            </a:r>
+            <a:r>
+              <a:rPr lang="it-IT" sz="2400" spc="-1" dirty="0" smtClean="0">
+                <a:solidFill>
+                  <a:srgbClr val="00B050"/>
+                </a:solidFill>
+                <a:uFill>
+                  <a:solidFill>
+                    <a:srgbClr val="FFFFFF"/>
+                  </a:solidFill>
+                </a:uFill>
+                <a:latin typeface="Franklin Gothic Medium" panose="020B0603020102020204" pitchFamily="34" charset="0"/>
+              </a:rPr>
+              <a:t>	</a:t>
+            </a:r>
+            <a:r>
+              <a:rPr lang="en-US" sz="2400" spc="-1" dirty="0">
+                <a:solidFill>
+                  <a:srgbClr val="E76724"/>
+                </a:solidFill>
+                <a:uFill>
+                  <a:solidFill>
+                    <a:srgbClr val="FFFFFF"/>
+                  </a:solidFill>
+                </a:uFill>
+                <a:latin typeface="Franklin Gothic Medium" panose="020B0603020102020204" pitchFamily="34" charset="0"/>
+              </a:rPr>
+              <a:t>if</a:t>
+            </a:r>
+            <a:r>
+              <a:rPr lang="en-US" sz="2400" dirty="0">
+                <a:latin typeface="Franklin Gothic Medium" panose="020B0603020102020204" pitchFamily="34" charset="0"/>
+              </a:rPr>
+              <a:t> </a:t>
+            </a:r>
+            <a:r>
+              <a:rPr lang="en-US" sz="2400" spc="-1" dirty="0">
+                <a:solidFill>
+                  <a:srgbClr val="404040"/>
+                </a:solidFill>
+                <a:uFill>
+                  <a:solidFill>
+                    <a:srgbClr val="FFFFFF"/>
+                  </a:solidFill>
+                </a:uFill>
+                <a:latin typeface="Franklin Gothic Medium" panose="020B0603020102020204" pitchFamily="34" charset="0"/>
+              </a:rPr>
+              <a:t>corrected</a:t>
+            </a:r>
+            <a:r>
+              <a:rPr lang="en-US" sz="2400" dirty="0">
+                <a:latin typeface="Franklin Gothic Medium" panose="020B0603020102020204" pitchFamily="34" charset="0"/>
+              </a:rPr>
+              <a:t> </a:t>
+            </a:r>
+            <a:r>
+              <a:rPr lang="en-US" sz="2400" spc="-1" dirty="0">
+                <a:solidFill>
+                  <a:srgbClr val="E76724"/>
+                </a:solidFill>
+                <a:uFill>
+                  <a:solidFill>
+                    <a:srgbClr val="FFFFFF"/>
+                  </a:solidFill>
+                </a:uFill>
+                <a:latin typeface="Franklin Gothic Medium" panose="020B0603020102020204" pitchFamily="34" charset="0"/>
+              </a:rPr>
+              <a:t>is not </a:t>
+            </a:r>
+            <a:r>
+              <a:rPr lang="en-US" sz="2400" spc="-1" dirty="0">
+                <a:solidFill>
+                  <a:srgbClr val="7030A0"/>
+                </a:solidFill>
+                <a:uFill>
+                  <a:solidFill>
+                    <a:srgbClr val="FFFFFF"/>
+                  </a:solidFill>
+                </a:uFill>
+                <a:latin typeface="Franklin Gothic Medium" panose="020B0603020102020204" pitchFamily="34" charset="0"/>
+              </a:rPr>
+              <a:t>None</a:t>
+            </a:r>
+            <a:r>
+              <a:rPr lang="en-US" sz="2400" spc="-1" dirty="0">
+                <a:solidFill>
+                  <a:srgbClr val="404040"/>
+                </a:solidFill>
+                <a:uFill>
+                  <a:solidFill>
+                    <a:srgbClr val="FFFFFF"/>
+                  </a:solidFill>
+                </a:uFill>
+                <a:latin typeface="Franklin Gothic Medium" panose="020B0603020102020204" pitchFamily="34" charset="0"/>
+              </a:rPr>
+              <a:t> and corrected != </a:t>
+            </a:r>
+            <a:r>
+              <a:rPr lang="en-US" sz="2400" spc="-1" dirty="0" err="1">
+                <a:solidFill>
+                  <a:srgbClr val="404040"/>
+                </a:solidFill>
+                <a:uFill>
+                  <a:solidFill>
+                    <a:srgbClr val="FFFFFF"/>
+                  </a:solidFill>
+                </a:uFill>
+                <a:latin typeface="Franklin Gothic Medium" panose="020B0603020102020204" pitchFamily="34" charset="0"/>
+              </a:rPr>
+              <a:t>token.text</a:t>
+            </a:r>
+            <a:r>
+              <a:rPr lang="en-US" sz="2400" spc="-1" dirty="0">
+                <a:solidFill>
+                  <a:srgbClr val="404040"/>
+                </a:solidFill>
+                <a:uFill>
+                  <a:solidFill>
+                    <a:srgbClr val="FFFFFF"/>
+                  </a:solidFill>
+                </a:uFill>
+                <a:latin typeface="Franklin Gothic Medium" panose="020B0603020102020204" pitchFamily="34" charset="0"/>
+              </a:rPr>
+              <a:t>:</a:t>
+            </a:r>
+          </a:p>
+          <a:p>
+            <a:r>
+              <a:rPr lang="en-US" sz="2400" spc="-1" dirty="0">
+                <a:solidFill>
+                  <a:srgbClr val="404040"/>
+                </a:solidFill>
+                <a:uFill>
+                  <a:solidFill>
+                    <a:srgbClr val="FFFFFF"/>
+                  </a:solidFill>
+                </a:uFill>
+                <a:latin typeface="Franklin Gothic Medium" panose="020B0603020102020204" pitchFamily="34" charset="0"/>
+              </a:rPr>
+              <a:t>	</a:t>
+            </a:r>
+            <a:r>
+              <a:rPr lang="en-US" sz="2400" spc="-1" dirty="0">
+                <a:solidFill>
+                  <a:srgbClr val="404040"/>
+                </a:solidFill>
+                <a:uFill>
+                  <a:solidFill>
+                    <a:srgbClr val="FFFFFF"/>
+                  </a:solidFill>
+                </a:uFill>
+                <a:latin typeface="Franklin Gothic Medium" panose="020B0603020102020204" pitchFamily="34" charset="0"/>
+              </a:rPr>
+              <a:t>		</a:t>
+            </a:r>
+            <a:r>
+              <a:rPr lang="it-IT" sz="2400" spc="-1" dirty="0" err="1">
+                <a:solidFill>
+                  <a:srgbClr val="404040"/>
+                </a:solidFill>
+                <a:uFill>
+                  <a:solidFill>
+                    <a:srgbClr val="FFFFFF"/>
+                  </a:solidFill>
+                </a:uFill>
+                <a:latin typeface="Franklin Gothic Medium" panose="020B0603020102020204" pitchFamily="34" charset="0"/>
+              </a:rPr>
+              <a:t>corrections.append</a:t>
+            </a:r>
+            <a:r>
+              <a:rPr lang="it-IT" sz="2400" spc="-1" dirty="0">
+                <a:solidFill>
+                  <a:srgbClr val="404040"/>
+                </a:solidFill>
+                <a:uFill>
+                  <a:solidFill>
+                    <a:srgbClr val="FFFFFF"/>
+                  </a:solidFill>
+                </a:uFill>
+                <a:latin typeface="Franklin Gothic Medium" panose="020B0603020102020204" pitchFamily="34" charset="0"/>
+              </a:rPr>
+              <a:t>((</a:t>
+            </a:r>
+            <a:r>
+              <a:rPr lang="it-IT" sz="2400" spc="-1" dirty="0" err="1">
+                <a:solidFill>
+                  <a:srgbClr val="404040"/>
+                </a:solidFill>
+                <a:uFill>
+                  <a:solidFill>
+                    <a:srgbClr val="FFFFFF"/>
+                  </a:solidFill>
+                </a:uFill>
+                <a:latin typeface="Franklin Gothic Medium" panose="020B0603020102020204" pitchFamily="34" charset="0"/>
+              </a:rPr>
+              <a:t>token.text</a:t>
+            </a:r>
+            <a:r>
+              <a:rPr lang="it-IT" sz="2400" spc="-1" dirty="0">
+                <a:solidFill>
+                  <a:srgbClr val="404040"/>
+                </a:solidFill>
+                <a:uFill>
+                  <a:solidFill>
+                    <a:srgbClr val="FFFFFF"/>
+                  </a:solidFill>
+                </a:uFill>
+                <a:latin typeface="Franklin Gothic Medium" panose="020B0603020102020204" pitchFamily="34" charset="0"/>
+              </a:rPr>
+              <a:t>, </a:t>
+            </a:r>
+            <a:r>
+              <a:rPr lang="it-IT" sz="2400" spc="-1" dirty="0" err="1">
+                <a:solidFill>
+                  <a:srgbClr val="404040"/>
+                </a:solidFill>
+                <a:uFill>
+                  <a:solidFill>
+                    <a:srgbClr val="FFFFFF"/>
+                  </a:solidFill>
+                </a:uFill>
+                <a:latin typeface="Franklin Gothic Medium" panose="020B0603020102020204" pitchFamily="34" charset="0"/>
+              </a:rPr>
+              <a:t>corrected</a:t>
+            </a:r>
+            <a:r>
+              <a:rPr lang="it-IT" sz="2400" spc="-1" dirty="0">
+                <a:solidFill>
+                  <a:srgbClr val="404040"/>
+                </a:solidFill>
+                <a:uFill>
+                  <a:solidFill>
+                    <a:srgbClr val="FFFFFF"/>
+                  </a:solidFill>
+                </a:uFill>
+                <a:latin typeface="Franklin Gothic Medium" panose="020B0603020102020204" pitchFamily="34" charset="0"/>
+              </a:rPr>
+              <a:t>))</a:t>
+            </a:r>
+          </a:p>
+          <a:p>
+            <a:r>
+              <a:rPr lang="it-IT" sz="2400" spc="-1" dirty="0">
+                <a:solidFill>
+                  <a:srgbClr val="00B050"/>
+                </a:solidFill>
+                <a:uFill>
+                  <a:solidFill>
+                    <a:srgbClr val="FFFFFF"/>
+                  </a:solidFill>
+                </a:uFill>
+                <a:latin typeface="Franklin Gothic Medium" panose="020B0603020102020204" pitchFamily="34" charset="0"/>
+              </a:rPr>
+              <a:t>	</a:t>
+            </a:r>
+            <a:endParaRPr lang="it-IT" sz="2400" spc="-1" dirty="0" smtClean="0">
+              <a:solidFill>
+                <a:srgbClr val="00B050"/>
+              </a:solidFill>
+              <a:uFill>
+                <a:solidFill>
+                  <a:srgbClr val="FFFFFF"/>
+                </a:solidFill>
+              </a:uFill>
+              <a:latin typeface="Franklin Gothic Medium" panose="020B0603020102020204" pitchFamily="34" charset="0"/>
+            </a:endParaRPr>
+          </a:p>
+          <a:p>
+            <a:r>
+              <a:rPr lang="it-IT" sz="2400" spc="-1" dirty="0">
+                <a:solidFill>
+                  <a:srgbClr val="00B050"/>
+                </a:solidFill>
+                <a:uFill>
+                  <a:solidFill>
+                    <a:srgbClr val="FFFFFF"/>
+                  </a:solidFill>
+                </a:uFill>
+                <a:latin typeface="Franklin Gothic Medium" panose="020B0603020102020204" pitchFamily="34" charset="0"/>
+              </a:rPr>
+              <a:t>	</a:t>
+            </a:r>
+            <a:r>
+              <a:rPr lang="it-IT" sz="2400" spc="-1" dirty="0" err="1">
+                <a:solidFill>
+                  <a:srgbClr val="E76724"/>
+                </a:solidFill>
+                <a:uFill>
+                  <a:solidFill>
+                    <a:srgbClr val="FFFFFF"/>
+                  </a:solidFill>
+                </a:uFill>
+                <a:latin typeface="Franklin Gothic Medium" panose="020B0603020102020204" pitchFamily="34" charset="0"/>
+              </a:rPr>
+              <a:t>return</a:t>
+            </a:r>
+            <a:r>
+              <a:rPr lang="it-IT" sz="2400" dirty="0">
+                <a:latin typeface="Franklin Gothic Medium" panose="020B0603020102020204" pitchFamily="34" charset="0"/>
+              </a:rPr>
+              <a:t> </a:t>
+            </a:r>
+            <a:r>
+              <a:rPr lang="it-IT" sz="2400" spc="-1" dirty="0" err="1">
+                <a:solidFill>
+                  <a:srgbClr val="404040"/>
+                </a:solidFill>
+                <a:uFill>
+                  <a:solidFill>
+                    <a:srgbClr val="FFFFFF"/>
+                  </a:solidFill>
+                </a:uFill>
+                <a:latin typeface="Franklin Gothic Medium" panose="020B0603020102020204" pitchFamily="34" charset="0"/>
+              </a:rPr>
+              <a:t>corrections</a:t>
+            </a:r>
+            <a:endParaRPr lang="en-US" sz="2400" spc="-1" dirty="0">
               <a:solidFill>
                 <a:srgbClr val="404040"/>
               </a:solidFill>
@@ -7370,7 +9018,7 @@
                   <a:srgbClr val="FFFFFF"/>
                 </a:solidFill>
               </a:uFill>
-              <a:latin typeface="Franklin Gothic Medium"/>
+              <a:latin typeface="Franklin Gothic Medium" panose="020B0603020102020204" pitchFamily="34" charset="0"/>
             </a:endParaRPr>
           </a:p>
         </p:txBody>
@@ -7378,7 +9026,7 @@
     </p:spTree>
     <p:extLst>
       <p:ext uri="{BB962C8B-B14F-4D97-AF65-F5344CB8AC3E}">
-        <p14:creationId xmlns:p14="http://schemas.microsoft.com/office/powerpoint/2010/main" val="3187986030"/>
+        <p14:creationId xmlns:p14="http://schemas.microsoft.com/office/powerpoint/2010/main" val="2362631618"/>
       </p:ext>
     </p:extLst>
   </p:cSld>
@@ -7458,7 +9106,21 @@
           <a:bodyPr anchor="ctr"/>
           <a:lstStyle/>
           <a:p>
-            <a:endParaRPr lang="en-US" sz="3600" spc="-1" dirty="0">
+            <a:r>
+              <a:rPr lang="en-US" sz="3600" spc="-1" dirty="0" err="1" smtClean="0">
+                <a:solidFill>
+                  <a:srgbClr val="FFFFFF"/>
+                </a:solidFill>
+                <a:uFill>
+                  <a:solidFill>
+                    <a:srgbClr val="FFFFFF"/>
+                  </a:solidFill>
+                </a:uFill>
+                <a:latin typeface="Franklin Gothic Medium"/>
+              </a:rPr>
+              <a:t>Pyenchant</a:t>
+            </a:r>
+            <a:endParaRPr lang="en-US" sz="3600" spc="-1" dirty="0" smtClean="0">
               <a:solidFill>
                 <a:srgbClr val="FFFFFF"/>
               </a:solidFill>
@@ -7495,6 +9157,886 @@
           <a:bodyPr/>
           <a:lstStyle/>
           <a:p>
+            <a:r>
+              <a:rPr lang="en-US" sz="2800" spc="-1" dirty="0" smtClean="0">
+                <a:solidFill>
+                  <a:srgbClr val="404040"/>
+                </a:solidFill>
+                <a:uFill>
+                  <a:solidFill>
+                    <a:srgbClr val="FFFFFF"/>
+                  </a:solidFill>
+                </a:uFill>
+                <a:latin typeface="Franklin Gothic Medium"/>
+              </a:rPr>
+              <a:t>Grazie </a:t>
+            </a:r>
+            <a:r>
+              <a:rPr lang="en-US" sz="2800" spc="-1" dirty="0" err="1" smtClean="0">
+                <a:solidFill>
+                  <a:srgbClr val="404040"/>
+                </a:solidFill>
+                <a:uFill>
+                  <a:solidFill>
+                    <a:srgbClr val="FFFFFF"/>
+                  </a:solidFill>
+                </a:uFill>
+                <a:latin typeface="Franklin Gothic Medium"/>
+              </a:rPr>
+              <a:t>alla</a:t>
+            </a:r>
+            <a:r>
+              <a:rPr lang="en-US" sz="2800" spc="-1" dirty="0" smtClean="0">
+                <a:solidFill>
+                  <a:srgbClr val="404040"/>
+                </a:solidFill>
+                <a:uFill>
+                  <a:solidFill>
+                    <a:srgbClr val="FFFFFF"/>
+                  </a:solidFill>
+                </a:uFill>
+                <a:latin typeface="Franklin Gothic Medium"/>
+              </a:rPr>
+              <a:t> </a:t>
+            </a:r>
+            <a:r>
+              <a:rPr lang="en-US" sz="2800" spc="-1" dirty="0" err="1" smtClean="0">
+                <a:solidFill>
+                  <a:srgbClr val="404040"/>
+                </a:solidFill>
+                <a:uFill>
+                  <a:solidFill>
+                    <a:srgbClr val="FFFFFF"/>
+                  </a:solidFill>
+                </a:uFill>
+                <a:latin typeface="Franklin Gothic Medium"/>
+              </a:rPr>
+              <a:t>libreria</a:t>
+            </a:r>
+            <a:r>
+              <a:rPr lang="en-US" sz="2800" spc="-1" dirty="0" smtClean="0">
+                <a:solidFill>
+                  <a:srgbClr val="404040"/>
+                </a:solidFill>
+                <a:uFill>
+                  <a:solidFill>
+                    <a:srgbClr val="FFFFFF"/>
+                  </a:solidFill>
+                </a:uFill>
+                <a:latin typeface="Franklin Gothic Medium"/>
+              </a:rPr>
+              <a:t> enchant di python </a:t>
+            </a:r>
+            <a:r>
+              <a:rPr lang="en-US" sz="2800" spc="-1" dirty="0" err="1" smtClean="0">
+                <a:solidFill>
+                  <a:srgbClr val="404040"/>
+                </a:solidFill>
+                <a:uFill>
+                  <a:solidFill>
+                    <a:srgbClr val="FFFFFF"/>
+                  </a:solidFill>
+                </a:uFill>
+                <a:latin typeface="Franklin Gothic Medium"/>
+              </a:rPr>
+              <a:t>che</a:t>
+            </a:r>
+            <a:r>
+              <a:rPr lang="en-US" sz="2800" spc="-1" dirty="0" smtClean="0">
+                <a:solidFill>
+                  <a:srgbClr val="404040"/>
+                </a:solidFill>
+                <a:uFill>
+                  <a:solidFill>
+                    <a:srgbClr val="FFFFFF"/>
+                  </a:solidFill>
+                </a:uFill>
+                <a:latin typeface="Franklin Gothic Medium"/>
+              </a:rPr>
+              <a:t> </a:t>
+            </a:r>
+            <a:r>
+              <a:rPr lang="en-US" sz="2800" spc="-1" dirty="0" err="1" smtClean="0">
+                <a:solidFill>
+                  <a:srgbClr val="404040"/>
+                </a:solidFill>
+                <a:uFill>
+                  <a:solidFill>
+                    <a:srgbClr val="FFFFFF"/>
+                  </a:solidFill>
+                </a:uFill>
+                <a:latin typeface="Franklin Gothic Medium"/>
+              </a:rPr>
+              <a:t>mette</a:t>
+            </a:r>
+            <a:r>
+              <a:rPr lang="en-US" sz="2800" spc="-1" dirty="0" smtClean="0">
+                <a:solidFill>
+                  <a:srgbClr val="404040"/>
+                </a:solidFill>
+                <a:uFill>
+                  <a:solidFill>
+                    <a:srgbClr val="FFFFFF"/>
+                  </a:solidFill>
+                </a:uFill>
+                <a:latin typeface="Franklin Gothic Medium"/>
+              </a:rPr>
+              <a:t> a </a:t>
+            </a:r>
+            <a:r>
+              <a:rPr lang="en-US" sz="2800" spc="-1" dirty="0" err="1" smtClean="0">
+                <a:solidFill>
+                  <a:srgbClr val="404040"/>
+                </a:solidFill>
+                <a:uFill>
+                  <a:solidFill>
+                    <a:srgbClr val="FFFFFF"/>
+                  </a:solidFill>
+                </a:uFill>
+                <a:latin typeface="Franklin Gothic Medium"/>
+              </a:rPr>
+              <a:t>disposizione</a:t>
+            </a:r>
+            <a:endParaRPr lang="en-US" sz="2800" spc="-1" dirty="0" smtClean="0">
+              <a:solidFill>
+                <a:srgbClr val="404040"/>
+              </a:solidFill>
+              <a:uFill>
+                <a:solidFill>
+                  <a:srgbClr val="FFFFFF"/>
+                </a:solidFill>
+              </a:uFill>
+              <a:latin typeface="Franklin Gothic Medium"/>
+            </a:endParaRPr>
+          </a:p>
+        </p:txBody>
+      </p:sp>
+    </p:spTree>
+    <p:extLst>
+      <p:ext uri="{BB962C8B-B14F-4D97-AF65-F5344CB8AC3E}">
+        <p14:creationId xmlns:p14="http://schemas.microsoft.com/office/powerpoint/2010/main" val="1487974897"/>
+      </p:ext>
+    </p:extLst>
+  </p:cSld>
+  <p:clrMapOvr>
+    <a:masterClrMapping/>
+  </p:clrMapOvr>
+  <p:transition spd="med">
+    <p:fade/>
+  </p:transition>
+  <p:timing>
+    <p:tnLst>
+      <p:par>
+        <p:cTn id="1" dur="indefinite" restart="never" nodeType="tmRoot">
+          <p:childTnLst>
+            <p:seq>
+              <p:cTn id="2" nodeType="mainSeq"/>
+              <p:prevCondLst>
+                <p:cond evt="onPrev" delay="0">
+                  <p:tgtEl>
+                    <p:sldTgt/>
+                  </p:tgtEl>
+                </p:cond>
+              </p:prevCondLst>
+              <p:nextCondLst>
+                <p:cond evt="onNext" delay="0">
+                  <p:tgtEl>
+                    <p:sldTgt/>
+                  </p:tgtEl>
+                </p:cond>
+              </p:nextCondLst>
+            </p:seq>
+          </p:childTnLst>
+        </p:cTn>
+      </p:par>
+    </p:tnLst>
+  </p:timing>
+</p:sld>
+</file>
+
+<file path=ppt/slides/slide16.xml><?xml version="1.0" encoding="utf-8"?>
+<p:sld xmlns:a="http://schemas.openxmlformats.org/drawingml/2006/main" xmlns:r="http://schemas.openxmlformats.org/officeDocument/2006/relationships" xmlns:p="http://schemas.openxmlformats.org/presentationml/2006/main">
+  <p:cSld>
+    <p:spTree>
+      <p:nvGrpSpPr>
+        <p:cNvPr id="1" name=""/>
+        <p:cNvGrpSpPr/>
+        <p:nvPr/>
+      </p:nvGrpSpPr>
+      <p:grpSpPr>
+        <a:xfrm>
+          <a:off x="0" y="0"/>
+          <a:ext cx="0" cy="0"/>
+          <a:chOff x="0" y="0"/>
+          <a:chExt cx="0" cy="0"/>
+        </a:xfrm>
+      </p:grpSpPr>
+      <p:sp>
+        <p:nvSpPr>
+          <p:cNvPr id="100" name="TextShape 1"/>
+          <p:cNvSpPr txBox="1"/>
+          <p:nvPr/>
+        </p:nvSpPr>
+        <p:spPr>
+          <a:xfrm>
+            <a:off x="479520" y="0"/>
+            <a:ext cx="11568240" cy="1268280"/>
+          </a:xfrm>
+          <a:prstGeom prst="rect">
+            <a:avLst/>
+          </a:prstGeom>
+          <a:noFill/>
+          <a:ln>
+            <a:noFill/>
+          </a:ln>
+        </p:spPr>
+        <p:txBody>
+          <a:bodyPr anchor="ctr"/>
+          <a:lstStyle/>
+          <a:p>
+            <a:r>
+              <a:rPr lang="en-US" sz="3600" spc="-1" dirty="0" err="1">
+                <a:solidFill>
+                  <a:srgbClr val="FFFFFF"/>
+                </a:solidFill>
+                <a:uFill>
+                  <a:solidFill>
+                    <a:srgbClr val="FFFFFF"/>
+                  </a:solidFill>
+                </a:uFill>
+                <a:latin typeface="Franklin Gothic Medium"/>
+              </a:rPr>
+              <a:t>Codice</a:t>
+            </a:r>
+            <a:r>
+              <a:rPr lang="en-US" sz="3600" spc="-1" dirty="0">
+                <a:solidFill>
+                  <a:srgbClr val="FFFFFF"/>
+                </a:solidFill>
+                <a:uFill>
+                  <a:solidFill>
+                    <a:srgbClr val="FFFFFF"/>
+                  </a:solidFill>
+                </a:uFill>
+                <a:latin typeface="Franklin Gothic Medium"/>
+              </a:rPr>
+              <a:t>: </a:t>
+            </a:r>
+            <a:r>
+              <a:rPr lang="en-US" sz="3600" spc="-1" dirty="0" err="1" smtClean="0">
+                <a:solidFill>
+                  <a:srgbClr val="FFFFFF"/>
+                </a:solidFill>
+                <a:uFill>
+                  <a:solidFill>
+                    <a:srgbClr val="FFFFFF"/>
+                  </a:solidFill>
+                </a:uFill>
+                <a:latin typeface="Franklin Gothic Medium"/>
+              </a:rPr>
+              <a:t>pyenchant</a:t>
+            </a:r>
+            <a:endParaRPr lang="en-US" sz="3600" spc="-1" dirty="0" smtClean="0">
+              <a:solidFill>
+                <a:srgbClr val="FFFFFF"/>
+              </a:solidFill>
+              <a:uFill>
+                <a:solidFill>
+                  <a:srgbClr val="FFFFFF"/>
+                </a:solidFill>
+              </a:uFill>
+              <a:latin typeface="Franklin Gothic Medium"/>
+            </a:endParaRPr>
+          </a:p>
+        </p:txBody>
+      </p:sp>
+      <p:sp>
+        <p:nvSpPr>
+          <p:cNvPr id="101" name="TextShape 2"/>
+          <p:cNvSpPr txBox="1"/>
+          <p:nvPr/>
+        </p:nvSpPr>
+        <p:spPr>
+          <a:xfrm>
+            <a:off x="479520" y="1484640"/>
+            <a:ext cx="11304720" cy="4915800"/>
+          </a:xfrm>
+          <a:prstGeom prst="rect">
+            <a:avLst/>
+          </a:prstGeom>
+          <a:noFill/>
+          <a:ln>
+            <a:noFill/>
+          </a:ln>
+        </p:spPr>
+        <p:txBody>
+          <a:bodyPr/>
+          <a:lstStyle/>
+          <a:p>
+            <a:r>
+              <a:rPr lang="it-IT" sz="2400" spc="-1" dirty="0" err="1">
+                <a:solidFill>
+                  <a:srgbClr val="E76724"/>
+                </a:solidFill>
+                <a:uFill>
+                  <a:solidFill>
+                    <a:srgbClr val="FFFFFF"/>
+                  </a:solidFill>
+                </a:uFill>
+                <a:latin typeface="Franklin Gothic Medium" panose="020B0603020102020204" pitchFamily="34" charset="0"/>
+              </a:rPr>
+              <a:t>def</a:t>
+            </a:r>
+            <a:r>
+              <a:rPr lang="it-IT" sz="2400" dirty="0" smtClean="0">
+                <a:latin typeface="Franklin Gothic Medium" panose="020B0603020102020204" pitchFamily="34" charset="0"/>
+              </a:rPr>
+              <a:t> </a:t>
+            </a:r>
+            <a:r>
+              <a:rPr lang="it-IT" sz="2400" spc="-1" dirty="0" err="1">
+                <a:solidFill>
+                  <a:srgbClr val="FFC000"/>
+                </a:solidFill>
+                <a:uFill>
+                  <a:solidFill>
+                    <a:srgbClr val="FFFFFF"/>
+                  </a:solidFill>
+                </a:uFill>
+                <a:latin typeface="Franklin Gothic Medium" panose="020B0603020102020204" pitchFamily="34" charset="0"/>
+              </a:rPr>
+              <a:t>contextCorrection</a:t>
+            </a:r>
+            <a:r>
+              <a:rPr lang="it-IT" sz="2400" dirty="0" smtClean="0">
+                <a:latin typeface="Franklin Gothic Medium" panose="020B0603020102020204" pitchFamily="34" charset="0"/>
+              </a:rPr>
+              <a:t>(</a:t>
+            </a:r>
+            <a:r>
+              <a:rPr lang="it-IT" sz="2400" spc="-1" dirty="0">
+                <a:solidFill>
+                  <a:srgbClr val="7030A0"/>
+                </a:solidFill>
+                <a:uFill>
+                  <a:solidFill>
+                    <a:srgbClr val="FFFFFF"/>
+                  </a:solidFill>
+                </a:uFill>
+                <a:latin typeface="Franklin Gothic Medium" panose="020B0603020102020204" pitchFamily="34" charset="0"/>
+              </a:rPr>
+              <a:t>self</a:t>
+            </a:r>
+            <a:r>
+              <a:rPr lang="it-IT" sz="2400" dirty="0" smtClean="0">
+                <a:latin typeface="Franklin Gothic Medium" panose="020B0603020102020204" pitchFamily="34" charset="0"/>
+              </a:rPr>
+              <a:t>, query):</a:t>
+            </a:r>
+          </a:p>
+          <a:p>
+            <a:r>
+              <a:rPr lang="it-IT" sz="2400" spc="-1" dirty="0">
+                <a:solidFill>
+                  <a:srgbClr val="404040"/>
+                </a:solidFill>
+                <a:uFill>
+                  <a:solidFill>
+                    <a:srgbClr val="FFFFFF"/>
+                  </a:solidFill>
+                </a:uFill>
+                <a:latin typeface="Franklin Gothic Medium" panose="020B0603020102020204" pitchFamily="34" charset="0"/>
+              </a:rPr>
+              <a:t>	</a:t>
+            </a:r>
+            <a:r>
+              <a:rPr lang="it-IT" sz="2400" spc="-1" dirty="0" err="1">
+                <a:solidFill>
+                  <a:srgbClr val="7030A0"/>
+                </a:solidFill>
+                <a:uFill>
+                  <a:solidFill>
+                    <a:srgbClr val="FFFFFF"/>
+                  </a:solidFill>
+                </a:uFill>
+                <a:latin typeface="Franklin Gothic Medium" panose="020B0603020102020204" pitchFamily="34" charset="0"/>
+              </a:rPr>
+              <a:t>self</a:t>
+            </a:r>
+            <a:r>
+              <a:rPr lang="it-IT" sz="2400" dirty="0" err="1">
+                <a:latin typeface="Franklin Gothic Medium" panose="020B0603020102020204" pitchFamily="34" charset="0"/>
+              </a:rPr>
+              <a:t>.spell_checker.set_text</a:t>
+            </a:r>
+            <a:r>
+              <a:rPr lang="it-IT" sz="2400" dirty="0">
+                <a:latin typeface="Franklin Gothic Medium" panose="020B0603020102020204" pitchFamily="34" charset="0"/>
+              </a:rPr>
+              <a:t>(query</a:t>
+            </a:r>
+            <a:r>
+              <a:rPr lang="it-IT" sz="2400" dirty="0" smtClean="0">
+                <a:latin typeface="Franklin Gothic Medium" panose="020B0603020102020204" pitchFamily="34" charset="0"/>
+              </a:rPr>
+              <a:t>)</a:t>
+            </a:r>
+          </a:p>
+          <a:p>
+            <a:endParaRPr lang="it-IT" sz="2400" spc="-1" dirty="0">
+              <a:solidFill>
+                <a:srgbClr val="404040"/>
+              </a:solidFill>
+              <a:uFill>
+                <a:solidFill>
+                  <a:srgbClr val="FFFFFF"/>
+                </a:solidFill>
+              </a:uFill>
+              <a:latin typeface="Franklin Gothic Medium" panose="020B0603020102020204" pitchFamily="34" charset="0"/>
+            </a:endParaRPr>
+          </a:p>
+          <a:p>
+            <a:r>
+              <a:rPr lang="it-IT" sz="2400" spc="-1" dirty="0" smtClean="0">
+                <a:solidFill>
+                  <a:srgbClr val="404040"/>
+                </a:solidFill>
+                <a:uFill>
+                  <a:solidFill>
+                    <a:srgbClr val="FFFFFF"/>
+                  </a:solidFill>
+                </a:uFill>
+                <a:latin typeface="Franklin Gothic Medium" panose="020B0603020102020204" pitchFamily="34" charset="0"/>
+              </a:rPr>
+              <a:t>	</a:t>
+            </a:r>
+            <a:r>
+              <a:rPr lang="it-IT" sz="2400" dirty="0" err="1">
+                <a:latin typeface="Franklin Gothic Medium" panose="020B0603020102020204" pitchFamily="34" charset="0"/>
+              </a:rPr>
+              <a:t>corrections</a:t>
+            </a:r>
+            <a:r>
+              <a:rPr lang="it-IT" sz="2400" dirty="0">
+                <a:latin typeface="Franklin Gothic Medium" panose="020B0603020102020204" pitchFamily="34" charset="0"/>
+              </a:rPr>
+              <a:t> = </a:t>
+            </a:r>
+            <a:r>
+              <a:rPr lang="it-IT" sz="2400" dirty="0" smtClean="0">
+                <a:latin typeface="Franklin Gothic Medium" panose="020B0603020102020204" pitchFamily="34" charset="0"/>
+              </a:rPr>
+              <a:t>[]</a:t>
+            </a:r>
+          </a:p>
+          <a:p>
+            <a:r>
+              <a:rPr lang="it-IT" sz="2400" spc="-1" dirty="0">
+                <a:solidFill>
+                  <a:srgbClr val="404040"/>
+                </a:solidFill>
+                <a:uFill>
+                  <a:solidFill>
+                    <a:srgbClr val="FFFFFF"/>
+                  </a:solidFill>
+                </a:uFill>
+                <a:latin typeface="Franklin Gothic Medium" panose="020B0603020102020204" pitchFamily="34" charset="0"/>
+              </a:rPr>
+              <a:t>	</a:t>
+            </a:r>
+            <a:r>
+              <a:rPr lang="it-IT" sz="2400" spc="-1" dirty="0">
+                <a:solidFill>
+                  <a:srgbClr val="E76724"/>
+                </a:solidFill>
+                <a:uFill>
+                  <a:solidFill>
+                    <a:srgbClr val="FFFFFF"/>
+                  </a:solidFill>
+                </a:uFill>
+                <a:latin typeface="Franklin Gothic Medium" panose="020B0603020102020204" pitchFamily="34" charset="0"/>
+              </a:rPr>
+              <a:t>for</a:t>
+            </a:r>
+            <a:r>
+              <a:rPr lang="it-IT" sz="2400" dirty="0">
+                <a:latin typeface="Franklin Gothic Medium" panose="020B0603020102020204" pitchFamily="34" charset="0"/>
+              </a:rPr>
+              <a:t> </a:t>
+            </a:r>
+            <a:r>
+              <a:rPr lang="it-IT" sz="2400" dirty="0" err="1">
+                <a:latin typeface="Franklin Gothic Medium" panose="020B0603020102020204" pitchFamily="34" charset="0"/>
+              </a:rPr>
+              <a:t>err</a:t>
+            </a:r>
+            <a:r>
+              <a:rPr lang="it-IT" sz="2400" dirty="0">
+                <a:latin typeface="Franklin Gothic Medium" panose="020B0603020102020204" pitchFamily="34" charset="0"/>
+              </a:rPr>
+              <a:t> </a:t>
+            </a:r>
+            <a:r>
+              <a:rPr lang="it-IT" sz="2400" spc="-1" dirty="0">
+                <a:solidFill>
+                  <a:srgbClr val="E76724"/>
+                </a:solidFill>
+                <a:uFill>
+                  <a:solidFill>
+                    <a:srgbClr val="FFFFFF"/>
+                  </a:solidFill>
+                </a:uFill>
+                <a:latin typeface="Franklin Gothic Medium" panose="020B0603020102020204" pitchFamily="34" charset="0"/>
+              </a:rPr>
+              <a:t>in</a:t>
+            </a:r>
+            <a:r>
+              <a:rPr lang="it-IT" sz="2400" dirty="0">
+                <a:latin typeface="Franklin Gothic Medium" panose="020B0603020102020204" pitchFamily="34" charset="0"/>
+              </a:rPr>
+              <a:t> </a:t>
+            </a:r>
+            <a:r>
+              <a:rPr lang="it-IT" sz="2400" spc="-1" dirty="0" err="1">
+                <a:solidFill>
+                  <a:srgbClr val="7030A0"/>
+                </a:solidFill>
+                <a:uFill>
+                  <a:solidFill>
+                    <a:srgbClr val="FFFFFF"/>
+                  </a:solidFill>
+                </a:uFill>
+                <a:latin typeface="Franklin Gothic Medium" panose="020B0603020102020204" pitchFamily="34" charset="0"/>
+              </a:rPr>
+              <a:t>self</a:t>
+            </a:r>
+            <a:r>
+              <a:rPr lang="it-IT" sz="2400" dirty="0" err="1">
+                <a:latin typeface="Franklin Gothic Medium" panose="020B0603020102020204" pitchFamily="34" charset="0"/>
+              </a:rPr>
+              <a:t>.spell_checker</a:t>
+            </a:r>
+            <a:r>
+              <a:rPr lang="it-IT" sz="2400" dirty="0" smtClean="0">
+                <a:latin typeface="Franklin Gothic Medium" panose="020B0603020102020204" pitchFamily="34" charset="0"/>
+              </a:rPr>
+              <a:t>:</a:t>
+            </a:r>
+          </a:p>
+          <a:p>
+            <a:r>
+              <a:rPr lang="it-IT" sz="2400" spc="-1" dirty="0">
+                <a:solidFill>
+                  <a:srgbClr val="404040"/>
+                </a:solidFill>
+                <a:uFill>
+                  <a:solidFill>
+                    <a:srgbClr val="FFFFFF"/>
+                  </a:solidFill>
+                </a:uFill>
+                <a:latin typeface="Franklin Gothic Medium" panose="020B0603020102020204" pitchFamily="34" charset="0"/>
+              </a:rPr>
+              <a:t>	</a:t>
+            </a:r>
+            <a:r>
+              <a:rPr lang="it-IT" sz="2400" spc="-1" dirty="0" smtClean="0">
+                <a:solidFill>
+                  <a:srgbClr val="404040"/>
+                </a:solidFill>
+                <a:uFill>
+                  <a:solidFill>
+                    <a:srgbClr val="FFFFFF"/>
+                  </a:solidFill>
+                </a:uFill>
+                <a:latin typeface="Franklin Gothic Medium" panose="020B0603020102020204" pitchFamily="34" charset="0"/>
+              </a:rPr>
+              <a:t>	</a:t>
+            </a:r>
+            <a:r>
+              <a:rPr lang="it-IT" sz="2400" dirty="0" err="1">
+                <a:latin typeface="Franklin Gothic Medium" panose="020B0603020102020204" pitchFamily="34" charset="0"/>
+              </a:rPr>
+              <a:t>sug</a:t>
+            </a:r>
+            <a:r>
+              <a:rPr lang="it-IT" sz="2400" dirty="0">
+                <a:latin typeface="Franklin Gothic Medium" panose="020B0603020102020204" pitchFamily="34" charset="0"/>
+              </a:rPr>
+              <a:t> = </a:t>
+            </a:r>
+            <a:r>
+              <a:rPr lang="it-IT" sz="2400" dirty="0" err="1">
+                <a:latin typeface="Franklin Gothic Medium" panose="020B0603020102020204" pitchFamily="34" charset="0"/>
+              </a:rPr>
+              <a:t>err.suggest</a:t>
+            </a:r>
+            <a:r>
+              <a:rPr lang="it-IT" sz="2400" dirty="0">
+                <a:latin typeface="Franklin Gothic Medium" panose="020B0603020102020204" pitchFamily="34" charset="0"/>
+              </a:rPr>
+              <a:t>()[0</a:t>
+            </a:r>
+            <a:r>
+              <a:rPr lang="it-IT" sz="2400" dirty="0" smtClean="0">
+                <a:latin typeface="Franklin Gothic Medium" panose="020B0603020102020204" pitchFamily="34" charset="0"/>
+              </a:rPr>
+              <a:t>]</a:t>
+            </a:r>
+          </a:p>
+          <a:p>
+            <a:r>
+              <a:rPr lang="it-IT" sz="2400" spc="-1" dirty="0">
+                <a:solidFill>
+                  <a:srgbClr val="404040"/>
+                </a:solidFill>
+                <a:uFill>
+                  <a:solidFill>
+                    <a:srgbClr val="FFFFFF"/>
+                  </a:solidFill>
+                </a:uFill>
+                <a:latin typeface="Franklin Gothic Medium" panose="020B0603020102020204" pitchFamily="34" charset="0"/>
+              </a:rPr>
+              <a:t>	</a:t>
+            </a:r>
+            <a:r>
+              <a:rPr lang="it-IT" sz="2400" spc="-1" dirty="0" smtClean="0">
+                <a:solidFill>
+                  <a:srgbClr val="404040"/>
+                </a:solidFill>
+                <a:uFill>
+                  <a:solidFill>
+                    <a:srgbClr val="FFFFFF"/>
+                  </a:solidFill>
+                </a:uFill>
+                <a:latin typeface="Franklin Gothic Medium" panose="020B0603020102020204" pitchFamily="34" charset="0"/>
+              </a:rPr>
+              <a:t>	</a:t>
+            </a:r>
+            <a:r>
+              <a:rPr lang="it-IT" sz="2400" dirty="0" err="1">
+                <a:latin typeface="Franklin Gothic Medium" panose="020B0603020102020204" pitchFamily="34" charset="0"/>
+              </a:rPr>
+              <a:t>corrections.append</a:t>
+            </a:r>
+            <a:r>
+              <a:rPr lang="it-IT" sz="2400" dirty="0">
+                <a:latin typeface="Franklin Gothic Medium" panose="020B0603020102020204" pitchFamily="34" charset="0"/>
+              </a:rPr>
+              <a:t>((</a:t>
+            </a:r>
+            <a:r>
+              <a:rPr lang="it-IT" sz="2400" dirty="0" err="1">
+                <a:latin typeface="Franklin Gothic Medium" panose="020B0603020102020204" pitchFamily="34" charset="0"/>
+              </a:rPr>
+              <a:t>err.word</a:t>
+            </a:r>
+            <a:r>
+              <a:rPr lang="it-IT" sz="2400" dirty="0">
+                <a:latin typeface="Franklin Gothic Medium" panose="020B0603020102020204" pitchFamily="34" charset="0"/>
+              </a:rPr>
+              <a:t>, </a:t>
+            </a:r>
+            <a:r>
+              <a:rPr lang="it-IT" sz="2400" dirty="0" err="1">
+                <a:latin typeface="Franklin Gothic Medium" panose="020B0603020102020204" pitchFamily="34" charset="0"/>
+              </a:rPr>
+              <a:t>sug</a:t>
+            </a:r>
+            <a:r>
+              <a:rPr lang="it-IT" sz="2400" dirty="0" smtClean="0">
+                <a:latin typeface="Franklin Gothic Medium" panose="020B0603020102020204" pitchFamily="34" charset="0"/>
+              </a:rPr>
+              <a:t>))</a:t>
+            </a:r>
+          </a:p>
+          <a:p>
+            <a:endParaRPr lang="it-IT" sz="2400" spc="-1" dirty="0">
+              <a:solidFill>
+                <a:srgbClr val="404040"/>
+              </a:solidFill>
+              <a:uFill>
+                <a:solidFill>
+                  <a:srgbClr val="FFFFFF"/>
+                </a:solidFill>
+              </a:uFill>
+              <a:latin typeface="Franklin Gothic Medium" panose="020B0603020102020204" pitchFamily="34" charset="0"/>
+            </a:endParaRPr>
+          </a:p>
+          <a:p>
+            <a:r>
+              <a:rPr lang="it-IT" sz="2400" spc="-1" dirty="0" smtClean="0">
+                <a:solidFill>
+                  <a:srgbClr val="404040"/>
+                </a:solidFill>
+                <a:uFill>
+                  <a:solidFill>
+                    <a:srgbClr val="FFFFFF"/>
+                  </a:solidFill>
+                </a:uFill>
+                <a:latin typeface="Franklin Gothic Medium" panose="020B0603020102020204" pitchFamily="34" charset="0"/>
+              </a:rPr>
+              <a:t>	</a:t>
+            </a:r>
+            <a:r>
+              <a:rPr lang="it-IT" sz="2400" spc="-1" dirty="0" err="1">
+                <a:solidFill>
+                  <a:srgbClr val="E76724"/>
+                </a:solidFill>
+                <a:uFill>
+                  <a:solidFill>
+                    <a:srgbClr val="FFFFFF"/>
+                  </a:solidFill>
+                </a:uFill>
+                <a:latin typeface="Franklin Gothic Medium" panose="020B0603020102020204" pitchFamily="34" charset="0"/>
+              </a:rPr>
+              <a:t>return</a:t>
+            </a:r>
+            <a:r>
+              <a:rPr lang="it-IT" sz="2400" dirty="0">
+                <a:latin typeface="Franklin Gothic Medium" panose="020B0603020102020204" pitchFamily="34" charset="0"/>
+              </a:rPr>
+              <a:t> </a:t>
+            </a:r>
+            <a:r>
+              <a:rPr lang="it-IT" sz="2400" dirty="0" err="1">
+                <a:latin typeface="Franklin Gothic Medium" panose="020B0603020102020204" pitchFamily="34" charset="0"/>
+              </a:rPr>
+              <a:t>corrections</a:t>
+            </a:r>
+            <a:endParaRPr lang="en-US" sz="2400" spc="-1" dirty="0" smtClean="0">
+              <a:solidFill>
+                <a:srgbClr val="404040"/>
+              </a:solidFill>
+              <a:uFill>
+                <a:solidFill>
+                  <a:srgbClr val="FFFFFF"/>
+                </a:solidFill>
+              </a:uFill>
+              <a:latin typeface="Franklin Gothic Medium" panose="020B0603020102020204" pitchFamily="34" charset="0"/>
+            </a:endParaRPr>
+          </a:p>
+        </p:txBody>
+      </p:sp>
+    </p:spTree>
+    <p:extLst>
+      <p:ext uri="{BB962C8B-B14F-4D97-AF65-F5344CB8AC3E}">
+        <p14:creationId xmlns:p14="http://schemas.microsoft.com/office/powerpoint/2010/main" val="3709691891"/>
+      </p:ext>
+    </p:extLst>
+  </p:cSld>
+  <p:clrMapOvr>
+    <a:masterClrMapping/>
+  </p:clrMapOvr>
+  <p:transition spd="med">
+    <p:fade/>
+  </p:transition>
+  <p:timing>
+    <p:tnLst>
+      <p:par>
+        <p:cTn id="1" dur="indefinite" restart="never" nodeType="tmRoot">
+          <p:childTnLst>
+            <p:seq>
+              <p:cTn id="2" nodeType="mainSeq"/>
+              <p:prevCondLst>
+                <p:cond evt="onPrev" delay="0">
+                  <p:tgtEl>
+                    <p:sldTgt/>
+                  </p:tgtEl>
+                </p:cond>
+              </p:prevCondLst>
+              <p:nextCondLst>
+                <p:cond evt="onNext" delay="0">
+                  <p:tgtEl>
+                    <p:sldTgt/>
+                  </p:tgtEl>
+                </p:cond>
+              </p:nextCondLst>
+            </p:seq>
+          </p:childTnLst>
+        </p:cTn>
+      </p:par>
+    </p:tnLst>
+  </p:timing>
+</p:sld>
+</file>
+
+<file path=ppt/slides/slide17.xml><?xml version="1.0" encoding="utf-8"?>
+<p:sld xmlns:a="http://schemas.openxmlformats.org/drawingml/2006/main" xmlns:r="http://schemas.openxmlformats.org/officeDocument/2006/relationships" xmlns:p="http://schemas.openxmlformats.org/presentationml/2006/main">
+  <p:cSld>
+    <p:spTree>
+      <p:nvGrpSpPr>
+        <p:cNvPr id="1" name=""/>
+        <p:cNvGrpSpPr/>
+        <p:nvPr/>
+      </p:nvGrpSpPr>
+      <p:grpSpPr>
+        <a:xfrm>
+          <a:off x="0" y="0"/>
+          <a:ext cx="0" cy="0"/>
+          <a:chOff x="0" y="0"/>
+          <a:chExt cx="0" cy="0"/>
+        </a:xfrm>
+      </p:grpSpPr>
+      <p:sp>
+        <p:nvSpPr>
+          <p:cNvPr id="100" name="TextShape 1"/>
+          <p:cNvSpPr txBox="1"/>
+          <p:nvPr/>
+        </p:nvSpPr>
+        <p:spPr>
+          <a:xfrm>
+            <a:off x="479520" y="0"/>
+            <a:ext cx="11568240" cy="1268280"/>
+          </a:xfrm>
+          <a:prstGeom prst="rect">
+            <a:avLst/>
+          </a:prstGeom>
+          <a:noFill/>
+          <a:ln>
+            <a:noFill/>
+          </a:ln>
+        </p:spPr>
+        <p:txBody>
+          <a:bodyPr anchor="ctr"/>
+          <a:lstStyle/>
+          <a:p>
+            <a:endParaRPr lang="en-US" sz="3600" spc="-1" dirty="0">
+              <a:solidFill>
+                <a:srgbClr val="FFFFFF"/>
+              </a:solidFill>
+              <a:uFill>
+                <a:solidFill>
+                  <a:srgbClr val="FFFFFF"/>
+                </a:solidFill>
+              </a:uFill>
+              <a:latin typeface="Franklin Gothic Medium"/>
+            </a:endParaRPr>
+          </a:p>
+        </p:txBody>
+      </p:sp>
+      <p:sp>
+        <p:nvSpPr>
+          <p:cNvPr id="101" name="TextShape 2"/>
+          <p:cNvSpPr txBox="1"/>
+          <p:nvPr/>
+        </p:nvSpPr>
+        <p:spPr>
+          <a:xfrm>
+            <a:off x="479520" y="1484640"/>
+            <a:ext cx="11304720" cy="4915800"/>
+          </a:xfrm>
+          <a:prstGeom prst="rect">
+            <a:avLst/>
+          </a:prstGeom>
+          <a:noFill/>
+          <a:ln>
+            <a:noFill/>
+          </a:ln>
+        </p:spPr>
+        <p:txBody>
+          <a:bodyPr/>
+          <a:lstStyle/>
+          <a:p>
             <a:endParaRPr lang="en-US" sz="2800" spc="-1" dirty="0" smtClean="0">
               <a:solidFill>
                 <a:srgbClr val="404040"/>
@@ -7513,6 +10055,208 @@
     <p:extLst>
       <p:ext uri="{BB962C8B-B14F-4D97-AF65-F5344CB8AC3E}">
         <p14:creationId xmlns:p14="http://schemas.microsoft.com/office/powerpoint/2010/main" val="2182911997"/>
+      </p:ext>
+    </p:extLst>
+  </p:cSld>
+  <p:clrMapOvr>
+    <a:masterClrMapping/>
+  </p:clrMapOvr>
+  <p:transition spd="med">
+    <p:fade/>
+  </p:transition>
+  <p:timing>
+    <p:tnLst>
+      <p:par>
+        <p:cTn id="1" dur="indefinite" restart="never" nodeType="tmRoot">
+          <p:childTnLst>
+            <p:seq>
+              <p:cTn id="2" nodeType="mainSeq"/>
+              <p:prevCondLst>
+                <p:cond evt="onPrev" delay="0">
+                  <p:tgtEl>
+                    <p:sldTgt/>
+                  </p:tgtEl>
+                </p:cond>
+              </p:prevCondLst>
+              <p:nextCondLst>
+                <p:cond evt="onNext" delay="0">
+                  <p:tgtEl>
+                    <p:sldTgt/>
+                  </p:tgtEl>
+                </p:cond>
+              </p:nextCondLst>
+            </p:seq>
+          </p:childTnLst>
+        </p:cTn>
+      </p:par>
+    </p:tnLst>
+  </p:timing>
+</p:sld>
+</file>
+
+<file path=ppt/slides/slide18.xml><?xml version="1.0" encoding="utf-8"?>
+<p:sld xmlns:a="http://schemas.openxmlformats.org/drawingml/2006/main" xmlns:r="http://schemas.openxmlformats.org/officeDocument/2006/relationships" xmlns:p="http://schemas.openxmlformats.org/presentationml/2006/main">
+  <p:cSld>
+    <p:spTree>
+      <p:nvGrpSpPr>
+        <p:cNvPr id="1" name=""/>
+        <p:cNvGrpSpPr/>
+        <p:nvPr/>
+      </p:nvGrpSpPr>
+      <p:grpSpPr>
+        <a:xfrm>
+          <a:off x="0" y="0"/>
+          <a:ext cx="0" cy="0"/>
+          <a:chOff x="0" y="0"/>
+          <a:chExt cx="0" cy="0"/>
+        </a:xfrm>
+      </p:grpSpPr>
+      <p:sp>
+        <p:nvSpPr>
+          <p:cNvPr id="2" name="Titolo 1"/>
+          <p:cNvSpPr>
+            <a:spLocks noGrp="1"/>
+          </p:cNvSpPr>
+          <p:nvPr>
+            <p:ph type="title"/>
+          </p:nvPr>
+        </p:nvSpPr>
+        <p:spPr/>
+        <p:txBody>
+          <a:bodyPr/>
+          <a:lstStyle/>
+          <a:p>
+            <a:endParaRPr lang="it-IT"/>
+          </a:p>
+        </p:txBody>
+      </p:sp>
+      <p:sp>
+        <p:nvSpPr>
+          <p:cNvPr id="3" name="Sottotitolo 2"/>
+          <p:cNvSpPr>
+            <a:spLocks noGrp="1"/>
+          </p:cNvSpPr>
+          <p:nvPr>
+            <p:ph type="subTitle"/>
+          </p:nvPr>
+        </p:nvSpPr>
+        <p:spPr/>
+        <p:txBody>
+          <a:bodyPr/>
+          <a:lstStyle/>
+          <a:p>
+            <a:endParaRPr lang="it-IT"/>
+          </a:p>
+        </p:txBody>
+      </p:sp>
+    </p:spTree>
+    <p:extLst>
+      <p:ext uri="{BB962C8B-B14F-4D97-AF65-F5344CB8AC3E}">
+        <p14:creationId xmlns:p14="http://schemas.microsoft.com/office/powerpoint/2010/main" val="1607427928"/>
+      </p:ext>
+    </p:extLst>
+  </p:cSld>
+  <p:clrMapOvr>
+    <a:masterClrMapping/>
+  </p:clrMapOvr>
+</p:sld>
+</file>
+
+<file path=ppt/slides/slide19.xml><?xml version="1.0" encoding="utf-8"?>
+<p:sld xmlns:a="http://schemas.openxmlformats.org/drawingml/2006/main" xmlns:r="http://schemas.openxmlformats.org/officeDocument/2006/relationships" xmlns:p="http://schemas.openxmlformats.org/presentationml/2006/main">
+  <p:cSld>
+    <p:spTree>
+      <p:nvGrpSpPr>
+        <p:cNvPr id="1" name=""/>
+        <p:cNvGrpSpPr/>
+        <p:nvPr/>
+      </p:nvGrpSpPr>
+      <p:grpSpPr>
+        <a:xfrm>
+          <a:off x="0" y="0"/>
+          <a:ext cx="0" cy="0"/>
+          <a:chOff x="0" y="0"/>
+          <a:chExt cx="0" cy="0"/>
+        </a:xfrm>
+      </p:grpSpPr>
+      <p:sp>
+        <p:nvSpPr>
+          <p:cNvPr id="100" name="TextShape 1"/>
+          <p:cNvSpPr txBox="1"/>
+          <p:nvPr/>
+        </p:nvSpPr>
+        <p:spPr>
+          <a:xfrm>
+            <a:off x="479520" y="0"/>
+            <a:ext cx="11568240" cy="1268280"/>
+          </a:xfrm>
+          <a:prstGeom prst="rect">
+            <a:avLst/>
+          </a:prstGeom>
+          <a:noFill/>
+          <a:ln>
+            <a:noFill/>
+          </a:ln>
+        </p:spPr>
+        <p:txBody>
+          <a:bodyPr anchor="ctr"/>
+          <a:lstStyle/>
+          <a:p>
+            <a:endParaRPr lang="en-US" sz="3600" spc="-1" dirty="0">
+              <a:solidFill>
+                <a:srgbClr val="FFFFFF"/>
+              </a:solidFill>
+              <a:uFill>
+                <a:solidFill>
+                  <a:srgbClr val="FFFFFF"/>
+                </a:solidFill>
+              </a:uFill>
+              <a:latin typeface="Franklin Gothic Medium"/>
+            </a:endParaRPr>
+          </a:p>
+        </p:txBody>
+      </p:sp>
+      <p:sp>
+        <p:nvSpPr>
+          <p:cNvPr id="101" name="TextShape 2"/>
+          <p:cNvSpPr txBox="1"/>
+          <p:nvPr/>
+        </p:nvSpPr>
+        <p:spPr>
+          <a:xfrm>
+            <a:off x="479520" y="1484640"/>
+            <a:ext cx="11304720" cy="4915800"/>
+          </a:xfrm>
+          <a:prstGeom prst="rect">
+            <a:avLst/>
+          </a:prstGeom>
+          <a:noFill/>
+          <a:ln>
+            <a:noFill/>
+          </a:ln>
+        </p:spPr>
+        <p:txBody>
+          <a:bodyPr/>
+          <a:lstStyle/>
+          <a:p>
+            <a:endParaRPr lang="en-US" sz="2800" spc="-1" dirty="0" smtClean="0">
+              <a:solidFill>
+                <a:srgbClr val="404040"/>
+              </a:solidFill>
+              <a:uFill>
+                <a:solidFill>
+                  <a:srgbClr val="FFFFFF"/>
+                </a:solidFill>
+              </a:uFill>
+              <a:latin typeface="Franklin Gothic Medium"/>
+            </a:endParaRPr>
+          </a:p>
+        </p:txBody>
+      </p:sp>
+    </p:spTree>
+    <p:extLst>
+      <p:ext uri="{BB962C8B-B14F-4D97-AF65-F5344CB8AC3E}">
+        <p14:creationId xmlns:p14="http://schemas.microsoft.com/office/powerpoint/2010/main" val="855551711"/>
       </p:ext>
     </p:extLst>
   </p:cSld>
@@ -8613,18 +11357,144 @@
               <a:buChar char="▪"/>
             </a:pPr>
             <a:r>
-              <a:rPr lang="en-US" sz="2800" b="0" strike="noStrike" spc="-1">
-                <a:solidFill>
-                  <a:srgbClr val="404040"/>
-                </a:solidFill>
-                <a:uFill>
-                  <a:solidFill>
-                    <a:srgbClr val="FFFFFF"/>
-                  </a:solidFill>
-                </a:uFill>
-                <a:latin typeface="Franklin Gothic Medium"/>
-              </a:rPr>
-              <a:t>L’indicizzazione dei file si divide in alcune fasi:</a:t>
+              <a:rPr lang="en-US" sz="2800" b="0" strike="noStrike" spc="-1" dirty="0" err="1">
+                <a:solidFill>
+                  <a:srgbClr val="404040"/>
+                </a:solidFill>
+                <a:uFill>
+                  <a:solidFill>
+                    <a:srgbClr val="FFFFFF"/>
+                  </a:solidFill>
+                </a:uFill>
+                <a:latin typeface="Franklin Gothic Medium"/>
+              </a:rPr>
+              <a:t>L’indicizzazione</a:t>
+            </a:r>
+            <a:r>
+              <a:rPr lang="en-US" sz="2800" b="0" strike="noStrike" spc="-1" dirty="0">
+                <a:solidFill>
+                  <a:srgbClr val="404040"/>
+                </a:solidFill>
+                <a:uFill>
+                  <a:solidFill>
+                    <a:srgbClr val="FFFFFF"/>
+                  </a:solidFill>
+                </a:uFill>
+                <a:latin typeface="Franklin Gothic Medium"/>
+              </a:rPr>
+              <a:t> </a:t>
+            </a:r>
+            <a:r>
+              <a:rPr lang="en-US" sz="2800" b="0" strike="noStrike" spc="-1" dirty="0" err="1">
+                <a:solidFill>
+                  <a:srgbClr val="404040"/>
+                </a:solidFill>
+                <a:uFill>
+                  <a:solidFill>
+                    <a:srgbClr val="FFFFFF"/>
+                  </a:solidFill>
+                </a:uFill>
+                <a:latin typeface="Franklin Gothic Medium"/>
+              </a:rPr>
+              <a:t>dei</a:t>
+            </a:r>
+            <a:r>
+              <a:rPr lang="en-US" sz="2800" b="0" strike="noStrike" spc="-1" dirty="0">
+                <a:solidFill>
+                  <a:srgbClr val="404040"/>
+                </a:solidFill>
+                <a:uFill>
+                  <a:solidFill>
+                    <a:srgbClr val="FFFFFF"/>
+                  </a:solidFill>
+                </a:uFill>
+                <a:latin typeface="Franklin Gothic Medium"/>
+              </a:rPr>
+              <a:t> file </a:t>
+            </a:r>
+            <a:r>
+              <a:rPr lang="en-US" sz="2800" b="0" strike="noStrike" spc="-1" dirty="0" err="1">
+                <a:solidFill>
+                  <a:srgbClr val="404040"/>
+                </a:solidFill>
+                <a:uFill>
+                  <a:solidFill>
+                    <a:srgbClr val="FFFFFF"/>
+                  </a:solidFill>
+                </a:uFill>
+                <a:latin typeface="Franklin Gothic Medium"/>
+              </a:rPr>
+              <a:t>si</a:t>
+            </a:r>
+            <a:r>
+              <a:rPr lang="en-US" sz="2800" b="0" strike="noStrike" spc="-1" dirty="0">
+                <a:solidFill>
+                  <a:srgbClr val="404040"/>
+                </a:solidFill>
+                <a:uFill>
+                  <a:solidFill>
+                    <a:srgbClr val="FFFFFF"/>
+                  </a:solidFill>
+                </a:uFill>
+                <a:latin typeface="Franklin Gothic Medium"/>
+              </a:rPr>
+              <a:t> divide in </a:t>
+            </a:r>
+            <a:r>
+              <a:rPr lang="en-US" sz="2800" b="0" strike="noStrike" spc="-1" dirty="0" err="1">
+                <a:solidFill>
+                  <a:srgbClr val="404040"/>
+                </a:solidFill>
+                <a:uFill>
+                  <a:solidFill>
+                    <a:srgbClr val="FFFFFF"/>
+                  </a:solidFill>
+                </a:uFill>
+                <a:latin typeface="Franklin Gothic Medium"/>
+              </a:rPr>
+              <a:t>alcune</a:t>
+            </a:r>
+            <a:r>
+              <a:rPr lang="en-US" sz="2800" b="0" strike="noStrike" spc="-1" dirty="0">
+                <a:solidFill>
+                  <a:srgbClr val="404040"/>
+                </a:solidFill>
+                <a:uFill>
+                  <a:solidFill>
+                    <a:srgbClr val="FFFFFF"/>
+                  </a:solidFill>
+                </a:uFill>
+                <a:latin typeface="Franklin Gothic Medium"/>
+              </a:rPr>
+              <a:t> </a:t>
+            </a:r>
+            <a:r>
+              <a:rPr lang="en-US" sz="2800" b="0" strike="noStrike" spc="-1" dirty="0" err="1">
+                <a:solidFill>
+                  <a:srgbClr val="404040"/>
+                </a:solidFill>
+                <a:uFill>
+                  <a:solidFill>
+                    <a:srgbClr val="FFFFFF"/>
+                  </a:solidFill>
+                </a:uFill>
+                <a:latin typeface="Franklin Gothic Medium"/>
+              </a:rPr>
+              <a:t>fasi</a:t>
+            </a:r>
+            <a:r>
+              <a:rPr lang="en-US" sz="2800" b="0" strike="noStrike" spc="-1" dirty="0">
+                <a:solidFill>
+                  <a:srgbClr val="404040"/>
+                </a:solidFill>
+                <a:uFill>
+                  <a:solidFill>
+                    <a:srgbClr val="FFFFFF"/>
+                  </a:solidFill>
+                </a:uFill>
+                <a:latin typeface="Franklin Gothic Medium"/>
+              </a:rPr>
+              <a:t>:</a:t>
             </a:r>
           </a:p>
           <a:p>
@@ -8639,19 +11509,72 @@
               <a:buChar char="▪"/>
             </a:pPr>
             <a:r>
-              <a:rPr lang="en-US" sz="2400" b="0" strike="noStrike" spc="-1">
-                <a:solidFill>
-                  <a:srgbClr val="404040"/>
-                </a:solidFill>
-                <a:uFill>
-                  <a:solidFill>
-                    <a:srgbClr val="FFFFFF"/>
-                  </a:solidFill>
-                </a:uFill>
-                <a:latin typeface="Franklin Gothic Medium"/>
-              </a:rPr>
-              <a:t>Parsing dei documenti</a:t>
-            </a:r>
+              <a:rPr lang="en-US" sz="2400" b="0" strike="noStrike" spc="-1" dirty="0">
+                <a:solidFill>
+                  <a:srgbClr val="404040"/>
+                </a:solidFill>
+                <a:uFill>
+                  <a:solidFill>
+                    <a:srgbClr val="FFFFFF"/>
+                  </a:solidFill>
+                </a:uFill>
+                <a:latin typeface="Franklin Gothic Medium"/>
+              </a:rPr>
+              <a:t>Parsing </a:t>
+            </a:r>
+            <a:r>
+              <a:rPr lang="en-US" sz="2400" b="0" strike="noStrike" spc="-1" dirty="0" err="1">
+                <a:solidFill>
+                  <a:srgbClr val="404040"/>
+                </a:solidFill>
+                <a:uFill>
+                  <a:solidFill>
+                    <a:srgbClr val="FFFFFF"/>
+                  </a:solidFill>
+                </a:uFill>
+                <a:latin typeface="Franklin Gothic Medium"/>
+              </a:rPr>
+              <a:t>dei</a:t>
+            </a:r>
+            <a:r>
+              <a:rPr lang="en-US" sz="2400" b="0" strike="noStrike" spc="-1" dirty="0">
+                <a:solidFill>
+                  <a:srgbClr val="404040"/>
+                </a:solidFill>
+                <a:uFill>
+                  <a:solidFill>
+                    <a:srgbClr val="FFFFFF"/>
+                  </a:solidFill>
+                </a:uFill>
+                <a:latin typeface="Franklin Gothic Medium"/>
+              </a:rPr>
+              <a:t> </a:t>
+            </a:r>
+            <a:r>
+              <a:rPr lang="en-US" sz="2400" b="0" strike="noStrike" spc="-1" dirty="0" err="1">
+                <a:solidFill>
+                  <a:srgbClr val="404040"/>
+                </a:solidFill>
+                <a:uFill>
+                  <a:solidFill>
+                    <a:srgbClr val="FFFFFF"/>
+                  </a:solidFill>
+                </a:uFill>
+                <a:latin typeface="Franklin Gothic Medium"/>
+              </a:rPr>
+              <a:t>documenti</a:t>
+            </a:r>
+            <a:endParaRPr lang="en-US" sz="2400" b="0" strike="noStrike" spc="-1" dirty="0">
+              <a:solidFill>
+                <a:srgbClr val="404040"/>
+              </a:solidFill>
+              <a:uFill>
+                <a:solidFill>
+                  <a:srgbClr val="FFFFFF"/>
+                </a:solidFill>
+              </a:uFill>
+              <a:latin typeface="Franklin Gothic Medium"/>
+            </a:endParaRPr>
           </a:p>
           <a:p>
             <a:pPr marL="457200" lvl="1" indent="-228240">
@@ -8665,19 +11588,142 @@
               <a:buChar char="▪"/>
             </a:pPr>
             <a:r>
-              <a:rPr lang="en-US" sz="2400" b="0" strike="noStrike" spc="-1">
-                <a:solidFill>
-                  <a:srgbClr val="404040"/>
-                </a:solidFill>
-                <a:uFill>
-                  <a:solidFill>
-                    <a:srgbClr val="FFFFFF"/>
-                  </a:solidFill>
-                </a:uFill>
-                <a:latin typeface="Franklin Gothic Medium"/>
-              </a:rPr>
-              <a:t>Crezione di uno schema di salvataggio dei documenti</a:t>
-            </a:r>
+              <a:rPr lang="en-US" sz="2400" b="0" strike="noStrike" spc="-1" dirty="0" err="1">
+                <a:solidFill>
+                  <a:srgbClr val="404040"/>
+                </a:solidFill>
+                <a:uFill>
+                  <a:solidFill>
+                    <a:srgbClr val="FFFFFF"/>
+                  </a:solidFill>
+                </a:uFill>
+                <a:latin typeface="Franklin Gothic Medium"/>
+              </a:rPr>
+              <a:t>Crezione</a:t>
+            </a:r>
+            <a:r>
+              <a:rPr lang="en-US" sz="2400" b="0" strike="noStrike" spc="-1" dirty="0">
+                <a:solidFill>
+                  <a:srgbClr val="404040"/>
+                </a:solidFill>
+                <a:uFill>
+                  <a:solidFill>
+                    <a:srgbClr val="FFFFFF"/>
+                  </a:solidFill>
+                </a:uFill>
+                <a:latin typeface="Franklin Gothic Medium"/>
+              </a:rPr>
+              <a:t> di </a:t>
+            </a:r>
+            <a:r>
+              <a:rPr lang="en-US" sz="2400" b="0" strike="noStrike" spc="-1" dirty="0" err="1">
+                <a:solidFill>
+                  <a:srgbClr val="404040"/>
+                </a:solidFill>
+                <a:uFill>
+                  <a:solidFill>
+                    <a:srgbClr val="FFFFFF"/>
+                  </a:solidFill>
+                </a:uFill>
+                <a:latin typeface="Franklin Gothic Medium"/>
+              </a:rPr>
+              <a:t>uno</a:t>
+            </a:r>
+            <a:r>
+              <a:rPr lang="en-US" sz="2400" b="0" strike="noStrike" spc="-1" dirty="0">
+                <a:solidFill>
+                  <a:srgbClr val="404040"/>
+                </a:solidFill>
+                <a:uFill>
+                  <a:solidFill>
+                    <a:srgbClr val="FFFFFF"/>
+                  </a:solidFill>
+                </a:uFill>
+                <a:latin typeface="Franklin Gothic Medium"/>
+              </a:rPr>
+              <a:t> schema di </a:t>
+            </a:r>
+            <a:r>
+              <a:rPr lang="en-US" sz="2400" b="0" strike="noStrike" spc="-1" dirty="0" err="1">
+                <a:solidFill>
+                  <a:srgbClr val="404040"/>
+                </a:solidFill>
+                <a:uFill>
+                  <a:solidFill>
+                    <a:srgbClr val="FFFFFF"/>
+                  </a:solidFill>
+                </a:uFill>
+                <a:latin typeface="Franklin Gothic Medium"/>
+              </a:rPr>
+              <a:t>salvataggio</a:t>
+            </a:r>
+            <a:r>
+              <a:rPr lang="en-US" sz="2400" b="0" strike="noStrike" spc="-1" dirty="0">
+                <a:solidFill>
+                  <a:srgbClr val="404040"/>
+                </a:solidFill>
+                <a:uFill>
+                  <a:solidFill>
+                    <a:srgbClr val="FFFFFF"/>
+                  </a:solidFill>
+                </a:uFill>
+                <a:latin typeface="Franklin Gothic Medium"/>
+              </a:rPr>
+              <a:t> </a:t>
+            </a:r>
+            <a:r>
+              <a:rPr lang="en-US" sz="2400" b="0" strike="noStrike" spc="-1" dirty="0" err="1">
+                <a:solidFill>
+                  <a:srgbClr val="404040"/>
+                </a:solidFill>
+                <a:uFill>
+                  <a:solidFill>
+                    <a:srgbClr val="FFFFFF"/>
+                  </a:solidFill>
+                </a:uFill>
+                <a:latin typeface="Franklin Gothic Medium"/>
+              </a:rPr>
+              <a:t>dei</a:t>
+            </a:r>
+            <a:r>
+              <a:rPr lang="en-US" sz="2400" b="0" strike="noStrike" spc="-1" dirty="0">
+                <a:solidFill>
+                  <a:srgbClr val="404040"/>
+                </a:solidFill>
+                <a:uFill>
+                  <a:solidFill>
+                    <a:srgbClr val="FFFFFF"/>
+                  </a:solidFill>
+                </a:uFill>
+                <a:latin typeface="Franklin Gothic Medium"/>
+              </a:rPr>
+              <a:t> </a:t>
+            </a:r>
+            <a:r>
+              <a:rPr lang="en-US" sz="2400" b="0" strike="noStrike" spc="-1" dirty="0" err="1">
+                <a:solidFill>
+                  <a:srgbClr val="404040"/>
+                </a:solidFill>
+                <a:uFill>
+                  <a:solidFill>
+                    <a:srgbClr val="FFFFFF"/>
+                  </a:solidFill>
+                </a:uFill>
+                <a:latin typeface="Franklin Gothic Medium"/>
+              </a:rPr>
+              <a:t>documenti</a:t>
+            </a:r>
+            <a:endParaRPr lang="en-US" sz="2400" b="0" strike="noStrike" spc="-1" dirty="0">
+              <a:solidFill>
+                <a:srgbClr val="404040"/>
+              </a:solidFill>
+              <a:uFill>
+                <a:solidFill>
+                  <a:srgbClr val="FFFFFF"/>
+                </a:solidFill>
+              </a:uFill>
+              <a:latin typeface="Franklin Gothic Medium"/>
+            </a:endParaRPr>
           </a:p>
           <a:p>
             <a:pPr marL="457200" lvl="1" indent="-228240">
@@ -8691,19 +11737,58 @@
               <a:buChar char="▪"/>
             </a:pPr>
             <a:r>
-              <a:rPr lang="en-US" sz="2400" b="0" strike="noStrike" spc="-1">
-                <a:solidFill>
-                  <a:srgbClr val="404040"/>
-                </a:solidFill>
-                <a:uFill>
-                  <a:solidFill>
-                    <a:srgbClr val="FFFFFF"/>
-                  </a:solidFill>
-                </a:uFill>
-                <a:latin typeface="Franklin Gothic Medium"/>
-              </a:rPr>
-              <a:t>Creazione dell’indice</a:t>
-            </a:r>
+              <a:rPr lang="en-US" sz="2400" b="0" strike="noStrike" spc="-1" dirty="0" err="1">
+                <a:solidFill>
+                  <a:srgbClr val="404040"/>
+                </a:solidFill>
+                <a:uFill>
+                  <a:solidFill>
+                    <a:srgbClr val="FFFFFF"/>
+                  </a:solidFill>
+                </a:uFill>
+                <a:latin typeface="Franklin Gothic Medium"/>
+              </a:rPr>
+              <a:t>Creazione</a:t>
+            </a:r>
+            <a:r>
+              <a:rPr lang="en-US" sz="2400" b="0" strike="noStrike" spc="-1" dirty="0">
+                <a:solidFill>
+                  <a:srgbClr val="404040"/>
+                </a:solidFill>
+                <a:uFill>
+                  <a:solidFill>
+                    <a:srgbClr val="FFFFFF"/>
+                  </a:solidFill>
+                </a:uFill>
+                <a:latin typeface="Franklin Gothic Medium"/>
+              </a:rPr>
+              <a:t> </a:t>
+            </a:r>
+            <a:r>
+              <a:rPr lang="en-US" sz="2400" b="0" strike="noStrike" spc="-1" dirty="0" err="1">
+                <a:solidFill>
+                  <a:srgbClr val="404040"/>
+                </a:solidFill>
+                <a:uFill>
+                  <a:solidFill>
+                    <a:srgbClr val="FFFFFF"/>
+                  </a:solidFill>
+                </a:uFill>
+                <a:latin typeface="Franklin Gothic Medium"/>
+              </a:rPr>
+              <a:t>dell’indice</a:t>
+            </a:r>
+            <a:endParaRPr lang="en-US" sz="2400" b="0" strike="noStrike" spc="-1" dirty="0">
+              <a:solidFill>
+                <a:srgbClr val="404040"/>
+              </a:solidFill>
+              <a:uFill>
+                <a:solidFill>
+                  <a:srgbClr val="FFFFFF"/>
+                </a:solidFill>
+              </a:uFill>
+              <a:latin typeface="Franklin Gothic Medium"/>
+            </a:endParaRPr>
           </a:p>
         </p:txBody>
       </p:sp>
@@ -8852,18 +11937,130 @@
               <a:buChar char="▪"/>
             </a:pPr>
             <a:r>
-              <a:rPr lang="en-US" sz="2800" b="0" strike="noStrike" spc="-1">
-                <a:solidFill>
-                  <a:srgbClr val="404040"/>
-                </a:solidFill>
-                <a:uFill>
-                  <a:solidFill>
-                    <a:srgbClr val="FFFFFF"/>
-                  </a:solidFill>
-                </a:uFill>
-                <a:latin typeface="Franklin Gothic Medium"/>
-              </a:rPr>
-              <a:t>Un documento nxml è un file xml che rispetta lo schema RELAX NG Compact Syntax.</a:t>
+              <a:rPr lang="en-US" sz="2800" b="0" strike="noStrike" spc="-1" dirty="0">
+                <a:solidFill>
+                  <a:srgbClr val="404040"/>
+                </a:solidFill>
+                <a:uFill>
+                  <a:solidFill>
+                    <a:srgbClr val="FFFFFF"/>
+                  </a:solidFill>
+                </a:uFill>
+                <a:latin typeface="Franklin Gothic Medium"/>
+              </a:rPr>
+              <a:t>Un </a:t>
+            </a:r>
+            <a:r>
+              <a:rPr lang="en-US" sz="2800" b="0" strike="noStrike" spc="-1" dirty="0" err="1">
+                <a:solidFill>
+                  <a:srgbClr val="404040"/>
+                </a:solidFill>
+                <a:uFill>
+                  <a:solidFill>
+                    <a:srgbClr val="FFFFFF"/>
+                  </a:solidFill>
+                </a:uFill>
+                <a:latin typeface="Franklin Gothic Medium"/>
+              </a:rPr>
+              <a:t>documento</a:t>
+            </a:r>
+            <a:r>
+              <a:rPr lang="en-US" sz="2800" b="0" strike="noStrike" spc="-1" dirty="0">
+                <a:solidFill>
+                  <a:srgbClr val="404040"/>
+                </a:solidFill>
+                <a:uFill>
+                  <a:solidFill>
+                    <a:srgbClr val="FFFFFF"/>
+                  </a:solidFill>
+                </a:uFill>
+                <a:latin typeface="Franklin Gothic Medium"/>
+              </a:rPr>
+              <a:t> </a:t>
+            </a:r>
+            <a:r>
+              <a:rPr lang="en-US" sz="2800" b="0" strike="noStrike" spc="-1" dirty="0" err="1">
+                <a:solidFill>
+                  <a:srgbClr val="404040"/>
+                </a:solidFill>
+                <a:uFill>
+                  <a:solidFill>
+                    <a:srgbClr val="FFFFFF"/>
+                  </a:solidFill>
+                </a:uFill>
+                <a:latin typeface="Franklin Gothic Medium"/>
+              </a:rPr>
+              <a:t>nxml</a:t>
+            </a:r>
+            <a:r>
+              <a:rPr lang="en-US" sz="2800" b="0" strike="noStrike" spc="-1" dirty="0">
+                <a:solidFill>
+                  <a:srgbClr val="404040"/>
+                </a:solidFill>
+                <a:uFill>
+                  <a:solidFill>
+                    <a:srgbClr val="FFFFFF"/>
+                  </a:solidFill>
+                </a:uFill>
+                <a:latin typeface="Franklin Gothic Medium"/>
+              </a:rPr>
+              <a:t> è un file xml </a:t>
+            </a:r>
+            <a:r>
+              <a:rPr lang="en-US" sz="2800" b="0" strike="noStrike" spc="-1" dirty="0" err="1">
+                <a:solidFill>
+                  <a:srgbClr val="404040"/>
+                </a:solidFill>
+                <a:uFill>
+                  <a:solidFill>
+                    <a:srgbClr val="FFFFFF"/>
+                  </a:solidFill>
+                </a:uFill>
+                <a:latin typeface="Franklin Gothic Medium"/>
+              </a:rPr>
+              <a:t>che</a:t>
+            </a:r>
+            <a:r>
+              <a:rPr lang="en-US" sz="2800" b="0" strike="noStrike" spc="-1" dirty="0">
+                <a:solidFill>
+                  <a:srgbClr val="404040"/>
+                </a:solidFill>
+                <a:uFill>
+                  <a:solidFill>
+                    <a:srgbClr val="FFFFFF"/>
+                  </a:solidFill>
+                </a:uFill>
+                <a:latin typeface="Franklin Gothic Medium"/>
+              </a:rPr>
+              <a:t> </a:t>
+            </a:r>
+            <a:r>
+              <a:rPr lang="en-US" sz="2800" b="0" strike="noStrike" spc="-1" dirty="0" err="1">
+                <a:solidFill>
+                  <a:srgbClr val="404040"/>
+                </a:solidFill>
+                <a:uFill>
+                  <a:solidFill>
+                    <a:srgbClr val="FFFFFF"/>
+                  </a:solidFill>
+                </a:uFill>
+                <a:latin typeface="Franklin Gothic Medium"/>
+              </a:rPr>
+              <a:t>rispetta</a:t>
+            </a:r>
+            <a:r>
+              <a:rPr lang="en-US" sz="2800" b="0" strike="noStrike" spc="-1" dirty="0">
+                <a:solidFill>
+                  <a:srgbClr val="404040"/>
+                </a:solidFill>
+                <a:uFill>
+                  <a:solidFill>
+                    <a:srgbClr val="FFFFFF"/>
+                  </a:solidFill>
+                </a:uFill>
+                <a:latin typeface="Franklin Gothic Medium"/>
+              </a:rPr>
+              <a:t> lo schema RELAX NG Compact Syntax.</a:t>
             </a:r>
           </a:p>
           <a:p>
@@ -8878,18 +12075,60 @@
               <a:buChar char="▪"/>
             </a:pPr>
             <a:r>
-              <a:rPr lang="en-US" sz="2800" b="0" strike="noStrike" spc="-1">
-                <a:solidFill>
-                  <a:srgbClr val="404040"/>
-                </a:solidFill>
-                <a:uFill>
-                  <a:solidFill>
-                    <a:srgbClr val="FFFFFF"/>
-                  </a:solidFill>
-                </a:uFill>
-                <a:latin typeface="Franklin Gothic Medium"/>
-              </a:rPr>
-              <a:t>Informazioni utili:</a:t>
+              <a:rPr lang="en-US" sz="2800" b="0" strike="noStrike" spc="-1" dirty="0" err="1">
+                <a:solidFill>
+                  <a:srgbClr val="404040"/>
+                </a:solidFill>
+                <a:uFill>
+                  <a:solidFill>
+                    <a:srgbClr val="FFFFFF"/>
+                  </a:solidFill>
+                </a:uFill>
+                <a:latin typeface="Franklin Gothic Medium"/>
+              </a:rPr>
+              <a:t>Informazioni</a:t>
+            </a:r>
+            <a:r>
+              <a:rPr lang="en-US" sz="2800" b="0" strike="noStrike" spc="-1" dirty="0">
+                <a:solidFill>
+                  <a:srgbClr val="404040"/>
+                </a:solidFill>
+                <a:uFill>
+                  <a:solidFill>
+                    <a:srgbClr val="FFFFFF"/>
+                  </a:solidFill>
+                </a:uFill>
+                <a:latin typeface="Franklin Gothic Medium"/>
+              </a:rPr>
+              <a:t> </a:t>
+            </a:r>
+            <a:r>
+              <a:rPr lang="en-US" sz="2800" b="0" strike="noStrike" spc="-1" dirty="0" err="1">
+                <a:solidFill>
+                  <a:srgbClr val="404040"/>
+                </a:solidFill>
+                <a:uFill>
+                  <a:solidFill>
+                    <a:srgbClr val="FFFFFF"/>
+                  </a:solidFill>
+                </a:uFill>
+                <a:latin typeface="Franklin Gothic Medium"/>
+              </a:rPr>
+              <a:t>utili</a:t>
+            </a:r>
+            <a:r>
+              <a:rPr lang="en-US" sz="2800" b="0" strike="noStrike" spc="-1" dirty="0">
+                <a:solidFill>
+                  <a:srgbClr val="404040"/>
+                </a:solidFill>
+                <a:uFill>
+                  <a:solidFill>
+                    <a:srgbClr val="FFFFFF"/>
+                  </a:solidFill>
+                </a:uFill>
+                <a:latin typeface="Franklin Gothic Medium"/>
+              </a:rPr>
+              <a:t>:</a:t>
             </a:r>
           </a:p>
           <a:p>
@@ -8904,7 +12143,7 @@
               <a:buChar char="▪"/>
             </a:pPr>
             <a:r>
-              <a:rPr lang="en-US" sz="2400" b="0" strike="noStrike" spc="-1">
+              <a:rPr lang="en-US" sz="2400" b="0" strike="noStrike" spc="-1" dirty="0">
                 <a:solidFill>
                   <a:srgbClr val="404040"/>
                 </a:solidFill>
@@ -8918,7 +12157,7 @@
               <a:t>Article-title →</a:t>
             </a:r>
             <a:r>
-              <a:rPr lang="en-US" sz="2400" b="0" strike="noStrike" spc="-1">
+              <a:rPr lang="en-US" sz="2400" b="0" strike="noStrike" spc="-1" dirty="0">
                 <a:solidFill>
                   <a:srgbClr val="404040"/>
                 </a:solidFill>
@@ -8932,19 +12171,58 @@
               <a:t> </a:t>
             </a:r>
             <a:r>
-              <a:rPr lang="en-US" sz="2400" b="0" strike="noStrike" spc="-1">
-                <a:solidFill>
-                  <a:srgbClr val="404040"/>
-                </a:solidFill>
-                <a:uFill>
-                  <a:solidFill>
-                    <a:srgbClr val="FFFFFF"/>
-                  </a:solidFill>
-                </a:uFill>
-                <a:latin typeface="Franklin Gothic Medium"/>
-              </a:rPr>
-              <a:t>titolo del documento</a:t>
-            </a:r>
+              <a:rPr lang="en-US" sz="2400" b="0" strike="noStrike" spc="-1" dirty="0" err="1">
+                <a:solidFill>
+                  <a:srgbClr val="404040"/>
+                </a:solidFill>
+                <a:uFill>
+                  <a:solidFill>
+                    <a:srgbClr val="FFFFFF"/>
+                  </a:solidFill>
+                </a:uFill>
+                <a:latin typeface="Franklin Gothic Medium"/>
+              </a:rPr>
+              <a:t>titolo</a:t>
+            </a:r>
+            <a:r>
+              <a:rPr lang="en-US" sz="2400" b="0" strike="noStrike" spc="-1" dirty="0">
+                <a:solidFill>
+                  <a:srgbClr val="404040"/>
+                </a:solidFill>
+                <a:uFill>
+                  <a:solidFill>
+                    <a:srgbClr val="FFFFFF"/>
+                  </a:solidFill>
+                </a:uFill>
+                <a:latin typeface="Franklin Gothic Medium"/>
+              </a:rPr>
+              <a:t> del </a:t>
+            </a:r>
+            <a:r>
+              <a:rPr lang="en-US" sz="2400" b="0" strike="noStrike" spc="-1" dirty="0" err="1">
+                <a:solidFill>
+                  <a:srgbClr val="404040"/>
+                </a:solidFill>
+                <a:uFill>
+                  <a:solidFill>
+                    <a:srgbClr val="FFFFFF"/>
+                  </a:solidFill>
+                </a:uFill>
+                <a:latin typeface="Franklin Gothic Medium"/>
+              </a:rPr>
+              <a:t>documento</a:t>
+            </a:r>
+            <a:endParaRPr lang="en-US" sz="2400" b="0" strike="noStrike" spc="-1" dirty="0">
+              <a:solidFill>
+                <a:srgbClr val="404040"/>
+              </a:solidFill>
+              <a:uFill>
+                <a:solidFill>
+                  <a:srgbClr val="FFFFFF"/>
+                </a:solidFill>
+              </a:uFill>
+              <a:latin typeface="Franklin Gothic Medium"/>
+            </a:endParaRPr>
           </a:p>
           <a:p>
             <a:pPr marL="457200" lvl="1" indent="-228240">
@@ -8958,21 +12236,35 @@
               <a:buChar char="▪"/>
             </a:pPr>
             <a:r>
-              <a:rPr lang="en-US" sz="2400" b="0" strike="noStrike" spc="-1">
-                <a:solidFill>
-                  <a:srgbClr val="404040"/>
-                </a:solidFill>
-                <a:uFill>
-                  <a:solidFill>
-                    <a:srgbClr val="FFFFFF"/>
-                  </a:solidFill>
-                </a:uFill>
-                <a:latin typeface="Franklin Gothic Medium"/>
-              </a:rPr>
-              <a:t>Contrib-group →</a:t>
-            </a:r>
-            <a:r>
-              <a:rPr lang="en-US" sz="2400" b="0" strike="noStrike" spc="-1">
+              <a:rPr lang="en-US" sz="2400" b="0" strike="noStrike" spc="-1" dirty="0" err="1">
+                <a:solidFill>
+                  <a:srgbClr val="404040"/>
+                </a:solidFill>
+                <a:uFill>
+                  <a:solidFill>
+                    <a:srgbClr val="FFFFFF"/>
+                  </a:solidFill>
+                </a:uFill>
+                <a:latin typeface="Franklin Gothic Medium"/>
+              </a:rPr>
+              <a:t>Contrib</a:t>
+            </a:r>
+            <a:r>
+              <a:rPr lang="en-US" sz="2400" b="0" strike="noStrike" spc="-1" dirty="0">
+                <a:solidFill>
+                  <a:srgbClr val="404040"/>
+                </a:solidFill>
+                <a:uFill>
+                  <a:solidFill>
+                    <a:srgbClr val="FFFFFF"/>
+                  </a:solidFill>
+                </a:uFill>
+                <a:latin typeface="Franklin Gothic Medium"/>
+              </a:rPr>
+              <a:t>-group →</a:t>
+            </a:r>
+            <a:r>
+              <a:rPr lang="en-US" sz="2400" b="0" strike="noStrike" spc="-1" dirty="0">
                 <a:solidFill>
                   <a:srgbClr val="404040"/>
                 </a:solidFill>
@@ -8986,19 +12278,142 @@
               <a:t> </a:t>
             </a:r>
             <a:r>
-              <a:rPr lang="en-US" sz="2400" b="0" strike="noStrike" spc="-1">
-                <a:solidFill>
-                  <a:srgbClr val="404040"/>
-                </a:solidFill>
-                <a:uFill>
-                  <a:solidFill>
-                    <a:srgbClr val="FFFFFF"/>
-                  </a:solidFill>
-                </a:uFill>
-                <a:latin typeface="Franklin Gothic Medium"/>
-              </a:rPr>
-              <a:t>lista di nomi e cognomi degli autori</a:t>
-            </a:r>
+              <a:rPr lang="en-US" sz="2400" b="0" strike="noStrike" spc="-1" dirty="0" err="1">
+                <a:solidFill>
+                  <a:srgbClr val="404040"/>
+                </a:solidFill>
+                <a:uFill>
+                  <a:solidFill>
+                    <a:srgbClr val="FFFFFF"/>
+                  </a:solidFill>
+                </a:uFill>
+                <a:latin typeface="Franklin Gothic Medium"/>
+              </a:rPr>
+              <a:t>lista</a:t>
+            </a:r>
+            <a:r>
+              <a:rPr lang="en-US" sz="2400" b="0" strike="noStrike" spc="-1" dirty="0">
+                <a:solidFill>
+                  <a:srgbClr val="404040"/>
+                </a:solidFill>
+                <a:uFill>
+                  <a:solidFill>
+                    <a:srgbClr val="FFFFFF"/>
+                  </a:solidFill>
+                </a:uFill>
+                <a:latin typeface="Franklin Gothic Medium"/>
+              </a:rPr>
+              <a:t> di </a:t>
+            </a:r>
+            <a:r>
+              <a:rPr lang="en-US" sz="2400" b="0" strike="noStrike" spc="-1" dirty="0" err="1">
+                <a:solidFill>
+                  <a:srgbClr val="404040"/>
+                </a:solidFill>
+                <a:uFill>
+                  <a:solidFill>
+                    <a:srgbClr val="FFFFFF"/>
+                  </a:solidFill>
+                </a:uFill>
+                <a:latin typeface="Franklin Gothic Medium"/>
+              </a:rPr>
+              <a:t>nomi</a:t>
+            </a:r>
+            <a:r>
+              <a:rPr lang="en-US" sz="2400" b="0" strike="noStrike" spc="-1" dirty="0">
+                <a:solidFill>
+                  <a:srgbClr val="404040"/>
+                </a:solidFill>
+                <a:uFill>
+                  <a:solidFill>
+                    <a:srgbClr val="FFFFFF"/>
+                  </a:solidFill>
+                </a:uFill>
+                <a:latin typeface="Franklin Gothic Medium"/>
+              </a:rPr>
+              <a:t> e </a:t>
+            </a:r>
+            <a:r>
+              <a:rPr lang="en-US" sz="2400" b="0" strike="noStrike" spc="-1" dirty="0" err="1">
+                <a:solidFill>
+                  <a:srgbClr val="404040"/>
+                </a:solidFill>
+                <a:uFill>
+                  <a:solidFill>
+                    <a:srgbClr val="FFFFFF"/>
+                  </a:solidFill>
+                </a:uFill>
+                <a:latin typeface="Franklin Gothic Medium"/>
+              </a:rPr>
+              <a:t>cognomi</a:t>
+            </a:r>
+            <a:r>
+              <a:rPr lang="en-US" sz="2400" b="0" strike="noStrike" spc="-1" dirty="0">
+                <a:solidFill>
+                  <a:srgbClr val="404040"/>
+                </a:solidFill>
+                <a:uFill>
+                  <a:solidFill>
+                    <a:srgbClr val="FFFFFF"/>
+                  </a:solidFill>
+                </a:uFill>
+                <a:latin typeface="Franklin Gothic Medium"/>
+              </a:rPr>
+              <a:t> </a:t>
+            </a:r>
+            <a:r>
+              <a:rPr lang="en-US" sz="2400" b="0" strike="noStrike" spc="-1" dirty="0" err="1">
+                <a:solidFill>
+                  <a:srgbClr val="404040"/>
+                </a:solidFill>
+                <a:uFill>
+                  <a:solidFill>
+                    <a:srgbClr val="FFFFFF"/>
+                  </a:solidFill>
+                </a:uFill>
+                <a:latin typeface="Franklin Gothic Medium"/>
+              </a:rPr>
+              <a:t>degli</a:t>
+            </a:r>
+            <a:r>
+              <a:rPr lang="en-US" sz="2400" b="0" strike="noStrike" spc="-1" dirty="0">
+                <a:solidFill>
+                  <a:srgbClr val="404040"/>
+                </a:solidFill>
+                <a:uFill>
+                  <a:solidFill>
+                    <a:srgbClr val="FFFFFF"/>
+                  </a:solidFill>
+                </a:uFill>
+                <a:latin typeface="Franklin Gothic Medium"/>
+              </a:rPr>
+              <a:t> </a:t>
+            </a:r>
+            <a:r>
+              <a:rPr lang="en-US" sz="2400" b="0" strike="noStrike" spc="-1" dirty="0" err="1">
+                <a:solidFill>
+                  <a:srgbClr val="404040"/>
+                </a:solidFill>
+                <a:uFill>
+                  <a:solidFill>
+                    <a:srgbClr val="FFFFFF"/>
+                  </a:solidFill>
+                </a:uFill>
+                <a:latin typeface="Franklin Gothic Medium"/>
+              </a:rPr>
+              <a:t>autori</a:t>
+            </a:r>
+            <a:endParaRPr lang="en-US" sz="2400" b="0" strike="noStrike" spc="-1" dirty="0">
+              <a:solidFill>
+                <a:srgbClr val="404040"/>
+              </a:solidFill>
+              <a:uFill>
+                <a:solidFill>
+                  <a:srgbClr val="FFFFFF"/>
+                </a:solidFill>
+              </a:uFill>
+              <a:latin typeface="Franklin Gothic Medium"/>
+            </a:endParaRPr>
           </a:p>
           <a:p>
             <a:pPr marL="457200" lvl="1" indent="-228240">
@@ -9012,19 +12427,72 @@
               <a:buChar char="▪"/>
             </a:pPr>
             <a:r>
-              <a:rPr lang="en-US" sz="2400" b="0" strike="noStrike" spc="-1">
-                <a:solidFill>
-                  <a:srgbClr val="404040"/>
-                </a:solidFill>
-                <a:uFill>
-                  <a:solidFill>
-                    <a:srgbClr val="FFFFFF"/>
-                  </a:solidFill>
-                </a:uFill>
-                <a:latin typeface="Franklin Gothic Medium"/>
-              </a:rPr>
-              <a:t>Date → data pubblicazione del documento</a:t>
-            </a:r>
+              <a:rPr lang="en-US" sz="2400" b="0" strike="noStrike" spc="-1" dirty="0">
+                <a:solidFill>
+                  <a:srgbClr val="404040"/>
+                </a:solidFill>
+                <a:uFill>
+                  <a:solidFill>
+                    <a:srgbClr val="FFFFFF"/>
+                  </a:solidFill>
+                </a:uFill>
+                <a:latin typeface="Franklin Gothic Medium"/>
+              </a:rPr>
+              <a:t>Date → data </a:t>
+            </a:r>
+            <a:r>
+              <a:rPr lang="en-US" sz="2400" b="0" strike="noStrike" spc="-1" dirty="0" err="1">
+                <a:solidFill>
+                  <a:srgbClr val="404040"/>
+                </a:solidFill>
+                <a:uFill>
+                  <a:solidFill>
+                    <a:srgbClr val="FFFFFF"/>
+                  </a:solidFill>
+                </a:uFill>
+                <a:latin typeface="Franklin Gothic Medium"/>
+              </a:rPr>
+              <a:t>pubblicazione</a:t>
+            </a:r>
+            <a:r>
+              <a:rPr lang="en-US" sz="2400" b="0" strike="noStrike" spc="-1" dirty="0">
+                <a:solidFill>
+                  <a:srgbClr val="404040"/>
+                </a:solidFill>
+                <a:uFill>
+                  <a:solidFill>
+                    <a:srgbClr val="FFFFFF"/>
+                  </a:solidFill>
+                </a:uFill>
+                <a:latin typeface="Franklin Gothic Medium"/>
+              </a:rPr>
+              <a:t> del </a:t>
+            </a:r>
+            <a:r>
+              <a:rPr lang="en-US" sz="2400" b="0" strike="noStrike" spc="-1" dirty="0" err="1">
+                <a:solidFill>
+                  <a:srgbClr val="404040"/>
+                </a:solidFill>
+                <a:uFill>
+                  <a:solidFill>
+                    <a:srgbClr val="FFFFFF"/>
+                  </a:solidFill>
+                </a:uFill>
+                <a:latin typeface="Franklin Gothic Medium"/>
+              </a:rPr>
+              <a:t>documento</a:t>
+            </a:r>
+            <a:endParaRPr lang="en-US" sz="2400" b="0" strike="noStrike" spc="-1" dirty="0">
+              <a:solidFill>
+                <a:srgbClr val="404040"/>
+              </a:solidFill>
+              <a:uFill>
+                <a:solidFill>
+                  <a:srgbClr val="FFFFFF"/>
+                </a:solidFill>
+              </a:uFill>
+              <a:latin typeface="Franklin Gothic Medium"/>
+            </a:endParaRPr>
           </a:p>
           <a:p>
             <a:pPr marL="457200" lvl="1" indent="-228240">
@@ -9038,7 +12506,7 @@
               <a:buChar char="▪"/>
             </a:pPr>
             <a:r>
-              <a:rPr lang="en-US" sz="2400" b="0" strike="noStrike" spc="-1">
+              <a:rPr lang="en-US" sz="2400" b="0" strike="noStrike" spc="-1" dirty="0">
                 <a:solidFill>
                   <a:srgbClr val="404040"/>
                 </a:solidFill>
@@ -9052,7 +12520,7 @@
               <a:t>Abstract →</a:t>
             </a:r>
             <a:r>
-              <a:rPr lang="en-US" sz="2400" b="0" strike="noStrike" spc="-1">
+              <a:rPr lang="en-US" sz="2400" b="0" strike="noStrike" spc="-1" dirty="0">
                 <a:solidFill>
                   <a:srgbClr val="404040"/>
                 </a:solidFill>
@@ -9066,19 +12534,86 @@
               <a:t> </a:t>
             </a:r>
             <a:r>
-              <a:rPr lang="en-US" sz="2400" b="0" strike="noStrike" spc="-1">
-                <a:solidFill>
-                  <a:srgbClr val="404040"/>
-                </a:solidFill>
-                <a:uFill>
-                  <a:solidFill>
-                    <a:srgbClr val="FFFFFF"/>
-                  </a:solidFill>
-                </a:uFill>
-                <a:latin typeface="Franklin Gothic Medium"/>
-              </a:rPr>
-              <a:t>riassunto del contenuto del documento</a:t>
-            </a:r>
+              <a:rPr lang="en-US" sz="2400" b="0" strike="noStrike" spc="-1" dirty="0" err="1">
+                <a:solidFill>
+                  <a:srgbClr val="404040"/>
+                </a:solidFill>
+                <a:uFill>
+                  <a:solidFill>
+                    <a:srgbClr val="FFFFFF"/>
+                  </a:solidFill>
+                </a:uFill>
+                <a:latin typeface="Franklin Gothic Medium"/>
+              </a:rPr>
+              <a:t>riassunto</a:t>
+            </a:r>
+            <a:r>
+              <a:rPr lang="en-US" sz="2400" b="0" strike="noStrike" spc="-1" dirty="0">
+                <a:solidFill>
+                  <a:srgbClr val="404040"/>
+                </a:solidFill>
+                <a:uFill>
+                  <a:solidFill>
+                    <a:srgbClr val="FFFFFF"/>
+                  </a:solidFill>
+                </a:uFill>
+                <a:latin typeface="Franklin Gothic Medium"/>
+              </a:rPr>
+              <a:t> del </a:t>
+            </a:r>
+            <a:r>
+              <a:rPr lang="en-US" sz="2400" b="0" strike="noStrike" spc="-1" dirty="0" err="1">
+                <a:solidFill>
+                  <a:srgbClr val="404040"/>
+                </a:solidFill>
+                <a:uFill>
+                  <a:solidFill>
+                    <a:srgbClr val="FFFFFF"/>
+                  </a:solidFill>
+                </a:uFill>
+                <a:latin typeface="Franklin Gothic Medium"/>
+              </a:rPr>
+              <a:t>contenuto</a:t>
+            </a:r>
+            <a:r>
+              <a:rPr lang="en-US" sz="2400" b="0" strike="noStrike" spc="-1" dirty="0">
+                <a:solidFill>
+                  <a:srgbClr val="404040"/>
+                </a:solidFill>
+                <a:uFill>
+                  <a:solidFill>
+                    <a:srgbClr val="FFFFFF"/>
+                  </a:solidFill>
+                </a:uFill>
+                <a:latin typeface="Franklin Gothic Medium"/>
+              </a:rPr>
+              <a:t> del </a:t>
+            </a:r>
+            <a:r>
+              <a:rPr lang="en-US" sz="2400" b="0" strike="noStrike" spc="-1" dirty="0" err="1">
+                <a:solidFill>
+                  <a:srgbClr val="404040"/>
+                </a:solidFill>
+                <a:uFill>
+                  <a:solidFill>
+                    <a:srgbClr val="FFFFFF"/>
+                  </a:solidFill>
+                </a:uFill>
+                <a:latin typeface="Franklin Gothic Medium"/>
+              </a:rPr>
+              <a:t>documento</a:t>
+            </a:r>
+            <a:endParaRPr lang="en-US" sz="2400" b="0" strike="noStrike" spc="-1" dirty="0">
+              <a:solidFill>
+                <a:srgbClr val="404040"/>
+              </a:solidFill>
+              <a:uFill>
+                <a:solidFill>
+                  <a:srgbClr val="FFFFFF"/>
+                </a:solidFill>
+              </a:uFill>
+              <a:latin typeface="Franklin Gothic Medium"/>
+            </a:endParaRPr>
           </a:p>
           <a:p>
             <a:pPr marL="457200" lvl="1" indent="-228240">
@@ -9092,7 +12627,7 @@
               <a:buChar char="▪"/>
             </a:pPr>
             <a:r>
-              <a:rPr lang="en-US" sz="2400" b="0" strike="noStrike" spc="-1">
+              <a:rPr lang="en-US" sz="2400" b="0" strike="noStrike" spc="-1" dirty="0">
                 <a:solidFill>
                   <a:srgbClr val="404040"/>
                 </a:solidFill>
@@ -9106,7 +12641,7 @@
               <a:t>Body →</a:t>
             </a:r>
             <a:r>
-              <a:rPr lang="en-US" sz="2400" b="0" strike="noStrike" spc="-1">
+              <a:rPr lang="en-US" sz="2400" b="0" strike="noStrike" spc="-1" dirty="0">
                 <a:solidFill>
                   <a:srgbClr val="404040"/>
                 </a:solidFill>
@@ -9120,22 +12655,61 @@
               <a:t> </a:t>
             </a:r>
             <a:r>
-              <a:rPr lang="en-US" sz="2400" b="0" strike="noStrike" spc="-1">
-                <a:solidFill>
-                  <a:srgbClr val="404040"/>
-                </a:solidFill>
-                <a:uFill>
-                  <a:solidFill>
-                    <a:srgbClr val="FFFFFF"/>
-                  </a:solidFill>
-                </a:uFill>
-                <a:latin typeface="Franklin Gothic Medium"/>
-              </a:rPr>
-              <a:t>contenuto del documento</a:t>
-            </a:r>
-          </a:p>
-          <a:p>
-            <a:endParaRPr lang="en-US" sz="2800" b="0" strike="noStrike" spc="-1">
+              <a:rPr lang="en-US" sz="2400" b="0" strike="noStrike" spc="-1" dirty="0" err="1">
+                <a:solidFill>
+                  <a:srgbClr val="404040"/>
+                </a:solidFill>
+                <a:uFill>
+                  <a:solidFill>
+                    <a:srgbClr val="FFFFFF"/>
+                  </a:solidFill>
+                </a:uFill>
+                <a:latin typeface="Franklin Gothic Medium"/>
+              </a:rPr>
+              <a:t>contenuto</a:t>
+            </a:r>
+            <a:r>
+              <a:rPr lang="en-US" sz="2400" b="0" strike="noStrike" spc="-1" dirty="0">
+                <a:solidFill>
+                  <a:srgbClr val="404040"/>
+                </a:solidFill>
+                <a:uFill>
+                  <a:solidFill>
+                    <a:srgbClr val="FFFFFF"/>
+                  </a:solidFill>
+                </a:uFill>
+                <a:latin typeface="Franklin Gothic Medium"/>
+              </a:rPr>
+              <a:t> del </a:t>
+            </a:r>
+            <a:r>
+              <a:rPr lang="en-US" sz="2400" b="0" strike="noStrike" spc="-1" dirty="0" err="1">
+                <a:solidFill>
+                  <a:srgbClr val="404040"/>
+                </a:solidFill>
+                <a:uFill>
+                  <a:solidFill>
+                    <a:srgbClr val="FFFFFF"/>
+                  </a:solidFill>
+                </a:uFill>
+                <a:latin typeface="Franklin Gothic Medium"/>
+              </a:rPr>
+              <a:t>documento</a:t>
+            </a:r>
+            <a:endParaRPr lang="en-US" sz="2400" b="0" strike="noStrike" spc="-1" dirty="0">
+              <a:solidFill>
+                <a:srgbClr val="404040"/>
+              </a:solidFill>
+              <a:uFill>
+                <a:solidFill>
+                  <a:srgbClr val="FFFFFF"/>
+                </a:solidFill>
+              </a:uFill>
+              <a:latin typeface="Franklin Gothic Medium"/>
+            </a:endParaRPr>
+          </a:p>
+          <a:p>
+            <a:endParaRPr lang="en-US" sz="2800" b="0" strike="noStrike" spc="-1" dirty="0">
               <a:solidFill>
                 <a:srgbClr val="404040"/>
               </a:solidFill>
@@ -9159,18 +12733,130 @@
               <a:buChar char="▪"/>
             </a:pPr>
             <a:r>
-              <a:rPr lang="en-US" sz="2800" b="0" strike="noStrike" spc="-1">
-                <a:solidFill>
-                  <a:srgbClr val="404040"/>
-                </a:solidFill>
-                <a:uFill>
-                  <a:solidFill>
-                    <a:srgbClr val="FFFFFF"/>
-                  </a:solidFill>
-                </a:uFill>
-                <a:latin typeface="Franklin Gothic Medium"/>
-              </a:rPr>
-              <a:t>Il parsing è stato effettuato tramite la metodologia SAX.</a:t>
+              <a:rPr lang="en-US" sz="2800" b="0" strike="noStrike" spc="-1" dirty="0">
+                <a:solidFill>
+                  <a:srgbClr val="404040"/>
+                </a:solidFill>
+                <a:uFill>
+                  <a:solidFill>
+                    <a:srgbClr val="FFFFFF"/>
+                  </a:solidFill>
+                </a:uFill>
+                <a:latin typeface="Franklin Gothic Medium"/>
+              </a:rPr>
+              <a:t>Il parsing è </a:t>
+            </a:r>
+            <a:r>
+              <a:rPr lang="en-US" sz="2800" b="0" strike="noStrike" spc="-1" dirty="0" err="1">
+                <a:solidFill>
+                  <a:srgbClr val="404040"/>
+                </a:solidFill>
+                <a:uFill>
+                  <a:solidFill>
+                    <a:srgbClr val="FFFFFF"/>
+                  </a:solidFill>
+                </a:uFill>
+                <a:latin typeface="Franklin Gothic Medium"/>
+              </a:rPr>
+              <a:t>stato</a:t>
+            </a:r>
+            <a:r>
+              <a:rPr lang="en-US" sz="2800" b="0" strike="noStrike" spc="-1" dirty="0">
+                <a:solidFill>
+                  <a:srgbClr val="404040"/>
+                </a:solidFill>
+                <a:uFill>
+                  <a:solidFill>
+                    <a:srgbClr val="FFFFFF"/>
+                  </a:solidFill>
+                </a:uFill>
+                <a:latin typeface="Franklin Gothic Medium"/>
+              </a:rPr>
+              <a:t> </a:t>
+            </a:r>
+            <a:r>
+              <a:rPr lang="en-US" sz="2800" b="0" strike="noStrike" spc="-1" dirty="0" err="1">
+                <a:solidFill>
+                  <a:srgbClr val="404040"/>
+                </a:solidFill>
+                <a:uFill>
+                  <a:solidFill>
+                    <a:srgbClr val="FFFFFF"/>
+                  </a:solidFill>
+                </a:uFill>
+                <a:latin typeface="Franklin Gothic Medium"/>
+              </a:rPr>
+              <a:t>effettuato</a:t>
+            </a:r>
+            <a:r>
+              <a:rPr lang="en-US" sz="2800" b="0" strike="noStrike" spc="-1" dirty="0">
+                <a:solidFill>
+                  <a:srgbClr val="404040"/>
+                </a:solidFill>
+                <a:uFill>
+                  <a:solidFill>
+                    <a:srgbClr val="FFFFFF"/>
+                  </a:solidFill>
+                </a:uFill>
+                <a:latin typeface="Franklin Gothic Medium"/>
+              </a:rPr>
+              <a:t> </a:t>
+            </a:r>
+            <a:r>
+              <a:rPr lang="en-US" sz="2800" b="0" strike="noStrike" spc="-1" dirty="0" err="1">
+                <a:solidFill>
+                  <a:srgbClr val="404040"/>
+                </a:solidFill>
+                <a:uFill>
+                  <a:solidFill>
+                    <a:srgbClr val="FFFFFF"/>
+                  </a:solidFill>
+                </a:uFill>
+                <a:latin typeface="Franklin Gothic Medium"/>
+              </a:rPr>
+              <a:t>tramite</a:t>
+            </a:r>
+            <a:r>
+              <a:rPr lang="en-US" sz="2800" b="0" strike="noStrike" spc="-1" dirty="0">
+                <a:solidFill>
+                  <a:srgbClr val="404040"/>
+                </a:solidFill>
+                <a:uFill>
+                  <a:solidFill>
+                    <a:srgbClr val="FFFFFF"/>
+                  </a:solidFill>
+                </a:uFill>
+                <a:latin typeface="Franklin Gothic Medium"/>
+              </a:rPr>
+              <a:t> la </a:t>
+            </a:r>
+            <a:r>
+              <a:rPr lang="en-US" sz="2800" b="0" strike="noStrike" spc="-1" dirty="0" err="1">
+                <a:solidFill>
+                  <a:srgbClr val="404040"/>
+                </a:solidFill>
+                <a:uFill>
+                  <a:solidFill>
+                    <a:srgbClr val="FFFFFF"/>
+                  </a:solidFill>
+                </a:uFill>
+                <a:latin typeface="Franklin Gothic Medium"/>
+              </a:rPr>
+              <a:t>metodologia</a:t>
+            </a:r>
+            <a:r>
+              <a:rPr lang="en-US" sz="2800" b="0" strike="noStrike" spc="-1" dirty="0">
+                <a:solidFill>
+                  <a:srgbClr val="404040"/>
+                </a:solidFill>
+                <a:uFill>
+                  <a:solidFill>
+                    <a:srgbClr val="FFFFFF"/>
+                  </a:solidFill>
+                </a:uFill>
+                <a:latin typeface="Franklin Gothic Medium"/>
+              </a:rPr>
+              <a:t> SAX.</a:t>
             </a:r>
           </a:p>
         </p:txBody>
@@ -9315,7 +13001,7 @@
               </a:lnSpc>
             </a:pPr>
             <a:r>
-              <a:rPr lang="en-US" sz="2400" b="0" strike="noStrike" spc="-1">
+              <a:rPr lang="en-US" sz="2400" b="0" strike="noStrike" spc="-1" dirty="0" err="1">
                 <a:solidFill>
                   <a:srgbClr val="E76724"/>
                 </a:solidFill>
@@ -9326,10 +13012,24 @@
                 </a:uFill>
                 <a:latin typeface="Franklin Gothic Medium"/>
               </a:rPr>
-              <a:t>def </a:t>
-            </a:r>
-            <a:r>
-              <a:rPr lang="en-US" sz="2400" b="0" strike="noStrike" spc="-1">
+              <a:t>def</a:t>
+            </a:r>
+            <a:r>
+              <a:rPr lang="en-US" sz="2400" b="0" strike="noStrike" spc="-1" dirty="0">
+                <a:solidFill>
+                  <a:srgbClr val="E76724"/>
+                </a:solidFill>
+                <a:uFill>
+                  <a:solidFill>
+                    <a:srgbClr val="FFFFFF"/>
+                  </a:solidFill>
+                </a:uFill>
+                <a:latin typeface="Franklin Gothic Medium"/>
+              </a:rPr>
+              <a:t> </a:t>
+            </a:r>
+            <a:r>
+              <a:rPr lang="en-US" sz="2400" b="0" strike="noStrike" spc="-1" dirty="0" err="1">
                 <a:solidFill>
                   <a:srgbClr val="FFC000"/>
                 </a:solidFill>
@@ -9343,7 +13043,7 @@
               <a:t>parseDocument</a:t>
             </a:r>
             <a:r>
-              <a:rPr lang="en-US" sz="2400" b="0" strike="noStrike" spc="-1">
+              <a:rPr lang="en-US" sz="2400" b="0" strike="noStrike" spc="-1" dirty="0">
                 <a:solidFill>
                   <a:srgbClr val="404040"/>
                 </a:solidFill>
@@ -9357,7 +13057,7 @@
               <a:t>(</a:t>
             </a:r>
             <a:r>
-              <a:rPr lang="en-US" sz="2400" b="0" strike="noStrike" spc="-1">
+              <a:rPr lang="en-US" sz="2400" b="0" strike="noStrike" spc="-1" dirty="0">
                 <a:solidFill>
                   <a:srgbClr val="7030A0"/>
                 </a:solidFill>
@@ -9371,7 +13071,7 @@
               <a:t>self</a:t>
             </a:r>
             <a:r>
-              <a:rPr lang="en-US" sz="2400" b="0" strike="noStrike" spc="-1">
+              <a:rPr lang="en-US" sz="2400" b="0" strike="noStrike" spc="-1" dirty="0">
                 <a:solidFill>
                   <a:srgbClr val="404040"/>
                 </a:solidFill>
@@ -9384,17 +13084,6 @@
               </a:rPr>
               <a:t>, path): </a:t>
             </a:r>
-            <a:endParaRPr lang="en-US" sz="2800" b="0" strike="noStrike" spc="-1">
-              <a:solidFill>
-                <a:srgbClr val="404040"/>
-              </a:solidFill>
-              <a:uFill>
-                <a:solidFill>
-                  <a:srgbClr val="FFFFFF"/>
-                </a:solidFill>
-              </a:uFill>
-              <a:latin typeface="Franklin Gothic Medium"/>
-            </a:endParaRPr>
           </a:p>
           <a:p>
             <a:pPr>
@@ -9403,7 +13092,7 @@
               </a:lnSpc>
             </a:pPr>
             <a:r>
-              <a:rPr lang="en-US" sz="2400" b="0" strike="noStrike" spc="-1">
+              <a:rPr lang="en-US" sz="2400" b="0" strike="noStrike" spc="-1" dirty="0">
                 <a:solidFill>
                   <a:srgbClr val="404040"/>
                 </a:solidFill>
@@ -9417,7 +13106,7 @@
               <a:t>	</a:t>
             </a:r>
             <a:r>
-              <a:rPr lang="en-US" sz="2400" b="0" strike="noStrike" spc="-1">
+              <a:rPr lang="en-US" sz="2400" b="0" strike="noStrike" spc="-1" dirty="0">
                 <a:solidFill>
                   <a:srgbClr val="00B050"/>
                 </a:solidFill>
@@ -9430,7 +13119,7 @@
               </a:rPr>
               <a:t># Create the xml parser</a:t>
             </a:r>
-            <a:endParaRPr lang="en-US" sz="2800" b="0" strike="noStrike" spc="-1">
+            <a:endParaRPr lang="en-US" sz="2400" b="0" strike="noStrike" spc="-1" dirty="0">
               <a:solidFill>
                 <a:srgbClr val="404040"/>
               </a:solidFill>
@@ -9449,30 +13138,75 @@
               </a:lnSpc>
             </a:pPr>
             <a:r>
-              <a:rPr lang="en-US" sz="2400" b="0" strike="noStrike" spc="-1">
-                <a:solidFill>
-                  <a:srgbClr val="404040"/>
-                </a:solidFill>
-                <a:uFill>
-                  <a:solidFill>
-                    <a:srgbClr val="FFFFFF"/>
-                  </a:solidFill>
-                </a:uFill>
-                <a:latin typeface="Franklin Gothic Medium"/>
-              </a:rPr>
-              <a:t>	parser doc_parser = xml.sax.make_parser() </a:t>
-            </a:r>
-            <a:endParaRPr lang="en-US" sz="2800" b="0" strike="noStrike" spc="-1">
-              <a:solidFill>
-                <a:srgbClr val="404040"/>
-              </a:solidFill>
-              <a:uFill>
-                <a:solidFill>
-                  <a:srgbClr val="FFFFFF"/>
-                </a:solidFill>
-              </a:uFill>
-              <a:latin typeface="Franklin Gothic Medium"/>
-            </a:endParaRPr>
+              <a:rPr lang="en-US" sz="2400" b="0" strike="noStrike" spc="-1" dirty="0">
+                <a:solidFill>
+                  <a:srgbClr val="404040"/>
+                </a:solidFill>
+                <a:uFill>
+                  <a:solidFill>
+                    <a:srgbClr val="FFFFFF"/>
+                  </a:solidFill>
+                </a:uFill>
+                <a:latin typeface="Franklin Gothic Medium"/>
+              </a:rPr>
+              <a:t>	parser </a:t>
+            </a:r>
+            <a:r>
+              <a:rPr lang="en-US" sz="2400" b="0" strike="noStrike" spc="-1" dirty="0" err="1">
+                <a:solidFill>
+                  <a:srgbClr val="404040"/>
+                </a:solidFill>
+                <a:uFill>
+                  <a:solidFill>
+                    <a:srgbClr val="FFFFFF"/>
+                  </a:solidFill>
+                </a:uFill>
+                <a:latin typeface="Franklin Gothic Medium"/>
+              </a:rPr>
+              <a:t>doc_parser</a:t>
+            </a:r>
+            <a:r>
+              <a:rPr lang="en-US" sz="2400" b="0" strike="noStrike" spc="-1" dirty="0">
+                <a:solidFill>
+                  <a:srgbClr val="404040"/>
+                </a:solidFill>
+                <a:uFill>
+                  <a:solidFill>
+                    <a:srgbClr val="FFFFFF"/>
+                  </a:solidFill>
+                </a:uFill>
+                <a:latin typeface="Franklin Gothic Medium"/>
+              </a:rPr>
+              <a:t> = </a:t>
+            </a:r>
+            <a:r>
+              <a:rPr lang="en-US" sz="2400" b="0" strike="noStrike" spc="-1" dirty="0" err="1">
+                <a:solidFill>
+                  <a:srgbClr val="404040"/>
+                </a:solidFill>
+                <a:uFill>
+                  <a:solidFill>
+                    <a:srgbClr val="FFFFFF"/>
+                  </a:solidFill>
+                </a:uFill>
+                <a:latin typeface="Franklin Gothic Medium"/>
+              </a:rPr>
+              <a:t>xml.sax.make_parser</a:t>
+            </a:r>
+            <a:r>
+              <a:rPr lang="en-US" sz="2400" b="0" strike="noStrike" spc="-1" dirty="0">
+                <a:solidFill>
+                  <a:srgbClr val="404040"/>
+                </a:solidFill>
+                <a:uFill>
+                  <a:solidFill>
+                    <a:srgbClr val="FFFFFF"/>
+                  </a:solidFill>
+                </a:uFill>
+                <a:latin typeface="Franklin Gothic Medium"/>
+              </a:rPr>
+              <a:t>() </a:t>
+            </a:r>
           </a:p>
           <a:p>
             <a:pPr>
@@ -9481,7 +13215,7 @@
               </a:lnSpc>
             </a:pPr>
             <a:r>
-              <a:rPr lang="en-US" sz="2400" b="0" strike="noStrike" spc="-1">
+              <a:rPr lang="en-US" sz="2400" b="0" strike="noStrike" spc="-1" dirty="0">
                 <a:solidFill>
                   <a:srgbClr val="404040"/>
                 </a:solidFill>
@@ -9495,7 +13229,7 @@
               <a:t>	</a:t>
             </a:r>
             <a:r>
-              <a:rPr lang="en-US" sz="2400" b="0" strike="noStrike" spc="-1">
+              <a:rPr lang="en-US" sz="2400" b="0" strike="noStrike" spc="-1" dirty="0">
                 <a:solidFill>
                   <a:srgbClr val="00B050"/>
                 </a:solidFill>
@@ -9508,7 +13242,7 @@
               </a:rPr>
               <a:t># Create the document handler </a:t>
             </a:r>
-            <a:endParaRPr lang="en-US" sz="2800" b="0" strike="noStrike" spc="-1">
+            <a:endParaRPr lang="en-US" sz="2400" b="0" strike="noStrike" spc="-1" dirty="0">
               <a:solidFill>
                 <a:srgbClr val="404040"/>
               </a:solidFill>
@@ -9527,30 +13261,47 @@
               </a:lnSpc>
             </a:pPr>
             <a:r>
-              <a:rPr lang="en-US" sz="2400" b="0" strike="noStrike" spc="-1">
-                <a:solidFill>
-                  <a:srgbClr val="404040"/>
-                </a:solidFill>
-                <a:uFill>
-                  <a:solidFill>
-                    <a:srgbClr val="FFFFFF"/>
-                  </a:solidFill>
-                </a:uFill>
-                <a:latin typeface="Franklin Gothic Medium"/>
-              </a:rPr>
-              <a:t>	document = XMLDocument() </a:t>
-            </a:r>
-            <a:endParaRPr lang="en-US" sz="2800" b="0" strike="noStrike" spc="-1">
-              <a:solidFill>
-                <a:srgbClr val="404040"/>
-              </a:solidFill>
-              <a:uFill>
-                <a:solidFill>
-                  <a:srgbClr val="FFFFFF"/>
-                </a:solidFill>
-              </a:uFill>
-              <a:latin typeface="Franklin Gothic Medium"/>
-            </a:endParaRPr>
+              <a:rPr lang="en-US" sz="2400" b="0" strike="noStrike" spc="-1" dirty="0">
+                <a:solidFill>
+                  <a:srgbClr val="404040"/>
+                </a:solidFill>
+                <a:uFill>
+                  <a:solidFill>
+                    <a:srgbClr val="FFFFFF"/>
+                  </a:solidFill>
+                </a:uFill>
+                <a:latin typeface="Franklin Gothic Medium"/>
+              </a:rPr>
+              <a:t>	document = </a:t>
+            </a:r>
+            <a:r>
+              <a:rPr lang="en-US" sz="2400" b="0" strike="noStrike" spc="-1" dirty="0" err="1">
+                <a:solidFill>
+                  <a:srgbClr val="404040"/>
+                </a:solidFill>
+                <a:uFill>
+                  <a:solidFill>
+                    <a:srgbClr val="FFFFFF"/>
+                  </a:solidFill>
+                </a:uFill>
+                <a:latin typeface="Franklin Gothic Medium"/>
+              </a:rPr>
+              <a:t>XMLDocument</a:t>
+            </a:r>
+            <a:r>
+              <a:rPr lang="en-US" sz="2400" b="0" strike="noStrike" spc="-1" dirty="0">
+                <a:solidFill>
+                  <a:srgbClr val="404040"/>
+                </a:solidFill>
+                <a:uFill>
+                  <a:solidFill>
+                    <a:srgbClr val="FFFFFF"/>
+                  </a:solidFill>
+                </a:uFill>
+                <a:latin typeface="Franklin Gothic Medium"/>
+              </a:rPr>
+              <a:t>() </a:t>
+            </a:r>
           </a:p>
           <a:p>
             <a:pPr>
@@ -9559,7 +13310,7 @@
               </a:lnSpc>
             </a:pPr>
             <a:r>
-              <a:rPr lang="en-US" sz="2400" b="0" strike="noStrike" spc="-1">
+              <a:rPr lang="en-US" sz="2400" b="0" strike="noStrike" spc="-1" dirty="0">
                 <a:solidFill>
                   <a:srgbClr val="404040"/>
                 </a:solidFill>
@@ -9573,7 +13324,7 @@
               <a:t>	</a:t>
             </a:r>
             <a:r>
-              <a:rPr lang="en-US" sz="2400" b="0" strike="noStrike" spc="-1">
+              <a:rPr lang="en-US" sz="2400" b="0" strike="noStrike" spc="-1" dirty="0">
                 <a:solidFill>
                   <a:srgbClr val="00B050"/>
                 </a:solidFill>
@@ -9586,7 +13337,7 @@
               </a:rPr>
               <a:t># Parse the document </a:t>
             </a:r>
-            <a:endParaRPr lang="en-US" sz="2800" b="0" strike="noStrike" spc="-1">
+            <a:endParaRPr lang="en-US" sz="2400" b="0" strike="noStrike" spc="-1" dirty="0">
               <a:solidFill>
                 <a:srgbClr val="404040"/>
               </a:solidFill>
@@ -9605,30 +13356,47 @@
               </a:lnSpc>
             </a:pPr>
             <a:r>
-              <a:rPr lang="en-US" sz="2400" b="0" strike="noStrike" spc="-1">
-                <a:solidFill>
-                  <a:srgbClr val="404040"/>
-                </a:solidFill>
-                <a:uFill>
-                  <a:solidFill>
-                    <a:srgbClr val="FFFFFF"/>
-                  </a:solidFill>
-                </a:uFill>
-                <a:latin typeface="Franklin Gothic Medium"/>
-              </a:rPr>
-              <a:t>	doc_parser.setContentHandler(document) </a:t>
-            </a:r>
-            <a:endParaRPr lang="en-US" sz="2800" b="0" strike="noStrike" spc="-1">
-              <a:solidFill>
-                <a:srgbClr val="404040"/>
-              </a:solidFill>
-              <a:uFill>
-                <a:solidFill>
-                  <a:srgbClr val="FFFFFF"/>
-                </a:solidFill>
-              </a:uFill>
-              <a:latin typeface="Franklin Gothic Medium"/>
-            </a:endParaRPr>
+              <a:rPr lang="en-US" sz="2400" b="0" strike="noStrike" spc="-1" dirty="0">
+                <a:solidFill>
+                  <a:srgbClr val="404040"/>
+                </a:solidFill>
+                <a:uFill>
+                  <a:solidFill>
+                    <a:srgbClr val="FFFFFF"/>
+                  </a:solidFill>
+                </a:uFill>
+                <a:latin typeface="Franklin Gothic Medium"/>
+              </a:rPr>
+              <a:t>	</a:t>
+            </a:r>
+            <a:r>
+              <a:rPr lang="en-US" sz="2400" b="0" strike="noStrike" spc="-1" dirty="0" err="1">
+                <a:solidFill>
+                  <a:srgbClr val="404040"/>
+                </a:solidFill>
+                <a:uFill>
+                  <a:solidFill>
+                    <a:srgbClr val="FFFFFF"/>
+                  </a:solidFill>
+                </a:uFill>
+                <a:latin typeface="Franklin Gothic Medium"/>
+              </a:rPr>
+              <a:t>doc_parser.setContentHandler</a:t>
+            </a:r>
+            <a:r>
+              <a:rPr lang="en-US" sz="2400" b="0" strike="noStrike" spc="-1" dirty="0">
+                <a:solidFill>
+                  <a:srgbClr val="404040"/>
+                </a:solidFill>
+                <a:uFill>
+                  <a:solidFill>
+                    <a:srgbClr val="FFFFFF"/>
+                  </a:solidFill>
+                </a:uFill>
+                <a:latin typeface="Franklin Gothic Medium"/>
+              </a:rPr>
+              <a:t>(document) </a:t>
+            </a:r>
           </a:p>
           <a:p>
             <a:pPr>
@@ -9637,30 +13405,47 @@
               </a:lnSpc>
             </a:pPr>
             <a:r>
-              <a:rPr lang="en-US" sz="2400" b="0" strike="noStrike" spc="-1">
-                <a:solidFill>
-                  <a:srgbClr val="404040"/>
-                </a:solidFill>
-                <a:uFill>
-                  <a:solidFill>
-                    <a:srgbClr val="FFFFFF"/>
-                  </a:solidFill>
-                </a:uFill>
-                <a:latin typeface="Franklin Gothic Medium"/>
-              </a:rPr>
-              <a:t>	doc_parser.parse(path) </a:t>
-            </a:r>
-            <a:endParaRPr lang="en-US" sz="2800" b="0" strike="noStrike" spc="-1">
-              <a:solidFill>
-                <a:srgbClr val="404040"/>
-              </a:solidFill>
-              <a:uFill>
-                <a:solidFill>
-                  <a:srgbClr val="FFFFFF"/>
-                </a:solidFill>
-              </a:uFill>
-              <a:latin typeface="Franklin Gothic Medium"/>
-            </a:endParaRPr>
+              <a:rPr lang="en-US" sz="2400" b="0" strike="noStrike" spc="-1" dirty="0">
+                <a:solidFill>
+                  <a:srgbClr val="404040"/>
+                </a:solidFill>
+                <a:uFill>
+                  <a:solidFill>
+                    <a:srgbClr val="FFFFFF"/>
+                  </a:solidFill>
+                </a:uFill>
+                <a:latin typeface="Franklin Gothic Medium"/>
+              </a:rPr>
+              <a:t>	</a:t>
+            </a:r>
+            <a:r>
+              <a:rPr lang="en-US" sz="2400" b="0" strike="noStrike" spc="-1" dirty="0" err="1">
+                <a:solidFill>
+                  <a:srgbClr val="404040"/>
+                </a:solidFill>
+                <a:uFill>
+                  <a:solidFill>
+                    <a:srgbClr val="FFFFFF"/>
+                  </a:solidFill>
+                </a:uFill>
+                <a:latin typeface="Franklin Gothic Medium"/>
+              </a:rPr>
+              <a:t>doc_parser.parse</a:t>
+            </a:r>
+            <a:r>
+              <a:rPr lang="en-US" sz="2400" b="0" strike="noStrike" spc="-1" dirty="0">
+                <a:solidFill>
+                  <a:srgbClr val="404040"/>
+                </a:solidFill>
+                <a:uFill>
+                  <a:solidFill>
+                    <a:srgbClr val="FFFFFF"/>
+                  </a:solidFill>
+                </a:uFill>
+                <a:latin typeface="Franklin Gothic Medium"/>
+              </a:rPr>
+              <a:t>(path) </a:t>
+            </a:r>
           </a:p>
           <a:p>
             <a:pPr>
@@ -9669,7 +13454,7 @@
               </a:lnSpc>
             </a:pPr>
             <a:r>
-              <a:rPr lang="en-US" sz="2400" b="0" strike="noStrike" spc="-1">
+              <a:rPr lang="en-US" sz="2400" b="0" strike="noStrike" spc="-1" dirty="0">
                 <a:solidFill>
                   <a:srgbClr val="404040"/>
                 </a:solidFill>
@@ -9683,7 +13468,7 @@
               <a:t>	</a:t>
             </a:r>
             <a:r>
-              <a:rPr lang="en-US" sz="2400" b="0" strike="noStrike" spc="-1">
+              <a:rPr lang="en-US" sz="2400" b="0" strike="noStrike" spc="-1" dirty="0">
                 <a:solidFill>
                   <a:srgbClr val="E76724"/>
                 </a:solidFill>
@@ -9697,7 +13482,7 @@
               <a:t>return </a:t>
             </a:r>
             <a:r>
-              <a:rPr lang="en-US" sz="2400" b="0" strike="noStrike" spc="-1">
+              <a:rPr lang="en-US" sz="2400" b="0" strike="noStrike" spc="-1" dirty="0">
                 <a:solidFill>
                   <a:srgbClr val="404040"/>
                 </a:solidFill>
@@ -9710,17 +13495,6 @@
               </a:rPr>
               <a:t>document</a:t>
             </a:r>
-            <a:endParaRPr lang="en-US" sz="2800" b="0" strike="noStrike" spc="-1">
-              <a:solidFill>
-                <a:srgbClr val="404040"/>
-              </a:solidFill>
-              <a:uFill>
-                <a:solidFill>
-                  <a:srgbClr val="FFFFFF"/>
-                </a:solidFill>
-              </a:uFill>
-              <a:latin typeface="Franklin Gothic Medium"/>
-            </a:endParaRPr>
           </a:p>
         </p:txBody>
       </p:sp>
@@ -9869,18 +13643,242 @@
               <a:buChar char="▪"/>
             </a:pPr>
             <a:r>
-              <a:rPr lang="en-US" sz="2800" b="0" strike="noStrike" spc="-1">
-                <a:solidFill>
-                  <a:srgbClr val="404040"/>
-                </a:solidFill>
-                <a:uFill>
-                  <a:solidFill>
-                    <a:srgbClr val="FFFFFF"/>
-                  </a:solidFill>
-                </a:uFill>
-                <a:latin typeface="Franklin Gothic Medium"/>
-              </a:rPr>
-              <a:t>Lo schema definisce quali campi e quali tipi di dato l’indice dovrà contenere.</a:t>
+              <a:rPr lang="en-US" sz="2800" b="0" strike="noStrike" spc="-1" dirty="0">
+                <a:solidFill>
+                  <a:srgbClr val="404040"/>
+                </a:solidFill>
+                <a:uFill>
+                  <a:solidFill>
+                    <a:srgbClr val="FFFFFF"/>
+                  </a:solidFill>
+                </a:uFill>
+                <a:latin typeface="Franklin Gothic Medium"/>
+              </a:rPr>
+              <a:t>Lo schema </a:t>
+            </a:r>
+            <a:r>
+              <a:rPr lang="en-US" sz="2800" b="0" strike="noStrike" spc="-1" dirty="0" err="1">
+                <a:solidFill>
+                  <a:srgbClr val="404040"/>
+                </a:solidFill>
+                <a:uFill>
+                  <a:solidFill>
+                    <a:srgbClr val="FFFFFF"/>
+                  </a:solidFill>
+                </a:uFill>
+                <a:latin typeface="Franklin Gothic Medium"/>
+              </a:rPr>
+              <a:t>definisce</a:t>
+            </a:r>
+            <a:r>
+              <a:rPr lang="en-US" sz="2800" b="0" strike="noStrike" spc="-1" dirty="0">
+                <a:solidFill>
+                  <a:srgbClr val="404040"/>
+                </a:solidFill>
+                <a:uFill>
+                  <a:solidFill>
+                    <a:srgbClr val="FFFFFF"/>
+                  </a:solidFill>
+                </a:uFill>
+                <a:latin typeface="Franklin Gothic Medium"/>
+              </a:rPr>
+              <a:t> </a:t>
+            </a:r>
+            <a:r>
+              <a:rPr lang="en-US" sz="2800" b="0" strike="noStrike" spc="-1" dirty="0" err="1">
+                <a:solidFill>
+                  <a:srgbClr val="404040"/>
+                </a:solidFill>
+                <a:uFill>
+                  <a:solidFill>
+                    <a:srgbClr val="FFFFFF"/>
+                  </a:solidFill>
+                </a:uFill>
+                <a:latin typeface="Franklin Gothic Medium"/>
+              </a:rPr>
+              <a:t>quali</a:t>
+            </a:r>
+            <a:r>
+              <a:rPr lang="en-US" sz="2800" b="0" strike="noStrike" spc="-1" dirty="0">
+                <a:solidFill>
+                  <a:srgbClr val="404040"/>
+                </a:solidFill>
+                <a:uFill>
+                  <a:solidFill>
+                    <a:srgbClr val="FFFFFF"/>
+                  </a:solidFill>
+                </a:uFill>
+                <a:latin typeface="Franklin Gothic Medium"/>
+              </a:rPr>
+              <a:t> </a:t>
+            </a:r>
+            <a:r>
+              <a:rPr lang="en-US" sz="2800" b="0" strike="noStrike" spc="-1" dirty="0" err="1">
+                <a:solidFill>
+                  <a:srgbClr val="404040"/>
+                </a:solidFill>
+                <a:uFill>
+                  <a:solidFill>
+                    <a:srgbClr val="FFFFFF"/>
+                  </a:solidFill>
+                </a:uFill>
+                <a:latin typeface="Franklin Gothic Medium"/>
+              </a:rPr>
+              <a:t>campi</a:t>
+            </a:r>
+            <a:r>
+              <a:rPr lang="en-US" sz="2800" b="0" strike="noStrike" spc="-1" dirty="0">
+                <a:solidFill>
+                  <a:srgbClr val="404040"/>
+                </a:solidFill>
+                <a:uFill>
+                  <a:solidFill>
+                    <a:srgbClr val="FFFFFF"/>
+                  </a:solidFill>
+                </a:uFill>
+                <a:latin typeface="Franklin Gothic Medium"/>
+              </a:rPr>
+              <a:t> e </a:t>
+            </a:r>
+            <a:r>
+              <a:rPr lang="en-US" sz="2800" b="0" strike="noStrike" spc="-1" dirty="0" err="1">
+                <a:solidFill>
+                  <a:srgbClr val="404040"/>
+                </a:solidFill>
+                <a:uFill>
+                  <a:solidFill>
+                    <a:srgbClr val="FFFFFF"/>
+                  </a:solidFill>
+                </a:uFill>
+                <a:latin typeface="Franklin Gothic Medium"/>
+              </a:rPr>
+              <a:t>quali</a:t>
+            </a:r>
+            <a:r>
+              <a:rPr lang="en-US" sz="2800" b="0" strike="noStrike" spc="-1" dirty="0">
+                <a:solidFill>
+                  <a:srgbClr val="404040"/>
+                </a:solidFill>
+                <a:uFill>
+                  <a:solidFill>
+                    <a:srgbClr val="FFFFFF"/>
+                  </a:solidFill>
+                </a:uFill>
+                <a:latin typeface="Franklin Gothic Medium"/>
+              </a:rPr>
+              <a:t> tipi di </a:t>
+            </a:r>
+            <a:r>
+              <a:rPr lang="en-US" sz="2800" b="0" strike="noStrike" spc="-1" dirty="0" err="1">
+                <a:solidFill>
+                  <a:srgbClr val="404040"/>
+                </a:solidFill>
+                <a:uFill>
+                  <a:solidFill>
+                    <a:srgbClr val="FFFFFF"/>
+                  </a:solidFill>
+                </a:uFill>
+                <a:latin typeface="Franklin Gothic Medium"/>
+              </a:rPr>
+              <a:t>dato</a:t>
+            </a:r>
+            <a:r>
+              <a:rPr lang="en-US" sz="2800" b="0" strike="noStrike" spc="-1" dirty="0">
+                <a:solidFill>
+                  <a:srgbClr val="404040"/>
+                </a:solidFill>
+                <a:uFill>
+                  <a:solidFill>
+                    <a:srgbClr val="FFFFFF"/>
+                  </a:solidFill>
+                </a:uFill>
+                <a:latin typeface="Franklin Gothic Medium"/>
+              </a:rPr>
+              <a:t> </a:t>
+            </a:r>
+            <a:r>
+              <a:rPr lang="en-US" sz="2800" b="0" strike="noStrike" spc="-1" dirty="0" err="1">
+                <a:solidFill>
+                  <a:srgbClr val="404040"/>
+                </a:solidFill>
+                <a:uFill>
+                  <a:solidFill>
+                    <a:srgbClr val="FFFFFF"/>
+                  </a:solidFill>
+                </a:uFill>
+                <a:latin typeface="Franklin Gothic Medium"/>
+              </a:rPr>
+              <a:t>l’indice</a:t>
+            </a:r>
+            <a:r>
+              <a:rPr lang="en-US" sz="2800" b="0" strike="noStrike" spc="-1" dirty="0">
+                <a:solidFill>
+                  <a:srgbClr val="404040"/>
+                </a:solidFill>
+                <a:uFill>
+                  <a:solidFill>
+                    <a:srgbClr val="FFFFFF"/>
+                  </a:solidFill>
+                </a:uFill>
+                <a:latin typeface="Franklin Gothic Medium"/>
+              </a:rPr>
+              <a:t> </a:t>
+            </a:r>
+            <a:r>
+              <a:rPr lang="en-US" sz="2800" b="0" strike="noStrike" spc="-1" dirty="0" err="1">
+                <a:solidFill>
+                  <a:srgbClr val="404040"/>
+                </a:solidFill>
+                <a:uFill>
+                  <a:solidFill>
+                    <a:srgbClr val="FFFFFF"/>
+                  </a:solidFill>
+                </a:uFill>
+                <a:latin typeface="Franklin Gothic Medium"/>
+              </a:rPr>
+              <a:t>dovrà</a:t>
+            </a:r>
+            <a:r>
+              <a:rPr lang="en-US" sz="2800" b="0" strike="noStrike" spc="-1" dirty="0">
+                <a:solidFill>
+                  <a:srgbClr val="404040"/>
+                </a:solidFill>
+                <a:uFill>
+                  <a:solidFill>
+                    <a:srgbClr val="FFFFFF"/>
+                  </a:solidFill>
+                </a:uFill>
+                <a:latin typeface="Franklin Gothic Medium"/>
+              </a:rPr>
+              <a:t> </a:t>
+            </a:r>
+            <a:r>
+              <a:rPr lang="en-US" sz="2800" b="0" strike="noStrike" spc="-1" dirty="0" err="1">
+                <a:solidFill>
+                  <a:srgbClr val="404040"/>
+                </a:solidFill>
+                <a:uFill>
+                  <a:solidFill>
+                    <a:srgbClr val="FFFFFF"/>
+                  </a:solidFill>
+                </a:uFill>
+                <a:latin typeface="Franklin Gothic Medium"/>
+              </a:rPr>
+              <a:t>contenere</a:t>
+            </a:r>
+            <a:r>
+              <a:rPr lang="en-US" sz="2800" b="0" strike="noStrike" spc="-1" dirty="0">
+                <a:solidFill>
+                  <a:srgbClr val="404040"/>
+                </a:solidFill>
+                <a:uFill>
+                  <a:solidFill>
+                    <a:srgbClr val="FFFFFF"/>
+                  </a:solidFill>
+                </a:uFill>
+                <a:latin typeface="Franklin Gothic Medium"/>
+              </a:rPr>
+              <a:t>.</a:t>
             </a:r>
           </a:p>
           <a:p>
@@ -9895,18 +13893,102 @@
               <a:buChar char="▪"/>
             </a:pPr>
             <a:r>
-              <a:rPr lang="en-US" sz="2800" b="0" strike="noStrike" spc="-1">
-                <a:solidFill>
-                  <a:srgbClr val="404040"/>
-                </a:solidFill>
-                <a:uFill>
-                  <a:solidFill>
-                    <a:srgbClr val="FFFFFF"/>
-                  </a:solidFill>
-                </a:uFill>
-                <a:latin typeface="Franklin Gothic Medium"/>
-              </a:rPr>
-              <a:t>I tipi di dato principali sono:</a:t>
+              <a:rPr lang="en-US" sz="2800" b="0" strike="noStrike" spc="-1" dirty="0">
+                <a:solidFill>
+                  <a:srgbClr val="404040"/>
+                </a:solidFill>
+                <a:uFill>
+                  <a:solidFill>
+                    <a:srgbClr val="FFFFFF"/>
+                  </a:solidFill>
+                </a:uFill>
+                <a:latin typeface="Franklin Gothic Medium"/>
+              </a:rPr>
+              <a:t>I tipi di </a:t>
+            </a:r>
+            <a:r>
+              <a:rPr lang="en-US" sz="2800" b="0" strike="noStrike" spc="-1" dirty="0" err="1">
+                <a:solidFill>
+                  <a:srgbClr val="404040"/>
+                </a:solidFill>
+                <a:uFill>
+                  <a:solidFill>
+                    <a:srgbClr val="FFFFFF"/>
+                  </a:solidFill>
+                </a:uFill>
+                <a:latin typeface="Franklin Gothic Medium"/>
+              </a:rPr>
+              <a:t>dato</a:t>
+            </a:r>
+            <a:r>
+              <a:rPr lang="en-US" sz="2800" b="0" strike="noStrike" spc="-1" dirty="0">
+                <a:solidFill>
+                  <a:srgbClr val="404040"/>
+                </a:solidFill>
+                <a:uFill>
+                  <a:solidFill>
+                    <a:srgbClr val="FFFFFF"/>
+                  </a:solidFill>
+                </a:uFill>
+                <a:latin typeface="Franklin Gothic Medium"/>
+              </a:rPr>
+              <a:t> </a:t>
+            </a:r>
+            <a:r>
+              <a:rPr lang="en-US" sz="2800" b="0" strike="noStrike" spc="-1" dirty="0" err="1">
+                <a:solidFill>
+                  <a:srgbClr val="404040"/>
+                </a:solidFill>
+                <a:uFill>
+                  <a:solidFill>
+                    <a:srgbClr val="FFFFFF"/>
+                  </a:solidFill>
+                </a:uFill>
+                <a:latin typeface="Franklin Gothic Medium"/>
+              </a:rPr>
+              <a:t>principali</a:t>
+            </a:r>
+            <a:r>
+              <a:rPr lang="en-US" sz="2800" b="0" strike="noStrike" spc="-1" dirty="0">
+                <a:solidFill>
+                  <a:srgbClr val="404040"/>
+                </a:solidFill>
+                <a:uFill>
+                  <a:solidFill>
+                    <a:srgbClr val="FFFFFF"/>
+                  </a:solidFill>
+                </a:uFill>
+                <a:latin typeface="Franklin Gothic Medium"/>
+              </a:rPr>
+              <a:t> </a:t>
+            </a:r>
+            <a:r>
+              <a:rPr lang="en-US" sz="2800" b="0" strike="noStrike" spc="-1" dirty="0" err="1">
+                <a:solidFill>
+                  <a:srgbClr val="404040"/>
+                </a:solidFill>
+                <a:uFill>
+                  <a:solidFill>
+                    <a:srgbClr val="FFFFFF"/>
+                  </a:solidFill>
+                </a:uFill>
+                <a:latin typeface="Franklin Gothic Medium"/>
+              </a:rPr>
+              <a:t>sono</a:t>
+            </a:r>
+            <a:r>
+              <a:rPr lang="en-US" sz="2800" b="0" strike="noStrike" spc="-1" dirty="0">
+                <a:solidFill>
+                  <a:srgbClr val="404040"/>
+                </a:solidFill>
+                <a:uFill>
+                  <a:solidFill>
+                    <a:srgbClr val="FFFFFF"/>
+                  </a:solidFill>
+                </a:uFill>
+                <a:latin typeface="Franklin Gothic Medium"/>
+              </a:rPr>
+              <a:t>:</a:t>
             </a:r>
           </a:p>
           <a:p>
@@ -9921,7 +14003,7 @@
               <a:buChar char="▪"/>
             </a:pPr>
             <a:r>
-              <a:rPr lang="en-US" sz="2400" b="0" strike="noStrike" spc="-1">
+              <a:rPr lang="en-US" sz="2400" b="0" strike="noStrike" spc="-1" dirty="0">
                 <a:solidFill>
                   <a:srgbClr val="404040"/>
                 </a:solidFill>
@@ -9947,7 +14029,7 @@
               <a:buChar char="▪"/>
             </a:pPr>
             <a:r>
-              <a:rPr lang="en-US" sz="2400" b="0" strike="noStrike" spc="-1">
+              <a:rPr lang="en-US" sz="2400" b="0" strike="noStrike" spc="-1" dirty="0">
                 <a:solidFill>
                   <a:srgbClr val="404040"/>
                 </a:solidFill>
@@ -9973,7 +14055,7 @@
               <a:buChar char="▪"/>
             </a:pPr>
             <a:r>
-              <a:rPr lang="en-US" sz="2400" b="0" strike="noStrike" spc="-1">
+              <a:rPr lang="en-US" sz="2400" b="0" strike="noStrike" spc="-1" dirty="0">
                 <a:solidFill>
                   <a:srgbClr val="404040"/>
                 </a:solidFill>
@@ -9999,7 +14081,7 @@
               <a:buChar char="▪"/>
             </a:pPr>
             <a:r>
-              <a:rPr lang="en-US" sz="2400" b="0" strike="noStrike" spc="-1">
+              <a:rPr lang="en-US" sz="2400" b="0" strike="noStrike" spc="-1" dirty="0">
                 <a:solidFill>
                   <a:srgbClr val="404040"/>
                 </a:solidFill>
@@ -10025,7 +14107,7 @@
               <a:buChar char="▪"/>
             </a:pPr>
             <a:r>
-              <a:rPr lang="en-US" sz="2400" b="0" strike="noStrike" spc="-1">
+              <a:rPr lang="en-US" sz="2400" b="0" strike="noStrike" spc="-1" dirty="0">
                 <a:solidFill>
                   <a:srgbClr val="404040"/>
                 </a:solidFill>
@@ -10051,7 +14133,7 @@
               <a:buChar char="▪"/>
             </a:pPr>
             <a:r>
-              <a:rPr lang="en-US" sz="2400" b="0" strike="noStrike" spc="-1">
+              <a:rPr lang="en-US" sz="2400" b="0" strike="noStrike" spc="-1" dirty="0">
                 <a:solidFill>
                   <a:srgbClr val="404040"/>
                 </a:solidFill>
@@ -10207,7 +14289,7 @@
               </a:lnSpc>
             </a:pPr>
             <a:r>
-              <a:rPr lang="en-US" sz="2200" b="0" strike="noStrike" spc="-1" dirty="0" err="1">
+              <a:rPr lang="en-US" sz="2400" b="0" strike="noStrike" spc="-1" dirty="0" err="1">
                 <a:solidFill>
                   <a:srgbClr val="E76724"/>
                 </a:solidFill>
@@ -10221,7 +14303,7 @@
               <a:t>def</a:t>
             </a:r>
             <a:r>
-              <a:rPr lang="en-US" sz="2200" b="0" strike="noStrike" spc="-1" dirty="0">
+              <a:rPr lang="en-US" sz="2400" b="0" strike="noStrike" spc="-1" dirty="0">
                 <a:solidFill>
                   <a:srgbClr val="E76724"/>
                 </a:solidFill>
@@ -10235,7 +14317,7 @@
               <a:t> </a:t>
             </a:r>
             <a:r>
-              <a:rPr lang="en-US" sz="2200" b="0" strike="noStrike" spc="-1" dirty="0" err="1">
+              <a:rPr lang="en-US" sz="2400" b="0" strike="noStrike" spc="-1" dirty="0" err="1">
                 <a:solidFill>
                   <a:srgbClr val="FFC000"/>
                 </a:solidFill>
@@ -10249,7 +14331,7 @@
               <a:t>getSchema</a:t>
             </a:r>
             <a:r>
-              <a:rPr lang="en-US" sz="2200" b="0" strike="noStrike" spc="-1" dirty="0">
+              <a:rPr lang="en-US" sz="2400" b="0" strike="noStrike" spc="-1" dirty="0">
                 <a:solidFill>
                   <a:srgbClr val="404040"/>
                 </a:solidFill>
@@ -10270,7 +14352,7 @@
               </a:lnSpc>
             </a:pPr>
             <a:r>
-              <a:rPr lang="en-US" sz="2200" b="0" strike="noStrike" spc="-1" dirty="0">
+              <a:rPr lang="en-US" sz="2400" b="0" strike="noStrike" spc="-1" dirty="0">
                 <a:solidFill>
                   <a:srgbClr val="404040"/>
                 </a:solidFill>
@@ -10284,7 +14366,7 @@
               <a:t>	</a:t>
             </a:r>
             <a:r>
-              <a:rPr lang="en-US" sz="2200" b="0" strike="noStrike" spc="-1" dirty="0">
+              <a:rPr lang="en-US" sz="2400" b="0" strike="noStrike" spc="-1" dirty="0">
                 <a:solidFill>
                   <a:srgbClr val="E76724"/>
                 </a:solidFill>
@@ -10298,7 +14380,7 @@
               <a:t>return </a:t>
             </a:r>
             <a:r>
-              <a:rPr lang="en-US" sz="2200" b="0" strike="noStrike" spc="-1" dirty="0">
+              <a:rPr lang="en-US" sz="2400" b="0" strike="noStrike" spc="-1" dirty="0">
                 <a:solidFill>
                   <a:srgbClr val="404040"/>
                 </a:solidFill>
@@ -10319,18 +14401,74 @@
               </a:lnSpc>
             </a:pPr>
             <a:r>
-              <a:rPr lang="en-US" sz="2200" b="0" strike="noStrike" spc="-1" dirty="0">
-                <a:solidFill>
-                  <a:srgbClr val="404040"/>
-                </a:solidFill>
-                <a:uFill>
-                  <a:solidFill>
-                    <a:srgbClr val="FFFFFF"/>
-                  </a:solidFill>
-                </a:uFill>
-                <a:latin typeface="Franklin Gothic Medium"/>
-              </a:rPr>
-              <a:t>	path=ID(unique=True, stored=True), 		</a:t>
+              <a:rPr lang="en-US" sz="2400" b="0" strike="noStrike" spc="-1" dirty="0">
+                <a:solidFill>
+                  <a:srgbClr val="404040"/>
+                </a:solidFill>
+                <a:uFill>
+                  <a:solidFill>
+                    <a:srgbClr val="FFFFFF"/>
+                  </a:solidFill>
+                </a:uFill>
+                <a:latin typeface="Franklin Gothic Medium"/>
+              </a:rPr>
+              <a:t>	</a:t>
+            </a:r>
+            <a:r>
+              <a:rPr lang="en-US" sz="2400" b="0" strike="noStrike" spc="-1" dirty="0" smtClean="0">
+                <a:solidFill>
+                  <a:srgbClr val="404040"/>
+                </a:solidFill>
+                <a:uFill>
+                  <a:solidFill>
+                    <a:srgbClr val="FFFFFF"/>
+                  </a:solidFill>
+                </a:uFill>
+                <a:latin typeface="Franklin Gothic Medium"/>
+              </a:rPr>
+              <a:t>path = ID(unique = True</a:t>
+            </a:r>
+            <a:r>
+              <a:rPr lang="en-US" sz="2400" b="0" strike="noStrike" spc="-1" dirty="0">
+                <a:solidFill>
+                  <a:srgbClr val="404040"/>
+                </a:solidFill>
+                <a:uFill>
+                  <a:solidFill>
+                    <a:srgbClr val="FFFFFF"/>
+                  </a:solidFill>
+                </a:uFill>
+                <a:latin typeface="Franklin Gothic Medium"/>
+              </a:rPr>
+              <a:t>, </a:t>
+            </a:r>
+            <a:r>
+              <a:rPr lang="en-US" sz="2400" b="0" strike="noStrike" spc="-1" dirty="0" smtClean="0">
+                <a:solidFill>
+                  <a:srgbClr val="404040"/>
+                </a:solidFill>
+                <a:uFill>
+                  <a:solidFill>
+                    <a:srgbClr val="FFFFFF"/>
+                  </a:solidFill>
+                </a:uFill>
+                <a:latin typeface="Franklin Gothic Medium"/>
+              </a:rPr>
+              <a:t>stored = True</a:t>
+            </a:r>
+            <a:r>
+              <a:rPr lang="en-US" sz="2400" b="0" strike="noStrike" spc="-1" dirty="0">
+                <a:solidFill>
+                  <a:srgbClr val="404040"/>
+                </a:solidFill>
+                <a:uFill>
+                  <a:solidFill>
+                    <a:srgbClr val="FFFFFF"/>
+                  </a:solidFill>
+                </a:uFill>
+                <a:latin typeface="Franklin Gothic Medium"/>
+              </a:rPr>
+              <a:t>), 		</a:t>
             </a:r>
           </a:p>
           <a:p>
@@ -10340,21 +14478,35 @@
               </a:lnSpc>
             </a:pPr>
             <a:r>
-              <a:rPr lang="en-US" sz="2200" b="0" strike="noStrike" spc="-1" dirty="0">
-                <a:solidFill>
-                  <a:srgbClr val="404040"/>
-                </a:solidFill>
-                <a:uFill>
-                  <a:solidFill>
-                    <a:srgbClr val="FFFFFF"/>
-                  </a:solidFill>
-                </a:uFill>
-                <a:latin typeface="Franklin Gothic Medium"/>
-              </a:rPr>
-              <a:t>	title=TEXT(analyzer=</a:t>
-            </a:r>
-            <a:r>
-              <a:rPr lang="en-US" sz="2200" b="0" strike="noStrike" spc="-1" dirty="0" err="1">
+              <a:rPr lang="en-US" sz="2400" b="0" strike="noStrike" spc="-1" dirty="0">
+                <a:solidFill>
+                  <a:srgbClr val="404040"/>
+                </a:solidFill>
+                <a:uFill>
+                  <a:solidFill>
+                    <a:srgbClr val="FFFFFF"/>
+                  </a:solidFill>
+                </a:uFill>
+                <a:latin typeface="Franklin Gothic Medium"/>
+              </a:rPr>
+              <a:t>	</a:t>
+            </a:r>
+            <a:r>
+              <a:rPr lang="en-US" sz="2400" b="0" strike="noStrike" spc="-1" dirty="0" smtClean="0">
+                <a:solidFill>
+                  <a:srgbClr val="404040"/>
+                </a:solidFill>
+                <a:uFill>
+                  <a:solidFill>
+                    <a:srgbClr val="FFFFFF"/>
+                  </a:solidFill>
+                </a:uFill>
+                <a:latin typeface="Franklin Gothic Medium"/>
+              </a:rPr>
+              <a:t>title = TEXT(analyzer = </a:t>
+            </a:r>
+            <a:r>
+              <a:rPr lang="en-US" sz="2400" b="0" strike="noStrike" spc="-1" dirty="0" err="1" smtClean="0">
                 <a:solidFill>
                   <a:srgbClr val="404040"/>
                 </a:solidFill>
@@ -10368,21 +14520,49 @@
               <a:t>StemmingAnalyzer</a:t>
             </a:r>
             <a:r>
-              <a:rPr lang="en-US" sz="2200" b="0" strike="noStrike" spc="-1" dirty="0">
-                <a:solidFill>
-                  <a:srgbClr val="404040"/>
-                </a:solidFill>
-                <a:uFill>
-                  <a:solidFill>
-                    <a:srgbClr val="FFFFFF"/>
-                  </a:solidFill>
-                </a:uFill>
-                <a:latin typeface="Franklin Gothic Medium"/>
-              </a:rPr>
-              <a:t>(), stored=True, </a:t>
-            </a:r>
-            <a:r>
-              <a:rPr lang="en-US" sz="2200" b="0" strike="noStrike" spc="-1" dirty="0" err="1">
+              <a:rPr lang="en-US" sz="2400" b="0" strike="noStrike" spc="-1" dirty="0">
+                <a:solidFill>
+                  <a:srgbClr val="404040"/>
+                </a:solidFill>
+                <a:uFill>
+                  <a:solidFill>
+                    <a:srgbClr val="FFFFFF"/>
+                  </a:solidFill>
+                </a:uFill>
+                <a:latin typeface="Franklin Gothic Medium"/>
+              </a:rPr>
+              <a:t>(), </a:t>
+            </a:r>
+            <a:r>
+              <a:rPr lang="en-US" sz="2400" b="0" strike="noStrike" spc="-1" dirty="0" smtClean="0">
+                <a:solidFill>
+                  <a:srgbClr val="404040"/>
+                </a:solidFill>
+                <a:uFill>
+                  <a:solidFill>
+                    <a:srgbClr val="FFFFFF"/>
+                  </a:solidFill>
+                </a:uFill>
+                <a:latin typeface="Franklin Gothic Medium"/>
+              </a:rPr>
+              <a:t>stored = True</a:t>
+            </a:r>
+            <a:r>
+              <a:rPr lang="en-US" sz="2400" b="0" strike="noStrike" spc="-1" dirty="0">
+                <a:solidFill>
+                  <a:srgbClr val="404040"/>
+                </a:solidFill>
+                <a:uFill>
+                  <a:solidFill>
+                    <a:srgbClr val="FFFFFF"/>
+                  </a:solidFill>
+                </a:uFill>
+                <a:latin typeface="Franklin Gothic Medium"/>
+              </a:rPr>
+              <a:t>, </a:t>
+            </a:r>
+            <a:r>
+              <a:rPr lang="en-US" sz="2400" b="0" strike="noStrike" spc="-1" dirty="0" err="1" smtClean="0">
                 <a:solidFill>
                   <a:srgbClr val="404040"/>
                 </a:solidFill>
@@ -10396,18 +14576,32 @@
               <a:t>field_boost</a:t>
             </a:r>
             <a:r>
-              <a:rPr lang="en-US" sz="2200" b="0" strike="noStrike" spc="-1" dirty="0">
-                <a:solidFill>
-                  <a:srgbClr val="404040"/>
-                </a:solidFill>
-                <a:uFill>
-                  <a:solidFill>
-                    <a:srgbClr val="FFFFFF"/>
-                  </a:solidFill>
-                </a:uFill>
-                <a:latin typeface="Franklin Gothic Medium"/>
-              </a:rPr>
-              <a:t>=2.0), </a:t>
+              <a:rPr lang="en-US" sz="2400" b="0" strike="noStrike" spc="-1" dirty="0" smtClean="0">
+                <a:solidFill>
+                  <a:srgbClr val="404040"/>
+                </a:solidFill>
+                <a:uFill>
+                  <a:solidFill>
+                    <a:srgbClr val="FFFFFF"/>
+                  </a:solidFill>
+                </a:uFill>
+                <a:latin typeface="Franklin Gothic Medium"/>
+              </a:rPr>
+              <a:t> = 2.0</a:t>
+            </a:r>
+            <a:r>
+              <a:rPr lang="en-US" sz="2400" b="0" strike="noStrike" spc="-1" dirty="0">
+                <a:solidFill>
+                  <a:srgbClr val="404040"/>
+                </a:solidFill>
+                <a:uFill>
+                  <a:solidFill>
+                    <a:srgbClr val="FFFFFF"/>
+                  </a:solidFill>
+                </a:uFill>
+                <a:latin typeface="Franklin Gothic Medium"/>
+              </a:rPr>
+              <a:t>), </a:t>
             </a:r>
           </a:p>
           <a:p>
@@ -10417,18 +14611,46 @@
               </a:lnSpc>
             </a:pPr>
             <a:r>
-              <a:rPr lang="en-US" sz="2200" b="0" strike="noStrike" spc="-1" dirty="0">
-                <a:solidFill>
-                  <a:srgbClr val="404040"/>
-                </a:solidFill>
-                <a:uFill>
-                  <a:solidFill>
-                    <a:srgbClr val="FFFFFF"/>
-                  </a:solidFill>
-                </a:uFill>
-                <a:latin typeface="Franklin Gothic Medium"/>
-              </a:rPr>
-              <a:t>	authors=TEXT(stored=True), </a:t>
+              <a:rPr lang="en-US" sz="2400" b="0" strike="noStrike" spc="-1" dirty="0">
+                <a:solidFill>
+                  <a:srgbClr val="404040"/>
+                </a:solidFill>
+                <a:uFill>
+                  <a:solidFill>
+                    <a:srgbClr val="FFFFFF"/>
+                  </a:solidFill>
+                </a:uFill>
+                <a:latin typeface="Franklin Gothic Medium"/>
+              </a:rPr>
+              <a:t>	</a:t>
+            </a:r>
+            <a:r>
+              <a:rPr lang="en-US" sz="2400" b="0" strike="noStrike" spc="-1" dirty="0" smtClean="0">
+                <a:solidFill>
+                  <a:srgbClr val="404040"/>
+                </a:solidFill>
+                <a:uFill>
+                  <a:solidFill>
+                    <a:srgbClr val="FFFFFF"/>
+                  </a:solidFill>
+                </a:uFill>
+                <a:latin typeface="Franklin Gothic Medium"/>
+              </a:rPr>
+              <a:t>authors = TEXT(stored = True</a:t>
+            </a:r>
+            <a:r>
+              <a:rPr lang="en-US" sz="2400" b="0" strike="noStrike" spc="-1" dirty="0">
+                <a:solidFill>
+                  <a:srgbClr val="404040"/>
+                </a:solidFill>
+                <a:uFill>
+                  <a:solidFill>
+                    <a:srgbClr val="FFFFFF"/>
+                  </a:solidFill>
+                </a:uFill>
+                <a:latin typeface="Franklin Gothic Medium"/>
+              </a:rPr>
+              <a:t>), </a:t>
             </a:r>
           </a:p>
           <a:p>
@@ -10438,7 +14660,7 @@
               </a:lnSpc>
             </a:pPr>
             <a:r>
-              <a:rPr lang="en-US" sz="2200" b="0" strike="noStrike" spc="-1" dirty="0">
+              <a:rPr lang="en-US" sz="2400" b="0" strike="noStrike" spc="-1" dirty="0">
                 <a:solidFill>
                   <a:srgbClr val="404040"/>
                 </a:solidFill>
@@ -10452,7 +14674,7 @@
               <a:t>	</a:t>
             </a:r>
             <a:r>
-              <a:rPr lang="en-US" sz="2200" b="0" strike="noStrike" spc="-1" dirty="0" err="1">
+              <a:rPr lang="en-US" sz="2400" b="0" strike="noStrike" spc="-1" dirty="0" err="1" smtClean="0">
                 <a:solidFill>
                   <a:srgbClr val="404040"/>
                 </a:solidFill>
@@ -10466,18 +14688,32 @@
               <a:t>pubdate</a:t>
             </a:r>
             <a:r>
-              <a:rPr lang="en-US" sz="2200" b="0" strike="noStrike" spc="-1" dirty="0">
-                <a:solidFill>
-                  <a:srgbClr val="404040"/>
-                </a:solidFill>
-                <a:uFill>
-                  <a:solidFill>
-                    <a:srgbClr val="FFFFFF"/>
-                  </a:solidFill>
-                </a:uFill>
-                <a:latin typeface="Franklin Gothic Medium"/>
-              </a:rPr>
-              <a:t>=DATETIME(stored=True), </a:t>
+              <a:rPr lang="en-US" sz="2400" b="0" strike="noStrike" spc="-1" dirty="0" smtClean="0">
+                <a:solidFill>
+                  <a:srgbClr val="404040"/>
+                </a:solidFill>
+                <a:uFill>
+                  <a:solidFill>
+                    <a:srgbClr val="FFFFFF"/>
+                  </a:solidFill>
+                </a:uFill>
+                <a:latin typeface="Franklin Gothic Medium"/>
+              </a:rPr>
+              <a:t> = DATETIME(stored = True</a:t>
+            </a:r>
+            <a:r>
+              <a:rPr lang="en-US" sz="2400" b="0" strike="noStrike" spc="-1" dirty="0">
+                <a:solidFill>
+                  <a:srgbClr val="404040"/>
+                </a:solidFill>
+                <a:uFill>
+                  <a:solidFill>
+                    <a:srgbClr val="FFFFFF"/>
+                  </a:solidFill>
+                </a:uFill>
+                <a:latin typeface="Franklin Gothic Medium"/>
+              </a:rPr>
+              <a:t>), </a:t>
             </a:r>
           </a:p>
           <a:p>
@@ -10487,21 +14723,63 @@
               </a:lnSpc>
             </a:pPr>
             <a:r>
-              <a:rPr lang="en-US" sz="2200" b="0" strike="noStrike" spc="-1" dirty="0">
-                <a:solidFill>
-                  <a:srgbClr val="404040"/>
-                </a:solidFill>
-                <a:uFill>
-                  <a:solidFill>
-                    <a:srgbClr val="FFFFFF"/>
-                  </a:solidFill>
-                </a:uFill>
-                <a:latin typeface="Franklin Gothic Medium"/>
-              </a:rPr>
-              <a:t>	abstract=TEXT(vector=Positions, analyzer=</a:t>
-            </a:r>
-            <a:r>
-              <a:rPr lang="en-US" sz="2200" b="0" strike="noStrike" spc="-1" dirty="0" err="1">
+              <a:rPr lang="en-US" sz="2400" b="0" strike="noStrike" spc="-1" dirty="0">
+                <a:solidFill>
+                  <a:srgbClr val="404040"/>
+                </a:solidFill>
+                <a:uFill>
+                  <a:solidFill>
+                    <a:srgbClr val="FFFFFF"/>
+                  </a:solidFill>
+                </a:uFill>
+                <a:latin typeface="Franklin Gothic Medium"/>
+              </a:rPr>
+              <a:t>	</a:t>
+            </a:r>
+            <a:r>
+              <a:rPr lang="en-US" sz="2400" b="0" strike="noStrike" spc="-1" dirty="0" smtClean="0">
+                <a:solidFill>
+                  <a:srgbClr val="404040"/>
+                </a:solidFill>
+                <a:uFill>
+                  <a:solidFill>
+                    <a:srgbClr val="FFFFFF"/>
+                  </a:solidFill>
+                </a:uFill>
+                <a:latin typeface="Franklin Gothic Medium"/>
+              </a:rPr>
+              <a:t>abstract = TEXT(vector = Positions</a:t>
+            </a:r>
+            <a:r>
+              <a:rPr lang="en-US" sz="2400" b="0" strike="noStrike" spc="-1" dirty="0">
+                <a:solidFill>
+                  <a:srgbClr val="404040"/>
+                </a:solidFill>
+                <a:uFill>
+                  <a:solidFill>
+                    <a:srgbClr val="FFFFFF"/>
+                  </a:solidFill>
+                </a:uFill>
+                <a:latin typeface="Franklin Gothic Medium"/>
+              </a:rPr>
+              <a:t>, </a:t>
+            </a:r>
+            <a:r>
+              <a:rPr lang="en-US" sz="2400" b="0" strike="noStrike" spc="-1" dirty="0" smtClean="0">
+                <a:solidFill>
+                  <a:srgbClr val="404040"/>
+                </a:solidFill>
+                <a:uFill>
+                  <a:solidFill>
+                    <a:srgbClr val="FFFFFF"/>
+                  </a:solidFill>
+                </a:uFill>
+                <a:latin typeface="Franklin Gothic Medium"/>
+              </a:rPr>
+              <a:t>analyzer = </a:t>
+            </a:r>
+            <a:r>
+              <a:rPr lang="en-US" sz="2400" b="0" strike="noStrike" spc="-1" dirty="0" err="1" smtClean="0">
                 <a:solidFill>
                   <a:srgbClr val="404040"/>
                 </a:solidFill>
@@ -10515,18 +14793,46 @@
               <a:t>StemmingAnalyzer</a:t>
             </a:r>
             <a:r>
-              <a:rPr lang="en-US" sz="2200" b="0" strike="noStrike" spc="-1" dirty="0">
-                <a:solidFill>
-                  <a:srgbClr val="404040"/>
-                </a:solidFill>
-                <a:uFill>
-                  <a:solidFill>
-                    <a:srgbClr val="FFFFFF"/>
-                  </a:solidFill>
-                </a:uFill>
-                <a:latin typeface="Franklin Gothic Medium"/>
-              </a:rPr>
-              <a:t>(), stored=True), </a:t>
+              <a:rPr lang="en-US" sz="2400" b="0" strike="noStrike" spc="-1" dirty="0">
+                <a:solidFill>
+                  <a:srgbClr val="404040"/>
+                </a:solidFill>
+                <a:uFill>
+                  <a:solidFill>
+                    <a:srgbClr val="FFFFFF"/>
+                  </a:solidFill>
+                </a:uFill>
+                <a:latin typeface="Franklin Gothic Medium"/>
+              </a:rPr>
+              <a:t>(), </a:t>
+            </a:r>
+            <a:r>
+              <a:rPr lang="en-US" sz="2400" b="0" strike="noStrike" spc="-1" dirty="0" smtClean="0">
+                <a:solidFill>
+                  <a:srgbClr val="404040"/>
+                </a:solidFill>
+                <a:uFill>
+                  <a:solidFill>
+                    <a:srgbClr val="FFFFFF"/>
+                  </a:solidFill>
+                </a:uFill>
+                <a:latin typeface="Franklin Gothic Medium"/>
+              </a:rPr>
+              <a:t>stored = True</a:t>
+            </a:r>
+            <a:r>
+              <a:rPr lang="en-US" sz="2400" b="0" strike="noStrike" spc="-1" dirty="0">
+                <a:solidFill>
+                  <a:srgbClr val="404040"/>
+                </a:solidFill>
+                <a:uFill>
+                  <a:solidFill>
+                    <a:srgbClr val="FFFFFF"/>
+                  </a:solidFill>
+                </a:uFill>
+                <a:latin typeface="Franklin Gothic Medium"/>
+              </a:rPr>
+              <a:t>), </a:t>
             </a:r>
           </a:p>
           <a:p>
@@ -10536,21 +14842,63 @@
               </a:lnSpc>
             </a:pPr>
             <a:r>
-              <a:rPr lang="en-US" sz="2200" b="0" strike="noStrike" spc="-1" dirty="0">
-                <a:solidFill>
-                  <a:srgbClr val="404040"/>
-                </a:solidFill>
-                <a:uFill>
-                  <a:solidFill>
-                    <a:srgbClr val="FFFFFF"/>
-                  </a:solidFill>
-                </a:uFill>
-                <a:latin typeface="Franklin Gothic Medium"/>
-              </a:rPr>
-              <a:t>	content=TEXT(vector=Positions, analyzer=</a:t>
-            </a:r>
-            <a:r>
-              <a:rPr lang="en-US" sz="2200" b="0" strike="noStrike" spc="-1" dirty="0" err="1">
+              <a:rPr lang="en-US" sz="2400" b="0" strike="noStrike" spc="-1" dirty="0">
+                <a:solidFill>
+                  <a:srgbClr val="404040"/>
+                </a:solidFill>
+                <a:uFill>
+                  <a:solidFill>
+                    <a:srgbClr val="FFFFFF"/>
+                  </a:solidFill>
+                </a:uFill>
+                <a:latin typeface="Franklin Gothic Medium"/>
+              </a:rPr>
+              <a:t>	</a:t>
+            </a:r>
+            <a:r>
+              <a:rPr lang="en-US" sz="2400" b="0" strike="noStrike" spc="-1" dirty="0" smtClean="0">
+                <a:solidFill>
+                  <a:srgbClr val="404040"/>
+                </a:solidFill>
+                <a:uFill>
+                  <a:solidFill>
+                    <a:srgbClr val="FFFFFF"/>
+                  </a:solidFill>
+                </a:uFill>
+                <a:latin typeface="Franklin Gothic Medium"/>
+              </a:rPr>
+              <a:t>content = TEXT(vector = Positions</a:t>
+            </a:r>
+            <a:r>
+              <a:rPr lang="en-US" sz="2400" b="0" strike="noStrike" spc="-1" dirty="0">
+                <a:solidFill>
+                  <a:srgbClr val="404040"/>
+                </a:solidFill>
+                <a:uFill>
+                  <a:solidFill>
+                    <a:srgbClr val="FFFFFF"/>
+                  </a:solidFill>
+                </a:uFill>
+                <a:latin typeface="Franklin Gothic Medium"/>
+              </a:rPr>
+              <a:t>, </a:t>
+            </a:r>
+            <a:r>
+              <a:rPr lang="en-US" sz="2400" b="0" strike="noStrike" spc="-1" dirty="0" smtClean="0">
+                <a:solidFill>
+                  <a:srgbClr val="404040"/>
+                </a:solidFill>
+                <a:uFill>
+                  <a:solidFill>
+                    <a:srgbClr val="FFFFFF"/>
+                  </a:solidFill>
+                </a:uFill>
+                <a:latin typeface="Franklin Gothic Medium"/>
+              </a:rPr>
+              <a:t>analyzer = </a:t>
+            </a:r>
+            <a:r>
+              <a:rPr lang="en-US" sz="2400" b="0" strike="noStrike" spc="-1" dirty="0" err="1" smtClean="0">
                 <a:solidFill>
                   <a:srgbClr val="404040"/>
                 </a:solidFill>
@@ -10564,18 +14912,46 @@
               <a:t>StemmingAnalyzer</a:t>
             </a:r>
             <a:r>
-              <a:rPr lang="en-US" sz="2200" b="0" strike="noStrike" spc="-1" dirty="0">
-                <a:solidFill>
-                  <a:srgbClr val="404040"/>
-                </a:solidFill>
-                <a:uFill>
-                  <a:solidFill>
-                    <a:srgbClr val="FFFFFF"/>
-                  </a:solidFill>
-                </a:uFill>
-                <a:latin typeface="Franklin Gothic Medium"/>
-              </a:rPr>
-              <a:t>(), stored=True)                 </a:t>
+              <a:rPr lang="en-US" sz="2400" b="0" strike="noStrike" spc="-1" dirty="0">
+                <a:solidFill>
+                  <a:srgbClr val="404040"/>
+                </a:solidFill>
+                <a:uFill>
+                  <a:solidFill>
+                    <a:srgbClr val="FFFFFF"/>
+                  </a:solidFill>
+                </a:uFill>
+                <a:latin typeface="Franklin Gothic Medium"/>
+              </a:rPr>
+              <a:t>(), </a:t>
+            </a:r>
+            <a:r>
+              <a:rPr lang="en-US" sz="2400" b="0" strike="noStrike" spc="-1" dirty="0" smtClean="0">
+                <a:solidFill>
+                  <a:srgbClr val="404040"/>
+                </a:solidFill>
+                <a:uFill>
+                  <a:solidFill>
+                    <a:srgbClr val="FFFFFF"/>
+                  </a:solidFill>
+                </a:uFill>
+                <a:latin typeface="Franklin Gothic Medium"/>
+              </a:rPr>
+              <a:t>stored =</a:t>
+            </a:r>
+            <a:r>
+              <a:rPr lang="en-US" sz="2400" b="0" strike="noStrike" spc="-1" dirty="0">
+                <a:solidFill>
+                  <a:srgbClr val="404040"/>
+                </a:solidFill>
+                <a:uFill>
+                  <a:solidFill>
+                    <a:srgbClr val="FFFFFF"/>
+                  </a:solidFill>
+                </a:uFill>
+                <a:latin typeface="Franklin Gothic Medium"/>
+              </a:rPr>
+              <a:t>True)                 </a:t>
             </a:r>
           </a:p>
           <a:p>
@@ -10585,7 +14961,7 @@
               </a:lnSpc>
             </a:pPr>
             <a:r>
-              <a:rPr lang="en-US" sz="2200" b="0" strike="noStrike" spc="-1" dirty="0">
+              <a:rPr lang="en-US" sz="2400" b="0" strike="noStrike" spc="-1" dirty="0">
                 <a:solidFill>
                   <a:srgbClr val="404040"/>
                 </a:solidFill>
@@ -10599,7 +14975,7 @@
               <a:t> </a:t>
             </a:r>
             <a:r>
-              <a:rPr lang="en-US" sz="2200" b="0" strike="noStrike" spc="-1" dirty="0" smtClean="0">
+              <a:rPr lang="en-US" sz="2400" b="0" strike="noStrike" spc="-1" dirty="0" smtClean="0">
                 <a:solidFill>
                   <a:srgbClr val="404040"/>
                 </a:solidFill>
@@ -10612,7 +14988,7 @@
               </a:rPr>
               <a:t>	)</a:t>
             </a:r>
-            <a:endParaRPr lang="en-US" sz="2200" b="0" strike="noStrike" spc="-1" dirty="0">
+            <a:endParaRPr lang="en-US" sz="2400" b="0" strike="noStrike" spc="-1" dirty="0">
               <a:solidFill>
                 <a:srgbClr val="404040"/>
               </a:solidFill>

--- a/doc/Progetto.pptx
+++ b/doc/Progetto.pptx
@@ -6,7 +6,7 @@
     <p:sldMasterId id="2147483661" r:id="rId2"/>
   </p:sldMasterIdLst>
   <p:notesMasterIdLst>
-    <p:notesMasterId r:id="rId25"/>
+    <p:notesMasterId r:id="rId32"/>
   </p:notesMasterIdLst>
   <p:sldIdLst>
     <p:sldId id="256" r:id="rId3"/>
@@ -25,12 +25,19 @@
     <p:sldId id="266" r:id="rId16"/>
     <p:sldId id="269" r:id="rId17"/>
     <p:sldId id="268" r:id="rId18"/>
-    <p:sldId id="271" r:id="rId19"/>
+    <p:sldId id="270" r:id="rId19"/>
     <p:sldId id="267" r:id="rId20"/>
     <p:sldId id="272" r:id="rId21"/>
-    <p:sldId id="270" r:id="rId22"/>
-    <p:sldId id="274" r:id="rId23"/>
-    <p:sldId id="273" r:id="rId24"/>
+    <p:sldId id="281" r:id="rId22"/>
+    <p:sldId id="280" r:id="rId23"/>
+    <p:sldId id="283" r:id="rId24"/>
+    <p:sldId id="279" r:id="rId25"/>
+    <p:sldId id="282" r:id="rId26"/>
+    <p:sldId id="273" r:id="rId27"/>
+    <p:sldId id="284" r:id="rId28"/>
+    <p:sldId id="285" r:id="rId29"/>
+    <p:sldId id="286" r:id="rId30"/>
+    <p:sldId id="287" r:id="rId31"/>
   </p:sldIdLst>
   <p:sldSz cx="12192000" cy="6858000"/>
   <p:notesSz cx="6858000" cy="9144000"/>
@@ -131,7 +138,18 @@
   </p:defaultTextStyle>
   <p:extLst>
     <p:ext uri="{EFAFB233-063F-42B5-8137-9DF3F51BA10A}">
-      <p15:sldGuideLst xmlns="" xmlns:p15="http://schemas.microsoft.com/office/powerpoint/2012/main"/>
+      <p15:sldGuideLst xmlns:p15="http://schemas.microsoft.com/office/powerpoint/2012/main">
+        <p15:guide id="1" orient="horz" pos="2160">
+          <p15:clr>
+            <a:srgbClr val="A4A3A4"/>
+          </p15:clr>
+        </p15:guide>
+        <p15:guide id="2" pos="3840">
+          <p15:clr>
+            <a:srgbClr val="A4A3A4"/>
+          </p15:clr>
+        </p15:guide>
+      </p15:sldGuideLst>
     </p:ext>
   </p:extLst>
 </p:presentation>
@@ -356,7 +374,7 @@
                 </a:uFill>
                 <a:latin typeface="Times New Roman"/>
               </a:rPr>
-              <a:t>‹#›</a:t>
+              <a:t>‹N›</a:t>
             </a:fld>
             <a:endParaRPr lang="en-US" sz="1400" b="0" strike="noStrike" spc="-1">
               <a:solidFill>
@@ -2214,6 +2232,461 @@
     <p:extLst>
       <p:ext uri="{BB962C8B-B14F-4D97-AF65-F5344CB8AC3E}">
         <p14:creationId xmlns:p14="http://schemas.microsoft.com/office/powerpoint/2010/main" val="3363847177"/>
+      </p:ext>
+    </p:extLst>
+  </p:cSld>
+  <p:clrMapOvr>
+    <a:masterClrMapping/>
+  </p:clrMapOvr>
+</p:notes>
+</file>
+
+<file path=ppt/notesSlides/notesSlide7.xml><?xml version="1.0" encoding="utf-8"?>
+<p:notes xmlns:a="http://schemas.openxmlformats.org/drawingml/2006/main" xmlns:r="http://schemas.openxmlformats.org/officeDocument/2006/relationships" xmlns:p="http://schemas.openxmlformats.org/presentationml/2006/main">
+  <p:cSld>
+    <p:spTree>
+      <p:nvGrpSpPr>
+        <p:cNvPr id="1" name=""/>
+        <p:cNvGrpSpPr/>
+        <p:nvPr/>
+      </p:nvGrpSpPr>
+      <p:grpSpPr>
+        <a:xfrm>
+          <a:off x="0" y="0"/>
+          <a:ext cx="0" cy="0"/>
+          <a:chOff x="0" y="0"/>
+          <a:chExt cx="0" cy="0"/>
+        </a:xfrm>
+      </p:grpSpPr>
+      <p:sp>
+        <p:nvSpPr>
+          <p:cNvPr id="2" name="Segnaposto immagine diapositiva 1"/>
+          <p:cNvSpPr>
+            <a:spLocks noGrp="1" noRot="1" noChangeAspect="1"/>
+          </p:cNvSpPr>
+          <p:nvPr>
+            <p:ph type="sldImg"/>
+          </p:nvPr>
+        </p:nvSpPr>
+        <p:spPr>
+          <a:xfrm>
+            <a:off x="685800" y="1143000"/>
+            <a:ext cx="5486400" cy="3086100"/>
+          </a:xfrm>
+          <a:prstGeom prst="rect">
+            <a:avLst/>
+          </a:prstGeom>
+          <a:noFill/>
+          <a:ln w="12700">
+            <a:solidFill>
+              <a:prstClr val="black"/>
+            </a:solidFill>
+          </a:ln>
+        </p:spPr>
+      </p:sp>
+      <p:sp>
+        <p:nvSpPr>
+          <p:cNvPr id="3" name="Segnaposto note 2"/>
+          <p:cNvSpPr>
+            <a:spLocks noGrp="1"/>
+          </p:cNvSpPr>
+          <p:nvPr>
+            <p:ph type="body" idx="1"/>
+          </p:nvPr>
+        </p:nvSpPr>
+        <p:spPr/>
+        <p:txBody>
+          <a:bodyPr/>
+          <a:lstStyle/>
+          <a:p>
+            <a:r>
+              <a:rPr lang="it-IT" dirty="0" err="1" smtClean="0"/>
+              <a:t>query</a:t>
+            </a:r>
+            <a:r>
+              <a:rPr lang="it-IT" dirty="0" smtClean="0"/>
+              <a:t> -&gt; </a:t>
+            </a:r>
+            <a:r>
+              <a:rPr lang="it-IT" baseline="0" dirty="0" smtClean="0"/>
+              <a:t>utile per confrontare se il correttore ha già cambiato qualcosa</a:t>
+            </a:r>
+          </a:p>
+          <a:p>
+            <a:r>
+              <a:rPr lang="it-IT" baseline="0" dirty="0" err="1" smtClean="0"/>
+              <a:t>string</a:t>
+            </a:r>
+            <a:r>
+              <a:rPr lang="it-IT" baseline="0" dirty="0" smtClean="0"/>
+              <a:t> -&gt; versione corretta della </a:t>
+            </a:r>
+            <a:r>
+              <a:rPr lang="it-IT" baseline="0" dirty="0" err="1" smtClean="0"/>
+              <a:t>query</a:t>
+            </a:r>
+            <a:r>
+              <a:rPr lang="it-IT" baseline="0" dirty="0" smtClean="0"/>
+              <a:t> dell’utente</a:t>
+            </a:r>
+          </a:p>
+          <a:p>
+            <a:r>
+              <a:rPr lang="it-IT" baseline="0" dirty="0" err="1" smtClean="0"/>
+              <a:t>tokens</a:t>
+            </a:r>
+            <a:r>
+              <a:rPr lang="it-IT" baseline="0" dirty="0" smtClean="0"/>
+              <a:t> -&gt;lista di </a:t>
+            </a:r>
+            <a:r>
+              <a:rPr lang="it-IT" baseline="0" dirty="0" err="1" smtClean="0"/>
+              <a:t>token</a:t>
+            </a:r>
+            <a:r>
+              <a:rPr lang="it-IT" baseline="0" dirty="0" smtClean="0"/>
+              <a:t> che rappresentano la </a:t>
+            </a:r>
+            <a:r>
+              <a:rPr lang="it-IT" baseline="0" dirty="0" err="1" smtClean="0"/>
+              <a:t>query</a:t>
+            </a:r>
+            <a:r>
+              <a:rPr lang="it-IT" baseline="0" dirty="0" smtClean="0"/>
+              <a:t> corretta</a:t>
+            </a:r>
+            <a:endParaRPr lang="it-IT" dirty="0"/>
+          </a:p>
+        </p:txBody>
+      </p:sp>
+      <p:sp>
+        <p:nvSpPr>
+          <p:cNvPr id="4" name="Segnaposto numero diapositiva 3"/>
+          <p:cNvSpPr>
+            <a:spLocks noGrp="1"/>
+          </p:cNvSpPr>
+          <p:nvPr>
+            <p:ph type="sldNum" idx="10"/>
+          </p:nvPr>
+        </p:nvSpPr>
+        <p:spPr/>
+        <p:txBody>
+          <a:bodyPr/>
+          <a:lstStyle/>
+          <a:p>
+            <a:pPr algn="r"/>
+            <a:fld id="{BF3F0219-EEC3-47CD-80D0-D5594D977E01}" type="slidenum">
+              <a:rPr lang="en-US" sz="1400" b="0" strike="noStrike" spc="-1" smtClean="0">
+                <a:solidFill>
+                  <a:srgbClr val="000000"/>
+                </a:solidFill>
+                <a:uFill>
+                  <a:solidFill>
+                    <a:srgbClr val="FFFFFF"/>
+                  </a:solidFill>
+                </a:uFill>
+                <a:latin typeface="Times New Roman"/>
+              </a:rPr>
+              <a:t>14</a:t>
+            </a:fld>
+            <a:endParaRPr lang="en-US" sz="1400" b="0" strike="noStrike" spc="-1">
+              <a:solidFill>
+                <a:srgbClr val="000000"/>
+              </a:solidFill>
+              <a:uFill>
+                <a:solidFill>
+                  <a:srgbClr val="FFFFFF"/>
+                </a:solidFill>
+              </a:uFill>
+              <a:latin typeface="Times New Roman"/>
+            </a:endParaRPr>
+          </a:p>
+        </p:txBody>
+      </p:sp>
+    </p:spTree>
+    <p:extLst>
+      <p:ext uri="{BB962C8B-B14F-4D97-AF65-F5344CB8AC3E}">
+        <p14:creationId xmlns:p14="http://schemas.microsoft.com/office/powerpoint/2010/main" val="2070109178"/>
+      </p:ext>
+    </p:extLst>
+  </p:cSld>
+  <p:clrMapOvr>
+    <a:masterClrMapping/>
+  </p:clrMapOvr>
+</p:notes>
+</file>
+
+<file path=ppt/notesSlides/notesSlide8.xml><?xml version="1.0" encoding="utf-8"?>
+<p:notes xmlns:a="http://schemas.openxmlformats.org/drawingml/2006/main" xmlns:r="http://schemas.openxmlformats.org/officeDocument/2006/relationships" xmlns:p="http://schemas.openxmlformats.org/presentationml/2006/main">
+  <p:cSld>
+    <p:spTree>
+      <p:nvGrpSpPr>
+        <p:cNvPr id="1" name=""/>
+        <p:cNvGrpSpPr/>
+        <p:nvPr/>
+      </p:nvGrpSpPr>
+      <p:grpSpPr>
+        <a:xfrm>
+          <a:off x="0" y="0"/>
+          <a:ext cx="0" cy="0"/>
+          <a:chOff x="0" y="0"/>
+          <a:chExt cx="0" cy="0"/>
+        </a:xfrm>
+      </p:grpSpPr>
+      <p:sp>
+        <p:nvSpPr>
+          <p:cNvPr id="2" name="Segnaposto immagine diapositiva 1"/>
+          <p:cNvSpPr>
+            <a:spLocks noGrp="1" noRot="1" noChangeAspect="1"/>
+          </p:cNvSpPr>
+          <p:nvPr>
+            <p:ph type="sldImg"/>
+          </p:nvPr>
+        </p:nvSpPr>
+        <p:spPr>
+          <a:xfrm>
+            <a:off x="685800" y="1143000"/>
+            <a:ext cx="5486400" cy="3086100"/>
+          </a:xfrm>
+          <a:prstGeom prst="rect">
+            <a:avLst/>
+          </a:prstGeom>
+          <a:noFill/>
+          <a:ln w="12700">
+            <a:solidFill>
+              <a:prstClr val="black"/>
+            </a:solidFill>
+          </a:ln>
+        </p:spPr>
+      </p:sp>
+      <p:sp>
+        <p:nvSpPr>
+          <p:cNvPr id="3" name="Segnaposto note 2"/>
+          <p:cNvSpPr>
+            <a:spLocks noGrp="1"/>
+          </p:cNvSpPr>
+          <p:nvPr>
+            <p:ph type="body" idx="1"/>
+          </p:nvPr>
+        </p:nvSpPr>
+        <p:spPr/>
+        <p:txBody>
+          <a:bodyPr/>
+          <a:lstStyle/>
+          <a:p>
+            <a:r>
+              <a:rPr lang="it-IT" sz="1200" spc="-1" dirty="0" err="1" smtClean="0">
+                <a:solidFill>
+                  <a:srgbClr val="404040"/>
+                </a:solidFill>
+                <a:uFill>
+                  <a:solidFill>
+                    <a:srgbClr val="FFFFFF"/>
+                  </a:solidFill>
+                </a:uFill>
+                <a:latin typeface="Franklin Gothic Medium" panose="020B0603020102020204" pitchFamily="34" charset="0"/>
+              </a:rPr>
+              <a:t>Jaccard</a:t>
+            </a:r>
+            <a:r>
+              <a:rPr lang="it-IT" sz="1200" spc="-1" dirty="0" smtClean="0">
+                <a:solidFill>
+                  <a:srgbClr val="404040"/>
+                </a:solidFill>
+                <a:uFill>
+                  <a:solidFill>
+                    <a:srgbClr val="FFFFFF"/>
+                  </a:solidFill>
+                </a:uFill>
+                <a:latin typeface="Franklin Gothic Medium" panose="020B0603020102020204" pitchFamily="34" charset="0"/>
+              </a:rPr>
+              <a:t> = (s1 ∩</a:t>
+            </a:r>
+            <a:r>
+              <a:rPr lang="it-IT" sz="1200" spc="-1" baseline="0" dirty="0" smtClean="0">
+                <a:solidFill>
+                  <a:srgbClr val="404040"/>
+                </a:solidFill>
+                <a:uFill>
+                  <a:solidFill>
+                    <a:srgbClr val="FFFFFF"/>
+                  </a:solidFill>
+                </a:uFill>
+                <a:latin typeface="Franklin Gothic Medium" panose="020B0603020102020204" pitchFamily="34" charset="0"/>
+              </a:rPr>
+              <a:t> s2) / (s1 u s2)</a:t>
+            </a:r>
+            <a:endParaRPr lang="it-IT" dirty="0"/>
+          </a:p>
+        </p:txBody>
+      </p:sp>
+      <p:sp>
+        <p:nvSpPr>
+          <p:cNvPr id="4" name="Segnaposto numero diapositiva 3"/>
+          <p:cNvSpPr>
+            <a:spLocks noGrp="1"/>
+          </p:cNvSpPr>
+          <p:nvPr>
+            <p:ph type="sldNum" idx="10"/>
+          </p:nvPr>
+        </p:nvSpPr>
+        <p:spPr/>
+        <p:txBody>
+          <a:bodyPr/>
+          <a:lstStyle/>
+          <a:p>
+            <a:pPr algn="r"/>
+            <a:fld id="{BF3F0219-EEC3-47CD-80D0-D5594D977E01}" type="slidenum">
+              <a:rPr lang="en-US" sz="1400" b="0" strike="noStrike" spc="-1" smtClean="0">
+                <a:solidFill>
+                  <a:srgbClr val="000000"/>
+                </a:solidFill>
+                <a:uFill>
+                  <a:solidFill>
+                    <a:srgbClr val="FFFFFF"/>
+                  </a:solidFill>
+                </a:uFill>
+                <a:latin typeface="Times New Roman"/>
+              </a:rPr>
+              <a:t>17</a:t>
+            </a:fld>
+            <a:endParaRPr lang="en-US" sz="1400" b="0" strike="noStrike" spc="-1">
+              <a:solidFill>
+                <a:srgbClr val="000000"/>
+              </a:solidFill>
+              <a:uFill>
+                <a:solidFill>
+                  <a:srgbClr val="FFFFFF"/>
+                </a:solidFill>
+              </a:uFill>
+              <a:latin typeface="Times New Roman"/>
+            </a:endParaRPr>
+          </a:p>
+        </p:txBody>
+      </p:sp>
+    </p:spTree>
+    <p:extLst>
+      <p:ext uri="{BB962C8B-B14F-4D97-AF65-F5344CB8AC3E}">
+        <p14:creationId xmlns:p14="http://schemas.microsoft.com/office/powerpoint/2010/main" val="1227873119"/>
+      </p:ext>
+    </p:extLst>
+  </p:cSld>
+  <p:clrMapOvr>
+    <a:masterClrMapping/>
+  </p:clrMapOvr>
+</p:notes>
+</file>
+
+<file path=ppt/notesSlides/notesSlide9.xml><?xml version="1.0" encoding="utf-8"?>
+<p:notes xmlns:a="http://schemas.openxmlformats.org/drawingml/2006/main" xmlns:r="http://schemas.openxmlformats.org/officeDocument/2006/relationships" xmlns:p="http://schemas.openxmlformats.org/presentationml/2006/main">
+  <p:cSld>
+    <p:spTree>
+      <p:nvGrpSpPr>
+        <p:cNvPr id="1" name=""/>
+        <p:cNvGrpSpPr/>
+        <p:nvPr/>
+      </p:nvGrpSpPr>
+      <p:grpSpPr>
+        <a:xfrm>
+          <a:off x="0" y="0"/>
+          <a:ext cx="0" cy="0"/>
+          <a:chOff x="0" y="0"/>
+          <a:chExt cx="0" cy="0"/>
+        </a:xfrm>
+      </p:grpSpPr>
+      <p:sp>
+        <p:nvSpPr>
+          <p:cNvPr id="2" name="Segnaposto immagine diapositiva 1"/>
+          <p:cNvSpPr>
+            <a:spLocks noGrp="1" noRot="1" noChangeAspect="1"/>
+          </p:cNvSpPr>
+          <p:nvPr>
+            <p:ph type="sldImg"/>
+          </p:nvPr>
+        </p:nvSpPr>
+        <p:spPr>
+          <a:xfrm>
+            <a:off x="685800" y="1143000"/>
+            <a:ext cx="5486400" cy="3086100"/>
+          </a:xfrm>
+          <a:prstGeom prst="rect">
+            <a:avLst/>
+          </a:prstGeom>
+          <a:noFill/>
+          <a:ln w="12700">
+            <a:solidFill>
+              <a:prstClr val="black"/>
+            </a:solidFill>
+          </a:ln>
+        </p:spPr>
+      </p:sp>
+      <p:sp>
+        <p:nvSpPr>
+          <p:cNvPr id="3" name="Segnaposto note 2"/>
+          <p:cNvSpPr>
+            <a:spLocks noGrp="1"/>
+          </p:cNvSpPr>
+          <p:nvPr>
+            <p:ph type="body" idx="1"/>
+          </p:nvPr>
+        </p:nvSpPr>
+        <p:spPr/>
+        <p:txBody>
+          <a:bodyPr/>
+          <a:lstStyle/>
+          <a:p>
+            <a:endParaRPr lang="it-IT" dirty="0"/>
+          </a:p>
+        </p:txBody>
+      </p:sp>
+      <p:sp>
+        <p:nvSpPr>
+          <p:cNvPr id="4" name="Segnaposto numero diapositiva 3"/>
+          <p:cNvSpPr>
+            <a:spLocks noGrp="1"/>
+          </p:cNvSpPr>
+          <p:nvPr>
+            <p:ph type="sldNum" idx="10"/>
+          </p:nvPr>
+        </p:nvSpPr>
+        <p:spPr/>
+        <p:txBody>
+          <a:bodyPr/>
+          <a:lstStyle/>
+          <a:p>
+            <a:pPr algn="r"/>
+            <a:fld id="{BF3F0219-EEC3-47CD-80D0-D5594D977E01}" type="slidenum">
+              <a:rPr lang="en-US" sz="1400" b="0" strike="noStrike" spc="-1" smtClean="0">
+                <a:solidFill>
+                  <a:srgbClr val="000000"/>
+                </a:solidFill>
+                <a:uFill>
+                  <a:solidFill>
+                    <a:srgbClr val="FFFFFF"/>
+                  </a:solidFill>
+                </a:uFill>
+                <a:latin typeface="Times New Roman"/>
+              </a:rPr>
+              <a:t>25</a:t>
+            </a:fld>
+            <a:endParaRPr lang="en-US" sz="1400" b="0" strike="noStrike" spc="-1">
+              <a:solidFill>
+                <a:srgbClr val="000000"/>
+              </a:solidFill>
+              <a:uFill>
+                <a:solidFill>
+                  <a:srgbClr val="FFFFFF"/>
+                </a:solidFill>
+              </a:uFill>
+              <a:latin typeface="Times New Roman"/>
+            </a:endParaRPr>
+          </a:p>
+        </p:txBody>
+      </p:sp>
+    </p:spTree>
+    <p:extLst>
+      <p:ext uri="{BB962C8B-B14F-4D97-AF65-F5344CB8AC3E}">
+        <p14:creationId xmlns:p14="http://schemas.microsoft.com/office/powerpoint/2010/main" val="2036356724"/>
       </p:ext>
     </p:extLst>
   </p:cSld>
@@ -6496,7 +6969,7 @@
                 </a:uFill>
                 <a:latin typeface="Franklin Gothic Medium"/>
               </a:rPr>
-              <a:t>‹#›</a:t>
+              <a:t>‹N›</a:t>
             </a:fld>
             <a:endParaRPr lang="en-US" sz="1400" b="0" strike="noStrike" spc="-1">
               <a:solidFill>
@@ -7359,7 +7832,7 @@
               <a:t> </a:t>
             </a:r>
             <a:r>
-              <a:rPr lang="en-US" sz="2800" spc="-1" dirty="0" err="1">
+              <a:rPr lang="en-US" sz="2800" spc="-1" dirty="0" err="1" smtClean="0">
                 <a:solidFill>
                   <a:srgbClr val="404040"/>
                 </a:solidFill>
@@ -7372,21 +7845,6 @@
                 <a:cs typeface="Calibri"/>
               </a:rPr>
               <a:t>campi</a:t>
-            </a:r>
-            <a:r>
-              <a:rPr lang="en-US" sz="2800" spc="-1" dirty="0">
-                <a:solidFill>
-                  <a:srgbClr val="404040"/>
-                </a:solidFill>
-                <a:uFill>
-                  <a:solidFill>
-                    <a:srgbClr val="FFFFFF"/>
-                  </a:solidFill>
-                </a:uFill>
-                <a:latin typeface="Franklin Gothic Medium"/>
-                <a:cs typeface="Calibri"/>
-              </a:rPr>
-              <a:t> </a:t>
             </a:r>
             <a:r>
               <a:rPr lang="en-US" sz="2800" spc="-1" dirty="0" smtClean="0">
@@ -7413,6 +7871,21 @@
               <a:buChar char="▪"/>
             </a:pPr>
             <a:r>
+              <a:rPr lang="en-US" sz="2800" spc="-1" dirty="0" err="1">
+                <a:solidFill>
+                  <a:srgbClr val="404040"/>
+                </a:solidFill>
+                <a:uFill>
+                  <a:solidFill>
+                    <a:srgbClr val="FFFFFF"/>
+                  </a:solidFill>
+                </a:uFill>
+                <a:latin typeface="Franklin Gothic Medium"/>
+                <a:cs typeface="Calibri"/>
+              </a:rPr>
+              <a:t>t</a:t>
+            </a:r>
+            <a:r>
               <a:rPr lang="en-US" sz="2800" spc="-1" dirty="0" err="1" smtClean="0">
                 <a:solidFill>
                   <a:srgbClr val="404040"/>
@@ -7425,7 +7898,7 @@
                 <a:latin typeface="Franklin Gothic Medium"/>
                 <a:cs typeface="Calibri"/>
               </a:rPr>
-              <a:t>Titolo</a:t>
+              <a:t>itolo</a:t>
             </a:r>
             <a:endParaRPr lang="en-US" sz="2800" spc="-1" dirty="0" smtClean="0">
               <a:solidFill>
@@ -7784,6 +8257,18 @@
   <p:clrMapOvr>
     <a:masterClrMapping/>
   </p:clrMapOvr>
+  <mc:AlternateContent xmlns:mc="http://schemas.openxmlformats.org/markup-compatibility/2006" xmlns:p14="http://schemas.microsoft.com/office/powerpoint/2010/main">
+    <mc:Choice Requires="p14">
+      <p:transition spd="med" p14:dur="700">
+        <p:fade/>
+      </p:transition>
+    </mc:Choice>
+    <mc:Fallback xmlns="">
+      <p:transition spd="med">
+        <p:fade/>
+      </p:transition>
+    </mc:Fallback>
+  </mc:AlternateContent>
   <p:timing>
     <p:tnLst>
       <p:par>
@@ -8232,14 +8717,28 @@
             </a:r>
             <a:r>
               <a:rPr lang="en-US" sz="2400" spc="-1" dirty="0" err="1">
-                <a:uFill>
-                  <a:solidFill>
-                    <a:srgbClr val="FFFFFF"/>
-                  </a:solidFill>
-                </a:uFill>
-                <a:latin typeface="Franklin Gothic Medium"/>
-              </a:rPr>
-              <a:t>self.keywordSearch</a:t>
+                <a:solidFill>
+                  <a:srgbClr val="7030A0"/>
+                </a:solidFill>
+                <a:uFill>
+                  <a:solidFill>
+                    <a:srgbClr val="FFFFFF"/>
+                  </a:solidFill>
+                </a:uFill>
+                <a:latin typeface="Franklin Gothic Medium"/>
+              </a:rPr>
+              <a:t>self</a:t>
+            </a:r>
+            <a:r>
+              <a:rPr lang="en-US" sz="2400" spc="-1" dirty="0" err="1">
+                <a:uFill>
+                  <a:solidFill>
+                    <a:srgbClr val="FFFFFF"/>
+                  </a:solidFill>
+                </a:uFill>
+                <a:latin typeface="Franklin Gothic Medium"/>
+              </a:rPr>
+              <a:t>.keywordSearch</a:t>
             </a:r>
             <a:r>
               <a:rPr lang="en-US" sz="2400" spc="-1" dirty="0">
@@ -8786,6 +9285,18 @@
   <p:clrMapOvr>
     <a:masterClrMapping/>
   </p:clrMapOvr>
+  <mc:AlternateContent xmlns:mc="http://schemas.openxmlformats.org/markup-compatibility/2006" xmlns:p14="http://schemas.microsoft.com/office/powerpoint/2010/main">
+    <mc:Choice Requires="p14">
+      <p:transition spd="med" p14:dur="700">
+        <p:fade/>
+      </p:transition>
+    </mc:Choice>
+    <mc:Fallback xmlns="">
+      <p:transition spd="med">
+        <p:fade/>
+      </p:transition>
+    </mc:Fallback>
+  </mc:AlternateContent>
   <p:timing>
     <p:tnLst>
       <p:par>
@@ -8871,6 +9382,18 @@
   <p:clrMapOvr>
     <a:masterClrMapping/>
   </p:clrMapOvr>
+  <mc:AlternateContent xmlns:mc="http://schemas.openxmlformats.org/markup-compatibility/2006" xmlns:p14="http://schemas.microsoft.com/office/powerpoint/2010/main">
+    <mc:Choice Requires="p14">
+      <p:transition spd="med" p14:dur="700">
+        <p:fade/>
+      </p:transition>
+    </mc:Choice>
+    <mc:Fallback xmlns="">
+      <p:transition spd="med">
+        <p:fade/>
+      </p:transition>
+    </mc:Fallback>
+  </mc:AlternateContent>
   <p:timing>
     <p:tnLst>
       <p:par>
@@ -8989,6 +9512,10 @@
           <a:bodyPr/>
           <a:lstStyle/>
           <a:p>
+            <a:pPr marL="457200" indent="-457200">
+              <a:buFont typeface="Wingdings" panose="05000000000000000000" pitchFamily="2" charset="2"/>
+              <a:buChar char="§"/>
+            </a:pPr>
             <a:r>
               <a:rPr lang="en-US" sz="2800" b="0" strike="noStrike" spc="-1" dirty="0" err="1" smtClean="0">
                 <a:solidFill>
@@ -9001,7 +9528,7 @@
                 </a:uFill>
                 <a:latin typeface="Franklin Gothic Medium"/>
               </a:rPr>
-              <a:t>Possibile</a:t>
+              <a:t>Realizzabile</a:t>
             </a:r>
             <a:r>
               <a:rPr lang="en-US" sz="2800" b="0" strike="noStrike" spc="-1" dirty="0" smtClean="0">
@@ -9103,11 +9630,25 @@
             </a:r>
           </a:p>
           <a:p>
-            <a:pPr marL="457200" indent="-457200">
-              <a:buFont typeface="Arial" panose="020B0604020202020204" pitchFamily="34" charset="0"/>
-              <a:buChar char="•"/>
+            <a:pPr marL="914400" lvl="1" indent="-457200">
+              <a:buFont typeface="Wingdings" panose="05000000000000000000" pitchFamily="2" charset="2"/>
+              <a:buChar char="§"/>
             </a:pPr>
             <a:r>
+              <a:rPr lang="en-US" sz="2800" spc="-1" dirty="0">
+                <a:solidFill>
+                  <a:srgbClr val="404040"/>
+                </a:solidFill>
+                <a:uFill>
+                  <a:solidFill>
+                    <a:srgbClr val="FFFFFF"/>
+                  </a:solidFill>
+                </a:uFill>
+                <a:latin typeface="Franklin Gothic Medium"/>
+              </a:rPr>
+              <a:t>e</a:t>
+            </a:r>
+            <a:r>
               <a:rPr lang="en-US" sz="2800" spc="-1" dirty="0" smtClean="0">
                 <a:solidFill>
                   <a:srgbClr val="404040"/>
@@ -9119,13 +9660,13 @@
                 </a:uFill>
                 <a:latin typeface="Franklin Gothic Medium"/>
               </a:rPr>
-              <a:t>Edit distance</a:t>
-            </a:r>
-          </a:p>
-          <a:p>
-            <a:pPr marL="457200" indent="-457200">
-              <a:buFont typeface="Arial" panose="020B0604020202020204" pitchFamily="34" charset="0"/>
-              <a:buChar char="•"/>
+              <a:t>dit distance</a:t>
+            </a:r>
+          </a:p>
+          <a:p>
+            <a:pPr marL="914400" lvl="1" indent="-457200">
+              <a:buFont typeface="Wingdings" panose="05000000000000000000" pitchFamily="2" charset="2"/>
+              <a:buChar char="§"/>
             </a:pPr>
             <a:r>
               <a:rPr lang="en-US" sz="2800" spc="-1" dirty="0">
@@ -9139,7 +9680,7 @@
                 </a:uFill>
                 <a:latin typeface="Franklin Gothic Medium"/>
               </a:rPr>
-              <a:t>N</a:t>
+              <a:t>n</a:t>
             </a:r>
             <a:r>
               <a:rPr lang="en-US" sz="2800" b="0" strike="noStrike" spc="-1" dirty="0" smtClean="0">
@@ -9157,11 +9698,25 @@
             </a:r>
           </a:p>
           <a:p>
-            <a:pPr marL="457200" indent="-457200">
-              <a:buFont typeface="Arial" panose="020B0604020202020204" pitchFamily="34" charset="0"/>
-              <a:buChar char="•"/>
+            <a:pPr marL="914400" lvl="1" indent="-457200">
+              <a:buFont typeface="Wingdings" panose="05000000000000000000" pitchFamily="2" charset="2"/>
+              <a:buChar char="§"/>
             </a:pPr>
             <a:r>
+              <a:rPr lang="en-US" sz="2800" spc="-1" dirty="0" err="1">
+                <a:solidFill>
+                  <a:srgbClr val="404040"/>
+                </a:solidFill>
+                <a:uFill>
+                  <a:solidFill>
+                    <a:srgbClr val="FFFFFF"/>
+                  </a:solidFill>
+                </a:uFill>
+                <a:latin typeface="Franklin Gothic Medium"/>
+              </a:rPr>
+              <a:t>p</a:t>
+            </a:r>
+            <a:r>
               <a:rPr lang="en-US" sz="2800" spc="-1" dirty="0" err="1" smtClean="0">
                 <a:solidFill>
                   <a:srgbClr val="404040"/>
@@ -9173,7 +9728,7 @@
                 </a:uFill>
                 <a:latin typeface="Franklin Gothic Medium"/>
               </a:rPr>
-              <a:t>Pyenchant</a:t>
+              <a:t>yenchant</a:t>
             </a:r>
             <a:endParaRPr lang="en-US" sz="2800" spc="-1" dirty="0" smtClean="0">
               <a:solidFill>
@@ -9318,6 +9873,10 @@
           <a:bodyPr/>
           <a:lstStyle/>
           <a:p>
+            <a:pPr marL="457200" indent="-457200">
+              <a:buFont typeface="Wingdings" panose="05000000000000000000" pitchFamily="2" charset="2"/>
+              <a:buChar char="§"/>
+            </a:pPr>
             <a:r>
               <a:rPr lang="en-US" sz="2800" spc="-1" dirty="0" smtClean="0">
                 <a:solidFill>
@@ -9330,7 +9889,7 @@
                 </a:uFill>
                 <a:latin typeface="Franklin Gothic Medium"/>
               </a:rPr>
-              <a:t>Grazie </a:t>
+              <a:t>La </a:t>
             </a:r>
             <a:r>
               <a:rPr lang="en-US" sz="2800" spc="-1" dirty="0" err="1" smtClean="0">
@@ -9344,7 +9903,7 @@
                 </a:uFill>
                 <a:latin typeface="Franklin Gothic Medium"/>
               </a:rPr>
-              <a:t>alla</a:t>
+              <a:t>libreria</a:t>
             </a:r>
             <a:r>
               <a:rPr lang="en-US" sz="2800" spc="-1" dirty="0" smtClean="0">
@@ -9358,6 +9917,62 @@
                 </a:uFill>
                 <a:latin typeface="Franklin Gothic Medium"/>
               </a:rPr>
+              <a:t> Whoosh </a:t>
+            </a:r>
+            <a:r>
+              <a:rPr lang="en-US" sz="2800" spc="-1" dirty="0" err="1" smtClean="0">
+                <a:solidFill>
+                  <a:srgbClr val="404040"/>
+                </a:solidFill>
+                <a:uFill>
+                  <a:solidFill>
+                    <a:srgbClr val="FFFFFF"/>
+                  </a:solidFill>
+                </a:uFill>
+                <a:latin typeface="Franklin Gothic Medium"/>
+              </a:rPr>
+              <a:t>mette</a:t>
+            </a:r>
+            <a:r>
+              <a:rPr lang="en-US" sz="2800" spc="-1" dirty="0" smtClean="0">
+                <a:solidFill>
+                  <a:srgbClr val="404040"/>
+                </a:solidFill>
+                <a:uFill>
+                  <a:solidFill>
+                    <a:srgbClr val="FFFFFF"/>
+                  </a:solidFill>
+                </a:uFill>
+                <a:latin typeface="Franklin Gothic Medium"/>
+              </a:rPr>
+              <a:t> a </a:t>
+            </a:r>
+            <a:r>
+              <a:rPr lang="en-US" sz="2800" spc="-1" dirty="0" err="1" smtClean="0">
+                <a:solidFill>
+                  <a:srgbClr val="404040"/>
+                </a:solidFill>
+                <a:uFill>
+                  <a:solidFill>
+                    <a:srgbClr val="FFFFFF"/>
+                  </a:solidFill>
+                </a:uFill>
+                <a:latin typeface="Franklin Gothic Medium"/>
+              </a:rPr>
+              <a:t>disposizione</a:t>
+            </a:r>
+            <a:r>
+              <a:rPr lang="en-US" sz="2800" spc="-1" dirty="0" smtClean="0">
+                <a:solidFill>
+                  <a:srgbClr val="404040"/>
+                </a:solidFill>
+                <a:uFill>
+                  <a:solidFill>
+                    <a:srgbClr val="FFFFFF"/>
+                  </a:solidFill>
+                </a:uFill>
+                <a:latin typeface="Franklin Gothic Medium"/>
+              </a:rPr>
               <a:t> </a:t>
             </a:r>
             <a:r>
@@ -9372,7 +9987,7 @@
                 </a:uFill>
                 <a:latin typeface="Franklin Gothic Medium"/>
               </a:rPr>
-              <a:t>libreria</a:t>
+              <a:t>il</a:t>
             </a:r>
             <a:r>
               <a:rPr lang="en-US" sz="2800" spc="-1" dirty="0" smtClean="0">
@@ -9386,7 +10001,7 @@
                 </a:uFill>
                 <a:latin typeface="Franklin Gothic Medium"/>
               </a:rPr>
-              <a:t> Whoosh </a:t>
+              <a:t> </a:t>
             </a:r>
             <a:r>
               <a:rPr lang="en-US" sz="2800" spc="-1" dirty="0" err="1" smtClean="0">
@@ -9400,6 +10015,118 @@
                 </a:uFill>
                 <a:latin typeface="Franklin Gothic Medium"/>
               </a:rPr>
+              <a:t>metodo</a:t>
+            </a:r>
+            <a:r>
+              <a:rPr lang="en-US" sz="2800" spc="-1" dirty="0" smtClean="0">
+                <a:solidFill>
+                  <a:srgbClr val="404040"/>
+                </a:solidFill>
+                <a:uFill>
+                  <a:solidFill>
+                    <a:srgbClr val="FFFFFF"/>
+                  </a:solidFill>
+                </a:uFill>
+                <a:latin typeface="Franklin Gothic Medium"/>
+              </a:rPr>
+              <a:t> </a:t>
+            </a:r>
+            <a:r>
+              <a:rPr lang="en-US" sz="2800" spc="-1" dirty="0" err="1" smtClean="0">
+                <a:solidFill>
+                  <a:srgbClr val="404040"/>
+                </a:solidFill>
+                <a:uFill>
+                  <a:solidFill>
+                    <a:srgbClr val="FFFFFF"/>
+                  </a:solidFill>
+                </a:uFill>
+                <a:latin typeface="Franklin Gothic Medium"/>
+              </a:rPr>
+              <a:t>correct_query</a:t>
+            </a:r>
+            <a:r>
+              <a:rPr lang="en-US" sz="2800" spc="-1" dirty="0" smtClean="0">
+                <a:solidFill>
+                  <a:srgbClr val="404040"/>
+                </a:solidFill>
+                <a:uFill>
+                  <a:solidFill>
+                    <a:srgbClr val="FFFFFF"/>
+                  </a:solidFill>
+                </a:uFill>
+                <a:latin typeface="Franklin Gothic Medium"/>
+              </a:rPr>
+              <a:t>(</a:t>
+            </a:r>
+            <a:r>
+              <a:rPr lang="en-US" sz="2800" spc="-1" dirty="0" err="1" smtClean="0">
+                <a:solidFill>
+                  <a:srgbClr val="404040"/>
+                </a:solidFill>
+                <a:uFill>
+                  <a:solidFill>
+                    <a:srgbClr val="FFFFFF"/>
+                  </a:solidFill>
+                </a:uFill>
+                <a:latin typeface="Franklin Gothic Medium"/>
+              </a:rPr>
+              <a:t>parsedQuery</a:t>
+            </a:r>
+            <a:r>
+              <a:rPr lang="en-US" sz="2800" spc="-1" dirty="0" smtClean="0">
+                <a:solidFill>
+                  <a:srgbClr val="404040"/>
+                </a:solidFill>
+                <a:uFill>
+                  <a:solidFill>
+                    <a:srgbClr val="FFFFFF"/>
+                  </a:solidFill>
+                </a:uFill>
+                <a:latin typeface="Franklin Gothic Medium"/>
+              </a:rPr>
+              <a:t>, </a:t>
+            </a:r>
+            <a:r>
+              <a:rPr lang="en-US" sz="2800" spc="-1" dirty="0" err="1" smtClean="0">
+                <a:solidFill>
+                  <a:srgbClr val="404040"/>
+                </a:solidFill>
+                <a:uFill>
+                  <a:solidFill>
+                    <a:srgbClr val="FFFFFF"/>
+                  </a:solidFill>
+                </a:uFill>
+                <a:latin typeface="Franklin Gothic Medium"/>
+              </a:rPr>
+              <a:t>originalQuery</a:t>
+            </a:r>
+            <a:r>
+              <a:rPr lang="en-US" sz="2800" spc="-1" dirty="0" smtClean="0">
+                <a:solidFill>
+                  <a:srgbClr val="404040"/>
+                </a:solidFill>
+                <a:uFill>
+                  <a:solidFill>
+                    <a:srgbClr val="FFFFFF"/>
+                  </a:solidFill>
+                </a:uFill>
+                <a:latin typeface="Franklin Gothic Medium"/>
+              </a:rPr>
+              <a:t>) </a:t>
+            </a:r>
+            <a:r>
+              <a:rPr lang="en-US" sz="2800" spc="-1" dirty="0" err="1" smtClean="0">
+                <a:solidFill>
+                  <a:srgbClr val="404040"/>
+                </a:solidFill>
+                <a:uFill>
+                  <a:solidFill>
+                    <a:srgbClr val="FFFFFF"/>
+                  </a:solidFill>
+                </a:uFill>
+                <a:latin typeface="Franklin Gothic Medium"/>
+              </a:rPr>
               <a:t>che</a:t>
             </a:r>
             <a:r>
@@ -9428,7 +10155,7 @@
                 </a:uFill>
                 <a:latin typeface="Franklin Gothic Medium"/>
               </a:rPr>
-              <a:t>mette</a:t>
+              <a:t>ritorna</a:t>
             </a:r>
             <a:r>
               <a:rPr lang="en-US" sz="2800" spc="-1" dirty="0" smtClean="0">
@@ -9442,7 +10169,7 @@
                 </a:uFill>
                 <a:latin typeface="Franklin Gothic Medium"/>
               </a:rPr>
-              <a:t> a </a:t>
+              <a:t> un </a:t>
             </a:r>
             <a:r>
               <a:rPr lang="en-US" sz="2800" spc="-1" dirty="0" err="1" smtClean="0">
@@ -9456,7 +10183,7 @@
                 </a:uFill>
                 <a:latin typeface="Franklin Gothic Medium"/>
               </a:rPr>
-              <a:t>disposizione</a:t>
+              <a:t>oggetto</a:t>
             </a:r>
             <a:r>
               <a:rPr lang="en-US" sz="2800" spc="-1" dirty="0" smtClean="0">
@@ -9470,6 +10197,34 @@
                 </a:uFill>
                 <a:latin typeface="Franklin Gothic Medium"/>
               </a:rPr>
+              <a:t> con </a:t>
+            </a:r>
+            <a:r>
+              <a:rPr lang="en-US" sz="2800" spc="-1" dirty="0" err="1" smtClean="0">
+                <a:solidFill>
+                  <a:srgbClr val="404040"/>
+                </a:solidFill>
+                <a:uFill>
+                  <a:solidFill>
+                    <a:srgbClr val="FFFFFF"/>
+                  </a:solidFill>
+                </a:uFill>
+                <a:latin typeface="Franklin Gothic Medium"/>
+              </a:rPr>
+              <a:t>i</a:t>
+            </a:r>
+            <a:r>
+              <a:rPr lang="en-US" sz="2800" spc="-1" dirty="0" smtClean="0">
+                <a:solidFill>
+                  <a:srgbClr val="404040"/>
+                </a:solidFill>
+                <a:uFill>
+                  <a:solidFill>
+                    <a:srgbClr val="FFFFFF"/>
+                  </a:solidFill>
+                </a:uFill>
+                <a:latin typeface="Franklin Gothic Medium"/>
+              </a:rPr>
               <a:t> </a:t>
             </a:r>
             <a:r>
@@ -9484,7 +10239,7 @@
                 </a:uFill>
                 <a:latin typeface="Franklin Gothic Medium"/>
               </a:rPr>
-              <a:t>l’oggetto</a:t>
+              <a:t>seguenti</a:t>
             </a:r>
             <a:r>
               <a:rPr lang="en-US" sz="2800" spc="-1" dirty="0" smtClean="0">
@@ -9500,6 +10255,128 @@
               </a:rPr>
               <a:t> </a:t>
             </a:r>
+            <a:r>
+              <a:rPr lang="en-US" sz="2800" spc="-1" dirty="0" err="1" smtClean="0">
+                <a:solidFill>
+                  <a:srgbClr val="404040"/>
+                </a:solidFill>
+                <a:uFill>
+                  <a:solidFill>
+                    <a:srgbClr val="FFFFFF"/>
+                  </a:solidFill>
+                </a:uFill>
+                <a:latin typeface="Franklin Gothic Medium"/>
+              </a:rPr>
+              <a:t>attributi</a:t>
+            </a:r>
+            <a:r>
+              <a:rPr lang="en-US" sz="2800" spc="-1" dirty="0" smtClean="0">
+                <a:solidFill>
+                  <a:srgbClr val="404040"/>
+                </a:solidFill>
+                <a:uFill>
+                  <a:solidFill>
+                    <a:srgbClr val="FFFFFF"/>
+                  </a:solidFill>
+                </a:uFill>
+                <a:latin typeface="Franklin Gothic Medium"/>
+              </a:rPr>
+              <a:t>:</a:t>
+            </a:r>
+          </a:p>
+          <a:p>
+            <a:pPr marL="914400" lvl="1" indent="-457200">
+              <a:buFont typeface="Wingdings" panose="05000000000000000000" pitchFamily="2" charset="2"/>
+              <a:buChar char="§"/>
+            </a:pPr>
+            <a:r>
+              <a:rPr lang="en-US" sz="2800" spc="-1" dirty="0" smtClean="0">
+                <a:solidFill>
+                  <a:srgbClr val="404040"/>
+                </a:solidFill>
+                <a:uFill>
+                  <a:solidFill>
+                    <a:srgbClr val="FFFFFF"/>
+                  </a:solidFill>
+                </a:uFill>
+                <a:latin typeface="Franklin Gothic Medium"/>
+              </a:rPr>
+              <a:t>query </a:t>
+            </a:r>
+          </a:p>
+          <a:p>
+            <a:pPr marL="914400" lvl="1" indent="-457200">
+              <a:buFont typeface="Wingdings" panose="05000000000000000000" pitchFamily="2" charset="2"/>
+              <a:buChar char="§"/>
+            </a:pPr>
+            <a:r>
+              <a:rPr lang="en-US" sz="2800" spc="-1" dirty="0" smtClean="0">
+                <a:solidFill>
+                  <a:srgbClr val="404040"/>
+                </a:solidFill>
+                <a:uFill>
+                  <a:solidFill>
+                    <a:srgbClr val="FFFFFF"/>
+                  </a:solidFill>
+                </a:uFill>
+                <a:latin typeface="Franklin Gothic Medium"/>
+              </a:rPr>
+              <a:t>string </a:t>
+            </a:r>
+          </a:p>
+          <a:p>
+            <a:pPr marL="914400" lvl="1" indent="-457200">
+              <a:buFont typeface="Wingdings" panose="05000000000000000000" pitchFamily="2" charset="2"/>
+              <a:buChar char="§"/>
+            </a:pPr>
+            <a:r>
+              <a:rPr lang="en-US" sz="2800" spc="-1" dirty="0" smtClean="0">
+                <a:solidFill>
+                  <a:srgbClr val="404040"/>
+                </a:solidFill>
+                <a:uFill>
+                  <a:solidFill>
+                    <a:srgbClr val="FFFFFF"/>
+                  </a:solidFill>
+                </a:uFill>
+                <a:latin typeface="Franklin Gothic Medium"/>
+              </a:rPr>
+              <a:t>tokens </a:t>
+            </a:r>
+          </a:p>
+          <a:p>
+            <a:pPr marL="457200" indent="-457200">
+              <a:buFont typeface="Arial" panose="020B0604020202020204" pitchFamily="34" charset="0"/>
+              <a:buChar char="•"/>
+            </a:pPr>
+            <a:endParaRPr lang="en-US" sz="2800" spc="-1" dirty="0" smtClean="0">
+              <a:solidFill>
+                <a:srgbClr val="404040"/>
+              </a:solidFill>
+              <a:uFill>
+                <a:solidFill>
+                  <a:srgbClr val="FFFFFF"/>
+                </a:solidFill>
+              </a:uFill>
+              <a:latin typeface="Franklin Gothic Medium"/>
+            </a:endParaRPr>
+          </a:p>
+          <a:p>
+            <a:pPr marL="457200" indent="-457200">
+              <a:buFont typeface="Arial" panose="020B0604020202020204" pitchFamily="34" charset="0"/>
+              <a:buChar char="•"/>
+            </a:pPr>
+            <a:endParaRPr lang="en-US" sz="2800" spc="-1" dirty="0" smtClean="0">
+              <a:solidFill>
+                <a:srgbClr val="404040"/>
+              </a:solidFill>
+              <a:uFill>
+                <a:solidFill>
+                  <a:srgbClr val="FFFFFF"/>
+                </a:solidFill>
+              </a:uFill>
+              <a:latin typeface="Franklin Gothic Medium"/>
+            </a:endParaRPr>
           </a:p>
         </p:txBody>
       </p:sp>
@@ -10682,6 +11559,10 @@
           <a:bodyPr/>
           <a:lstStyle/>
           <a:p>
+            <a:pPr marL="457200" indent="-457200">
+              <a:buFont typeface="Wingdings" panose="05000000000000000000" pitchFamily="2" charset="2"/>
+              <a:buChar char="§"/>
+            </a:pPr>
             <a:r>
               <a:rPr lang="en-US" sz="2800" spc="-1" dirty="0" smtClean="0">
                 <a:solidFill>
@@ -10694,7 +11575,7 @@
                 </a:uFill>
                 <a:latin typeface="Franklin Gothic Medium"/>
               </a:rPr>
-              <a:t>Grazie </a:t>
+              <a:t>La </a:t>
             </a:r>
             <a:r>
               <a:rPr lang="en-US" sz="2800" spc="-1" dirty="0" err="1" smtClean="0">
@@ -10708,7 +11589,7 @@
                 </a:uFill>
                 <a:latin typeface="Franklin Gothic Medium"/>
               </a:rPr>
-              <a:t>alla</a:t>
+              <a:t>libreria</a:t>
             </a:r>
             <a:r>
               <a:rPr lang="en-US" sz="2800" spc="-1" dirty="0" smtClean="0">
@@ -10736,7 +11617,7 @@
                 </a:uFill>
                 <a:latin typeface="Franklin Gothic Medium"/>
               </a:rPr>
-              <a:t>libreria</a:t>
+              <a:t>nltk</a:t>
             </a:r>
             <a:r>
               <a:rPr lang="en-US" sz="2800" spc="-1" dirty="0" smtClean="0">
@@ -10764,7 +11645,7 @@
                 </a:uFill>
                 <a:latin typeface="Franklin Gothic Medium"/>
               </a:rPr>
-              <a:t>nltk</a:t>
+              <a:t>mette</a:t>
             </a:r>
             <a:r>
               <a:rPr lang="en-US" sz="2800" spc="-1" dirty="0" smtClean="0">
@@ -10778,6 +11659,34 @@
                 </a:uFill>
                 <a:latin typeface="Franklin Gothic Medium"/>
               </a:rPr>
+              <a:t> a </a:t>
+            </a:r>
+            <a:r>
+              <a:rPr lang="en-US" sz="2800" spc="-1" dirty="0" err="1" smtClean="0">
+                <a:solidFill>
+                  <a:srgbClr val="404040"/>
+                </a:solidFill>
+                <a:uFill>
+                  <a:solidFill>
+                    <a:srgbClr val="FFFFFF"/>
+                  </a:solidFill>
+                </a:uFill>
+                <a:latin typeface="Franklin Gothic Medium"/>
+              </a:rPr>
+              <a:t>disposizione</a:t>
+            </a:r>
+            <a:r>
+              <a:rPr lang="en-US" sz="2800" spc="-1" dirty="0" smtClean="0">
+                <a:solidFill>
+                  <a:srgbClr val="404040"/>
+                </a:solidFill>
+                <a:uFill>
+                  <a:solidFill>
+                    <a:srgbClr val="FFFFFF"/>
+                  </a:solidFill>
+                </a:uFill>
+                <a:latin typeface="Franklin Gothic Medium"/>
+              </a:rPr>
               <a:t> </a:t>
             </a:r>
             <a:r>
@@ -10792,9 +11701,107 @@
                 </a:uFill>
                 <a:latin typeface="Franklin Gothic Medium"/>
               </a:rPr>
+              <a:t>il</a:t>
+            </a:r>
+            <a:r>
+              <a:rPr lang="en-US" sz="2800" spc="-1" dirty="0" smtClean="0">
+                <a:solidFill>
+                  <a:srgbClr val="404040"/>
+                </a:solidFill>
+                <a:uFill>
+                  <a:solidFill>
+                    <a:srgbClr val="FFFFFF"/>
+                  </a:solidFill>
+                </a:uFill>
+                <a:latin typeface="Franklin Gothic Medium"/>
+              </a:rPr>
+              <a:t> </a:t>
+            </a:r>
+            <a:r>
+              <a:rPr lang="en-US" sz="2800" spc="-1" dirty="0" err="1" smtClean="0">
+                <a:solidFill>
+                  <a:srgbClr val="404040"/>
+                </a:solidFill>
+                <a:uFill>
+                  <a:solidFill>
+                    <a:srgbClr val="FFFFFF"/>
+                  </a:solidFill>
+                </a:uFill>
+                <a:latin typeface="Franklin Gothic Medium"/>
+              </a:rPr>
+              <a:t>metodo</a:t>
+            </a:r>
+            <a:r>
+              <a:rPr lang="en-US" sz="2800" spc="-1" dirty="0" smtClean="0">
+                <a:solidFill>
+                  <a:srgbClr val="404040"/>
+                </a:solidFill>
+                <a:uFill>
+                  <a:solidFill>
+                    <a:srgbClr val="FFFFFF"/>
+                  </a:solidFill>
+                </a:uFill>
+                <a:latin typeface="Franklin Gothic Medium"/>
+              </a:rPr>
+              <a:t> </a:t>
+            </a:r>
+            <a:r>
+              <a:rPr lang="en-US" sz="2800" spc="-1" dirty="0" err="1" smtClean="0">
+                <a:solidFill>
+                  <a:srgbClr val="404040"/>
+                </a:solidFill>
+                <a:uFill>
+                  <a:solidFill>
+                    <a:srgbClr val="FFFFFF"/>
+                  </a:solidFill>
+                </a:uFill>
+                <a:latin typeface="Franklin Gothic Medium"/>
+              </a:rPr>
+              <a:t>ngrams</a:t>
+            </a:r>
+            <a:r>
+              <a:rPr lang="en-US" sz="2800" spc="-1" dirty="0" smtClean="0">
+                <a:solidFill>
+                  <a:srgbClr val="404040"/>
+                </a:solidFill>
+                <a:uFill>
+                  <a:solidFill>
+                    <a:srgbClr val="FFFFFF"/>
+                  </a:solidFill>
+                </a:uFill>
+                <a:latin typeface="Franklin Gothic Medium"/>
+              </a:rPr>
+              <a:t>(word, q) </a:t>
+            </a:r>
+            <a:r>
+              <a:rPr lang="en-US" sz="2800" spc="-1" dirty="0" err="1" smtClean="0">
+                <a:solidFill>
+                  <a:srgbClr val="404040"/>
+                </a:solidFill>
+                <a:uFill>
+                  <a:solidFill>
+                    <a:srgbClr val="FFFFFF"/>
+                  </a:solidFill>
+                </a:uFill>
+                <a:latin typeface="Franklin Gothic Medium"/>
+              </a:rPr>
               <a:t>che</a:t>
             </a:r>
             <a:r>
+              <a:rPr lang="en-US" sz="2800" spc="-1" dirty="0">
+                <a:solidFill>
+                  <a:srgbClr val="404040"/>
+                </a:solidFill>
+                <a:uFill>
+                  <a:solidFill>
+                    <a:srgbClr val="FFFFFF"/>
+                  </a:solidFill>
+                </a:uFill>
+                <a:latin typeface="Franklin Gothic Medium"/>
+              </a:rPr>
+              <a:t> </a:t>
+            </a:r>
+            <a:r>
               <a:rPr lang="en-US" sz="2800" spc="-1" dirty="0" smtClean="0">
                 <a:solidFill>
                   <a:srgbClr val="404040"/>
@@ -10806,6 +11813,135 @@
                 </a:uFill>
                 <a:latin typeface="Franklin Gothic Medium"/>
               </a:rPr>
+              <a:t>divide la </a:t>
+            </a:r>
+            <a:r>
+              <a:rPr lang="en-US" sz="2800" spc="-1" dirty="0" err="1" smtClean="0">
+                <a:solidFill>
+                  <a:srgbClr val="404040"/>
+                </a:solidFill>
+                <a:uFill>
+                  <a:solidFill>
+                    <a:srgbClr val="FFFFFF"/>
+                  </a:solidFill>
+                </a:uFill>
+                <a:latin typeface="Franklin Gothic Medium"/>
+              </a:rPr>
+              <a:t>parola</a:t>
+            </a:r>
+            <a:r>
+              <a:rPr lang="en-US" sz="2800" spc="-1" dirty="0" smtClean="0">
+                <a:solidFill>
+                  <a:srgbClr val="404040"/>
+                </a:solidFill>
+                <a:uFill>
+                  <a:solidFill>
+                    <a:srgbClr val="FFFFFF"/>
+                  </a:solidFill>
+                </a:uFill>
+                <a:latin typeface="Franklin Gothic Medium"/>
+              </a:rPr>
+              <a:t> in grams di </a:t>
+            </a:r>
+            <a:r>
+              <a:rPr lang="en-US" sz="2800" spc="-1" dirty="0" err="1" smtClean="0">
+                <a:solidFill>
+                  <a:srgbClr val="404040"/>
+                </a:solidFill>
+                <a:uFill>
+                  <a:solidFill>
+                    <a:srgbClr val="FFFFFF"/>
+                  </a:solidFill>
+                </a:uFill>
+                <a:latin typeface="Franklin Gothic Medium"/>
+              </a:rPr>
+              <a:t>lunghezza</a:t>
+            </a:r>
+            <a:r>
+              <a:rPr lang="en-US" sz="2800" spc="-1" dirty="0" smtClean="0">
+                <a:solidFill>
+                  <a:srgbClr val="404040"/>
+                </a:solidFill>
+                <a:uFill>
+                  <a:solidFill>
+                    <a:srgbClr val="FFFFFF"/>
+                  </a:solidFill>
+                </a:uFill>
+                <a:latin typeface="Franklin Gothic Medium"/>
+              </a:rPr>
+              <a:t> q (bigrams, trigrams, … )</a:t>
+            </a:r>
+            <a:r>
+              <a:rPr lang="en-US" sz="2800" spc="-1" dirty="0">
+                <a:solidFill>
+                  <a:srgbClr val="404040"/>
+                </a:solidFill>
+                <a:uFill>
+                  <a:solidFill>
+                    <a:srgbClr val="FFFFFF"/>
+                  </a:solidFill>
+                </a:uFill>
+                <a:latin typeface="Franklin Gothic Medium"/>
+              </a:rPr>
+              <a:t>.</a:t>
+            </a:r>
+            <a:endParaRPr lang="en-US" sz="2800" spc="-1" dirty="0" smtClean="0">
+              <a:solidFill>
+                <a:srgbClr val="404040"/>
+              </a:solidFill>
+              <a:uFill>
+                <a:solidFill>
+                  <a:srgbClr val="FFFFFF"/>
+                </a:solidFill>
+              </a:uFill>
+              <a:latin typeface="Franklin Gothic Medium"/>
+            </a:endParaRPr>
+          </a:p>
+          <a:p>
+            <a:pPr marL="457200" indent="-457200">
+              <a:buFont typeface="Wingdings" panose="05000000000000000000" pitchFamily="2" charset="2"/>
+              <a:buChar char="§"/>
+            </a:pPr>
+            <a:r>
+              <a:rPr lang="en-US" sz="2800" spc="-1" dirty="0" smtClean="0">
+                <a:solidFill>
+                  <a:srgbClr val="404040"/>
+                </a:solidFill>
+                <a:uFill>
+                  <a:solidFill>
+                    <a:srgbClr val="FFFFFF"/>
+                  </a:solidFill>
+                </a:uFill>
+                <a:latin typeface="Franklin Gothic Medium"/>
+              </a:rPr>
+              <a:t>I grams </a:t>
+            </a:r>
+            <a:r>
+              <a:rPr lang="en-US" sz="2800" spc="-1" dirty="0" err="1" smtClean="0">
+                <a:solidFill>
+                  <a:srgbClr val="404040"/>
+                </a:solidFill>
+                <a:uFill>
+                  <a:solidFill>
+                    <a:srgbClr val="FFFFFF"/>
+                  </a:solidFill>
+                </a:uFill>
+                <a:latin typeface="Franklin Gothic Medium"/>
+              </a:rPr>
+              <a:t>vengono</a:t>
+            </a:r>
+            <a:r>
+              <a:rPr lang="en-US" sz="2800" spc="-1" dirty="0" smtClean="0">
+                <a:solidFill>
+                  <a:srgbClr val="404040"/>
+                </a:solidFill>
+                <a:uFill>
+                  <a:solidFill>
+                    <a:srgbClr val="FFFFFF"/>
+                  </a:solidFill>
+                </a:uFill>
+                <a:latin typeface="Franklin Gothic Medium"/>
+              </a:rPr>
               <a:t> </a:t>
             </a:r>
             <a:r>
@@ -10820,7 +11956,7 @@
                 </a:uFill>
                 <a:latin typeface="Franklin Gothic Medium"/>
               </a:rPr>
-              <a:t>mette</a:t>
+              <a:t>confrontati</a:t>
             </a:r>
             <a:r>
               <a:rPr lang="en-US" sz="2800" spc="-1" dirty="0" smtClean="0">
@@ -10834,7 +11970,7 @@
                 </a:uFill>
                 <a:latin typeface="Franklin Gothic Medium"/>
               </a:rPr>
-              <a:t> a </a:t>
+              <a:t> con </a:t>
             </a:r>
             <a:r>
               <a:rPr lang="en-US" sz="2800" spc="-1" dirty="0" err="1" smtClean="0">
@@ -10848,7 +11984,7 @@
                 </a:uFill>
                 <a:latin typeface="Franklin Gothic Medium"/>
               </a:rPr>
-              <a:t>disposizione</a:t>
+              <a:t>i</a:t>
             </a:r>
             <a:r>
               <a:rPr lang="en-US" sz="2800" spc="-1" dirty="0" smtClean="0">
@@ -10862,8 +11998,417 @@
                 </a:uFill>
                 <a:latin typeface="Franklin Gothic Medium"/>
               </a:rPr>
+              <a:t> grams di parole </a:t>
+            </a:r>
+            <a:r>
+              <a:rPr lang="en-US" sz="2800" spc="-1" dirty="0" err="1" smtClean="0">
+                <a:solidFill>
+                  <a:srgbClr val="404040"/>
+                </a:solidFill>
+                <a:uFill>
+                  <a:solidFill>
+                    <a:srgbClr val="FFFFFF"/>
+                  </a:solidFill>
+                </a:uFill>
+                <a:latin typeface="Franklin Gothic Medium"/>
+              </a:rPr>
+              <a:t>presenti</a:t>
+            </a:r>
+            <a:r>
+              <a:rPr lang="en-US" sz="2800" spc="-1" dirty="0" smtClean="0">
+                <a:solidFill>
+                  <a:srgbClr val="404040"/>
+                </a:solidFill>
+                <a:uFill>
+                  <a:solidFill>
+                    <a:srgbClr val="FFFFFF"/>
+                  </a:solidFill>
+                </a:uFill>
+                <a:latin typeface="Franklin Gothic Medium"/>
+              </a:rPr>
+              <a:t> in un </a:t>
+            </a:r>
+            <a:r>
+              <a:rPr lang="en-US" sz="2800" spc="-1" dirty="0" err="1" smtClean="0">
+                <a:solidFill>
+                  <a:srgbClr val="404040"/>
+                </a:solidFill>
+                <a:uFill>
+                  <a:solidFill>
+                    <a:srgbClr val="FFFFFF"/>
+                  </a:solidFill>
+                </a:uFill>
+                <a:latin typeface="Franklin Gothic Medium"/>
+              </a:rPr>
+              <a:t>dizionario</a:t>
+            </a:r>
+            <a:r>
+              <a:rPr lang="en-US" sz="2800" spc="-1" dirty="0" smtClean="0">
+                <a:solidFill>
+                  <a:srgbClr val="404040"/>
+                </a:solidFill>
+                <a:uFill>
+                  <a:solidFill>
+                    <a:srgbClr val="FFFFFF"/>
+                  </a:solidFill>
+                </a:uFill>
+                <a:latin typeface="Franklin Gothic Medium"/>
+              </a:rPr>
+              <a:t> e </a:t>
+            </a:r>
+            <a:r>
+              <a:rPr lang="en-US" sz="2800" spc="-1" dirty="0" err="1" smtClean="0">
+                <a:solidFill>
+                  <a:srgbClr val="404040"/>
+                </a:solidFill>
+                <a:uFill>
+                  <a:solidFill>
+                    <a:srgbClr val="FFFFFF"/>
+                  </a:solidFill>
+                </a:uFill>
+                <a:latin typeface="Franklin Gothic Medium"/>
+              </a:rPr>
+              <a:t>viene</a:t>
+            </a:r>
+            <a:r>
+              <a:rPr lang="en-US" sz="2800" spc="-1" dirty="0" smtClean="0">
+                <a:solidFill>
+                  <a:srgbClr val="404040"/>
+                </a:solidFill>
+                <a:uFill>
+                  <a:solidFill>
+                    <a:srgbClr val="FFFFFF"/>
+                  </a:solidFill>
+                </a:uFill>
+                <a:latin typeface="Franklin Gothic Medium"/>
+              </a:rPr>
               <a:t> </a:t>
             </a:r>
+            <a:r>
+              <a:rPr lang="en-US" sz="2800" spc="-1" dirty="0" err="1" smtClean="0">
+                <a:solidFill>
+                  <a:srgbClr val="404040"/>
+                </a:solidFill>
+                <a:uFill>
+                  <a:solidFill>
+                    <a:srgbClr val="FFFFFF"/>
+                  </a:solidFill>
+                </a:uFill>
+                <a:latin typeface="Franklin Gothic Medium"/>
+              </a:rPr>
+              <a:t>scelta</a:t>
+            </a:r>
+            <a:r>
+              <a:rPr lang="en-US" sz="2800" spc="-1" dirty="0" smtClean="0">
+                <a:solidFill>
+                  <a:srgbClr val="404040"/>
+                </a:solidFill>
+                <a:uFill>
+                  <a:solidFill>
+                    <a:srgbClr val="FFFFFF"/>
+                  </a:solidFill>
+                </a:uFill>
+                <a:latin typeface="Franklin Gothic Medium"/>
+              </a:rPr>
+              <a:t> come </a:t>
+            </a:r>
+            <a:r>
+              <a:rPr lang="en-US" sz="2800" spc="-1" dirty="0" err="1" smtClean="0">
+                <a:solidFill>
+                  <a:srgbClr val="404040"/>
+                </a:solidFill>
+                <a:uFill>
+                  <a:solidFill>
+                    <a:srgbClr val="FFFFFF"/>
+                  </a:solidFill>
+                </a:uFill>
+                <a:latin typeface="Franklin Gothic Medium"/>
+              </a:rPr>
+              <a:t>parola</a:t>
+            </a:r>
+            <a:r>
+              <a:rPr lang="en-US" sz="2800" spc="-1" dirty="0" smtClean="0">
+                <a:solidFill>
+                  <a:srgbClr val="404040"/>
+                </a:solidFill>
+                <a:uFill>
+                  <a:solidFill>
+                    <a:srgbClr val="FFFFFF"/>
+                  </a:solidFill>
+                </a:uFill>
+                <a:latin typeface="Franklin Gothic Medium"/>
+              </a:rPr>
+              <a:t> </a:t>
+            </a:r>
+            <a:r>
+              <a:rPr lang="en-US" sz="2800" spc="-1" dirty="0" err="1" smtClean="0">
+                <a:solidFill>
+                  <a:srgbClr val="404040"/>
+                </a:solidFill>
+                <a:uFill>
+                  <a:solidFill>
+                    <a:srgbClr val="FFFFFF"/>
+                  </a:solidFill>
+                </a:uFill>
+                <a:latin typeface="Franklin Gothic Medium"/>
+              </a:rPr>
+              <a:t>corretta</a:t>
+            </a:r>
+            <a:r>
+              <a:rPr lang="en-US" sz="2800" spc="-1" dirty="0" smtClean="0">
+                <a:solidFill>
+                  <a:srgbClr val="404040"/>
+                </a:solidFill>
+                <a:uFill>
+                  <a:solidFill>
+                    <a:srgbClr val="FFFFFF"/>
+                  </a:solidFill>
+                </a:uFill>
+                <a:latin typeface="Franklin Gothic Medium"/>
+              </a:rPr>
+              <a:t> </a:t>
+            </a:r>
+            <a:r>
+              <a:rPr lang="en-US" sz="2800" spc="-1" dirty="0" err="1" smtClean="0">
+                <a:solidFill>
+                  <a:srgbClr val="404040"/>
+                </a:solidFill>
+                <a:uFill>
+                  <a:solidFill>
+                    <a:srgbClr val="FFFFFF"/>
+                  </a:solidFill>
+                </a:uFill>
+                <a:latin typeface="Franklin Gothic Medium"/>
+              </a:rPr>
+              <a:t>quella</a:t>
+            </a:r>
+            <a:r>
+              <a:rPr lang="en-US" sz="2800" spc="-1" dirty="0" smtClean="0">
+                <a:solidFill>
+                  <a:srgbClr val="404040"/>
+                </a:solidFill>
+                <a:uFill>
+                  <a:solidFill>
+                    <a:srgbClr val="FFFFFF"/>
+                  </a:solidFill>
+                </a:uFill>
+                <a:latin typeface="Franklin Gothic Medium"/>
+              </a:rPr>
+              <a:t> </a:t>
+            </a:r>
+            <a:r>
+              <a:rPr lang="en-US" sz="2800" spc="-1" dirty="0" err="1" smtClean="0">
+                <a:solidFill>
+                  <a:srgbClr val="404040"/>
+                </a:solidFill>
+                <a:uFill>
+                  <a:solidFill>
+                    <a:srgbClr val="FFFFFF"/>
+                  </a:solidFill>
+                </a:uFill>
+                <a:latin typeface="Franklin Gothic Medium"/>
+              </a:rPr>
+              <a:t>che</a:t>
+            </a:r>
+            <a:r>
+              <a:rPr lang="en-US" sz="2800" spc="-1" dirty="0" smtClean="0">
+                <a:solidFill>
+                  <a:srgbClr val="404040"/>
+                </a:solidFill>
+                <a:uFill>
+                  <a:solidFill>
+                    <a:srgbClr val="FFFFFF"/>
+                  </a:solidFill>
+                </a:uFill>
+                <a:latin typeface="Franklin Gothic Medium"/>
+              </a:rPr>
+              <a:t> ha </a:t>
+            </a:r>
+            <a:r>
+              <a:rPr lang="en-US" sz="2800" spc="-1" dirty="0" err="1" smtClean="0">
+                <a:solidFill>
+                  <a:srgbClr val="404040"/>
+                </a:solidFill>
+                <a:uFill>
+                  <a:solidFill>
+                    <a:srgbClr val="FFFFFF"/>
+                  </a:solidFill>
+                </a:uFill>
+                <a:latin typeface="Franklin Gothic Medium"/>
+              </a:rPr>
+              <a:t>più</a:t>
+            </a:r>
+            <a:r>
+              <a:rPr lang="en-US" sz="2800" spc="-1" dirty="0" smtClean="0">
+                <a:solidFill>
+                  <a:srgbClr val="404040"/>
+                </a:solidFill>
+                <a:uFill>
+                  <a:solidFill>
+                    <a:srgbClr val="FFFFFF"/>
+                  </a:solidFill>
+                </a:uFill>
+                <a:latin typeface="Franklin Gothic Medium"/>
+              </a:rPr>
+              <a:t> grams in </a:t>
+            </a:r>
+            <a:r>
+              <a:rPr lang="en-US" sz="2800" spc="-1" dirty="0" err="1" smtClean="0">
+                <a:solidFill>
+                  <a:srgbClr val="404040"/>
+                </a:solidFill>
+                <a:uFill>
+                  <a:solidFill>
+                    <a:srgbClr val="FFFFFF"/>
+                  </a:solidFill>
+                </a:uFill>
+                <a:latin typeface="Franklin Gothic Medium"/>
+              </a:rPr>
+              <a:t>comune</a:t>
+            </a:r>
+            <a:r>
+              <a:rPr lang="en-US" sz="2800" spc="-1" dirty="0" smtClean="0">
+                <a:solidFill>
+                  <a:srgbClr val="404040"/>
+                </a:solidFill>
+                <a:uFill>
+                  <a:solidFill>
+                    <a:srgbClr val="FFFFFF"/>
+                  </a:solidFill>
+                </a:uFill>
+                <a:latin typeface="Franklin Gothic Medium"/>
+              </a:rPr>
+              <a:t> con </a:t>
+            </a:r>
+            <a:r>
+              <a:rPr lang="en-US" sz="2800" spc="-1" dirty="0" err="1" smtClean="0">
+                <a:solidFill>
+                  <a:srgbClr val="404040"/>
+                </a:solidFill>
+                <a:uFill>
+                  <a:solidFill>
+                    <a:srgbClr val="FFFFFF"/>
+                  </a:solidFill>
+                </a:uFill>
+                <a:latin typeface="Franklin Gothic Medium"/>
+              </a:rPr>
+              <a:t>quella</a:t>
+            </a:r>
+            <a:r>
+              <a:rPr lang="en-US" sz="2800" spc="-1" dirty="0" smtClean="0">
+                <a:solidFill>
+                  <a:srgbClr val="404040"/>
+                </a:solidFill>
+                <a:uFill>
+                  <a:solidFill>
+                    <a:srgbClr val="FFFFFF"/>
+                  </a:solidFill>
+                </a:uFill>
+                <a:latin typeface="Franklin Gothic Medium"/>
+              </a:rPr>
+              <a:t> </a:t>
+            </a:r>
+            <a:r>
+              <a:rPr lang="en-US" sz="2800" spc="-1" dirty="0" err="1" smtClean="0">
+                <a:solidFill>
+                  <a:srgbClr val="404040"/>
+                </a:solidFill>
+                <a:uFill>
+                  <a:solidFill>
+                    <a:srgbClr val="FFFFFF"/>
+                  </a:solidFill>
+                </a:uFill>
+                <a:latin typeface="Franklin Gothic Medium"/>
+              </a:rPr>
+              <a:t>immessa</a:t>
+            </a:r>
+            <a:r>
+              <a:rPr lang="en-US" sz="2800" spc="-1" dirty="0" smtClean="0">
+                <a:solidFill>
+                  <a:srgbClr val="404040"/>
+                </a:solidFill>
+                <a:uFill>
+                  <a:solidFill>
+                    <a:srgbClr val="FFFFFF"/>
+                  </a:solidFill>
+                </a:uFill>
+                <a:latin typeface="Franklin Gothic Medium"/>
+              </a:rPr>
+              <a:t> (</a:t>
+            </a:r>
+            <a:r>
+              <a:rPr lang="en-US" sz="2800" spc="-1" dirty="0" err="1" smtClean="0">
+                <a:solidFill>
+                  <a:srgbClr val="404040"/>
+                </a:solidFill>
+                <a:uFill>
+                  <a:solidFill>
+                    <a:srgbClr val="FFFFFF"/>
+                  </a:solidFill>
+                </a:uFill>
+                <a:latin typeface="Franklin Gothic Medium"/>
+              </a:rPr>
+              <a:t>Jaccard</a:t>
+            </a:r>
+            <a:r>
+              <a:rPr lang="en-US" sz="2800" spc="-1" dirty="0" smtClean="0">
+                <a:solidFill>
+                  <a:srgbClr val="404040"/>
+                </a:solidFill>
+                <a:uFill>
+                  <a:solidFill>
+                    <a:srgbClr val="FFFFFF"/>
+                  </a:solidFill>
+                </a:uFill>
+                <a:latin typeface="Franklin Gothic Medium"/>
+              </a:rPr>
+              <a:t> coefficient con threshold </a:t>
+            </a:r>
+            <a:r>
+              <a:rPr lang="en-US" sz="2800" spc="-1" dirty="0" err="1" smtClean="0">
+                <a:solidFill>
+                  <a:srgbClr val="404040"/>
+                </a:solidFill>
+                <a:uFill>
+                  <a:solidFill>
+                    <a:srgbClr val="FFFFFF"/>
+                  </a:solidFill>
+                </a:uFill>
+                <a:latin typeface="Franklin Gothic Medium"/>
+              </a:rPr>
+              <a:t>variabile</a:t>
+            </a:r>
+            <a:r>
+              <a:rPr lang="en-US" sz="2800" spc="-1" dirty="0" smtClean="0">
+                <a:solidFill>
+                  <a:srgbClr val="404040"/>
+                </a:solidFill>
+                <a:uFill>
+                  <a:solidFill>
+                    <a:srgbClr val="FFFFFF"/>
+                  </a:solidFill>
+                </a:uFill>
+                <a:latin typeface="Franklin Gothic Medium"/>
+              </a:rPr>
+              <a:t>).</a:t>
+            </a:r>
+          </a:p>
+          <a:p>
+            <a:pPr marL="457200" indent="-457200">
+              <a:buFont typeface="Wingdings" panose="05000000000000000000" pitchFamily="2" charset="2"/>
+              <a:buChar char="§"/>
+            </a:pPr>
+            <a:endParaRPr lang="en-US" sz="2800" spc="-1" dirty="0" smtClean="0">
+              <a:solidFill>
+                <a:srgbClr val="404040"/>
+              </a:solidFill>
+              <a:uFill>
+                <a:solidFill>
+                  <a:srgbClr val="FFFFFF"/>
+                </a:solidFill>
+              </a:uFill>
+              <a:latin typeface="Franklin Gothic Medium"/>
+            </a:endParaRPr>
           </a:p>
         </p:txBody>
       </p:sp>
@@ -10951,7 +12496,7 @@
           <a:lstStyle/>
           <a:p>
             <a:r>
-              <a:rPr lang="en-US" sz="3600" spc="-1" dirty="0" err="1">
+              <a:rPr lang="it-IT" sz="3600" spc="-1" dirty="0">
                 <a:solidFill>
                   <a:srgbClr val="FFFFFF"/>
                 </a:solidFill>
@@ -10962,10 +12507,14 @@
                 </a:uFill>
                 <a:latin typeface="Franklin Gothic Medium"/>
               </a:rPr>
-              <a:t>Codice</a:t>
-            </a:r>
-            <a:r>
-              <a:rPr lang="en-US" sz="3600" spc="-1" dirty="0">
+              <a:t>Codice:</a:t>
+            </a:r>
+            <a:r>
+              <a:rPr lang="it-IT" sz="3600" dirty="0"/>
+              <a:t> </a:t>
+            </a:r>
+            <a:r>
+              <a:rPr lang="it-IT" sz="3600" spc="-1" dirty="0">
                 <a:solidFill>
                   <a:srgbClr val="FFFFFF"/>
                 </a:solidFill>
@@ -10976,10 +12525,10 @@
                 </a:uFill>
                 <a:latin typeface="Franklin Gothic Medium"/>
               </a:rPr>
-              <a:t>: </a:t>
-            </a:r>
-            <a:r>
-              <a:rPr lang="en-US" sz="3600" spc="-1" dirty="0" smtClean="0">
+              <a:t>N-</a:t>
+            </a:r>
+            <a:r>
+              <a:rPr lang="it-IT" sz="3600" spc="-1" dirty="0" err="1">
                 <a:solidFill>
                   <a:srgbClr val="FFFFFF"/>
                 </a:solidFill>
@@ -10990,8 +12539,19 @@
                 </a:uFill>
                 <a:latin typeface="Franklin Gothic Medium"/>
               </a:rPr>
-              <a:t>N-Grams</a:t>
-            </a:r>
+              <a:t>Grams</a:t>
+            </a:r>
+            <a:endParaRPr lang="en-US" sz="3600" spc="-1" dirty="0">
+              <a:solidFill>
+                <a:srgbClr val="FFFFFF"/>
+              </a:solidFill>
+              <a:uFill>
+                <a:solidFill>
+                  <a:srgbClr val="FFFFFF"/>
+                </a:solidFill>
+              </a:uFill>
+              <a:latin typeface="Franklin Gothic Medium"/>
+            </a:endParaRPr>
           </a:p>
         </p:txBody>
       </p:sp>
@@ -11050,7 +12610,7 @@
                 </a:uFill>
                 <a:latin typeface="Franklin Gothic Medium" panose="020B0603020102020204" pitchFamily="34" charset="0"/>
               </a:rPr>
-              <a:t>ngramsCorrection</a:t>
+              <a:t>ngramsMatcher</a:t>
             </a:r>
             <a:r>
               <a:rPr lang="it-IT" sz="2400" spc="-1" dirty="0">
@@ -11092,10 +12652,10 @@
                 </a:uFill>
                 <a:latin typeface="Franklin Gothic Medium" panose="020B0603020102020204" pitchFamily="34" charset="0"/>
               </a:rPr>
-              <a:t>, query</a:t>
-            </a:r>
-            <a:r>
-              <a:rPr lang="it-IT" sz="2400" spc="-1" dirty="0" smtClean="0">
+              <a:t>, w, </a:t>
+            </a:r>
+            <a:r>
+              <a:rPr lang="it-IT" sz="2400" spc="-1" dirty="0" err="1">
                 <a:solidFill>
                   <a:srgbClr val="404040"/>
                 </a:solidFill>
@@ -11106,10 +12666,8 @@
                 </a:uFill>
                 <a:latin typeface="Franklin Gothic Medium" panose="020B0603020102020204" pitchFamily="34" charset="0"/>
               </a:rPr>
-              <a:t>):</a:t>
-            </a:r>
-          </a:p>
-          <a:p>
+              <a:t>thr</a:t>
+            </a:r>
             <a:r>
               <a:rPr lang="it-IT" sz="2400" spc="-1" dirty="0">
                 <a:solidFill>
@@ -11122,198 +12680,56 @@
                 </a:uFill>
                 <a:latin typeface="Franklin Gothic Medium" panose="020B0603020102020204" pitchFamily="34" charset="0"/>
               </a:rPr>
-              <a:t>	</a:t>
-            </a:r>
-            <a:r>
-              <a:rPr lang="it-IT" sz="2400" spc="-1" dirty="0" smtClean="0">
-                <a:solidFill>
-                  <a:srgbClr val="404040"/>
-                </a:solidFill>
-                <a:uFill>
-                  <a:solidFill>
-                    <a:srgbClr val="FFFFFF"/>
-                  </a:solidFill>
-                </a:uFill>
-                <a:latin typeface="Franklin Gothic Medium" panose="020B0603020102020204" pitchFamily="34" charset="0"/>
-              </a:rPr>
-              <a:t>. . .</a:t>
-            </a:r>
-          </a:p>
-          <a:p>
-            <a:r>
-              <a:rPr lang="it-IT" sz="2400" spc="-1" dirty="0">
-                <a:solidFill>
-                  <a:srgbClr val="404040"/>
-                </a:solidFill>
-                <a:uFill>
-                  <a:solidFill>
-                    <a:srgbClr val="FFFFFF"/>
-                  </a:solidFill>
-                </a:uFill>
-                <a:latin typeface="Franklin Gothic Medium" panose="020B0603020102020204" pitchFamily="34" charset="0"/>
-              </a:rPr>
-              <a:t>	</a:t>
-            </a:r>
-            <a:r>
-              <a:rPr lang="it-IT" sz="2400" spc="-1" dirty="0">
-                <a:solidFill>
-                  <a:srgbClr val="00B050"/>
-                </a:solidFill>
-                <a:uFill>
-                  <a:solidFill>
-                    <a:srgbClr val="FFFFFF"/>
-                  </a:solidFill>
-                </a:uFill>
-                <a:latin typeface="Franklin Gothic Medium" panose="020B0603020102020204" pitchFamily="34" charset="0"/>
-              </a:rPr>
-              <a:t># Try </a:t>
-            </a:r>
-            <a:r>
-              <a:rPr lang="it-IT" sz="2400" spc="-1" dirty="0" err="1">
-                <a:solidFill>
-                  <a:srgbClr val="00B050"/>
-                </a:solidFill>
-                <a:uFill>
-                  <a:solidFill>
-                    <a:srgbClr val="FFFFFF"/>
-                  </a:solidFill>
-                </a:uFill>
-                <a:latin typeface="Franklin Gothic Medium" panose="020B0603020102020204" pitchFamily="34" charset="0"/>
-              </a:rPr>
-              <a:t>correcting</a:t>
-            </a:r>
-            <a:r>
-              <a:rPr lang="it-IT" sz="2400" spc="-1" dirty="0">
-                <a:solidFill>
-                  <a:srgbClr val="00B050"/>
-                </a:solidFill>
-                <a:uFill>
-                  <a:solidFill>
-                    <a:srgbClr val="FFFFFF"/>
-                  </a:solidFill>
-                </a:uFill>
-                <a:latin typeface="Franklin Gothic Medium" panose="020B0603020102020204" pitchFamily="34" charset="0"/>
-              </a:rPr>
-              <a:t> the </a:t>
-            </a:r>
-            <a:r>
-              <a:rPr lang="it-IT" sz="2400" spc="-1" dirty="0" smtClean="0">
-                <a:solidFill>
-                  <a:srgbClr val="00B050"/>
-                </a:solidFill>
-                <a:uFill>
-                  <a:solidFill>
-                    <a:srgbClr val="FFFFFF"/>
-                  </a:solidFill>
-                </a:uFill>
-                <a:latin typeface="Franklin Gothic Medium" panose="020B0603020102020204" pitchFamily="34" charset="0"/>
-              </a:rPr>
-              <a:t>query</a:t>
-            </a:r>
-          </a:p>
-          <a:p>
-            <a:r>
-              <a:rPr lang="it-IT" sz="2400" spc="-1" dirty="0">
-                <a:solidFill>
-                  <a:srgbClr val="00B050"/>
-                </a:solidFill>
-                <a:uFill>
-                  <a:solidFill>
-                    <a:srgbClr val="FFFFFF"/>
-                  </a:solidFill>
-                </a:uFill>
-                <a:latin typeface="Franklin Gothic Medium" panose="020B0603020102020204" pitchFamily="34" charset="0"/>
-              </a:rPr>
-              <a:t>	</a:t>
-            </a:r>
-            <a:r>
-              <a:rPr lang="it-IT" sz="2400" spc="-1" dirty="0" err="1">
-                <a:solidFill>
-                  <a:srgbClr val="404040"/>
-                </a:solidFill>
-                <a:uFill>
-                  <a:solidFill>
-                    <a:srgbClr val="FFFFFF"/>
-                  </a:solidFill>
-                </a:uFill>
-                <a:latin typeface="Franklin Gothic Medium" panose="020B0603020102020204" pitchFamily="34" charset="0"/>
-              </a:rPr>
-              <a:t>corrections</a:t>
-            </a:r>
-            <a:r>
-              <a:rPr lang="it-IT" sz="2400" spc="-1" dirty="0">
-                <a:solidFill>
-                  <a:srgbClr val="404040"/>
-                </a:solidFill>
-                <a:uFill>
-                  <a:solidFill>
-                    <a:srgbClr val="FFFFFF"/>
-                  </a:solidFill>
-                </a:uFill>
-                <a:latin typeface="Franklin Gothic Medium" panose="020B0603020102020204" pitchFamily="34" charset="0"/>
-              </a:rPr>
-              <a:t> = []</a:t>
-            </a:r>
-          </a:p>
-          <a:p>
-            <a:r>
-              <a:rPr lang="it-IT" sz="2400" spc="-1" dirty="0">
-                <a:solidFill>
-                  <a:srgbClr val="00B050"/>
-                </a:solidFill>
-                <a:uFill>
-                  <a:solidFill>
-                    <a:srgbClr val="FFFFFF"/>
-                  </a:solidFill>
-                </a:uFill>
-                <a:latin typeface="Franklin Gothic Medium" panose="020B0603020102020204" pitchFamily="34" charset="0"/>
-              </a:rPr>
-              <a:t>	</a:t>
-            </a:r>
-            <a:r>
-              <a:rPr lang="it-IT" sz="2400" spc="-1" dirty="0">
-                <a:solidFill>
-                  <a:srgbClr val="E76724"/>
-                </a:solidFill>
-                <a:uFill>
-                  <a:solidFill>
-                    <a:srgbClr val="FFFFFF"/>
-                  </a:solidFill>
-                </a:uFill>
-                <a:latin typeface="Franklin Gothic Medium" panose="020B0603020102020204" pitchFamily="34" charset="0"/>
-              </a:rPr>
-              <a:t>for</a:t>
-            </a:r>
+              <a:t>=0.2):</a:t>
+            </a:r>
+          </a:p>
+          <a:p>
             <a:r>
               <a:rPr lang="it-IT" sz="2400" dirty="0">
                 <a:latin typeface="Franklin Gothic Medium" panose="020B0603020102020204" pitchFamily="34" charset="0"/>
               </a:rPr>
-              <a:t> </a:t>
-            </a:r>
-            <a:r>
-              <a:rPr lang="it-IT" sz="2400" spc="-1" dirty="0">
-                <a:solidFill>
-                  <a:srgbClr val="404040"/>
-                </a:solidFill>
-                <a:uFill>
-                  <a:solidFill>
-                    <a:srgbClr val="FFFFFF"/>
-                  </a:solidFill>
-                </a:uFill>
-                <a:latin typeface="Franklin Gothic Medium" panose="020B0603020102020204" pitchFamily="34" charset="0"/>
-              </a:rPr>
-              <a:t>token</a:t>
-            </a:r>
+              <a:t>	. . .</a:t>
+            </a:r>
+          </a:p>
+          <a:p>
             <a:r>
               <a:rPr lang="it-IT" sz="2400" dirty="0">
                 <a:latin typeface="Franklin Gothic Medium" panose="020B0603020102020204" pitchFamily="34" charset="0"/>
               </a:rPr>
+              <a:t>	</a:t>
+            </a:r>
+            <a:r>
+              <a:rPr lang="it-IT" sz="2400" spc="-1" dirty="0" err="1" smtClean="0">
+                <a:solidFill>
+                  <a:srgbClr val="404040"/>
+                </a:solidFill>
+                <a:uFill>
+                  <a:solidFill>
+                    <a:srgbClr val="FFFFFF"/>
+                  </a:solidFill>
+                </a:uFill>
+                <a:latin typeface="Franklin Gothic Medium" panose="020B0603020102020204" pitchFamily="34" charset="0"/>
+              </a:rPr>
+              <a:t>w_qgrams</a:t>
+            </a:r>
+            <a:r>
+              <a:rPr lang="it-IT" sz="2400" spc="-1" dirty="0" smtClean="0">
+                <a:solidFill>
+                  <a:srgbClr val="404040"/>
+                </a:solidFill>
+                <a:uFill>
+                  <a:solidFill>
+                    <a:srgbClr val="FFFFFF"/>
+                  </a:solidFill>
+                </a:uFill>
+                <a:latin typeface="Franklin Gothic Medium" panose="020B0603020102020204" pitchFamily="34" charset="0"/>
+              </a:rPr>
               <a:t> </a:t>
             </a:r>
             <a:r>
               <a:rPr lang="it-IT" sz="2400" spc="-1" dirty="0">
                 <a:solidFill>
-                  <a:srgbClr val="E76724"/>
+                  <a:srgbClr val="404040"/>
                 </a:solidFill>
                 <a:uFill>
                   <a:solidFill>
@@ -11322,15 +12738,105 @@
                 </a:uFill>
                 <a:latin typeface="Franklin Gothic Medium" panose="020B0603020102020204" pitchFamily="34" charset="0"/>
               </a:rPr>
-              <a:t>in</a:t>
-            </a:r>
+              <a:t>= list(</a:t>
+            </a:r>
+            <a:r>
+              <a:rPr lang="it-IT" sz="2400" spc="-1" dirty="0" err="1">
+                <a:solidFill>
+                  <a:srgbClr val="404040"/>
+                </a:solidFill>
+                <a:uFill>
+                  <a:solidFill>
+                    <a:srgbClr val="FFFFFF"/>
+                  </a:solidFill>
+                </a:uFill>
+                <a:latin typeface="Franklin Gothic Medium" panose="020B0603020102020204" pitchFamily="34" charset="0"/>
+              </a:rPr>
+              <a:t>self.qgrams</a:t>
+            </a:r>
+            <a:r>
+              <a:rPr lang="it-IT" sz="2400" spc="-1" dirty="0">
+                <a:solidFill>
+                  <a:srgbClr val="404040"/>
+                </a:solidFill>
+                <a:uFill>
+                  <a:solidFill>
+                    <a:srgbClr val="FFFFFF"/>
+                  </a:solidFill>
+                </a:uFill>
+                <a:latin typeface="Franklin Gothic Medium" panose="020B0603020102020204" pitchFamily="34" charset="0"/>
+              </a:rPr>
+              <a:t>(w))</a:t>
+            </a:r>
+          </a:p>
+          <a:p>
             <a:r>
               <a:rPr lang="it-IT" sz="2400" dirty="0">
                 <a:latin typeface="Franklin Gothic Medium" panose="020B0603020102020204" pitchFamily="34" charset="0"/>
               </a:rPr>
+              <a:t>	</a:t>
+            </a:r>
+            <a:r>
+              <a:rPr lang="it-IT" sz="2400" spc="-1" dirty="0" smtClean="0">
+                <a:solidFill>
+                  <a:srgbClr val="E76724"/>
+                </a:solidFill>
+                <a:uFill>
+                  <a:solidFill>
+                    <a:srgbClr val="FFFFFF"/>
+                  </a:solidFill>
+                </a:uFill>
+                <a:latin typeface="Franklin Gothic Medium" panose="020B0603020102020204" pitchFamily="34" charset="0"/>
+              </a:rPr>
+              <a:t>for</a:t>
+            </a:r>
+            <a:r>
+              <a:rPr lang="it-IT" sz="2400" dirty="0" smtClean="0">
+                <a:latin typeface="Franklin Gothic Medium" panose="020B0603020102020204" pitchFamily="34" charset="0"/>
+              </a:rPr>
               <a:t> </a:t>
             </a:r>
             <a:r>
+              <a:rPr lang="it-IT" sz="2400" spc="-1" dirty="0">
+                <a:solidFill>
+                  <a:srgbClr val="404040"/>
+                </a:solidFill>
+                <a:uFill>
+                  <a:solidFill>
+                    <a:srgbClr val="FFFFFF"/>
+                  </a:solidFill>
+                </a:uFill>
+                <a:latin typeface="Franklin Gothic Medium" panose="020B0603020102020204" pitchFamily="34" charset="0"/>
+              </a:rPr>
+              <a:t>word</a:t>
+            </a:r>
+            <a:r>
+              <a:rPr lang="it-IT" sz="2400" dirty="0">
+                <a:latin typeface="Franklin Gothic Medium" panose="020B0603020102020204" pitchFamily="34" charset="0"/>
+              </a:rPr>
+              <a:t> </a:t>
+            </a:r>
+            <a:r>
+              <a:rPr lang="it-IT" sz="2400" spc="-1" dirty="0">
+                <a:solidFill>
+                  <a:srgbClr val="E76724"/>
+                </a:solidFill>
+                <a:uFill>
+                  <a:solidFill>
+                    <a:srgbClr val="FFFFFF"/>
+                  </a:solidFill>
+                </a:uFill>
+                <a:latin typeface="Franklin Gothic Medium" panose="020B0603020102020204" pitchFamily="34" charset="0"/>
+              </a:rPr>
+              <a:t>in</a:t>
+            </a:r>
+            <a:r>
+              <a:rPr lang="it-IT" sz="2400" dirty="0">
+                <a:latin typeface="Franklin Gothic Medium" panose="020B0603020102020204" pitchFamily="34" charset="0"/>
+              </a:rPr>
+              <a:t> </a:t>
+            </a:r>
+            <a:r>
               <a:rPr lang="it-IT" sz="2400" spc="-1" dirty="0" err="1">
                 <a:solidFill>
                   <a:srgbClr val="404040"/>
@@ -11342,7 +12848,7 @@
                 </a:uFill>
                 <a:latin typeface="Franklin Gothic Medium" panose="020B0603020102020204" pitchFamily="34" charset="0"/>
               </a:rPr>
-              <a:t>analyzer</a:t>
+              <a:t>englishWords</a:t>
             </a:r>
             <a:r>
               <a:rPr lang="it-IT" sz="2400" spc="-1" dirty="0">
@@ -11356,14 +12862,68 @@
                 </a:uFill>
                 <a:latin typeface="Franklin Gothic Medium" panose="020B0603020102020204" pitchFamily="34" charset="0"/>
               </a:rPr>
-              <a:t>(query):</a:t>
-            </a:r>
-          </a:p>
-          <a:p>
+              <a:t>:</a:t>
+            </a:r>
+          </a:p>
+          <a:p>
+            <a:r>
+              <a:rPr lang="it-IT" sz="2400" dirty="0">
+                <a:latin typeface="Franklin Gothic Medium" panose="020B0603020102020204" pitchFamily="34" charset="0"/>
+              </a:rPr>
+              <a:t>		</a:t>
+            </a:r>
+            <a:r>
+              <a:rPr lang="it-IT" sz="2400" spc="-1" dirty="0" err="1">
+                <a:solidFill>
+                  <a:srgbClr val="404040"/>
+                </a:solidFill>
+                <a:uFill>
+                  <a:solidFill>
+                    <a:srgbClr val="FFFFFF"/>
+                  </a:solidFill>
+                </a:uFill>
+                <a:latin typeface="Franklin Gothic Medium" panose="020B0603020102020204" pitchFamily="34" charset="0"/>
+              </a:rPr>
+              <a:t>word_qgrams</a:t>
+            </a:r>
+            <a:r>
+              <a:rPr lang="it-IT" sz="2400" dirty="0">
+                <a:latin typeface="Franklin Gothic Medium" panose="020B0603020102020204" pitchFamily="34" charset="0"/>
+              </a:rPr>
+              <a:t> = </a:t>
+            </a:r>
+            <a:r>
+              <a:rPr lang="it-IT" sz="2400" spc="-1" dirty="0" err="1">
+                <a:solidFill>
+                  <a:srgbClr val="7030A0"/>
+                </a:solidFill>
+                <a:uFill>
+                  <a:solidFill>
+                    <a:srgbClr val="FFFFFF"/>
+                  </a:solidFill>
+                </a:uFill>
+                <a:latin typeface="Franklin Gothic Medium" panose="020B0603020102020204" pitchFamily="34" charset="0"/>
+              </a:rPr>
+              <a:t>self</a:t>
+            </a:r>
+            <a:r>
+              <a:rPr lang="it-IT" sz="2400" spc="-1" dirty="0" err="1">
+                <a:solidFill>
+                  <a:srgbClr val="404040"/>
+                </a:solidFill>
+                <a:uFill>
+                  <a:solidFill>
+                    <a:srgbClr val="FFFFFF"/>
+                  </a:solidFill>
+                </a:uFill>
+                <a:latin typeface="Franklin Gothic Medium" panose="020B0603020102020204" pitchFamily="34" charset="0"/>
+              </a:rPr>
+              <a:t>.qgrams</a:t>
+            </a:r>
             <a:r>
               <a:rPr lang="it-IT" sz="2400" spc="-1" dirty="0">
                 <a:solidFill>
-                  <a:srgbClr val="00B050"/>
+                  <a:srgbClr val="404040"/>
                 </a:solidFill>
                 <a:uFill>
                   <a:solidFill>
@@ -11372,26 +12932,40 @@
                 </a:uFill>
                 <a:latin typeface="Franklin Gothic Medium" panose="020B0603020102020204" pitchFamily="34" charset="0"/>
               </a:rPr>
-              <a:t>	</a:t>
-            </a:r>
-            <a:r>
-              <a:rPr lang="it-IT" sz="2400" spc="-1" dirty="0" smtClean="0">
-                <a:solidFill>
-                  <a:srgbClr val="00B050"/>
-                </a:solidFill>
-                <a:uFill>
-                  <a:solidFill>
-                    <a:srgbClr val="FFFFFF"/>
-                  </a:solidFill>
-                </a:uFill>
+              <a:t>(word</a:t>
+            </a:r>
+            <a:r>
+              <a:rPr lang="it-IT" sz="2400" dirty="0">
                 <a:latin typeface="Franklin Gothic Medium" panose="020B0603020102020204" pitchFamily="34" charset="0"/>
               </a:rPr>
-              <a:t>	</a:t>
+              <a:t>)</a:t>
+            </a:r>
+          </a:p>
+          <a:p>
+            <a:r>
+              <a:rPr lang="it-IT" sz="2400" dirty="0">
+                <a:latin typeface="Franklin Gothic Medium" panose="020B0603020102020204" pitchFamily="34" charset="0"/>
+              </a:rPr>
+              <a:t>		</a:t>
+            </a:r>
+            <a:r>
+              <a:rPr lang="it-IT" sz="2400" spc="-1" dirty="0">
+                <a:solidFill>
+                  <a:srgbClr val="404040"/>
+                </a:solidFill>
+                <a:uFill>
+                  <a:solidFill>
+                    <a:srgbClr val="FFFFFF"/>
+                  </a:solidFill>
+                </a:uFill>
+                <a:latin typeface="Franklin Gothic Medium" panose="020B0603020102020204" pitchFamily="34" charset="0"/>
+              </a:rPr>
+              <a:t>v = </a:t>
             </a:r>
             <a:r>
               <a:rPr lang="it-IT" sz="2400" spc="-1" dirty="0" err="1">
                 <a:solidFill>
-                  <a:srgbClr val="404040"/>
+                  <a:srgbClr val="7030A0"/>
                 </a:solidFill>
                 <a:uFill>
                   <a:solidFill>
@@ -11400,7 +12974,21 @@
                 </a:uFill>
                 <a:latin typeface="Franklin Gothic Medium" panose="020B0603020102020204" pitchFamily="34" charset="0"/>
               </a:rPr>
-              <a:t>corrected</a:t>
+              <a:t>self</a:t>
+            </a:r>
+            <a:r>
+              <a:rPr lang="it-IT" sz="2400" spc="-1" dirty="0" err="1">
+                <a:solidFill>
+                  <a:srgbClr val="404040"/>
+                </a:solidFill>
+                <a:uFill>
+                  <a:solidFill>
+                    <a:srgbClr val="FFFFFF"/>
+                  </a:solidFill>
+                </a:uFill>
+                <a:latin typeface="Franklin Gothic Medium" panose="020B0603020102020204" pitchFamily="34" charset="0"/>
+              </a:rPr>
+              <a:t>.jaccard</a:t>
             </a:r>
             <a:r>
               <a:rPr lang="it-IT" sz="2400" spc="-1" dirty="0">
@@ -11414,12 +13002,12 @@
                 </a:uFill>
                 <a:latin typeface="Franklin Gothic Medium" panose="020B0603020102020204" pitchFamily="34" charset="0"/>
               </a:rPr>
-              <a:t> = </a:t>
+              <a:t>(set(</a:t>
             </a:r>
             <a:r>
               <a:rPr lang="it-IT" sz="2400" spc="-1" dirty="0" err="1">
                 <a:solidFill>
-                  <a:srgbClr val="7030A0"/>
+                  <a:srgbClr val="404040"/>
                 </a:solidFill>
                 <a:uFill>
                   <a:solidFill>
@@ -11428,7 +13016,21 @@
                 </a:uFill>
                 <a:latin typeface="Franklin Gothic Medium" panose="020B0603020102020204" pitchFamily="34" charset="0"/>
               </a:rPr>
-              <a:t>self</a:t>
+              <a:t>w_qgrams</a:t>
+            </a:r>
+            <a:r>
+              <a:rPr lang="it-IT" sz="2400" spc="-1" dirty="0">
+                <a:solidFill>
+                  <a:srgbClr val="404040"/>
+                </a:solidFill>
+                <a:uFill>
+                  <a:solidFill>
+                    <a:srgbClr val="FFFFFF"/>
+                  </a:solidFill>
+                </a:uFill>
+                <a:latin typeface="Franklin Gothic Medium" panose="020B0603020102020204" pitchFamily="34" charset="0"/>
+              </a:rPr>
+              <a:t>), set(</a:t>
             </a:r>
             <a:r>
               <a:rPr lang="it-IT" sz="2400" spc="-1" dirty="0" err="1">
@@ -11442,7 +13044,7 @@
                 </a:uFill>
                 <a:latin typeface="Franklin Gothic Medium" panose="020B0603020102020204" pitchFamily="34" charset="0"/>
               </a:rPr>
-              <a:t>.ngramsMatcher</a:t>
+              <a:t>word_qgrams</a:t>
             </a:r>
             <a:r>
               <a:rPr lang="it-IT" sz="2400" spc="-1" dirty="0">
@@ -11456,65 +13058,15 @@
                 </a:uFill>
                 <a:latin typeface="Franklin Gothic Medium" panose="020B0603020102020204" pitchFamily="34" charset="0"/>
               </a:rPr>
-              <a:t>(</a:t>
-            </a:r>
-            <a:r>
-              <a:rPr lang="it-IT" sz="2400" spc="-1" dirty="0" err="1">
-                <a:solidFill>
-                  <a:srgbClr val="404040"/>
-                </a:solidFill>
-                <a:uFill>
-                  <a:solidFill>
-                    <a:srgbClr val="FFFFFF"/>
-                  </a:solidFill>
-                </a:uFill>
+              <a:t>))</a:t>
+            </a:r>
+          </a:p>
+          <a:p>
+            <a:r>
+              <a:rPr lang="it-IT" sz="2400" dirty="0">
                 <a:latin typeface="Franklin Gothic Medium" panose="020B0603020102020204" pitchFamily="34" charset="0"/>
               </a:rPr>
-              <a:t>token.text</a:t>
-            </a:r>
-            <a:r>
-              <a:rPr lang="it-IT" sz="2400" spc="-1" dirty="0">
-                <a:solidFill>
-                  <a:srgbClr val="404040"/>
-                </a:solidFill>
-                <a:uFill>
-                  <a:solidFill>
-                    <a:srgbClr val="FFFFFF"/>
-                  </a:solidFill>
-                </a:uFill>
-                <a:latin typeface="Franklin Gothic Medium" panose="020B0603020102020204" pitchFamily="34" charset="0"/>
-              </a:rPr>
-              <a:t>)</a:t>
-            </a:r>
-          </a:p>
-          <a:p>
-            <a:r>
-              <a:rPr lang="it-IT" sz="2400" spc="-1" dirty="0">
-                <a:solidFill>
-                  <a:srgbClr val="00B050"/>
-                </a:solidFill>
-                <a:uFill>
-                  <a:solidFill>
-                    <a:srgbClr val="FFFFFF"/>
-                  </a:solidFill>
-                </a:uFill>
-                <a:latin typeface="Franklin Gothic Medium" panose="020B0603020102020204" pitchFamily="34" charset="0"/>
-              </a:rPr>
-              <a:t>	</a:t>
-            </a:r>
-            <a:r>
-              <a:rPr lang="it-IT" sz="2400" spc="-1" dirty="0" smtClean="0">
-                <a:solidFill>
-                  <a:srgbClr val="00B050"/>
-                </a:solidFill>
-                <a:uFill>
-                  <a:solidFill>
-                    <a:srgbClr val="FFFFFF"/>
-                  </a:solidFill>
-                </a:uFill>
-                <a:latin typeface="Franklin Gothic Medium" panose="020B0603020102020204" pitchFamily="34" charset="0"/>
-              </a:rPr>
-              <a:t>	</a:t>
+              <a:t>		</a:t>
             </a:r>
             <a:r>
               <a:rPr lang="en-US" sz="2400" spc="-1" dirty="0">
@@ -11548,12 +13100,34 @@
                 </a:uFill>
                 <a:latin typeface="Franklin Gothic Medium" panose="020B0603020102020204" pitchFamily="34" charset="0"/>
               </a:rPr>
-              <a:t>corrected</a:t>
-            </a:r>
-            <a:r>
-              <a:rPr lang="en-US" sz="2400" dirty="0">
+              <a:t>v &gt;= </a:t>
+            </a:r>
+            <a:r>
+              <a:rPr lang="en-US" sz="2400" spc="-1" dirty="0" err="1">
+                <a:solidFill>
+                  <a:srgbClr val="404040"/>
+                </a:solidFill>
+                <a:uFill>
+                  <a:solidFill>
+                    <a:srgbClr val="FFFFFF"/>
+                  </a:solidFill>
+                </a:uFill>
                 <a:latin typeface="Franklin Gothic Medium" panose="020B0603020102020204" pitchFamily="34" charset="0"/>
               </a:rPr>
+              <a:t>thr</a:t>
+            </a:r>
+            <a:r>
+              <a:rPr lang="en-US" sz="2400" spc="-1" dirty="0">
+                <a:solidFill>
+                  <a:srgbClr val="404040"/>
+                </a:solidFill>
+                <a:uFill>
+                  <a:solidFill>
+                    <a:srgbClr val="FFFFFF"/>
+                  </a:solidFill>
+                </a:uFill>
+                <a:latin typeface="Franklin Gothic Medium" panose="020B0603020102020204" pitchFamily="34" charset="0"/>
+              </a:rPr>
               <a:t> </a:t>
             </a:r>
             <a:r>
@@ -11568,12 +13142,12 @@
                 </a:uFill>
                 <a:latin typeface="Franklin Gothic Medium" panose="020B0603020102020204" pitchFamily="34" charset="0"/>
               </a:rPr>
-              <a:t>is not </a:t>
+              <a:t>and</a:t>
             </a:r>
             <a:r>
               <a:rPr lang="en-US" sz="2400" spc="-1" dirty="0">
                 <a:solidFill>
-                  <a:srgbClr val="7030A0"/>
+                  <a:srgbClr val="404040"/>
                 </a:solidFill>
                 <a:uFill>
                   <a:solidFill>
@@ -11582,8 +13156,10 @@
                 </a:uFill>
                 <a:latin typeface="Franklin Gothic Medium" panose="020B0603020102020204" pitchFamily="34" charset="0"/>
               </a:rPr>
-              <a:t>None</a:t>
-            </a:r>
+              <a:t> v &gt; score:</a:t>
+            </a:r>
+          </a:p>
+          <a:p>
             <a:r>
               <a:rPr lang="en-US" sz="2400" spc="-1" dirty="0">
                 <a:solidFill>
@@ -11596,10 +13172,10 @@
                 </a:uFill>
                 <a:latin typeface="Franklin Gothic Medium" panose="020B0603020102020204" pitchFamily="34" charset="0"/>
               </a:rPr>
-              <a:t> and corrected != </a:t>
-            </a:r>
-            <a:r>
-              <a:rPr lang="en-US" sz="2400" spc="-1" dirty="0" err="1">
+              <a:t>			</a:t>
+            </a:r>
+            <a:r>
+              <a:rPr lang="it-IT" sz="2400" spc="-1" dirty="0" err="1">
                 <a:solidFill>
                   <a:srgbClr val="404040"/>
                 </a:solidFill>
@@ -11610,10 +13186,10 @@
                 </a:uFill>
                 <a:latin typeface="Franklin Gothic Medium" panose="020B0603020102020204" pitchFamily="34" charset="0"/>
               </a:rPr>
-              <a:t>token.text</a:t>
-            </a:r>
-            <a:r>
-              <a:rPr lang="en-US" sz="2400" spc="-1" dirty="0">
+              <a:t>results</a:t>
+            </a:r>
+            <a:r>
+              <a:rPr lang="it-IT" sz="2400" spc="-1" dirty="0">
                 <a:solidFill>
                   <a:srgbClr val="404040"/>
                 </a:solidFill>
@@ -11624,12 +13200,12 @@
                 </a:uFill>
                 <a:latin typeface="Franklin Gothic Medium" panose="020B0603020102020204" pitchFamily="34" charset="0"/>
               </a:rPr>
-              <a:t>:</a:t>
-            </a:r>
-          </a:p>
-          <a:p>
-            <a:r>
-              <a:rPr lang="en-US" sz="2400" spc="-1" dirty="0">
+              <a:t> = word</a:t>
+            </a:r>
+          </a:p>
+          <a:p>
+            <a:r>
+              <a:rPr lang="it-IT" sz="2400" spc="-1" dirty="0">
                 <a:solidFill>
                   <a:srgbClr val="404040"/>
                 </a:solidFill>
@@ -11640,153 +13216,34 @@
                 </a:uFill>
                 <a:latin typeface="Franklin Gothic Medium" panose="020B0603020102020204" pitchFamily="34" charset="0"/>
               </a:rPr>
-              <a:t>			</a:t>
-            </a:r>
-            <a:r>
-              <a:rPr lang="it-IT" sz="2400" spc="-1" dirty="0" err="1">
-                <a:solidFill>
-                  <a:srgbClr val="404040"/>
-                </a:solidFill>
-                <a:uFill>
-                  <a:solidFill>
-                    <a:srgbClr val="FFFFFF"/>
-                  </a:solidFill>
-                </a:uFill>
-                <a:latin typeface="Franklin Gothic Medium" panose="020B0603020102020204" pitchFamily="34" charset="0"/>
-              </a:rPr>
-              <a:t>corrections.append</a:t>
-            </a:r>
-            <a:r>
-              <a:rPr lang="it-IT" sz="2400" spc="-1" dirty="0">
-                <a:solidFill>
-                  <a:srgbClr val="404040"/>
-                </a:solidFill>
-                <a:uFill>
-                  <a:solidFill>
-                    <a:srgbClr val="FFFFFF"/>
-                  </a:solidFill>
-                </a:uFill>
-                <a:latin typeface="Franklin Gothic Medium" panose="020B0603020102020204" pitchFamily="34" charset="0"/>
-              </a:rPr>
-              <a:t>((</a:t>
-            </a:r>
-            <a:r>
-              <a:rPr lang="it-IT" sz="2400" spc="-1" dirty="0" err="1">
-                <a:solidFill>
-                  <a:srgbClr val="404040"/>
-                </a:solidFill>
-                <a:uFill>
-                  <a:solidFill>
-                    <a:srgbClr val="FFFFFF"/>
-                  </a:solidFill>
-                </a:uFill>
-                <a:latin typeface="Franklin Gothic Medium" panose="020B0603020102020204" pitchFamily="34" charset="0"/>
-              </a:rPr>
-              <a:t>token.text</a:t>
-            </a:r>
-            <a:r>
-              <a:rPr lang="it-IT" sz="2400" spc="-1" dirty="0">
-                <a:solidFill>
-                  <a:srgbClr val="404040"/>
-                </a:solidFill>
-                <a:uFill>
-                  <a:solidFill>
-                    <a:srgbClr val="FFFFFF"/>
-                  </a:solidFill>
-                </a:uFill>
-                <a:latin typeface="Franklin Gothic Medium" panose="020B0603020102020204" pitchFamily="34" charset="0"/>
-              </a:rPr>
-              <a:t>, </a:t>
-            </a:r>
-            <a:r>
-              <a:rPr lang="it-IT" sz="2400" spc="-1" dirty="0" err="1">
-                <a:solidFill>
-                  <a:srgbClr val="404040"/>
-                </a:solidFill>
-                <a:uFill>
-                  <a:solidFill>
-                    <a:srgbClr val="FFFFFF"/>
-                  </a:solidFill>
-                </a:uFill>
-                <a:latin typeface="Franklin Gothic Medium" panose="020B0603020102020204" pitchFamily="34" charset="0"/>
-              </a:rPr>
-              <a:t>corrected</a:t>
-            </a:r>
-            <a:r>
-              <a:rPr lang="it-IT" sz="2400" spc="-1" dirty="0">
-                <a:solidFill>
-                  <a:srgbClr val="404040"/>
-                </a:solidFill>
-                <a:uFill>
-                  <a:solidFill>
-                    <a:srgbClr val="FFFFFF"/>
-                  </a:solidFill>
-                </a:uFill>
-                <a:latin typeface="Franklin Gothic Medium" panose="020B0603020102020204" pitchFamily="34" charset="0"/>
-              </a:rPr>
-              <a:t>))</a:t>
-            </a:r>
-          </a:p>
-          <a:p>
-            <a:r>
-              <a:rPr lang="it-IT" sz="2400" spc="-1" dirty="0">
-                <a:solidFill>
-                  <a:srgbClr val="00B050"/>
-                </a:solidFill>
-                <a:uFill>
-                  <a:solidFill>
-                    <a:srgbClr val="FFFFFF"/>
-                  </a:solidFill>
-                </a:uFill>
-                <a:latin typeface="Franklin Gothic Medium" panose="020B0603020102020204" pitchFamily="34" charset="0"/>
-              </a:rPr>
-              <a:t>	</a:t>
-            </a:r>
-            <a:endParaRPr lang="it-IT" sz="2400" spc="-1" dirty="0" smtClean="0">
-              <a:solidFill>
-                <a:srgbClr val="00B050"/>
-              </a:solidFill>
-              <a:uFill>
-                <a:solidFill>
-                  <a:srgbClr val="FFFFFF"/>
-                </a:solidFill>
-              </a:uFill>
-              <a:latin typeface="Franklin Gothic Medium" panose="020B0603020102020204" pitchFamily="34" charset="0"/>
-            </a:endParaRPr>
-          </a:p>
-          <a:p>
-            <a:r>
-              <a:rPr lang="it-IT" sz="2400" spc="-1" dirty="0">
-                <a:solidFill>
-                  <a:srgbClr val="00B050"/>
-                </a:solidFill>
-                <a:uFill>
-                  <a:solidFill>
-                    <a:srgbClr val="FFFFFF"/>
-                  </a:solidFill>
-                </a:uFill>
-                <a:latin typeface="Franklin Gothic Medium" panose="020B0603020102020204" pitchFamily="34" charset="0"/>
-              </a:rPr>
-              <a:t>	</a:t>
-            </a:r>
-            <a:r>
-              <a:rPr lang="it-IT" sz="2400" spc="-1" dirty="0" err="1">
-                <a:solidFill>
-                  <a:srgbClr val="E76724"/>
-                </a:solidFill>
-                <a:uFill>
-                  <a:solidFill>
-                    <a:srgbClr val="FFFFFF"/>
-                  </a:solidFill>
-                </a:uFill>
-                <a:latin typeface="Franklin Gothic Medium" panose="020B0603020102020204" pitchFamily="34" charset="0"/>
-              </a:rPr>
-              <a:t>return</a:t>
-            </a:r>
+              <a:t>			score = v</a:t>
+            </a:r>
+          </a:p>
+          <a:p>
             <a:r>
               <a:rPr lang="it-IT" sz="2400" dirty="0">
                 <a:latin typeface="Franklin Gothic Medium" panose="020B0603020102020204" pitchFamily="34" charset="0"/>
               </a:rPr>
+              <a:t>	</a:t>
+            </a:r>
+            <a:r>
+              <a:rPr lang="it-IT" sz="2400" spc="-1" dirty="0" err="1" smtClean="0">
+                <a:solidFill>
+                  <a:srgbClr val="E76724"/>
+                </a:solidFill>
+                <a:uFill>
+                  <a:solidFill>
+                    <a:srgbClr val="FFFFFF"/>
+                  </a:solidFill>
+                </a:uFill>
+                <a:latin typeface="Franklin Gothic Medium" panose="020B0603020102020204" pitchFamily="34" charset="0"/>
+              </a:rPr>
+              <a:t>return</a:t>
+            </a:r>
+            <a:r>
+              <a:rPr lang="it-IT" sz="2400" dirty="0" smtClean="0">
+                <a:latin typeface="Franklin Gothic Medium" panose="020B0603020102020204" pitchFamily="34" charset="0"/>
+              </a:rPr>
               <a:t> </a:t>
             </a:r>
             <a:r>
@@ -11801,9 +13258,9 @@
                 </a:uFill>
                 <a:latin typeface="Franklin Gothic Medium" panose="020B0603020102020204" pitchFamily="34" charset="0"/>
               </a:rPr>
-              <a:t>corrections</a:t>
-            </a:r>
-            <a:endParaRPr lang="en-US" sz="2400" spc="-1" dirty="0">
+              <a:t>results</a:t>
+            </a:r>
+            <a:endParaRPr lang="it-IT" sz="2400" spc="-1" dirty="0">
               <a:solidFill>
                 <a:srgbClr val="404040"/>
               </a:solidFill>
@@ -11820,7 +13277,7 @@
     </p:spTree>
     <p:extLst>
       <p:ext uri="{BB962C8B-B14F-4D97-AF65-F5344CB8AC3E}">
-        <p14:creationId xmlns:p14="http://schemas.microsoft.com/office/powerpoint/2010/main" val="2362631618"/>
+        <p14:creationId xmlns:p14="http://schemas.microsoft.com/office/powerpoint/2010/main" val="2182911997"/>
       </p:ext>
     </p:extLst>
   </p:cSld>
@@ -11951,6 +13408,10 @@
           <a:bodyPr/>
           <a:lstStyle/>
           <a:p>
+            <a:pPr marL="457200" indent="-457200">
+              <a:buFont typeface="Wingdings" panose="05000000000000000000" pitchFamily="2" charset="2"/>
+              <a:buChar char="§"/>
+            </a:pPr>
             <a:r>
               <a:rPr lang="en-US" sz="2800" spc="-1" dirty="0" smtClean="0">
                 <a:solidFill>
@@ -11961,9 +13422,9 @@
                     <a:srgbClr val="FFFFFF"/>
                   </a:solidFill>
                 </a:uFill>
-                <a:latin typeface="Franklin Gothic Medium"/>
-              </a:rPr>
-              <a:t>Grazie </a:t>
+                <a:latin typeface="Franklin Gothic Medium" panose="020B0603020102020204" pitchFamily="34" charset="0"/>
+              </a:rPr>
+              <a:t>La </a:t>
             </a:r>
             <a:r>
               <a:rPr lang="en-US" sz="2800" spc="-1" dirty="0" err="1" smtClean="0">
@@ -11975,9 +13436,9 @@
                     <a:srgbClr val="FFFFFF"/>
                   </a:solidFill>
                 </a:uFill>
-                <a:latin typeface="Franklin Gothic Medium"/>
-              </a:rPr>
-              <a:t>alla</a:t>
+                <a:latin typeface="Franklin Gothic Medium" panose="020B0603020102020204" pitchFamily="34" charset="0"/>
+              </a:rPr>
+              <a:t>libreria</a:t>
             </a:r>
             <a:r>
               <a:rPr lang="en-US" sz="2800" spc="-1" dirty="0" smtClean="0">
@@ -11989,7 +13450,63 @@
                     <a:srgbClr val="FFFFFF"/>
                   </a:solidFill>
                 </a:uFill>
-                <a:latin typeface="Franklin Gothic Medium"/>
+                <a:latin typeface="Franklin Gothic Medium" panose="020B0603020102020204" pitchFamily="34" charset="0"/>
+              </a:rPr>
+              <a:t> enchant di python </a:t>
+            </a:r>
+            <a:r>
+              <a:rPr lang="en-US" sz="2800" spc="-1" dirty="0" err="1" smtClean="0">
+                <a:solidFill>
+                  <a:srgbClr val="404040"/>
+                </a:solidFill>
+                <a:uFill>
+                  <a:solidFill>
+                    <a:srgbClr val="FFFFFF"/>
+                  </a:solidFill>
+                </a:uFill>
+                <a:latin typeface="Franklin Gothic Medium" panose="020B0603020102020204" pitchFamily="34" charset="0"/>
+              </a:rPr>
+              <a:t>mette</a:t>
+            </a:r>
+            <a:r>
+              <a:rPr lang="en-US" sz="2800" spc="-1" dirty="0" smtClean="0">
+                <a:solidFill>
+                  <a:srgbClr val="404040"/>
+                </a:solidFill>
+                <a:uFill>
+                  <a:solidFill>
+                    <a:srgbClr val="FFFFFF"/>
+                  </a:solidFill>
+                </a:uFill>
+                <a:latin typeface="Franklin Gothic Medium" panose="020B0603020102020204" pitchFamily="34" charset="0"/>
+              </a:rPr>
+              <a:t> a </a:t>
+            </a:r>
+            <a:r>
+              <a:rPr lang="en-US" sz="2800" spc="-1" dirty="0" err="1" smtClean="0">
+                <a:solidFill>
+                  <a:srgbClr val="404040"/>
+                </a:solidFill>
+                <a:uFill>
+                  <a:solidFill>
+                    <a:srgbClr val="FFFFFF"/>
+                  </a:solidFill>
+                </a:uFill>
+                <a:latin typeface="Franklin Gothic Medium" panose="020B0603020102020204" pitchFamily="34" charset="0"/>
+              </a:rPr>
+              <a:t>disposizione</a:t>
+            </a:r>
+            <a:r>
+              <a:rPr lang="en-US" sz="2800" spc="-1" dirty="0" smtClean="0">
+                <a:solidFill>
+                  <a:srgbClr val="404040"/>
+                </a:solidFill>
+                <a:uFill>
+                  <a:solidFill>
+                    <a:srgbClr val="FFFFFF"/>
+                  </a:solidFill>
+                </a:uFill>
+                <a:latin typeface="Franklin Gothic Medium" panose="020B0603020102020204" pitchFamily="34" charset="0"/>
               </a:rPr>
               <a:t> </a:t>
             </a:r>
@@ -12003,9 +13520,9 @@
                     <a:srgbClr val="FFFFFF"/>
                   </a:solidFill>
                 </a:uFill>
-                <a:latin typeface="Franklin Gothic Medium"/>
-              </a:rPr>
-              <a:t>libreria</a:t>
+                <a:latin typeface="Franklin Gothic Medium" panose="020B0603020102020204" pitchFamily="34" charset="0"/>
+              </a:rPr>
+              <a:t>l’oggetto</a:t>
             </a:r>
             <a:r>
               <a:rPr lang="en-US" sz="2800" spc="-1" dirty="0" smtClean="0">
@@ -12017,9 +13534,9 @@
                     <a:srgbClr val="FFFFFF"/>
                   </a:solidFill>
                 </a:uFill>
-                <a:latin typeface="Franklin Gothic Medium"/>
-              </a:rPr>
-              <a:t> enchant di python </a:t>
+                <a:latin typeface="Franklin Gothic Medium" panose="020B0603020102020204" pitchFamily="34" charset="0"/>
+              </a:rPr>
+              <a:t> </a:t>
             </a:r>
             <a:r>
               <a:rPr lang="en-US" sz="2800" spc="-1" dirty="0" err="1" smtClean="0">
@@ -12031,7 +13548,35 @@
                     <a:srgbClr val="FFFFFF"/>
                   </a:solidFill>
                 </a:uFill>
-                <a:latin typeface="Franklin Gothic Medium"/>
+                <a:latin typeface="Franklin Gothic Medium" panose="020B0603020102020204" pitchFamily="34" charset="0"/>
+              </a:rPr>
+              <a:t>spell_checker</a:t>
+            </a:r>
+            <a:r>
+              <a:rPr lang="en-US" sz="2800" spc="-1" dirty="0" smtClean="0">
+                <a:solidFill>
+                  <a:srgbClr val="404040"/>
+                </a:solidFill>
+                <a:uFill>
+                  <a:solidFill>
+                    <a:srgbClr val="FFFFFF"/>
+                  </a:solidFill>
+                </a:uFill>
+                <a:latin typeface="Franklin Gothic Medium" panose="020B0603020102020204" pitchFamily="34" charset="0"/>
+              </a:rPr>
+              <a:t> </a:t>
+            </a:r>
+            <a:r>
+              <a:rPr lang="en-US" sz="2800" spc="-1" dirty="0" err="1" smtClean="0">
+                <a:solidFill>
+                  <a:srgbClr val="404040"/>
+                </a:solidFill>
+                <a:uFill>
+                  <a:solidFill>
+                    <a:srgbClr val="FFFFFF"/>
+                  </a:solidFill>
+                </a:uFill>
+                <a:latin typeface="Franklin Gothic Medium" panose="020B0603020102020204" pitchFamily="34" charset="0"/>
               </a:rPr>
               <a:t>che</a:t>
             </a:r>
@@ -12045,7 +13590,7 @@
                     <a:srgbClr val="FFFFFF"/>
                   </a:solidFill>
                 </a:uFill>
-                <a:latin typeface="Franklin Gothic Medium"/>
+                <a:latin typeface="Franklin Gothic Medium" panose="020B0603020102020204" pitchFamily="34" charset="0"/>
               </a:rPr>
               <a:t> </a:t>
             </a:r>
@@ -12059,9 +13604,9 @@
                     <a:srgbClr val="FFFFFF"/>
                   </a:solidFill>
                 </a:uFill>
-                <a:latin typeface="Franklin Gothic Medium"/>
-              </a:rPr>
-              <a:t>mette</a:t>
+                <a:latin typeface="Franklin Gothic Medium" panose="020B0603020102020204" pitchFamily="34" charset="0"/>
+              </a:rPr>
+              <a:t>rispetto</a:t>
             </a:r>
             <a:r>
               <a:rPr lang="en-US" sz="2800" spc="-1" dirty="0" smtClean="0">
@@ -12073,9 +13618,9 @@
                     <a:srgbClr val="FFFFFF"/>
                   </a:solidFill>
                 </a:uFill>
-                <a:latin typeface="Franklin Gothic Medium"/>
-              </a:rPr>
-              <a:t> a </a:t>
+                <a:latin typeface="Franklin Gothic Medium" panose="020B0603020102020204" pitchFamily="34" charset="0"/>
+              </a:rPr>
+              <a:t> </a:t>
             </a:r>
             <a:r>
               <a:rPr lang="en-US" sz="2800" spc="-1" dirty="0" err="1" smtClean="0">
@@ -12087,11 +13632,325 @@
                     <a:srgbClr val="FFFFFF"/>
                   </a:solidFill>
                 </a:uFill>
-                <a:latin typeface="Franklin Gothic Medium"/>
-              </a:rPr>
-              <a:t>disposizione</a:t>
-            </a:r>
-            <a:endParaRPr lang="en-US" sz="2800" spc="-1" dirty="0" smtClean="0">
+                <a:latin typeface="Franklin Gothic Medium" panose="020B0603020102020204" pitchFamily="34" charset="0"/>
+              </a:rPr>
+              <a:t>ai</a:t>
+            </a:r>
+            <a:r>
+              <a:rPr lang="en-US" sz="2800" spc="-1" dirty="0" smtClean="0">
+                <a:solidFill>
+                  <a:srgbClr val="404040"/>
+                </a:solidFill>
+                <a:uFill>
+                  <a:solidFill>
+                    <a:srgbClr val="FFFFFF"/>
+                  </a:solidFill>
+                </a:uFill>
+                <a:latin typeface="Franklin Gothic Medium" panose="020B0603020102020204" pitchFamily="34" charset="0"/>
+              </a:rPr>
+              <a:t> due </a:t>
+            </a:r>
+            <a:r>
+              <a:rPr lang="en-US" sz="2800" spc="-1" dirty="0" err="1" smtClean="0">
+                <a:solidFill>
+                  <a:srgbClr val="404040"/>
+                </a:solidFill>
+                <a:uFill>
+                  <a:solidFill>
+                    <a:srgbClr val="FFFFFF"/>
+                  </a:solidFill>
+                </a:uFill>
+                <a:latin typeface="Franklin Gothic Medium" panose="020B0603020102020204" pitchFamily="34" charset="0"/>
+              </a:rPr>
+              <a:t>metodi</a:t>
+            </a:r>
+            <a:r>
+              <a:rPr lang="en-US" sz="2800" spc="-1" dirty="0" smtClean="0">
+                <a:solidFill>
+                  <a:srgbClr val="404040"/>
+                </a:solidFill>
+                <a:uFill>
+                  <a:solidFill>
+                    <a:srgbClr val="FFFFFF"/>
+                  </a:solidFill>
+                </a:uFill>
+                <a:latin typeface="Franklin Gothic Medium" panose="020B0603020102020204" pitchFamily="34" charset="0"/>
+              </a:rPr>
+              <a:t> </a:t>
+            </a:r>
+            <a:r>
+              <a:rPr lang="en-US" sz="2800" spc="-1" dirty="0" err="1" smtClean="0">
+                <a:solidFill>
+                  <a:srgbClr val="404040"/>
+                </a:solidFill>
+                <a:uFill>
+                  <a:solidFill>
+                    <a:srgbClr val="FFFFFF"/>
+                  </a:solidFill>
+                </a:uFill>
+                <a:latin typeface="Franklin Gothic Medium" panose="020B0603020102020204" pitchFamily="34" charset="0"/>
+              </a:rPr>
+              <a:t>introdotti</a:t>
+            </a:r>
+            <a:r>
+              <a:rPr lang="en-US" sz="2800" spc="-1" dirty="0" smtClean="0">
+                <a:solidFill>
+                  <a:srgbClr val="404040"/>
+                </a:solidFill>
+                <a:uFill>
+                  <a:solidFill>
+                    <a:srgbClr val="FFFFFF"/>
+                  </a:solidFill>
+                </a:uFill>
+                <a:latin typeface="Franklin Gothic Medium" panose="020B0603020102020204" pitchFamily="34" charset="0"/>
+              </a:rPr>
+              <a:t> </a:t>
+            </a:r>
+            <a:r>
+              <a:rPr lang="en-US" sz="2800" spc="-1" dirty="0" err="1" smtClean="0">
+                <a:solidFill>
+                  <a:srgbClr val="404040"/>
+                </a:solidFill>
+                <a:uFill>
+                  <a:solidFill>
+                    <a:srgbClr val="FFFFFF"/>
+                  </a:solidFill>
+                </a:uFill>
+                <a:latin typeface="Franklin Gothic Medium" panose="020B0603020102020204" pitchFamily="34" charset="0"/>
+              </a:rPr>
+              <a:t>precedentemente</a:t>
+            </a:r>
+            <a:r>
+              <a:rPr lang="en-US" sz="2800" spc="-1" dirty="0" smtClean="0">
+                <a:solidFill>
+                  <a:srgbClr val="404040"/>
+                </a:solidFill>
+                <a:uFill>
+                  <a:solidFill>
+                    <a:srgbClr val="FFFFFF"/>
+                  </a:solidFill>
+                </a:uFill>
+                <a:latin typeface="Franklin Gothic Medium" panose="020B0603020102020204" pitchFamily="34" charset="0"/>
+              </a:rPr>
+              <a:t> </a:t>
+            </a:r>
+            <a:r>
+              <a:rPr lang="en-US" sz="2800" spc="-1" dirty="0" err="1" smtClean="0">
+                <a:solidFill>
+                  <a:srgbClr val="404040"/>
+                </a:solidFill>
+                <a:uFill>
+                  <a:solidFill>
+                    <a:srgbClr val="FFFFFF"/>
+                  </a:solidFill>
+                </a:uFill>
+                <a:latin typeface="Franklin Gothic Medium" panose="020B0603020102020204" pitchFamily="34" charset="0"/>
+              </a:rPr>
+              <a:t>corregge</a:t>
+            </a:r>
+            <a:r>
+              <a:rPr lang="en-US" sz="2800" spc="-1" dirty="0" smtClean="0">
+                <a:solidFill>
+                  <a:srgbClr val="404040"/>
+                </a:solidFill>
+                <a:uFill>
+                  <a:solidFill>
+                    <a:srgbClr val="FFFFFF"/>
+                  </a:solidFill>
+                </a:uFill>
+                <a:latin typeface="Franklin Gothic Medium" panose="020B0603020102020204" pitchFamily="34" charset="0"/>
+              </a:rPr>
+              <a:t> </a:t>
+            </a:r>
+            <a:r>
+              <a:rPr lang="en-US" sz="2800" spc="-1" dirty="0" err="1" smtClean="0">
+                <a:solidFill>
+                  <a:srgbClr val="404040"/>
+                </a:solidFill>
+                <a:uFill>
+                  <a:solidFill>
+                    <a:srgbClr val="FFFFFF"/>
+                  </a:solidFill>
+                </a:uFill>
+                <a:latin typeface="Franklin Gothic Medium" panose="020B0603020102020204" pitchFamily="34" charset="0"/>
+              </a:rPr>
+              <a:t>basandosi</a:t>
+            </a:r>
+            <a:r>
+              <a:rPr lang="en-US" sz="2800" spc="-1" dirty="0" smtClean="0">
+                <a:solidFill>
+                  <a:srgbClr val="404040"/>
+                </a:solidFill>
+                <a:uFill>
+                  <a:solidFill>
+                    <a:srgbClr val="FFFFFF"/>
+                  </a:solidFill>
+                </a:uFill>
+                <a:latin typeface="Franklin Gothic Medium" panose="020B0603020102020204" pitchFamily="34" charset="0"/>
+              </a:rPr>
+              <a:t> </a:t>
+            </a:r>
+            <a:r>
+              <a:rPr lang="en-US" sz="2800" spc="-1" dirty="0" err="1" smtClean="0">
+                <a:solidFill>
+                  <a:srgbClr val="404040"/>
+                </a:solidFill>
+                <a:uFill>
+                  <a:solidFill>
+                    <a:srgbClr val="FFFFFF"/>
+                  </a:solidFill>
+                </a:uFill>
+                <a:latin typeface="Franklin Gothic Medium" panose="020B0603020102020204" pitchFamily="34" charset="0"/>
+              </a:rPr>
+              <a:t>sul</a:t>
+            </a:r>
+            <a:r>
+              <a:rPr lang="en-US" sz="2800" spc="-1" dirty="0" smtClean="0">
+                <a:solidFill>
+                  <a:srgbClr val="404040"/>
+                </a:solidFill>
+                <a:uFill>
+                  <a:solidFill>
+                    <a:srgbClr val="FFFFFF"/>
+                  </a:solidFill>
+                </a:uFill>
+                <a:latin typeface="Franklin Gothic Medium" panose="020B0603020102020204" pitchFamily="34" charset="0"/>
+              </a:rPr>
+              <a:t> </a:t>
+            </a:r>
+            <a:r>
+              <a:rPr lang="en-US" sz="2800" spc="-1" dirty="0" err="1" smtClean="0">
+                <a:solidFill>
+                  <a:srgbClr val="404040"/>
+                </a:solidFill>
+                <a:uFill>
+                  <a:solidFill>
+                    <a:srgbClr val="FFFFFF"/>
+                  </a:solidFill>
+                </a:uFill>
+                <a:latin typeface="Franklin Gothic Medium" panose="020B0603020102020204" pitchFamily="34" charset="0"/>
+              </a:rPr>
+              <a:t>contesto</a:t>
+            </a:r>
+            <a:r>
+              <a:rPr lang="en-US" sz="2800" spc="-1" dirty="0" smtClean="0">
+                <a:solidFill>
+                  <a:srgbClr val="404040"/>
+                </a:solidFill>
+                <a:uFill>
+                  <a:solidFill>
+                    <a:srgbClr val="FFFFFF"/>
+                  </a:solidFill>
+                </a:uFill>
+                <a:latin typeface="Franklin Gothic Medium" panose="020B0603020102020204" pitchFamily="34" charset="0"/>
+              </a:rPr>
+              <a:t>.</a:t>
+            </a:r>
+          </a:p>
+          <a:p>
+            <a:pPr marL="457200" indent="-457200">
+              <a:buFont typeface="Wingdings" panose="05000000000000000000" pitchFamily="2" charset="2"/>
+              <a:buChar char="§"/>
+            </a:pPr>
+            <a:r>
+              <a:rPr lang="it-IT" sz="2800" spc="-1" dirty="0">
+                <a:solidFill>
+                  <a:srgbClr val="404040"/>
+                </a:solidFill>
+                <a:uFill>
+                  <a:solidFill>
+                    <a:srgbClr val="FFFFFF"/>
+                  </a:solidFill>
+                </a:uFill>
+                <a:latin typeface="Franklin Gothic Medium" panose="020B0603020102020204" pitchFamily="34" charset="0"/>
+              </a:rPr>
+              <a:t>Si cercano tutti i termini simili in </a:t>
+            </a:r>
+            <a:r>
+              <a:rPr lang="it-IT" sz="2800" spc="-1" dirty="0" err="1">
+                <a:solidFill>
+                  <a:srgbClr val="404040"/>
+                </a:solidFill>
+                <a:uFill>
+                  <a:solidFill>
+                    <a:srgbClr val="FFFFFF"/>
+                  </a:solidFill>
+                </a:uFill>
+                <a:latin typeface="Franklin Gothic Medium" panose="020B0603020102020204" pitchFamily="34" charset="0"/>
+              </a:rPr>
+              <a:t>edit</a:t>
+            </a:r>
+            <a:r>
+              <a:rPr lang="it-IT" sz="2800" spc="-1" dirty="0">
+                <a:solidFill>
+                  <a:srgbClr val="404040"/>
+                </a:solidFill>
+                <a:uFill>
+                  <a:solidFill>
+                    <a:srgbClr val="FFFFFF"/>
+                  </a:solidFill>
+                </a:uFill>
+                <a:latin typeface="Franklin Gothic Medium" panose="020B0603020102020204" pitchFamily="34" charset="0"/>
+              </a:rPr>
+              <a:t> </a:t>
+            </a:r>
+            <a:r>
+              <a:rPr lang="it-IT" sz="2800" spc="-1" dirty="0" err="1">
+                <a:solidFill>
+                  <a:srgbClr val="404040"/>
+                </a:solidFill>
+                <a:uFill>
+                  <a:solidFill>
+                    <a:srgbClr val="FFFFFF"/>
+                  </a:solidFill>
+                </a:uFill>
+                <a:latin typeface="Franklin Gothic Medium" panose="020B0603020102020204" pitchFamily="34" charset="0"/>
+              </a:rPr>
+              <a:t>distance</a:t>
+            </a:r>
+            <a:r>
+              <a:rPr lang="it-IT" sz="2800" spc="-1" dirty="0">
+                <a:solidFill>
+                  <a:srgbClr val="404040"/>
+                </a:solidFill>
+                <a:uFill>
+                  <a:solidFill>
+                    <a:srgbClr val="FFFFFF"/>
+                  </a:solidFill>
+                </a:uFill>
+                <a:latin typeface="Franklin Gothic Medium" panose="020B0603020102020204" pitchFamily="34" charset="0"/>
+              </a:rPr>
+              <a:t> ai termini della </a:t>
+            </a:r>
+            <a:r>
+              <a:rPr lang="it-IT" sz="2800" spc="-1" dirty="0" err="1">
+                <a:solidFill>
+                  <a:srgbClr val="404040"/>
+                </a:solidFill>
+                <a:uFill>
+                  <a:solidFill>
+                    <a:srgbClr val="FFFFFF"/>
+                  </a:solidFill>
+                </a:uFill>
+                <a:latin typeface="Franklin Gothic Medium" panose="020B0603020102020204" pitchFamily="34" charset="0"/>
+              </a:rPr>
+              <a:t>query</a:t>
+            </a:r>
+            <a:r>
+              <a:rPr lang="it-IT" sz="2800" spc="-1" dirty="0">
+                <a:solidFill>
+                  <a:srgbClr val="404040"/>
+                </a:solidFill>
+                <a:uFill>
+                  <a:solidFill>
+                    <a:srgbClr val="FFFFFF"/>
+                  </a:solidFill>
+                </a:uFill>
+                <a:latin typeface="Franklin Gothic Medium" panose="020B0603020102020204" pitchFamily="34" charset="0"/>
+              </a:rPr>
+              <a:t>. Si provano tutti i possibili risultati e si suggerisce come alternativa quella con più risultati.</a:t>
+            </a:r>
+            <a:endParaRPr lang="en-US" sz="2800" spc="-1" dirty="0">
               <a:solidFill>
                 <a:srgbClr val="404040"/>
               </a:solidFill>
@@ -12100,7 +13959,7 @@
                   <a:srgbClr val="FFFFFF"/>
                 </a:solidFill>
               </a:uFill>
-              <a:latin typeface="Franklin Gothic Medium"/>
+              <a:latin typeface="Franklin Gothic Medium" panose="020B0603020102020204" pitchFamily="34" charset="0"/>
             </a:endParaRPr>
           </a:p>
         </p:txBody>
@@ -13720,17 +15579,34 @@
           <a:bodyPr anchor="ctr"/>
           <a:lstStyle/>
           <a:p>
-            <a:endParaRPr lang="en-US" sz="3600" spc="-1" dirty="0">
-              <a:solidFill>
-                <a:srgbClr val="FFFFFF"/>
-              </a:solidFill>
-              <a:uFill>
+            <a:r>
+              <a:rPr lang="en-US" sz="3600" spc="-1" dirty="0" err="1" smtClean="0">
                 <a:solidFill>
                   <a:srgbClr val="FFFFFF"/>
                 </a:solidFill>
-              </a:uFill>
-              <a:latin typeface="Franklin Gothic Medium"/>
-            </a:endParaRPr>
+                <a:uFill>
+                  <a:solidFill>
+                    <a:srgbClr val="FFFFFF"/>
+                  </a:solidFill>
+                </a:uFill>
+                <a:latin typeface="Franklin Gothic Medium"/>
+              </a:rPr>
+              <a:t>Modelli</a:t>
+            </a:r>
+            <a:r>
+              <a:rPr lang="en-US" sz="3600" spc="-1" dirty="0" smtClean="0">
+                <a:solidFill>
+                  <a:srgbClr val="FFFFFF"/>
+                </a:solidFill>
+                <a:uFill>
+                  <a:solidFill>
+                    <a:srgbClr val="FFFFFF"/>
+                  </a:solidFill>
+                </a:uFill>
+                <a:latin typeface="Franklin Gothic Medium"/>
+              </a:rPr>
+              <a:t> di information retrieval</a:t>
+            </a:r>
           </a:p>
         </p:txBody>
       </p:sp>
@@ -13757,6 +15633,10 @@
           <a:bodyPr/>
           <a:lstStyle/>
           <a:p>
+            <a:pPr marL="457200" indent="-457200">
+              <a:buFont typeface="Wingdings" panose="05000000000000000000" pitchFamily="2" charset="2"/>
+              <a:buChar char="§"/>
+            </a:pPr>
             <a:endParaRPr lang="en-US" sz="2800" spc="-1" dirty="0" smtClean="0">
               <a:solidFill>
                 <a:srgbClr val="404040"/>
@@ -13774,7 +15654,7 @@
     </p:spTree>
     <p:extLst>
       <p:ext uri="{BB962C8B-B14F-4D97-AF65-F5344CB8AC3E}">
-        <p14:creationId xmlns:p14="http://schemas.microsoft.com/office/powerpoint/2010/main" val="2182911997"/>
+        <p14:creationId xmlns:p14="http://schemas.microsoft.com/office/powerpoint/2010/main" val="198221644"/>
       </p:ext>
     </p:extLst>
   </p:cSld>
@@ -13833,56 +15713,748 @@
       </p:grpSpPr>
       <p:sp>
         <p:nvSpPr>
-          <p:cNvPr id="2" name="Titolo 1"/>
-          <p:cNvSpPr>
-            <a:spLocks noGrp="1"/>
-          </p:cNvSpPr>
-          <p:nvPr>
-            <p:ph type="title"/>
-          </p:nvPr>
+          <p:cNvPr id="100" name="TextShape 1"/>
+          <p:cNvSpPr txBox="1"/>
+          <p:nvPr/>
         </p:nvSpPr>
-        <p:spPr/>
+        <p:spPr>
+          <a:xfrm>
+            <a:off x="479520" y="0"/>
+            <a:ext cx="11568240" cy="1268280"/>
+          </a:xfrm>
+          <a:prstGeom prst="rect">
+            <a:avLst/>
+          </a:prstGeom>
+          <a:noFill/>
+          <a:ln>
+            <a:noFill/>
+          </a:ln>
+        </p:spPr>
         <p:txBody>
-          <a:bodyPr/>
+          <a:bodyPr anchor="ctr"/>
           <a:lstStyle/>
           <a:p>
-            <a:endParaRPr lang="it-IT"/>
+            <a:r>
+              <a:rPr lang="en-US" sz="3600" spc="-1" dirty="0" err="1" smtClean="0">
+                <a:solidFill>
+                  <a:srgbClr val="FFFFFF"/>
+                </a:solidFill>
+                <a:uFill>
+                  <a:solidFill>
+                    <a:srgbClr val="FFFFFF"/>
+                  </a:solidFill>
+                </a:uFill>
+                <a:latin typeface="Franklin Gothic Medium"/>
+              </a:rPr>
+              <a:t>Valutazione</a:t>
+            </a:r>
+            <a:endParaRPr lang="en-US" sz="3600" spc="-1" dirty="0" smtClean="0">
+              <a:solidFill>
+                <a:srgbClr val="FFFFFF"/>
+              </a:solidFill>
+              <a:uFill>
+                <a:solidFill>
+                  <a:srgbClr val="FFFFFF"/>
+                </a:solidFill>
+              </a:uFill>
+              <a:latin typeface="Franklin Gothic Medium"/>
+            </a:endParaRPr>
           </a:p>
         </p:txBody>
       </p:sp>
       <p:sp>
         <p:nvSpPr>
-          <p:cNvPr id="3" name="Sottotitolo 2"/>
-          <p:cNvSpPr>
-            <a:spLocks noGrp="1"/>
-          </p:cNvSpPr>
-          <p:nvPr>
-            <p:ph type="subTitle"/>
-          </p:nvPr>
+          <p:cNvPr id="101" name="TextShape 2"/>
+          <p:cNvSpPr txBox="1"/>
+          <p:nvPr/>
         </p:nvSpPr>
-        <p:spPr/>
+        <p:spPr>
+          <a:xfrm>
+            <a:off x="479520" y="1484640"/>
+            <a:ext cx="11304720" cy="4915800"/>
+          </a:xfrm>
+          <a:prstGeom prst="rect">
+            <a:avLst/>
+          </a:prstGeom>
+          <a:noFill/>
+          <a:ln>
+            <a:noFill/>
+          </a:ln>
+        </p:spPr>
         <p:txBody>
           <a:bodyPr/>
           <a:lstStyle/>
           <a:p>
-            <a:endParaRPr lang="it-IT"/>
+            <a:pPr marL="457200" indent="-457200">
+              <a:buFont typeface="Wingdings" panose="05000000000000000000" pitchFamily="2" charset="2"/>
+              <a:buChar char="§"/>
+            </a:pPr>
+            <a:r>
+              <a:rPr lang="en-US" sz="2800" spc="-1" dirty="0" smtClean="0">
+                <a:solidFill>
+                  <a:srgbClr val="404040"/>
+                </a:solidFill>
+                <a:uFill>
+                  <a:solidFill>
+                    <a:srgbClr val="FFFFFF"/>
+                  </a:solidFill>
+                </a:uFill>
+                <a:latin typeface="Franklin Gothic Medium"/>
+              </a:rPr>
+              <a:t>Le </a:t>
+            </a:r>
+            <a:r>
+              <a:rPr lang="en-US" sz="2800" spc="-1" dirty="0" err="1" smtClean="0">
+                <a:solidFill>
+                  <a:srgbClr val="404040"/>
+                </a:solidFill>
+                <a:uFill>
+                  <a:solidFill>
+                    <a:srgbClr val="FFFFFF"/>
+                  </a:solidFill>
+                </a:uFill>
+                <a:latin typeface="Franklin Gothic Medium"/>
+              </a:rPr>
+              <a:t>modalità</a:t>
+            </a:r>
+            <a:r>
+              <a:rPr lang="en-US" sz="2800" spc="-1" dirty="0" smtClean="0">
+                <a:solidFill>
+                  <a:srgbClr val="404040"/>
+                </a:solidFill>
+                <a:uFill>
+                  <a:solidFill>
+                    <a:srgbClr val="FFFFFF"/>
+                  </a:solidFill>
+                </a:uFill>
+                <a:latin typeface="Franklin Gothic Medium"/>
+              </a:rPr>
+              <a:t> di </a:t>
+            </a:r>
+            <a:r>
+              <a:rPr lang="en-US" sz="2800" spc="-1" dirty="0" err="1" smtClean="0">
+                <a:solidFill>
+                  <a:srgbClr val="404040"/>
+                </a:solidFill>
+                <a:uFill>
+                  <a:solidFill>
+                    <a:srgbClr val="FFFFFF"/>
+                  </a:solidFill>
+                </a:uFill>
+                <a:latin typeface="Franklin Gothic Medium"/>
+              </a:rPr>
+              <a:t>valutazione</a:t>
+            </a:r>
+            <a:r>
+              <a:rPr lang="en-US" sz="2800" spc="-1" dirty="0" smtClean="0">
+                <a:solidFill>
+                  <a:srgbClr val="404040"/>
+                </a:solidFill>
+                <a:uFill>
+                  <a:solidFill>
+                    <a:srgbClr val="FFFFFF"/>
+                  </a:solidFill>
+                </a:uFill>
+                <a:latin typeface="Franklin Gothic Medium"/>
+              </a:rPr>
+              <a:t> </a:t>
+            </a:r>
+            <a:r>
+              <a:rPr lang="en-US" sz="2800" spc="-1" dirty="0" err="1" smtClean="0">
+                <a:solidFill>
+                  <a:srgbClr val="404040"/>
+                </a:solidFill>
+                <a:uFill>
+                  <a:solidFill>
+                    <a:srgbClr val="FFFFFF"/>
+                  </a:solidFill>
+                </a:uFill>
+                <a:latin typeface="Franklin Gothic Medium"/>
+              </a:rPr>
+              <a:t>dei</a:t>
+            </a:r>
+            <a:r>
+              <a:rPr lang="en-US" sz="2800" spc="-1" dirty="0" smtClean="0">
+                <a:solidFill>
+                  <a:srgbClr val="404040"/>
+                </a:solidFill>
+                <a:uFill>
+                  <a:solidFill>
+                    <a:srgbClr val="FFFFFF"/>
+                  </a:solidFill>
+                </a:uFill>
+                <a:latin typeface="Franklin Gothic Medium"/>
+              </a:rPr>
+              <a:t> </a:t>
+            </a:r>
+            <a:r>
+              <a:rPr lang="en-US" sz="2800" spc="-1" dirty="0" err="1" smtClean="0">
+                <a:solidFill>
+                  <a:srgbClr val="404040"/>
+                </a:solidFill>
+                <a:uFill>
+                  <a:solidFill>
+                    <a:srgbClr val="FFFFFF"/>
+                  </a:solidFill>
+                </a:uFill>
+                <a:latin typeface="Franklin Gothic Medium"/>
+              </a:rPr>
+              <a:t>modelli</a:t>
+            </a:r>
+            <a:r>
+              <a:rPr lang="en-US" sz="2800" spc="-1" dirty="0" smtClean="0">
+                <a:solidFill>
+                  <a:srgbClr val="404040"/>
+                </a:solidFill>
+                <a:uFill>
+                  <a:solidFill>
+                    <a:srgbClr val="FFFFFF"/>
+                  </a:solidFill>
+                </a:uFill>
+                <a:latin typeface="Franklin Gothic Medium"/>
+              </a:rPr>
+              <a:t> </a:t>
+            </a:r>
+            <a:r>
+              <a:rPr lang="en-US" sz="2800" spc="-1" dirty="0" err="1" smtClean="0">
+                <a:solidFill>
+                  <a:srgbClr val="404040"/>
+                </a:solidFill>
+                <a:uFill>
+                  <a:solidFill>
+                    <a:srgbClr val="FFFFFF"/>
+                  </a:solidFill>
+                </a:uFill>
+                <a:latin typeface="Franklin Gothic Medium"/>
+              </a:rPr>
+              <a:t>possono</a:t>
+            </a:r>
+            <a:r>
+              <a:rPr lang="en-US" sz="2800" spc="-1" dirty="0" smtClean="0">
+                <a:solidFill>
+                  <a:srgbClr val="404040"/>
+                </a:solidFill>
+                <a:uFill>
+                  <a:solidFill>
+                    <a:srgbClr val="FFFFFF"/>
+                  </a:solidFill>
+                </a:uFill>
+                <a:latin typeface="Franklin Gothic Medium"/>
+              </a:rPr>
+              <a:t> </a:t>
+            </a:r>
+            <a:r>
+              <a:rPr lang="en-US" sz="2800" spc="-1" dirty="0" err="1" smtClean="0">
+                <a:solidFill>
+                  <a:srgbClr val="404040"/>
+                </a:solidFill>
+                <a:uFill>
+                  <a:solidFill>
+                    <a:srgbClr val="FFFFFF"/>
+                  </a:solidFill>
+                </a:uFill>
+                <a:latin typeface="Franklin Gothic Medium"/>
+              </a:rPr>
+              <a:t>basarsi</a:t>
+            </a:r>
+            <a:r>
+              <a:rPr lang="en-US" sz="2800" spc="-1" dirty="0" smtClean="0">
+                <a:solidFill>
+                  <a:srgbClr val="404040"/>
+                </a:solidFill>
+                <a:uFill>
+                  <a:solidFill>
+                    <a:srgbClr val="FFFFFF"/>
+                  </a:solidFill>
+                </a:uFill>
+                <a:latin typeface="Franklin Gothic Medium"/>
+              </a:rPr>
+              <a:t> </a:t>
+            </a:r>
+            <a:r>
+              <a:rPr lang="en-US" sz="2800" spc="-1" dirty="0" err="1" smtClean="0">
+                <a:solidFill>
+                  <a:srgbClr val="404040"/>
+                </a:solidFill>
+                <a:uFill>
+                  <a:solidFill>
+                    <a:srgbClr val="FFFFFF"/>
+                  </a:solidFill>
+                </a:uFill>
+                <a:latin typeface="Franklin Gothic Medium"/>
+              </a:rPr>
+              <a:t>su</a:t>
+            </a:r>
+            <a:r>
+              <a:rPr lang="en-US" sz="2800" spc="-1" dirty="0" smtClean="0">
+                <a:solidFill>
+                  <a:srgbClr val="404040"/>
+                </a:solidFill>
+                <a:uFill>
+                  <a:solidFill>
+                    <a:srgbClr val="FFFFFF"/>
+                  </a:solidFill>
+                </a:uFill>
+                <a:latin typeface="Franklin Gothic Medium"/>
+              </a:rPr>
+              <a:t>:</a:t>
+            </a:r>
+          </a:p>
+          <a:p>
+            <a:pPr marL="914400" lvl="1" indent="-457200">
+              <a:buFont typeface="Wingdings" panose="05000000000000000000" pitchFamily="2" charset="2"/>
+              <a:buChar char="§"/>
+            </a:pPr>
+            <a:r>
+              <a:rPr lang="en-US" sz="2800" spc="-1" dirty="0" err="1" smtClean="0">
+                <a:solidFill>
+                  <a:srgbClr val="404040"/>
+                </a:solidFill>
+                <a:uFill>
+                  <a:solidFill>
+                    <a:srgbClr val="FFFFFF"/>
+                  </a:solidFill>
+                </a:uFill>
+                <a:latin typeface="Franklin Gothic Medium"/>
+              </a:rPr>
+              <a:t>velocità</a:t>
+            </a:r>
+            <a:r>
+              <a:rPr lang="en-US" sz="2800" spc="-1" dirty="0" smtClean="0">
+                <a:solidFill>
+                  <a:srgbClr val="404040"/>
+                </a:solidFill>
+                <a:uFill>
+                  <a:solidFill>
+                    <a:srgbClr val="FFFFFF"/>
+                  </a:solidFill>
+                </a:uFill>
+                <a:latin typeface="Franklin Gothic Medium"/>
+              </a:rPr>
+              <a:t> di </a:t>
+            </a:r>
+            <a:r>
+              <a:rPr lang="en-US" sz="2800" spc="-1" dirty="0" err="1" smtClean="0">
+                <a:solidFill>
+                  <a:srgbClr val="404040"/>
+                </a:solidFill>
+                <a:uFill>
+                  <a:solidFill>
+                    <a:srgbClr val="FFFFFF"/>
+                  </a:solidFill>
+                </a:uFill>
+                <a:latin typeface="Franklin Gothic Medium"/>
+              </a:rPr>
+              <a:t>creazione</a:t>
+            </a:r>
+            <a:r>
+              <a:rPr lang="en-US" sz="2800" spc="-1" dirty="0" smtClean="0">
+                <a:solidFill>
+                  <a:srgbClr val="404040"/>
+                </a:solidFill>
+                <a:uFill>
+                  <a:solidFill>
+                    <a:srgbClr val="FFFFFF"/>
+                  </a:solidFill>
+                </a:uFill>
+                <a:latin typeface="Franklin Gothic Medium"/>
+              </a:rPr>
+              <a:t> </a:t>
+            </a:r>
+            <a:r>
+              <a:rPr lang="en-US" sz="2800" spc="-1" dirty="0" err="1" smtClean="0">
+                <a:solidFill>
+                  <a:srgbClr val="404040"/>
+                </a:solidFill>
+                <a:uFill>
+                  <a:solidFill>
+                    <a:srgbClr val="FFFFFF"/>
+                  </a:solidFill>
+                </a:uFill>
+                <a:latin typeface="Franklin Gothic Medium"/>
+              </a:rPr>
+              <a:t>dell’indice</a:t>
+            </a:r>
+            <a:endParaRPr lang="en-US" sz="2800" spc="-1" dirty="0" smtClean="0">
+              <a:solidFill>
+                <a:srgbClr val="404040"/>
+              </a:solidFill>
+              <a:uFill>
+                <a:solidFill>
+                  <a:srgbClr val="FFFFFF"/>
+                </a:solidFill>
+              </a:uFill>
+              <a:latin typeface="Franklin Gothic Medium"/>
+            </a:endParaRPr>
+          </a:p>
+          <a:p>
+            <a:pPr marL="914400" lvl="1" indent="-457200">
+              <a:buFont typeface="Wingdings" panose="05000000000000000000" pitchFamily="2" charset="2"/>
+              <a:buChar char="§"/>
+            </a:pPr>
+            <a:r>
+              <a:rPr lang="en-US" sz="2800" spc="-1" dirty="0" err="1" smtClean="0">
+                <a:solidFill>
+                  <a:srgbClr val="404040"/>
+                </a:solidFill>
+                <a:uFill>
+                  <a:solidFill>
+                    <a:srgbClr val="FFFFFF"/>
+                  </a:solidFill>
+                </a:uFill>
+                <a:latin typeface="Franklin Gothic Medium"/>
+              </a:rPr>
+              <a:t>velocità</a:t>
+            </a:r>
+            <a:r>
+              <a:rPr lang="en-US" sz="2800" spc="-1" dirty="0" smtClean="0">
+                <a:solidFill>
+                  <a:srgbClr val="404040"/>
+                </a:solidFill>
+                <a:uFill>
+                  <a:solidFill>
+                    <a:srgbClr val="FFFFFF"/>
+                  </a:solidFill>
+                </a:uFill>
+                <a:latin typeface="Franklin Gothic Medium"/>
+              </a:rPr>
+              <a:t> di </a:t>
+            </a:r>
+            <a:r>
+              <a:rPr lang="en-US" sz="2800" spc="-1" dirty="0" err="1" smtClean="0">
+                <a:solidFill>
+                  <a:srgbClr val="404040"/>
+                </a:solidFill>
+                <a:uFill>
+                  <a:solidFill>
+                    <a:srgbClr val="FFFFFF"/>
+                  </a:solidFill>
+                </a:uFill>
+                <a:latin typeface="Franklin Gothic Medium"/>
+              </a:rPr>
+              <a:t>ricerca</a:t>
+            </a:r>
+            <a:endParaRPr lang="en-US" sz="2800" spc="-1" dirty="0" smtClean="0">
+              <a:solidFill>
+                <a:srgbClr val="404040"/>
+              </a:solidFill>
+              <a:uFill>
+                <a:solidFill>
+                  <a:srgbClr val="FFFFFF"/>
+                </a:solidFill>
+              </a:uFill>
+              <a:latin typeface="Franklin Gothic Medium"/>
+            </a:endParaRPr>
+          </a:p>
+          <a:p>
+            <a:pPr marL="914400" lvl="1" indent="-457200">
+              <a:buFont typeface="Wingdings" panose="05000000000000000000" pitchFamily="2" charset="2"/>
+              <a:buChar char="§"/>
+            </a:pPr>
+            <a:r>
+              <a:rPr lang="en-US" sz="2800" spc="-1" dirty="0" err="1" smtClean="0">
+                <a:solidFill>
+                  <a:srgbClr val="404040"/>
+                </a:solidFill>
+                <a:uFill>
+                  <a:solidFill>
+                    <a:srgbClr val="FFFFFF"/>
+                  </a:solidFill>
+                </a:uFill>
+                <a:latin typeface="Franklin Gothic Medium"/>
+              </a:rPr>
+              <a:t>espressività</a:t>
+            </a:r>
+            <a:r>
+              <a:rPr lang="en-US" sz="2800" spc="-1" dirty="0" smtClean="0">
+                <a:solidFill>
+                  <a:srgbClr val="404040"/>
+                </a:solidFill>
+                <a:uFill>
+                  <a:solidFill>
+                    <a:srgbClr val="FFFFFF"/>
+                  </a:solidFill>
+                </a:uFill>
+                <a:latin typeface="Franklin Gothic Medium"/>
+              </a:rPr>
+              <a:t> del </a:t>
+            </a:r>
+            <a:r>
+              <a:rPr lang="en-US" sz="2800" spc="-1" dirty="0" err="1" smtClean="0">
+                <a:solidFill>
+                  <a:srgbClr val="404040"/>
+                </a:solidFill>
+                <a:uFill>
+                  <a:solidFill>
+                    <a:srgbClr val="FFFFFF"/>
+                  </a:solidFill>
+                </a:uFill>
+                <a:latin typeface="Franklin Gothic Medium"/>
+              </a:rPr>
+              <a:t>linguaggio</a:t>
+            </a:r>
+            <a:r>
+              <a:rPr lang="en-US" sz="2800" spc="-1" dirty="0" smtClean="0">
+                <a:solidFill>
+                  <a:srgbClr val="404040"/>
+                </a:solidFill>
+                <a:uFill>
+                  <a:solidFill>
+                    <a:srgbClr val="FFFFFF"/>
+                  </a:solidFill>
+                </a:uFill>
+                <a:latin typeface="Franklin Gothic Medium"/>
+              </a:rPr>
+              <a:t> di query</a:t>
+            </a:r>
+          </a:p>
+          <a:p>
+            <a:pPr marL="457200" indent="-457200">
+              <a:buFont typeface="Wingdings" panose="05000000000000000000" pitchFamily="2" charset="2"/>
+              <a:buChar char="§"/>
+            </a:pPr>
+            <a:endParaRPr lang="en-US" sz="2800" spc="-1" dirty="0">
+              <a:solidFill>
+                <a:srgbClr val="404040"/>
+              </a:solidFill>
+              <a:uFill>
+                <a:solidFill>
+                  <a:srgbClr val="FFFFFF"/>
+                </a:solidFill>
+              </a:uFill>
+              <a:latin typeface="Franklin Gothic Medium"/>
+            </a:endParaRPr>
+          </a:p>
+          <a:p>
+            <a:pPr marL="457200" indent="-457200">
+              <a:buFont typeface="Wingdings" panose="05000000000000000000" pitchFamily="2" charset="2"/>
+              <a:buChar char="§"/>
+            </a:pPr>
+            <a:r>
+              <a:rPr lang="en-US" sz="2800" spc="-1" dirty="0" err="1" smtClean="0">
+                <a:solidFill>
+                  <a:srgbClr val="404040"/>
+                </a:solidFill>
+                <a:uFill>
+                  <a:solidFill>
+                    <a:srgbClr val="FFFFFF"/>
+                  </a:solidFill>
+                </a:uFill>
+                <a:latin typeface="Franklin Gothic Medium"/>
+              </a:rPr>
+              <a:t>Misure</a:t>
+            </a:r>
+            <a:r>
+              <a:rPr lang="en-US" sz="2800" spc="-1" dirty="0" smtClean="0">
+                <a:solidFill>
+                  <a:srgbClr val="404040"/>
+                </a:solidFill>
+                <a:uFill>
+                  <a:solidFill>
+                    <a:srgbClr val="FFFFFF"/>
+                  </a:solidFill>
+                </a:uFill>
+                <a:latin typeface="Franklin Gothic Medium"/>
+              </a:rPr>
+              <a:t> </a:t>
+            </a:r>
+            <a:r>
+              <a:rPr lang="en-US" sz="2800" spc="-1" dirty="0" err="1" smtClean="0">
+                <a:solidFill>
+                  <a:srgbClr val="404040"/>
+                </a:solidFill>
+                <a:uFill>
+                  <a:solidFill>
+                    <a:srgbClr val="FFFFFF"/>
+                  </a:solidFill>
+                </a:uFill>
+                <a:latin typeface="Franklin Gothic Medium"/>
+              </a:rPr>
+              <a:t>introdotte</a:t>
+            </a:r>
+            <a:r>
+              <a:rPr lang="en-US" sz="2800" spc="-1" dirty="0" smtClean="0">
+                <a:solidFill>
+                  <a:srgbClr val="404040"/>
+                </a:solidFill>
+                <a:uFill>
+                  <a:solidFill>
+                    <a:srgbClr val="FFFFFF"/>
+                  </a:solidFill>
+                </a:uFill>
+                <a:latin typeface="Franklin Gothic Medium"/>
+              </a:rPr>
+              <a:t>:</a:t>
+            </a:r>
+          </a:p>
+          <a:p>
+            <a:pPr marL="914400" lvl="1" indent="-457200">
+              <a:buFont typeface="Wingdings" panose="05000000000000000000" pitchFamily="2" charset="2"/>
+              <a:buChar char="§"/>
+            </a:pPr>
+            <a:r>
+              <a:rPr lang="en-US" sz="2800" spc="-1" dirty="0" smtClean="0">
+                <a:solidFill>
+                  <a:srgbClr val="404040"/>
+                </a:solidFill>
+                <a:uFill>
+                  <a:solidFill>
+                    <a:srgbClr val="FFFFFF"/>
+                  </a:solidFill>
+                </a:uFill>
+                <a:latin typeface="Franklin Gothic Medium"/>
+              </a:rPr>
+              <a:t>happiness</a:t>
+            </a:r>
+          </a:p>
+          <a:p>
+            <a:pPr marL="914400" lvl="1" indent="-457200">
+              <a:buFont typeface="Wingdings" panose="05000000000000000000" pitchFamily="2" charset="2"/>
+              <a:buChar char="§"/>
+            </a:pPr>
+            <a:r>
+              <a:rPr lang="en-US" sz="2800" spc="-1" dirty="0" err="1" smtClean="0">
+                <a:solidFill>
+                  <a:srgbClr val="404040"/>
+                </a:solidFill>
+                <a:uFill>
+                  <a:solidFill>
+                    <a:srgbClr val="FFFFFF"/>
+                  </a:solidFill>
+                </a:uFill>
+                <a:latin typeface="Franklin Gothic Medium"/>
+              </a:rPr>
+              <a:t>efficacia</a:t>
+            </a:r>
+            <a:endParaRPr lang="en-US" sz="2800" spc="-1" dirty="0">
+              <a:solidFill>
+                <a:srgbClr val="404040"/>
+              </a:solidFill>
+              <a:uFill>
+                <a:solidFill>
+                  <a:srgbClr val="FFFFFF"/>
+                </a:solidFill>
+              </a:uFill>
+              <a:latin typeface="Franklin Gothic Medium"/>
+            </a:endParaRPr>
+          </a:p>
+          <a:p>
+            <a:pPr marL="914400" lvl="1" indent="-457200">
+              <a:buFont typeface="Wingdings" panose="05000000000000000000" pitchFamily="2" charset="2"/>
+              <a:buChar char="§"/>
+            </a:pPr>
+            <a:r>
+              <a:rPr lang="en-US" sz="2800" spc="-1" dirty="0" smtClean="0">
+                <a:solidFill>
+                  <a:srgbClr val="404040"/>
+                </a:solidFill>
+                <a:uFill>
+                  <a:solidFill>
+                    <a:srgbClr val="FFFFFF"/>
+                  </a:solidFill>
+                </a:uFill>
+                <a:latin typeface="Franklin Gothic Medium"/>
+              </a:rPr>
+              <a:t>Preci</a:t>
+            </a:r>
+            <a:r>
+              <a:rPr lang="en-US" sz="2800" spc="-1" dirty="0" smtClean="0">
+                <a:solidFill>
+                  <a:srgbClr val="404040"/>
+                </a:solidFill>
+                <a:uFill>
+                  <a:solidFill>
+                    <a:srgbClr val="FFFFFF"/>
+                  </a:solidFill>
+                </a:uFill>
+                <a:latin typeface="Franklin Gothic Medium"/>
+              </a:rPr>
+              <a:t>sion-Recall</a:t>
+            </a:r>
+          </a:p>
+          <a:p>
+            <a:pPr marL="914400" lvl="1" indent="-457200">
+              <a:buFont typeface="Wingdings" panose="05000000000000000000" pitchFamily="2" charset="2"/>
+              <a:buChar char="§"/>
+            </a:pPr>
+            <a:r>
+              <a:rPr lang="en-US" sz="2800" spc="-1" dirty="0" err="1" smtClean="0">
+                <a:solidFill>
+                  <a:srgbClr val="404040"/>
+                </a:solidFill>
+                <a:uFill>
+                  <a:solidFill>
+                    <a:srgbClr val="FFFFFF"/>
+                  </a:solidFill>
+                </a:uFill>
+                <a:latin typeface="Franklin Gothic Medium"/>
+              </a:rPr>
+              <a:t>Rrecision</a:t>
+            </a:r>
+            <a:endParaRPr lang="en-US" sz="2800" spc="-1" dirty="0" smtClean="0">
+              <a:solidFill>
+                <a:srgbClr val="404040"/>
+              </a:solidFill>
+              <a:uFill>
+                <a:solidFill>
+                  <a:srgbClr val="FFFFFF"/>
+                </a:solidFill>
+              </a:uFill>
+              <a:latin typeface="Franklin Gothic Medium"/>
+            </a:endParaRPr>
+          </a:p>
+          <a:p>
+            <a:endParaRPr lang="en-US" sz="2800" spc="-1" dirty="0" smtClean="0">
+              <a:solidFill>
+                <a:srgbClr val="404040"/>
+              </a:solidFill>
+              <a:uFill>
+                <a:solidFill>
+                  <a:srgbClr val="FFFFFF"/>
+                </a:solidFill>
+              </a:uFill>
+              <a:latin typeface="Franklin Gothic Medium"/>
+            </a:endParaRPr>
           </a:p>
         </p:txBody>
       </p:sp>
     </p:spTree>
     <p:extLst>
       <p:ext uri="{BB962C8B-B14F-4D97-AF65-F5344CB8AC3E}">
-        <p14:creationId xmlns:p14="http://schemas.microsoft.com/office/powerpoint/2010/main" val="1607427928"/>
+        <p14:creationId xmlns:p14="http://schemas.microsoft.com/office/powerpoint/2010/main" val="2757128874"/>
       </p:ext>
     </p:extLst>
   </p:cSld>
   <p:clrMapOvr>
     <a:masterClrMapping/>
   </p:clrMapOvr>
+  <p:transition spd="med">
+    <p:fade/>
+  </p:transition>
   <p:timing>
     <p:tnLst>
       <p:par>
-        <p:cTn id="1" dur="indefinite" restart="never" nodeType="tmRoot"/>
+        <p:cTn id="1" dur="indefinite" restart="never" nodeType="tmRoot">
+          <p:childTnLst>
+            <p:seq>
+              <p:cTn id="2" nodeType="mainSeq"/>
+              <p:prevCondLst>
+                <p:cond evt="onPrev" delay="0">
+                  <p:tgtEl>
+                    <p:sldTgt/>
+                  </p:tgtEl>
+                </p:cond>
+              </p:prevCondLst>
+              <p:nextCondLst>
+                <p:cond evt="onNext" delay="0">
+                  <p:tgtEl>
+                    <p:sldTgt/>
+                  </p:tgtEl>
+                </p:cond>
+              </p:nextCondLst>
+            </p:seq>
+          </p:childTnLst>
+        </p:cTn>
       </p:par>
     </p:tnLst>
   </p:timing>
@@ -13929,6 +16501,20 @@
           <a:bodyPr anchor="ctr"/>
           <a:lstStyle/>
           <a:p>
+            <a:r>
+              <a:rPr lang="en-US" sz="3600" spc="-1" dirty="0" smtClean="0">
+                <a:solidFill>
+                  <a:srgbClr val="FFFFFF"/>
+                </a:solidFill>
+                <a:uFill>
+                  <a:solidFill>
+                    <a:srgbClr val="FFFFFF"/>
+                  </a:solidFill>
+                </a:uFill>
+                <a:latin typeface="Franklin Gothic Medium"/>
+              </a:rPr>
+              <a:t>Precision-Recall</a:t>
+            </a:r>
             <a:endParaRPr lang="en-US" sz="3600" spc="-1" dirty="0">
               <a:solidFill>
                 <a:srgbClr val="FFFFFF"/>
@@ -13966,6 +16552,324 @@
           <a:bodyPr/>
           <a:lstStyle/>
           <a:p>
+            <a:pPr marL="457200" indent="-457200">
+              <a:buFont typeface="Wingdings" panose="05000000000000000000" pitchFamily="2" charset="2"/>
+              <a:buChar char="§"/>
+            </a:pPr>
+            <a:r>
+              <a:rPr lang="en-US" sz="2800" spc="-1" dirty="0" smtClean="0">
+                <a:solidFill>
+                  <a:srgbClr val="404040"/>
+                </a:solidFill>
+                <a:uFill>
+                  <a:solidFill>
+                    <a:srgbClr val="FFFFFF"/>
+                  </a:solidFill>
+                </a:uFill>
+                <a:latin typeface="Franklin Gothic Medium"/>
+              </a:rPr>
+              <a:t>Di </a:t>
+            </a:r>
+            <a:r>
+              <a:rPr lang="en-US" sz="2800" spc="-1" dirty="0" err="1" smtClean="0">
+                <a:solidFill>
+                  <a:srgbClr val="404040"/>
+                </a:solidFill>
+                <a:uFill>
+                  <a:solidFill>
+                    <a:srgbClr val="FFFFFF"/>
+                  </a:solidFill>
+                </a:uFill>
+                <a:latin typeface="Franklin Gothic Medium"/>
+              </a:rPr>
+              <a:t>seguito</a:t>
+            </a:r>
+            <a:r>
+              <a:rPr lang="en-US" sz="2800" spc="-1" dirty="0" smtClean="0">
+                <a:solidFill>
+                  <a:srgbClr val="404040"/>
+                </a:solidFill>
+                <a:uFill>
+                  <a:solidFill>
+                    <a:srgbClr val="FFFFFF"/>
+                  </a:solidFill>
+                </a:uFill>
+                <a:latin typeface="Franklin Gothic Medium"/>
+              </a:rPr>
+              <a:t> </a:t>
+            </a:r>
+            <a:r>
+              <a:rPr lang="en-US" sz="2800" spc="-1" dirty="0" err="1" smtClean="0">
+                <a:solidFill>
+                  <a:srgbClr val="404040"/>
+                </a:solidFill>
+                <a:uFill>
+                  <a:solidFill>
+                    <a:srgbClr val="FFFFFF"/>
+                  </a:solidFill>
+                </a:uFill>
+                <a:latin typeface="Franklin Gothic Medium"/>
+              </a:rPr>
+              <a:t>verrà</a:t>
+            </a:r>
+            <a:r>
+              <a:rPr lang="en-US" sz="2800" spc="-1" dirty="0" smtClean="0">
+                <a:solidFill>
+                  <a:srgbClr val="404040"/>
+                </a:solidFill>
+                <a:uFill>
+                  <a:solidFill>
+                    <a:srgbClr val="FFFFFF"/>
+                  </a:solidFill>
+                </a:uFill>
+                <a:latin typeface="Franklin Gothic Medium"/>
+              </a:rPr>
+              <a:t> </a:t>
+            </a:r>
+            <a:r>
+              <a:rPr lang="en-US" sz="2800" spc="-1" dirty="0" err="1" smtClean="0">
+                <a:solidFill>
+                  <a:srgbClr val="404040"/>
+                </a:solidFill>
+                <a:uFill>
+                  <a:solidFill>
+                    <a:srgbClr val="FFFFFF"/>
+                  </a:solidFill>
+                </a:uFill>
+                <a:latin typeface="Franklin Gothic Medium"/>
+              </a:rPr>
+              <a:t>proposto</a:t>
+            </a:r>
+            <a:r>
+              <a:rPr lang="en-US" sz="2800" spc="-1" dirty="0">
+                <a:solidFill>
+                  <a:srgbClr val="404040"/>
+                </a:solidFill>
+                <a:uFill>
+                  <a:solidFill>
+                    <a:srgbClr val="FFFFFF"/>
+                  </a:solidFill>
+                </a:uFill>
+                <a:latin typeface="Franklin Gothic Medium"/>
+              </a:rPr>
+              <a:t> un </a:t>
+            </a:r>
+            <a:r>
+              <a:rPr lang="en-US" sz="2800" spc="-1" dirty="0" err="1">
+                <a:solidFill>
+                  <a:srgbClr val="404040"/>
+                </a:solidFill>
+                <a:uFill>
+                  <a:solidFill>
+                    <a:srgbClr val="FFFFFF"/>
+                  </a:solidFill>
+                </a:uFill>
+                <a:latin typeface="Franklin Gothic Medium"/>
+              </a:rPr>
+              <a:t>paragone</a:t>
+            </a:r>
+            <a:r>
+              <a:rPr lang="en-US" sz="2800" spc="-1" dirty="0">
+                <a:solidFill>
+                  <a:srgbClr val="404040"/>
+                </a:solidFill>
+                <a:uFill>
+                  <a:solidFill>
+                    <a:srgbClr val="FFFFFF"/>
+                  </a:solidFill>
+                </a:uFill>
+                <a:latin typeface="Franklin Gothic Medium"/>
+              </a:rPr>
+              <a:t> di </a:t>
+            </a:r>
+            <a:r>
+              <a:rPr lang="en-US" sz="2800" spc="-1" dirty="0" smtClean="0">
+                <a:solidFill>
+                  <a:srgbClr val="404040"/>
+                </a:solidFill>
+                <a:uFill>
+                  <a:solidFill>
+                    <a:srgbClr val="FFFFFF"/>
+                  </a:solidFill>
+                </a:uFill>
+                <a:latin typeface="Franklin Gothic Medium"/>
+              </a:rPr>
+              <a:t>precision-recall </a:t>
+            </a:r>
+            <a:r>
+              <a:rPr lang="en-US" sz="2800" spc="-1" dirty="0" err="1" smtClean="0">
+                <a:solidFill>
+                  <a:srgbClr val="404040"/>
+                </a:solidFill>
+                <a:uFill>
+                  <a:solidFill>
+                    <a:srgbClr val="FFFFFF"/>
+                  </a:solidFill>
+                </a:uFill>
+                <a:latin typeface="Franklin Gothic Medium"/>
+              </a:rPr>
+              <a:t>fra</a:t>
+            </a:r>
+            <a:r>
+              <a:rPr lang="en-US" sz="2800" spc="-1" dirty="0" smtClean="0">
+                <a:solidFill>
+                  <a:srgbClr val="404040"/>
+                </a:solidFill>
+                <a:uFill>
+                  <a:solidFill>
+                    <a:srgbClr val="FFFFFF"/>
+                  </a:solidFill>
+                </a:uFill>
+                <a:latin typeface="Franklin Gothic Medium"/>
+              </a:rPr>
+              <a:t> </a:t>
+            </a:r>
+            <a:r>
+              <a:rPr lang="en-US" sz="2800" spc="-1" dirty="0" err="1" smtClean="0">
+                <a:solidFill>
+                  <a:srgbClr val="404040"/>
+                </a:solidFill>
+                <a:uFill>
+                  <a:solidFill>
+                    <a:srgbClr val="FFFFFF"/>
+                  </a:solidFill>
+                </a:uFill>
+                <a:latin typeface="Franklin Gothic Medium"/>
+              </a:rPr>
+              <a:t>diversi</a:t>
+            </a:r>
+            <a:r>
+              <a:rPr lang="en-US" sz="2800" spc="-1" dirty="0">
+                <a:solidFill>
+                  <a:srgbClr val="404040"/>
+                </a:solidFill>
+                <a:uFill>
+                  <a:solidFill>
+                    <a:srgbClr val="FFFFFF"/>
+                  </a:solidFill>
+                </a:uFill>
+                <a:latin typeface="Franklin Gothic Medium"/>
+              </a:rPr>
+              <a:t> </a:t>
+            </a:r>
+            <a:r>
+              <a:rPr lang="en-US" sz="2800" spc="-1" dirty="0" err="1" smtClean="0">
+                <a:solidFill>
+                  <a:srgbClr val="404040"/>
+                </a:solidFill>
+                <a:uFill>
+                  <a:solidFill>
+                    <a:srgbClr val="FFFFFF"/>
+                  </a:solidFill>
+                </a:uFill>
+                <a:latin typeface="Franklin Gothic Medium"/>
+              </a:rPr>
+              <a:t>modelli</a:t>
+            </a:r>
+            <a:r>
+              <a:rPr lang="en-US" sz="2800" spc="-1" dirty="0" smtClean="0">
+                <a:solidFill>
+                  <a:srgbClr val="404040"/>
+                </a:solidFill>
+                <a:uFill>
+                  <a:solidFill>
+                    <a:srgbClr val="FFFFFF"/>
+                  </a:solidFill>
+                </a:uFill>
+                <a:latin typeface="Franklin Gothic Medium"/>
+              </a:rPr>
+              <a:t>.</a:t>
+            </a:r>
+          </a:p>
+          <a:p>
+            <a:pPr marL="914400" lvl="1" indent="-457200">
+              <a:buFont typeface="Wingdings" panose="05000000000000000000" pitchFamily="2" charset="2"/>
+              <a:buChar char="§"/>
+            </a:pPr>
+            <a:r>
+              <a:rPr lang="en-US" sz="2800" spc="-1" dirty="0" smtClean="0">
+                <a:solidFill>
+                  <a:srgbClr val="404040"/>
+                </a:solidFill>
+                <a:uFill>
+                  <a:solidFill>
+                    <a:srgbClr val="FFFFFF"/>
+                  </a:solidFill>
+                </a:uFill>
+                <a:latin typeface="Franklin Gothic Medium"/>
+              </a:rPr>
+              <a:t>query </a:t>
+            </a:r>
+            <a:r>
+              <a:rPr lang="en-US" sz="2800" spc="-1" dirty="0" err="1" smtClean="0">
+                <a:solidFill>
+                  <a:srgbClr val="404040"/>
+                </a:solidFill>
+                <a:uFill>
+                  <a:solidFill>
+                    <a:srgbClr val="FFFFFF"/>
+                  </a:solidFill>
+                </a:uFill>
+                <a:latin typeface="Franklin Gothic Medium"/>
+              </a:rPr>
+              <a:t>posta</a:t>
+            </a:r>
+            <a:r>
+              <a:rPr lang="en-US" sz="2800" spc="-1" dirty="0" smtClean="0">
+                <a:solidFill>
+                  <a:srgbClr val="404040"/>
+                </a:solidFill>
+                <a:uFill>
+                  <a:solidFill>
+                    <a:srgbClr val="FFFFFF"/>
+                  </a:solidFill>
+                </a:uFill>
+                <a:latin typeface="Franklin Gothic Medium"/>
+              </a:rPr>
+              <a:t>: “21-year-old </a:t>
+            </a:r>
+            <a:r>
+              <a:rPr lang="en-US" sz="2800" spc="-1" dirty="0">
+                <a:solidFill>
+                  <a:srgbClr val="404040"/>
+                </a:solidFill>
+                <a:uFill>
+                  <a:solidFill>
+                    <a:srgbClr val="FFFFFF"/>
+                  </a:solidFill>
+                </a:uFill>
+                <a:latin typeface="Franklin Gothic Medium"/>
+              </a:rPr>
+              <a:t>female with progressive </a:t>
+            </a:r>
+            <a:r>
+              <a:rPr lang="en-US" sz="2800" spc="-1" dirty="0" err="1">
+                <a:solidFill>
+                  <a:srgbClr val="404040"/>
+                </a:solidFill>
+                <a:uFill>
+                  <a:solidFill>
+                    <a:srgbClr val="FFFFFF"/>
+                  </a:solidFill>
+                </a:uFill>
+                <a:latin typeface="Franklin Gothic Medium"/>
+              </a:rPr>
+              <a:t>arthralgias</a:t>
+            </a:r>
+            <a:r>
+              <a:rPr lang="en-US" sz="2800" spc="-1" dirty="0">
+                <a:solidFill>
+                  <a:srgbClr val="404040"/>
+                </a:solidFill>
+                <a:uFill>
+                  <a:solidFill>
+                    <a:srgbClr val="FFFFFF"/>
+                  </a:solidFill>
+                </a:uFill>
+                <a:latin typeface="Franklin Gothic Medium"/>
+              </a:rPr>
+              <a:t>, fatigue, and butterfly-shaped facial rash. Labs are significant for positive ANA and anti-double-stranded DNA, as well as proteinuria and RBC casts.”</a:t>
+            </a:r>
             <a:endParaRPr lang="en-US" sz="2800" spc="-1" dirty="0" smtClean="0">
               <a:solidFill>
                 <a:srgbClr val="404040"/>
@@ -13983,7 +16887,1394 @@
     </p:spTree>
     <p:extLst>
       <p:ext uri="{BB962C8B-B14F-4D97-AF65-F5344CB8AC3E}">
+        <p14:creationId xmlns:p14="http://schemas.microsoft.com/office/powerpoint/2010/main" val="1367683897"/>
+      </p:ext>
+    </p:extLst>
+  </p:cSld>
+  <p:clrMapOvr>
+    <a:masterClrMapping/>
+  </p:clrMapOvr>
+  <p:transition spd="med">
+    <p:fade/>
+  </p:transition>
+  <p:timing>
+    <p:tnLst>
+      <p:par>
+        <p:cTn id="1" dur="indefinite" restart="never" nodeType="tmRoot">
+          <p:childTnLst>
+            <p:seq>
+              <p:cTn id="2" nodeType="mainSeq"/>
+              <p:prevCondLst>
+                <p:cond evt="onPrev" delay="0">
+                  <p:tgtEl>
+                    <p:sldTgt/>
+                  </p:tgtEl>
+                </p:cond>
+              </p:prevCondLst>
+              <p:nextCondLst>
+                <p:cond evt="onNext" delay="0">
+                  <p:tgtEl>
+                    <p:sldTgt/>
+                  </p:tgtEl>
+                </p:cond>
+              </p:nextCondLst>
+            </p:seq>
+          </p:childTnLst>
+        </p:cTn>
+      </p:par>
+    </p:tnLst>
+  </p:timing>
+</p:sld>
+</file>
+
+<file path=ppt/slides/slide23.xml><?xml version="1.0" encoding="utf-8"?>
+<p:sld xmlns:a="http://schemas.openxmlformats.org/drawingml/2006/main" xmlns:r="http://schemas.openxmlformats.org/officeDocument/2006/relationships" xmlns:p="http://schemas.openxmlformats.org/presentationml/2006/main">
+  <p:cSld>
+    <p:spTree>
+      <p:nvGrpSpPr>
+        <p:cNvPr id="1" name=""/>
+        <p:cNvGrpSpPr/>
+        <p:nvPr/>
+      </p:nvGrpSpPr>
+      <p:grpSpPr>
+        <a:xfrm>
+          <a:off x="0" y="0"/>
+          <a:ext cx="0" cy="0"/>
+          <a:chOff x="0" y="0"/>
+          <a:chExt cx="0" cy="0"/>
+        </a:xfrm>
+      </p:grpSpPr>
+      <p:sp>
+        <p:nvSpPr>
+          <p:cNvPr id="100" name="TextShape 1"/>
+          <p:cNvSpPr txBox="1"/>
+          <p:nvPr/>
+        </p:nvSpPr>
+        <p:spPr>
+          <a:xfrm>
+            <a:off x="479520" y="0"/>
+            <a:ext cx="11568240" cy="1268280"/>
+          </a:xfrm>
+          <a:prstGeom prst="rect">
+            <a:avLst/>
+          </a:prstGeom>
+          <a:noFill/>
+          <a:ln>
+            <a:noFill/>
+          </a:ln>
+        </p:spPr>
+        <p:txBody>
+          <a:bodyPr anchor="ctr"/>
+          <a:lstStyle/>
+          <a:p>
+            <a:r>
+              <a:rPr lang="en-US" sz="3600" spc="-1" dirty="0" smtClean="0">
+                <a:solidFill>
+                  <a:srgbClr val="FFFFFF"/>
+                </a:solidFill>
+                <a:uFill>
+                  <a:solidFill>
+                    <a:srgbClr val="FFFFFF"/>
+                  </a:solidFill>
+                </a:uFill>
+                <a:latin typeface="Franklin Gothic Medium"/>
+              </a:rPr>
+              <a:t>BM25 F</a:t>
+            </a:r>
+            <a:endParaRPr lang="en-US" sz="3600" spc="-1" dirty="0">
+              <a:solidFill>
+                <a:srgbClr val="FFFFFF"/>
+              </a:solidFill>
+              <a:uFill>
+                <a:solidFill>
+                  <a:srgbClr val="FFFFFF"/>
+                </a:solidFill>
+              </a:uFill>
+              <a:latin typeface="Franklin Gothic Medium"/>
+            </a:endParaRPr>
+          </a:p>
+        </p:txBody>
+      </p:sp>
+      <p:sp>
+        <p:nvSpPr>
+          <p:cNvPr id="101" name="TextShape 2"/>
+          <p:cNvSpPr txBox="1"/>
+          <p:nvPr/>
+        </p:nvSpPr>
+        <p:spPr>
+          <a:xfrm>
+            <a:off x="479520" y="1484640"/>
+            <a:ext cx="11304720" cy="4915800"/>
+          </a:xfrm>
+          <a:prstGeom prst="rect">
+            <a:avLst/>
+          </a:prstGeom>
+          <a:noFill/>
+          <a:ln>
+            <a:noFill/>
+          </a:ln>
+        </p:spPr>
+        <p:txBody>
+          <a:bodyPr/>
+          <a:lstStyle/>
+          <a:p>
+            <a:endParaRPr lang="en-US" sz="2800" spc="-1" dirty="0" smtClean="0">
+              <a:solidFill>
+                <a:srgbClr val="404040"/>
+              </a:solidFill>
+              <a:uFill>
+                <a:solidFill>
+                  <a:srgbClr val="FFFFFF"/>
+                </a:solidFill>
+              </a:uFill>
+              <a:latin typeface="Franklin Gothic Medium"/>
+            </a:endParaRPr>
+          </a:p>
+        </p:txBody>
+      </p:sp>
+      <p:pic>
+        <p:nvPicPr>
+          <p:cNvPr id="2" name="Immagine 1"/>
+          <p:cNvPicPr>
+            <a:picLocks noChangeAspect="1"/>
+          </p:cNvPicPr>
+          <p:nvPr/>
+        </p:nvPicPr>
+        <p:blipFill>
+          <a:blip r:embed="rId2">
+            <a:extLst>
+              <a:ext uri="{28A0092B-C50C-407E-A947-70E740481C1C}">
+                <a14:useLocalDpi xmlns:a14="http://schemas.microsoft.com/office/drawing/2010/main" val="0"/>
+              </a:ext>
+            </a:extLst>
+          </a:blip>
+          <a:stretch>
+            <a:fillRect/>
+          </a:stretch>
+        </p:blipFill>
+        <p:spPr>
+          <a:xfrm>
+            <a:off x="2474272" y="1371589"/>
+            <a:ext cx="7315215" cy="5486411"/>
+          </a:xfrm>
+          <a:prstGeom prst="rect">
+            <a:avLst/>
+          </a:prstGeom>
+        </p:spPr>
+      </p:pic>
+    </p:spTree>
+    <p:extLst>
+      <p:ext uri="{BB962C8B-B14F-4D97-AF65-F5344CB8AC3E}">
+        <p14:creationId xmlns:p14="http://schemas.microsoft.com/office/powerpoint/2010/main" val="3327845823"/>
+      </p:ext>
+    </p:extLst>
+  </p:cSld>
+  <p:clrMapOvr>
+    <a:masterClrMapping/>
+  </p:clrMapOvr>
+  <p:transition spd="med">
+    <p:fade/>
+  </p:transition>
+  <p:timing>
+    <p:tnLst>
+      <p:par>
+        <p:cTn id="1" dur="indefinite" restart="never" nodeType="tmRoot">
+          <p:childTnLst>
+            <p:seq>
+              <p:cTn id="2" nodeType="mainSeq"/>
+              <p:prevCondLst>
+                <p:cond evt="onPrev" delay="0">
+                  <p:tgtEl>
+                    <p:sldTgt/>
+                  </p:tgtEl>
+                </p:cond>
+              </p:prevCondLst>
+              <p:nextCondLst>
+                <p:cond evt="onNext" delay="0">
+                  <p:tgtEl>
+                    <p:sldTgt/>
+                  </p:tgtEl>
+                </p:cond>
+              </p:nextCondLst>
+            </p:seq>
+          </p:childTnLst>
+        </p:cTn>
+      </p:par>
+    </p:tnLst>
+  </p:timing>
+</p:sld>
+</file>
+
+<file path=ppt/slides/slide24.xml><?xml version="1.0" encoding="utf-8"?>
+<p:sld xmlns:a="http://schemas.openxmlformats.org/drawingml/2006/main" xmlns:r="http://schemas.openxmlformats.org/officeDocument/2006/relationships" xmlns:p="http://schemas.openxmlformats.org/presentationml/2006/main">
+  <p:cSld>
+    <p:spTree>
+      <p:nvGrpSpPr>
+        <p:cNvPr id="1" name=""/>
+        <p:cNvGrpSpPr/>
+        <p:nvPr/>
+      </p:nvGrpSpPr>
+      <p:grpSpPr>
+        <a:xfrm>
+          <a:off x="0" y="0"/>
+          <a:ext cx="0" cy="0"/>
+          <a:chOff x="0" y="0"/>
+          <a:chExt cx="0" cy="0"/>
+        </a:xfrm>
+      </p:grpSpPr>
+      <p:sp>
+        <p:nvSpPr>
+          <p:cNvPr id="100" name="TextShape 1"/>
+          <p:cNvSpPr txBox="1"/>
+          <p:nvPr/>
+        </p:nvSpPr>
+        <p:spPr>
+          <a:xfrm>
+            <a:off x="479520" y="0"/>
+            <a:ext cx="11568240" cy="1268280"/>
+          </a:xfrm>
+          <a:prstGeom prst="rect">
+            <a:avLst/>
+          </a:prstGeom>
+          <a:noFill/>
+          <a:ln>
+            <a:noFill/>
+          </a:ln>
+        </p:spPr>
+        <p:txBody>
+          <a:bodyPr anchor="ctr"/>
+          <a:lstStyle/>
+          <a:p>
+            <a:r>
+              <a:rPr lang="en-US" sz="3600" spc="-1" dirty="0" smtClean="0">
+                <a:solidFill>
+                  <a:srgbClr val="FFFFFF"/>
+                </a:solidFill>
+                <a:uFill>
+                  <a:solidFill>
+                    <a:srgbClr val="FFFFFF"/>
+                  </a:solidFill>
+                </a:uFill>
+                <a:latin typeface="Franklin Gothic Medium"/>
+              </a:rPr>
+              <a:t>Frequency</a:t>
+            </a:r>
+            <a:endParaRPr lang="en-US" sz="3600" spc="-1" dirty="0">
+              <a:solidFill>
+                <a:srgbClr val="FFFFFF"/>
+              </a:solidFill>
+              <a:uFill>
+                <a:solidFill>
+                  <a:srgbClr val="FFFFFF"/>
+                </a:solidFill>
+              </a:uFill>
+              <a:latin typeface="Franklin Gothic Medium"/>
+            </a:endParaRPr>
+          </a:p>
+        </p:txBody>
+      </p:sp>
+      <p:sp>
+        <p:nvSpPr>
+          <p:cNvPr id="101" name="TextShape 2"/>
+          <p:cNvSpPr txBox="1"/>
+          <p:nvPr/>
+        </p:nvSpPr>
+        <p:spPr>
+          <a:xfrm>
+            <a:off x="479520" y="1484640"/>
+            <a:ext cx="11304720" cy="4915800"/>
+          </a:xfrm>
+          <a:prstGeom prst="rect">
+            <a:avLst/>
+          </a:prstGeom>
+          <a:noFill/>
+          <a:ln>
+            <a:noFill/>
+          </a:ln>
+        </p:spPr>
+        <p:txBody>
+          <a:bodyPr/>
+          <a:lstStyle/>
+          <a:p>
+            <a:endParaRPr lang="en-US" sz="2800" spc="-1" dirty="0" smtClean="0">
+              <a:solidFill>
+                <a:srgbClr val="404040"/>
+              </a:solidFill>
+              <a:uFill>
+                <a:solidFill>
+                  <a:srgbClr val="FFFFFF"/>
+                </a:solidFill>
+              </a:uFill>
+              <a:latin typeface="Franklin Gothic Medium"/>
+            </a:endParaRPr>
+          </a:p>
+        </p:txBody>
+      </p:sp>
+      <p:pic>
+        <p:nvPicPr>
+          <p:cNvPr id="3" name="Immagine 2"/>
+          <p:cNvPicPr>
+            <a:picLocks noChangeAspect="1"/>
+          </p:cNvPicPr>
+          <p:nvPr/>
+        </p:nvPicPr>
+        <p:blipFill>
+          <a:blip r:embed="rId2">
+            <a:extLst>
+              <a:ext uri="{28A0092B-C50C-407E-A947-70E740481C1C}">
+                <a14:useLocalDpi xmlns:a14="http://schemas.microsoft.com/office/drawing/2010/main" val="0"/>
+              </a:ext>
+            </a:extLst>
+          </a:blip>
+          <a:stretch>
+            <a:fillRect/>
+          </a:stretch>
+        </p:blipFill>
+        <p:spPr>
+          <a:xfrm>
+            <a:off x="2474272" y="1371589"/>
+            <a:ext cx="7315215" cy="5486411"/>
+          </a:xfrm>
+          <a:prstGeom prst="rect">
+            <a:avLst/>
+          </a:prstGeom>
+        </p:spPr>
+      </p:pic>
+    </p:spTree>
+    <p:extLst>
+      <p:ext uri="{BB962C8B-B14F-4D97-AF65-F5344CB8AC3E}">
+        <p14:creationId xmlns:p14="http://schemas.microsoft.com/office/powerpoint/2010/main" val="67900785"/>
+      </p:ext>
+    </p:extLst>
+  </p:cSld>
+  <p:clrMapOvr>
+    <a:masterClrMapping/>
+  </p:clrMapOvr>
+  <p:transition spd="med">
+    <p:fade/>
+  </p:transition>
+  <p:timing>
+    <p:tnLst>
+      <p:par>
+        <p:cTn id="1" dur="indefinite" restart="never" nodeType="tmRoot">
+          <p:childTnLst>
+            <p:seq>
+              <p:cTn id="2" nodeType="mainSeq"/>
+              <p:prevCondLst>
+                <p:cond evt="onPrev" delay="0">
+                  <p:tgtEl>
+                    <p:sldTgt/>
+                  </p:tgtEl>
+                </p:cond>
+              </p:prevCondLst>
+              <p:nextCondLst>
+                <p:cond evt="onNext" delay="0">
+                  <p:tgtEl>
+                    <p:sldTgt/>
+                  </p:tgtEl>
+                </p:cond>
+              </p:nextCondLst>
+            </p:seq>
+          </p:childTnLst>
+        </p:cTn>
+      </p:par>
+    </p:tnLst>
+  </p:timing>
+</p:sld>
+</file>
+
+<file path=ppt/slides/slide25.xml><?xml version="1.0" encoding="utf-8"?>
+<p:sld xmlns:a="http://schemas.openxmlformats.org/drawingml/2006/main" xmlns:r="http://schemas.openxmlformats.org/officeDocument/2006/relationships" xmlns:p="http://schemas.openxmlformats.org/presentationml/2006/main">
+  <p:cSld>
+    <p:spTree>
+      <p:nvGrpSpPr>
+        <p:cNvPr id="1" name=""/>
+        <p:cNvGrpSpPr/>
+        <p:nvPr/>
+      </p:nvGrpSpPr>
+      <p:grpSpPr>
+        <a:xfrm>
+          <a:off x="0" y="0"/>
+          <a:ext cx="0" cy="0"/>
+          <a:chOff x="0" y="0"/>
+          <a:chExt cx="0" cy="0"/>
+        </a:xfrm>
+      </p:grpSpPr>
+      <p:sp>
+        <p:nvSpPr>
+          <p:cNvPr id="100" name="TextShape 1"/>
+          <p:cNvSpPr txBox="1"/>
+          <p:nvPr/>
+        </p:nvSpPr>
+        <p:spPr>
+          <a:xfrm>
+            <a:off x="479520" y="0"/>
+            <a:ext cx="11568240" cy="1268280"/>
+          </a:xfrm>
+          <a:prstGeom prst="rect">
+            <a:avLst/>
+          </a:prstGeom>
+          <a:noFill/>
+          <a:ln>
+            <a:noFill/>
+          </a:ln>
+        </p:spPr>
+        <p:txBody>
+          <a:bodyPr anchor="ctr"/>
+          <a:lstStyle/>
+          <a:p>
+            <a:r>
+              <a:rPr lang="en-US" sz="3600" spc="-1" dirty="0" smtClean="0">
+                <a:solidFill>
+                  <a:srgbClr val="FFFFFF"/>
+                </a:solidFill>
+                <a:uFill>
+                  <a:solidFill>
+                    <a:srgbClr val="FFFFFF"/>
+                  </a:solidFill>
+                </a:uFill>
+                <a:latin typeface="Franklin Gothic Medium"/>
+              </a:rPr>
+              <a:t>TF-IDF</a:t>
+            </a:r>
+            <a:endParaRPr lang="en-US" sz="3600" spc="-1" dirty="0">
+              <a:solidFill>
+                <a:srgbClr val="FFFFFF"/>
+              </a:solidFill>
+              <a:uFill>
+                <a:solidFill>
+                  <a:srgbClr val="FFFFFF"/>
+                </a:solidFill>
+              </a:uFill>
+              <a:latin typeface="Franklin Gothic Medium"/>
+            </a:endParaRPr>
+          </a:p>
+        </p:txBody>
+      </p:sp>
+      <p:sp>
+        <p:nvSpPr>
+          <p:cNvPr id="101" name="TextShape 2"/>
+          <p:cNvSpPr txBox="1"/>
+          <p:nvPr/>
+        </p:nvSpPr>
+        <p:spPr>
+          <a:xfrm>
+            <a:off x="479520" y="1484640"/>
+            <a:ext cx="11304720" cy="4915800"/>
+          </a:xfrm>
+          <a:prstGeom prst="rect">
+            <a:avLst/>
+          </a:prstGeom>
+          <a:noFill/>
+          <a:ln>
+            <a:noFill/>
+          </a:ln>
+        </p:spPr>
+        <p:txBody>
+          <a:bodyPr/>
+          <a:lstStyle/>
+          <a:p>
+            <a:endParaRPr lang="en-US" sz="2800" spc="-1" dirty="0" smtClean="0">
+              <a:solidFill>
+                <a:srgbClr val="404040"/>
+              </a:solidFill>
+              <a:uFill>
+                <a:solidFill>
+                  <a:srgbClr val="FFFFFF"/>
+                </a:solidFill>
+              </a:uFill>
+              <a:latin typeface="Franklin Gothic Medium"/>
+            </a:endParaRPr>
+          </a:p>
+        </p:txBody>
+      </p:sp>
+      <p:pic>
+        <p:nvPicPr>
+          <p:cNvPr id="2" name="Immagine 1"/>
+          <p:cNvPicPr>
+            <a:picLocks noChangeAspect="1"/>
+          </p:cNvPicPr>
+          <p:nvPr/>
+        </p:nvPicPr>
+        <p:blipFill>
+          <a:blip r:embed="rId3">
+            <a:extLst>
+              <a:ext uri="{28A0092B-C50C-407E-A947-70E740481C1C}">
+                <a14:useLocalDpi xmlns:a14="http://schemas.microsoft.com/office/drawing/2010/main" val="0"/>
+              </a:ext>
+            </a:extLst>
+          </a:blip>
+          <a:stretch>
+            <a:fillRect/>
+          </a:stretch>
+        </p:blipFill>
+        <p:spPr>
+          <a:xfrm>
+            <a:off x="2474272" y="1371589"/>
+            <a:ext cx="7315215" cy="5486411"/>
+          </a:xfrm>
+          <a:prstGeom prst="rect">
+            <a:avLst/>
+          </a:prstGeom>
+        </p:spPr>
+      </p:pic>
+    </p:spTree>
+    <p:extLst>
+      <p:ext uri="{BB962C8B-B14F-4D97-AF65-F5344CB8AC3E}">
         <p14:creationId xmlns:p14="http://schemas.microsoft.com/office/powerpoint/2010/main" val="855551711"/>
+      </p:ext>
+    </p:extLst>
+  </p:cSld>
+  <p:clrMapOvr>
+    <a:masterClrMapping/>
+  </p:clrMapOvr>
+  <p:transition spd="med">
+    <p:fade/>
+  </p:transition>
+  <p:timing>
+    <p:tnLst>
+      <p:par>
+        <p:cTn id="1" dur="indefinite" restart="never" nodeType="tmRoot">
+          <p:childTnLst>
+            <p:seq>
+              <p:cTn id="2" nodeType="mainSeq"/>
+              <p:prevCondLst>
+                <p:cond evt="onPrev" delay="0">
+                  <p:tgtEl>
+                    <p:sldTgt/>
+                  </p:tgtEl>
+                </p:cond>
+              </p:prevCondLst>
+              <p:nextCondLst>
+                <p:cond evt="onNext" delay="0">
+                  <p:tgtEl>
+                    <p:sldTgt/>
+                  </p:tgtEl>
+                </p:cond>
+              </p:nextCondLst>
+            </p:seq>
+          </p:childTnLst>
+        </p:cTn>
+      </p:par>
+    </p:tnLst>
+  </p:timing>
+</p:sld>
+</file>
+
+<file path=ppt/slides/slide26.xml><?xml version="1.0" encoding="utf-8"?>
+<p:sld xmlns:a="http://schemas.openxmlformats.org/drawingml/2006/main" xmlns:r="http://schemas.openxmlformats.org/officeDocument/2006/relationships" xmlns:p="http://schemas.openxmlformats.org/presentationml/2006/main">
+  <p:cSld>
+    <p:spTree>
+      <p:nvGrpSpPr>
+        <p:cNvPr id="1" name=""/>
+        <p:cNvGrpSpPr/>
+        <p:nvPr/>
+      </p:nvGrpSpPr>
+      <p:grpSpPr>
+        <a:xfrm>
+          <a:off x="0" y="0"/>
+          <a:ext cx="0" cy="0"/>
+          <a:chOff x="0" y="0"/>
+          <a:chExt cx="0" cy="0"/>
+        </a:xfrm>
+      </p:grpSpPr>
+      <p:sp>
+        <p:nvSpPr>
+          <p:cNvPr id="100" name="TextShape 1"/>
+          <p:cNvSpPr txBox="1"/>
+          <p:nvPr/>
+        </p:nvSpPr>
+        <p:spPr>
+          <a:xfrm>
+            <a:off x="479520" y="0"/>
+            <a:ext cx="11568240" cy="1268280"/>
+          </a:xfrm>
+          <a:prstGeom prst="rect">
+            <a:avLst/>
+          </a:prstGeom>
+          <a:noFill/>
+          <a:ln>
+            <a:noFill/>
+          </a:ln>
+        </p:spPr>
+        <p:txBody>
+          <a:bodyPr anchor="ctr"/>
+          <a:lstStyle/>
+          <a:p>
+            <a:r>
+              <a:rPr lang="en-US" sz="3600" spc="-1" dirty="0" err="1" smtClean="0">
+                <a:solidFill>
+                  <a:srgbClr val="FFFFFF"/>
+                </a:solidFill>
+                <a:uFill>
+                  <a:solidFill>
+                    <a:srgbClr val="FFFFFF"/>
+                  </a:solidFill>
+                </a:uFill>
+                <a:latin typeface="Franklin Gothic Medium"/>
+              </a:rPr>
+              <a:t>Rprecision</a:t>
+            </a:r>
+            <a:endParaRPr lang="en-US" sz="3600" spc="-1" dirty="0">
+              <a:solidFill>
+                <a:srgbClr val="FFFFFF"/>
+              </a:solidFill>
+              <a:uFill>
+                <a:solidFill>
+                  <a:srgbClr val="FFFFFF"/>
+                </a:solidFill>
+              </a:uFill>
+              <a:latin typeface="Franklin Gothic Medium"/>
+            </a:endParaRPr>
+          </a:p>
+        </p:txBody>
+      </p:sp>
+      <p:sp>
+        <p:nvSpPr>
+          <p:cNvPr id="101" name="TextShape 2"/>
+          <p:cNvSpPr txBox="1"/>
+          <p:nvPr/>
+        </p:nvSpPr>
+        <p:spPr>
+          <a:xfrm>
+            <a:off x="479520" y="1484640"/>
+            <a:ext cx="11304720" cy="4915800"/>
+          </a:xfrm>
+          <a:prstGeom prst="rect">
+            <a:avLst/>
+          </a:prstGeom>
+          <a:noFill/>
+          <a:ln>
+            <a:noFill/>
+          </a:ln>
+        </p:spPr>
+        <p:txBody>
+          <a:bodyPr/>
+          <a:lstStyle/>
+          <a:p>
+            <a:pPr marL="457200" indent="-457200">
+              <a:buFont typeface="Wingdings" panose="05000000000000000000" pitchFamily="2" charset="2"/>
+              <a:buChar char="§"/>
+            </a:pPr>
+            <a:r>
+              <a:rPr lang="en-US" sz="2800" spc="-1" dirty="0" err="1" smtClean="0">
+                <a:solidFill>
+                  <a:srgbClr val="404040"/>
+                </a:solidFill>
+                <a:uFill>
+                  <a:solidFill>
+                    <a:srgbClr val="FFFFFF"/>
+                  </a:solidFill>
+                </a:uFill>
+                <a:latin typeface="Franklin Gothic Medium"/>
+              </a:rPr>
+              <a:t>Nell’esempio</a:t>
+            </a:r>
+            <a:r>
+              <a:rPr lang="en-US" sz="2800" spc="-1" dirty="0" smtClean="0">
+                <a:solidFill>
+                  <a:srgbClr val="404040"/>
+                </a:solidFill>
+                <a:uFill>
+                  <a:solidFill>
+                    <a:srgbClr val="FFFFFF"/>
+                  </a:solidFill>
+                </a:uFill>
+                <a:latin typeface="Franklin Gothic Medium"/>
+              </a:rPr>
+              <a:t> </a:t>
+            </a:r>
+            <a:r>
+              <a:rPr lang="en-US" sz="2800" spc="-1" dirty="0" err="1" smtClean="0">
+                <a:solidFill>
+                  <a:srgbClr val="404040"/>
+                </a:solidFill>
+                <a:uFill>
+                  <a:solidFill>
+                    <a:srgbClr val="FFFFFF"/>
+                  </a:solidFill>
+                </a:uFill>
+                <a:latin typeface="Franklin Gothic Medium"/>
+              </a:rPr>
+              <a:t>seguente</a:t>
+            </a:r>
+            <a:r>
+              <a:rPr lang="en-US" sz="2800" spc="-1" dirty="0" smtClean="0">
+                <a:solidFill>
+                  <a:srgbClr val="404040"/>
+                </a:solidFill>
+                <a:uFill>
+                  <a:solidFill>
+                    <a:srgbClr val="FFFFFF"/>
+                  </a:solidFill>
+                </a:uFill>
+                <a:latin typeface="Franklin Gothic Medium"/>
+              </a:rPr>
+              <a:t> è </a:t>
+            </a:r>
+            <a:r>
+              <a:rPr lang="en-US" sz="2800" spc="-1" dirty="0" err="1" smtClean="0">
+                <a:solidFill>
+                  <a:srgbClr val="404040"/>
+                </a:solidFill>
+                <a:uFill>
+                  <a:solidFill>
+                    <a:srgbClr val="FFFFFF"/>
+                  </a:solidFill>
+                </a:uFill>
+                <a:latin typeface="Franklin Gothic Medium"/>
+              </a:rPr>
+              <a:t>stato</a:t>
+            </a:r>
+            <a:r>
+              <a:rPr lang="en-US" sz="2800" spc="-1" dirty="0" smtClean="0">
+                <a:solidFill>
+                  <a:srgbClr val="404040"/>
+                </a:solidFill>
+                <a:uFill>
+                  <a:solidFill>
+                    <a:srgbClr val="FFFFFF"/>
+                  </a:solidFill>
+                </a:uFill>
+                <a:latin typeface="Franklin Gothic Medium"/>
+              </a:rPr>
+              <a:t> </a:t>
+            </a:r>
+            <a:r>
+              <a:rPr lang="en-US" sz="2800" spc="-1" dirty="0" err="1" smtClean="0">
+                <a:solidFill>
+                  <a:srgbClr val="404040"/>
+                </a:solidFill>
+                <a:uFill>
+                  <a:solidFill>
+                    <a:srgbClr val="FFFFFF"/>
+                  </a:solidFill>
+                </a:uFill>
+                <a:latin typeface="Franklin Gothic Medium"/>
+              </a:rPr>
+              <a:t>lanciato</a:t>
+            </a:r>
+            <a:r>
+              <a:rPr lang="en-US" sz="2800" spc="-1" dirty="0" smtClean="0">
+                <a:solidFill>
+                  <a:srgbClr val="404040"/>
+                </a:solidFill>
+                <a:uFill>
+                  <a:solidFill>
+                    <a:srgbClr val="FFFFFF"/>
+                  </a:solidFill>
+                </a:uFill>
+                <a:latin typeface="Franklin Gothic Medium"/>
+              </a:rPr>
+              <a:t> </a:t>
+            </a:r>
+            <a:r>
+              <a:rPr lang="en-US" sz="2800" spc="-1" dirty="0" err="1" smtClean="0">
+                <a:solidFill>
+                  <a:srgbClr val="404040"/>
+                </a:solidFill>
+                <a:uFill>
+                  <a:solidFill>
+                    <a:srgbClr val="FFFFFF"/>
+                  </a:solidFill>
+                </a:uFill>
+                <a:latin typeface="Franklin Gothic Medium"/>
+              </a:rPr>
+              <a:t>sul</a:t>
+            </a:r>
+            <a:r>
+              <a:rPr lang="en-US" sz="2800" spc="-1" dirty="0" smtClean="0">
+                <a:solidFill>
+                  <a:srgbClr val="404040"/>
+                </a:solidFill>
+                <a:uFill>
+                  <a:solidFill>
+                    <a:srgbClr val="FFFFFF"/>
+                  </a:solidFill>
+                </a:uFill>
+                <a:latin typeface="Franklin Gothic Medium"/>
+              </a:rPr>
+              <a:t> </a:t>
+            </a:r>
+            <a:r>
+              <a:rPr lang="en-US" sz="2800" spc="-1" dirty="0" err="1" smtClean="0">
+                <a:solidFill>
+                  <a:srgbClr val="404040"/>
+                </a:solidFill>
+                <a:uFill>
+                  <a:solidFill>
+                    <a:srgbClr val="FFFFFF"/>
+                  </a:solidFill>
+                </a:uFill>
+                <a:latin typeface="Franklin Gothic Medium"/>
+              </a:rPr>
+              <a:t>sistema</a:t>
+            </a:r>
+            <a:r>
+              <a:rPr lang="en-US" sz="2800" spc="-1" dirty="0" smtClean="0">
+                <a:solidFill>
+                  <a:srgbClr val="404040"/>
+                </a:solidFill>
+                <a:uFill>
+                  <a:solidFill>
+                    <a:srgbClr val="FFFFFF"/>
+                  </a:solidFill>
+                </a:uFill>
+                <a:latin typeface="Franklin Gothic Medium"/>
+              </a:rPr>
+              <a:t> di IR un </a:t>
+            </a:r>
+            <a:r>
+              <a:rPr lang="en-US" sz="2800" spc="-1" dirty="0" err="1" smtClean="0">
+                <a:solidFill>
+                  <a:srgbClr val="404040"/>
+                </a:solidFill>
+                <a:uFill>
+                  <a:solidFill>
+                    <a:srgbClr val="FFFFFF"/>
+                  </a:solidFill>
+                </a:uFill>
+                <a:latin typeface="Franklin Gothic Medium"/>
+              </a:rPr>
+              <a:t>Rprecision</a:t>
+            </a:r>
+            <a:r>
+              <a:rPr lang="en-US" sz="2800" spc="-1" dirty="0" smtClean="0">
+                <a:solidFill>
+                  <a:srgbClr val="404040"/>
+                </a:solidFill>
+                <a:uFill>
+                  <a:solidFill>
+                    <a:srgbClr val="FFFFFF"/>
+                  </a:solidFill>
+                </a:uFill>
+                <a:latin typeface="Franklin Gothic Medium"/>
+              </a:rPr>
+              <a:t> </a:t>
+            </a:r>
+            <a:r>
+              <a:rPr lang="en-US" sz="2800" spc="-1" dirty="0" err="1" smtClean="0">
+                <a:solidFill>
+                  <a:srgbClr val="404040"/>
+                </a:solidFill>
+                <a:uFill>
+                  <a:solidFill>
+                    <a:srgbClr val="FFFFFF"/>
+                  </a:solidFill>
+                </a:uFill>
+                <a:latin typeface="Franklin Gothic Medium"/>
+              </a:rPr>
+              <a:t>su</a:t>
+            </a:r>
+            <a:r>
+              <a:rPr lang="en-US" sz="2800" spc="-1" dirty="0" smtClean="0">
+                <a:solidFill>
+                  <a:srgbClr val="404040"/>
+                </a:solidFill>
+                <a:uFill>
+                  <a:solidFill>
+                    <a:srgbClr val="FFFFFF"/>
+                  </a:solidFill>
+                </a:uFill>
+                <a:latin typeface="Franklin Gothic Medium"/>
+              </a:rPr>
+              <a:t> 30 query </a:t>
+            </a:r>
+            <a:endParaRPr lang="en-US" sz="2800" spc="-1" dirty="0" smtClean="0">
+              <a:solidFill>
+                <a:srgbClr val="404040"/>
+              </a:solidFill>
+              <a:uFill>
+                <a:solidFill>
+                  <a:srgbClr val="FFFFFF"/>
+                </a:solidFill>
+              </a:uFill>
+              <a:latin typeface="Franklin Gothic Medium"/>
+            </a:endParaRPr>
+          </a:p>
+        </p:txBody>
+      </p:sp>
+    </p:spTree>
+    <p:extLst>
+      <p:ext uri="{BB962C8B-B14F-4D97-AF65-F5344CB8AC3E}">
+        <p14:creationId xmlns:p14="http://schemas.microsoft.com/office/powerpoint/2010/main" val="1405052102"/>
+      </p:ext>
+    </p:extLst>
+  </p:cSld>
+  <p:clrMapOvr>
+    <a:masterClrMapping/>
+  </p:clrMapOvr>
+  <p:transition spd="med">
+    <p:fade/>
+  </p:transition>
+  <p:timing>
+    <p:tnLst>
+      <p:par>
+        <p:cTn id="1" dur="indefinite" restart="never" nodeType="tmRoot">
+          <p:childTnLst>
+            <p:seq>
+              <p:cTn id="2" nodeType="mainSeq"/>
+              <p:prevCondLst>
+                <p:cond evt="onPrev" delay="0">
+                  <p:tgtEl>
+                    <p:sldTgt/>
+                  </p:tgtEl>
+                </p:cond>
+              </p:prevCondLst>
+              <p:nextCondLst>
+                <p:cond evt="onNext" delay="0">
+                  <p:tgtEl>
+                    <p:sldTgt/>
+                  </p:tgtEl>
+                </p:cond>
+              </p:nextCondLst>
+            </p:seq>
+          </p:childTnLst>
+        </p:cTn>
+      </p:par>
+    </p:tnLst>
+  </p:timing>
+</p:sld>
+</file>
+
+<file path=ppt/slides/slide27.xml><?xml version="1.0" encoding="utf-8"?>
+<p:sld xmlns:a="http://schemas.openxmlformats.org/drawingml/2006/main" xmlns:r="http://schemas.openxmlformats.org/officeDocument/2006/relationships" xmlns:p="http://schemas.openxmlformats.org/presentationml/2006/main">
+  <p:cSld>
+    <p:spTree>
+      <p:nvGrpSpPr>
+        <p:cNvPr id="1" name=""/>
+        <p:cNvGrpSpPr/>
+        <p:nvPr/>
+      </p:nvGrpSpPr>
+      <p:grpSpPr>
+        <a:xfrm>
+          <a:off x="0" y="0"/>
+          <a:ext cx="0" cy="0"/>
+          <a:chOff x="0" y="0"/>
+          <a:chExt cx="0" cy="0"/>
+        </a:xfrm>
+      </p:grpSpPr>
+      <p:sp>
+        <p:nvSpPr>
+          <p:cNvPr id="100" name="TextShape 1"/>
+          <p:cNvSpPr txBox="1"/>
+          <p:nvPr/>
+        </p:nvSpPr>
+        <p:spPr>
+          <a:xfrm>
+            <a:off x="479520" y="0"/>
+            <a:ext cx="11568240" cy="1268280"/>
+          </a:xfrm>
+          <a:prstGeom prst="rect">
+            <a:avLst/>
+          </a:prstGeom>
+          <a:noFill/>
+          <a:ln>
+            <a:noFill/>
+          </a:ln>
+        </p:spPr>
+        <p:txBody>
+          <a:bodyPr anchor="ctr"/>
+          <a:lstStyle/>
+          <a:p>
+            <a:r>
+              <a:rPr lang="en-US" sz="3600" spc="-1" dirty="0" err="1" smtClean="0">
+                <a:solidFill>
+                  <a:srgbClr val="FFFFFF"/>
+                </a:solidFill>
+                <a:uFill>
+                  <a:solidFill>
+                    <a:srgbClr val="FFFFFF"/>
+                  </a:solidFill>
+                </a:uFill>
+                <a:latin typeface="Franklin Gothic Medium"/>
+              </a:rPr>
+              <a:t>Esempio</a:t>
+            </a:r>
+            <a:r>
+              <a:rPr lang="en-US" sz="3600" spc="-1" dirty="0" smtClean="0">
+                <a:solidFill>
+                  <a:srgbClr val="FFFFFF"/>
+                </a:solidFill>
+                <a:uFill>
+                  <a:solidFill>
+                    <a:srgbClr val="FFFFFF"/>
+                  </a:solidFill>
+                </a:uFill>
+                <a:latin typeface="Franklin Gothic Medium"/>
+              </a:rPr>
+              <a:t> </a:t>
+            </a:r>
+            <a:r>
+              <a:rPr lang="en-US" sz="3600" spc="-1" dirty="0" err="1" smtClean="0">
+                <a:solidFill>
+                  <a:srgbClr val="FFFFFF"/>
+                </a:solidFill>
+                <a:uFill>
+                  <a:solidFill>
+                    <a:srgbClr val="FFFFFF"/>
+                  </a:solidFill>
+                </a:uFill>
+                <a:latin typeface="Franklin Gothic Medium"/>
+              </a:rPr>
+              <a:t>Rprecision</a:t>
+            </a:r>
+            <a:r>
+              <a:rPr lang="en-US" sz="3600" spc="-1" dirty="0" smtClean="0">
+                <a:solidFill>
+                  <a:srgbClr val="FFFFFF"/>
+                </a:solidFill>
+                <a:uFill>
+                  <a:solidFill>
+                    <a:srgbClr val="FFFFFF"/>
+                  </a:solidFill>
+                </a:uFill>
+                <a:latin typeface="Franklin Gothic Medium"/>
+              </a:rPr>
+              <a:t>(BM25F, Frequency, 30)</a:t>
+            </a:r>
+          </a:p>
+        </p:txBody>
+      </p:sp>
+      <p:sp>
+        <p:nvSpPr>
+          <p:cNvPr id="101" name="TextShape 2"/>
+          <p:cNvSpPr txBox="1"/>
+          <p:nvPr/>
+        </p:nvSpPr>
+        <p:spPr>
+          <a:xfrm>
+            <a:off x="479520" y="1484640"/>
+            <a:ext cx="11304720" cy="4915800"/>
+          </a:xfrm>
+          <a:prstGeom prst="rect">
+            <a:avLst/>
+          </a:prstGeom>
+          <a:noFill/>
+          <a:ln>
+            <a:noFill/>
+          </a:ln>
+        </p:spPr>
+        <p:txBody>
+          <a:bodyPr/>
+          <a:lstStyle/>
+          <a:p>
+            <a:endParaRPr lang="en-US" sz="2800" spc="-1" dirty="0" smtClean="0">
+              <a:solidFill>
+                <a:srgbClr val="404040"/>
+              </a:solidFill>
+              <a:uFill>
+                <a:solidFill>
+                  <a:srgbClr val="FFFFFF"/>
+                </a:solidFill>
+              </a:uFill>
+              <a:latin typeface="Franklin Gothic Medium"/>
+            </a:endParaRPr>
+          </a:p>
+        </p:txBody>
+      </p:sp>
+      <p:pic>
+        <p:nvPicPr>
+          <p:cNvPr id="2" name="Immagine 1"/>
+          <p:cNvPicPr>
+            <a:picLocks noChangeAspect="1"/>
+          </p:cNvPicPr>
+          <p:nvPr/>
+        </p:nvPicPr>
+        <p:blipFill>
+          <a:blip r:embed="rId2">
+            <a:extLst>
+              <a:ext uri="{28A0092B-C50C-407E-A947-70E740481C1C}">
+                <a14:useLocalDpi xmlns:a14="http://schemas.microsoft.com/office/drawing/2010/main" val="0"/>
+              </a:ext>
+            </a:extLst>
+          </a:blip>
+          <a:stretch>
+            <a:fillRect/>
+          </a:stretch>
+        </p:blipFill>
+        <p:spPr>
+          <a:xfrm>
+            <a:off x="652407" y="1400998"/>
+            <a:ext cx="10958945" cy="5457002"/>
+          </a:xfrm>
+          <a:prstGeom prst="rect">
+            <a:avLst/>
+          </a:prstGeom>
+        </p:spPr>
+      </p:pic>
+    </p:spTree>
+    <p:extLst>
+      <p:ext uri="{BB962C8B-B14F-4D97-AF65-F5344CB8AC3E}">
+        <p14:creationId xmlns:p14="http://schemas.microsoft.com/office/powerpoint/2010/main" val="312493601"/>
+      </p:ext>
+    </p:extLst>
+  </p:cSld>
+  <p:clrMapOvr>
+    <a:masterClrMapping/>
+  </p:clrMapOvr>
+  <p:transition spd="med">
+    <p:fade/>
+  </p:transition>
+  <p:timing>
+    <p:tnLst>
+      <p:par>
+        <p:cTn id="1" dur="indefinite" restart="never" nodeType="tmRoot">
+          <p:childTnLst>
+            <p:seq>
+              <p:cTn id="2" nodeType="mainSeq"/>
+              <p:prevCondLst>
+                <p:cond evt="onPrev" delay="0">
+                  <p:tgtEl>
+                    <p:sldTgt/>
+                  </p:tgtEl>
+                </p:cond>
+              </p:prevCondLst>
+              <p:nextCondLst>
+                <p:cond evt="onNext" delay="0">
+                  <p:tgtEl>
+                    <p:sldTgt/>
+                  </p:tgtEl>
+                </p:cond>
+              </p:nextCondLst>
+            </p:seq>
+          </p:childTnLst>
+        </p:cTn>
+      </p:par>
+    </p:tnLst>
+  </p:timing>
+</p:sld>
+</file>
+
+<file path=ppt/slides/slide28.xml><?xml version="1.0" encoding="utf-8"?>
+<p:sld xmlns:a="http://schemas.openxmlformats.org/drawingml/2006/main" xmlns:r="http://schemas.openxmlformats.org/officeDocument/2006/relationships" xmlns:p="http://schemas.openxmlformats.org/presentationml/2006/main">
+  <p:cSld>
+    <p:spTree>
+      <p:nvGrpSpPr>
+        <p:cNvPr id="1" name=""/>
+        <p:cNvGrpSpPr/>
+        <p:nvPr/>
+      </p:nvGrpSpPr>
+      <p:grpSpPr>
+        <a:xfrm>
+          <a:off x="0" y="0"/>
+          <a:ext cx="0" cy="0"/>
+          <a:chOff x="0" y="0"/>
+          <a:chExt cx="0" cy="0"/>
+        </a:xfrm>
+      </p:grpSpPr>
+      <p:sp>
+        <p:nvSpPr>
+          <p:cNvPr id="100" name="TextShape 1"/>
+          <p:cNvSpPr txBox="1"/>
+          <p:nvPr/>
+        </p:nvSpPr>
+        <p:spPr>
+          <a:xfrm>
+            <a:off x="479520" y="0"/>
+            <a:ext cx="11568240" cy="1268280"/>
+          </a:xfrm>
+          <a:prstGeom prst="rect">
+            <a:avLst/>
+          </a:prstGeom>
+          <a:noFill/>
+          <a:ln>
+            <a:noFill/>
+          </a:ln>
+        </p:spPr>
+        <p:txBody>
+          <a:bodyPr anchor="ctr"/>
+          <a:lstStyle/>
+          <a:p>
+            <a:endParaRPr lang="en-US" sz="3600" spc="-1" dirty="0">
+              <a:solidFill>
+                <a:srgbClr val="FFFFFF"/>
+              </a:solidFill>
+              <a:uFill>
+                <a:solidFill>
+                  <a:srgbClr val="FFFFFF"/>
+                </a:solidFill>
+              </a:uFill>
+              <a:latin typeface="Franklin Gothic Medium"/>
+            </a:endParaRPr>
+          </a:p>
+        </p:txBody>
+      </p:sp>
+      <p:sp>
+        <p:nvSpPr>
+          <p:cNvPr id="101" name="TextShape 2"/>
+          <p:cNvSpPr txBox="1"/>
+          <p:nvPr/>
+        </p:nvSpPr>
+        <p:spPr>
+          <a:xfrm>
+            <a:off x="479520" y="1484640"/>
+            <a:ext cx="11304720" cy="4915800"/>
+          </a:xfrm>
+          <a:prstGeom prst="rect">
+            <a:avLst/>
+          </a:prstGeom>
+          <a:noFill/>
+          <a:ln>
+            <a:noFill/>
+          </a:ln>
+        </p:spPr>
+        <p:txBody>
+          <a:bodyPr/>
+          <a:lstStyle/>
+          <a:p>
+            <a:endParaRPr lang="en-US" sz="2800" spc="-1" dirty="0" smtClean="0">
+              <a:solidFill>
+                <a:srgbClr val="404040"/>
+              </a:solidFill>
+              <a:uFill>
+                <a:solidFill>
+                  <a:srgbClr val="FFFFFF"/>
+                </a:solidFill>
+              </a:uFill>
+              <a:latin typeface="Franklin Gothic Medium"/>
+            </a:endParaRPr>
+          </a:p>
+        </p:txBody>
+      </p:sp>
+    </p:spTree>
+    <p:extLst>
+      <p:ext uri="{BB962C8B-B14F-4D97-AF65-F5344CB8AC3E}">
+        <p14:creationId xmlns:p14="http://schemas.microsoft.com/office/powerpoint/2010/main" val="620813447"/>
+      </p:ext>
+    </p:extLst>
+  </p:cSld>
+  <p:clrMapOvr>
+    <a:masterClrMapping/>
+  </p:clrMapOvr>
+  <p:transition spd="med">
+    <p:fade/>
+  </p:transition>
+  <p:timing>
+    <p:tnLst>
+      <p:par>
+        <p:cTn id="1" dur="indefinite" restart="never" nodeType="tmRoot">
+          <p:childTnLst>
+            <p:seq>
+              <p:cTn id="2" nodeType="mainSeq"/>
+              <p:prevCondLst>
+                <p:cond evt="onPrev" delay="0">
+                  <p:tgtEl>
+                    <p:sldTgt/>
+                  </p:tgtEl>
+                </p:cond>
+              </p:prevCondLst>
+              <p:nextCondLst>
+                <p:cond evt="onNext" delay="0">
+                  <p:tgtEl>
+                    <p:sldTgt/>
+                  </p:tgtEl>
+                </p:cond>
+              </p:nextCondLst>
+            </p:seq>
+          </p:childTnLst>
+        </p:cTn>
+      </p:par>
+    </p:tnLst>
+  </p:timing>
+</p:sld>
+</file>
+
+<file path=ppt/slides/slide29.xml><?xml version="1.0" encoding="utf-8"?>
+<p:sld xmlns:a="http://schemas.openxmlformats.org/drawingml/2006/main" xmlns:r="http://schemas.openxmlformats.org/officeDocument/2006/relationships" xmlns:p="http://schemas.openxmlformats.org/presentationml/2006/main">
+  <p:cSld>
+    <p:spTree>
+      <p:nvGrpSpPr>
+        <p:cNvPr id="1" name=""/>
+        <p:cNvGrpSpPr/>
+        <p:nvPr/>
+      </p:nvGrpSpPr>
+      <p:grpSpPr>
+        <a:xfrm>
+          <a:off x="0" y="0"/>
+          <a:ext cx="0" cy="0"/>
+          <a:chOff x="0" y="0"/>
+          <a:chExt cx="0" cy="0"/>
+        </a:xfrm>
+      </p:grpSpPr>
+      <p:sp>
+        <p:nvSpPr>
+          <p:cNvPr id="100" name="TextShape 1"/>
+          <p:cNvSpPr txBox="1"/>
+          <p:nvPr/>
+        </p:nvSpPr>
+        <p:spPr>
+          <a:xfrm>
+            <a:off x="479520" y="0"/>
+            <a:ext cx="11568240" cy="1268280"/>
+          </a:xfrm>
+          <a:prstGeom prst="rect">
+            <a:avLst/>
+          </a:prstGeom>
+          <a:noFill/>
+          <a:ln>
+            <a:noFill/>
+          </a:ln>
+        </p:spPr>
+        <p:txBody>
+          <a:bodyPr anchor="ctr"/>
+          <a:lstStyle/>
+          <a:p>
+            <a:endParaRPr lang="en-US" sz="3600" spc="-1" dirty="0">
+              <a:solidFill>
+                <a:srgbClr val="FFFFFF"/>
+              </a:solidFill>
+              <a:uFill>
+                <a:solidFill>
+                  <a:srgbClr val="FFFFFF"/>
+                </a:solidFill>
+              </a:uFill>
+              <a:latin typeface="Franklin Gothic Medium"/>
+            </a:endParaRPr>
+          </a:p>
+        </p:txBody>
+      </p:sp>
+      <p:sp>
+        <p:nvSpPr>
+          <p:cNvPr id="101" name="TextShape 2"/>
+          <p:cNvSpPr txBox="1"/>
+          <p:nvPr/>
+        </p:nvSpPr>
+        <p:spPr>
+          <a:xfrm>
+            <a:off x="479520" y="1484640"/>
+            <a:ext cx="11304720" cy="4915800"/>
+          </a:xfrm>
+          <a:prstGeom prst="rect">
+            <a:avLst/>
+          </a:prstGeom>
+          <a:noFill/>
+          <a:ln>
+            <a:noFill/>
+          </a:ln>
+        </p:spPr>
+        <p:txBody>
+          <a:bodyPr/>
+          <a:lstStyle/>
+          <a:p>
+            <a:endParaRPr lang="en-US" sz="2800" spc="-1" dirty="0" smtClean="0">
+              <a:solidFill>
+                <a:srgbClr val="404040"/>
+              </a:solidFill>
+              <a:uFill>
+                <a:solidFill>
+                  <a:srgbClr val="FFFFFF"/>
+                </a:solidFill>
+              </a:uFill>
+              <a:latin typeface="Franklin Gothic Medium"/>
+            </a:endParaRPr>
+          </a:p>
+        </p:txBody>
+      </p:sp>
+    </p:spTree>
+    <p:extLst>
+      <p:ext uri="{BB962C8B-B14F-4D97-AF65-F5344CB8AC3E}">
+        <p14:creationId xmlns:p14="http://schemas.microsoft.com/office/powerpoint/2010/main" val="2106987382"/>
       </p:ext>
     </p:extLst>
   </p:cSld>

--- a/doc/Progetto.pptx
+++ b/doc/Progetto.pptx
@@ -31,13 +31,13 @@
     <p:sldId id="281" r:id="rId22"/>
     <p:sldId id="280" r:id="rId23"/>
     <p:sldId id="283" r:id="rId24"/>
-    <p:sldId id="279" r:id="rId25"/>
-    <p:sldId id="282" r:id="rId26"/>
-    <p:sldId id="273" r:id="rId27"/>
-    <p:sldId id="284" r:id="rId28"/>
-    <p:sldId id="285" r:id="rId29"/>
-    <p:sldId id="286" r:id="rId30"/>
-    <p:sldId id="287" r:id="rId31"/>
+    <p:sldId id="288" r:id="rId25"/>
+    <p:sldId id="289" r:id="rId26"/>
+    <p:sldId id="279" r:id="rId27"/>
+    <p:sldId id="273" r:id="rId28"/>
+    <p:sldId id="282" r:id="rId29"/>
+    <p:sldId id="284" r:id="rId30"/>
+    <p:sldId id="285" r:id="rId31"/>
   </p:sldIdLst>
   <p:sldSz cx="12192000" cy="6858000"/>
   <p:notesSz cx="6858000" cy="9144000"/>
@@ -138,7 +138,7 @@
   </p:defaultTextStyle>
   <p:extLst>
     <p:ext uri="{EFAFB233-063F-42B5-8137-9DF3F51BA10A}">
-      <p15:sldGuideLst xmlns:p15="http://schemas.microsoft.com/office/powerpoint/2012/main">
+      <p15:sldGuideLst xmlns:p15="http://schemas.microsoft.com/office/powerpoint/2012/main" xmlns="">
         <p15:guide id="1" orient="horz" pos="2160">
           <p15:clr>
             <a:srgbClr val="A4A3A4"/>
@@ -374,7 +374,7 @@
                 </a:uFill>
                 <a:latin typeface="Times New Roman"/>
               </a:rPr>
-              <a:t>‹N›</a:t>
+              <a:t>‹#›</a:t>
             </a:fld>
             <a:endParaRPr lang="en-US" sz="1400" b="0" strike="noStrike" spc="-1">
               <a:solidFill>
@@ -615,6 +615,918 @@
 </p:notes>
 </file>
 
+<file path=ppt/notesSlides/notesSlide10.xml><?xml version="1.0" encoding="utf-8"?>
+<p:notes xmlns:a="http://schemas.openxmlformats.org/drawingml/2006/main" xmlns:r="http://schemas.openxmlformats.org/officeDocument/2006/relationships" xmlns:p="http://schemas.openxmlformats.org/presentationml/2006/main">
+  <p:cSld>
+    <p:spTree>
+      <p:nvGrpSpPr>
+        <p:cNvPr id="1" name=""/>
+        <p:cNvGrpSpPr/>
+        <p:nvPr/>
+      </p:nvGrpSpPr>
+      <p:grpSpPr>
+        <a:xfrm>
+          <a:off x="0" y="0"/>
+          <a:ext cx="0" cy="0"/>
+          <a:chOff x="0" y="0"/>
+          <a:chExt cx="0" cy="0"/>
+        </a:xfrm>
+      </p:grpSpPr>
+      <p:sp>
+        <p:nvSpPr>
+          <p:cNvPr id="2" name="Slide Image Placeholder 1"/>
+          <p:cNvSpPr>
+            <a:spLocks noGrp="1" noRot="1" noChangeAspect="1"/>
+          </p:cNvSpPr>
+          <p:nvPr>
+            <p:ph type="sldImg"/>
+          </p:nvPr>
+        </p:nvSpPr>
+        <p:spPr>
+          <a:xfrm>
+            <a:off x="381000" y="685800"/>
+            <a:ext cx="6096000" cy="3429000"/>
+          </a:xfrm>
+          <a:prstGeom prst="rect">
+            <a:avLst/>
+          </a:prstGeom>
+          <a:noFill/>
+          <a:ln w="12700">
+            <a:solidFill>
+              <a:prstClr val="black"/>
+            </a:solidFill>
+          </a:ln>
+        </p:spPr>
+      </p:sp>
+      <p:sp>
+        <p:nvSpPr>
+          <p:cNvPr id="3" name="Notes Placeholder 2"/>
+          <p:cNvSpPr>
+            <a:spLocks noGrp="1"/>
+          </p:cNvSpPr>
+          <p:nvPr>
+            <p:ph type="body" idx="1"/>
+          </p:nvPr>
+        </p:nvSpPr>
+        <p:spPr/>
+        <p:txBody>
+          <a:bodyPr/>
+          <a:lstStyle/>
+          <a:p>
+            <a:pPr marL="457200" lvl="1" indent="0">
+              <a:buFont typeface="Wingdings" panose="05000000000000000000" pitchFamily="2" charset="2"/>
+              <a:buNone/>
+            </a:pPr>
+            <a:r>
+              <a:rPr lang="en-US" sz="2800" spc="-1" dirty="0" smtClean="0">
+                <a:solidFill>
+                  <a:srgbClr val="404040"/>
+                </a:solidFill>
+                <a:uFill>
+                  <a:solidFill>
+                    <a:srgbClr val="FFFFFF"/>
+                  </a:solidFill>
+                </a:uFill>
+                <a:latin typeface="Franklin Gothic Medium"/>
+              </a:rPr>
+              <a:t>Frequency  -&gt; </a:t>
+            </a:r>
+            <a:r>
+              <a:rPr lang="en-US" sz="2800" spc="-1" dirty="0" err="1" smtClean="0">
+                <a:solidFill>
+                  <a:srgbClr val="404040"/>
+                </a:solidFill>
+                <a:uFill>
+                  <a:solidFill>
+                    <a:srgbClr val="FFFFFF"/>
+                  </a:solidFill>
+                </a:uFill>
+                <a:latin typeface="Franklin Gothic Medium"/>
+              </a:rPr>
+              <a:t>assegna</a:t>
+            </a:r>
+            <a:r>
+              <a:rPr lang="en-US" sz="2800" spc="-1" dirty="0" smtClean="0">
+                <a:solidFill>
+                  <a:srgbClr val="404040"/>
+                </a:solidFill>
+                <a:uFill>
+                  <a:solidFill>
+                    <a:srgbClr val="FFFFFF"/>
+                  </a:solidFill>
+                </a:uFill>
+                <a:latin typeface="Franklin Gothic Medium"/>
+              </a:rPr>
+              <a:t> ad</a:t>
+            </a:r>
+            <a:r>
+              <a:rPr lang="en-US" sz="2800" spc="-1" baseline="0" dirty="0" smtClean="0">
+                <a:solidFill>
+                  <a:srgbClr val="404040"/>
+                </a:solidFill>
+                <a:uFill>
+                  <a:solidFill>
+                    <a:srgbClr val="FFFFFF"/>
+                  </a:solidFill>
+                </a:uFill>
+                <a:latin typeface="Franklin Gothic Medium"/>
+              </a:rPr>
+              <a:t> </a:t>
+            </a:r>
+            <a:r>
+              <a:rPr lang="en-US" sz="2800" spc="-1" baseline="0" dirty="0" err="1" smtClean="0">
+                <a:solidFill>
+                  <a:srgbClr val="404040"/>
+                </a:solidFill>
+                <a:uFill>
+                  <a:solidFill>
+                    <a:srgbClr val="FFFFFF"/>
+                  </a:solidFill>
+                </a:uFill>
+                <a:latin typeface="Franklin Gothic Medium"/>
+              </a:rPr>
+              <a:t>ogni</a:t>
+            </a:r>
+            <a:r>
+              <a:rPr lang="en-US" sz="2800" spc="-1" baseline="0" dirty="0" smtClean="0">
+                <a:solidFill>
+                  <a:srgbClr val="404040"/>
+                </a:solidFill>
+                <a:uFill>
+                  <a:solidFill>
+                    <a:srgbClr val="FFFFFF"/>
+                  </a:solidFill>
+                </a:uFill>
+                <a:latin typeface="Franklin Gothic Medium"/>
+              </a:rPr>
+              <a:t> </a:t>
+            </a:r>
+            <a:r>
+              <a:rPr lang="en-US" sz="2800" spc="-1" baseline="0" dirty="0" err="1" smtClean="0">
+                <a:solidFill>
+                  <a:srgbClr val="404040"/>
+                </a:solidFill>
+                <a:uFill>
+                  <a:solidFill>
+                    <a:srgbClr val="FFFFFF"/>
+                  </a:solidFill>
+                </a:uFill>
+                <a:latin typeface="Franklin Gothic Medium"/>
+              </a:rPr>
+              <a:t>termine</a:t>
+            </a:r>
+            <a:r>
+              <a:rPr lang="en-US" sz="2800" spc="-1" baseline="0" dirty="0" smtClean="0">
+                <a:solidFill>
+                  <a:srgbClr val="404040"/>
+                </a:solidFill>
+                <a:uFill>
+                  <a:solidFill>
+                    <a:srgbClr val="FFFFFF"/>
+                  </a:solidFill>
+                </a:uFill>
+                <a:latin typeface="Franklin Gothic Medium"/>
+              </a:rPr>
+              <a:t> un </a:t>
+            </a:r>
+            <a:r>
+              <a:rPr lang="en-US" sz="2800" spc="-1" baseline="0" dirty="0" err="1" smtClean="0">
+                <a:solidFill>
+                  <a:srgbClr val="404040"/>
+                </a:solidFill>
+                <a:uFill>
+                  <a:solidFill>
+                    <a:srgbClr val="FFFFFF"/>
+                  </a:solidFill>
+                </a:uFill>
+                <a:latin typeface="Franklin Gothic Medium"/>
+              </a:rPr>
+              <a:t>punteggio</a:t>
+            </a:r>
+            <a:r>
+              <a:rPr lang="en-US" sz="2800" spc="-1" baseline="0" dirty="0" smtClean="0">
+                <a:solidFill>
+                  <a:srgbClr val="404040"/>
+                </a:solidFill>
+                <a:uFill>
+                  <a:solidFill>
+                    <a:srgbClr val="FFFFFF"/>
+                  </a:solidFill>
+                </a:uFill>
+                <a:latin typeface="Franklin Gothic Medium"/>
+              </a:rPr>
+              <a:t> in b</a:t>
+            </a:r>
+            <a:r>
+              <a:rPr lang="en-US" sz="2800" spc="-1" dirty="0" smtClean="0">
+                <a:solidFill>
+                  <a:srgbClr val="404040"/>
+                </a:solidFill>
+                <a:uFill>
+                  <a:solidFill>
+                    <a:srgbClr val="FFFFFF"/>
+                  </a:solidFill>
+                </a:uFill>
+                <a:latin typeface="Franklin Gothic Medium"/>
+              </a:rPr>
+              <a:t>ase a </a:t>
+            </a:r>
+            <a:r>
+              <a:rPr lang="en-US" sz="2800" spc="-1" dirty="0" err="1" smtClean="0">
+                <a:solidFill>
+                  <a:srgbClr val="404040"/>
+                </a:solidFill>
+                <a:uFill>
+                  <a:solidFill>
+                    <a:srgbClr val="FFFFFF"/>
+                  </a:solidFill>
+                </a:uFill>
+                <a:latin typeface="Franklin Gothic Medium"/>
+              </a:rPr>
+              <a:t>quante</a:t>
+            </a:r>
+            <a:r>
+              <a:rPr lang="en-US" sz="2800" spc="-1" dirty="0" smtClean="0">
+                <a:solidFill>
+                  <a:srgbClr val="404040"/>
+                </a:solidFill>
+                <a:uFill>
+                  <a:solidFill>
+                    <a:srgbClr val="FFFFFF"/>
+                  </a:solidFill>
+                </a:uFill>
+                <a:latin typeface="Franklin Gothic Medium"/>
+              </a:rPr>
+              <a:t> volte </a:t>
+            </a:r>
+            <a:r>
+              <a:rPr lang="en-US" sz="2800" spc="-1" dirty="0" err="1" smtClean="0">
+                <a:solidFill>
+                  <a:srgbClr val="404040"/>
+                </a:solidFill>
+                <a:uFill>
+                  <a:solidFill>
+                    <a:srgbClr val="FFFFFF"/>
+                  </a:solidFill>
+                </a:uFill>
+                <a:latin typeface="Franklin Gothic Medium"/>
+              </a:rPr>
+              <a:t>appare</a:t>
+            </a:r>
+            <a:r>
+              <a:rPr lang="en-US" sz="2800" spc="-1" dirty="0" smtClean="0">
+                <a:solidFill>
+                  <a:srgbClr val="404040"/>
+                </a:solidFill>
+                <a:uFill>
+                  <a:solidFill>
+                    <a:srgbClr val="FFFFFF"/>
+                  </a:solidFill>
+                </a:uFill>
+                <a:latin typeface="Franklin Gothic Medium"/>
+              </a:rPr>
+              <a:t> in un </a:t>
+            </a:r>
+            <a:r>
+              <a:rPr lang="en-US" sz="2800" spc="-1" dirty="0" err="1" smtClean="0">
+                <a:solidFill>
+                  <a:srgbClr val="404040"/>
+                </a:solidFill>
+                <a:uFill>
+                  <a:solidFill>
+                    <a:srgbClr val="FFFFFF"/>
+                  </a:solidFill>
+                </a:uFill>
+                <a:latin typeface="Franklin Gothic Medium"/>
+              </a:rPr>
+              <a:t>documento</a:t>
+            </a:r>
+            <a:endParaRPr lang="en-US" sz="2800" spc="-1" dirty="0" smtClean="0">
+              <a:solidFill>
+                <a:srgbClr val="404040"/>
+              </a:solidFill>
+              <a:uFill>
+                <a:solidFill>
+                  <a:srgbClr val="FFFFFF"/>
+                </a:solidFill>
+              </a:uFill>
+              <a:latin typeface="Franklin Gothic Medium"/>
+            </a:endParaRPr>
+          </a:p>
+          <a:p>
+            <a:pPr marL="457200" lvl="1" indent="0">
+              <a:buFont typeface="Wingdings" panose="05000000000000000000" pitchFamily="2" charset="2"/>
+              <a:buNone/>
+            </a:pPr>
+            <a:r>
+              <a:rPr lang="en-US" sz="2800" spc="-1" dirty="0" smtClean="0">
+                <a:solidFill>
+                  <a:srgbClr val="404040"/>
+                </a:solidFill>
+                <a:uFill>
+                  <a:solidFill>
+                    <a:srgbClr val="FFFFFF"/>
+                  </a:solidFill>
+                </a:uFill>
+                <a:latin typeface="Franklin Gothic Medium"/>
+              </a:rPr>
+              <a:t>TF_IDF -&gt; come </a:t>
+            </a:r>
+            <a:r>
+              <a:rPr lang="en-US" sz="2800" spc="-1" dirty="0" err="1" smtClean="0">
+                <a:solidFill>
+                  <a:srgbClr val="404040"/>
+                </a:solidFill>
+                <a:uFill>
+                  <a:solidFill>
+                    <a:srgbClr val="FFFFFF"/>
+                  </a:solidFill>
+                </a:uFill>
+                <a:latin typeface="Franklin Gothic Medium"/>
+              </a:rPr>
+              <a:t>sopra</a:t>
+            </a:r>
+            <a:r>
+              <a:rPr lang="en-US" sz="2800" spc="-1" dirty="0" smtClean="0">
+                <a:solidFill>
+                  <a:srgbClr val="404040"/>
+                </a:solidFill>
+                <a:uFill>
+                  <a:solidFill>
+                    <a:srgbClr val="FFFFFF"/>
+                  </a:solidFill>
+                </a:uFill>
+                <a:latin typeface="Franklin Gothic Medium"/>
+              </a:rPr>
+              <a:t> ma </a:t>
+            </a:r>
+            <a:r>
+              <a:rPr lang="en-US" sz="2800" spc="-1" dirty="0" err="1" smtClean="0">
+                <a:solidFill>
+                  <a:srgbClr val="404040"/>
+                </a:solidFill>
+                <a:uFill>
+                  <a:solidFill>
+                    <a:srgbClr val="FFFFFF"/>
+                  </a:solidFill>
+                </a:uFill>
+                <a:latin typeface="Franklin Gothic Medium"/>
+              </a:rPr>
+              <a:t>considera</a:t>
+            </a:r>
+            <a:r>
+              <a:rPr lang="en-US" sz="2800" spc="-1" dirty="0" smtClean="0">
+                <a:solidFill>
+                  <a:srgbClr val="404040"/>
+                </a:solidFill>
+                <a:uFill>
+                  <a:solidFill>
+                    <a:srgbClr val="FFFFFF"/>
+                  </a:solidFill>
+                </a:uFill>
+                <a:latin typeface="Franklin Gothic Medium"/>
+              </a:rPr>
+              <a:t> </a:t>
+            </a:r>
+            <a:r>
+              <a:rPr lang="en-US" sz="2800" spc="-1" dirty="0" err="1" smtClean="0">
+                <a:solidFill>
+                  <a:srgbClr val="404040"/>
+                </a:solidFill>
+                <a:uFill>
+                  <a:solidFill>
+                    <a:srgbClr val="FFFFFF"/>
+                  </a:solidFill>
+                </a:uFill>
+                <a:latin typeface="Franklin Gothic Medium"/>
+              </a:rPr>
+              <a:t>anche</a:t>
+            </a:r>
+            <a:r>
+              <a:rPr lang="en-US" sz="2800" spc="-1" dirty="0" smtClean="0">
+                <a:solidFill>
+                  <a:srgbClr val="404040"/>
+                </a:solidFill>
+                <a:uFill>
+                  <a:solidFill>
+                    <a:srgbClr val="FFFFFF"/>
+                  </a:solidFill>
+                </a:uFill>
+                <a:latin typeface="Franklin Gothic Medium"/>
+              </a:rPr>
+              <a:t> la </a:t>
+            </a:r>
+            <a:r>
+              <a:rPr lang="en-US" sz="2800" spc="-1" dirty="0" err="1" smtClean="0">
+                <a:solidFill>
+                  <a:srgbClr val="404040"/>
+                </a:solidFill>
+                <a:uFill>
+                  <a:solidFill>
+                    <a:srgbClr val="FFFFFF"/>
+                  </a:solidFill>
+                </a:uFill>
+                <a:latin typeface="Franklin Gothic Medium"/>
+              </a:rPr>
+              <a:t>rarirà</a:t>
+            </a:r>
+            <a:r>
+              <a:rPr lang="en-US" sz="2800" spc="-1" dirty="0" smtClean="0">
+                <a:solidFill>
+                  <a:srgbClr val="404040"/>
+                </a:solidFill>
+                <a:uFill>
+                  <a:solidFill>
+                    <a:srgbClr val="FFFFFF"/>
+                  </a:solidFill>
+                </a:uFill>
+                <a:latin typeface="Franklin Gothic Medium"/>
+              </a:rPr>
+              <a:t> del </a:t>
+            </a:r>
+            <a:r>
+              <a:rPr lang="en-US" sz="2800" spc="-1" dirty="0" err="1" smtClean="0">
+                <a:solidFill>
+                  <a:srgbClr val="404040"/>
+                </a:solidFill>
+                <a:uFill>
+                  <a:solidFill>
+                    <a:srgbClr val="FFFFFF"/>
+                  </a:solidFill>
+                </a:uFill>
+                <a:latin typeface="Franklin Gothic Medium"/>
+              </a:rPr>
+              <a:t>termine</a:t>
+            </a:r>
+            <a:r>
+              <a:rPr lang="en-US" sz="2800" spc="-1" dirty="0" smtClean="0">
+                <a:solidFill>
+                  <a:srgbClr val="404040"/>
+                </a:solidFill>
+                <a:uFill>
+                  <a:solidFill>
+                    <a:srgbClr val="FFFFFF"/>
+                  </a:solidFill>
+                </a:uFill>
+                <a:latin typeface="Franklin Gothic Medium"/>
+              </a:rPr>
+              <a:t> </a:t>
+            </a:r>
+            <a:r>
+              <a:rPr lang="en-US" sz="2800" spc="-1" dirty="0" err="1" smtClean="0">
+                <a:solidFill>
+                  <a:srgbClr val="404040"/>
+                </a:solidFill>
+                <a:uFill>
+                  <a:solidFill>
+                    <a:srgbClr val="FFFFFF"/>
+                  </a:solidFill>
+                </a:uFill>
+                <a:latin typeface="Franklin Gothic Medium"/>
+              </a:rPr>
+              <a:t>tra</a:t>
+            </a:r>
+            <a:r>
+              <a:rPr lang="en-US" sz="2800" spc="-1" dirty="0" smtClean="0">
+                <a:solidFill>
+                  <a:srgbClr val="404040"/>
+                </a:solidFill>
+                <a:uFill>
+                  <a:solidFill>
+                    <a:srgbClr val="FFFFFF"/>
+                  </a:solidFill>
+                </a:uFill>
+                <a:latin typeface="Franklin Gothic Medium"/>
+              </a:rPr>
+              <a:t> </a:t>
+            </a:r>
+            <a:r>
+              <a:rPr lang="en-US" sz="2800" spc="-1" dirty="0" err="1" smtClean="0">
+                <a:solidFill>
+                  <a:srgbClr val="404040"/>
+                </a:solidFill>
+                <a:uFill>
+                  <a:solidFill>
+                    <a:srgbClr val="FFFFFF"/>
+                  </a:solidFill>
+                </a:uFill>
+                <a:latin typeface="Franklin Gothic Medium"/>
+              </a:rPr>
+              <a:t>tutti</a:t>
+            </a:r>
+            <a:r>
+              <a:rPr lang="en-US" sz="2800" spc="-1" dirty="0" smtClean="0">
+                <a:solidFill>
+                  <a:srgbClr val="404040"/>
+                </a:solidFill>
+                <a:uFill>
+                  <a:solidFill>
+                    <a:srgbClr val="FFFFFF"/>
+                  </a:solidFill>
+                </a:uFill>
+                <a:latin typeface="Franklin Gothic Medium"/>
+              </a:rPr>
+              <a:t> i </a:t>
+            </a:r>
+            <a:r>
+              <a:rPr lang="en-US" sz="2800" spc="-1" dirty="0" err="1" smtClean="0">
+                <a:solidFill>
+                  <a:srgbClr val="404040"/>
+                </a:solidFill>
+                <a:uFill>
+                  <a:solidFill>
+                    <a:srgbClr val="FFFFFF"/>
+                  </a:solidFill>
+                </a:uFill>
+                <a:latin typeface="Franklin Gothic Medium"/>
+              </a:rPr>
+              <a:t>documenti</a:t>
+            </a:r>
+            <a:endParaRPr lang="en-US" sz="2800" spc="-1" dirty="0" smtClean="0">
+              <a:solidFill>
+                <a:srgbClr val="404040"/>
+              </a:solidFill>
+              <a:uFill>
+                <a:solidFill>
+                  <a:srgbClr val="FFFFFF"/>
+                </a:solidFill>
+              </a:uFill>
+              <a:latin typeface="Franklin Gothic Medium"/>
+            </a:endParaRPr>
+          </a:p>
+          <a:p>
+            <a:pPr marL="457200" lvl="1" indent="0">
+              <a:buFont typeface="Wingdings" panose="05000000000000000000" pitchFamily="2" charset="2"/>
+              <a:buNone/>
+            </a:pPr>
+            <a:r>
+              <a:rPr lang="en-US" sz="2800" spc="-1" dirty="0" smtClean="0">
+                <a:solidFill>
+                  <a:srgbClr val="404040"/>
+                </a:solidFill>
+                <a:uFill>
+                  <a:solidFill>
+                    <a:srgbClr val="FFFFFF"/>
+                  </a:solidFill>
+                </a:uFill>
+                <a:latin typeface="Franklin Gothic Medium"/>
+              </a:rPr>
+              <a:t>BM25 -&gt; </a:t>
+            </a:r>
+            <a:r>
+              <a:rPr lang="en-US" sz="2800" spc="-1" dirty="0" err="1" smtClean="0">
+                <a:solidFill>
+                  <a:srgbClr val="404040"/>
+                </a:solidFill>
+                <a:uFill>
+                  <a:solidFill>
+                    <a:srgbClr val="FFFFFF"/>
+                  </a:solidFill>
+                </a:uFill>
+                <a:latin typeface="Franklin Gothic Medium"/>
+              </a:rPr>
+              <a:t>modello</a:t>
+            </a:r>
+            <a:r>
+              <a:rPr lang="en-US" sz="2800" spc="-1" dirty="0" smtClean="0">
+                <a:solidFill>
+                  <a:srgbClr val="404040"/>
+                </a:solidFill>
+                <a:uFill>
+                  <a:solidFill>
+                    <a:srgbClr val="FFFFFF"/>
+                  </a:solidFill>
+                </a:uFill>
+                <a:latin typeface="Franklin Gothic Medium"/>
+              </a:rPr>
+              <a:t> </a:t>
+            </a:r>
+            <a:r>
+              <a:rPr lang="en-US" sz="2800" spc="-1" dirty="0" err="1" smtClean="0">
+                <a:solidFill>
+                  <a:srgbClr val="404040"/>
+                </a:solidFill>
+                <a:uFill>
+                  <a:solidFill>
+                    <a:srgbClr val="FFFFFF"/>
+                  </a:solidFill>
+                </a:uFill>
+                <a:latin typeface="Franklin Gothic Medium"/>
+              </a:rPr>
+              <a:t>probabilistico</a:t>
+            </a:r>
+            <a:endParaRPr lang="en-US" sz="2800" spc="-1" dirty="0" smtClean="0">
+              <a:solidFill>
+                <a:srgbClr val="404040"/>
+              </a:solidFill>
+              <a:uFill>
+                <a:solidFill>
+                  <a:srgbClr val="FFFFFF"/>
+                </a:solidFill>
+              </a:uFill>
+              <a:latin typeface="Franklin Gothic Medium"/>
+            </a:endParaRPr>
+          </a:p>
+          <a:p>
+            <a:endParaRPr lang="it-IT" dirty="0"/>
+          </a:p>
+        </p:txBody>
+      </p:sp>
+      <p:sp>
+        <p:nvSpPr>
+          <p:cNvPr id="4" name="Slide Number Placeholder 3"/>
+          <p:cNvSpPr>
+            <a:spLocks noGrp="1"/>
+          </p:cNvSpPr>
+          <p:nvPr>
+            <p:ph type="sldNum" idx="10"/>
+          </p:nvPr>
+        </p:nvSpPr>
+        <p:spPr/>
+        <p:txBody>
+          <a:bodyPr/>
+          <a:lstStyle/>
+          <a:p>
+            <a:pPr algn="r"/>
+            <a:fld id="{BF3F0219-EEC3-47CD-80D0-D5594D977E01}" type="slidenum">
+              <a:rPr lang="en-US" sz="1400" b="0" strike="noStrike" spc="-1" smtClean="0">
+                <a:solidFill>
+                  <a:srgbClr val="000000"/>
+                </a:solidFill>
+                <a:uFill>
+                  <a:solidFill>
+                    <a:srgbClr val="FFFFFF"/>
+                  </a:solidFill>
+                </a:uFill>
+                <a:latin typeface="Times New Roman"/>
+              </a:rPr>
+              <a:t>20</a:t>
+            </a:fld>
+            <a:endParaRPr lang="en-US" sz="1400" b="0" strike="noStrike" spc="-1">
+              <a:solidFill>
+                <a:srgbClr val="000000"/>
+              </a:solidFill>
+              <a:uFill>
+                <a:solidFill>
+                  <a:srgbClr val="FFFFFF"/>
+                </a:solidFill>
+              </a:uFill>
+              <a:latin typeface="Times New Roman"/>
+            </a:endParaRPr>
+          </a:p>
+        </p:txBody>
+      </p:sp>
+    </p:spTree>
+    <p:extLst>
+      <p:ext uri="{BB962C8B-B14F-4D97-AF65-F5344CB8AC3E}">
+        <p14:creationId xmlns:p14="http://schemas.microsoft.com/office/powerpoint/2010/main" val="469875434"/>
+      </p:ext>
+    </p:extLst>
+  </p:cSld>
+  <p:clrMapOvr>
+    <a:masterClrMapping/>
+  </p:clrMapOvr>
+</p:notes>
+</file>
+
+<file path=ppt/notesSlides/notesSlide11.xml><?xml version="1.0" encoding="utf-8"?>
+<p:notes xmlns:a="http://schemas.openxmlformats.org/drawingml/2006/main" xmlns:r="http://schemas.openxmlformats.org/officeDocument/2006/relationships" xmlns:p="http://schemas.openxmlformats.org/presentationml/2006/main">
+  <p:cSld>
+    <p:spTree>
+      <p:nvGrpSpPr>
+        <p:cNvPr id="1" name=""/>
+        <p:cNvGrpSpPr/>
+        <p:nvPr/>
+      </p:nvGrpSpPr>
+      <p:grpSpPr>
+        <a:xfrm>
+          <a:off x="0" y="0"/>
+          <a:ext cx="0" cy="0"/>
+          <a:chOff x="0" y="0"/>
+          <a:chExt cx="0" cy="0"/>
+        </a:xfrm>
+      </p:grpSpPr>
+      <p:sp>
+        <p:nvSpPr>
+          <p:cNvPr id="2" name="Slide Image Placeholder 1"/>
+          <p:cNvSpPr>
+            <a:spLocks noGrp="1" noRot="1" noChangeAspect="1"/>
+          </p:cNvSpPr>
+          <p:nvPr>
+            <p:ph type="sldImg"/>
+          </p:nvPr>
+        </p:nvSpPr>
+        <p:spPr>
+          <a:xfrm>
+            <a:off x="381000" y="685800"/>
+            <a:ext cx="6096000" cy="3429000"/>
+          </a:xfrm>
+          <a:prstGeom prst="rect">
+            <a:avLst/>
+          </a:prstGeom>
+          <a:noFill/>
+          <a:ln w="12700">
+            <a:solidFill>
+              <a:prstClr val="black"/>
+            </a:solidFill>
+          </a:ln>
+        </p:spPr>
+      </p:sp>
+      <p:sp>
+        <p:nvSpPr>
+          <p:cNvPr id="3" name="Notes Placeholder 2"/>
+          <p:cNvSpPr>
+            <a:spLocks noGrp="1"/>
+          </p:cNvSpPr>
+          <p:nvPr>
+            <p:ph type="body" idx="1"/>
+          </p:nvPr>
+        </p:nvSpPr>
+        <p:spPr/>
+        <p:txBody>
+          <a:bodyPr/>
+          <a:lstStyle/>
+          <a:p>
+            <a:endParaRPr lang="it-IT" dirty="0"/>
+          </a:p>
+        </p:txBody>
+      </p:sp>
+      <p:sp>
+        <p:nvSpPr>
+          <p:cNvPr id="4" name="Slide Number Placeholder 3"/>
+          <p:cNvSpPr>
+            <a:spLocks noGrp="1"/>
+          </p:cNvSpPr>
+          <p:nvPr>
+            <p:ph type="sldNum" idx="10"/>
+          </p:nvPr>
+        </p:nvSpPr>
+        <p:spPr/>
+        <p:txBody>
+          <a:bodyPr/>
+          <a:lstStyle/>
+          <a:p>
+            <a:pPr algn="r"/>
+            <a:fld id="{BF3F0219-EEC3-47CD-80D0-D5594D977E01}" type="slidenum">
+              <a:rPr lang="en-US" sz="1400" b="0" strike="noStrike" spc="-1" smtClean="0">
+                <a:solidFill>
+                  <a:srgbClr val="000000"/>
+                </a:solidFill>
+                <a:uFill>
+                  <a:solidFill>
+                    <a:srgbClr val="FFFFFF"/>
+                  </a:solidFill>
+                </a:uFill>
+                <a:latin typeface="Times New Roman"/>
+              </a:rPr>
+              <a:t>24</a:t>
+            </a:fld>
+            <a:endParaRPr lang="en-US" sz="1400" b="0" strike="noStrike" spc="-1">
+              <a:solidFill>
+                <a:srgbClr val="000000"/>
+              </a:solidFill>
+              <a:uFill>
+                <a:solidFill>
+                  <a:srgbClr val="FFFFFF"/>
+                </a:solidFill>
+              </a:uFill>
+              <a:latin typeface="Times New Roman"/>
+            </a:endParaRPr>
+          </a:p>
+        </p:txBody>
+      </p:sp>
+    </p:spTree>
+    <p:extLst>
+      <p:ext uri="{BB962C8B-B14F-4D97-AF65-F5344CB8AC3E}">
+        <p14:creationId xmlns:p14="http://schemas.microsoft.com/office/powerpoint/2010/main" val="685865472"/>
+      </p:ext>
+    </p:extLst>
+  </p:cSld>
+  <p:clrMapOvr>
+    <a:masterClrMapping/>
+  </p:clrMapOvr>
+</p:notes>
+</file>
+
+<file path=ppt/notesSlides/notesSlide12.xml><?xml version="1.0" encoding="utf-8"?>
+<p:notes xmlns:a="http://schemas.openxmlformats.org/drawingml/2006/main" xmlns:r="http://schemas.openxmlformats.org/officeDocument/2006/relationships" xmlns:p="http://schemas.openxmlformats.org/presentationml/2006/main">
+  <p:cSld>
+    <p:spTree>
+      <p:nvGrpSpPr>
+        <p:cNvPr id="1" name=""/>
+        <p:cNvGrpSpPr/>
+        <p:nvPr/>
+      </p:nvGrpSpPr>
+      <p:grpSpPr>
+        <a:xfrm>
+          <a:off x="0" y="0"/>
+          <a:ext cx="0" cy="0"/>
+          <a:chOff x="0" y="0"/>
+          <a:chExt cx="0" cy="0"/>
+        </a:xfrm>
+      </p:grpSpPr>
+      <p:sp>
+        <p:nvSpPr>
+          <p:cNvPr id="2" name="Segnaposto immagine diapositiva 1"/>
+          <p:cNvSpPr>
+            <a:spLocks noGrp="1" noRot="1" noChangeAspect="1"/>
+          </p:cNvSpPr>
+          <p:nvPr>
+            <p:ph type="sldImg"/>
+          </p:nvPr>
+        </p:nvSpPr>
+        <p:spPr>
+          <a:xfrm>
+            <a:off x="685800" y="1143000"/>
+            <a:ext cx="5486400" cy="3086100"/>
+          </a:xfrm>
+          <a:prstGeom prst="rect">
+            <a:avLst/>
+          </a:prstGeom>
+          <a:noFill/>
+          <a:ln w="12700">
+            <a:solidFill>
+              <a:prstClr val="black"/>
+            </a:solidFill>
+          </a:ln>
+        </p:spPr>
+      </p:sp>
+      <p:sp>
+        <p:nvSpPr>
+          <p:cNvPr id="3" name="Segnaposto note 2"/>
+          <p:cNvSpPr>
+            <a:spLocks noGrp="1"/>
+          </p:cNvSpPr>
+          <p:nvPr>
+            <p:ph type="body" idx="1"/>
+          </p:nvPr>
+        </p:nvSpPr>
+        <p:spPr/>
+        <p:txBody>
+          <a:bodyPr/>
+          <a:lstStyle/>
+          <a:p>
+            <a:endParaRPr lang="it-IT" dirty="0"/>
+          </a:p>
+        </p:txBody>
+      </p:sp>
+      <p:sp>
+        <p:nvSpPr>
+          <p:cNvPr id="4" name="Segnaposto numero diapositiva 3"/>
+          <p:cNvSpPr>
+            <a:spLocks noGrp="1"/>
+          </p:cNvSpPr>
+          <p:nvPr>
+            <p:ph type="sldNum" idx="10"/>
+          </p:nvPr>
+        </p:nvSpPr>
+        <p:spPr/>
+        <p:txBody>
+          <a:bodyPr/>
+          <a:lstStyle/>
+          <a:p>
+            <a:pPr algn="r"/>
+            <a:fld id="{BF3F0219-EEC3-47CD-80D0-D5594D977E01}" type="slidenum">
+              <a:rPr lang="en-US" sz="1400" b="0" strike="noStrike" spc="-1" smtClean="0">
+                <a:solidFill>
+                  <a:srgbClr val="000000"/>
+                </a:solidFill>
+                <a:uFill>
+                  <a:solidFill>
+                    <a:srgbClr val="FFFFFF"/>
+                  </a:solidFill>
+                </a:uFill>
+                <a:latin typeface="Times New Roman"/>
+              </a:rPr>
+              <a:t>26</a:t>
+            </a:fld>
+            <a:endParaRPr lang="en-US" sz="1400" b="0" strike="noStrike" spc="-1">
+              <a:solidFill>
+                <a:srgbClr val="000000"/>
+              </a:solidFill>
+              <a:uFill>
+                <a:solidFill>
+                  <a:srgbClr val="FFFFFF"/>
+                </a:solidFill>
+              </a:uFill>
+              <a:latin typeface="Times New Roman"/>
+            </a:endParaRPr>
+          </a:p>
+        </p:txBody>
+      </p:sp>
+    </p:spTree>
+    <p:extLst>
+      <p:ext uri="{BB962C8B-B14F-4D97-AF65-F5344CB8AC3E}">
+        <p14:creationId xmlns:p14="http://schemas.microsoft.com/office/powerpoint/2010/main" val="2036356724"/>
+      </p:ext>
+    </p:extLst>
+  </p:cSld>
+  <p:clrMapOvr>
+    <a:masterClrMapping/>
+  </p:clrMapOvr>
+</p:notes>
+</file>
+
 <file path=ppt/notesSlides/notesSlide2.xml><?xml version="1.0" encoding="utf-8"?>
 <p:notes xmlns:a="http://schemas.openxmlformats.org/drawingml/2006/main" xmlns:r="http://schemas.openxmlformats.org/officeDocument/2006/relationships" xmlns:p="http://schemas.openxmlformats.org/presentationml/2006/main">
   <p:cSld>
@@ -2260,7 +3172,7 @@
       </p:grpSpPr>
       <p:sp>
         <p:nvSpPr>
-          <p:cNvPr id="2" name="Segnaposto immagine diapositiva 1"/>
+          <p:cNvPr id="2" name="Slide Image Placeholder 1"/>
           <p:cNvSpPr>
             <a:spLocks noGrp="1" noRot="1" noChangeAspect="1"/>
           </p:cNvSpPr>
@@ -2270,8 +3182,8 @@
         </p:nvSpPr>
         <p:spPr>
           <a:xfrm>
-            <a:off x="685800" y="1143000"/>
-            <a:ext cx="5486400" cy="3086100"/>
+            <a:off x="381000" y="685800"/>
+            <a:ext cx="6096000" cy="3429000"/>
           </a:xfrm>
           <a:prstGeom prst="rect">
             <a:avLst/>
@@ -2286,7 +3198,7 @@
       </p:sp>
       <p:sp>
         <p:nvSpPr>
-          <p:cNvPr id="3" name="Segnaposto note 2"/>
+          <p:cNvPr id="3" name="Notes Placeholder 2"/>
           <p:cNvSpPr>
             <a:spLocks noGrp="1"/>
           </p:cNvSpPr>
@@ -2299,69 +3211,570 @@
           <a:bodyPr/>
           <a:lstStyle/>
           <a:p>
-            <a:r>
-              <a:rPr lang="it-IT" dirty="0" err="1" smtClean="0"/>
-              <a:t>query</a:t>
-            </a:r>
-            <a:r>
-              <a:rPr lang="it-IT" dirty="0" smtClean="0"/>
+            <a:pPr marL="457200" lvl="1" indent="0">
+              <a:buFont typeface="Wingdings" panose="05000000000000000000" pitchFamily="2" charset="2"/>
+              <a:buNone/>
+            </a:pPr>
+            <a:r>
+              <a:rPr lang="en-US" sz="2800" spc="-1" dirty="0" smtClean="0">
+                <a:solidFill>
+                  <a:srgbClr val="404040"/>
+                </a:solidFill>
+                <a:uFill>
+                  <a:solidFill>
+                    <a:srgbClr val="FFFFFF"/>
+                  </a:solidFill>
+                </a:uFill>
+                <a:latin typeface="Franklin Gothic Medium"/>
+              </a:rPr>
+              <a:t>edit distance -&gt; </a:t>
+            </a:r>
+            <a:r>
+              <a:rPr lang="en-US" sz="2800" spc="-1" dirty="0" err="1" smtClean="0">
+                <a:solidFill>
+                  <a:srgbClr val="404040"/>
+                </a:solidFill>
+                <a:uFill>
+                  <a:solidFill>
+                    <a:srgbClr val="FFFFFF"/>
+                  </a:solidFill>
+                </a:uFill>
+                <a:latin typeface="Franklin Gothic Medium"/>
+              </a:rPr>
+              <a:t>ricerca</a:t>
+            </a:r>
+            <a:r>
+              <a:rPr lang="en-US" sz="2800" spc="-1" dirty="0" smtClean="0">
+                <a:solidFill>
+                  <a:srgbClr val="404040"/>
+                </a:solidFill>
+                <a:uFill>
+                  <a:solidFill>
+                    <a:srgbClr val="FFFFFF"/>
+                  </a:solidFill>
+                </a:uFill>
+                <a:latin typeface="Franklin Gothic Medium"/>
+              </a:rPr>
+              <a:t> parole </a:t>
+            </a:r>
+            <a:r>
+              <a:rPr lang="en-US" sz="2800" spc="-1" dirty="0" err="1" smtClean="0">
+                <a:solidFill>
+                  <a:srgbClr val="404040"/>
+                </a:solidFill>
+                <a:uFill>
+                  <a:solidFill>
+                    <a:srgbClr val="FFFFFF"/>
+                  </a:solidFill>
+                </a:uFill>
+                <a:latin typeface="Franklin Gothic Medium"/>
+              </a:rPr>
+              <a:t>simili</a:t>
+            </a:r>
+            <a:r>
+              <a:rPr lang="en-US" sz="2800" spc="-1" dirty="0" smtClean="0">
+                <a:solidFill>
+                  <a:srgbClr val="404040"/>
+                </a:solidFill>
+                <a:uFill>
+                  <a:solidFill>
+                    <a:srgbClr val="FFFFFF"/>
+                  </a:solidFill>
+                </a:uFill>
+                <a:latin typeface="Franklin Gothic Medium"/>
+              </a:rPr>
+              <a:t> </a:t>
+            </a:r>
+            <a:r>
+              <a:rPr lang="en-US" sz="2800" spc="-1" dirty="0" err="1" smtClean="0">
+                <a:solidFill>
+                  <a:srgbClr val="404040"/>
+                </a:solidFill>
+                <a:uFill>
+                  <a:solidFill>
+                    <a:srgbClr val="FFFFFF"/>
+                  </a:solidFill>
+                </a:uFill>
+                <a:latin typeface="Franklin Gothic Medium"/>
+              </a:rPr>
+              <a:t>nell</a:t>
+            </a:r>
+            <a:r>
+              <a:rPr lang="en-US" sz="2800" spc="-1" dirty="0" smtClean="0">
+                <a:solidFill>
+                  <a:srgbClr val="404040"/>
+                </a:solidFill>
+                <a:uFill>
+                  <a:solidFill>
+                    <a:srgbClr val="FFFFFF"/>
+                  </a:solidFill>
+                </a:uFill>
+                <a:latin typeface="Franklin Gothic Medium"/>
+              </a:rPr>
+              <a:t> </a:t>
+            </a:r>
+            <a:r>
+              <a:rPr lang="en-US" sz="2800" spc="-1" dirty="0" err="1" smtClean="0">
+                <a:solidFill>
+                  <a:srgbClr val="404040"/>
+                </a:solidFill>
+                <a:uFill>
+                  <a:solidFill>
+                    <a:srgbClr val="FFFFFF"/>
+                  </a:solidFill>
+                </a:uFill>
+                <a:latin typeface="Franklin Gothic Medium"/>
+              </a:rPr>
+              <a:t>indice</a:t>
+            </a:r>
+            <a:endParaRPr lang="en-US" sz="2800" spc="-1" dirty="0" smtClean="0">
+              <a:solidFill>
+                <a:srgbClr val="404040"/>
+              </a:solidFill>
+              <a:uFill>
+                <a:solidFill>
+                  <a:srgbClr val="FFFFFF"/>
+                </a:solidFill>
+              </a:uFill>
+              <a:latin typeface="Franklin Gothic Medium"/>
+            </a:endParaRPr>
+          </a:p>
+          <a:p>
+            <a:pPr marL="457200" lvl="1" indent="0">
+              <a:buFont typeface="Wingdings" panose="05000000000000000000" pitchFamily="2" charset="2"/>
+              <a:buNone/>
+            </a:pPr>
+            <a:r>
+              <a:rPr lang="en-US" sz="2800" spc="-1" dirty="0" smtClean="0">
+                <a:solidFill>
+                  <a:srgbClr val="404040"/>
+                </a:solidFill>
+                <a:uFill>
+                  <a:solidFill>
+                    <a:srgbClr val="FFFFFF"/>
+                  </a:solidFill>
+                </a:uFill>
+                <a:latin typeface="Franklin Gothic Medium"/>
+              </a:rPr>
+              <a:t>n</a:t>
+            </a:r>
+            <a:r>
+              <a:rPr lang="en-US" sz="2800" b="0" strike="noStrike" spc="-1" dirty="0" smtClean="0">
+                <a:solidFill>
+                  <a:srgbClr val="404040"/>
+                </a:solidFill>
+                <a:uFill>
+                  <a:solidFill>
+                    <a:srgbClr val="FFFFFF"/>
+                  </a:solidFill>
+                </a:uFill>
+                <a:latin typeface="Franklin Gothic Medium"/>
+              </a:rPr>
+              <a:t>-grams -&gt; </a:t>
+            </a:r>
+            <a:r>
+              <a:rPr lang="en-US" sz="2800" b="0" strike="noStrike" spc="-1" dirty="0" err="1" smtClean="0">
+                <a:solidFill>
+                  <a:srgbClr val="404040"/>
+                </a:solidFill>
+                <a:uFill>
+                  <a:solidFill>
+                    <a:srgbClr val="FFFFFF"/>
+                  </a:solidFill>
+                </a:uFill>
+                <a:latin typeface="Franklin Gothic Medium"/>
+              </a:rPr>
+              <a:t>ricerc</a:t>
+            </a:r>
+            <a:r>
+              <a:rPr lang="en-US" sz="2800" spc="-1" dirty="0" err="1" smtClean="0">
+                <a:solidFill>
+                  <a:srgbClr val="404040"/>
+                </a:solidFill>
+                <a:uFill>
+                  <a:solidFill>
+                    <a:srgbClr val="FFFFFF"/>
+                  </a:solidFill>
+                </a:uFill>
+                <a:latin typeface="Franklin Gothic Medium"/>
+              </a:rPr>
+              <a:t>a</a:t>
+            </a:r>
+            <a:r>
+              <a:rPr lang="en-US" sz="2800" spc="-1" dirty="0" smtClean="0">
+                <a:solidFill>
+                  <a:srgbClr val="404040"/>
+                </a:solidFill>
+                <a:uFill>
+                  <a:solidFill>
+                    <a:srgbClr val="FFFFFF"/>
+                  </a:solidFill>
+                </a:uFill>
+                <a:latin typeface="Franklin Gothic Medium"/>
+              </a:rPr>
+              <a:t> parole </a:t>
+            </a:r>
+            <a:r>
+              <a:rPr lang="en-US" sz="2800" spc="-1" dirty="0" err="1" smtClean="0">
+                <a:solidFill>
+                  <a:srgbClr val="404040"/>
+                </a:solidFill>
+                <a:uFill>
+                  <a:solidFill>
+                    <a:srgbClr val="FFFFFF"/>
+                  </a:solidFill>
+                </a:uFill>
+                <a:latin typeface="Franklin Gothic Medium"/>
+              </a:rPr>
+              <a:t>simili</a:t>
+            </a:r>
+            <a:r>
+              <a:rPr lang="en-US" sz="2800" spc="-1" dirty="0" smtClean="0">
+                <a:solidFill>
+                  <a:srgbClr val="404040"/>
+                </a:solidFill>
+                <a:uFill>
+                  <a:solidFill>
+                    <a:srgbClr val="FFFFFF"/>
+                  </a:solidFill>
+                </a:uFill>
+                <a:latin typeface="Franklin Gothic Medium"/>
+              </a:rPr>
+              <a:t> </a:t>
+            </a:r>
+            <a:r>
+              <a:rPr lang="en-US" sz="2800" spc="-1" dirty="0" err="1" smtClean="0">
+                <a:solidFill>
+                  <a:srgbClr val="404040"/>
+                </a:solidFill>
+                <a:uFill>
+                  <a:solidFill>
+                    <a:srgbClr val="FFFFFF"/>
+                  </a:solidFill>
+                </a:uFill>
+                <a:latin typeface="Franklin Gothic Medium"/>
+              </a:rPr>
+              <a:t>nel</a:t>
+            </a:r>
+            <a:r>
+              <a:rPr lang="en-US" sz="2800" spc="-1" dirty="0" smtClean="0">
+                <a:solidFill>
+                  <a:srgbClr val="404040"/>
+                </a:solidFill>
+                <a:uFill>
+                  <a:solidFill>
+                    <a:srgbClr val="FFFFFF"/>
+                  </a:solidFill>
+                </a:uFill>
+                <a:latin typeface="Franklin Gothic Medium"/>
+              </a:rPr>
+              <a:t> </a:t>
+            </a:r>
+            <a:r>
+              <a:rPr lang="en-US" sz="2800" spc="-1" dirty="0" err="1" smtClean="0">
+                <a:solidFill>
+                  <a:srgbClr val="404040"/>
+                </a:solidFill>
+                <a:uFill>
+                  <a:solidFill>
+                    <a:srgbClr val="FFFFFF"/>
+                  </a:solidFill>
+                </a:uFill>
+                <a:latin typeface="Franklin Gothic Medium"/>
+              </a:rPr>
+              <a:t>dizionario</a:t>
+            </a:r>
+            <a:r>
+              <a:rPr lang="en-US" sz="2800" spc="-1" dirty="0" smtClean="0">
+                <a:solidFill>
+                  <a:srgbClr val="404040"/>
+                </a:solidFill>
+                <a:uFill>
+                  <a:solidFill>
+                    <a:srgbClr val="FFFFFF"/>
+                  </a:solidFill>
+                </a:uFill>
+                <a:latin typeface="Franklin Gothic Medium"/>
+              </a:rPr>
+              <a:t> e </a:t>
+            </a:r>
+            <a:r>
+              <a:rPr lang="en-US" sz="2800" spc="-1" dirty="0" err="1" smtClean="0">
+                <a:solidFill>
+                  <a:srgbClr val="404040"/>
+                </a:solidFill>
+                <a:uFill>
+                  <a:solidFill>
+                    <a:srgbClr val="FFFFFF"/>
+                  </a:solidFill>
+                </a:uFill>
+                <a:latin typeface="Franklin Gothic Medium"/>
+              </a:rPr>
+              <a:t>nel</a:t>
+            </a:r>
+            <a:r>
+              <a:rPr lang="en-US" sz="2800" spc="-1" dirty="0" smtClean="0">
+                <a:solidFill>
+                  <a:srgbClr val="404040"/>
+                </a:solidFill>
+                <a:uFill>
+                  <a:solidFill>
+                    <a:srgbClr val="FFFFFF"/>
+                  </a:solidFill>
+                </a:uFill>
+                <a:latin typeface="Franklin Gothic Medium"/>
+              </a:rPr>
+              <a:t> lexicon</a:t>
+            </a:r>
+            <a:endParaRPr lang="en-US" sz="2800" b="0" strike="noStrike" spc="-1" dirty="0" smtClean="0">
+              <a:solidFill>
+                <a:srgbClr val="404040"/>
+              </a:solidFill>
+              <a:uFill>
+                <a:solidFill>
+                  <a:srgbClr val="FFFFFF"/>
+                </a:solidFill>
+              </a:uFill>
+              <a:latin typeface="Franklin Gothic Medium"/>
+            </a:endParaRPr>
+          </a:p>
+          <a:p>
+            <a:pPr marL="457200" marR="0" lvl="1" indent="0" algn="l" defTabSz="914400" rtl="0" eaLnBrk="1" fontAlgn="auto" latinLnBrk="0" hangingPunct="1">
+              <a:lnSpc>
+                <a:spcPct val="100000"/>
+              </a:lnSpc>
+              <a:spcBef>
+                <a:spcPts val="0"/>
+              </a:spcBef>
+              <a:spcAft>
+                <a:spcPts val="0"/>
+              </a:spcAft>
+              <a:buClrTx/>
+              <a:buSzTx/>
+              <a:buFont typeface="Wingdings" panose="05000000000000000000" pitchFamily="2" charset="2"/>
+              <a:buNone/>
+              <a:tabLst/>
+              <a:defRPr/>
+            </a:pPr>
+            <a:r>
+              <a:rPr lang="en-US" sz="2800" spc="-1" dirty="0" err="1" smtClean="0">
+                <a:solidFill>
+                  <a:srgbClr val="404040"/>
+                </a:solidFill>
+                <a:uFill>
+                  <a:solidFill>
+                    <a:srgbClr val="FFFFFF"/>
+                  </a:solidFill>
+                </a:uFill>
+                <a:latin typeface="Franklin Gothic Medium"/>
+              </a:rPr>
+              <a:t>Pyenchant</a:t>
+            </a:r>
+            <a:r>
+              <a:rPr lang="en-US" sz="2800" spc="-1" dirty="0" smtClean="0">
+                <a:solidFill>
+                  <a:srgbClr val="404040"/>
+                </a:solidFill>
+                <a:uFill>
+                  <a:solidFill>
+                    <a:srgbClr val="FFFFFF"/>
+                  </a:solidFill>
+                </a:uFill>
+                <a:latin typeface="Franklin Gothic Medium"/>
+              </a:rPr>
               <a:t> -&gt; </a:t>
             </a:r>
             <a:r>
-              <a:rPr lang="it-IT" baseline="0" dirty="0" smtClean="0"/>
-              <a:t>utile per confrontare se il correttore ha già cambiato qualcosa</a:t>
-            </a:r>
-          </a:p>
-          <a:p>
-            <a:r>
-              <a:rPr lang="it-IT" baseline="0" dirty="0" err="1" smtClean="0"/>
-              <a:t>string</a:t>
-            </a:r>
-            <a:r>
-              <a:rPr lang="it-IT" baseline="0" dirty="0" smtClean="0"/>
-              <a:t> -&gt; versione corretta della </a:t>
-            </a:r>
-            <a:r>
-              <a:rPr lang="it-IT" baseline="0" dirty="0" err="1" smtClean="0"/>
-              <a:t>query</a:t>
-            </a:r>
-            <a:r>
-              <a:rPr lang="it-IT" baseline="0" dirty="0" smtClean="0"/>
-              <a:t> dell’utente</a:t>
-            </a:r>
-          </a:p>
-          <a:p>
-            <a:r>
-              <a:rPr lang="it-IT" baseline="0" dirty="0" err="1" smtClean="0"/>
-              <a:t>tokens</a:t>
-            </a:r>
-            <a:r>
-              <a:rPr lang="it-IT" baseline="0" dirty="0" smtClean="0"/>
-              <a:t> -&gt;lista di </a:t>
-            </a:r>
-            <a:r>
-              <a:rPr lang="it-IT" baseline="0" dirty="0" err="1" smtClean="0"/>
-              <a:t>token</a:t>
-            </a:r>
-            <a:r>
-              <a:rPr lang="it-IT" baseline="0" dirty="0" smtClean="0"/>
-              <a:t> che rappresentano la </a:t>
-            </a:r>
-            <a:r>
-              <a:rPr lang="it-IT" baseline="0" dirty="0" err="1" smtClean="0"/>
-              <a:t>query</a:t>
-            </a:r>
-            <a:r>
-              <a:rPr lang="it-IT" baseline="0" dirty="0" smtClean="0"/>
-              <a:t> corretta</a:t>
-            </a:r>
+              <a:rPr lang="en-US" sz="2800" b="0" strike="noStrike" spc="-1" dirty="0" err="1" smtClean="0">
+                <a:solidFill>
+                  <a:srgbClr val="404040"/>
+                </a:solidFill>
+                <a:uFill>
+                  <a:solidFill>
+                    <a:srgbClr val="FFFFFF"/>
+                  </a:solidFill>
+                </a:uFill>
+                <a:latin typeface="Franklin Gothic Medium"/>
+              </a:rPr>
+              <a:t>ricerc</a:t>
+            </a:r>
+            <a:r>
+              <a:rPr lang="en-US" sz="2800" spc="-1" dirty="0" err="1" smtClean="0">
+                <a:solidFill>
+                  <a:srgbClr val="404040"/>
+                </a:solidFill>
+                <a:uFill>
+                  <a:solidFill>
+                    <a:srgbClr val="FFFFFF"/>
+                  </a:solidFill>
+                </a:uFill>
+                <a:latin typeface="Franklin Gothic Medium"/>
+              </a:rPr>
+              <a:t>a</a:t>
+            </a:r>
+            <a:r>
+              <a:rPr lang="en-US" sz="2800" spc="-1" dirty="0" smtClean="0">
+                <a:solidFill>
+                  <a:srgbClr val="404040"/>
+                </a:solidFill>
+                <a:uFill>
+                  <a:solidFill>
+                    <a:srgbClr val="FFFFFF"/>
+                  </a:solidFill>
+                </a:uFill>
+                <a:latin typeface="Franklin Gothic Medium"/>
+              </a:rPr>
+              <a:t> parole </a:t>
+            </a:r>
+            <a:r>
+              <a:rPr lang="en-US" sz="2800" spc="-1" dirty="0" err="1" smtClean="0">
+                <a:solidFill>
+                  <a:srgbClr val="404040"/>
+                </a:solidFill>
+                <a:uFill>
+                  <a:solidFill>
+                    <a:srgbClr val="FFFFFF"/>
+                  </a:solidFill>
+                </a:uFill>
+                <a:latin typeface="Franklin Gothic Medium"/>
+              </a:rPr>
+              <a:t>simili</a:t>
+            </a:r>
+            <a:r>
+              <a:rPr lang="en-US" sz="2800" spc="-1" dirty="0" smtClean="0">
+                <a:solidFill>
+                  <a:srgbClr val="404040"/>
+                </a:solidFill>
+                <a:uFill>
+                  <a:solidFill>
+                    <a:srgbClr val="FFFFFF"/>
+                  </a:solidFill>
+                </a:uFill>
+                <a:latin typeface="Franklin Gothic Medium"/>
+              </a:rPr>
+              <a:t> </a:t>
+            </a:r>
+            <a:r>
+              <a:rPr lang="en-US" sz="2800" spc="-1" dirty="0" err="1" smtClean="0">
+                <a:solidFill>
+                  <a:srgbClr val="404040"/>
+                </a:solidFill>
+                <a:uFill>
+                  <a:solidFill>
+                    <a:srgbClr val="FFFFFF"/>
+                  </a:solidFill>
+                </a:uFill>
+                <a:latin typeface="Franklin Gothic Medium"/>
+              </a:rPr>
+              <a:t>nel</a:t>
+            </a:r>
+            <a:r>
+              <a:rPr lang="en-US" sz="2800" spc="-1" dirty="0" smtClean="0">
+                <a:solidFill>
+                  <a:srgbClr val="404040"/>
+                </a:solidFill>
+                <a:uFill>
+                  <a:solidFill>
+                    <a:srgbClr val="FFFFFF"/>
+                  </a:solidFill>
+                </a:uFill>
+                <a:latin typeface="Franklin Gothic Medium"/>
+              </a:rPr>
+              <a:t> </a:t>
+            </a:r>
+            <a:r>
+              <a:rPr lang="en-US" sz="2800" spc="-1" dirty="0" err="1" smtClean="0">
+                <a:solidFill>
+                  <a:srgbClr val="404040"/>
+                </a:solidFill>
+                <a:uFill>
+                  <a:solidFill>
+                    <a:srgbClr val="FFFFFF"/>
+                  </a:solidFill>
+                </a:uFill>
+                <a:latin typeface="Franklin Gothic Medium"/>
+              </a:rPr>
+              <a:t>dizionario</a:t>
+            </a:r>
+            <a:r>
+              <a:rPr lang="en-US" sz="2800" spc="-1" dirty="0" smtClean="0">
+                <a:solidFill>
+                  <a:srgbClr val="404040"/>
+                </a:solidFill>
+                <a:uFill>
+                  <a:solidFill>
+                    <a:srgbClr val="FFFFFF"/>
+                  </a:solidFill>
+                </a:uFill>
+                <a:latin typeface="Franklin Gothic Medium"/>
+              </a:rPr>
+              <a:t> e </a:t>
+            </a:r>
+            <a:r>
+              <a:rPr lang="en-US" sz="2800" spc="-1" dirty="0" err="1" smtClean="0">
+                <a:solidFill>
+                  <a:srgbClr val="404040"/>
+                </a:solidFill>
+                <a:uFill>
+                  <a:solidFill>
+                    <a:srgbClr val="FFFFFF"/>
+                  </a:solidFill>
+                </a:uFill>
+                <a:latin typeface="Franklin Gothic Medium"/>
+              </a:rPr>
+              <a:t>nel</a:t>
+            </a:r>
+            <a:r>
+              <a:rPr lang="en-US" sz="2800" spc="-1" dirty="0" smtClean="0">
+                <a:solidFill>
+                  <a:srgbClr val="404040"/>
+                </a:solidFill>
+                <a:uFill>
+                  <a:solidFill>
+                    <a:srgbClr val="FFFFFF"/>
+                  </a:solidFill>
+                </a:uFill>
+                <a:latin typeface="Franklin Gothic Medium"/>
+              </a:rPr>
+              <a:t> lexicon</a:t>
+            </a:r>
+            <a:endParaRPr lang="en-US" sz="2800" b="0" strike="noStrike" spc="-1" dirty="0" smtClean="0">
+              <a:solidFill>
+                <a:srgbClr val="404040"/>
+              </a:solidFill>
+              <a:uFill>
+                <a:solidFill>
+                  <a:srgbClr val="FFFFFF"/>
+                </a:solidFill>
+              </a:uFill>
+              <a:latin typeface="Franklin Gothic Medium"/>
+            </a:endParaRPr>
+          </a:p>
+          <a:p>
+            <a:pPr marL="457200" lvl="1" indent="0">
+              <a:buFont typeface="Wingdings" panose="05000000000000000000" pitchFamily="2" charset="2"/>
+              <a:buNone/>
+            </a:pPr>
+            <a:endParaRPr lang="en-US" sz="2800" spc="-1" dirty="0" smtClean="0">
+              <a:solidFill>
+                <a:srgbClr val="404040"/>
+              </a:solidFill>
+              <a:uFill>
+                <a:solidFill>
+                  <a:srgbClr val="FFFFFF"/>
+                </a:solidFill>
+              </a:uFill>
+              <a:latin typeface="Franklin Gothic Medium"/>
+            </a:endParaRPr>
+          </a:p>
+          <a:p>
             <a:endParaRPr lang="it-IT" dirty="0"/>
           </a:p>
         </p:txBody>
       </p:sp>
       <p:sp>
         <p:nvSpPr>
-          <p:cNvPr id="4" name="Segnaposto numero diapositiva 3"/>
+          <p:cNvPr id="4" name="Slide Number Placeholder 3"/>
           <p:cNvSpPr>
             <a:spLocks noGrp="1"/>
           </p:cNvSpPr>
@@ -2387,7 +3800,7 @@
                 </a:uFill>
                 <a:latin typeface="Times New Roman"/>
               </a:rPr>
-              <a:t>14</a:t>
+              <a:t>13</a:t>
             </a:fld>
             <a:endParaRPr lang="en-US" sz="1400" b="0" strike="noStrike" spc="-1">
               <a:solidFill>
@@ -2406,7 +3819,7 @@
     </p:spTree>
     <p:extLst>
       <p:ext uri="{BB962C8B-B14F-4D97-AF65-F5344CB8AC3E}">
-        <p14:creationId xmlns:p14="http://schemas.microsoft.com/office/powerpoint/2010/main" val="2070109178"/>
+        <p14:creationId xmlns:p14="http://schemas.microsoft.com/office/powerpoint/2010/main" val="575549077"/>
       </p:ext>
     </p:extLst>
   </p:cSld>
@@ -2475,46 +3888,60 @@
           <a:lstStyle/>
           <a:p>
             <a:r>
-              <a:rPr lang="it-IT" sz="1200" spc="-1" dirty="0" err="1" smtClean="0">
-                <a:solidFill>
-                  <a:srgbClr val="404040"/>
-                </a:solidFill>
-                <a:uFill>
-                  <a:solidFill>
-                    <a:srgbClr val="FFFFFF"/>
-                  </a:solidFill>
-                </a:uFill>
-                <a:latin typeface="Franklin Gothic Medium" panose="020B0603020102020204" pitchFamily="34" charset="0"/>
-              </a:rPr>
-              <a:t>Jaccard</a:t>
-            </a:r>
-            <a:r>
-              <a:rPr lang="it-IT" sz="1200" spc="-1" dirty="0" smtClean="0">
-                <a:solidFill>
-                  <a:srgbClr val="404040"/>
-                </a:solidFill>
-                <a:uFill>
-                  <a:solidFill>
-                    <a:srgbClr val="FFFFFF"/>
-                  </a:solidFill>
-                </a:uFill>
-                <a:latin typeface="Franklin Gothic Medium" panose="020B0603020102020204" pitchFamily="34" charset="0"/>
-              </a:rPr>
-              <a:t> = (s1 ∩</a:t>
-            </a:r>
-            <a:r>
-              <a:rPr lang="it-IT" sz="1200" spc="-1" baseline="0" dirty="0" smtClean="0">
-                <a:solidFill>
-                  <a:srgbClr val="404040"/>
-                </a:solidFill>
-                <a:uFill>
-                  <a:solidFill>
-                    <a:srgbClr val="FFFFFF"/>
-                  </a:solidFill>
-                </a:uFill>
-                <a:latin typeface="Franklin Gothic Medium" panose="020B0603020102020204" pitchFamily="34" charset="0"/>
-              </a:rPr>
-              <a:t> s2) / (s1 u s2)</a:t>
+              <a:rPr lang="it-IT" dirty="0" err="1" smtClean="0"/>
+              <a:t>query</a:t>
+            </a:r>
+            <a:r>
+              <a:rPr lang="it-IT" dirty="0" smtClean="0"/>
+              <a:t> -&gt; </a:t>
+            </a:r>
+            <a:r>
+              <a:rPr lang="it-IT" baseline="0" dirty="0" smtClean="0"/>
+              <a:t>utile per confrontare se il correttore ha già cambiato qualcosa</a:t>
+            </a:r>
+          </a:p>
+          <a:p>
+            <a:r>
+              <a:rPr lang="it-IT" baseline="0" dirty="0" err="1" smtClean="0"/>
+              <a:t>string</a:t>
+            </a:r>
+            <a:r>
+              <a:rPr lang="it-IT" baseline="0" dirty="0" smtClean="0"/>
+              <a:t> -&gt; versione corretta della </a:t>
+            </a:r>
+            <a:r>
+              <a:rPr lang="it-IT" baseline="0" dirty="0" err="1" smtClean="0"/>
+              <a:t>query</a:t>
+            </a:r>
+            <a:r>
+              <a:rPr lang="it-IT" baseline="0" dirty="0" smtClean="0"/>
+              <a:t> dell’utente</a:t>
+            </a:r>
+          </a:p>
+          <a:p>
+            <a:r>
+              <a:rPr lang="it-IT" baseline="0" dirty="0" err="1" smtClean="0"/>
+              <a:t>tokens</a:t>
+            </a:r>
+            <a:r>
+              <a:rPr lang="it-IT" baseline="0" dirty="0" smtClean="0"/>
+              <a:t> -&gt;lista di </a:t>
+            </a:r>
+            <a:r>
+              <a:rPr lang="it-IT" baseline="0" dirty="0" err="1" smtClean="0"/>
+              <a:t>token</a:t>
+            </a:r>
+            <a:r>
+              <a:rPr lang="it-IT" baseline="0" dirty="0" smtClean="0"/>
+              <a:t> che rappresentano la </a:t>
+            </a:r>
+            <a:r>
+              <a:rPr lang="it-IT" baseline="0" dirty="0" err="1" smtClean="0"/>
+              <a:t>query</a:t>
+            </a:r>
+            <a:r>
+              <a:rPr lang="it-IT" baseline="0" dirty="0" smtClean="0"/>
+              <a:t> corretta</a:t>
             </a:r>
             <a:endParaRPr lang="it-IT" dirty="0"/>
           </a:p>
@@ -2548,7 +3975,7 @@
                 </a:uFill>
                 <a:latin typeface="Times New Roman"/>
               </a:rPr>
-              <a:t>17</a:t>
+              <a:t>14</a:t>
             </a:fld>
             <a:endParaRPr lang="en-US" sz="1400" b="0" strike="noStrike" spc="-1">
               <a:solidFill>
@@ -2567,7 +3994,7 @@
     </p:spTree>
     <p:extLst>
       <p:ext uri="{BB962C8B-B14F-4D97-AF65-F5344CB8AC3E}">
-        <p14:creationId xmlns:p14="http://schemas.microsoft.com/office/powerpoint/2010/main" val="1227873119"/>
+        <p14:creationId xmlns:p14="http://schemas.microsoft.com/office/powerpoint/2010/main" val="2070109178"/>
       </p:ext>
     </p:extLst>
   </p:cSld>
@@ -2635,6 +4062,48 @@
           <a:bodyPr/>
           <a:lstStyle/>
           <a:p>
+            <a:r>
+              <a:rPr lang="it-IT" sz="1200" spc="-1" dirty="0" err="1" smtClean="0">
+                <a:solidFill>
+                  <a:srgbClr val="404040"/>
+                </a:solidFill>
+                <a:uFill>
+                  <a:solidFill>
+                    <a:srgbClr val="FFFFFF"/>
+                  </a:solidFill>
+                </a:uFill>
+                <a:latin typeface="Franklin Gothic Medium" panose="020B0603020102020204" pitchFamily="34" charset="0"/>
+              </a:rPr>
+              <a:t>Jaccard</a:t>
+            </a:r>
+            <a:r>
+              <a:rPr lang="it-IT" sz="1200" spc="-1" dirty="0" smtClean="0">
+                <a:solidFill>
+                  <a:srgbClr val="404040"/>
+                </a:solidFill>
+                <a:uFill>
+                  <a:solidFill>
+                    <a:srgbClr val="FFFFFF"/>
+                  </a:solidFill>
+                </a:uFill>
+                <a:latin typeface="Franklin Gothic Medium" panose="020B0603020102020204" pitchFamily="34" charset="0"/>
+              </a:rPr>
+              <a:t> = (s1 ∩</a:t>
+            </a:r>
+            <a:r>
+              <a:rPr lang="it-IT" sz="1200" spc="-1" baseline="0" dirty="0" smtClean="0">
+                <a:solidFill>
+                  <a:srgbClr val="404040"/>
+                </a:solidFill>
+                <a:uFill>
+                  <a:solidFill>
+                    <a:srgbClr val="FFFFFF"/>
+                  </a:solidFill>
+                </a:uFill>
+                <a:latin typeface="Franklin Gothic Medium" panose="020B0603020102020204" pitchFamily="34" charset="0"/>
+              </a:rPr>
+              <a:t> s2) / (s1 u s2)</a:t>
+            </a:r>
             <a:endParaRPr lang="it-IT" dirty="0"/>
           </a:p>
         </p:txBody>
@@ -2667,7 +4136,7 @@
                 </a:uFill>
                 <a:latin typeface="Times New Roman"/>
               </a:rPr>
-              <a:t>25</a:t>
+              <a:t>17</a:t>
             </a:fld>
             <a:endParaRPr lang="en-US" sz="1400" b="0" strike="noStrike" spc="-1">
               <a:solidFill>
@@ -2686,7 +4155,7 @@
     </p:spTree>
     <p:extLst>
       <p:ext uri="{BB962C8B-B14F-4D97-AF65-F5344CB8AC3E}">
-        <p14:creationId xmlns:p14="http://schemas.microsoft.com/office/powerpoint/2010/main" val="2036356724"/>
+        <p14:creationId xmlns:p14="http://schemas.microsoft.com/office/powerpoint/2010/main" val="1227873119"/>
       </p:ext>
     </p:extLst>
   </p:cSld>
@@ -6969,7 +8438,7 @@
                 </a:uFill>
                 <a:latin typeface="Franklin Gothic Medium"/>
               </a:rPr>
-              <a:t>‹N›</a:t>
+              <a:t>‹#›</a:t>
             </a:fld>
             <a:endParaRPr lang="en-US" sz="1400" b="0" strike="noStrike" spc="-1">
               <a:solidFill>
@@ -9517,49 +10986,21 @@
               <a:buChar char="§"/>
             </a:pPr>
             <a:r>
-              <a:rPr lang="en-US" sz="2800" b="0" strike="noStrike" spc="-1" dirty="0" err="1" smtClean="0">
-                <a:solidFill>
-                  <a:srgbClr val="404040"/>
-                </a:solidFill>
-                <a:uFill>
-                  <a:solidFill>
-                    <a:srgbClr val="FFFFFF"/>
-                  </a:solidFill>
-                </a:uFill>
-                <a:latin typeface="Franklin Gothic Medium"/>
-              </a:rPr>
-              <a:t>Realizzabile</a:t>
-            </a:r>
-            <a:r>
-              <a:rPr lang="en-US" sz="2800" b="0" strike="noStrike" spc="-1" dirty="0" smtClean="0">
-                <a:solidFill>
-                  <a:srgbClr val="404040"/>
-                </a:solidFill>
-                <a:uFill>
-                  <a:solidFill>
-                    <a:srgbClr val="FFFFFF"/>
-                  </a:solidFill>
-                </a:uFill>
-                <a:latin typeface="Franklin Gothic Medium"/>
-              </a:rPr>
-              <a:t> in </a:t>
-            </a:r>
-            <a:r>
-              <a:rPr lang="en-US" sz="2800" b="0" strike="noStrike" spc="-1" dirty="0" err="1" smtClean="0">
-                <a:solidFill>
-                  <a:srgbClr val="404040"/>
-                </a:solidFill>
-                <a:uFill>
-                  <a:solidFill>
-                    <a:srgbClr val="FFFFFF"/>
-                  </a:solidFill>
-                </a:uFill>
-                <a:latin typeface="Franklin Gothic Medium"/>
-              </a:rPr>
-              <a:t>tre</a:t>
-            </a:r>
-            <a:r>
-              <a:rPr lang="en-US" sz="2800" b="0" strike="noStrike" spc="-1" dirty="0" smtClean="0">
+              <a:rPr lang="en-US" sz="2800" spc="-1" dirty="0" err="1" smtClean="0">
+                <a:solidFill>
+                  <a:srgbClr val="404040"/>
+                </a:solidFill>
+                <a:uFill>
+                  <a:solidFill>
+                    <a:srgbClr val="FFFFFF"/>
+                  </a:solidFill>
+                </a:uFill>
+                <a:latin typeface="Franklin Gothic Medium"/>
+              </a:rPr>
+              <a:t>Correzione</a:t>
+            </a:r>
+            <a:r>
+              <a:rPr lang="en-US" sz="2800" spc="-1" dirty="0" smtClean="0">
                 <a:solidFill>
                   <a:srgbClr val="404040"/>
                 </a:solidFill>
@@ -9573,21 +11014,49 @@
               <a:t> </a:t>
             </a:r>
             <a:r>
-              <a:rPr lang="en-US" sz="2800" b="0" strike="noStrike" spc="-1" dirty="0" err="1" smtClean="0">
-                <a:solidFill>
-                  <a:srgbClr val="404040"/>
-                </a:solidFill>
-                <a:uFill>
-                  <a:solidFill>
-                    <a:srgbClr val="FFFFFF"/>
-                  </a:solidFill>
-                </a:uFill>
-                <a:latin typeface="Franklin Gothic Medium"/>
-              </a:rPr>
-              <a:t>modi</a:t>
-            </a:r>
-            <a:r>
-              <a:rPr lang="en-US" sz="2800" b="0" strike="noStrike" spc="-1" dirty="0" smtClean="0">
+              <a:rPr lang="en-US" sz="2800" spc="-1" dirty="0" err="1" smtClean="0">
+                <a:solidFill>
+                  <a:srgbClr val="404040"/>
+                </a:solidFill>
+                <a:uFill>
+                  <a:solidFill>
+                    <a:srgbClr val="FFFFFF"/>
+                  </a:solidFill>
+                </a:uFill>
+                <a:latin typeface="Franklin Gothic Medium"/>
+              </a:rPr>
+              <a:t>delle</a:t>
+            </a:r>
+            <a:r>
+              <a:rPr lang="en-US" sz="2800" spc="-1" dirty="0" smtClean="0">
+                <a:solidFill>
+                  <a:srgbClr val="404040"/>
+                </a:solidFill>
+                <a:uFill>
+                  <a:solidFill>
+                    <a:srgbClr val="FFFFFF"/>
+                  </a:solidFill>
+                </a:uFill>
+                <a:latin typeface="Franklin Gothic Medium"/>
+              </a:rPr>
+              <a:t> keyword di </a:t>
+            </a:r>
+            <a:r>
+              <a:rPr lang="en-US" sz="2800" spc="-1" dirty="0" err="1" smtClean="0">
+                <a:solidFill>
+                  <a:srgbClr val="404040"/>
+                </a:solidFill>
+                <a:uFill>
+                  <a:solidFill>
+                    <a:srgbClr val="FFFFFF"/>
+                  </a:solidFill>
+                </a:uFill>
+                <a:latin typeface="Franklin Gothic Medium"/>
+              </a:rPr>
+              <a:t>ricerca</a:t>
+            </a:r>
+            <a:r>
+              <a:rPr lang="en-US" sz="2800" spc="-1" dirty="0" smtClean="0">
                 <a:solidFill>
                   <a:srgbClr val="404040"/>
                 </a:solidFill>
@@ -9601,21 +11070,21 @@
               <a:t> </a:t>
             </a:r>
             <a:r>
-              <a:rPr lang="en-US" sz="2800" b="0" strike="noStrike" spc="-1" dirty="0" err="1" smtClean="0">
-                <a:solidFill>
-                  <a:srgbClr val="404040"/>
-                </a:solidFill>
-                <a:uFill>
-                  <a:solidFill>
-                    <a:srgbClr val="FFFFFF"/>
-                  </a:solidFill>
-                </a:uFill>
-                <a:latin typeface="Franklin Gothic Medium"/>
-              </a:rPr>
-              <a:t>diversi</a:t>
-            </a:r>
-            <a:r>
-              <a:rPr lang="en-US" sz="2800" b="0" strike="noStrike" spc="-1" dirty="0" smtClean="0">
+              <a:rPr lang="en-US" sz="2800" spc="-1" dirty="0" err="1" smtClean="0">
+                <a:solidFill>
+                  <a:srgbClr val="404040"/>
+                </a:solidFill>
+                <a:uFill>
+                  <a:solidFill>
+                    <a:srgbClr val="FFFFFF"/>
+                  </a:solidFill>
+                </a:uFill>
+                <a:latin typeface="Franklin Gothic Medium"/>
+              </a:rPr>
+              <a:t>utilizzando</a:t>
+            </a:r>
+            <a:r>
+              <a:rPr lang="en-US" sz="2800" spc="-1" dirty="0" smtClean="0">
                 <a:solidFill>
                   <a:srgbClr val="404040"/>
                 </a:solidFill>
@@ -9635,6 +11104,96 @@
               <a:buChar char="§"/>
             </a:pPr>
             <a:r>
+              <a:rPr lang="en-US" sz="2800" spc="-1" dirty="0" err="1">
+                <a:solidFill>
+                  <a:srgbClr val="404040"/>
+                </a:solidFill>
+                <a:uFill>
+                  <a:solidFill>
+                    <a:srgbClr val="FFFFFF"/>
+                  </a:solidFill>
+                </a:uFill>
+                <a:latin typeface="Franklin Gothic Medium"/>
+              </a:rPr>
+              <a:t>d</a:t>
+            </a:r>
+            <a:r>
+              <a:rPr lang="en-US" sz="2800" spc="-1" dirty="0" err="1" smtClean="0">
+                <a:solidFill>
+                  <a:srgbClr val="404040"/>
+                </a:solidFill>
+                <a:uFill>
+                  <a:solidFill>
+                    <a:srgbClr val="FFFFFF"/>
+                  </a:solidFill>
+                </a:uFill>
+                <a:latin typeface="Franklin Gothic Medium"/>
+              </a:rPr>
+              <a:t>izionario</a:t>
+            </a:r>
+            <a:r>
+              <a:rPr lang="en-US" sz="2800" spc="-1" dirty="0" smtClean="0">
+                <a:solidFill>
+                  <a:srgbClr val="404040"/>
+                </a:solidFill>
+                <a:uFill>
+                  <a:solidFill>
+                    <a:srgbClr val="FFFFFF"/>
+                  </a:solidFill>
+                </a:uFill>
+                <a:latin typeface="Franklin Gothic Medium"/>
+              </a:rPr>
+              <a:t> di lingua </a:t>
+            </a:r>
+            <a:r>
+              <a:rPr lang="en-US" sz="2800" spc="-1" dirty="0" err="1" smtClean="0">
+                <a:solidFill>
+                  <a:srgbClr val="404040"/>
+                </a:solidFill>
+                <a:uFill>
+                  <a:solidFill>
+                    <a:srgbClr val="FFFFFF"/>
+                  </a:solidFill>
+                </a:uFill>
+                <a:latin typeface="Franklin Gothic Medium"/>
+              </a:rPr>
+              <a:t>inglese</a:t>
+            </a:r>
+            <a:r>
+              <a:rPr lang="en-US" sz="2800" spc="-1" dirty="0" smtClean="0">
+                <a:solidFill>
+                  <a:srgbClr val="404040"/>
+                </a:solidFill>
+                <a:uFill>
+                  <a:solidFill>
+                    <a:srgbClr val="FFFFFF"/>
+                  </a:solidFill>
+                </a:uFill>
+                <a:latin typeface="Franklin Gothic Medium"/>
+              </a:rPr>
+              <a:t> </a:t>
+            </a:r>
+          </a:p>
+          <a:p>
+            <a:pPr marL="914400" lvl="1" indent="-457200">
+              <a:buFont typeface="Wingdings" panose="05000000000000000000" pitchFamily="2" charset="2"/>
+              <a:buChar char="§"/>
+            </a:pPr>
+            <a:r>
+              <a:rPr lang="en-US" sz="2800" spc="-1" dirty="0" smtClean="0">
+                <a:solidFill>
+                  <a:srgbClr val="404040"/>
+                </a:solidFill>
+                <a:uFill>
+                  <a:solidFill>
+                    <a:srgbClr val="FFFFFF"/>
+                  </a:solidFill>
+                </a:uFill>
+                <a:latin typeface="Franklin Gothic Medium"/>
+              </a:rPr>
+              <a:t>lexicon di </a:t>
+            </a:r>
+            <a:r>
               <a:rPr lang="en-US" sz="2800" spc="-1" dirty="0">
                 <a:solidFill>
                   <a:srgbClr val="404040"/>
@@ -9646,7 +11205,125 @@
                 </a:uFill>
                 <a:latin typeface="Franklin Gothic Medium"/>
               </a:rPr>
-              <a:t>e</a:t>
+              <a:t>parole </a:t>
+            </a:r>
+            <a:r>
+              <a:rPr lang="en-US" sz="2800" spc="-1" dirty="0" err="1">
+                <a:solidFill>
+                  <a:srgbClr val="404040"/>
+                </a:solidFill>
+                <a:uFill>
+                  <a:solidFill>
+                    <a:srgbClr val="FFFFFF"/>
+                  </a:solidFill>
+                </a:uFill>
+                <a:latin typeface="Franklin Gothic Medium"/>
+              </a:rPr>
+              <a:t>generato</a:t>
+            </a:r>
+            <a:r>
+              <a:rPr lang="en-US" sz="2800" spc="-1" dirty="0">
+                <a:solidFill>
+                  <a:srgbClr val="404040"/>
+                </a:solidFill>
+                <a:uFill>
+                  <a:solidFill>
+                    <a:srgbClr val="FFFFFF"/>
+                  </a:solidFill>
+                </a:uFill>
+                <a:latin typeface="Franklin Gothic Medium"/>
+              </a:rPr>
+              <a:t> con i termini </a:t>
+            </a:r>
+            <a:r>
+              <a:rPr lang="en-US" sz="2800" spc="-1" dirty="0" err="1">
+                <a:solidFill>
+                  <a:srgbClr val="404040"/>
+                </a:solidFill>
+                <a:uFill>
+                  <a:solidFill>
+                    <a:srgbClr val="FFFFFF"/>
+                  </a:solidFill>
+                </a:uFill>
+                <a:latin typeface="Franklin Gothic Medium"/>
+              </a:rPr>
+              <a:t>presenti</a:t>
+            </a:r>
+            <a:r>
+              <a:rPr lang="en-US" sz="2800" spc="-1" dirty="0">
+                <a:solidFill>
+                  <a:srgbClr val="404040"/>
+                </a:solidFill>
+                <a:uFill>
+                  <a:solidFill>
+                    <a:srgbClr val="FFFFFF"/>
+                  </a:solidFill>
+                </a:uFill>
+                <a:latin typeface="Franklin Gothic Medium"/>
+              </a:rPr>
+              <a:t> </a:t>
+            </a:r>
+            <a:r>
+              <a:rPr lang="en-US" sz="2800" spc="-1" dirty="0" err="1" smtClean="0">
+                <a:solidFill>
+                  <a:srgbClr val="404040"/>
+                </a:solidFill>
+                <a:uFill>
+                  <a:solidFill>
+                    <a:srgbClr val="FFFFFF"/>
+                  </a:solidFill>
+                </a:uFill>
+                <a:latin typeface="Franklin Gothic Medium"/>
+              </a:rPr>
+              <a:t>nell‘indice</a:t>
+            </a:r>
+            <a:endParaRPr lang="en-US" sz="2800" spc="-1" dirty="0">
+              <a:solidFill>
+                <a:srgbClr val="404040"/>
+              </a:solidFill>
+              <a:uFill>
+                <a:solidFill>
+                  <a:srgbClr val="FFFFFF"/>
+                </a:solidFill>
+              </a:uFill>
+              <a:latin typeface="Franklin Gothic Medium"/>
+            </a:endParaRPr>
+          </a:p>
+          <a:p>
+            <a:pPr marL="457200" indent="-457200">
+              <a:buFont typeface="Wingdings" panose="05000000000000000000" pitchFamily="2" charset="2"/>
+              <a:buChar char="§"/>
+            </a:pPr>
+            <a:endParaRPr lang="en-US" sz="2800" spc="-1" dirty="0" smtClean="0">
+              <a:solidFill>
+                <a:srgbClr val="404040"/>
+              </a:solidFill>
+              <a:uFill>
+                <a:solidFill>
+                  <a:srgbClr val="FFFFFF"/>
+                </a:solidFill>
+              </a:uFill>
+              <a:latin typeface="Franklin Gothic Medium"/>
+            </a:endParaRPr>
+          </a:p>
+          <a:p>
+            <a:pPr marL="457200" indent="-457200">
+              <a:buFont typeface="Wingdings" panose="05000000000000000000" pitchFamily="2" charset="2"/>
+              <a:buChar char="§"/>
+            </a:pPr>
+            <a:r>
+              <a:rPr lang="en-US" sz="2800" spc="-1" dirty="0" err="1" smtClean="0">
+                <a:solidFill>
+                  <a:srgbClr val="404040"/>
+                </a:solidFill>
+                <a:uFill>
+                  <a:solidFill>
+                    <a:srgbClr val="FFFFFF"/>
+                  </a:solidFill>
+                </a:uFill>
+                <a:latin typeface="Franklin Gothic Medium"/>
+              </a:rPr>
+              <a:t>Funzionalità</a:t>
             </a:r>
             <a:r>
               <a:rPr lang="en-US" sz="2800" spc="-1" dirty="0" smtClean="0">
@@ -9660,7 +11337,80 @@
                 </a:uFill>
                 <a:latin typeface="Franklin Gothic Medium"/>
               </a:rPr>
-              <a:t>dit distance</a:t>
+              <a:t> </a:t>
+            </a:r>
+            <a:r>
+              <a:rPr lang="en-US" sz="2800" spc="-1" dirty="0" err="1" smtClean="0">
+                <a:solidFill>
+                  <a:srgbClr val="404040"/>
+                </a:solidFill>
+                <a:uFill>
+                  <a:solidFill>
+                    <a:srgbClr val="FFFFFF"/>
+                  </a:solidFill>
+                </a:uFill>
+                <a:latin typeface="Franklin Gothic Medium"/>
+              </a:rPr>
+              <a:t>implementate</a:t>
+            </a:r>
+            <a:r>
+              <a:rPr lang="en-US" sz="2800" spc="-1" dirty="0" smtClean="0">
+                <a:solidFill>
+                  <a:srgbClr val="404040"/>
+                </a:solidFill>
+                <a:uFill>
+                  <a:solidFill>
+                    <a:srgbClr val="FFFFFF"/>
+                  </a:solidFill>
+                </a:uFill>
+                <a:latin typeface="Franklin Gothic Medium"/>
+              </a:rPr>
+              <a:t>:</a:t>
+            </a:r>
+            <a:endParaRPr lang="en-US" sz="2800" spc="-1" dirty="0" smtClean="0">
+              <a:solidFill>
+                <a:srgbClr val="404040"/>
+              </a:solidFill>
+              <a:uFill>
+                <a:solidFill>
+                  <a:srgbClr val="FFFFFF"/>
+                </a:solidFill>
+              </a:uFill>
+              <a:latin typeface="Franklin Gothic Medium"/>
+            </a:endParaRPr>
+          </a:p>
+          <a:p>
+            <a:pPr marL="914400" lvl="1" indent="-457200">
+              <a:buFont typeface="Wingdings" panose="05000000000000000000" pitchFamily="2" charset="2"/>
+              <a:buChar char="§"/>
+            </a:pPr>
+            <a:r>
+              <a:rPr lang="en-US" sz="2800" spc="-1" dirty="0" smtClean="0">
+                <a:solidFill>
+                  <a:srgbClr val="404040"/>
+                </a:solidFill>
+                <a:uFill>
+                  <a:solidFill>
+                    <a:srgbClr val="FFFFFF"/>
+                  </a:solidFill>
+                </a:uFill>
+                <a:latin typeface="Franklin Gothic Medium"/>
+              </a:rPr>
+              <a:t>edit </a:t>
+            </a:r>
+            <a:r>
+              <a:rPr lang="en-US" sz="2800" spc="-1" dirty="0" smtClean="0">
+                <a:solidFill>
+                  <a:srgbClr val="404040"/>
+                </a:solidFill>
+                <a:uFill>
+                  <a:solidFill>
+                    <a:srgbClr val="FFFFFF"/>
+                  </a:solidFill>
+                </a:uFill>
+                <a:latin typeface="Franklin Gothic Medium"/>
+              </a:rPr>
+              <a:t>distance</a:t>
             </a:r>
           </a:p>
           <a:p>
@@ -13852,8 +15602,25 @@
               <a:buFont typeface="Wingdings" panose="05000000000000000000" pitchFamily="2" charset="2"/>
               <a:buChar char="§"/>
             </a:pPr>
-            <a:r>
-              <a:rPr lang="it-IT" sz="2800" spc="-1" dirty="0">
+            <a:endParaRPr lang="en-US" sz="2800" spc="-1" dirty="0">
+              <a:solidFill>
+                <a:srgbClr val="404040"/>
+              </a:solidFill>
+              <a:uFill>
+                <a:solidFill>
+                  <a:srgbClr val="FFFFFF"/>
+                </a:solidFill>
+              </a:uFill>
+              <a:latin typeface="Franklin Gothic Medium" panose="020B0603020102020204" pitchFamily="34" charset="0"/>
+            </a:endParaRPr>
+          </a:p>
+          <a:p>
+            <a:pPr marL="457200" indent="-457200">
+              <a:buFont typeface="Wingdings" panose="05000000000000000000" pitchFamily="2" charset="2"/>
+              <a:buChar char="§"/>
+            </a:pPr>
+            <a:r>
+              <a:rPr lang="en-US" sz="2800" spc="-1" dirty="0" err="1" smtClean="0">
                 <a:solidFill>
                   <a:srgbClr val="404040"/>
                 </a:solidFill>
@@ -13864,10 +15631,10 @@
                 </a:uFill>
                 <a:latin typeface="Franklin Gothic Medium" panose="020B0603020102020204" pitchFamily="34" charset="0"/>
               </a:rPr>
-              <a:t>Si cercano tutti i termini simili in </a:t>
-            </a:r>
-            <a:r>
-              <a:rPr lang="it-IT" sz="2800" spc="-1" dirty="0" err="1">
+              <a:t>L’oggetto</a:t>
+            </a:r>
+            <a:r>
+              <a:rPr lang="en-US" sz="2800" spc="-1" dirty="0" smtClean="0">
                 <a:solidFill>
                   <a:srgbClr val="404040"/>
                 </a:solidFill>
@@ -13878,10 +15645,10 @@
                 </a:uFill>
                 <a:latin typeface="Franklin Gothic Medium" panose="020B0603020102020204" pitchFamily="34" charset="0"/>
               </a:rPr>
-              <a:t>edit</a:t>
-            </a:r>
-            <a:r>
-              <a:rPr lang="it-IT" sz="2800" spc="-1" dirty="0">
+              <a:t> </a:t>
+            </a:r>
+            <a:r>
+              <a:rPr lang="en-US" sz="2800" spc="-1" dirty="0" err="1" smtClean="0">
                 <a:solidFill>
                   <a:srgbClr val="404040"/>
                 </a:solidFill>
@@ -13892,10 +15659,24 @@
                 </a:uFill>
                 <a:latin typeface="Franklin Gothic Medium" panose="020B0603020102020204" pitchFamily="34" charset="0"/>
               </a:rPr>
+              <a:t>spell_checker</a:t>
+            </a:r>
+            <a:r>
+              <a:rPr lang="en-US" sz="2800" spc="-1" dirty="0" smtClean="0">
+                <a:solidFill>
+                  <a:srgbClr val="404040"/>
+                </a:solidFill>
+                <a:uFill>
+                  <a:solidFill>
+                    <a:srgbClr val="FFFFFF"/>
+                  </a:solidFill>
+                </a:uFill>
+                <a:latin typeface="Franklin Gothic Medium" panose="020B0603020102020204" pitchFamily="34" charset="0"/>
+              </a:rPr>
               <a:t> </a:t>
             </a:r>
             <a:r>
-              <a:rPr lang="it-IT" sz="2800" spc="-1" dirty="0" err="1">
+              <a:rPr lang="en-US" sz="2800" spc="-1" dirty="0" err="1" smtClean="0">
                 <a:solidFill>
                   <a:srgbClr val="404040"/>
                 </a:solidFill>
@@ -13906,10 +15687,10 @@
                 </a:uFill>
                 <a:latin typeface="Franklin Gothic Medium" panose="020B0603020102020204" pitchFamily="34" charset="0"/>
               </a:rPr>
-              <a:t>distance</a:t>
-            </a:r>
-            <a:r>
-              <a:rPr lang="it-IT" sz="2800" spc="-1" dirty="0">
+              <a:t>prende</a:t>
+            </a:r>
+            <a:r>
+              <a:rPr lang="en-US" sz="2800" spc="-1" dirty="0" smtClean="0">
                 <a:solidFill>
                   <a:srgbClr val="404040"/>
                 </a:solidFill>
@@ -13920,10 +15701,10 @@
                 </a:uFill>
                 <a:latin typeface="Franklin Gothic Medium" panose="020B0603020102020204" pitchFamily="34" charset="0"/>
               </a:rPr>
-              <a:t> ai termini della </a:t>
-            </a:r>
-            <a:r>
-              <a:rPr lang="it-IT" sz="2800" spc="-1" dirty="0" err="1">
+              <a:t> input </a:t>
+            </a:r>
+            <a:r>
+              <a:rPr lang="en-US" sz="2800" spc="-1" dirty="0" err="1" smtClean="0">
                 <a:solidFill>
                   <a:srgbClr val="404040"/>
                 </a:solidFill>
@@ -13934,10 +15715,10 @@
                 </a:uFill>
                 <a:latin typeface="Franklin Gothic Medium" panose="020B0603020102020204" pitchFamily="34" charset="0"/>
               </a:rPr>
-              <a:t>query</a:t>
-            </a:r>
-            <a:r>
-              <a:rPr lang="it-IT" sz="2800" spc="-1" dirty="0">
+              <a:t>il</a:t>
+            </a:r>
+            <a:r>
+              <a:rPr lang="en-US" sz="2800" spc="-1" dirty="0" smtClean="0">
                 <a:solidFill>
                   <a:srgbClr val="404040"/>
                 </a:solidFill>
@@ -13948,9 +15729,458 @@
                 </a:uFill>
                 <a:latin typeface="Franklin Gothic Medium" panose="020B0603020102020204" pitchFamily="34" charset="0"/>
               </a:rPr>
-              <a:t>. Si provano tutti i possibili risultati e si suggerisce come alternativa quella con più risultati.</a:t>
-            </a:r>
+              <a:t> </a:t>
+            </a:r>
+            <a:r>
+              <a:rPr lang="en-US" sz="2800" spc="-1" dirty="0" err="1" smtClean="0">
+                <a:solidFill>
+                  <a:srgbClr val="404040"/>
+                </a:solidFill>
+                <a:uFill>
+                  <a:solidFill>
+                    <a:srgbClr val="FFFFFF"/>
+                  </a:solidFill>
+                </a:uFill>
+                <a:latin typeface="Franklin Gothic Medium" panose="020B0603020102020204" pitchFamily="34" charset="0"/>
+              </a:rPr>
+              <a:t>testo</a:t>
+            </a:r>
+            <a:r>
+              <a:rPr lang="en-US" sz="2800" spc="-1" dirty="0" smtClean="0">
+                <a:solidFill>
+                  <a:srgbClr val="404040"/>
+                </a:solidFill>
+                <a:uFill>
+                  <a:solidFill>
+                    <a:srgbClr val="FFFFFF"/>
+                  </a:solidFill>
+                </a:uFill>
+                <a:latin typeface="Franklin Gothic Medium" panose="020B0603020102020204" pitchFamily="34" charset="0"/>
+              </a:rPr>
+              <a:t> </a:t>
+            </a:r>
+            <a:r>
+              <a:rPr lang="en-US" sz="2800" spc="-1" dirty="0" err="1" smtClean="0">
+                <a:solidFill>
+                  <a:srgbClr val="404040"/>
+                </a:solidFill>
+                <a:uFill>
+                  <a:solidFill>
+                    <a:srgbClr val="FFFFFF"/>
+                  </a:solidFill>
+                </a:uFill>
+                <a:latin typeface="Franklin Gothic Medium" panose="020B0603020102020204" pitchFamily="34" charset="0"/>
+              </a:rPr>
+              <a:t>della</a:t>
+            </a:r>
+            <a:r>
+              <a:rPr lang="en-US" sz="2800" spc="-1" dirty="0" smtClean="0">
+                <a:solidFill>
+                  <a:srgbClr val="404040"/>
+                </a:solidFill>
+                <a:uFill>
+                  <a:solidFill>
+                    <a:srgbClr val="FFFFFF"/>
+                  </a:solidFill>
+                </a:uFill>
+                <a:latin typeface="Franklin Gothic Medium" panose="020B0603020102020204" pitchFamily="34" charset="0"/>
+              </a:rPr>
+              <a:t> query e </a:t>
+            </a:r>
+            <a:r>
+              <a:rPr lang="en-US" sz="2800" spc="-1" dirty="0" err="1" smtClean="0">
+                <a:solidFill>
+                  <a:srgbClr val="404040"/>
+                </a:solidFill>
+                <a:uFill>
+                  <a:solidFill>
+                    <a:srgbClr val="FFFFFF"/>
+                  </a:solidFill>
+                </a:uFill>
+                <a:latin typeface="Franklin Gothic Medium" panose="020B0603020102020204" pitchFamily="34" charset="0"/>
+              </a:rPr>
+              <a:t>una</a:t>
+            </a:r>
+            <a:r>
+              <a:rPr lang="en-US" sz="2800" spc="-1" dirty="0" smtClean="0">
+                <a:solidFill>
+                  <a:srgbClr val="404040"/>
+                </a:solidFill>
+                <a:uFill>
+                  <a:solidFill>
+                    <a:srgbClr val="FFFFFF"/>
+                  </a:solidFill>
+                </a:uFill>
+                <a:latin typeface="Franklin Gothic Medium" panose="020B0603020102020204" pitchFamily="34" charset="0"/>
+              </a:rPr>
+              <a:t> </a:t>
+            </a:r>
+            <a:r>
+              <a:rPr lang="en-US" sz="2800" spc="-1" dirty="0" err="1" smtClean="0">
+                <a:solidFill>
+                  <a:srgbClr val="404040"/>
+                </a:solidFill>
+                <a:uFill>
+                  <a:solidFill>
+                    <a:srgbClr val="FFFFFF"/>
+                  </a:solidFill>
+                </a:uFill>
+                <a:latin typeface="Franklin Gothic Medium" panose="020B0603020102020204" pitchFamily="34" charset="0"/>
+              </a:rPr>
+              <a:t>lista</a:t>
+            </a:r>
+            <a:r>
+              <a:rPr lang="en-US" sz="2800" spc="-1" dirty="0" smtClean="0">
+                <a:solidFill>
+                  <a:srgbClr val="404040"/>
+                </a:solidFill>
+                <a:uFill>
+                  <a:solidFill>
+                    <a:srgbClr val="FFFFFF"/>
+                  </a:solidFill>
+                </a:uFill>
+                <a:latin typeface="Franklin Gothic Medium" panose="020B0603020102020204" pitchFamily="34" charset="0"/>
+              </a:rPr>
+              <a:t> di parole da </a:t>
+            </a:r>
+            <a:r>
+              <a:rPr lang="en-US" sz="2800" spc="-1" dirty="0" err="1" smtClean="0">
+                <a:solidFill>
+                  <a:srgbClr val="404040"/>
+                </a:solidFill>
+                <a:uFill>
+                  <a:solidFill>
+                    <a:srgbClr val="FFFFFF"/>
+                  </a:solidFill>
+                </a:uFill>
+                <a:latin typeface="Franklin Gothic Medium" panose="020B0603020102020204" pitchFamily="34" charset="0"/>
+              </a:rPr>
+              <a:t>utilizzare</a:t>
+            </a:r>
+            <a:r>
+              <a:rPr lang="en-US" sz="2800" spc="-1" dirty="0" smtClean="0">
+                <a:solidFill>
+                  <a:srgbClr val="404040"/>
+                </a:solidFill>
+                <a:uFill>
+                  <a:solidFill>
+                    <a:srgbClr val="FFFFFF"/>
+                  </a:solidFill>
+                </a:uFill>
+                <a:latin typeface="Franklin Gothic Medium" panose="020B0603020102020204" pitchFamily="34" charset="0"/>
+              </a:rPr>
+              <a:t> per la </a:t>
+            </a:r>
+            <a:r>
+              <a:rPr lang="en-US" sz="2800" spc="-1" dirty="0" err="1" smtClean="0">
+                <a:solidFill>
+                  <a:srgbClr val="404040"/>
+                </a:solidFill>
+                <a:uFill>
+                  <a:solidFill>
+                    <a:srgbClr val="FFFFFF"/>
+                  </a:solidFill>
+                </a:uFill>
+                <a:latin typeface="Franklin Gothic Medium" panose="020B0603020102020204" pitchFamily="34" charset="0"/>
+              </a:rPr>
+              <a:t>correzzione</a:t>
+            </a:r>
+            <a:r>
+              <a:rPr lang="en-US" sz="2800" spc="-1" dirty="0" smtClean="0">
+                <a:solidFill>
+                  <a:srgbClr val="404040"/>
+                </a:solidFill>
+                <a:uFill>
+                  <a:solidFill>
+                    <a:srgbClr val="FFFFFF"/>
+                  </a:solidFill>
+                </a:uFill>
+                <a:latin typeface="Franklin Gothic Medium" panose="020B0603020102020204" pitchFamily="34" charset="0"/>
+              </a:rPr>
+              <a:t>.</a:t>
+            </a:r>
+          </a:p>
+          <a:p>
+            <a:pPr marL="457200" indent="-457200">
+              <a:buFont typeface="Wingdings" panose="05000000000000000000" pitchFamily="2" charset="2"/>
+              <a:buChar char="§"/>
+            </a:pPr>
             <a:endParaRPr lang="en-US" sz="2800" spc="-1" dirty="0">
+              <a:solidFill>
+                <a:srgbClr val="404040"/>
+              </a:solidFill>
+              <a:uFill>
+                <a:solidFill>
+                  <a:srgbClr val="FFFFFF"/>
+                </a:solidFill>
+              </a:uFill>
+              <a:latin typeface="Franklin Gothic Medium" panose="020B0603020102020204" pitchFamily="34" charset="0"/>
+            </a:endParaRPr>
+          </a:p>
+          <a:p>
+            <a:pPr marL="457200" indent="-457200">
+              <a:buFont typeface="Wingdings" panose="05000000000000000000" pitchFamily="2" charset="2"/>
+              <a:buChar char="§"/>
+            </a:pPr>
+            <a:r>
+              <a:rPr lang="en-US" sz="2800" spc="-1" dirty="0" err="1" smtClean="0">
+                <a:solidFill>
+                  <a:srgbClr val="404040"/>
+                </a:solidFill>
+                <a:uFill>
+                  <a:solidFill>
+                    <a:srgbClr val="FFFFFF"/>
+                  </a:solidFill>
+                </a:uFill>
+                <a:latin typeface="Franklin Gothic Medium" panose="020B0603020102020204" pitchFamily="34" charset="0"/>
+              </a:rPr>
+              <a:t>L’output</a:t>
+            </a:r>
+            <a:r>
+              <a:rPr lang="en-US" sz="2800" spc="-1" dirty="0" smtClean="0">
+                <a:solidFill>
+                  <a:srgbClr val="404040"/>
+                </a:solidFill>
+                <a:uFill>
+                  <a:solidFill>
+                    <a:srgbClr val="FFFFFF"/>
+                  </a:solidFill>
+                </a:uFill>
+                <a:latin typeface="Franklin Gothic Medium" panose="020B0603020102020204" pitchFamily="34" charset="0"/>
+              </a:rPr>
+              <a:t> </a:t>
+            </a:r>
+            <a:r>
+              <a:rPr lang="en-US" sz="2800" spc="-1" dirty="0" err="1" smtClean="0">
+                <a:solidFill>
+                  <a:srgbClr val="404040"/>
+                </a:solidFill>
+                <a:uFill>
+                  <a:solidFill>
+                    <a:srgbClr val="FFFFFF"/>
+                  </a:solidFill>
+                </a:uFill>
+                <a:latin typeface="Franklin Gothic Medium" panose="020B0603020102020204" pitchFamily="34" charset="0"/>
+              </a:rPr>
+              <a:t>consiste</a:t>
+            </a:r>
+            <a:r>
+              <a:rPr lang="en-US" sz="2800" spc="-1" dirty="0" smtClean="0">
+                <a:solidFill>
+                  <a:srgbClr val="404040"/>
+                </a:solidFill>
+                <a:uFill>
+                  <a:solidFill>
+                    <a:srgbClr val="FFFFFF"/>
+                  </a:solidFill>
+                </a:uFill>
+                <a:latin typeface="Franklin Gothic Medium" panose="020B0603020102020204" pitchFamily="34" charset="0"/>
+              </a:rPr>
+              <a:t> in </a:t>
+            </a:r>
+            <a:r>
+              <a:rPr lang="en-US" sz="2800" spc="-1" dirty="0" err="1" smtClean="0">
+                <a:solidFill>
+                  <a:srgbClr val="404040"/>
+                </a:solidFill>
+                <a:uFill>
+                  <a:solidFill>
+                    <a:srgbClr val="FFFFFF"/>
+                  </a:solidFill>
+                </a:uFill>
+                <a:latin typeface="Franklin Gothic Medium" panose="020B0603020102020204" pitchFamily="34" charset="0"/>
+              </a:rPr>
+              <a:t>coppie</a:t>
+            </a:r>
+            <a:r>
+              <a:rPr lang="en-US" sz="2800" spc="-1" dirty="0" smtClean="0">
+                <a:solidFill>
+                  <a:srgbClr val="404040"/>
+                </a:solidFill>
+                <a:uFill>
+                  <a:solidFill>
+                    <a:srgbClr val="FFFFFF"/>
+                  </a:solidFill>
+                </a:uFill>
+                <a:latin typeface="Franklin Gothic Medium" panose="020B0603020102020204" pitchFamily="34" charset="0"/>
+              </a:rPr>
+              <a:t> </a:t>
+            </a:r>
+            <a:r>
+              <a:rPr lang="en-US" sz="2800" spc="-1" dirty="0" err="1" smtClean="0">
+                <a:solidFill>
+                  <a:srgbClr val="404040"/>
+                </a:solidFill>
+                <a:uFill>
+                  <a:solidFill>
+                    <a:srgbClr val="FFFFFF"/>
+                  </a:solidFill>
+                </a:uFill>
+                <a:latin typeface="Franklin Gothic Medium" panose="020B0603020102020204" pitchFamily="34" charset="0"/>
+              </a:rPr>
+              <a:t>contenenti</a:t>
+            </a:r>
+            <a:r>
+              <a:rPr lang="en-US" sz="2800" spc="-1" dirty="0" smtClean="0">
+                <a:solidFill>
+                  <a:srgbClr val="404040"/>
+                </a:solidFill>
+                <a:uFill>
+                  <a:solidFill>
+                    <a:srgbClr val="FFFFFF"/>
+                  </a:solidFill>
+                </a:uFill>
+                <a:latin typeface="Franklin Gothic Medium" panose="020B0603020102020204" pitchFamily="34" charset="0"/>
+              </a:rPr>
+              <a:t> la </a:t>
+            </a:r>
+            <a:r>
+              <a:rPr lang="en-US" sz="2800" spc="-1" dirty="0" err="1" smtClean="0">
+                <a:solidFill>
+                  <a:srgbClr val="404040"/>
+                </a:solidFill>
+                <a:uFill>
+                  <a:solidFill>
+                    <a:srgbClr val="FFFFFF"/>
+                  </a:solidFill>
+                </a:uFill>
+                <a:latin typeface="Franklin Gothic Medium" panose="020B0603020102020204" pitchFamily="34" charset="0"/>
+              </a:rPr>
+              <a:t>parola</a:t>
+            </a:r>
+            <a:r>
+              <a:rPr lang="en-US" sz="2800" spc="-1" dirty="0" smtClean="0">
+                <a:solidFill>
+                  <a:srgbClr val="404040"/>
+                </a:solidFill>
+                <a:uFill>
+                  <a:solidFill>
+                    <a:srgbClr val="FFFFFF"/>
+                  </a:solidFill>
+                </a:uFill>
+                <a:latin typeface="Franklin Gothic Medium" panose="020B0603020102020204" pitchFamily="34" charset="0"/>
+              </a:rPr>
+              <a:t> </a:t>
+            </a:r>
+            <a:r>
+              <a:rPr lang="en-US" sz="2800" spc="-1" dirty="0" err="1" smtClean="0">
+                <a:solidFill>
+                  <a:srgbClr val="404040"/>
+                </a:solidFill>
+                <a:uFill>
+                  <a:solidFill>
+                    <a:srgbClr val="FFFFFF"/>
+                  </a:solidFill>
+                </a:uFill>
+                <a:latin typeface="Franklin Gothic Medium" panose="020B0603020102020204" pitchFamily="34" charset="0"/>
+              </a:rPr>
+              <a:t>originale</a:t>
+            </a:r>
+            <a:r>
+              <a:rPr lang="en-US" sz="2800" spc="-1" dirty="0" smtClean="0">
+                <a:solidFill>
+                  <a:srgbClr val="404040"/>
+                </a:solidFill>
+                <a:uFill>
+                  <a:solidFill>
+                    <a:srgbClr val="FFFFFF"/>
+                  </a:solidFill>
+                </a:uFill>
+                <a:latin typeface="Franklin Gothic Medium" panose="020B0603020102020204" pitchFamily="34" charset="0"/>
+              </a:rPr>
+              <a:t> e la </a:t>
+            </a:r>
+            <a:r>
+              <a:rPr lang="en-US" sz="2800" spc="-1" dirty="0" err="1" smtClean="0">
+                <a:solidFill>
+                  <a:srgbClr val="404040"/>
+                </a:solidFill>
+                <a:uFill>
+                  <a:solidFill>
+                    <a:srgbClr val="FFFFFF"/>
+                  </a:solidFill>
+                </a:uFill>
+                <a:latin typeface="Franklin Gothic Medium" panose="020B0603020102020204" pitchFamily="34" charset="0"/>
+              </a:rPr>
+              <a:t>sua</a:t>
+            </a:r>
+            <a:r>
+              <a:rPr lang="en-US" sz="2800" spc="-1" dirty="0" smtClean="0">
+                <a:solidFill>
+                  <a:srgbClr val="404040"/>
+                </a:solidFill>
+                <a:uFill>
+                  <a:solidFill>
+                    <a:srgbClr val="FFFFFF"/>
+                  </a:solidFill>
+                </a:uFill>
+                <a:latin typeface="Franklin Gothic Medium" panose="020B0603020102020204" pitchFamily="34" charset="0"/>
+              </a:rPr>
+              <a:t> </a:t>
+            </a:r>
+            <a:r>
+              <a:rPr lang="en-US" sz="2800" spc="-1" dirty="0" err="1" smtClean="0">
+                <a:solidFill>
+                  <a:srgbClr val="404040"/>
+                </a:solidFill>
+                <a:uFill>
+                  <a:solidFill>
+                    <a:srgbClr val="FFFFFF"/>
+                  </a:solidFill>
+                </a:uFill>
+                <a:latin typeface="Franklin Gothic Medium" panose="020B0603020102020204" pitchFamily="34" charset="0"/>
+              </a:rPr>
+              <a:t>correzione</a:t>
+            </a:r>
+            <a:r>
+              <a:rPr lang="en-US" sz="2800" spc="-1" dirty="0" smtClean="0">
+                <a:solidFill>
+                  <a:srgbClr val="404040"/>
+                </a:solidFill>
+                <a:uFill>
+                  <a:solidFill>
+                    <a:srgbClr val="FFFFFF"/>
+                  </a:solidFill>
+                </a:uFill>
+                <a:latin typeface="Franklin Gothic Medium" panose="020B0603020102020204" pitchFamily="34" charset="0"/>
+              </a:rPr>
+              <a:t>.</a:t>
+            </a:r>
+            <a:endParaRPr lang="en-US" sz="2800" spc="-1" dirty="0" smtClean="0">
+              <a:solidFill>
+                <a:srgbClr val="404040"/>
+              </a:solidFill>
+              <a:uFill>
+                <a:solidFill>
+                  <a:srgbClr val="FFFFFF"/>
+                </a:solidFill>
+              </a:uFill>
+              <a:latin typeface="Franklin Gothic Medium" panose="020B0603020102020204" pitchFamily="34" charset="0"/>
+            </a:endParaRPr>
+          </a:p>
+          <a:p>
+            <a:pPr marL="457200" indent="-457200">
+              <a:buFont typeface="Wingdings" panose="05000000000000000000" pitchFamily="2" charset="2"/>
+              <a:buChar char="§"/>
+            </a:pPr>
+            <a:endParaRPr lang="en-US" sz="2800" spc="-1" dirty="0" smtClean="0">
+              <a:solidFill>
+                <a:srgbClr val="404040"/>
+              </a:solidFill>
+              <a:uFill>
+                <a:solidFill>
+                  <a:srgbClr val="FFFFFF"/>
+                </a:solidFill>
+              </a:uFill>
+              <a:latin typeface="Franklin Gothic Medium" panose="020B0603020102020204" pitchFamily="34" charset="0"/>
+            </a:endParaRPr>
+          </a:p>
+          <a:p>
+            <a:pPr marL="457200" indent="-457200">
+              <a:buFont typeface="Wingdings" panose="05000000000000000000" pitchFamily="2" charset="2"/>
+              <a:buChar char="§"/>
+            </a:pPr>
+            <a:endParaRPr lang="it-IT" sz="2800" spc="-1" dirty="0" smtClean="0">
               <a:solidFill>
                 <a:srgbClr val="404040"/>
               </a:solidFill>
@@ -15612,13 +17842,13 @@
       </p:sp>
       <p:sp>
         <p:nvSpPr>
-          <p:cNvPr id="101" name="TextShape 2"/>
+          <p:cNvPr id="4" name="TextShape 2"/>
           <p:cNvSpPr txBox="1"/>
           <p:nvPr/>
         </p:nvSpPr>
         <p:spPr>
           <a:xfrm>
-            <a:off x="479520" y="1484640"/>
+            <a:off x="354334" y="1490083"/>
             <a:ext cx="11304720" cy="4915800"/>
           </a:xfrm>
           <a:prstGeom prst="rect">
@@ -15637,6 +17867,696 @@
               <a:buFont typeface="Wingdings" panose="05000000000000000000" pitchFamily="2" charset="2"/>
               <a:buChar char="§"/>
             </a:pPr>
+            <a:r>
+              <a:rPr lang="en-US" sz="2800" spc="-1" dirty="0">
+                <a:solidFill>
+                  <a:srgbClr val="404040"/>
+                </a:solidFill>
+                <a:uFill>
+                  <a:solidFill>
+                    <a:srgbClr val="FFFFFF"/>
+                  </a:solidFill>
+                </a:uFill>
+                <a:latin typeface="Franklin Gothic Medium"/>
+              </a:rPr>
+              <a:t>I </a:t>
+            </a:r>
+            <a:r>
+              <a:rPr lang="en-US" sz="2800" spc="-1" dirty="0" err="1">
+                <a:solidFill>
+                  <a:srgbClr val="404040"/>
+                </a:solidFill>
+                <a:uFill>
+                  <a:solidFill>
+                    <a:srgbClr val="FFFFFF"/>
+                  </a:solidFill>
+                </a:uFill>
+                <a:latin typeface="Franklin Gothic Medium"/>
+              </a:rPr>
+              <a:t>modelli</a:t>
+            </a:r>
+            <a:r>
+              <a:rPr lang="en-US" sz="2800" spc="-1" dirty="0">
+                <a:solidFill>
+                  <a:srgbClr val="404040"/>
+                </a:solidFill>
+                <a:uFill>
+                  <a:solidFill>
+                    <a:srgbClr val="FFFFFF"/>
+                  </a:solidFill>
+                </a:uFill>
+                <a:latin typeface="Franklin Gothic Medium"/>
+              </a:rPr>
+              <a:t> di information </a:t>
+            </a:r>
+            <a:r>
+              <a:rPr lang="en-US" sz="2800" spc="-1" dirty="0" err="1">
+                <a:solidFill>
+                  <a:srgbClr val="404040"/>
+                </a:solidFill>
+                <a:uFill>
+                  <a:solidFill>
+                    <a:srgbClr val="FFFFFF"/>
+                  </a:solidFill>
+                </a:uFill>
+                <a:latin typeface="Franklin Gothic Medium"/>
+              </a:rPr>
+              <a:t>retrival</a:t>
+            </a:r>
+            <a:r>
+              <a:rPr lang="en-US" sz="2800" spc="-1" dirty="0">
+                <a:solidFill>
+                  <a:srgbClr val="404040"/>
+                </a:solidFill>
+                <a:uFill>
+                  <a:solidFill>
+                    <a:srgbClr val="FFFFFF"/>
+                  </a:solidFill>
+                </a:uFill>
+                <a:latin typeface="Franklin Gothic Medium"/>
+              </a:rPr>
+              <a:t> </a:t>
+            </a:r>
+            <a:r>
+              <a:rPr lang="en-US" sz="2800" spc="-1" dirty="0" err="1">
+                <a:solidFill>
+                  <a:srgbClr val="404040"/>
+                </a:solidFill>
+                <a:uFill>
+                  <a:solidFill>
+                    <a:srgbClr val="FFFFFF"/>
+                  </a:solidFill>
+                </a:uFill>
+                <a:latin typeface="Franklin Gothic Medium"/>
+              </a:rPr>
+              <a:t>utilizzati</a:t>
+            </a:r>
+            <a:r>
+              <a:rPr lang="en-US" sz="2800" spc="-1" dirty="0">
+                <a:solidFill>
+                  <a:srgbClr val="404040"/>
+                </a:solidFill>
+                <a:uFill>
+                  <a:solidFill>
+                    <a:srgbClr val="FFFFFF"/>
+                  </a:solidFill>
+                </a:uFill>
+                <a:latin typeface="Franklin Gothic Medium"/>
+              </a:rPr>
+              <a:t> </a:t>
+            </a:r>
+            <a:r>
+              <a:rPr lang="en-US" sz="2800" spc="-1" dirty="0" err="1">
+                <a:solidFill>
+                  <a:srgbClr val="404040"/>
+                </a:solidFill>
+                <a:uFill>
+                  <a:solidFill>
+                    <a:srgbClr val="FFFFFF"/>
+                  </a:solidFill>
+                </a:uFill>
+                <a:latin typeface="Franklin Gothic Medium"/>
+              </a:rPr>
+              <a:t>sono</a:t>
+            </a:r>
+            <a:r>
+              <a:rPr lang="en-US" sz="2800" spc="-1" dirty="0">
+                <a:solidFill>
+                  <a:srgbClr val="404040"/>
+                </a:solidFill>
+                <a:uFill>
+                  <a:solidFill>
+                    <a:srgbClr val="FFFFFF"/>
+                  </a:solidFill>
+                </a:uFill>
+                <a:latin typeface="Franklin Gothic Medium"/>
+              </a:rPr>
+              <a:t> </a:t>
+            </a:r>
+            <a:r>
+              <a:rPr lang="en-US" sz="2800" spc="-1" dirty="0" err="1">
+                <a:solidFill>
+                  <a:srgbClr val="404040"/>
+                </a:solidFill>
+                <a:uFill>
+                  <a:solidFill>
+                    <a:srgbClr val="FFFFFF"/>
+                  </a:solidFill>
+                </a:uFill>
+                <a:latin typeface="Franklin Gothic Medium"/>
+              </a:rPr>
+              <a:t>quelli</a:t>
+            </a:r>
+            <a:r>
+              <a:rPr lang="en-US" sz="2800" spc="-1" dirty="0">
+                <a:solidFill>
+                  <a:srgbClr val="404040"/>
+                </a:solidFill>
+                <a:uFill>
+                  <a:solidFill>
+                    <a:srgbClr val="FFFFFF"/>
+                  </a:solidFill>
+                </a:uFill>
+                <a:latin typeface="Franklin Gothic Medium"/>
+              </a:rPr>
+              <a:t> </a:t>
+            </a:r>
+            <a:r>
+              <a:rPr lang="en-US" sz="2800" spc="-1" dirty="0" err="1">
+                <a:solidFill>
+                  <a:srgbClr val="404040"/>
+                </a:solidFill>
+                <a:uFill>
+                  <a:solidFill>
+                    <a:srgbClr val="FFFFFF"/>
+                  </a:solidFill>
+                </a:uFill>
+                <a:latin typeface="Franklin Gothic Medium"/>
+              </a:rPr>
+              <a:t>implementati</a:t>
+            </a:r>
+            <a:r>
+              <a:rPr lang="en-US" sz="2800" spc="-1" dirty="0">
+                <a:solidFill>
+                  <a:srgbClr val="404040"/>
+                </a:solidFill>
+                <a:uFill>
+                  <a:solidFill>
+                    <a:srgbClr val="FFFFFF"/>
+                  </a:solidFill>
+                </a:uFill>
+                <a:latin typeface="Franklin Gothic Medium"/>
+              </a:rPr>
+              <a:t> </a:t>
+            </a:r>
+            <a:r>
+              <a:rPr lang="en-US" sz="2800" spc="-1" dirty="0" err="1">
+                <a:solidFill>
+                  <a:srgbClr val="404040"/>
+                </a:solidFill>
+                <a:uFill>
+                  <a:solidFill>
+                    <a:srgbClr val="FFFFFF"/>
+                  </a:solidFill>
+                </a:uFill>
+                <a:latin typeface="Franklin Gothic Medium"/>
+              </a:rPr>
+              <a:t>dalla</a:t>
+            </a:r>
+            <a:r>
+              <a:rPr lang="en-US" sz="2800" spc="-1" dirty="0">
+                <a:solidFill>
+                  <a:srgbClr val="404040"/>
+                </a:solidFill>
+                <a:uFill>
+                  <a:solidFill>
+                    <a:srgbClr val="FFFFFF"/>
+                  </a:solidFill>
+                </a:uFill>
+                <a:latin typeface="Franklin Gothic Medium"/>
+              </a:rPr>
+              <a:t> </a:t>
+            </a:r>
+            <a:r>
+              <a:rPr lang="en-US" sz="2800" spc="-1" dirty="0" err="1">
+                <a:solidFill>
+                  <a:srgbClr val="404040"/>
+                </a:solidFill>
+                <a:uFill>
+                  <a:solidFill>
+                    <a:srgbClr val="FFFFFF"/>
+                  </a:solidFill>
+                </a:uFill>
+                <a:latin typeface="Franklin Gothic Medium"/>
+              </a:rPr>
+              <a:t>libreria</a:t>
+            </a:r>
+            <a:r>
+              <a:rPr lang="en-US" sz="2800" spc="-1" dirty="0">
+                <a:solidFill>
+                  <a:srgbClr val="404040"/>
+                </a:solidFill>
+                <a:uFill>
+                  <a:solidFill>
+                    <a:srgbClr val="FFFFFF"/>
+                  </a:solidFill>
+                </a:uFill>
+                <a:latin typeface="Franklin Gothic Medium"/>
+              </a:rPr>
+              <a:t> Whoosh</a:t>
+            </a:r>
+            <a:r>
+              <a:rPr lang="en-US" sz="2800" spc="-1" dirty="0" smtClean="0">
+                <a:solidFill>
+                  <a:srgbClr val="404040"/>
+                </a:solidFill>
+                <a:uFill>
+                  <a:solidFill>
+                    <a:srgbClr val="FFFFFF"/>
+                  </a:solidFill>
+                </a:uFill>
+                <a:latin typeface="Franklin Gothic Medium"/>
+              </a:rPr>
+              <a:t>:</a:t>
+            </a:r>
+          </a:p>
+          <a:p>
+            <a:pPr marL="914400" lvl="1" indent="-457200">
+              <a:buFont typeface="Wingdings" panose="05000000000000000000" pitchFamily="2" charset="2"/>
+              <a:buChar char="§"/>
+            </a:pPr>
+            <a:r>
+              <a:rPr lang="en-US" sz="2800" spc="-1" dirty="0" smtClean="0">
+                <a:solidFill>
+                  <a:srgbClr val="404040"/>
+                </a:solidFill>
+                <a:uFill>
+                  <a:solidFill>
+                    <a:srgbClr val="FFFFFF"/>
+                  </a:solidFill>
+                </a:uFill>
+                <a:latin typeface="Franklin Gothic Medium"/>
+              </a:rPr>
+              <a:t>Frequency</a:t>
+            </a:r>
+          </a:p>
+          <a:p>
+            <a:pPr marL="914400" lvl="1" indent="-457200">
+              <a:buFont typeface="Wingdings" panose="05000000000000000000" pitchFamily="2" charset="2"/>
+              <a:buChar char="§"/>
+            </a:pPr>
+            <a:r>
+              <a:rPr lang="en-US" sz="2800" spc="-1" dirty="0" smtClean="0">
+                <a:solidFill>
+                  <a:srgbClr val="404040"/>
+                </a:solidFill>
+                <a:uFill>
+                  <a:solidFill>
+                    <a:srgbClr val="FFFFFF"/>
+                  </a:solidFill>
+                </a:uFill>
+                <a:latin typeface="Franklin Gothic Medium"/>
+              </a:rPr>
+              <a:t>TF_IDF</a:t>
+            </a:r>
+          </a:p>
+          <a:p>
+            <a:pPr marL="914400" lvl="1" indent="-457200">
+              <a:buFont typeface="Wingdings" panose="05000000000000000000" pitchFamily="2" charset="2"/>
+              <a:buChar char="§"/>
+            </a:pPr>
+            <a:r>
+              <a:rPr lang="en-US" sz="2800" spc="-1" dirty="0" smtClean="0">
+                <a:solidFill>
+                  <a:srgbClr val="404040"/>
+                </a:solidFill>
+                <a:uFill>
+                  <a:solidFill>
+                    <a:srgbClr val="FFFFFF"/>
+                  </a:solidFill>
+                </a:uFill>
+                <a:latin typeface="Franklin Gothic Medium"/>
+              </a:rPr>
+              <a:t>BM25</a:t>
+            </a:r>
+          </a:p>
+          <a:p>
+            <a:pPr marL="914400" lvl="1" indent="-457200">
+              <a:buFont typeface="Wingdings" panose="05000000000000000000" pitchFamily="2" charset="2"/>
+              <a:buChar char="§"/>
+            </a:pPr>
+            <a:endParaRPr lang="en-US" sz="2800" spc="-1" dirty="0">
+              <a:solidFill>
+                <a:srgbClr val="404040"/>
+              </a:solidFill>
+              <a:uFill>
+                <a:solidFill>
+                  <a:srgbClr val="FFFFFF"/>
+                </a:solidFill>
+              </a:uFill>
+              <a:latin typeface="Franklin Gothic Medium"/>
+            </a:endParaRPr>
+          </a:p>
+          <a:p>
+            <a:pPr marL="457200" indent="-457200">
+              <a:buFont typeface="Wingdings" panose="05000000000000000000" pitchFamily="2" charset="2"/>
+              <a:buChar char="§"/>
+            </a:pPr>
+            <a:r>
+              <a:rPr lang="en-US" sz="2800" spc="-1" dirty="0" err="1" smtClean="0">
+                <a:solidFill>
+                  <a:srgbClr val="404040"/>
+                </a:solidFill>
+                <a:uFill>
+                  <a:solidFill>
+                    <a:srgbClr val="FFFFFF"/>
+                  </a:solidFill>
+                </a:uFill>
+                <a:latin typeface="Franklin Gothic Medium"/>
+              </a:rPr>
+              <a:t>Ogni</a:t>
+            </a:r>
+            <a:r>
+              <a:rPr lang="en-US" sz="2800" spc="-1" dirty="0" smtClean="0">
+                <a:solidFill>
+                  <a:srgbClr val="404040"/>
+                </a:solidFill>
+                <a:uFill>
+                  <a:solidFill>
+                    <a:srgbClr val="FFFFFF"/>
+                  </a:solidFill>
+                </a:uFill>
+                <a:latin typeface="Franklin Gothic Medium"/>
+              </a:rPr>
+              <a:t> </a:t>
+            </a:r>
+            <a:r>
+              <a:rPr lang="en-US" sz="2800" spc="-1" dirty="0" err="1" smtClean="0">
+                <a:solidFill>
+                  <a:srgbClr val="404040"/>
+                </a:solidFill>
+                <a:uFill>
+                  <a:solidFill>
+                    <a:srgbClr val="FFFFFF"/>
+                  </a:solidFill>
+                </a:uFill>
+                <a:latin typeface="Franklin Gothic Medium"/>
+              </a:rPr>
+              <a:t>volta</a:t>
+            </a:r>
+            <a:r>
+              <a:rPr lang="en-US" sz="2800" spc="-1" dirty="0" smtClean="0">
+                <a:solidFill>
+                  <a:srgbClr val="404040"/>
+                </a:solidFill>
+                <a:uFill>
+                  <a:solidFill>
+                    <a:srgbClr val="FFFFFF"/>
+                  </a:solidFill>
+                </a:uFill>
+                <a:latin typeface="Franklin Gothic Medium"/>
+              </a:rPr>
+              <a:t> un </a:t>
+            </a:r>
+            <a:r>
+              <a:rPr lang="en-US" sz="2800" spc="-1" dirty="0" err="1" smtClean="0">
+                <a:solidFill>
+                  <a:srgbClr val="404040"/>
+                </a:solidFill>
+                <a:uFill>
+                  <a:solidFill>
+                    <a:srgbClr val="FFFFFF"/>
+                  </a:solidFill>
+                </a:uFill>
+                <a:latin typeface="Franklin Gothic Medium"/>
+              </a:rPr>
+              <a:t>utente</a:t>
+            </a:r>
+            <a:r>
+              <a:rPr lang="en-US" sz="2800" spc="-1" dirty="0" smtClean="0">
+                <a:solidFill>
+                  <a:srgbClr val="404040"/>
+                </a:solidFill>
+                <a:uFill>
+                  <a:solidFill>
+                    <a:srgbClr val="FFFFFF"/>
+                  </a:solidFill>
+                </a:uFill>
+                <a:latin typeface="Franklin Gothic Medium"/>
+              </a:rPr>
+              <a:t> </a:t>
+            </a:r>
+            <a:r>
+              <a:rPr lang="en-US" sz="2800" spc="-1" dirty="0" err="1" smtClean="0">
+                <a:solidFill>
+                  <a:srgbClr val="404040"/>
+                </a:solidFill>
+                <a:uFill>
+                  <a:solidFill>
+                    <a:srgbClr val="FFFFFF"/>
+                  </a:solidFill>
+                </a:uFill>
+                <a:latin typeface="Franklin Gothic Medium"/>
+              </a:rPr>
+              <a:t>esegue</a:t>
+            </a:r>
+            <a:r>
+              <a:rPr lang="en-US" sz="2800" spc="-1" dirty="0" smtClean="0">
+                <a:solidFill>
+                  <a:srgbClr val="404040"/>
+                </a:solidFill>
+                <a:uFill>
+                  <a:solidFill>
+                    <a:srgbClr val="FFFFFF"/>
+                  </a:solidFill>
+                </a:uFill>
+                <a:latin typeface="Franklin Gothic Medium"/>
+              </a:rPr>
+              <a:t> </a:t>
+            </a:r>
+            <a:r>
+              <a:rPr lang="en-US" sz="2800" spc="-1" dirty="0" err="1" smtClean="0">
+                <a:solidFill>
+                  <a:srgbClr val="404040"/>
+                </a:solidFill>
+                <a:uFill>
+                  <a:solidFill>
+                    <a:srgbClr val="FFFFFF"/>
+                  </a:solidFill>
+                </a:uFill>
+                <a:latin typeface="Franklin Gothic Medium"/>
+              </a:rPr>
+              <a:t>una</a:t>
+            </a:r>
+            <a:r>
+              <a:rPr lang="en-US" sz="2800" spc="-1" dirty="0" smtClean="0">
+                <a:solidFill>
+                  <a:srgbClr val="404040"/>
+                </a:solidFill>
+                <a:uFill>
+                  <a:solidFill>
+                    <a:srgbClr val="FFFFFF"/>
+                  </a:solidFill>
+                </a:uFill>
+                <a:latin typeface="Franklin Gothic Medium"/>
+              </a:rPr>
+              <a:t> query </a:t>
+            </a:r>
+            <a:r>
+              <a:rPr lang="en-US" sz="2800" spc="-1" dirty="0" err="1" smtClean="0">
+                <a:solidFill>
+                  <a:srgbClr val="404040"/>
+                </a:solidFill>
+                <a:uFill>
+                  <a:solidFill>
+                    <a:srgbClr val="FFFFFF"/>
+                  </a:solidFill>
+                </a:uFill>
+                <a:latin typeface="Franklin Gothic Medium"/>
+              </a:rPr>
+              <a:t>può</a:t>
+            </a:r>
+            <a:r>
+              <a:rPr lang="en-US" sz="2800" spc="-1" dirty="0" smtClean="0">
+                <a:solidFill>
+                  <a:srgbClr val="404040"/>
+                </a:solidFill>
+                <a:uFill>
+                  <a:solidFill>
+                    <a:srgbClr val="FFFFFF"/>
+                  </a:solidFill>
+                </a:uFill>
+                <a:latin typeface="Franklin Gothic Medium"/>
+              </a:rPr>
+              <a:t> </a:t>
+            </a:r>
+            <a:r>
+              <a:rPr lang="en-US" sz="2800" spc="-1" dirty="0" err="1" smtClean="0">
+                <a:solidFill>
+                  <a:srgbClr val="404040"/>
+                </a:solidFill>
+                <a:uFill>
+                  <a:solidFill>
+                    <a:srgbClr val="FFFFFF"/>
+                  </a:solidFill>
+                </a:uFill>
+                <a:latin typeface="Franklin Gothic Medium"/>
+              </a:rPr>
+              <a:t>scegliere</a:t>
+            </a:r>
+            <a:r>
+              <a:rPr lang="en-US" sz="2800" spc="-1" dirty="0" smtClean="0">
+                <a:solidFill>
+                  <a:srgbClr val="404040"/>
+                </a:solidFill>
+                <a:uFill>
+                  <a:solidFill>
+                    <a:srgbClr val="FFFFFF"/>
+                  </a:solidFill>
+                </a:uFill>
+                <a:latin typeface="Franklin Gothic Medium"/>
+              </a:rPr>
+              <a:t> quale </a:t>
+            </a:r>
+            <a:r>
+              <a:rPr lang="en-US" sz="2800" spc="-1" dirty="0" err="1" smtClean="0">
+                <a:solidFill>
+                  <a:srgbClr val="404040"/>
+                </a:solidFill>
+                <a:uFill>
+                  <a:solidFill>
+                    <a:srgbClr val="FFFFFF"/>
+                  </a:solidFill>
+                </a:uFill>
+                <a:latin typeface="Franklin Gothic Medium"/>
+              </a:rPr>
+              <a:t>modello</a:t>
+            </a:r>
+            <a:r>
+              <a:rPr lang="en-US" sz="2800" spc="-1" dirty="0">
+                <a:solidFill>
+                  <a:srgbClr val="404040"/>
+                </a:solidFill>
+                <a:uFill>
+                  <a:solidFill>
+                    <a:srgbClr val="FFFFFF"/>
+                  </a:solidFill>
+                </a:uFill>
+                <a:latin typeface="Franklin Gothic Medium"/>
+              </a:rPr>
+              <a:t> </a:t>
+            </a:r>
+            <a:r>
+              <a:rPr lang="en-US" sz="2800" spc="-1" dirty="0" err="1" smtClean="0">
+                <a:solidFill>
+                  <a:srgbClr val="404040"/>
+                </a:solidFill>
+                <a:uFill>
+                  <a:solidFill>
+                    <a:srgbClr val="FFFFFF"/>
+                  </a:solidFill>
+                </a:uFill>
+                <a:latin typeface="Franklin Gothic Medium"/>
+              </a:rPr>
+              <a:t>utilizzare</a:t>
+            </a:r>
+            <a:r>
+              <a:rPr lang="en-US" sz="2800" spc="-1" dirty="0" smtClean="0">
+                <a:solidFill>
+                  <a:srgbClr val="404040"/>
+                </a:solidFill>
+                <a:uFill>
+                  <a:solidFill>
+                    <a:srgbClr val="FFFFFF"/>
+                  </a:solidFill>
+                </a:uFill>
+                <a:latin typeface="Franklin Gothic Medium"/>
+              </a:rPr>
+              <a:t> per </a:t>
+            </a:r>
+            <a:r>
+              <a:rPr lang="en-US" sz="2800" spc="-1" dirty="0" err="1" smtClean="0">
+                <a:solidFill>
+                  <a:srgbClr val="404040"/>
+                </a:solidFill>
+                <a:uFill>
+                  <a:solidFill>
+                    <a:srgbClr val="FFFFFF"/>
+                  </a:solidFill>
+                </a:uFill>
+                <a:latin typeface="Franklin Gothic Medium"/>
+              </a:rPr>
+              <a:t>il</a:t>
+            </a:r>
+            <a:r>
+              <a:rPr lang="en-US" sz="2800" spc="-1" dirty="0" smtClean="0">
+                <a:solidFill>
+                  <a:srgbClr val="404040"/>
+                </a:solidFill>
+                <a:uFill>
+                  <a:solidFill>
+                    <a:srgbClr val="FFFFFF"/>
+                  </a:solidFill>
+                </a:uFill>
+                <a:latin typeface="Franklin Gothic Medium"/>
+              </a:rPr>
+              <a:t> ranking </a:t>
+            </a:r>
+            <a:r>
+              <a:rPr lang="en-US" sz="2800" spc="-1" dirty="0" err="1" smtClean="0">
+                <a:solidFill>
+                  <a:srgbClr val="404040"/>
+                </a:solidFill>
+                <a:uFill>
+                  <a:solidFill>
+                    <a:srgbClr val="FFFFFF"/>
+                  </a:solidFill>
+                </a:uFill>
+                <a:latin typeface="Franklin Gothic Medium"/>
+              </a:rPr>
+              <a:t>dei</a:t>
+            </a:r>
+            <a:r>
+              <a:rPr lang="en-US" sz="2800" spc="-1" dirty="0" smtClean="0">
+                <a:solidFill>
+                  <a:srgbClr val="404040"/>
+                </a:solidFill>
+                <a:uFill>
+                  <a:solidFill>
+                    <a:srgbClr val="FFFFFF"/>
+                  </a:solidFill>
+                </a:uFill>
+                <a:latin typeface="Franklin Gothic Medium"/>
+              </a:rPr>
+              <a:t> </a:t>
+            </a:r>
+            <a:r>
+              <a:rPr lang="en-US" sz="2800" spc="-1" dirty="0" err="1" smtClean="0">
+                <a:solidFill>
+                  <a:srgbClr val="404040"/>
+                </a:solidFill>
+                <a:uFill>
+                  <a:solidFill>
+                    <a:srgbClr val="FFFFFF"/>
+                  </a:solidFill>
+                </a:uFill>
+                <a:latin typeface="Franklin Gothic Medium"/>
+              </a:rPr>
+              <a:t>risultati</a:t>
+            </a:r>
+            <a:r>
+              <a:rPr lang="en-US" sz="2800" spc="-1" dirty="0" smtClean="0">
+                <a:solidFill>
+                  <a:srgbClr val="404040"/>
+                </a:solidFill>
+                <a:uFill>
+                  <a:solidFill>
+                    <a:srgbClr val="FFFFFF"/>
+                  </a:solidFill>
+                </a:uFill>
+                <a:latin typeface="Franklin Gothic Medium"/>
+              </a:rPr>
+              <a:t>.</a:t>
+            </a:r>
+          </a:p>
+          <a:p>
+            <a:pPr marL="914400" lvl="1" indent="-457200">
+              <a:buFont typeface="Wingdings" panose="05000000000000000000" pitchFamily="2" charset="2"/>
+              <a:buChar char="§"/>
+            </a:pPr>
+            <a:endParaRPr lang="en-US" sz="2800" spc="-1" dirty="0">
+              <a:solidFill>
+                <a:srgbClr val="404040"/>
+              </a:solidFill>
+              <a:uFill>
+                <a:solidFill>
+                  <a:srgbClr val="FFFFFF"/>
+                </a:solidFill>
+              </a:uFill>
+              <a:latin typeface="Franklin Gothic Medium"/>
+            </a:endParaRPr>
+          </a:p>
+          <a:p>
             <a:endParaRPr lang="en-US" sz="2800" spc="-1" dirty="0" smtClean="0">
               <a:solidFill>
                 <a:srgbClr val="404040"/>
@@ -15735,7 +18655,7 @@
           <a:lstStyle/>
           <a:p>
             <a:r>
-              <a:rPr lang="en-US" sz="3600" spc="-1" dirty="0" err="1" smtClean="0">
+              <a:rPr lang="en-US" sz="3600" spc="-1" dirty="0">
                 <a:solidFill>
                   <a:srgbClr val="FFFFFF"/>
                 </a:solidFill>
@@ -15746,19 +18666,8 @@
                 </a:uFill>
                 <a:latin typeface="Franklin Gothic Medium"/>
               </a:rPr>
-              <a:t>Valutazione</a:t>
-            </a:r>
-            <a:endParaRPr lang="en-US" sz="3600" spc="-1" dirty="0" smtClean="0">
-              <a:solidFill>
-                <a:srgbClr val="FFFFFF"/>
-              </a:solidFill>
-              <a:uFill>
-                <a:solidFill>
-                  <a:srgbClr val="FFFFFF"/>
-                </a:solidFill>
-              </a:uFill>
-              <a:latin typeface="Franklin Gothic Medium"/>
-            </a:endParaRPr>
+              <a:t>Benchmark</a:t>
+            </a:r>
           </a:p>
         </p:txBody>
       </p:sp>
@@ -15790,6 +18699,20 @@
               <a:buChar char="§"/>
             </a:pPr>
             <a:r>
+              <a:rPr lang="en-US" sz="2800" spc="-1" dirty="0" err="1" smtClean="0">
+                <a:solidFill>
+                  <a:srgbClr val="404040"/>
+                </a:solidFill>
+                <a:uFill>
+                  <a:solidFill>
+                    <a:srgbClr val="FFFFFF"/>
+                  </a:solidFill>
+                </a:uFill>
+                <a:latin typeface="Franklin Gothic Medium"/>
+              </a:rPr>
+              <a:t>Utilizzando</a:t>
+            </a:r>
+            <a:r>
               <a:rPr lang="en-US" sz="2800" spc="-1" dirty="0" smtClean="0">
                 <a:solidFill>
                   <a:srgbClr val="404040"/>
@@ -15801,7 +18724,7 @@
                 </a:uFill>
                 <a:latin typeface="Franklin Gothic Medium"/>
               </a:rPr>
-              <a:t>Le </a:t>
+              <a:t> le query </a:t>
             </a:r>
             <a:r>
               <a:rPr lang="en-US" sz="2800" spc="-1" dirty="0" err="1" smtClean="0">
@@ -15815,7 +18738,7 @@
                 </a:uFill>
                 <a:latin typeface="Franklin Gothic Medium"/>
               </a:rPr>
-              <a:t>modalità</a:t>
+              <a:t>proposto</a:t>
             </a:r>
             <a:r>
               <a:rPr lang="en-US" sz="2800" spc="-1" dirty="0" smtClean="0">
@@ -15829,7 +18752,7 @@
                 </a:uFill>
                 <a:latin typeface="Franklin Gothic Medium"/>
               </a:rPr>
-              <a:t> di </a:t>
+              <a:t> dal set di </a:t>
             </a:r>
             <a:r>
               <a:rPr lang="en-US" sz="2800" spc="-1" dirty="0" err="1" smtClean="0">
@@ -15843,7 +18766,7 @@
                 </a:uFill>
                 <a:latin typeface="Franklin Gothic Medium"/>
               </a:rPr>
-              <a:t>valutazione</a:t>
+              <a:t>documenti</a:t>
             </a:r>
             <a:r>
               <a:rPr lang="en-US" sz="2800" spc="-1" dirty="0" smtClean="0">
@@ -15857,6 +18780,34 @@
                 </a:uFill>
                 <a:latin typeface="Franklin Gothic Medium"/>
               </a:rPr>
+              <a:t> è </a:t>
+            </a:r>
+            <a:r>
+              <a:rPr lang="en-US" sz="2800" spc="-1" dirty="0" err="1" smtClean="0">
+                <a:solidFill>
+                  <a:srgbClr val="404040"/>
+                </a:solidFill>
+                <a:uFill>
+                  <a:solidFill>
+                    <a:srgbClr val="FFFFFF"/>
+                  </a:solidFill>
+                </a:uFill>
+                <a:latin typeface="Franklin Gothic Medium"/>
+              </a:rPr>
+              <a:t>possibili</a:t>
+            </a:r>
+            <a:r>
+              <a:rPr lang="en-US" sz="2800" spc="-1" dirty="0" smtClean="0">
+                <a:solidFill>
+                  <a:srgbClr val="404040"/>
+                </a:solidFill>
+                <a:uFill>
+                  <a:solidFill>
+                    <a:srgbClr val="FFFFFF"/>
+                  </a:solidFill>
+                </a:uFill>
+                <a:latin typeface="Franklin Gothic Medium"/>
+              </a:rPr>
               <a:t> </a:t>
             </a:r>
             <a:r>
@@ -15871,6 +18822,34 @@
                 </a:uFill>
                 <a:latin typeface="Franklin Gothic Medium"/>
               </a:rPr>
+              <a:t>eseguire</a:t>
+            </a:r>
+            <a:r>
+              <a:rPr lang="en-US" sz="2800" spc="-1" dirty="0" smtClean="0">
+                <a:solidFill>
+                  <a:srgbClr val="404040"/>
+                </a:solidFill>
+                <a:uFill>
+                  <a:solidFill>
+                    <a:srgbClr val="FFFFFF"/>
+                  </a:solidFill>
+                </a:uFill>
+                <a:latin typeface="Franklin Gothic Medium"/>
+              </a:rPr>
+              <a:t> </a:t>
+            </a:r>
+            <a:r>
+              <a:rPr lang="en-US" sz="2800" spc="-1" dirty="0" err="1" smtClean="0">
+                <a:solidFill>
+                  <a:srgbClr val="404040"/>
+                </a:solidFill>
+                <a:uFill>
+                  <a:solidFill>
+                    <a:srgbClr val="FFFFFF"/>
+                  </a:solidFill>
+                </a:uFill>
+                <a:latin typeface="Franklin Gothic Medium"/>
+              </a:rPr>
               <a:t>dei</a:t>
             </a:r>
             <a:r>
@@ -15885,119 +18864,7 @@
                 </a:uFill>
                 <a:latin typeface="Franklin Gothic Medium"/>
               </a:rPr>
-              <a:t> </a:t>
-            </a:r>
-            <a:r>
-              <a:rPr lang="en-US" sz="2800" spc="-1" dirty="0" err="1" smtClean="0">
-                <a:solidFill>
-                  <a:srgbClr val="404040"/>
-                </a:solidFill>
-                <a:uFill>
-                  <a:solidFill>
-                    <a:srgbClr val="FFFFFF"/>
-                  </a:solidFill>
-                </a:uFill>
-                <a:latin typeface="Franklin Gothic Medium"/>
-              </a:rPr>
-              <a:t>modelli</a:t>
-            </a:r>
-            <a:r>
-              <a:rPr lang="en-US" sz="2800" spc="-1" dirty="0" smtClean="0">
-                <a:solidFill>
-                  <a:srgbClr val="404040"/>
-                </a:solidFill>
-                <a:uFill>
-                  <a:solidFill>
-                    <a:srgbClr val="FFFFFF"/>
-                  </a:solidFill>
-                </a:uFill>
-                <a:latin typeface="Franklin Gothic Medium"/>
-              </a:rPr>
-              <a:t> </a:t>
-            </a:r>
-            <a:r>
-              <a:rPr lang="en-US" sz="2800" spc="-1" dirty="0" err="1" smtClean="0">
-                <a:solidFill>
-                  <a:srgbClr val="404040"/>
-                </a:solidFill>
-                <a:uFill>
-                  <a:solidFill>
-                    <a:srgbClr val="FFFFFF"/>
-                  </a:solidFill>
-                </a:uFill>
-                <a:latin typeface="Franklin Gothic Medium"/>
-              </a:rPr>
-              <a:t>possono</a:t>
-            </a:r>
-            <a:r>
-              <a:rPr lang="en-US" sz="2800" spc="-1" dirty="0" smtClean="0">
-                <a:solidFill>
-                  <a:srgbClr val="404040"/>
-                </a:solidFill>
-                <a:uFill>
-                  <a:solidFill>
-                    <a:srgbClr val="FFFFFF"/>
-                  </a:solidFill>
-                </a:uFill>
-                <a:latin typeface="Franklin Gothic Medium"/>
-              </a:rPr>
-              <a:t> </a:t>
-            </a:r>
-            <a:r>
-              <a:rPr lang="en-US" sz="2800" spc="-1" dirty="0" err="1" smtClean="0">
-                <a:solidFill>
-                  <a:srgbClr val="404040"/>
-                </a:solidFill>
-                <a:uFill>
-                  <a:solidFill>
-                    <a:srgbClr val="FFFFFF"/>
-                  </a:solidFill>
-                </a:uFill>
-                <a:latin typeface="Franklin Gothic Medium"/>
-              </a:rPr>
-              <a:t>basarsi</a:t>
-            </a:r>
-            <a:r>
-              <a:rPr lang="en-US" sz="2800" spc="-1" dirty="0" smtClean="0">
-                <a:solidFill>
-                  <a:srgbClr val="404040"/>
-                </a:solidFill>
-                <a:uFill>
-                  <a:solidFill>
-                    <a:srgbClr val="FFFFFF"/>
-                  </a:solidFill>
-                </a:uFill>
-                <a:latin typeface="Franklin Gothic Medium"/>
-              </a:rPr>
-              <a:t> </a:t>
-            </a:r>
-            <a:r>
-              <a:rPr lang="en-US" sz="2800" spc="-1" dirty="0" err="1" smtClean="0">
-                <a:solidFill>
-                  <a:srgbClr val="404040"/>
-                </a:solidFill>
-                <a:uFill>
-                  <a:solidFill>
-                    <a:srgbClr val="FFFFFF"/>
-                  </a:solidFill>
-                </a:uFill>
-                <a:latin typeface="Franklin Gothic Medium"/>
-              </a:rPr>
-              <a:t>su</a:t>
-            </a:r>
-            <a:r>
-              <a:rPr lang="en-US" sz="2800" spc="-1" dirty="0" smtClean="0">
-                <a:solidFill>
-                  <a:srgbClr val="404040"/>
-                </a:solidFill>
-                <a:uFill>
-                  <a:solidFill>
-                    <a:srgbClr val="FFFFFF"/>
-                  </a:solidFill>
-                </a:uFill>
-                <a:latin typeface="Franklin Gothic Medium"/>
-              </a:rPr>
-              <a:t>:</a:t>
+              <a:t> benchmark per:</a:t>
             </a:r>
           </a:p>
           <a:p>
@@ -16017,7 +18884,7 @@
                 </a:uFill>
                 <a:latin typeface="Franklin Gothic Medium"/>
               </a:rPr>
-              <a:t>velocità</a:t>
+              <a:t>Valutare</a:t>
             </a:r>
             <a:r>
               <a:rPr lang="en-US" sz="2800" spc="-1" dirty="0" smtClean="0">
@@ -16031,7 +18898,7 @@
                 </a:uFill>
                 <a:latin typeface="Franklin Gothic Medium"/>
               </a:rPr>
-              <a:t> di </a:t>
+              <a:t> le </a:t>
             </a:r>
             <a:r>
               <a:rPr lang="en-US" sz="2800" spc="-1" dirty="0" err="1" smtClean="0">
@@ -16045,7 +18912,35 @@
                 </a:uFill>
                 <a:latin typeface="Franklin Gothic Medium"/>
               </a:rPr>
-              <a:t>creazione</a:t>
+              <a:t>pe</a:t>
+            </a:r>
+            <a:r>
+              <a:rPr lang="en-US" sz="2800" spc="-1" dirty="0" err="1">
+                <a:solidFill>
+                  <a:srgbClr val="404040"/>
+                </a:solidFill>
+                <a:uFill>
+                  <a:solidFill>
+                    <a:srgbClr val="FFFFFF"/>
+                  </a:solidFill>
+                </a:uFill>
+                <a:latin typeface="Franklin Gothic Medium"/>
+              </a:rPr>
+              <a:t>rfo</a:t>
+            </a:r>
+            <a:r>
+              <a:rPr lang="en-US" sz="2800" spc="-1" dirty="0" err="1" smtClean="0">
+                <a:solidFill>
+                  <a:srgbClr val="404040"/>
+                </a:solidFill>
+                <a:uFill>
+                  <a:solidFill>
+                    <a:srgbClr val="FFFFFF"/>
+                  </a:solidFill>
+                </a:uFill>
+                <a:latin typeface="Franklin Gothic Medium"/>
+              </a:rPr>
+              <a:t>mance</a:t>
             </a:r>
             <a:r>
               <a:rPr lang="en-US" sz="2800" spc="-1" dirty="0" smtClean="0">
@@ -16059,7 +18954,7 @@
                 </a:uFill>
                 <a:latin typeface="Franklin Gothic Medium"/>
               </a:rPr>
-              <a:t> </a:t>
+              <a:t> di un </a:t>
             </a:r>
             <a:r>
               <a:rPr lang="en-US" sz="2800" spc="-1" dirty="0" err="1" smtClean="0">
@@ -16073,7 +18968,7 @@
                 </a:uFill>
                 <a:latin typeface="Franklin Gothic Medium"/>
               </a:rPr>
-              <a:t>dell’indice</a:t>
+              <a:t>modello</a:t>
             </a:r>
             <a:endParaRPr lang="en-US" sz="2800" spc="-1" dirty="0" smtClean="0">
               <a:solidFill>
@@ -16104,7 +18999,7 @@
                 </a:uFill>
                 <a:latin typeface="Franklin Gothic Medium"/>
               </a:rPr>
-              <a:t>velocità</a:t>
+              <a:t>Confrontare</a:t>
             </a:r>
             <a:r>
               <a:rPr lang="en-US" sz="2800" spc="-1" dirty="0" smtClean="0">
@@ -16118,7 +19013,7 @@
                 </a:uFill>
                 <a:latin typeface="Franklin Gothic Medium"/>
               </a:rPr>
-              <a:t> di </a:t>
+              <a:t> i </a:t>
             </a:r>
             <a:r>
               <a:rPr lang="en-US" sz="2800" spc="-1" dirty="0" err="1" smtClean="0">
@@ -16132,7 +19027,91 @@
                 </a:uFill>
                 <a:latin typeface="Franklin Gothic Medium"/>
               </a:rPr>
-              <a:t>ricerca</a:t>
+              <a:t>risultati</a:t>
+            </a:r>
+            <a:r>
+              <a:rPr lang="en-US" sz="2800" spc="-1" dirty="0" smtClean="0">
+                <a:solidFill>
+                  <a:srgbClr val="404040"/>
+                </a:solidFill>
+                <a:uFill>
+                  <a:solidFill>
+                    <a:srgbClr val="FFFFFF"/>
+                  </a:solidFill>
+                </a:uFill>
+                <a:latin typeface="Franklin Gothic Medium"/>
+              </a:rPr>
+              <a:t> </a:t>
+            </a:r>
+            <a:r>
+              <a:rPr lang="en-US" sz="2800" spc="-1" dirty="0" err="1" smtClean="0">
+                <a:solidFill>
+                  <a:srgbClr val="404040"/>
+                </a:solidFill>
+                <a:uFill>
+                  <a:solidFill>
+                    <a:srgbClr val="FFFFFF"/>
+                  </a:solidFill>
+                </a:uFill>
+                <a:latin typeface="Franklin Gothic Medium"/>
+              </a:rPr>
+              <a:t>proposti</a:t>
+            </a:r>
+            <a:r>
+              <a:rPr lang="en-US" sz="2800" spc="-1" dirty="0" smtClean="0">
+                <a:solidFill>
+                  <a:srgbClr val="404040"/>
+                </a:solidFill>
+                <a:uFill>
+                  <a:solidFill>
+                    <a:srgbClr val="FFFFFF"/>
+                  </a:solidFill>
+                </a:uFill>
+                <a:latin typeface="Franklin Gothic Medium"/>
+              </a:rPr>
+              <a:t> da due </a:t>
+            </a:r>
+            <a:r>
+              <a:rPr lang="en-US" sz="2800" spc="-1" dirty="0" err="1" smtClean="0">
+                <a:solidFill>
+                  <a:srgbClr val="404040"/>
+                </a:solidFill>
+                <a:uFill>
+                  <a:solidFill>
+                    <a:srgbClr val="FFFFFF"/>
+                  </a:solidFill>
+                </a:uFill>
+                <a:latin typeface="Franklin Gothic Medium"/>
+              </a:rPr>
+              <a:t>modelli</a:t>
+            </a:r>
+            <a:r>
+              <a:rPr lang="en-US" sz="2800" spc="-1" dirty="0" smtClean="0">
+                <a:solidFill>
+                  <a:srgbClr val="404040"/>
+                </a:solidFill>
+                <a:uFill>
+                  <a:solidFill>
+                    <a:srgbClr val="FFFFFF"/>
+                  </a:solidFill>
+                </a:uFill>
+                <a:latin typeface="Franklin Gothic Medium"/>
+              </a:rPr>
+              <a:t> </a:t>
+            </a:r>
+            <a:r>
+              <a:rPr lang="en-US" sz="2800" spc="-1" dirty="0" err="1" smtClean="0">
+                <a:solidFill>
+                  <a:srgbClr val="404040"/>
+                </a:solidFill>
+                <a:uFill>
+                  <a:solidFill>
+                    <a:srgbClr val="FFFFFF"/>
+                  </a:solidFill>
+                </a:uFill>
+                <a:latin typeface="Franklin Gothic Medium"/>
+              </a:rPr>
+              <a:t>diversi</a:t>
             </a:r>
             <a:endParaRPr lang="en-US" sz="2800" spc="-1" dirty="0" smtClean="0">
               <a:solidFill>
@@ -16145,68 +19124,6 @@
               </a:uFill>
               <a:latin typeface="Franklin Gothic Medium"/>
             </a:endParaRPr>
-          </a:p>
-          <a:p>
-            <a:pPr marL="914400" lvl="1" indent="-457200">
-              <a:buFont typeface="Wingdings" panose="05000000000000000000" pitchFamily="2" charset="2"/>
-              <a:buChar char="§"/>
-            </a:pPr>
-            <a:r>
-              <a:rPr lang="en-US" sz="2800" spc="-1" dirty="0" err="1" smtClean="0">
-                <a:solidFill>
-                  <a:srgbClr val="404040"/>
-                </a:solidFill>
-                <a:uFill>
-                  <a:solidFill>
-                    <a:srgbClr val="FFFFFF"/>
-                  </a:solidFill>
-                </a:uFill>
-                <a:latin typeface="Franklin Gothic Medium"/>
-              </a:rPr>
-              <a:t>espressività</a:t>
-            </a:r>
-            <a:r>
-              <a:rPr lang="en-US" sz="2800" spc="-1" dirty="0" smtClean="0">
-                <a:solidFill>
-                  <a:srgbClr val="404040"/>
-                </a:solidFill>
-                <a:uFill>
-                  <a:solidFill>
-                    <a:srgbClr val="FFFFFF"/>
-                  </a:solidFill>
-                </a:uFill>
-                <a:latin typeface="Franklin Gothic Medium"/>
-              </a:rPr>
-              <a:t> del </a:t>
-            </a:r>
-            <a:r>
-              <a:rPr lang="en-US" sz="2800" spc="-1" dirty="0" err="1" smtClean="0">
-                <a:solidFill>
-                  <a:srgbClr val="404040"/>
-                </a:solidFill>
-                <a:uFill>
-                  <a:solidFill>
-                    <a:srgbClr val="FFFFFF"/>
-                  </a:solidFill>
-                </a:uFill>
-                <a:latin typeface="Franklin Gothic Medium"/>
-              </a:rPr>
-              <a:t>linguaggio</a:t>
-            </a:r>
-            <a:r>
-              <a:rPr lang="en-US" sz="2800" spc="-1" dirty="0" smtClean="0">
-                <a:solidFill>
-                  <a:srgbClr val="404040"/>
-                </a:solidFill>
-                <a:uFill>
-                  <a:solidFill>
-                    <a:srgbClr val="FFFFFF"/>
-                  </a:solidFill>
-                </a:uFill>
-                <a:latin typeface="Franklin Gothic Medium"/>
-              </a:rPr>
-              <a:t> di query</a:t>
-            </a:r>
           </a:p>
           <a:p>
             <a:pPr marL="457200" indent="-457200">
@@ -16270,7 +19187,7 @@
                 </a:uFill>
                 <a:latin typeface="Franklin Gothic Medium"/>
               </a:rPr>
-              <a:t>introdotte</a:t>
+              <a:t>utilizzate</a:t>
             </a:r>
             <a:r>
               <a:rPr lang="en-US" sz="2800" spc="-1" dirty="0" smtClean="0">
@@ -16286,6 +19203,17 @@
               </a:rPr>
               <a:t>:</a:t>
             </a:r>
+            <a:endParaRPr lang="en-US" sz="2800" spc="-1" dirty="0" smtClean="0">
+              <a:solidFill>
+                <a:srgbClr val="404040"/>
+              </a:solidFill>
+              <a:uFill>
+                <a:solidFill>
+                  <a:srgbClr val="FFFFFF"/>
+                </a:solidFill>
+              </a:uFill>
+              <a:latin typeface="Franklin Gothic Medium"/>
+            </a:endParaRPr>
           </a:p>
           <a:p>
             <a:pPr marL="914400" lvl="1" indent="-457200">
@@ -16304,8 +19232,19 @@
                 </a:uFill>
                 <a:latin typeface="Franklin Gothic Medium"/>
               </a:rPr>
-              <a:t>happiness</a:t>
-            </a:r>
+              <a:t>Precision-Recall</a:t>
+            </a:r>
+            <a:endParaRPr lang="en-US" sz="2800" spc="-1" dirty="0" smtClean="0">
+              <a:solidFill>
+                <a:srgbClr val="404040"/>
+              </a:solidFill>
+              <a:uFill>
+                <a:solidFill>
+                  <a:srgbClr val="FFFFFF"/>
+                </a:solidFill>
+              </a:uFill>
+              <a:latin typeface="Franklin Gothic Medium"/>
+            </a:endParaRPr>
           </a:p>
           <a:p>
             <a:pPr marL="914400" lvl="1" indent="-457200">
@@ -16313,37 +19252,6 @@
               <a:buChar char="§"/>
             </a:pPr>
             <a:r>
-              <a:rPr lang="en-US" sz="2800" spc="-1" dirty="0" err="1" smtClean="0">
-                <a:solidFill>
-                  <a:srgbClr val="404040"/>
-                </a:solidFill>
-                <a:uFill>
-                  <a:solidFill>
-                    <a:srgbClr val="FFFFFF"/>
-                  </a:solidFill>
-                </a:uFill>
-                <a:latin typeface="Franklin Gothic Medium"/>
-              </a:rPr>
-              <a:t>efficacia</a:t>
-            </a:r>
-            <a:endParaRPr lang="en-US" sz="2800" spc="-1" dirty="0">
-              <a:solidFill>
-                <a:srgbClr val="404040"/>
-              </a:solidFill>
-              <a:uFill>
-                <a:solidFill>
-                  <a:srgbClr val="FFFFFF"/>
-                </a:solidFill>
-              </a:uFill>
-              <a:latin typeface="Franklin Gothic Medium"/>
-            </a:endParaRPr>
-          </a:p>
-          <a:p>
-            <a:pPr marL="914400" lvl="1" indent="-457200">
-              <a:buFont typeface="Wingdings" panose="05000000000000000000" pitchFamily="2" charset="2"/>
-              <a:buChar char="§"/>
-            </a:pPr>
-            <a:r>
               <a:rPr lang="en-US" sz="2800" spc="-1" dirty="0" smtClean="0">
                 <a:solidFill>
                   <a:srgbClr val="404040"/>
@@ -16355,41 +19263,7 @@
                 </a:uFill>
                 <a:latin typeface="Franklin Gothic Medium"/>
               </a:rPr>
-              <a:t>Preci</a:t>
-            </a:r>
-            <a:r>
-              <a:rPr lang="en-US" sz="2800" spc="-1" dirty="0" smtClean="0">
-                <a:solidFill>
-                  <a:srgbClr val="404040"/>
-                </a:solidFill>
-                <a:uFill>
-                  <a:solidFill>
-                    <a:srgbClr val="FFFFFF"/>
-                  </a:solidFill>
-                </a:uFill>
-                <a:latin typeface="Franklin Gothic Medium"/>
-              </a:rPr>
-              <a:t>sion-Recall</a:t>
-            </a:r>
-          </a:p>
-          <a:p>
-            <a:pPr marL="914400" lvl="1" indent="-457200">
-              <a:buFont typeface="Wingdings" panose="05000000000000000000" pitchFamily="2" charset="2"/>
-              <a:buChar char="§"/>
-            </a:pPr>
-            <a:r>
-              <a:rPr lang="en-US" sz="2800" spc="-1" dirty="0" err="1" smtClean="0">
-                <a:solidFill>
-                  <a:srgbClr val="404040"/>
-                </a:solidFill>
-                <a:uFill>
-                  <a:solidFill>
-                    <a:srgbClr val="FFFFFF"/>
-                  </a:solidFill>
-                </a:uFill>
-                <a:latin typeface="Franklin Gothic Medium"/>
-              </a:rPr>
-              <a:t>Rrecision</a:t>
+              <a:t>R-Precision</a:t>
             </a:r>
             <a:endParaRPr lang="en-US" sz="2800" spc="-1" dirty="0" smtClean="0">
               <a:solidFill>
@@ -16655,32 +19529,18 @@
               <a:t> un </a:t>
             </a:r>
             <a:r>
-              <a:rPr lang="en-US" sz="2800" spc="-1" dirty="0" err="1">
-                <a:solidFill>
-                  <a:srgbClr val="404040"/>
-                </a:solidFill>
-                <a:uFill>
-                  <a:solidFill>
-                    <a:srgbClr val="FFFFFF"/>
-                  </a:solidFill>
-                </a:uFill>
-                <a:latin typeface="Franklin Gothic Medium"/>
-              </a:rPr>
-              <a:t>paragone</a:t>
-            </a:r>
-            <a:r>
-              <a:rPr lang="en-US" sz="2800" spc="-1" dirty="0">
-                <a:solidFill>
-                  <a:srgbClr val="404040"/>
-                </a:solidFill>
-                <a:uFill>
-                  <a:solidFill>
-                    <a:srgbClr val="FFFFFF"/>
-                  </a:solidFill>
-                </a:uFill>
-                <a:latin typeface="Franklin Gothic Medium"/>
-              </a:rPr>
-              <a:t> di </a:t>
+              <a:rPr lang="en-US" sz="2800" spc="-1" dirty="0" err="1" smtClean="0">
+                <a:solidFill>
+                  <a:srgbClr val="404040"/>
+                </a:solidFill>
+                <a:uFill>
+                  <a:solidFill>
+                    <a:srgbClr val="FFFFFF"/>
+                  </a:solidFill>
+                </a:uFill>
+                <a:latin typeface="Franklin Gothic Medium"/>
+              </a:rPr>
+              <a:t>confrontro</a:t>
             </a:r>
             <a:r>
               <a:rPr lang="en-US" sz="2800" spc="-1" dirty="0" smtClean="0">
@@ -16694,9 +19554,65 @@
                 </a:uFill>
                 <a:latin typeface="Franklin Gothic Medium"/>
               </a:rPr>
+              <a:t> </a:t>
+            </a:r>
+            <a:r>
+              <a:rPr lang="en-US" sz="2800" spc="-1" dirty="0" err="1" smtClean="0">
+                <a:solidFill>
+                  <a:srgbClr val="404040"/>
+                </a:solidFill>
+                <a:uFill>
+                  <a:solidFill>
+                    <a:srgbClr val="FFFFFF"/>
+                  </a:solidFill>
+                </a:uFill>
+                <a:latin typeface="Franklin Gothic Medium"/>
+              </a:rPr>
+              <a:t>tra</a:t>
+            </a:r>
+            <a:r>
+              <a:rPr lang="en-US" sz="2800" spc="-1" dirty="0" smtClean="0">
+                <a:solidFill>
+                  <a:srgbClr val="404040"/>
+                </a:solidFill>
+                <a:uFill>
+                  <a:solidFill>
+                    <a:srgbClr val="FFFFFF"/>
+                  </a:solidFill>
+                </a:uFill>
+                <a:latin typeface="Franklin Gothic Medium"/>
+              </a:rPr>
+              <a:t> la </a:t>
+            </a:r>
+            <a:r>
+              <a:rPr lang="en-US" sz="2800" spc="-1" dirty="0" smtClean="0">
+                <a:solidFill>
+                  <a:srgbClr val="404040"/>
+                </a:solidFill>
+                <a:uFill>
+                  <a:solidFill>
+                    <a:srgbClr val="FFFFFF"/>
+                  </a:solidFill>
+                </a:uFill>
+                <a:latin typeface="Franklin Gothic Medium"/>
+              </a:rPr>
               <a:t>precision-recall </a:t>
             </a:r>
             <a:r>
+              <a:rPr lang="en-US" sz="2800" spc="-1" dirty="0" smtClean="0">
+                <a:solidFill>
+                  <a:srgbClr val="404040"/>
+                </a:solidFill>
+                <a:uFill>
+                  <a:solidFill>
+                    <a:srgbClr val="FFFFFF"/>
+                  </a:solidFill>
+                </a:uFill>
+                <a:latin typeface="Franklin Gothic Medium"/>
+              </a:rPr>
+              <a:t>di </a:t>
+            </a:r>
+            <a:r>
               <a:rPr lang="en-US" sz="2800" spc="-1" dirty="0" err="1" smtClean="0">
                 <a:solidFill>
                   <a:srgbClr val="404040"/>
@@ -16708,7 +19624,7 @@
                 </a:uFill>
                 <a:latin typeface="Franklin Gothic Medium"/>
               </a:rPr>
-              <a:t>fra</a:t>
+              <a:t>diversi</a:t>
             </a:r>
             <a:r>
               <a:rPr lang="en-US" sz="2800" spc="-1" dirty="0" smtClean="0">
@@ -16736,34 +19652,6 @@
                 </a:uFill>
                 <a:latin typeface="Franklin Gothic Medium"/>
               </a:rPr>
-              <a:t>diversi</a:t>
-            </a:r>
-            <a:r>
-              <a:rPr lang="en-US" sz="2800" spc="-1" dirty="0">
-                <a:solidFill>
-                  <a:srgbClr val="404040"/>
-                </a:solidFill>
-                <a:uFill>
-                  <a:solidFill>
-                    <a:srgbClr val="FFFFFF"/>
-                  </a:solidFill>
-                </a:uFill>
-                <a:latin typeface="Franklin Gothic Medium"/>
-              </a:rPr>
-              <a:t> </a:t>
-            </a:r>
-            <a:r>
-              <a:rPr lang="en-US" sz="2800" spc="-1" dirty="0" err="1" smtClean="0">
-                <a:solidFill>
-                  <a:srgbClr val="404040"/>
-                </a:solidFill>
-                <a:uFill>
-                  <a:solidFill>
-                    <a:srgbClr val="FFFFFF"/>
-                  </a:solidFill>
-                </a:uFill>
-                <a:latin typeface="Franklin Gothic Medium"/>
-              </a:rPr>
               <a:t>modelli</a:t>
             </a:r>
             <a:r>
@@ -16782,10 +19670,27 @@
             </a:r>
           </a:p>
           <a:p>
-            <a:pPr marL="914400" lvl="1" indent="-457200">
+            <a:pPr marL="457200" indent="-457200">
               <a:buFont typeface="Wingdings" panose="05000000000000000000" pitchFamily="2" charset="2"/>
               <a:buChar char="§"/>
             </a:pPr>
+            <a:endParaRPr lang="en-US" sz="2800" spc="-1" dirty="0" smtClean="0">
+              <a:solidFill>
+                <a:srgbClr val="404040"/>
+              </a:solidFill>
+              <a:uFill>
+                <a:solidFill>
+                  <a:srgbClr val="FFFFFF"/>
+                </a:solidFill>
+              </a:uFill>
+              <a:latin typeface="Franklin Gothic Medium"/>
+            </a:endParaRPr>
+          </a:p>
+          <a:p>
+            <a:pPr marL="457200" indent="-457200">
+              <a:buFont typeface="Wingdings" panose="05000000000000000000" pitchFamily="2" charset="2"/>
+              <a:buChar char="§"/>
+            </a:pPr>
             <a:r>
               <a:rPr lang="en-US" sz="2800" spc="-1" dirty="0" smtClean="0">
                 <a:solidFill>
@@ -16798,21 +19703,7 @@
                 </a:uFill>
                 <a:latin typeface="Franklin Gothic Medium"/>
               </a:rPr>
-              <a:t>query </a:t>
-            </a:r>
-            <a:r>
-              <a:rPr lang="en-US" sz="2800" spc="-1" dirty="0" err="1" smtClean="0">
-                <a:solidFill>
-                  <a:srgbClr val="404040"/>
-                </a:solidFill>
-                <a:uFill>
-                  <a:solidFill>
-                    <a:srgbClr val="FFFFFF"/>
-                  </a:solidFill>
-                </a:uFill>
-                <a:latin typeface="Franklin Gothic Medium"/>
-              </a:rPr>
-              <a:t>posta</a:t>
+              <a:t>Query: </a:t>
             </a:r>
             <a:r>
               <a:rPr lang="en-US" sz="2800" spc="-1" dirty="0" smtClean="0">
@@ -16826,7 +19717,7 @@
                 </a:uFill>
                 <a:latin typeface="Franklin Gothic Medium"/>
               </a:rPr>
-              <a:t>: “21-year-old </a:t>
+              <a:t>“21-year-old </a:t>
             </a:r>
             <a:r>
               <a:rPr lang="en-US" sz="2800" spc="-1" dirty="0">
@@ -16946,25 +19837,17 @@
       </p:grpSpPr>
       <p:sp>
         <p:nvSpPr>
-          <p:cNvPr id="100" name="TextShape 1"/>
-          <p:cNvSpPr txBox="1"/>
-          <p:nvPr/>
+          <p:cNvPr id="2" name="Title 1"/>
+          <p:cNvSpPr>
+            <a:spLocks noGrp="1"/>
+          </p:cNvSpPr>
+          <p:nvPr>
+            <p:ph type="title"/>
+          </p:nvPr>
         </p:nvSpPr>
-        <p:spPr>
-          <a:xfrm>
-            <a:off x="479520" y="0"/>
-            <a:ext cx="11568240" cy="1268280"/>
-          </a:xfrm>
-          <a:prstGeom prst="rect">
-            <a:avLst/>
-          </a:prstGeom>
-          <a:noFill/>
-          <a:ln>
-            <a:noFill/>
-          </a:ln>
-        </p:spPr>
+        <p:spPr/>
         <p:txBody>
-          <a:bodyPr anchor="ctr"/>
+          <a:bodyPr/>
           <a:lstStyle/>
           <a:p>
             <a:r>
@@ -16979,25 +19862,15 @@
                 </a:uFill>
                 <a:latin typeface="Franklin Gothic Medium"/>
               </a:rPr>
-              <a:t>BM25 F</a:t>
-            </a:r>
-            <a:endParaRPr lang="en-US" sz="3600" spc="-1" dirty="0">
-              <a:solidFill>
-                <a:srgbClr val="FFFFFF"/>
-              </a:solidFill>
-              <a:uFill>
-                <a:solidFill>
-                  <a:srgbClr val="FFFFFF"/>
-                </a:solidFill>
-              </a:uFill>
-              <a:latin typeface="Franklin Gothic Medium"/>
-            </a:endParaRPr>
+              <a:t>Query parsing</a:t>
+            </a:r>
+            <a:endParaRPr lang="it-IT" dirty="0"/>
           </a:p>
         </p:txBody>
       </p:sp>
       <p:sp>
         <p:nvSpPr>
-          <p:cNvPr id="101" name="TextShape 2"/>
+          <p:cNvPr id="5" name="TextShape 2"/>
           <p:cNvSpPr txBox="1"/>
           <p:nvPr/>
         </p:nvSpPr>
@@ -17018,6 +19891,324 @@
           <a:bodyPr/>
           <a:lstStyle/>
           <a:p>
+            <a:pPr marL="457200" indent="-457200">
+              <a:buFont typeface="Wingdings" panose="05000000000000000000" pitchFamily="2" charset="2"/>
+              <a:buChar char="§"/>
+            </a:pPr>
+            <a:r>
+              <a:rPr lang="en-US" sz="2800" spc="-1" dirty="0" err="1" smtClean="0">
+                <a:solidFill>
+                  <a:srgbClr val="404040"/>
+                </a:solidFill>
+                <a:uFill>
+                  <a:solidFill>
+                    <a:srgbClr val="FFFFFF"/>
+                  </a:solidFill>
+                </a:uFill>
+                <a:latin typeface="Franklin Gothic Medium"/>
+              </a:rPr>
+              <a:t>Essendo</a:t>
+            </a:r>
+            <a:r>
+              <a:rPr lang="en-US" sz="2800" spc="-1" dirty="0" smtClean="0">
+                <a:solidFill>
+                  <a:srgbClr val="404040"/>
+                </a:solidFill>
+                <a:uFill>
+                  <a:solidFill>
+                    <a:srgbClr val="FFFFFF"/>
+                  </a:solidFill>
+                </a:uFill>
+                <a:latin typeface="Franklin Gothic Medium"/>
+              </a:rPr>
+              <a:t> le query del benchmark </a:t>
+            </a:r>
+            <a:r>
+              <a:rPr lang="en-US" sz="2800" spc="-1" dirty="0" err="1" smtClean="0">
+                <a:solidFill>
+                  <a:srgbClr val="404040"/>
+                </a:solidFill>
+                <a:uFill>
+                  <a:solidFill>
+                    <a:srgbClr val="FFFFFF"/>
+                  </a:solidFill>
+                </a:uFill>
+                <a:latin typeface="Franklin Gothic Medium"/>
+              </a:rPr>
+              <a:t>espresse</a:t>
+            </a:r>
+            <a:r>
+              <a:rPr lang="en-US" sz="2800" spc="-1" dirty="0" smtClean="0">
+                <a:solidFill>
+                  <a:srgbClr val="404040"/>
+                </a:solidFill>
+                <a:uFill>
+                  <a:solidFill>
+                    <a:srgbClr val="FFFFFF"/>
+                  </a:solidFill>
+                </a:uFill>
+                <a:latin typeface="Franklin Gothic Medium"/>
+              </a:rPr>
+              <a:t> </a:t>
+            </a:r>
+            <a:r>
+              <a:rPr lang="en-US" sz="2800" spc="-1" dirty="0" smtClean="0">
+                <a:solidFill>
+                  <a:srgbClr val="404040"/>
+                </a:solidFill>
+                <a:uFill>
+                  <a:solidFill>
+                    <a:srgbClr val="FFFFFF"/>
+                  </a:solidFill>
+                </a:uFill>
+                <a:latin typeface="Franklin Gothic Medium"/>
+              </a:rPr>
+              <a:t>sotto forma di </a:t>
+            </a:r>
+            <a:r>
+              <a:rPr lang="en-US" sz="2800" spc="-1" dirty="0" err="1" smtClean="0">
+                <a:solidFill>
+                  <a:srgbClr val="404040"/>
+                </a:solidFill>
+                <a:uFill>
+                  <a:solidFill>
+                    <a:srgbClr val="FFFFFF"/>
+                  </a:solidFill>
+                </a:uFill>
+                <a:latin typeface="Franklin Gothic Medium"/>
+              </a:rPr>
+              <a:t>descrizione</a:t>
+            </a:r>
+            <a:r>
+              <a:rPr lang="en-US" sz="2800" spc="-1" dirty="0" smtClean="0">
+                <a:solidFill>
+                  <a:srgbClr val="404040"/>
+                </a:solidFill>
+                <a:uFill>
+                  <a:solidFill>
+                    <a:srgbClr val="FFFFFF"/>
+                  </a:solidFill>
+                </a:uFill>
+                <a:latin typeface="Franklin Gothic Medium"/>
+              </a:rPr>
+              <a:t> </a:t>
+            </a:r>
+            <a:r>
+              <a:rPr lang="en-US" sz="2800" spc="-1" dirty="0" err="1" smtClean="0">
+                <a:solidFill>
+                  <a:srgbClr val="404040"/>
+                </a:solidFill>
+                <a:uFill>
+                  <a:solidFill>
+                    <a:srgbClr val="FFFFFF"/>
+                  </a:solidFill>
+                </a:uFill>
+                <a:latin typeface="Franklin Gothic Medium"/>
+              </a:rPr>
+              <a:t>si</a:t>
+            </a:r>
+            <a:r>
+              <a:rPr lang="en-US" sz="2800" spc="-1" dirty="0">
+                <a:solidFill>
+                  <a:srgbClr val="404040"/>
+                </a:solidFill>
+                <a:uFill>
+                  <a:solidFill>
+                    <a:srgbClr val="FFFFFF"/>
+                  </a:solidFill>
+                </a:uFill>
+                <a:latin typeface="Franklin Gothic Medium"/>
+              </a:rPr>
+              <a:t> </a:t>
+            </a:r>
+            <a:r>
+              <a:rPr lang="en-US" sz="2800" spc="-1" dirty="0" smtClean="0">
+                <a:solidFill>
+                  <a:srgbClr val="404040"/>
+                </a:solidFill>
+                <a:uFill>
+                  <a:solidFill>
+                    <a:srgbClr val="FFFFFF"/>
+                  </a:solidFill>
+                </a:uFill>
+                <a:latin typeface="Franklin Gothic Medium"/>
+              </a:rPr>
+              <a:t>è </a:t>
+            </a:r>
+            <a:r>
+              <a:rPr lang="en-US" sz="2800" spc="-1" dirty="0" err="1" smtClean="0">
+                <a:solidFill>
+                  <a:srgbClr val="404040"/>
+                </a:solidFill>
+                <a:uFill>
+                  <a:solidFill>
+                    <a:srgbClr val="FFFFFF"/>
+                  </a:solidFill>
+                </a:uFill>
+                <a:latin typeface="Franklin Gothic Medium"/>
+              </a:rPr>
+              <a:t>preprocessato</a:t>
+            </a:r>
+            <a:r>
+              <a:rPr lang="en-US" sz="2800" spc="-1" dirty="0" smtClean="0">
+                <a:solidFill>
+                  <a:srgbClr val="404040"/>
+                </a:solidFill>
+                <a:uFill>
+                  <a:solidFill>
+                    <a:srgbClr val="FFFFFF"/>
+                  </a:solidFill>
+                </a:uFill>
+                <a:latin typeface="Franklin Gothic Medium"/>
+              </a:rPr>
+              <a:t> </a:t>
+            </a:r>
+            <a:r>
+              <a:rPr lang="en-US" sz="2800" spc="-1" dirty="0" err="1" smtClean="0">
+                <a:solidFill>
+                  <a:srgbClr val="404040"/>
+                </a:solidFill>
+                <a:uFill>
+                  <a:solidFill>
+                    <a:srgbClr val="FFFFFF"/>
+                  </a:solidFill>
+                </a:uFill>
+                <a:latin typeface="Franklin Gothic Medium"/>
+              </a:rPr>
+              <a:t>il</a:t>
+            </a:r>
+            <a:r>
+              <a:rPr lang="en-US" sz="2800" spc="-1" dirty="0" smtClean="0">
+                <a:solidFill>
+                  <a:srgbClr val="404040"/>
+                </a:solidFill>
+                <a:uFill>
+                  <a:solidFill>
+                    <a:srgbClr val="FFFFFF"/>
+                  </a:solidFill>
+                </a:uFill>
+                <a:latin typeface="Franklin Gothic Medium"/>
+              </a:rPr>
+              <a:t> </a:t>
+            </a:r>
+            <a:r>
+              <a:rPr lang="en-US" sz="2800" spc="-1" dirty="0" err="1" smtClean="0">
+                <a:solidFill>
+                  <a:srgbClr val="404040"/>
+                </a:solidFill>
+                <a:uFill>
+                  <a:solidFill>
+                    <a:srgbClr val="FFFFFF"/>
+                  </a:solidFill>
+                </a:uFill>
+                <a:latin typeface="Franklin Gothic Medium"/>
+              </a:rPr>
+              <a:t>testo</a:t>
+            </a:r>
+            <a:r>
+              <a:rPr lang="en-US" sz="2800" spc="-1" dirty="0" smtClean="0">
+                <a:solidFill>
+                  <a:srgbClr val="404040"/>
+                </a:solidFill>
+                <a:uFill>
+                  <a:solidFill>
+                    <a:srgbClr val="FFFFFF"/>
+                  </a:solidFill>
+                </a:uFill>
+                <a:latin typeface="Franklin Gothic Medium"/>
+              </a:rPr>
+              <a:t>:</a:t>
+            </a:r>
+          </a:p>
+          <a:p>
+            <a:pPr marL="914400" lvl="1" indent="-457200">
+              <a:buFont typeface="Wingdings" panose="05000000000000000000" pitchFamily="2" charset="2"/>
+              <a:buChar char="§"/>
+            </a:pPr>
+            <a:r>
+              <a:rPr lang="en-US" sz="2800" spc="-1" dirty="0" err="1" smtClean="0">
+                <a:solidFill>
+                  <a:srgbClr val="404040"/>
+                </a:solidFill>
+                <a:uFill>
+                  <a:solidFill>
+                    <a:srgbClr val="FFFFFF"/>
+                  </a:solidFill>
+                </a:uFill>
+                <a:latin typeface="Franklin Gothic Medium"/>
+              </a:rPr>
+              <a:t>Rimuovendo</a:t>
+            </a:r>
+            <a:r>
+              <a:rPr lang="en-US" sz="2800" spc="-1" dirty="0" smtClean="0">
+                <a:solidFill>
+                  <a:srgbClr val="404040"/>
+                </a:solidFill>
+                <a:uFill>
+                  <a:solidFill>
+                    <a:srgbClr val="FFFFFF"/>
+                  </a:solidFill>
+                </a:uFill>
+                <a:latin typeface="Franklin Gothic Medium"/>
+              </a:rPr>
+              <a:t> i </a:t>
+            </a:r>
+            <a:r>
+              <a:rPr lang="en-US" sz="2800" spc="-1" dirty="0" err="1" smtClean="0">
+                <a:solidFill>
+                  <a:srgbClr val="404040"/>
+                </a:solidFill>
+                <a:uFill>
+                  <a:solidFill>
+                    <a:srgbClr val="FFFFFF"/>
+                  </a:solidFill>
+                </a:uFill>
+                <a:latin typeface="Franklin Gothic Medium"/>
+              </a:rPr>
+              <a:t>segni</a:t>
+            </a:r>
+            <a:r>
+              <a:rPr lang="en-US" sz="2800" spc="-1" dirty="0" smtClean="0">
+                <a:solidFill>
+                  <a:srgbClr val="404040"/>
+                </a:solidFill>
+                <a:uFill>
+                  <a:solidFill>
+                    <a:srgbClr val="FFFFFF"/>
+                  </a:solidFill>
+                </a:uFill>
+                <a:latin typeface="Franklin Gothic Medium"/>
+              </a:rPr>
+              <a:t> </a:t>
+            </a:r>
+            <a:r>
+              <a:rPr lang="en-US" sz="2800" spc="-1" dirty="0">
+                <a:solidFill>
+                  <a:srgbClr val="404040"/>
+                </a:solidFill>
+                <a:uFill>
+                  <a:solidFill>
+                    <a:srgbClr val="FFFFFF"/>
+                  </a:solidFill>
+                </a:uFill>
+                <a:latin typeface="Franklin Gothic Medium"/>
+              </a:rPr>
+              <a:t>di </a:t>
+            </a:r>
+            <a:r>
+              <a:rPr lang="en-US" sz="2800" spc="-1" dirty="0" err="1" smtClean="0">
+                <a:solidFill>
+                  <a:srgbClr val="404040"/>
+                </a:solidFill>
+                <a:uFill>
+                  <a:solidFill>
+                    <a:srgbClr val="FFFFFF"/>
+                  </a:solidFill>
+                </a:uFill>
+                <a:latin typeface="Franklin Gothic Medium"/>
+              </a:rPr>
+              <a:t>punteggiatura</a:t>
+            </a:r>
             <a:endParaRPr lang="en-US" sz="2800" spc="-1" dirty="0" smtClean="0">
               <a:solidFill>
                 <a:srgbClr val="404040"/>
@@ -17030,78 +20221,501 @@
               <a:latin typeface="Franklin Gothic Medium"/>
             </a:endParaRPr>
           </a:p>
+          <a:p>
+            <a:pPr marL="914400" lvl="1" indent="-457200">
+              <a:buFont typeface="Wingdings" panose="05000000000000000000" pitchFamily="2" charset="2"/>
+              <a:buChar char="§"/>
+            </a:pPr>
+            <a:r>
+              <a:rPr lang="en-US" sz="2800" spc="-1" dirty="0" err="1">
+                <a:solidFill>
+                  <a:srgbClr val="404040"/>
+                </a:solidFill>
+                <a:uFill>
+                  <a:solidFill>
+                    <a:srgbClr val="FFFFFF"/>
+                  </a:solidFill>
+                </a:uFill>
+                <a:latin typeface="Franklin Gothic Medium"/>
+              </a:rPr>
+              <a:t>Rimuovendo</a:t>
+            </a:r>
+            <a:r>
+              <a:rPr lang="en-US" sz="2800" spc="-1" dirty="0">
+                <a:solidFill>
+                  <a:srgbClr val="404040"/>
+                </a:solidFill>
+                <a:uFill>
+                  <a:solidFill>
+                    <a:srgbClr val="FFFFFF"/>
+                  </a:solidFill>
+                </a:uFill>
+                <a:latin typeface="Franklin Gothic Medium"/>
+              </a:rPr>
+              <a:t> le </a:t>
+            </a:r>
+            <a:r>
+              <a:rPr lang="en-US" sz="2800" spc="-1" dirty="0" smtClean="0">
+                <a:solidFill>
+                  <a:srgbClr val="404040"/>
+                </a:solidFill>
+                <a:uFill>
+                  <a:solidFill>
+                    <a:srgbClr val="FFFFFF"/>
+                  </a:solidFill>
+                </a:uFill>
+                <a:latin typeface="Franklin Gothic Medium"/>
+              </a:rPr>
+              <a:t>stop-word</a:t>
+            </a:r>
+          </a:p>
+          <a:p>
+            <a:pPr marL="914400" lvl="1" indent="-457200">
+              <a:buFont typeface="Wingdings" panose="05000000000000000000" pitchFamily="2" charset="2"/>
+              <a:buChar char="§"/>
+            </a:pPr>
+            <a:r>
+              <a:rPr lang="en-US" sz="2800" spc="-1" dirty="0" smtClean="0">
+                <a:solidFill>
+                  <a:srgbClr val="404040"/>
+                </a:solidFill>
+                <a:uFill>
+                  <a:solidFill>
+                    <a:srgbClr val="FFFFFF"/>
+                  </a:solidFill>
+                </a:uFill>
+                <a:latin typeface="Franklin Gothic Medium"/>
+              </a:rPr>
+              <a:t>Stemming </a:t>
+            </a:r>
+            <a:r>
+              <a:rPr lang="en-US" sz="2800" spc="-1" dirty="0" err="1" smtClean="0">
+                <a:solidFill>
+                  <a:srgbClr val="404040"/>
+                </a:solidFill>
+                <a:uFill>
+                  <a:solidFill>
+                    <a:srgbClr val="FFFFFF"/>
+                  </a:solidFill>
+                </a:uFill>
+                <a:latin typeface="Franklin Gothic Medium"/>
+              </a:rPr>
+              <a:t>dei</a:t>
+            </a:r>
+            <a:r>
+              <a:rPr lang="en-US" sz="2800" spc="-1" dirty="0" smtClean="0">
+                <a:solidFill>
+                  <a:srgbClr val="404040"/>
+                </a:solidFill>
+                <a:uFill>
+                  <a:solidFill>
+                    <a:srgbClr val="FFFFFF"/>
+                  </a:solidFill>
+                </a:uFill>
+                <a:latin typeface="Franklin Gothic Medium"/>
+              </a:rPr>
+              <a:t> termini</a:t>
+            </a:r>
+          </a:p>
+          <a:p>
+            <a:pPr marL="914400" lvl="1" indent="-457200">
+              <a:buFont typeface="Wingdings" panose="05000000000000000000" pitchFamily="2" charset="2"/>
+              <a:buChar char="§"/>
+            </a:pPr>
+            <a:r>
+              <a:rPr lang="en-US" sz="2800" spc="-1" dirty="0" err="1" smtClean="0">
+                <a:solidFill>
+                  <a:srgbClr val="404040"/>
+                </a:solidFill>
+                <a:uFill>
+                  <a:solidFill>
+                    <a:srgbClr val="FFFFFF"/>
+                  </a:solidFill>
+                </a:uFill>
+                <a:latin typeface="Franklin Gothic Medium"/>
+              </a:rPr>
+              <a:t>Utilizzo</a:t>
+            </a:r>
+            <a:r>
+              <a:rPr lang="en-US" sz="2800" spc="-1" dirty="0" smtClean="0">
+                <a:solidFill>
+                  <a:srgbClr val="404040"/>
+                </a:solidFill>
+                <a:uFill>
+                  <a:solidFill>
+                    <a:srgbClr val="FFFFFF"/>
+                  </a:solidFill>
+                </a:uFill>
+                <a:latin typeface="Franklin Gothic Medium"/>
+              </a:rPr>
+              <a:t> di soli </a:t>
+            </a:r>
+            <a:r>
+              <a:rPr lang="en-US" sz="2800" spc="-1" dirty="0" err="1" smtClean="0">
+                <a:solidFill>
+                  <a:srgbClr val="404040"/>
+                </a:solidFill>
+                <a:uFill>
+                  <a:solidFill>
+                    <a:srgbClr val="FFFFFF"/>
+                  </a:solidFill>
+                </a:uFill>
+                <a:latin typeface="Franklin Gothic Medium"/>
+              </a:rPr>
+              <a:t>nomi</a:t>
+            </a:r>
+            <a:r>
+              <a:rPr lang="en-US" sz="2800" spc="-1" dirty="0" smtClean="0">
+                <a:solidFill>
+                  <a:srgbClr val="404040"/>
+                </a:solidFill>
+                <a:uFill>
+                  <a:solidFill>
+                    <a:srgbClr val="FFFFFF"/>
+                  </a:solidFill>
+                </a:uFill>
+                <a:latin typeface="Franklin Gothic Medium"/>
+              </a:rPr>
+              <a:t> e </a:t>
+            </a:r>
+            <a:r>
+              <a:rPr lang="en-US" sz="2800" spc="-1" dirty="0" err="1" smtClean="0">
+                <a:solidFill>
+                  <a:srgbClr val="404040"/>
+                </a:solidFill>
+                <a:uFill>
+                  <a:solidFill>
+                    <a:srgbClr val="FFFFFF"/>
+                  </a:solidFill>
+                </a:uFill>
+                <a:latin typeface="Franklin Gothic Medium"/>
+              </a:rPr>
+              <a:t>aggettivi</a:t>
+            </a:r>
+            <a:r>
+              <a:rPr lang="en-US" sz="2800" spc="-1" dirty="0" smtClean="0">
+                <a:solidFill>
+                  <a:srgbClr val="404040"/>
+                </a:solidFill>
+                <a:uFill>
+                  <a:solidFill>
+                    <a:srgbClr val="FFFFFF"/>
+                  </a:solidFill>
+                </a:uFill>
+                <a:latin typeface="Franklin Gothic Medium"/>
+              </a:rPr>
+              <a:t> per la </a:t>
+            </a:r>
+            <a:r>
+              <a:rPr lang="en-US" sz="2800" spc="-1" dirty="0" err="1" smtClean="0">
+                <a:solidFill>
+                  <a:srgbClr val="404040"/>
+                </a:solidFill>
+                <a:uFill>
+                  <a:solidFill>
+                    <a:srgbClr val="FFFFFF"/>
+                  </a:solidFill>
+                </a:uFill>
+                <a:latin typeface="Franklin Gothic Medium"/>
+              </a:rPr>
+              <a:t>ricerc</a:t>
+            </a:r>
+            <a:r>
+              <a:rPr lang="en-US" sz="2800" spc="-1" dirty="0" err="1">
+                <a:solidFill>
+                  <a:srgbClr val="404040"/>
+                </a:solidFill>
+                <a:uFill>
+                  <a:solidFill>
+                    <a:srgbClr val="FFFFFF"/>
+                  </a:solidFill>
+                </a:uFill>
+                <a:latin typeface="Franklin Gothic Medium"/>
+              </a:rPr>
+              <a:t>a</a:t>
+            </a:r>
+            <a:endParaRPr lang="en-US" sz="2800" spc="-1" dirty="0" smtClean="0">
+              <a:solidFill>
+                <a:srgbClr val="404040"/>
+              </a:solidFill>
+              <a:uFill>
+                <a:solidFill>
+                  <a:srgbClr val="FFFFFF"/>
+                </a:solidFill>
+              </a:uFill>
+              <a:latin typeface="Franklin Gothic Medium"/>
+            </a:endParaRPr>
+          </a:p>
+          <a:p>
+            <a:pPr marL="457200" indent="-457200">
+              <a:buFont typeface="Wingdings" panose="05000000000000000000" pitchFamily="2" charset="2"/>
+              <a:buChar char="§"/>
+            </a:pPr>
+            <a:endParaRPr lang="en-US" sz="2800" spc="-1" dirty="0" smtClean="0">
+              <a:solidFill>
+                <a:srgbClr val="404040"/>
+              </a:solidFill>
+              <a:uFill>
+                <a:solidFill>
+                  <a:srgbClr val="FFFFFF"/>
+                </a:solidFill>
+              </a:uFill>
+              <a:latin typeface="Franklin Gothic Medium"/>
+            </a:endParaRPr>
+          </a:p>
+          <a:p>
+            <a:pPr marL="457200" indent="-457200">
+              <a:buFont typeface="Wingdings" panose="05000000000000000000" pitchFamily="2" charset="2"/>
+              <a:buChar char="§"/>
+            </a:pPr>
+            <a:r>
+              <a:rPr lang="en-US" sz="2800" spc="-1" dirty="0">
+                <a:solidFill>
+                  <a:srgbClr val="404040"/>
+                </a:solidFill>
+                <a:uFill>
+                  <a:solidFill>
+                    <a:srgbClr val="FFFFFF"/>
+                  </a:solidFill>
+                </a:uFill>
+                <a:latin typeface="Franklin Gothic Medium"/>
+              </a:rPr>
+              <a:t>Per </a:t>
+            </a:r>
+            <a:r>
+              <a:rPr lang="en-US" sz="2800" spc="-1" dirty="0" smtClean="0">
+                <a:solidFill>
+                  <a:srgbClr val="404040"/>
+                </a:solidFill>
+                <a:uFill>
+                  <a:solidFill>
+                    <a:srgbClr val="FFFFFF"/>
+                  </a:solidFill>
+                </a:uFill>
+                <a:latin typeface="Franklin Gothic Medium"/>
+              </a:rPr>
+              <a:t>fare </a:t>
+            </a:r>
+            <a:r>
+              <a:rPr lang="en-US" sz="2800" spc="-1" dirty="0" err="1" smtClean="0">
+                <a:solidFill>
+                  <a:srgbClr val="404040"/>
+                </a:solidFill>
+                <a:uFill>
+                  <a:solidFill>
+                    <a:srgbClr val="FFFFFF"/>
+                  </a:solidFill>
+                </a:uFill>
+                <a:latin typeface="Franklin Gothic Medium"/>
+              </a:rPr>
+              <a:t>ciò</a:t>
+            </a:r>
+            <a:r>
+              <a:rPr lang="en-US" sz="2800" spc="-1" dirty="0" smtClean="0">
+                <a:solidFill>
+                  <a:srgbClr val="404040"/>
+                </a:solidFill>
+                <a:uFill>
+                  <a:solidFill>
+                    <a:srgbClr val="FFFFFF"/>
+                  </a:solidFill>
+                </a:uFill>
+                <a:latin typeface="Franklin Gothic Medium"/>
+              </a:rPr>
+              <a:t> </a:t>
+            </a:r>
+            <a:r>
+              <a:rPr lang="en-US" sz="2800" spc="-1" dirty="0" err="1" smtClean="0">
+                <a:solidFill>
+                  <a:srgbClr val="404040"/>
+                </a:solidFill>
+                <a:uFill>
+                  <a:solidFill>
+                    <a:srgbClr val="FFFFFF"/>
+                  </a:solidFill>
+                </a:uFill>
+                <a:latin typeface="Franklin Gothic Medium"/>
+              </a:rPr>
+              <a:t>si</a:t>
+            </a:r>
+            <a:r>
+              <a:rPr lang="en-US" sz="2800" spc="-1" dirty="0" smtClean="0">
+                <a:solidFill>
+                  <a:srgbClr val="404040"/>
+                </a:solidFill>
+                <a:uFill>
+                  <a:solidFill>
+                    <a:srgbClr val="FFFFFF"/>
+                  </a:solidFill>
+                </a:uFill>
+                <a:latin typeface="Franklin Gothic Medium"/>
+              </a:rPr>
+              <a:t> </a:t>
+            </a:r>
+            <a:r>
+              <a:rPr lang="en-US" sz="2800" spc="-1" dirty="0" err="1" smtClean="0">
+                <a:solidFill>
+                  <a:srgbClr val="404040"/>
+                </a:solidFill>
+                <a:uFill>
+                  <a:solidFill>
+                    <a:srgbClr val="FFFFFF"/>
+                  </a:solidFill>
+                </a:uFill>
+                <a:latin typeface="Franklin Gothic Medium"/>
+              </a:rPr>
+              <a:t>sono</a:t>
+            </a:r>
+            <a:r>
+              <a:rPr lang="en-US" sz="2800" spc="-1" dirty="0" smtClean="0">
+                <a:solidFill>
+                  <a:srgbClr val="404040"/>
+                </a:solidFill>
+                <a:uFill>
+                  <a:solidFill>
+                    <a:srgbClr val="FFFFFF"/>
+                  </a:solidFill>
+                </a:uFill>
+                <a:latin typeface="Franklin Gothic Medium"/>
+              </a:rPr>
+              <a:t> </a:t>
+            </a:r>
+            <a:r>
+              <a:rPr lang="en-US" sz="2800" spc="-1" dirty="0" err="1" smtClean="0">
+                <a:solidFill>
+                  <a:srgbClr val="404040"/>
+                </a:solidFill>
+                <a:uFill>
+                  <a:solidFill>
+                    <a:srgbClr val="FFFFFF"/>
+                  </a:solidFill>
+                </a:uFill>
+                <a:latin typeface="Franklin Gothic Medium"/>
+              </a:rPr>
+              <a:t>utilizzate</a:t>
+            </a:r>
+            <a:r>
+              <a:rPr lang="en-US" sz="2800" spc="-1" dirty="0" smtClean="0">
+                <a:solidFill>
+                  <a:srgbClr val="404040"/>
+                </a:solidFill>
+                <a:uFill>
+                  <a:solidFill>
+                    <a:srgbClr val="FFFFFF"/>
+                  </a:solidFill>
+                </a:uFill>
+                <a:latin typeface="Franklin Gothic Medium"/>
+              </a:rPr>
+              <a:t> le </a:t>
+            </a:r>
+            <a:r>
+              <a:rPr lang="en-US" sz="2800" spc="-1" dirty="0" err="1" smtClean="0">
+                <a:solidFill>
+                  <a:srgbClr val="404040"/>
+                </a:solidFill>
+                <a:uFill>
+                  <a:solidFill>
+                    <a:srgbClr val="FFFFFF"/>
+                  </a:solidFill>
+                </a:uFill>
+                <a:latin typeface="Franklin Gothic Medium"/>
+              </a:rPr>
+              <a:t>funzionalità</a:t>
+            </a:r>
+            <a:r>
+              <a:rPr lang="en-US" sz="2800" spc="-1" dirty="0" smtClean="0">
+                <a:solidFill>
+                  <a:srgbClr val="404040"/>
+                </a:solidFill>
+                <a:uFill>
+                  <a:solidFill>
+                    <a:srgbClr val="FFFFFF"/>
+                  </a:solidFill>
+                </a:uFill>
+                <a:latin typeface="Franklin Gothic Medium"/>
+              </a:rPr>
+              <a:t> </a:t>
+            </a:r>
+            <a:r>
+              <a:rPr lang="en-US" sz="2800" spc="-1" dirty="0" err="1" smtClean="0">
+                <a:solidFill>
+                  <a:srgbClr val="404040"/>
+                </a:solidFill>
+                <a:uFill>
+                  <a:solidFill>
+                    <a:srgbClr val="FFFFFF"/>
+                  </a:solidFill>
+                </a:uFill>
+                <a:latin typeface="Franklin Gothic Medium"/>
+              </a:rPr>
+              <a:t>della</a:t>
+            </a:r>
+            <a:r>
+              <a:rPr lang="en-US" sz="2800" spc="-1" dirty="0" smtClean="0">
+                <a:solidFill>
+                  <a:srgbClr val="404040"/>
+                </a:solidFill>
+                <a:uFill>
+                  <a:solidFill>
+                    <a:srgbClr val="FFFFFF"/>
+                  </a:solidFill>
+                </a:uFill>
+                <a:latin typeface="Franklin Gothic Medium"/>
+              </a:rPr>
+              <a:t> </a:t>
+            </a:r>
+            <a:r>
+              <a:rPr lang="en-US" sz="2800" spc="-1" dirty="0" err="1" smtClean="0">
+                <a:solidFill>
+                  <a:srgbClr val="404040"/>
+                </a:solidFill>
+                <a:uFill>
+                  <a:solidFill>
+                    <a:srgbClr val="FFFFFF"/>
+                  </a:solidFill>
+                </a:uFill>
+                <a:latin typeface="Franklin Gothic Medium"/>
+              </a:rPr>
+              <a:t>libreria</a:t>
+            </a:r>
+            <a:r>
+              <a:rPr lang="en-US" sz="2800" spc="-1" dirty="0" smtClean="0">
+                <a:solidFill>
+                  <a:srgbClr val="404040"/>
+                </a:solidFill>
+                <a:uFill>
+                  <a:solidFill>
+                    <a:srgbClr val="FFFFFF"/>
+                  </a:solidFill>
+                </a:uFill>
+                <a:latin typeface="Franklin Gothic Medium"/>
+              </a:rPr>
+              <a:t> NLTK.</a:t>
+            </a:r>
+            <a:endParaRPr lang="en-US" sz="2800" spc="-1" dirty="0" smtClean="0">
+              <a:solidFill>
+                <a:srgbClr val="404040"/>
+              </a:solidFill>
+              <a:uFill>
+                <a:solidFill>
+                  <a:srgbClr val="FFFFFF"/>
+                </a:solidFill>
+              </a:uFill>
+              <a:latin typeface="Franklin Gothic Medium"/>
+            </a:endParaRPr>
+          </a:p>
         </p:txBody>
       </p:sp>
-      <p:pic>
-        <p:nvPicPr>
-          <p:cNvPr id="2" name="Immagine 1"/>
-          <p:cNvPicPr>
-            <a:picLocks noChangeAspect="1"/>
-          </p:cNvPicPr>
-          <p:nvPr/>
-        </p:nvPicPr>
-        <p:blipFill>
-          <a:blip r:embed="rId2">
-            <a:extLst>
-              <a:ext uri="{28A0092B-C50C-407E-A947-70E740481C1C}">
-                <a14:useLocalDpi xmlns:a14="http://schemas.microsoft.com/office/drawing/2010/main" val="0"/>
-              </a:ext>
-            </a:extLst>
-          </a:blip>
-          <a:stretch>
-            <a:fillRect/>
-          </a:stretch>
-        </p:blipFill>
-        <p:spPr>
-          <a:xfrm>
-            <a:off x="2474272" y="1371589"/>
-            <a:ext cx="7315215" cy="5486411"/>
-          </a:xfrm>
-          <a:prstGeom prst="rect">
-            <a:avLst/>
-          </a:prstGeom>
-        </p:spPr>
-      </p:pic>
     </p:spTree>
     <p:extLst>
       <p:ext uri="{BB962C8B-B14F-4D97-AF65-F5344CB8AC3E}">
-        <p14:creationId xmlns:p14="http://schemas.microsoft.com/office/powerpoint/2010/main" val="3327845823"/>
+        <p14:creationId xmlns:p14="http://schemas.microsoft.com/office/powerpoint/2010/main" val="2212955487"/>
       </p:ext>
     </p:extLst>
   </p:cSld>
   <p:clrMapOvr>
     <a:masterClrMapping/>
   </p:clrMapOvr>
-  <p:transition spd="med">
-    <p:fade/>
-  </p:transition>
-  <p:timing>
-    <p:tnLst>
-      <p:par>
-        <p:cTn id="1" dur="indefinite" restart="never" nodeType="tmRoot">
-          <p:childTnLst>
-            <p:seq>
-              <p:cTn id="2" nodeType="mainSeq"/>
-              <p:prevCondLst>
-                <p:cond evt="onPrev" delay="0">
-                  <p:tgtEl>
-                    <p:sldTgt/>
-                  </p:tgtEl>
-                </p:cond>
-              </p:prevCondLst>
-              <p:nextCondLst>
-                <p:cond evt="onNext" delay="0">
-                  <p:tgtEl>
-                    <p:sldTgt/>
-                  </p:tgtEl>
-                </p:cond>
-              </p:nextCondLst>
-            </p:seq>
-          </p:childTnLst>
-        </p:cTn>
-      </p:par>
-    </p:tnLst>
-  </p:timing>
 </p:sld>
 </file>
 
@@ -17146,6 +20760,20 @@
           <a:lstStyle/>
           <a:p>
             <a:r>
+              <a:rPr lang="en-US" sz="3600" spc="-1" dirty="0" err="1" smtClean="0">
+                <a:solidFill>
+                  <a:srgbClr val="FFFFFF"/>
+                </a:solidFill>
+                <a:uFill>
+                  <a:solidFill>
+                    <a:srgbClr val="FFFFFF"/>
+                  </a:solidFill>
+                </a:uFill>
+                <a:latin typeface="Franklin Gothic Medium"/>
+              </a:rPr>
+              <a:t>Codice</a:t>
+            </a:r>
+            <a:r>
               <a:rPr lang="en-US" sz="3600" spc="-1" dirty="0" smtClean="0">
                 <a:solidFill>
                   <a:srgbClr val="FFFFFF"/>
@@ -17157,9 +20785,9 @@
                 </a:uFill>
                 <a:latin typeface="Franklin Gothic Medium"/>
               </a:rPr>
-              <a:t>Frequency</a:t>
-            </a:r>
-            <a:endParaRPr lang="en-US" sz="3600" spc="-1" dirty="0">
+              <a:t>: query pre-processing</a:t>
+            </a:r>
+            <a:endParaRPr lang="en-US" sz="3600" spc="-1" dirty="0" smtClean="0">
               <a:solidFill>
                 <a:srgbClr val="FFFFFF"/>
               </a:solidFill>
@@ -17181,7 +20809,7 @@
         </p:nvSpPr>
         <p:spPr>
           <a:xfrm>
-            <a:off x="479520" y="1484640"/>
+            <a:off x="479520" y="1402995"/>
             <a:ext cx="11304720" cy="4915800"/>
           </a:xfrm>
           <a:prstGeom prst="rect">
@@ -17196,54 +20824,479 @@
           <a:bodyPr/>
           <a:lstStyle/>
           <a:p>
-            <a:endParaRPr lang="en-US" sz="2800" spc="-1" dirty="0" smtClean="0">
-              <a:solidFill>
-                <a:srgbClr val="404040"/>
-              </a:solidFill>
-              <a:uFill>
-                <a:solidFill>
-                  <a:srgbClr val="FFFFFF"/>
-                </a:solidFill>
-              </a:uFill>
-              <a:latin typeface="Franklin Gothic Medium"/>
-            </a:endParaRPr>
+            <a:r>
+              <a:rPr lang="en-US" sz="2400" dirty="0" err="1" smtClean="0"/>
+              <a:t>wordsFiltered</a:t>
+            </a:r>
+            <a:r>
+              <a:rPr lang="en-US" sz="2400" dirty="0" smtClean="0"/>
+              <a:t> = </a:t>
+            </a:r>
+            <a:r>
+              <a:rPr lang="en-US" sz="2400" dirty="0" err="1" smtClean="0"/>
+              <a:t>word_tokenize</a:t>
+            </a:r>
+            <a:r>
+              <a:rPr lang="en-US" sz="2400" dirty="0" smtClean="0"/>
+              <a:t>(query) </a:t>
+            </a:r>
+          </a:p>
+          <a:p>
+            <a:endParaRPr lang="en-US" sz="1200" dirty="0" smtClean="0"/>
+          </a:p>
+          <a:p>
+            <a:r>
+              <a:rPr lang="en-US" sz="2400" dirty="0" smtClean="0">
+                <a:solidFill>
+                  <a:srgbClr val="00B050"/>
+                </a:solidFill>
+              </a:rPr>
+              <a:t># removing punctuation </a:t>
+            </a:r>
+          </a:p>
+          <a:p>
+            <a:r>
+              <a:rPr lang="en-US" sz="2400" dirty="0" err="1" smtClean="0"/>
+              <a:t>wordsFiltered</a:t>
+            </a:r>
+            <a:r>
+              <a:rPr lang="en-US" sz="2400" dirty="0" smtClean="0"/>
+              <a:t> = [word </a:t>
+            </a:r>
+            <a:r>
+              <a:rPr lang="en-US" sz="2400" dirty="0" smtClean="0">
+                <a:solidFill>
+                  <a:schemeClr val="accent6">
+                    <a:lumMod val="75000"/>
+                  </a:schemeClr>
+                </a:solidFill>
+              </a:rPr>
+              <a:t>for</a:t>
+            </a:r>
+            <a:r>
+              <a:rPr lang="en-US" sz="2400" dirty="0" smtClean="0"/>
+              <a:t> word </a:t>
+            </a:r>
+            <a:r>
+              <a:rPr lang="en-US" sz="2400" dirty="0" smtClean="0">
+                <a:solidFill>
+                  <a:schemeClr val="accent6">
+                    <a:lumMod val="75000"/>
+                  </a:schemeClr>
+                </a:solidFill>
+              </a:rPr>
+              <a:t>in</a:t>
+            </a:r>
+            <a:r>
+              <a:rPr lang="en-US" sz="2400" dirty="0" smtClean="0"/>
+              <a:t> </a:t>
+            </a:r>
+            <a:r>
+              <a:rPr lang="en-US" sz="2400" dirty="0" err="1" smtClean="0"/>
+              <a:t>wordsFiltered</a:t>
+            </a:r>
+            <a:r>
+              <a:rPr lang="en-US" sz="2400" dirty="0" smtClean="0"/>
+              <a:t> </a:t>
+            </a:r>
+            <a:r>
+              <a:rPr lang="en-US" sz="2400" dirty="0" smtClean="0">
+                <a:solidFill>
+                  <a:schemeClr val="accent6">
+                    <a:lumMod val="75000"/>
+                  </a:schemeClr>
+                </a:solidFill>
+              </a:rPr>
+              <a:t>if</a:t>
+            </a:r>
+            <a:r>
+              <a:rPr lang="en-US" sz="2400" dirty="0" smtClean="0"/>
+              <a:t> word </a:t>
+            </a:r>
+            <a:r>
+              <a:rPr lang="en-US" sz="2400" dirty="0" smtClean="0">
+                <a:solidFill>
+                  <a:schemeClr val="accent6">
+                    <a:lumMod val="75000"/>
+                  </a:schemeClr>
+                </a:solidFill>
+              </a:rPr>
+              <a:t>not</a:t>
+            </a:r>
+            <a:r>
+              <a:rPr lang="en-US" sz="2400" dirty="0" smtClean="0"/>
+              <a:t> </a:t>
+            </a:r>
+            <a:r>
+              <a:rPr lang="en-US" sz="2400" dirty="0" smtClean="0">
+                <a:solidFill>
+                  <a:schemeClr val="accent6">
+                    <a:lumMod val="75000"/>
+                  </a:schemeClr>
+                </a:solidFill>
+              </a:rPr>
+              <a:t>in</a:t>
+            </a:r>
+            <a:r>
+              <a:rPr lang="en-US" sz="2400" dirty="0" smtClean="0"/>
+              <a:t> </a:t>
+            </a:r>
+            <a:r>
+              <a:rPr lang="en-US" sz="2400" dirty="0" err="1" smtClean="0"/>
+              <a:t>string.punctuation</a:t>
+            </a:r>
+            <a:r>
+              <a:rPr lang="en-US" sz="2400" dirty="0" smtClean="0"/>
+              <a:t>] </a:t>
+            </a:r>
+          </a:p>
+          <a:p>
+            <a:endParaRPr lang="en-US" sz="1200" dirty="0" smtClean="0"/>
+          </a:p>
+          <a:p>
+            <a:r>
+              <a:rPr lang="en-US" sz="2400" dirty="0" smtClean="0">
+                <a:solidFill>
+                  <a:srgbClr val="00B050"/>
+                </a:solidFill>
+              </a:rPr>
+              <a:t># removing </a:t>
+            </a:r>
+            <a:r>
+              <a:rPr lang="en-US" sz="2400" dirty="0" err="1" smtClean="0">
+                <a:solidFill>
+                  <a:srgbClr val="00B050"/>
+                </a:solidFill>
+              </a:rPr>
+              <a:t>stopWords</a:t>
+            </a:r>
+            <a:r>
+              <a:rPr lang="en-US" sz="2400" dirty="0" smtClean="0">
+                <a:solidFill>
+                  <a:srgbClr val="00B050"/>
+                </a:solidFill>
+              </a:rPr>
+              <a:t> </a:t>
+            </a:r>
+          </a:p>
+          <a:p>
+            <a:r>
+              <a:rPr lang="en-US" sz="2400" dirty="0" err="1" smtClean="0"/>
+              <a:t>wordsFiltered</a:t>
+            </a:r>
+            <a:r>
+              <a:rPr lang="en-US" sz="2400" dirty="0" smtClean="0"/>
+              <a:t> = [word </a:t>
+            </a:r>
+            <a:r>
+              <a:rPr lang="en-US" sz="2400" dirty="0" smtClean="0">
+                <a:solidFill>
+                  <a:schemeClr val="accent6">
+                    <a:lumMod val="75000"/>
+                  </a:schemeClr>
+                </a:solidFill>
+              </a:rPr>
+              <a:t>for</a:t>
+            </a:r>
+            <a:r>
+              <a:rPr lang="en-US" sz="2400" dirty="0" smtClean="0"/>
+              <a:t> word </a:t>
+            </a:r>
+            <a:r>
+              <a:rPr lang="en-US" sz="2400" dirty="0" smtClean="0">
+                <a:solidFill>
+                  <a:schemeClr val="accent6">
+                    <a:lumMod val="75000"/>
+                  </a:schemeClr>
+                </a:solidFill>
+              </a:rPr>
+              <a:t>in</a:t>
+            </a:r>
+            <a:r>
+              <a:rPr lang="en-US" sz="2400" dirty="0" smtClean="0"/>
+              <a:t> </a:t>
+            </a:r>
+            <a:r>
+              <a:rPr lang="en-US" sz="2400" dirty="0" err="1" smtClean="0"/>
+              <a:t>wordsFiltered</a:t>
+            </a:r>
+            <a:r>
+              <a:rPr lang="en-US" sz="2400" dirty="0" smtClean="0"/>
+              <a:t> </a:t>
+            </a:r>
+            <a:r>
+              <a:rPr lang="en-US" sz="2400" dirty="0" smtClean="0">
+                <a:solidFill>
+                  <a:schemeClr val="accent6">
+                    <a:lumMod val="75000"/>
+                  </a:schemeClr>
+                </a:solidFill>
+              </a:rPr>
+              <a:t>if</a:t>
+            </a:r>
+            <a:r>
+              <a:rPr lang="en-US" sz="2400" dirty="0" smtClean="0"/>
+              <a:t> word </a:t>
+            </a:r>
+            <a:r>
+              <a:rPr lang="en-US" sz="2400" dirty="0" smtClean="0">
+                <a:solidFill>
+                  <a:schemeClr val="accent6">
+                    <a:lumMod val="75000"/>
+                  </a:schemeClr>
+                </a:solidFill>
+              </a:rPr>
+              <a:t>not</a:t>
+            </a:r>
+            <a:r>
+              <a:rPr lang="en-US" sz="2400" dirty="0" smtClean="0"/>
+              <a:t> </a:t>
+            </a:r>
+            <a:r>
+              <a:rPr lang="en-US" sz="2400" dirty="0" smtClean="0">
+                <a:solidFill>
+                  <a:schemeClr val="accent6">
+                    <a:lumMod val="75000"/>
+                  </a:schemeClr>
+                </a:solidFill>
+              </a:rPr>
+              <a:t>in</a:t>
+            </a:r>
+            <a:r>
+              <a:rPr lang="en-US" sz="2400" dirty="0" smtClean="0"/>
+              <a:t> </a:t>
+            </a:r>
+            <a:r>
+              <a:rPr lang="en-US" sz="2400" dirty="0" err="1" smtClean="0"/>
+              <a:t>stopWords</a:t>
+            </a:r>
+            <a:r>
+              <a:rPr lang="en-US" sz="2400" dirty="0" smtClean="0"/>
+              <a:t>] </a:t>
+            </a:r>
+          </a:p>
+          <a:p>
+            <a:endParaRPr lang="en-US" sz="1200" dirty="0" smtClean="0"/>
+          </a:p>
+          <a:p>
+            <a:r>
+              <a:rPr lang="en-US" sz="2400" dirty="0" smtClean="0">
+                <a:solidFill>
+                  <a:srgbClr val="00B050"/>
+                </a:solidFill>
+              </a:rPr>
+              <a:t># stemming phase </a:t>
+            </a:r>
+          </a:p>
+          <a:p>
+            <a:r>
+              <a:rPr lang="en-US" sz="2400" dirty="0" err="1" smtClean="0"/>
+              <a:t>wordsFiltered</a:t>
+            </a:r>
+            <a:r>
+              <a:rPr lang="en-US" sz="2400" dirty="0" smtClean="0"/>
+              <a:t> = [</a:t>
+            </a:r>
+            <a:r>
+              <a:rPr lang="en-US" sz="2400" dirty="0" err="1" smtClean="0"/>
+              <a:t>stemmer.stem</a:t>
+            </a:r>
+            <a:r>
+              <a:rPr lang="en-US" sz="2400" dirty="0" smtClean="0"/>
+              <a:t>(word) </a:t>
+            </a:r>
+            <a:r>
+              <a:rPr lang="en-US" sz="2400" dirty="0" smtClean="0">
+                <a:solidFill>
+                  <a:schemeClr val="accent6">
+                    <a:lumMod val="75000"/>
+                  </a:schemeClr>
+                </a:solidFill>
+              </a:rPr>
+              <a:t>for</a:t>
+            </a:r>
+            <a:r>
+              <a:rPr lang="en-US" sz="2400" dirty="0" smtClean="0"/>
+              <a:t> word </a:t>
+            </a:r>
+            <a:r>
+              <a:rPr lang="en-US" sz="2400" dirty="0" smtClean="0">
+                <a:solidFill>
+                  <a:schemeClr val="accent6">
+                    <a:lumMod val="75000"/>
+                  </a:schemeClr>
+                </a:solidFill>
+              </a:rPr>
+              <a:t>in</a:t>
+            </a:r>
+            <a:r>
+              <a:rPr lang="en-US" sz="2400" dirty="0" smtClean="0"/>
+              <a:t> </a:t>
+            </a:r>
+            <a:r>
+              <a:rPr lang="en-US" sz="2400" dirty="0" err="1" smtClean="0"/>
+              <a:t>wordsFiltered</a:t>
+            </a:r>
+            <a:r>
+              <a:rPr lang="en-US" sz="2400" dirty="0" smtClean="0"/>
+              <a:t>]</a:t>
+            </a:r>
+          </a:p>
+          <a:p>
+            <a:endParaRPr lang="en-US" sz="1200" dirty="0"/>
+          </a:p>
+          <a:p>
+            <a:r>
+              <a:rPr lang="en-US" sz="2400" dirty="0" smtClean="0">
+                <a:solidFill>
+                  <a:srgbClr val="00B050"/>
+                </a:solidFill>
+              </a:rPr>
+              <a:t># adding POS </a:t>
+            </a:r>
+          </a:p>
+          <a:p>
+            <a:r>
+              <a:rPr lang="en-US" sz="2400" dirty="0" err="1" smtClean="0"/>
+              <a:t>wordsFiltered</a:t>
+            </a:r>
+            <a:r>
+              <a:rPr lang="en-US" sz="2400" dirty="0" smtClean="0"/>
+              <a:t> = </a:t>
+            </a:r>
+            <a:r>
+              <a:rPr lang="en-US" sz="2400" dirty="0" err="1" smtClean="0"/>
+              <a:t>pos_tag</a:t>
+            </a:r>
+            <a:r>
+              <a:rPr lang="en-US" sz="2400" dirty="0" smtClean="0"/>
+              <a:t>(</a:t>
+            </a:r>
+            <a:r>
+              <a:rPr lang="en-US" sz="2400" dirty="0" err="1" smtClean="0"/>
+              <a:t>wordsFiltered</a:t>
+            </a:r>
+            <a:r>
+              <a:rPr lang="en-US" sz="2400" dirty="0" smtClean="0"/>
+              <a:t>, </a:t>
+            </a:r>
+            <a:r>
+              <a:rPr lang="en-US" sz="2400" dirty="0" err="1" smtClean="0"/>
+              <a:t>tagset</a:t>
+            </a:r>
+            <a:r>
+              <a:rPr lang="en-US" sz="2400" dirty="0" smtClean="0"/>
+              <a:t>='universal') </a:t>
+            </a:r>
+          </a:p>
+          <a:p>
+            <a:endParaRPr lang="en-US" sz="1200" dirty="0" smtClean="0"/>
+          </a:p>
+          <a:p>
+            <a:r>
+              <a:rPr lang="en-US" sz="2400" dirty="0" smtClean="0">
+                <a:solidFill>
+                  <a:srgbClr val="00B050"/>
+                </a:solidFill>
+              </a:rPr>
+              <a:t># keep only NOUN and ADJ </a:t>
+            </a:r>
+          </a:p>
+          <a:p>
+            <a:r>
+              <a:rPr lang="en-US" sz="2400" dirty="0" smtClean="0">
+                <a:solidFill>
+                  <a:schemeClr val="accent6">
+                    <a:lumMod val="75000"/>
+                  </a:schemeClr>
+                </a:solidFill>
+              </a:rPr>
+              <a:t>for</a:t>
+            </a:r>
+            <a:r>
+              <a:rPr lang="en-US" sz="2400" dirty="0" smtClean="0"/>
+              <a:t> word </a:t>
+            </a:r>
+            <a:r>
+              <a:rPr lang="en-US" sz="2400" dirty="0" smtClean="0">
+                <a:solidFill>
+                  <a:schemeClr val="accent6">
+                    <a:lumMod val="75000"/>
+                  </a:schemeClr>
+                </a:solidFill>
+              </a:rPr>
+              <a:t>in</a:t>
+            </a:r>
+            <a:r>
+              <a:rPr lang="en-US" sz="2400" dirty="0" smtClean="0"/>
+              <a:t> </a:t>
+            </a:r>
+            <a:r>
+              <a:rPr lang="en-US" sz="2400" dirty="0" err="1" smtClean="0"/>
+              <a:t>wordsFiltered</a:t>
+            </a:r>
+            <a:r>
+              <a:rPr lang="en-US" sz="2400" dirty="0" smtClean="0"/>
+              <a:t>: </a:t>
+            </a:r>
+          </a:p>
+          <a:p>
+            <a:r>
+              <a:rPr lang="en-US" sz="2400" dirty="0" smtClean="0"/>
+              <a:t>	</a:t>
+            </a:r>
+            <a:r>
+              <a:rPr lang="en-US" sz="2400" dirty="0" smtClean="0">
+                <a:solidFill>
+                  <a:schemeClr val="accent6">
+                    <a:lumMod val="75000"/>
+                  </a:schemeClr>
+                </a:solidFill>
+              </a:rPr>
+              <a:t>if</a:t>
+            </a:r>
+            <a:r>
+              <a:rPr lang="en-US" sz="2400" dirty="0" smtClean="0"/>
+              <a:t> </a:t>
+            </a:r>
+            <a:r>
+              <a:rPr lang="en-US" sz="2400" dirty="0" err="1" smtClean="0"/>
+              <a:t>str</a:t>
+            </a:r>
+            <a:r>
+              <a:rPr lang="en-US" sz="2400" dirty="0" smtClean="0"/>
+              <a:t>(word[1]) </a:t>
+            </a:r>
+            <a:r>
+              <a:rPr lang="en-US" sz="2400" dirty="0" smtClean="0">
+                <a:solidFill>
+                  <a:schemeClr val="accent6">
+                    <a:lumMod val="75000"/>
+                  </a:schemeClr>
+                </a:solidFill>
+              </a:rPr>
+              <a:t>in</a:t>
+            </a:r>
+            <a:r>
+              <a:rPr lang="en-US" sz="2400" dirty="0" smtClean="0"/>
+              <a:t> ['NOUN', 'ADJ']:  </a:t>
+            </a:r>
+            <a:r>
+              <a:rPr lang="en-US" sz="2400" dirty="0" err="1" smtClean="0"/>
+              <a:t>words.append</a:t>
+            </a:r>
+            <a:r>
+              <a:rPr lang="en-US" sz="2400" dirty="0" smtClean="0"/>
+              <a:t>(word[0])</a:t>
+            </a:r>
+            <a:endParaRPr lang="it-IT" sz="2400" dirty="0"/>
           </a:p>
         </p:txBody>
       </p:sp>
-      <p:pic>
-        <p:nvPicPr>
-          <p:cNvPr id="3" name="Immagine 2"/>
-          <p:cNvPicPr>
-            <a:picLocks noChangeAspect="1"/>
-          </p:cNvPicPr>
-          <p:nvPr/>
-        </p:nvPicPr>
-        <p:blipFill>
-          <a:blip r:embed="rId2">
-            <a:extLst>
-              <a:ext uri="{28A0092B-C50C-407E-A947-70E740481C1C}">
-                <a14:useLocalDpi xmlns:a14="http://schemas.microsoft.com/office/drawing/2010/main" val="0"/>
-              </a:ext>
-            </a:extLst>
-          </a:blip>
-          <a:stretch>
-            <a:fillRect/>
-          </a:stretch>
-        </p:blipFill>
-        <p:spPr>
-          <a:xfrm>
-            <a:off x="2474272" y="1371589"/>
-            <a:ext cx="7315215" cy="5486411"/>
-          </a:xfrm>
-          <a:prstGeom prst="rect">
-            <a:avLst/>
-          </a:prstGeom>
-        </p:spPr>
-      </p:pic>
     </p:spTree>
     <p:extLst>
       <p:ext uri="{BB962C8B-B14F-4D97-AF65-F5344CB8AC3E}">
-        <p14:creationId xmlns:p14="http://schemas.microsoft.com/office/powerpoint/2010/main" val="67900785"/>
+        <p14:creationId xmlns:p14="http://schemas.microsoft.com/office/powerpoint/2010/main" val="3026635152"/>
       </p:ext>
     </p:extLst>
   </p:cSld>
@@ -17335,7 +21388,7 @@
                 </a:uFill>
                 <a:latin typeface="Franklin Gothic Medium"/>
               </a:rPr>
-              <a:t>TF-IDF</a:t>
+              <a:t>BM25 </a:t>
             </a:r>
             <a:endParaRPr lang="en-US" sz="3600" spc="-1" dirty="0">
               <a:solidFill>
@@ -17397,7 +21450,7 @@
           <p:nvPr/>
         </p:nvPicPr>
         <p:blipFill>
-          <a:blip r:embed="rId3">
+          <a:blip r:embed="rId2">
             <a:extLst>
               <a:ext uri="{28A0092B-C50C-407E-A947-70E740481C1C}">
                 <a14:useLocalDpi xmlns:a14="http://schemas.microsoft.com/office/drawing/2010/main" val="0"/>
@@ -17421,7 +21474,7 @@
     </p:spTree>
     <p:extLst>
       <p:ext uri="{BB962C8B-B14F-4D97-AF65-F5344CB8AC3E}">
-        <p14:creationId xmlns:p14="http://schemas.microsoft.com/office/powerpoint/2010/main" val="855551711"/>
+        <p14:creationId xmlns:p14="http://schemas.microsoft.com/office/powerpoint/2010/main" val="3327845823"/>
       </p:ext>
     </p:extLst>
   </p:cSld>
@@ -17502,7 +21555,7 @@
           <a:lstStyle/>
           <a:p>
             <a:r>
-              <a:rPr lang="en-US" sz="3600" spc="-1" dirty="0" err="1" smtClean="0">
+              <a:rPr lang="en-US" sz="3600" spc="-1" dirty="0" smtClean="0">
                 <a:solidFill>
                   <a:srgbClr val="FFFFFF"/>
                 </a:solidFill>
@@ -17513,7 +21566,7 @@
                 </a:uFill>
                 <a:latin typeface="Franklin Gothic Medium"/>
               </a:rPr>
-              <a:t>Rprecision</a:t>
+              <a:t>TF-IDF</a:t>
             </a:r>
             <a:endParaRPr lang="en-US" sz="3600" spc="-1" dirty="0">
               <a:solidFill>
@@ -17552,234 +21605,6 @@
           <a:bodyPr/>
           <a:lstStyle/>
           <a:p>
-            <a:pPr marL="457200" indent="-457200">
-              <a:buFont typeface="Wingdings" panose="05000000000000000000" pitchFamily="2" charset="2"/>
-              <a:buChar char="§"/>
-            </a:pPr>
-            <a:r>
-              <a:rPr lang="en-US" sz="2800" spc="-1" dirty="0" err="1" smtClean="0">
-                <a:solidFill>
-                  <a:srgbClr val="404040"/>
-                </a:solidFill>
-                <a:uFill>
-                  <a:solidFill>
-                    <a:srgbClr val="FFFFFF"/>
-                  </a:solidFill>
-                </a:uFill>
-                <a:latin typeface="Franklin Gothic Medium"/>
-              </a:rPr>
-              <a:t>Nell’esempio</a:t>
-            </a:r>
-            <a:r>
-              <a:rPr lang="en-US" sz="2800" spc="-1" dirty="0" smtClean="0">
-                <a:solidFill>
-                  <a:srgbClr val="404040"/>
-                </a:solidFill>
-                <a:uFill>
-                  <a:solidFill>
-                    <a:srgbClr val="FFFFFF"/>
-                  </a:solidFill>
-                </a:uFill>
-                <a:latin typeface="Franklin Gothic Medium"/>
-              </a:rPr>
-              <a:t> </a:t>
-            </a:r>
-            <a:r>
-              <a:rPr lang="en-US" sz="2800" spc="-1" dirty="0" err="1" smtClean="0">
-                <a:solidFill>
-                  <a:srgbClr val="404040"/>
-                </a:solidFill>
-                <a:uFill>
-                  <a:solidFill>
-                    <a:srgbClr val="FFFFFF"/>
-                  </a:solidFill>
-                </a:uFill>
-                <a:latin typeface="Franklin Gothic Medium"/>
-              </a:rPr>
-              <a:t>seguente</a:t>
-            </a:r>
-            <a:r>
-              <a:rPr lang="en-US" sz="2800" spc="-1" dirty="0" smtClean="0">
-                <a:solidFill>
-                  <a:srgbClr val="404040"/>
-                </a:solidFill>
-                <a:uFill>
-                  <a:solidFill>
-                    <a:srgbClr val="FFFFFF"/>
-                  </a:solidFill>
-                </a:uFill>
-                <a:latin typeface="Franklin Gothic Medium"/>
-              </a:rPr>
-              <a:t> è </a:t>
-            </a:r>
-            <a:r>
-              <a:rPr lang="en-US" sz="2800" spc="-1" dirty="0" err="1" smtClean="0">
-                <a:solidFill>
-                  <a:srgbClr val="404040"/>
-                </a:solidFill>
-                <a:uFill>
-                  <a:solidFill>
-                    <a:srgbClr val="FFFFFF"/>
-                  </a:solidFill>
-                </a:uFill>
-                <a:latin typeface="Franklin Gothic Medium"/>
-              </a:rPr>
-              <a:t>stato</a:t>
-            </a:r>
-            <a:r>
-              <a:rPr lang="en-US" sz="2800" spc="-1" dirty="0" smtClean="0">
-                <a:solidFill>
-                  <a:srgbClr val="404040"/>
-                </a:solidFill>
-                <a:uFill>
-                  <a:solidFill>
-                    <a:srgbClr val="FFFFFF"/>
-                  </a:solidFill>
-                </a:uFill>
-                <a:latin typeface="Franklin Gothic Medium"/>
-              </a:rPr>
-              <a:t> </a:t>
-            </a:r>
-            <a:r>
-              <a:rPr lang="en-US" sz="2800" spc="-1" dirty="0" err="1" smtClean="0">
-                <a:solidFill>
-                  <a:srgbClr val="404040"/>
-                </a:solidFill>
-                <a:uFill>
-                  <a:solidFill>
-                    <a:srgbClr val="FFFFFF"/>
-                  </a:solidFill>
-                </a:uFill>
-                <a:latin typeface="Franklin Gothic Medium"/>
-              </a:rPr>
-              <a:t>lanciato</a:t>
-            </a:r>
-            <a:r>
-              <a:rPr lang="en-US" sz="2800" spc="-1" dirty="0" smtClean="0">
-                <a:solidFill>
-                  <a:srgbClr val="404040"/>
-                </a:solidFill>
-                <a:uFill>
-                  <a:solidFill>
-                    <a:srgbClr val="FFFFFF"/>
-                  </a:solidFill>
-                </a:uFill>
-                <a:latin typeface="Franklin Gothic Medium"/>
-              </a:rPr>
-              <a:t> </a:t>
-            </a:r>
-            <a:r>
-              <a:rPr lang="en-US" sz="2800" spc="-1" dirty="0" err="1" smtClean="0">
-                <a:solidFill>
-                  <a:srgbClr val="404040"/>
-                </a:solidFill>
-                <a:uFill>
-                  <a:solidFill>
-                    <a:srgbClr val="FFFFFF"/>
-                  </a:solidFill>
-                </a:uFill>
-                <a:latin typeface="Franklin Gothic Medium"/>
-              </a:rPr>
-              <a:t>sul</a:t>
-            </a:r>
-            <a:r>
-              <a:rPr lang="en-US" sz="2800" spc="-1" dirty="0" smtClean="0">
-                <a:solidFill>
-                  <a:srgbClr val="404040"/>
-                </a:solidFill>
-                <a:uFill>
-                  <a:solidFill>
-                    <a:srgbClr val="FFFFFF"/>
-                  </a:solidFill>
-                </a:uFill>
-                <a:latin typeface="Franklin Gothic Medium"/>
-              </a:rPr>
-              <a:t> </a:t>
-            </a:r>
-            <a:r>
-              <a:rPr lang="en-US" sz="2800" spc="-1" dirty="0" err="1" smtClean="0">
-                <a:solidFill>
-                  <a:srgbClr val="404040"/>
-                </a:solidFill>
-                <a:uFill>
-                  <a:solidFill>
-                    <a:srgbClr val="FFFFFF"/>
-                  </a:solidFill>
-                </a:uFill>
-                <a:latin typeface="Franklin Gothic Medium"/>
-              </a:rPr>
-              <a:t>sistema</a:t>
-            </a:r>
-            <a:r>
-              <a:rPr lang="en-US" sz="2800" spc="-1" dirty="0" smtClean="0">
-                <a:solidFill>
-                  <a:srgbClr val="404040"/>
-                </a:solidFill>
-                <a:uFill>
-                  <a:solidFill>
-                    <a:srgbClr val="FFFFFF"/>
-                  </a:solidFill>
-                </a:uFill>
-                <a:latin typeface="Franklin Gothic Medium"/>
-              </a:rPr>
-              <a:t> di IR un </a:t>
-            </a:r>
-            <a:r>
-              <a:rPr lang="en-US" sz="2800" spc="-1" dirty="0" err="1" smtClean="0">
-                <a:solidFill>
-                  <a:srgbClr val="404040"/>
-                </a:solidFill>
-                <a:uFill>
-                  <a:solidFill>
-                    <a:srgbClr val="FFFFFF"/>
-                  </a:solidFill>
-                </a:uFill>
-                <a:latin typeface="Franklin Gothic Medium"/>
-              </a:rPr>
-              <a:t>Rprecision</a:t>
-            </a:r>
-            <a:r>
-              <a:rPr lang="en-US" sz="2800" spc="-1" dirty="0" smtClean="0">
-                <a:solidFill>
-                  <a:srgbClr val="404040"/>
-                </a:solidFill>
-                <a:uFill>
-                  <a:solidFill>
-                    <a:srgbClr val="FFFFFF"/>
-                  </a:solidFill>
-                </a:uFill>
-                <a:latin typeface="Franklin Gothic Medium"/>
-              </a:rPr>
-              <a:t> </a:t>
-            </a:r>
-            <a:r>
-              <a:rPr lang="en-US" sz="2800" spc="-1" dirty="0" err="1" smtClean="0">
-                <a:solidFill>
-                  <a:srgbClr val="404040"/>
-                </a:solidFill>
-                <a:uFill>
-                  <a:solidFill>
-                    <a:srgbClr val="FFFFFF"/>
-                  </a:solidFill>
-                </a:uFill>
-                <a:latin typeface="Franklin Gothic Medium"/>
-              </a:rPr>
-              <a:t>su</a:t>
-            </a:r>
-            <a:r>
-              <a:rPr lang="en-US" sz="2800" spc="-1" dirty="0" smtClean="0">
-                <a:solidFill>
-                  <a:srgbClr val="404040"/>
-                </a:solidFill>
-                <a:uFill>
-                  <a:solidFill>
-                    <a:srgbClr val="FFFFFF"/>
-                  </a:solidFill>
-                </a:uFill>
-                <a:latin typeface="Franklin Gothic Medium"/>
-              </a:rPr>
-              <a:t> 30 query </a:t>
-            </a:r>
             <a:endParaRPr lang="en-US" sz="2800" spc="-1" dirty="0" smtClean="0">
               <a:solidFill>
                 <a:srgbClr val="404040"/>
@@ -17794,10 +21619,40 @@
           </a:p>
         </p:txBody>
       </p:sp>
+      <p:pic>
+        <p:nvPicPr>
+          <p:cNvPr id="2" name="Immagine 1"/>
+          <p:cNvPicPr>
+            <a:picLocks noChangeAspect="1"/>
+          </p:cNvPicPr>
+          <p:nvPr/>
+        </p:nvPicPr>
+        <p:blipFill>
+          <a:blip r:embed="rId3">
+            <a:extLst>
+              <a:ext uri="{28A0092B-C50C-407E-A947-70E740481C1C}">
+                <a14:useLocalDpi xmlns:a14="http://schemas.microsoft.com/office/drawing/2010/main" val="0"/>
+              </a:ext>
+            </a:extLst>
+          </a:blip>
+          <a:stretch>
+            <a:fillRect/>
+          </a:stretch>
+        </p:blipFill>
+        <p:spPr>
+          <a:xfrm>
+            <a:off x="2474272" y="1371589"/>
+            <a:ext cx="7315215" cy="5486411"/>
+          </a:xfrm>
+          <a:prstGeom prst="rect">
+            <a:avLst/>
+          </a:prstGeom>
+        </p:spPr>
+      </p:pic>
     </p:spTree>
     <p:extLst>
       <p:ext uri="{BB962C8B-B14F-4D97-AF65-F5344CB8AC3E}">
-        <p14:creationId xmlns:p14="http://schemas.microsoft.com/office/powerpoint/2010/main" val="1405052102"/>
+        <p14:creationId xmlns:p14="http://schemas.microsoft.com/office/powerpoint/2010/main" val="855551711"/>
       </p:ext>
     </p:extLst>
   </p:cSld>
@@ -17878,7 +21733,7 @@
           <a:lstStyle/>
           <a:p>
             <a:r>
-              <a:rPr lang="en-US" sz="3600" spc="-1" dirty="0" err="1" smtClean="0">
+              <a:rPr lang="en-US" sz="3600" spc="-1" dirty="0" smtClean="0">
                 <a:solidFill>
                   <a:srgbClr val="FFFFFF"/>
                 </a:solidFill>
@@ -17889,50 +21744,19 @@
                 </a:uFill>
                 <a:latin typeface="Franklin Gothic Medium"/>
               </a:rPr>
-              <a:t>Esempio</a:t>
-            </a:r>
-            <a:r>
-              <a:rPr lang="en-US" sz="3600" spc="-1" dirty="0" smtClean="0">
+              <a:t>Frequency</a:t>
+            </a:r>
+            <a:endParaRPr lang="en-US" sz="3600" spc="-1" dirty="0">
+              <a:solidFill>
+                <a:srgbClr val="FFFFFF"/>
+              </a:solidFill>
+              <a:uFill>
                 <a:solidFill>
                   <a:srgbClr val="FFFFFF"/>
                 </a:solidFill>
-                <a:uFill>
-                  <a:solidFill>
-                    <a:srgbClr val="FFFFFF"/>
-                  </a:solidFill>
-                </a:uFill>
-                <a:latin typeface="Franklin Gothic Medium"/>
-              </a:rPr>
-              <a:t> </a:t>
-            </a:r>
-            <a:r>
-              <a:rPr lang="en-US" sz="3600" spc="-1" dirty="0" err="1" smtClean="0">
-                <a:solidFill>
-                  <a:srgbClr val="FFFFFF"/>
-                </a:solidFill>
-                <a:uFill>
-                  <a:solidFill>
-                    <a:srgbClr val="FFFFFF"/>
-                  </a:solidFill>
-                </a:uFill>
-                <a:latin typeface="Franklin Gothic Medium"/>
-              </a:rPr>
-              <a:t>Rprecision</a:t>
-            </a:r>
-            <a:r>
-              <a:rPr lang="en-US" sz="3600" spc="-1" dirty="0" smtClean="0">
-                <a:solidFill>
-                  <a:srgbClr val="FFFFFF"/>
-                </a:solidFill>
-                <a:uFill>
-                  <a:solidFill>
-                    <a:srgbClr val="FFFFFF"/>
-                  </a:solidFill>
-                </a:uFill>
-                <a:latin typeface="Franklin Gothic Medium"/>
-              </a:rPr>
-              <a:t>(BM25F, Frequency, 30)</a:t>
-            </a:r>
+              </a:uFill>
+              <a:latin typeface="Franklin Gothic Medium"/>
+            </a:endParaRPr>
           </a:p>
         </p:txBody>
       </p:sp>
@@ -17975,7 +21799,7 @@
       </p:sp>
       <p:pic>
         <p:nvPicPr>
-          <p:cNvPr id="2" name="Immagine 1"/>
+          <p:cNvPr id="3" name="Immagine 2"/>
           <p:cNvPicPr>
             <a:picLocks noChangeAspect="1"/>
           </p:cNvPicPr>
@@ -17995,8 +21819,8 @@
         </p:blipFill>
         <p:spPr>
           <a:xfrm>
-            <a:off x="652407" y="1400998"/>
-            <a:ext cx="10958945" cy="5457002"/>
+            <a:off x="2474272" y="1371589"/>
+            <a:ext cx="7315215" cy="5486411"/>
           </a:xfrm>
           <a:prstGeom prst="rect">
             <a:avLst/>
@@ -18006,7 +21830,7 @@
     </p:spTree>
     <p:extLst>
       <p:ext uri="{BB962C8B-B14F-4D97-AF65-F5344CB8AC3E}">
-        <p14:creationId xmlns:p14="http://schemas.microsoft.com/office/powerpoint/2010/main" val="312493601"/>
+        <p14:creationId xmlns:p14="http://schemas.microsoft.com/office/powerpoint/2010/main" val="67900785"/>
       </p:ext>
     </p:extLst>
   </p:cSld>
@@ -18086,6 +21910,20 @@
           <a:bodyPr anchor="ctr"/>
           <a:lstStyle/>
           <a:p>
+            <a:r>
+              <a:rPr lang="en-US" sz="3600" spc="-1" dirty="0" err="1" smtClean="0">
+                <a:solidFill>
+                  <a:srgbClr val="FFFFFF"/>
+                </a:solidFill>
+                <a:uFill>
+                  <a:solidFill>
+                    <a:srgbClr val="FFFFFF"/>
+                  </a:solidFill>
+                </a:uFill>
+                <a:latin typeface="Franklin Gothic Medium"/>
+              </a:rPr>
+              <a:t>Rprecision</a:t>
+            </a:r>
             <a:endParaRPr lang="en-US" sz="3600" spc="-1" dirty="0">
               <a:solidFill>
                 <a:srgbClr val="FFFFFF"/>
@@ -18123,24 +21961,241 @@
           <a:bodyPr/>
           <a:lstStyle/>
           <a:p>
-            <a:endParaRPr lang="en-US" sz="2800" spc="-1" dirty="0" smtClean="0">
-              <a:solidFill>
-                <a:srgbClr val="404040"/>
-              </a:solidFill>
-              <a:uFill>
-                <a:solidFill>
-                  <a:srgbClr val="FFFFFF"/>
-                </a:solidFill>
-              </a:uFill>
-              <a:latin typeface="Franklin Gothic Medium"/>
-            </a:endParaRPr>
+            <a:pPr marL="457200" indent="-457200">
+              <a:buFont typeface="Wingdings" panose="05000000000000000000" pitchFamily="2" charset="2"/>
+              <a:buChar char="§"/>
+            </a:pPr>
+            <a:r>
+              <a:rPr lang="en-US" sz="2800" spc="-1" dirty="0" err="1" smtClean="0">
+                <a:solidFill>
+                  <a:srgbClr val="404040"/>
+                </a:solidFill>
+                <a:uFill>
+                  <a:solidFill>
+                    <a:srgbClr val="FFFFFF"/>
+                  </a:solidFill>
+                </a:uFill>
+                <a:latin typeface="Franklin Gothic Medium"/>
+              </a:rPr>
+              <a:t>Nell’esempio</a:t>
+            </a:r>
+            <a:r>
+              <a:rPr lang="en-US" sz="2800" spc="-1" dirty="0" smtClean="0">
+                <a:solidFill>
+                  <a:srgbClr val="404040"/>
+                </a:solidFill>
+                <a:uFill>
+                  <a:solidFill>
+                    <a:srgbClr val="FFFFFF"/>
+                  </a:solidFill>
+                </a:uFill>
+                <a:latin typeface="Franklin Gothic Medium"/>
+              </a:rPr>
+              <a:t> </a:t>
+            </a:r>
+            <a:r>
+              <a:rPr lang="en-US" sz="2800" spc="-1" dirty="0" err="1" smtClean="0">
+                <a:solidFill>
+                  <a:srgbClr val="404040"/>
+                </a:solidFill>
+                <a:uFill>
+                  <a:solidFill>
+                    <a:srgbClr val="FFFFFF"/>
+                  </a:solidFill>
+                </a:uFill>
+                <a:latin typeface="Franklin Gothic Medium"/>
+              </a:rPr>
+              <a:t>seguente</a:t>
+            </a:r>
+            <a:r>
+              <a:rPr lang="en-US" sz="2800" spc="-1" dirty="0" smtClean="0">
+                <a:solidFill>
+                  <a:srgbClr val="404040"/>
+                </a:solidFill>
+                <a:uFill>
+                  <a:solidFill>
+                    <a:srgbClr val="FFFFFF"/>
+                  </a:solidFill>
+                </a:uFill>
+                <a:latin typeface="Franklin Gothic Medium"/>
+              </a:rPr>
+              <a:t> è </a:t>
+            </a:r>
+            <a:r>
+              <a:rPr lang="en-US" sz="2800" spc="-1" dirty="0" err="1" smtClean="0">
+                <a:solidFill>
+                  <a:srgbClr val="404040"/>
+                </a:solidFill>
+                <a:uFill>
+                  <a:solidFill>
+                    <a:srgbClr val="FFFFFF"/>
+                  </a:solidFill>
+                </a:uFill>
+                <a:latin typeface="Franklin Gothic Medium"/>
+              </a:rPr>
+              <a:t>stato</a:t>
+            </a:r>
+            <a:r>
+              <a:rPr lang="en-US" sz="2800" spc="-1" dirty="0" smtClean="0">
+                <a:solidFill>
+                  <a:srgbClr val="404040"/>
+                </a:solidFill>
+                <a:uFill>
+                  <a:solidFill>
+                    <a:srgbClr val="FFFFFF"/>
+                  </a:solidFill>
+                </a:uFill>
+                <a:latin typeface="Franklin Gothic Medium"/>
+              </a:rPr>
+              <a:t> </a:t>
+            </a:r>
+            <a:r>
+              <a:rPr lang="en-US" sz="2800" spc="-1" dirty="0" err="1" smtClean="0">
+                <a:solidFill>
+                  <a:srgbClr val="404040"/>
+                </a:solidFill>
+                <a:uFill>
+                  <a:solidFill>
+                    <a:srgbClr val="FFFFFF"/>
+                  </a:solidFill>
+                </a:uFill>
+                <a:latin typeface="Franklin Gothic Medium"/>
+              </a:rPr>
+              <a:t>lanciato</a:t>
+            </a:r>
+            <a:r>
+              <a:rPr lang="en-US" sz="2800" spc="-1" dirty="0" smtClean="0">
+                <a:solidFill>
+                  <a:srgbClr val="404040"/>
+                </a:solidFill>
+                <a:uFill>
+                  <a:solidFill>
+                    <a:srgbClr val="FFFFFF"/>
+                  </a:solidFill>
+                </a:uFill>
+                <a:latin typeface="Franklin Gothic Medium"/>
+              </a:rPr>
+              <a:t> </a:t>
+            </a:r>
+            <a:r>
+              <a:rPr lang="en-US" sz="2800" spc="-1" dirty="0" err="1" smtClean="0">
+                <a:solidFill>
+                  <a:srgbClr val="404040"/>
+                </a:solidFill>
+                <a:uFill>
+                  <a:solidFill>
+                    <a:srgbClr val="FFFFFF"/>
+                  </a:solidFill>
+                </a:uFill>
+                <a:latin typeface="Franklin Gothic Medium"/>
+              </a:rPr>
+              <a:t>sul</a:t>
+            </a:r>
+            <a:r>
+              <a:rPr lang="en-US" sz="2800" spc="-1" dirty="0" smtClean="0">
+                <a:solidFill>
+                  <a:srgbClr val="404040"/>
+                </a:solidFill>
+                <a:uFill>
+                  <a:solidFill>
+                    <a:srgbClr val="FFFFFF"/>
+                  </a:solidFill>
+                </a:uFill>
+                <a:latin typeface="Franklin Gothic Medium"/>
+              </a:rPr>
+              <a:t> </a:t>
+            </a:r>
+            <a:r>
+              <a:rPr lang="en-US" sz="2800" spc="-1" dirty="0" err="1" smtClean="0">
+                <a:solidFill>
+                  <a:srgbClr val="404040"/>
+                </a:solidFill>
+                <a:uFill>
+                  <a:solidFill>
+                    <a:srgbClr val="FFFFFF"/>
+                  </a:solidFill>
+                </a:uFill>
+                <a:latin typeface="Franklin Gothic Medium"/>
+              </a:rPr>
+              <a:t>sistema</a:t>
+            </a:r>
+            <a:r>
+              <a:rPr lang="en-US" sz="2800" spc="-1" dirty="0" smtClean="0">
+                <a:solidFill>
+                  <a:srgbClr val="404040"/>
+                </a:solidFill>
+                <a:uFill>
+                  <a:solidFill>
+                    <a:srgbClr val="FFFFFF"/>
+                  </a:solidFill>
+                </a:uFill>
+                <a:latin typeface="Franklin Gothic Medium"/>
+              </a:rPr>
+              <a:t> di IR un </a:t>
+            </a:r>
+            <a:r>
+              <a:rPr lang="en-US" sz="2800" spc="-1" dirty="0" err="1" smtClean="0">
+                <a:solidFill>
+                  <a:srgbClr val="404040"/>
+                </a:solidFill>
+                <a:uFill>
+                  <a:solidFill>
+                    <a:srgbClr val="FFFFFF"/>
+                  </a:solidFill>
+                </a:uFill>
+                <a:latin typeface="Franklin Gothic Medium"/>
+              </a:rPr>
+              <a:t>Rprecision</a:t>
+            </a:r>
+            <a:r>
+              <a:rPr lang="en-US" sz="2800" spc="-1" dirty="0" smtClean="0">
+                <a:solidFill>
+                  <a:srgbClr val="404040"/>
+                </a:solidFill>
+                <a:uFill>
+                  <a:solidFill>
+                    <a:srgbClr val="FFFFFF"/>
+                  </a:solidFill>
+                </a:uFill>
+                <a:latin typeface="Franklin Gothic Medium"/>
+              </a:rPr>
+              <a:t> </a:t>
+            </a:r>
+            <a:r>
+              <a:rPr lang="en-US" sz="2800" spc="-1" dirty="0" err="1" smtClean="0">
+                <a:solidFill>
+                  <a:srgbClr val="404040"/>
+                </a:solidFill>
+                <a:uFill>
+                  <a:solidFill>
+                    <a:srgbClr val="FFFFFF"/>
+                  </a:solidFill>
+                </a:uFill>
+                <a:latin typeface="Franklin Gothic Medium"/>
+              </a:rPr>
+              <a:t>su</a:t>
+            </a:r>
+            <a:r>
+              <a:rPr lang="en-US" sz="2800" spc="-1" dirty="0" smtClean="0">
+                <a:solidFill>
+                  <a:srgbClr val="404040"/>
+                </a:solidFill>
+                <a:uFill>
+                  <a:solidFill>
+                    <a:srgbClr val="FFFFFF"/>
+                  </a:solidFill>
+                </a:uFill>
+                <a:latin typeface="Franklin Gothic Medium"/>
+              </a:rPr>
+              <a:t> 30 query </a:t>
+            </a:r>
           </a:p>
         </p:txBody>
       </p:sp>
     </p:spTree>
     <p:extLst>
       <p:ext uri="{BB962C8B-B14F-4D97-AF65-F5344CB8AC3E}">
-        <p14:creationId xmlns:p14="http://schemas.microsoft.com/office/powerpoint/2010/main" val="620813447"/>
+        <p14:creationId xmlns:p14="http://schemas.microsoft.com/office/powerpoint/2010/main" val="1405052102"/>
       </p:ext>
     </p:extLst>
   </p:cSld>
@@ -18220,17 +22275,62 @@
           <a:bodyPr anchor="ctr"/>
           <a:lstStyle/>
           <a:p>
-            <a:endParaRPr lang="en-US" sz="3600" spc="-1" dirty="0">
-              <a:solidFill>
-                <a:srgbClr val="FFFFFF"/>
-              </a:solidFill>
-              <a:uFill>
+            <a:r>
+              <a:rPr lang="en-US" sz="3600" spc="-1" dirty="0" err="1" smtClean="0">
                 <a:solidFill>
                   <a:srgbClr val="FFFFFF"/>
                 </a:solidFill>
-              </a:uFill>
-              <a:latin typeface="Franklin Gothic Medium"/>
-            </a:endParaRPr>
+                <a:uFill>
+                  <a:solidFill>
+                    <a:srgbClr val="FFFFFF"/>
+                  </a:solidFill>
+                </a:uFill>
+                <a:latin typeface="Franklin Gothic Medium"/>
+              </a:rPr>
+              <a:t>Esempio</a:t>
+            </a:r>
+            <a:r>
+              <a:rPr lang="en-US" sz="3600" spc="-1" dirty="0" smtClean="0">
+                <a:solidFill>
+                  <a:srgbClr val="FFFFFF"/>
+                </a:solidFill>
+                <a:uFill>
+                  <a:solidFill>
+                    <a:srgbClr val="FFFFFF"/>
+                  </a:solidFill>
+                </a:uFill>
+                <a:latin typeface="Franklin Gothic Medium"/>
+              </a:rPr>
+              <a:t> </a:t>
+            </a:r>
+            <a:r>
+              <a:rPr lang="en-US" sz="3600" spc="-1" dirty="0" smtClean="0">
+                <a:solidFill>
+                  <a:srgbClr val="FFFFFF"/>
+                </a:solidFill>
+                <a:uFill>
+                  <a:solidFill>
+                    <a:srgbClr val="FFFFFF"/>
+                  </a:solidFill>
+                </a:uFill>
+                <a:latin typeface="Franklin Gothic Medium"/>
+              </a:rPr>
+              <a:t>R-Precision(BM25F</a:t>
+            </a:r>
+            <a:r>
+              <a:rPr lang="en-US" sz="3600" spc="-1" dirty="0" smtClean="0">
+                <a:solidFill>
+                  <a:srgbClr val="FFFFFF"/>
+                </a:solidFill>
+                <a:uFill>
+                  <a:solidFill>
+                    <a:srgbClr val="FFFFFF"/>
+                  </a:solidFill>
+                </a:uFill>
+                <a:latin typeface="Franklin Gothic Medium"/>
+              </a:rPr>
+              <a:t>, Frequency, 30)</a:t>
+            </a:r>
           </a:p>
         </p:txBody>
       </p:sp>
@@ -18271,10 +22371,40 @@
           </a:p>
         </p:txBody>
       </p:sp>
+      <p:pic>
+        <p:nvPicPr>
+          <p:cNvPr id="2" name="Immagine 1"/>
+          <p:cNvPicPr>
+            <a:picLocks noChangeAspect="1"/>
+          </p:cNvPicPr>
+          <p:nvPr/>
+        </p:nvPicPr>
+        <p:blipFill>
+          <a:blip r:embed="rId2">
+            <a:extLst>
+              <a:ext uri="{28A0092B-C50C-407E-A947-70E740481C1C}">
+                <a14:useLocalDpi xmlns:a14="http://schemas.microsoft.com/office/drawing/2010/main" val="0"/>
+              </a:ext>
+            </a:extLst>
+          </a:blip>
+          <a:stretch>
+            <a:fillRect/>
+          </a:stretch>
+        </p:blipFill>
+        <p:spPr>
+          <a:xfrm>
+            <a:off x="652407" y="1400998"/>
+            <a:ext cx="10958945" cy="5457002"/>
+          </a:xfrm>
+          <a:prstGeom prst="rect">
+            <a:avLst/>
+          </a:prstGeom>
+        </p:spPr>
+      </p:pic>
     </p:spTree>
     <p:extLst>
       <p:ext uri="{BB962C8B-B14F-4D97-AF65-F5344CB8AC3E}">
-        <p14:creationId xmlns:p14="http://schemas.microsoft.com/office/powerpoint/2010/main" val="2106987382"/>
+        <p14:creationId xmlns:p14="http://schemas.microsoft.com/office/powerpoint/2010/main" val="312493601"/>
       </p:ext>
     </p:extLst>
   </p:cSld>
@@ -22573,21 +26703,21 @@
               <a:t> di un </a:t>
             </a:r>
             <a:r>
-              <a:rPr lang="en-US" sz="2800" b="0" strike="noStrike" spc="-1" dirty="0" err="1">
-                <a:solidFill>
-                  <a:srgbClr val="404040"/>
-                </a:solidFill>
-                <a:uFill>
-                  <a:solidFill>
-                    <a:srgbClr val="FFFFFF"/>
-                  </a:solidFill>
-                </a:uFill>
-                <a:latin typeface="Franklin Gothic Medium"/>
-              </a:rPr>
-              <a:t>indece</a:t>
-            </a:r>
-            <a:r>
-              <a:rPr lang="en-US" sz="2800" b="0" strike="noStrike" spc="-1" dirty="0">
+              <a:rPr lang="en-US" sz="2800" b="0" strike="noStrike" spc="-1" dirty="0" err="1" smtClean="0">
+                <a:solidFill>
+                  <a:srgbClr val="404040"/>
+                </a:solidFill>
+                <a:uFill>
+                  <a:solidFill>
+                    <a:srgbClr val="FFFFFF"/>
+                  </a:solidFill>
+                </a:uFill>
+                <a:latin typeface="Franklin Gothic Medium"/>
+              </a:rPr>
+              <a:t>indice</a:t>
+            </a:r>
+            <a:r>
+              <a:rPr lang="en-US" sz="2800" b="0" strike="noStrike" spc="-1" dirty="0" smtClean="0">
                 <a:solidFill>
                   <a:srgbClr val="404040"/>
                 </a:solidFill>

--- a/doc/Progetto.pptx
+++ b/doc/Progetto.pptx
@@ -138,7 +138,7 @@
   </p:defaultTextStyle>
   <p:extLst>
     <p:ext uri="{EFAFB233-063F-42B5-8137-9DF3F51BA10A}">
-      <p15:sldGuideLst xmlns:p15="http://schemas.microsoft.com/office/powerpoint/2012/main" xmlns="">
+      <p15:sldGuideLst xmlns="" xmlns:p15="http://schemas.microsoft.com/office/powerpoint/2012/main">
         <p15:guide id="1" orient="horz" pos="2160">
           <p15:clr>
             <a:srgbClr val="A4A3A4"/>
@@ -512,128 +512,6 @@
       </p:grpSpPr>
       <p:sp>
         <p:nvSpPr>
-          <p:cNvPr id="102" name="PlaceHolder 1"/>
-          <p:cNvSpPr>
-            <a:spLocks noGrp="1"/>
-          </p:cNvSpPr>
-          <p:nvPr>
-            <p:ph type="body"/>
-          </p:nvPr>
-        </p:nvSpPr>
-        <p:spPr>
-          <a:xfrm>
-            <a:off x="685800" y="4400640"/>
-            <a:ext cx="5486040" cy="3600000"/>
-          </a:xfrm>
-          <a:prstGeom prst="rect">
-            <a:avLst/>
-          </a:prstGeom>
-        </p:spPr>
-        <p:txBody>
-          <a:bodyPr/>
-          <a:lstStyle/>
-          <a:p>
-            <a:r>
-              <a:rPr lang="en-US" sz="2000" b="0" strike="noStrike" spc="-1">
-                <a:solidFill>
-                  <a:srgbClr val="000000"/>
-                </a:solidFill>
-                <a:uFill>
-                  <a:solidFill>
-                    <a:srgbClr val="FFFFFF"/>
-                  </a:solidFill>
-                </a:uFill>
-                <a:latin typeface="Arial"/>
-              </a:rPr>
-              <a:t>Dire che a causa delle risorse limitate si è usato solo un sottoinsieme di tutti i documenti</a:t>
-            </a:r>
-          </a:p>
-        </p:txBody>
-      </p:sp>
-      <p:sp>
-        <p:nvSpPr>
-          <p:cNvPr id="103" name="TextShape 2"/>
-          <p:cNvSpPr txBox="1"/>
-          <p:nvPr/>
-        </p:nvSpPr>
-        <p:spPr>
-          <a:xfrm>
-            <a:off x="3884760" y="8685360"/>
-            <a:ext cx="2971440" cy="458280"/>
-          </a:xfrm>
-          <a:prstGeom prst="rect">
-            <a:avLst/>
-          </a:prstGeom>
-          <a:noFill/>
-          <a:ln>
-            <a:noFill/>
-          </a:ln>
-        </p:spPr>
-        <p:txBody>
-          <a:bodyPr anchor="b"/>
-          <a:lstStyle/>
-          <a:p>
-            <a:pPr algn="r">
-              <a:lnSpc>
-                <a:spcPct val="100000"/>
-              </a:lnSpc>
-            </a:pPr>
-            <a:fld id="{39958131-3C39-448D-86AE-8ACBC1243374}" type="slidenum">
-              <a:rPr lang="en-US" sz="1200" b="0" strike="noStrike" spc="-1">
-                <a:solidFill>
-                  <a:srgbClr val="000000"/>
-                </a:solidFill>
-                <a:uFill>
-                  <a:solidFill>
-                    <a:srgbClr val="FFFFFF"/>
-                  </a:solidFill>
-                </a:uFill>
-                <a:latin typeface="+mn-lt"/>
-                <a:ea typeface="+mn-ea"/>
-              </a:rPr>
-              <a:t>2</a:t>
-            </a:fld>
-            <a:endParaRPr lang="en-US" sz="1400" b="0" strike="noStrike" spc="-1">
-              <a:solidFill>
-                <a:srgbClr val="000000"/>
-              </a:solidFill>
-              <a:uFill>
-                <a:solidFill>
-                  <a:srgbClr val="FFFFFF"/>
-                </a:solidFill>
-              </a:uFill>
-              <a:latin typeface="Times New Roman"/>
-            </a:endParaRPr>
-          </a:p>
-        </p:txBody>
-      </p:sp>
-    </p:spTree>
-  </p:cSld>
-  <p:clrMapOvr>
-    <a:masterClrMapping/>
-  </p:clrMapOvr>
-</p:notes>
-</file>
-
-<file path=ppt/notesSlides/notesSlide10.xml><?xml version="1.0" encoding="utf-8"?>
-<p:notes xmlns:a="http://schemas.openxmlformats.org/drawingml/2006/main" xmlns:r="http://schemas.openxmlformats.org/officeDocument/2006/relationships" xmlns:p="http://schemas.openxmlformats.org/presentationml/2006/main">
-  <p:cSld>
-    <p:spTree>
-      <p:nvGrpSpPr>
-        <p:cNvPr id="1" name=""/>
-        <p:cNvGrpSpPr/>
-        <p:nvPr/>
-      </p:nvGrpSpPr>
-      <p:grpSpPr>
-        <a:xfrm>
-          <a:off x="0" y="0"/>
-          <a:ext cx="0" cy="0"/>
-          <a:chOff x="0" y="0"/>
-          <a:chExt cx="0" cy="0"/>
-        </a:xfrm>
-      </p:grpSpPr>
-      <p:sp>
-        <p:nvSpPr>
           <p:cNvPr id="2" name="Slide Image Placeholder 1"/>
           <p:cNvSpPr>
             <a:spLocks noGrp="1" noRot="1" noChangeAspect="1"/>
@@ -673,561 +551,6 @@
           <a:bodyPr/>
           <a:lstStyle/>
           <a:p>
-            <a:pPr marL="457200" lvl="1" indent="0">
-              <a:buFont typeface="Wingdings" panose="05000000000000000000" pitchFamily="2" charset="2"/>
-              <a:buNone/>
-            </a:pPr>
-            <a:r>
-              <a:rPr lang="en-US" sz="2800" spc="-1" dirty="0" smtClean="0">
-                <a:solidFill>
-                  <a:srgbClr val="404040"/>
-                </a:solidFill>
-                <a:uFill>
-                  <a:solidFill>
-                    <a:srgbClr val="FFFFFF"/>
-                  </a:solidFill>
-                </a:uFill>
-                <a:latin typeface="Franklin Gothic Medium"/>
-              </a:rPr>
-              <a:t>Frequency  -&gt; </a:t>
-            </a:r>
-            <a:r>
-              <a:rPr lang="en-US" sz="2800" spc="-1" dirty="0" err="1" smtClean="0">
-                <a:solidFill>
-                  <a:srgbClr val="404040"/>
-                </a:solidFill>
-                <a:uFill>
-                  <a:solidFill>
-                    <a:srgbClr val="FFFFFF"/>
-                  </a:solidFill>
-                </a:uFill>
-                <a:latin typeface="Franklin Gothic Medium"/>
-              </a:rPr>
-              <a:t>assegna</a:t>
-            </a:r>
-            <a:r>
-              <a:rPr lang="en-US" sz="2800" spc="-1" dirty="0" smtClean="0">
-                <a:solidFill>
-                  <a:srgbClr val="404040"/>
-                </a:solidFill>
-                <a:uFill>
-                  <a:solidFill>
-                    <a:srgbClr val="FFFFFF"/>
-                  </a:solidFill>
-                </a:uFill>
-                <a:latin typeface="Franklin Gothic Medium"/>
-              </a:rPr>
-              <a:t> ad</a:t>
-            </a:r>
-            <a:r>
-              <a:rPr lang="en-US" sz="2800" spc="-1" baseline="0" dirty="0" smtClean="0">
-                <a:solidFill>
-                  <a:srgbClr val="404040"/>
-                </a:solidFill>
-                <a:uFill>
-                  <a:solidFill>
-                    <a:srgbClr val="FFFFFF"/>
-                  </a:solidFill>
-                </a:uFill>
-                <a:latin typeface="Franklin Gothic Medium"/>
-              </a:rPr>
-              <a:t> </a:t>
-            </a:r>
-            <a:r>
-              <a:rPr lang="en-US" sz="2800" spc="-1" baseline="0" dirty="0" err="1" smtClean="0">
-                <a:solidFill>
-                  <a:srgbClr val="404040"/>
-                </a:solidFill>
-                <a:uFill>
-                  <a:solidFill>
-                    <a:srgbClr val="FFFFFF"/>
-                  </a:solidFill>
-                </a:uFill>
-                <a:latin typeface="Franklin Gothic Medium"/>
-              </a:rPr>
-              <a:t>ogni</a:t>
-            </a:r>
-            <a:r>
-              <a:rPr lang="en-US" sz="2800" spc="-1" baseline="0" dirty="0" smtClean="0">
-                <a:solidFill>
-                  <a:srgbClr val="404040"/>
-                </a:solidFill>
-                <a:uFill>
-                  <a:solidFill>
-                    <a:srgbClr val="FFFFFF"/>
-                  </a:solidFill>
-                </a:uFill>
-                <a:latin typeface="Franklin Gothic Medium"/>
-              </a:rPr>
-              <a:t> </a:t>
-            </a:r>
-            <a:r>
-              <a:rPr lang="en-US" sz="2800" spc="-1" baseline="0" dirty="0" err="1" smtClean="0">
-                <a:solidFill>
-                  <a:srgbClr val="404040"/>
-                </a:solidFill>
-                <a:uFill>
-                  <a:solidFill>
-                    <a:srgbClr val="FFFFFF"/>
-                  </a:solidFill>
-                </a:uFill>
-                <a:latin typeface="Franklin Gothic Medium"/>
-              </a:rPr>
-              <a:t>termine</a:t>
-            </a:r>
-            <a:r>
-              <a:rPr lang="en-US" sz="2800" spc="-1" baseline="0" dirty="0" smtClean="0">
-                <a:solidFill>
-                  <a:srgbClr val="404040"/>
-                </a:solidFill>
-                <a:uFill>
-                  <a:solidFill>
-                    <a:srgbClr val="FFFFFF"/>
-                  </a:solidFill>
-                </a:uFill>
-                <a:latin typeface="Franklin Gothic Medium"/>
-              </a:rPr>
-              <a:t> un </a:t>
-            </a:r>
-            <a:r>
-              <a:rPr lang="en-US" sz="2800" spc="-1" baseline="0" dirty="0" err="1" smtClean="0">
-                <a:solidFill>
-                  <a:srgbClr val="404040"/>
-                </a:solidFill>
-                <a:uFill>
-                  <a:solidFill>
-                    <a:srgbClr val="FFFFFF"/>
-                  </a:solidFill>
-                </a:uFill>
-                <a:latin typeface="Franklin Gothic Medium"/>
-              </a:rPr>
-              <a:t>punteggio</a:t>
-            </a:r>
-            <a:r>
-              <a:rPr lang="en-US" sz="2800" spc="-1" baseline="0" dirty="0" smtClean="0">
-                <a:solidFill>
-                  <a:srgbClr val="404040"/>
-                </a:solidFill>
-                <a:uFill>
-                  <a:solidFill>
-                    <a:srgbClr val="FFFFFF"/>
-                  </a:solidFill>
-                </a:uFill>
-                <a:latin typeface="Franklin Gothic Medium"/>
-              </a:rPr>
-              <a:t> in b</a:t>
-            </a:r>
-            <a:r>
-              <a:rPr lang="en-US" sz="2800" spc="-1" dirty="0" smtClean="0">
-                <a:solidFill>
-                  <a:srgbClr val="404040"/>
-                </a:solidFill>
-                <a:uFill>
-                  <a:solidFill>
-                    <a:srgbClr val="FFFFFF"/>
-                  </a:solidFill>
-                </a:uFill>
-                <a:latin typeface="Franklin Gothic Medium"/>
-              </a:rPr>
-              <a:t>ase a </a:t>
-            </a:r>
-            <a:r>
-              <a:rPr lang="en-US" sz="2800" spc="-1" dirty="0" err="1" smtClean="0">
-                <a:solidFill>
-                  <a:srgbClr val="404040"/>
-                </a:solidFill>
-                <a:uFill>
-                  <a:solidFill>
-                    <a:srgbClr val="FFFFFF"/>
-                  </a:solidFill>
-                </a:uFill>
-                <a:latin typeface="Franklin Gothic Medium"/>
-              </a:rPr>
-              <a:t>quante</a:t>
-            </a:r>
-            <a:r>
-              <a:rPr lang="en-US" sz="2800" spc="-1" dirty="0" smtClean="0">
-                <a:solidFill>
-                  <a:srgbClr val="404040"/>
-                </a:solidFill>
-                <a:uFill>
-                  <a:solidFill>
-                    <a:srgbClr val="FFFFFF"/>
-                  </a:solidFill>
-                </a:uFill>
-                <a:latin typeface="Franklin Gothic Medium"/>
-              </a:rPr>
-              <a:t> volte </a:t>
-            </a:r>
-            <a:r>
-              <a:rPr lang="en-US" sz="2800" spc="-1" dirty="0" err="1" smtClean="0">
-                <a:solidFill>
-                  <a:srgbClr val="404040"/>
-                </a:solidFill>
-                <a:uFill>
-                  <a:solidFill>
-                    <a:srgbClr val="FFFFFF"/>
-                  </a:solidFill>
-                </a:uFill>
-                <a:latin typeface="Franklin Gothic Medium"/>
-              </a:rPr>
-              <a:t>appare</a:t>
-            </a:r>
-            <a:r>
-              <a:rPr lang="en-US" sz="2800" spc="-1" dirty="0" smtClean="0">
-                <a:solidFill>
-                  <a:srgbClr val="404040"/>
-                </a:solidFill>
-                <a:uFill>
-                  <a:solidFill>
-                    <a:srgbClr val="FFFFFF"/>
-                  </a:solidFill>
-                </a:uFill>
-                <a:latin typeface="Franklin Gothic Medium"/>
-              </a:rPr>
-              <a:t> in un </a:t>
-            </a:r>
-            <a:r>
-              <a:rPr lang="en-US" sz="2800" spc="-1" dirty="0" err="1" smtClean="0">
-                <a:solidFill>
-                  <a:srgbClr val="404040"/>
-                </a:solidFill>
-                <a:uFill>
-                  <a:solidFill>
-                    <a:srgbClr val="FFFFFF"/>
-                  </a:solidFill>
-                </a:uFill>
-                <a:latin typeface="Franklin Gothic Medium"/>
-              </a:rPr>
-              <a:t>documento</a:t>
-            </a:r>
-            <a:endParaRPr lang="en-US" sz="2800" spc="-1" dirty="0" smtClean="0">
-              <a:solidFill>
-                <a:srgbClr val="404040"/>
-              </a:solidFill>
-              <a:uFill>
-                <a:solidFill>
-                  <a:srgbClr val="FFFFFF"/>
-                </a:solidFill>
-              </a:uFill>
-              <a:latin typeface="Franklin Gothic Medium"/>
-            </a:endParaRPr>
-          </a:p>
-          <a:p>
-            <a:pPr marL="457200" lvl="1" indent="0">
-              <a:buFont typeface="Wingdings" panose="05000000000000000000" pitchFamily="2" charset="2"/>
-              <a:buNone/>
-            </a:pPr>
-            <a:r>
-              <a:rPr lang="en-US" sz="2800" spc="-1" dirty="0" smtClean="0">
-                <a:solidFill>
-                  <a:srgbClr val="404040"/>
-                </a:solidFill>
-                <a:uFill>
-                  <a:solidFill>
-                    <a:srgbClr val="FFFFFF"/>
-                  </a:solidFill>
-                </a:uFill>
-                <a:latin typeface="Franklin Gothic Medium"/>
-              </a:rPr>
-              <a:t>TF_IDF -&gt; come </a:t>
-            </a:r>
-            <a:r>
-              <a:rPr lang="en-US" sz="2800" spc="-1" dirty="0" err="1" smtClean="0">
-                <a:solidFill>
-                  <a:srgbClr val="404040"/>
-                </a:solidFill>
-                <a:uFill>
-                  <a:solidFill>
-                    <a:srgbClr val="FFFFFF"/>
-                  </a:solidFill>
-                </a:uFill>
-                <a:latin typeface="Franklin Gothic Medium"/>
-              </a:rPr>
-              <a:t>sopra</a:t>
-            </a:r>
-            <a:r>
-              <a:rPr lang="en-US" sz="2800" spc="-1" dirty="0" smtClean="0">
-                <a:solidFill>
-                  <a:srgbClr val="404040"/>
-                </a:solidFill>
-                <a:uFill>
-                  <a:solidFill>
-                    <a:srgbClr val="FFFFFF"/>
-                  </a:solidFill>
-                </a:uFill>
-                <a:latin typeface="Franklin Gothic Medium"/>
-              </a:rPr>
-              <a:t> ma </a:t>
-            </a:r>
-            <a:r>
-              <a:rPr lang="en-US" sz="2800" spc="-1" dirty="0" err="1" smtClean="0">
-                <a:solidFill>
-                  <a:srgbClr val="404040"/>
-                </a:solidFill>
-                <a:uFill>
-                  <a:solidFill>
-                    <a:srgbClr val="FFFFFF"/>
-                  </a:solidFill>
-                </a:uFill>
-                <a:latin typeface="Franklin Gothic Medium"/>
-              </a:rPr>
-              <a:t>considera</a:t>
-            </a:r>
-            <a:r>
-              <a:rPr lang="en-US" sz="2800" spc="-1" dirty="0" smtClean="0">
-                <a:solidFill>
-                  <a:srgbClr val="404040"/>
-                </a:solidFill>
-                <a:uFill>
-                  <a:solidFill>
-                    <a:srgbClr val="FFFFFF"/>
-                  </a:solidFill>
-                </a:uFill>
-                <a:latin typeface="Franklin Gothic Medium"/>
-              </a:rPr>
-              <a:t> </a:t>
-            </a:r>
-            <a:r>
-              <a:rPr lang="en-US" sz="2800" spc="-1" dirty="0" err="1" smtClean="0">
-                <a:solidFill>
-                  <a:srgbClr val="404040"/>
-                </a:solidFill>
-                <a:uFill>
-                  <a:solidFill>
-                    <a:srgbClr val="FFFFFF"/>
-                  </a:solidFill>
-                </a:uFill>
-                <a:latin typeface="Franklin Gothic Medium"/>
-              </a:rPr>
-              <a:t>anche</a:t>
-            </a:r>
-            <a:r>
-              <a:rPr lang="en-US" sz="2800" spc="-1" dirty="0" smtClean="0">
-                <a:solidFill>
-                  <a:srgbClr val="404040"/>
-                </a:solidFill>
-                <a:uFill>
-                  <a:solidFill>
-                    <a:srgbClr val="FFFFFF"/>
-                  </a:solidFill>
-                </a:uFill>
-                <a:latin typeface="Franklin Gothic Medium"/>
-              </a:rPr>
-              <a:t> la </a:t>
-            </a:r>
-            <a:r>
-              <a:rPr lang="en-US" sz="2800" spc="-1" dirty="0" err="1" smtClean="0">
-                <a:solidFill>
-                  <a:srgbClr val="404040"/>
-                </a:solidFill>
-                <a:uFill>
-                  <a:solidFill>
-                    <a:srgbClr val="FFFFFF"/>
-                  </a:solidFill>
-                </a:uFill>
-                <a:latin typeface="Franklin Gothic Medium"/>
-              </a:rPr>
-              <a:t>rarirà</a:t>
-            </a:r>
-            <a:r>
-              <a:rPr lang="en-US" sz="2800" spc="-1" dirty="0" smtClean="0">
-                <a:solidFill>
-                  <a:srgbClr val="404040"/>
-                </a:solidFill>
-                <a:uFill>
-                  <a:solidFill>
-                    <a:srgbClr val="FFFFFF"/>
-                  </a:solidFill>
-                </a:uFill>
-                <a:latin typeface="Franklin Gothic Medium"/>
-              </a:rPr>
-              <a:t> del </a:t>
-            </a:r>
-            <a:r>
-              <a:rPr lang="en-US" sz="2800" spc="-1" dirty="0" err="1" smtClean="0">
-                <a:solidFill>
-                  <a:srgbClr val="404040"/>
-                </a:solidFill>
-                <a:uFill>
-                  <a:solidFill>
-                    <a:srgbClr val="FFFFFF"/>
-                  </a:solidFill>
-                </a:uFill>
-                <a:latin typeface="Franklin Gothic Medium"/>
-              </a:rPr>
-              <a:t>termine</a:t>
-            </a:r>
-            <a:r>
-              <a:rPr lang="en-US" sz="2800" spc="-1" dirty="0" smtClean="0">
-                <a:solidFill>
-                  <a:srgbClr val="404040"/>
-                </a:solidFill>
-                <a:uFill>
-                  <a:solidFill>
-                    <a:srgbClr val="FFFFFF"/>
-                  </a:solidFill>
-                </a:uFill>
-                <a:latin typeface="Franklin Gothic Medium"/>
-              </a:rPr>
-              <a:t> </a:t>
-            </a:r>
-            <a:r>
-              <a:rPr lang="en-US" sz="2800" spc="-1" dirty="0" err="1" smtClean="0">
-                <a:solidFill>
-                  <a:srgbClr val="404040"/>
-                </a:solidFill>
-                <a:uFill>
-                  <a:solidFill>
-                    <a:srgbClr val="FFFFFF"/>
-                  </a:solidFill>
-                </a:uFill>
-                <a:latin typeface="Franklin Gothic Medium"/>
-              </a:rPr>
-              <a:t>tra</a:t>
-            </a:r>
-            <a:r>
-              <a:rPr lang="en-US" sz="2800" spc="-1" dirty="0" smtClean="0">
-                <a:solidFill>
-                  <a:srgbClr val="404040"/>
-                </a:solidFill>
-                <a:uFill>
-                  <a:solidFill>
-                    <a:srgbClr val="FFFFFF"/>
-                  </a:solidFill>
-                </a:uFill>
-                <a:latin typeface="Franklin Gothic Medium"/>
-              </a:rPr>
-              <a:t> </a:t>
-            </a:r>
-            <a:r>
-              <a:rPr lang="en-US" sz="2800" spc="-1" dirty="0" err="1" smtClean="0">
-                <a:solidFill>
-                  <a:srgbClr val="404040"/>
-                </a:solidFill>
-                <a:uFill>
-                  <a:solidFill>
-                    <a:srgbClr val="FFFFFF"/>
-                  </a:solidFill>
-                </a:uFill>
-                <a:latin typeface="Franklin Gothic Medium"/>
-              </a:rPr>
-              <a:t>tutti</a:t>
-            </a:r>
-            <a:r>
-              <a:rPr lang="en-US" sz="2800" spc="-1" dirty="0" smtClean="0">
-                <a:solidFill>
-                  <a:srgbClr val="404040"/>
-                </a:solidFill>
-                <a:uFill>
-                  <a:solidFill>
-                    <a:srgbClr val="FFFFFF"/>
-                  </a:solidFill>
-                </a:uFill>
-                <a:latin typeface="Franklin Gothic Medium"/>
-              </a:rPr>
-              <a:t> i </a:t>
-            </a:r>
-            <a:r>
-              <a:rPr lang="en-US" sz="2800" spc="-1" dirty="0" err="1" smtClean="0">
-                <a:solidFill>
-                  <a:srgbClr val="404040"/>
-                </a:solidFill>
-                <a:uFill>
-                  <a:solidFill>
-                    <a:srgbClr val="FFFFFF"/>
-                  </a:solidFill>
-                </a:uFill>
-                <a:latin typeface="Franklin Gothic Medium"/>
-              </a:rPr>
-              <a:t>documenti</a:t>
-            </a:r>
-            <a:endParaRPr lang="en-US" sz="2800" spc="-1" dirty="0" smtClean="0">
-              <a:solidFill>
-                <a:srgbClr val="404040"/>
-              </a:solidFill>
-              <a:uFill>
-                <a:solidFill>
-                  <a:srgbClr val="FFFFFF"/>
-                </a:solidFill>
-              </a:uFill>
-              <a:latin typeface="Franklin Gothic Medium"/>
-            </a:endParaRPr>
-          </a:p>
-          <a:p>
-            <a:pPr marL="457200" lvl="1" indent="0">
-              <a:buFont typeface="Wingdings" panose="05000000000000000000" pitchFamily="2" charset="2"/>
-              <a:buNone/>
-            </a:pPr>
-            <a:r>
-              <a:rPr lang="en-US" sz="2800" spc="-1" dirty="0" smtClean="0">
-                <a:solidFill>
-                  <a:srgbClr val="404040"/>
-                </a:solidFill>
-                <a:uFill>
-                  <a:solidFill>
-                    <a:srgbClr val="FFFFFF"/>
-                  </a:solidFill>
-                </a:uFill>
-                <a:latin typeface="Franklin Gothic Medium"/>
-              </a:rPr>
-              <a:t>BM25 -&gt; </a:t>
-            </a:r>
-            <a:r>
-              <a:rPr lang="en-US" sz="2800" spc="-1" dirty="0" err="1" smtClean="0">
-                <a:solidFill>
-                  <a:srgbClr val="404040"/>
-                </a:solidFill>
-                <a:uFill>
-                  <a:solidFill>
-                    <a:srgbClr val="FFFFFF"/>
-                  </a:solidFill>
-                </a:uFill>
-                <a:latin typeface="Franklin Gothic Medium"/>
-              </a:rPr>
-              <a:t>modello</a:t>
-            </a:r>
-            <a:r>
-              <a:rPr lang="en-US" sz="2800" spc="-1" dirty="0" smtClean="0">
-                <a:solidFill>
-                  <a:srgbClr val="404040"/>
-                </a:solidFill>
-                <a:uFill>
-                  <a:solidFill>
-                    <a:srgbClr val="FFFFFF"/>
-                  </a:solidFill>
-                </a:uFill>
-                <a:latin typeface="Franklin Gothic Medium"/>
-              </a:rPr>
-              <a:t> </a:t>
-            </a:r>
-            <a:r>
-              <a:rPr lang="en-US" sz="2800" spc="-1" dirty="0" err="1" smtClean="0">
-                <a:solidFill>
-                  <a:srgbClr val="404040"/>
-                </a:solidFill>
-                <a:uFill>
-                  <a:solidFill>
-                    <a:srgbClr val="FFFFFF"/>
-                  </a:solidFill>
-                </a:uFill>
-                <a:latin typeface="Franklin Gothic Medium"/>
-              </a:rPr>
-              <a:t>probabilistico</a:t>
-            </a:r>
-            <a:endParaRPr lang="en-US" sz="2800" spc="-1" dirty="0" smtClean="0">
-              <a:solidFill>
-                <a:srgbClr val="404040"/>
-              </a:solidFill>
-              <a:uFill>
-                <a:solidFill>
-                  <a:srgbClr val="FFFFFF"/>
-                </a:solidFill>
-              </a:uFill>
-              <a:latin typeface="Franklin Gothic Medium"/>
-            </a:endParaRPr>
-          </a:p>
-          <a:p>
             <a:endParaRPr lang="it-IT" dirty="0"/>
           </a:p>
         </p:txBody>
@@ -1260,7 +583,7 @@
                 </a:uFill>
                 <a:latin typeface="Times New Roman"/>
               </a:rPr>
-              <a:t>20</a:t>
+              <a:t>1</a:t>
             </a:fld>
             <a:endParaRPr lang="en-US" sz="1400" b="0" strike="noStrike" spc="-1">
               <a:solidFill>
@@ -1279,7 +602,168 @@
     </p:spTree>
     <p:extLst>
       <p:ext uri="{BB962C8B-B14F-4D97-AF65-F5344CB8AC3E}">
-        <p14:creationId xmlns:p14="http://schemas.microsoft.com/office/powerpoint/2010/main" val="469875434"/>
+        <p14:creationId xmlns:p14="http://schemas.microsoft.com/office/powerpoint/2010/main" val="1227832171"/>
+      </p:ext>
+    </p:extLst>
+  </p:cSld>
+  <p:clrMapOvr>
+    <a:masterClrMapping/>
+  </p:clrMapOvr>
+</p:notes>
+</file>
+
+<file path=ppt/notesSlides/notesSlide10.xml><?xml version="1.0" encoding="utf-8"?>
+<p:notes xmlns:a="http://schemas.openxmlformats.org/drawingml/2006/main" xmlns:r="http://schemas.openxmlformats.org/officeDocument/2006/relationships" xmlns:p="http://schemas.openxmlformats.org/presentationml/2006/main">
+  <p:cSld>
+    <p:spTree>
+      <p:nvGrpSpPr>
+        <p:cNvPr id="1" name=""/>
+        <p:cNvGrpSpPr/>
+        <p:nvPr/>
+      </p:nvGrpSpPr>
+      <p:grpSpPr>
+        <a:xfrm>
+          <a:off x="0" y="0"/>
+          <a:ext cx="0" cy="0"/>
+          <a:chOff x="0" y="0"/>
+          <a:chExt cx="0" cy="0"/>
+        </a:xfrm>
+      </p:grpSpPr>
+      <p:sp>
+        <p:nvSpPr>
+          <p:cNvPr id="2" name="Segnaposto immagine diapositiva 1"/>
+          <p:cNvSpPr>
+            <a:spLocks noGrp="1" noRot="1" noChangeAspect="1"/>
+          </p:cNvSpPr>
+          <p:nvPr>
+            <p:ph type="sldImg"/>
+          </p:nvPr>
+        </p:nvSpPr>
+        <p:spPr>
+          <a:xfrm>
+            <a:off x="685800" y="1143000"/>
+            <a:ext cx="5486400" cy="3086100"/>
+          </a:xfrm>
+          <a:prstGeom prst="rect">
+            <a:avLst/>
+          </a:prstGeom>
+          <a:noFill/>
+          <a:ln w="12700">
+            <a:solidFill>
+              <a:prstClr val="black"/>
+            </a:solidFill>
+          </a:ln>
+        </p:spPr>
+      </p:sp>
+      <p:sp>
+        <p:nvSpPr>
+          <p:cNvPr id="3" name="Segnaposto note 2"/>
+          <p:cNvSpPr>
+            <a:spLocks noGrp="1"/>
+          </p:cNvSpPr>
+          <p:nvPr>
+            <p:ph type="body" idx="1"/>
+          </p:nvPr>
+        </p:nvSpPr>
+        <p:spPr/>
+        <p:txBody>
+          <a:bodyPr/>
+          <a:lstStyle/>
+          <a:p>
+            <a:r>
+              <a:rPr lang="it-IT" sz="1200" spc="-1" dirty="0" err="1" smtClean="0">
+                <a:solidFill>
+                  <a:srgbClr val="404040"/>
+                </a:solidFill>
+                <a:uFill>
+                  <a:solidFill>
+                    <a:srgbClr val="FFFFFF"/>
+                  </a:solidFill>
+                </a:uFill>
+                <a:latin typeface="Franklin Gothic Medium" panose="020B0603020102020204" pitchFamily="34" charset="0"/>
+              </a:rPr>
+              <a:t>Jaccard</a:t>
+            </a:r>
+            <a:r>
+              <a:rPr lang="it-IT" sz="1200" spc="-1" dirty="0" smtClean="0">
+                <a:solidFill>
+                  <a:srgbClr val="404040"/>
+                </a:solidFill>
+                <a:uFill>
+                  <a:solidFill>
+                    <a:srgbClr val="FFFFFF"/>
+                  </a:solidFill>
+                </a:uFill>
+                <a:latin typeface="Franklin Gothic Medium" panose="020B0603020102020204" pitchFamily="34" charset="0"/>
+              </a:rPr>
+              <a:t> = (s1 ∩</a:t>
+            </a:r>
+            <a:r>
+              <a:rPr lang="it-IT" sz="1200" spc="-1" baseline="0" dirty="0" smtClean="0">
+                <a:solidFill>
+                  <a:srgbClr val="404040"/>
+                </a:solidFill>
+                <a:uFill>
+                  <a:solidFill>
+                    <a:srgbClr val="FFFFFF"/>
+                  </a:solidFill>
+                </a:uFill>
+                <a:latin typeface="Franklin Gothic Medium" panose="020B0603020102020204" pitchFamily="34" charset="0"/>
+              </a:rPr>
+              <a:t> s2) / (s1 u s2)</a:t>
+            </a:r>
+            <a:endParaRPr lang="it-IT" dirty="0"/>
+          </a:p>
+        </p:txBody>
+      </p:sp>
+      <p:sp>
+        <p:nvSpPr>
+          <p:cNvPr id="4" name="Segnaposto numero diapositiva 3"/>
+          <p:cNvSpPr>
+            <a:spLocks noGrp="1"/>
+          </p:cNvSpPr>
+          <p:nvPr>
+            <p:ph type="sldNum" idx="10"/>
+          </p:nvPr>
+        </p:nvSpPr>
+        <p:spPr/>
+        <p:txBody>
+          <a:bodyPr/>
+          <a:lstStyle/>
+          <a:p>
+            <a:pPr algn="r"/>
+            <a:fld id="{BF3F0219-EEC3-47CD-80D0-D5594D977E01}" type="slidenum">
+              <a:rPr lang="en-US" sz="1400" b="0" strike="noStrike" spc="-1" smtClean="0">
+                <a:solidFill>
+                  <a:srgbClr val="000000"/>
+                </a:solidFill>
+                <a:uFill>
+                  <a:solidFill>
+                    <a:srgbClr val="FFFFFF"/>
+                  </a:solidFill>
+                </a:uFill>
+                <a:latin typeface="Times New Roman"/>
+              </a:rPr>
+              <a:t>17</a:t>
+            </a:fld>
+            <a:endParaRPr lang="en-US" sz="1400" b="0" strike="noStrike" spc="-1">
+              <a:solidFill>
+                <a:srgbClr val="000000"/>
+              </a:solidFill>
+              <a:uFill>
+                <a:solidFill>
+                  <a:srgbClr val="FFFFFF"/>
+                </a:solidFill>
+              </a:uFill>
+              <a:latin typeface="Times New Roman"/>
+            </a:endParaRPr>
+          </a:p>
+        </p:txBody>
+      </p:sp>
+    </p:spTree>
+    <p:extLst>
+      <p:ext uri="{BB962C8B-B14F-4D97-AF65-F5344CB8AC3E}">
+        <p14:creationId xmlns:p14="http://schemas.microsoft.com/office/powerpoint/2010/main" val="1227873119"/>
       </p:ext>
     </p:extLst>
   </p:cSld>
@@ -1347,6 +831,561 @@
           <a:bodyPr/>
           <a:lstStyle/>
           <a:p>
+            <a:pPr marL="457200" lvl="1" indent="0">
+              <a:buFont typeface="Wingdings" panose="05000000000000000000" pitchFamily="2" charset="2"/>
+              <a:buNone/>
+            </a:pPr>
+            <a:r>
+              <a:rPr lang="en-US" sz="2800" spc="-1" dirty="0" smtClean="0">
+                <a:solidFill>
+                  <a:srgbClr val="404040"/>
+                </a:solidFill>
+                <a:uFill>
+                  <a:solidFill>
+                    <a:srgbClr val="FFFFFF"/>
+                  </a:solidFill>
+                </a:uFill>
+                <a:latin typeface="Franklin Gothic Medium"/>
+              </a:rPr>
+              <a:t>Frequency  -&gt; </a:t>
+            </a:r>
+            <a:r>
+              <a:rPr lang="en-US" sz="2800" spc="-1" dirty="0" err="1" smtClean="0">
+                <a:solidFill>
+                  <a:srgbClr val="404040"/>
+                </a:solidFill>
+                <a:uFill>
+                  <a:solidFill>
+                    <a:srgbClr val="FFFFFF"/>
+                  </a:solidFill>
+                </a:uFill>
+                <a:latin typeface="Franklin Gothic Medium"/>
+              </a:rPr>
+              <a:t>assegna</a:t>
+            </a:r>
+            <a:r>
+              <a:rPr lang="en-US" sz="2800" spc="-1" dirty="0" smtClean="0">
+                <a:solidFill>
+                  <a:srgbClr val="404040"/>
+                </a:solidFill>
+                <a:uFill>
+                  <a:solidFill>
+                    <a:srgbClr val="FFFFFF"/>
+                  </a:solidFill>
+                </a:uFill>
+                <a:latin typeface="Franklin Gothic Medium"/>
+              </a:rPr>
+              <a:t> ad</a:t>
+            </a:r>
+            <a:r>
+              <a:rPr lang="en-US" sz="2800" spc="-1" baseline="0" dirty="0" smtClean="0">
+                <a:solidFill>
+                  <a:srgbClr val="404040"/>
+                </a:solidFill>
+                <a:uFill>
+                  <a:solidFill>
+                    <a:srgbClr val="FFFFFF"/>
+                  </a:solidFill>
+                </a:uFill>
+                <a:latin typeface="Franklin Gothic Medium"/>
+              </a:rPr>
+              <a:t> </a:t>
+            </a:r>
+            <a:r>
+              <a:rPr lang="en-US" sz="2800" spc="-1" baseline="0" dirty="0" err="1" smtClean="0">
+                <a:solidFill>
+                  <a:srgbClr val="404040"/>
+                </a:solidFill>
+                <a:uFill>
+                  <a:solidFill>
+                    <a:srgbClr val="FFFFFF"/>
+                  </a:solidFill>
+                </a:uFill>
+                <a:latin typeface="Franklin Gothic Medium"/>
+              </a:rPr>
+              <a:t>ogni</a:t>
+            </a:r>
+            <a:r>
+              <a:rPr lang="en-US" sz="2800" spc="-1" baseline="0" dirty="0" smtClean="0">
+                <a:solidFill>
+                  <a:srgbClr val="404040"/>
+                </a:solidFill>
+                <a:uFill>
+                  <a:solidFill>
+                    <a:srgbClr val="FFFFFF"/>
+                  </a:solidFill>
+                </a:uFill>
+                <a:latin typeface="Franklin Gothic Medium"/>
+              </a:rPr>
+              <a:t> </a:t>
+            </a:r>
+            <a:r>
+              <a:rPr lang="en-US" sz="2800" spc="-1" baseline="0" dirty="0" err="1" smtClean="0">
+                <a:solidFill>
+                  <a:srgbClr val="404040"/>
+                </a:solidFill>
+                <a:uFill>
+                  <a:solidFill>
+                    <a:srgbClr val="FFFFFF"/>
+                  </a:solidFill>
+                </a:uFill>
+                <a:latin typeface="Franklin Gothic Medium"/>
+              </a:rPr>
+              <a:t>termine</a:t>
+            </a:r>
+            <a:r>
+              <a:rPr lang="en-US" sz="2800" spc="-1" baseline="0" dirty="0" smtClean="0">
+                <a:solidFill>
+                  <a:srgbClr val="404040"/>
+                </a:solidFill>
+                <a:uFill>
+                  <a:solidFill>
+                    <a:srgbClr val="FFFFFF"/>
+                  </a:solidFill>
+                </a:uFill>
+                <a:latin typeface="Franklin Gothic Medium"/>
+              </a:rPr>
+              <a:t> un </a:t>
+            </a:r>
+            <a:r>
+              <a:rPr lang="en-US" sz="2800" spc="-1" baseline="0" dirty="0" err="1" smtClean="0">
+                <a:solidFill>
+                  <a:srgbClr val="404040"/>
+                </a:solidFill>
+                <a:uFill>
+                  <a:solidFill>
+                    <a:srgbClr val="FFFFFF"/>
+                  </a:solidFill>
+                </a:uFill>
+                <a:latin typeface="Franklin Gothic Medium"/>
+              </a:rPr>
+              <a:t>punteggio</a:t>
+            </a:r>
+            <a:r>
+              <a:rPr lang="en-US" sz="2800" spc="-1" baseline="0" dirty="0" smtClean="0">
+                <a:solidFill>
+                  <a:srgbClr val="404040"/>
+                </a:solidFill>
+                <a:uFill>
+                  <a:solidFill>
+                    <a:srgbClr val="FFFFFF"/>
+                  </a:solidFill>
+                </a:uFill>
+                <a:latin typeface="Franklin Gothic Medium"/>
+              </a:rPr>
+              <a:t> in b</a:t>
+            </a:r>
+            <a:r>
+              <a:rPr lang="en-US" sz="2800" spc="-1" dirty="0" smtClean="0">
+                <a:solidFill>
+                  <a:srgbClr val="404040"/>
+                </a:solidFill>
+                <a:uFill>
+                  <a:solidFill>
+                    <a:srgbClr val="FFFFFF"/>
+                  </a:solidFill>
+                </a:uFill>
+                <a:latin typeface="Franklin Gothic Medium"/>
+              </a:rPr>
+              <a:t>ase a </a:t>
+            </a:r>
+            <a:r>
+              <a:rPr lang="en-US" sz="2800" spc="-1" dirty="0" err="1" smtClean="0">
+                <a:solidFill>
+                  <a:srgbClr val="404040"/>
+                </a:solidFill>
+                <a:uFill>
+                  <a:solidFill>
+                    <a:srgbClr val="FFFFFF"/>
+                  </a:solidFill>
+                </a:uFill>
+                <a:latin typeface="Franklin Gothic Medium"/>
+              </a:rPr>
+              <a:t>quante</a:t>
+            </a:r>
+            <a:r>
+              <a:rPr lang="en-US" sz="2800" spc="-1" dirty="0" smtClean="0">
+                <a:solidFill>
+                  <a:srgbClr val="404040"/>
+                </a:solidFill>
+                <a:uFill>
+                  <a:solidFill>
+                    <a:srgbClr val="FFFFFF"/>
+                  </a:solidFill>
+                </a:uFill>
+                <a:latin typeface="Franklin Gothic Medium"/>
+              </a:rPr>
+              <a:t> volte </a:t>
+            </a:r>
+            <a:r>
+              <a:rPr lang="en-US" sz="2800" spc="-1" dirty="0" err="1" smtClean="0">
+                <a:solidFill>
+                  <a:srgbClr val="404040"/>
+                </a:solidFill>
+                <a:uFill>
+                  <a:solidFill>
+                    <a:srgbClr val="FFFFFF"/>
+                  </a:solidFill>
+                </a:uFill>
+                <a:latin typeface="Franklin Gothic Medium"/>
+              </a:rPr>
+              <a:t>appare</a:t>
+            </a:r>
+            <a:r>
+              <a:rPr lang="en-US" sz="2800" spc="-1" dirty="0" smtClean="0">
+                <a:solidFill>
+                  <a:srgbClr val="404040"/>
+                </a:solidFill>
+                <a:uFill>
+                  <a:solidFill>
+                    <a:srgbClr val="FFFFFF"/>
+                  </a:solidFill>
+                </a:uFill>
+                <a:latin typeface="Franklin Gothic Medium"/>
+              </a:rPr>
+              <a:t> in un </a:t>
+            </a:r>
+            <a:r>
+              <a:rPr lang="en-US" sz="2800" spc="-1" dirty="0" err="1" smtClean="0">
+                <a:solidFill>
+                  <a:srgbClr val="404040"/>
+                </a:solidFill>
+                <a:uFill>
+                  <a:solidFill>
+                    <a:srgbClr val="FFFFFF"/>
+                  </a:solidFill>
+                </a:uFill>
+                <a:latin typeface="Franklin Gothic Medium"/>
+              </a:rPr>
+              <a:t>documento</a:t>
+            </a:r>
+            <a:endParaRPr lang="en-US" sz="2800" spc="-1" dirty="0" smtClean="0">
+              <a:solidFill>
+                <a:srgbClr val="404040"/>
+              </a:solidFill>
+              <a:uFill>
+                <a:solidFill>
+                  <a:srgbClr val="FFFFFF"/>
+                </a:solidFill>
+              </a:uFill>
+              <a:latin typeface="Franklin Gothic Medium"/>
+            </a:endParaRPr>
+          </a:p>
+          <a:p>
+            <a:pPr marL="457200" lvl="1" indent="0">
+              <a:buFont typeface="Wingdings" panose="05000000000000000000" pitchFamily="2" charset="2"/>
+              <a:buNone/>
+            </a:pPr>
+            <a:r>
+              <a:rPr lang="en-US" sz="2800" spc="-1" dirty="0" smtClean="0">
+                <a:solidFill>
+                  <a:srgbClr val="404040"/>
+                </a:solidFill>
+                <a:uFill>
+                  <a:solidFill>
+                    <a:srgbClr val="FFFFFF"/>
+                  </a:solidFill>
+                </a:uFill>
+                <a:latin typeface="Franklin Gothic Medium"/>
+              </a:rPr>
+              <a:t>TF_IDF -&gt; come </a:t>
+            </a:r>
+            <a:r>
+              <a:rPr lang="en-US" sz="2800" spc="-1" dirty="0" err="1" smtClean="0">
+                <a:solidFill>
+                  <a:srgbClr val="404040"/>
+                </a:solidFill>
+                <a:uFill>
+                  <a:solidFill>
+                    <a:srgbClr val="FFFFFF"/>
+                  </a:solidFill>
+                </a:uFill>
+                <a:latin typeface="Franklin Gothic Medium"/>
+              </a:rPr>
+              <a:t>sopra</a:t>
+            </a:r>
+            <a:r>
+              <a:rPr lang="en-US" sz="2800" spc="-1" dirty="0" smtClean="0">
+                <a:solidFill>
+                  <a:srgbClr val="404040"/>
+                </a:solidFill>
+                <a:uFill>
+                  <a:solidFill>
+                    <a:srgbClr val="FFFFFF"/>
+                  </a:solidFill>
+                </a:uFill>
+                <a:latin typeface="Franklin Gothic Medium"/>
+              </a:rPr>
+              <a:t> ma </a:t>
+            </a:r>
+            <a:r>
+              <a:rPr lang="en-US" sz="2800" spc="-1" dirty="0" err="1" smtClean="0">
+                <a:solidFill>
+                  <a:srgbClr val="404040"/>
+                </a:solidFill>
+                <a:uFill>
+                  <a:solidFill>
+                    <a:srgbClr val="FFFFFF"/>
+                  </a:solidFill>
+                </a:uFill>
+                <a:latin typeface="Franklin Gothic Medium"/>
+              </a:rPr>
+              <a:t>considera</a:t>
+            </a:r>
+            <a:r>
+              <a:rPr lang="en-US" sz="2800" spc="-1" dirty="0" smtClean="0">
+                <a:solidFill>
+                  <a:srgbClr val="404040"/>
+                </a:solidFill>
+                <a:uFill>
+                  <a:solidFill>
+                    <a:srgbClr val="FFFFFF"/>
+                  </a:solidFill>
+                </a:uFill>
+                <a:latin typeface="Franklin Gothic Medium"/>
+              </a:rPr>
+              <a:t> </a:t>
+            </a:r>
+            <a:r>
+              <a:rPr lang="en-US" sz="2800" spc="-1" dirty="0" err="1" smtClean="0">
+                <a:solidFill>
+                  <a:srgbClr val="404040"/>
+                </a:solidFill>
+                <a:uFill>
+                  <a:solidFill>
+                    <a:srgbClr val="FFFFFF"/>
+                  </a:solidFill>
+                </a:uFill>
+                <a:latin typeface="Franklin Gothic Medium"/>
+              </a:rPr>
+              <a:t>anche</a:t>
+            </a:r>
+            <a:r>
+              <a:rPr lang="en-US" sz="2800" spc="-1" dirty="0" smtClean="0">
+                <a:solidFill>
+                  <a:srgbClr val="404040"/>
+                </a:solidFill>
+                <a:uFill>
+                  <a:solidFill>
+                    <a:srgbClr val="FFFFFF"/>
+                  </a:solidFill>
+                </a:uFill>
+                <a:latin typeface="Franklin Gothic Medium"/>
+              </a:rPr>
+              <a:t> la </a:t>
+            </a:r>
+            <a:r>
+              <a:rPr lang="en-US" sz="2800" spc="-1" dirty="0" err="1" smtClean="0">
+                <a:solidFill>
+                  <a:srgbClr val="404040"/>
+                </a:solidFill>
+                <a:uFill>
+                  <a:solidFill>
+                    <a:srgbClr val="FFFFFF"/>
+                  </a:solidFill>
+                </a:uFill>
+                <a:latin typeface="Franklin Gothic Medium"/>
+              </a:rPr>
+              <a:t>rarirà</a:t>
+            </a:r>
+            <a:r>
+              <a:rPr lang="en-US" sz="2800" spc="-1" dirty="0" smtClean="0">
+                <a:solidFill>
+                  <a:srgbClr val="404040"/>
+                </a:solidFill>
+                <a:uFill>
+                  <a:solidFill>
+                    <a:srgbClr val="FFFFFF"/>
+                  </a:solidFill>
+                </a:uFill>
+                <a:latin typeface="Franklin Gothic Medium"/>
+              </a:rPr>
+              <a:t> del </a:t>
+            </a:r>
+            <a:r>
+              <a:rPr lang="en-US" sz="2800" spc="-1" dirty="0" err="1" smtClean="0">
+                <a:solidFill>
+                  <a:srgbClr val="404040"/>
+                </a:solidFill>
+                <a:uFill>
+                  <a:solidFill>
+                    <a:srgbClr val="FFFFFF"/>
+                  </a:solidFill>
+                </a:uFill>
+                <a:latin typeface="Franklin Gothic Medium"/>
+              </a:rPr>
+              <a:t>termine</a:t>
+            </a:r>
+            <a:r>
+              <a:rPr lang="en-US" sz="2800" spc="-1" dirty="0" smtClean="0">
+                <a:solidFill>
+                  <a:srgbClr val="404040"/>
+                </a:solidFill>
+                <a:uFill>
+                  <a:solidFill>
+                    <a:srgbClr val="FFFFFF"/>
+                  </a:solidFill>
+                </a:uFill>
+                <a:latin typeface="Franklin Gothic Medium"/>
+              </a:rPr>
+              <a:t> </a:t>
+            </a:r>
+            <a:r>
+              <a:rPr lang="en-US" sz="2800" spc="-1" dirty="0" err="1" smtClean="0">
+                <a:solidFill>
+                  <a:srgbClr val="404040"/>
+                </a:solidFill>
+                <a:uFill>
+                  <a:solidFill>
+                    <a:srgbClr val="FFFFFF"/>
+                  </a:solidFill>
+                </a:uFill>
+                <a:latin typeface="Franklin Gothic Medium"/>
+              </a:rPr>
+              <a:t>tra</a:t>
+            </a:r>
+            <a:r>
+              <a:rPr lang="en-US" sz="2800" spc="-1" dirty="0" smtClean="0">
+                <a:solidFill>
+                  <a:srgbClr val="404040"/>
+                </a:solidFill>
+                <a:uFill>
+                  <a:solidFill>
+                    <a:srgbClr val="FFFFFF"/>
+                  </a:solidFill>
+                </a:uFill>
+                <a:latin typeface="Franklin Gothic Medium"/>
+              </a:rPr>
+              <a:t> </a:t>
+            </a:r>
+            <a:r>
+              <a:rPr lang="en-US" sz="2800" spc="-1" dirty="0" err="1" smtClean="0">
+                <a:solidFill>
+                  <a:srgbClr val="404040"/>
+                </a:solidFill>
+                <a:uFill>
+                  <a:solidFill>
+                    <a:srgbClr val="FFFFFF"/>
+                  </a:solidFill>
+                </a:uFill>
+                <a:latin typeface="Franklin Gothic Medium"/>
+              </a:rPr>
+              <a:t>tutti</a:t>
+            </a:r>
+            <a:r>
+              <a:rPr lang="en-US" sz="2800" spc="-1" dirty="0" smtClean="0">
+                <a:solidFill>
+                  <a:srgbClr val="404040"/>
+                </a:solidFill>
+                <a:uFill>
+                  <a:solidFill>
+                    <a:srgbClr val="FFFFFF"/>
+                  </a:solidFill>
+                </a:uFill>
+                <a:latin typeface="Franklin Gothic Medium"/>
+              </a:rPr>
+              <a:t> i </a:t>
+            </a:r>
+            <a:r>
+              <a:rPr lang="en-US" sz="2800" spc="-1" dirty="0" err="1" smtClean="0">
+                <a:solidFill>
+                  <a:srgbClr val="404040"/>
+                </a:solidFill>
+                <a:uFill>
+                  <a:solidFill>
+                    <a:srgbClr val="FFFFFF"/>
+                  </a:solidFill>
+                </a:uFill>
+                <a:latin typeface="Franklin Gothic Medium"/>
+              </a:rPr>
+              <a:t>documenti</a:t>
+            </a:r>
+            <a:endParaRPr lang="en-US" sz="2800" spc="-1" dirty="0" smtClean="0">
+              <a:solidFill>
+                <a:srgbClr val="404040"/>
+              </a:solidFill>
+              <a:uFill>
+                <a:solidFill>
+                  <a:srgbClr val="FFFFFF"/>
+                </a:solidFill>
+              </a:uFill>
+              <a:latin typeface="Franklin Gothic Medium"/>
+            </a:endParaRPr>
+          </a:p>
+          <a:p>
+            <a:pPr marL="457200" lvl="1" indent="0">
+              <a:buFont typeface="Wingdings" panose="05000000000000000000" pitchFamily="2" charset="2"/>
+              <a:buNone/>
+            </a:pPr>
+            <a:r>
+              <a:rPr lang="en-US" sz="2800" spc="-1" dirty="0" smtClean="0">
+                <a:solidFill>
+                  <a:srgbClr val="404040"/>
+                </a:solidFill>
+                <a:uFill>
+                  <a:solidFill>
+                    <a:srgbClr val="FFFFFF"/>
+                  </a:solidFill>
+                </a:uFill>
+                <a:latin typeface="Franklin Gothic Medium"/>
+              </a:rPr>
+              <a:t>BM25 -&gt; </a:t>
+            </a:r>
+            <a:r>
+              <a:rPr lang="en-US" sz="2800" spc="-1" dirty="0" err="1" smtClean="0">
+                <a:solidFill>
+                  <a:srgbClr val="404040"/>
+                </a:solidFill>
+                <a:uFill>
+                  <a:solidFill>
+                    <a:srgbClr val="FFFFFF"/>
+                  </a:solidFill>
+                </a:uFill>
+                <a:latin typeface="Franklin Gothic Medium"/>
+              </a:rPr>
+              <a:t>modello</a:t>
+            </a:r>
+            <a:r>
+              <a:rPr lang="en-US" sz="2800" spc="-1" dirty="0" smtClean="0">
+                <a:solidFill>
+                  <a:srgbClr val="404040"/>
+                </a:solidFill>
+                <a:uFill>
+                  <a:solidFill>
+                    <a:srgbClr val="FFFFFF"/>
+                  </a:solidFill>
+                </a:uFill>
+                <a:latin typeface="Franklin Gothic Medium"/>
+              </a:rPr>
+              <a:t> </a:t>
+            </a:r>
+            <a:r>
+              <a:rPr lang="en-US" sz="2800" spc="-1" dirty="0" err="1" smtClean="0">
+                <a:solidFill>
+                  <a:srgbClr val="404040"/>
+                </a:solidFill>
+                <a:uFill>
+                  <a:solidFill>
+                    <a:srgbClr val="FFFFFF"/>
+                  </a:solidFill>
+                </a:uFill>
+                <a:latin typeface="Franklin Gothic Medium"/>
+              </a:rPr>
+              <a:t>probabilistico</a:t>
+            </a:r>
+            <a:endParaRPr lang="en-US" sz="2800" spc="-1" dirty="0" smtClean="0">
+              <a:solidFill>
+                <a:srgbClr val="404040"/>
+              </a:solidFill>
+              <a:uFill>
+                <a:solidFill>
+                  <a:srgbClr val="FFFFFF"/>
+                </a:solidFill>
+              </a:uFill>
+              <a:latin typeface="Franklin Gothic Medium"/>
+            </a:endParaRPr>
+          </a:p>
+          <a:p>
             <a:endParaRPr lang="it-IT" dirty="0"/>
           </a:p>
         </p:txBody>
@@ -1379,6 +1418,125 @@
                 </a:uFill>
                 <a:latin typeface="Times New Roman"/>
               </a:rPr>
+              <a:t>20</a:t>
+            </a:fld>
+            <a:endParaRPr lang="en-US" sz="1400" b="0" strike="noStrike" spc="-1">
+              <a:solidFill>
+                <a:srgbClr val="000000"/>
+              </a:solidFill>
+              <a:uFill>
+                <a:solidFill>
+                  <a:srgbClr val="FFFFFF"/>
+                </a:solidFill>
+              </a:uFill>
+              <a:latin typeface="Times New Roman"/>
+            </a:endParaRPr>
+          </a:p>
+        </p:txBody>
+      </p:sp>
+    </p:spTree>
+    <p:extLst>
+      <p:ext uri="{BB962C8B-B14F-4D97-AF65-F5344CB8AC3E}">
+        <p14:creationId xmlns:p14="http://schemas.microsoft.com/office/powerpoint/2010/main" val="469875434"/>
+      </p:ext>
+    </p:extLst>
+  </p:cSld>
+  <p:clrMapOvr>
+    <a:masterClrMapping/>
+  </p:clrMapOvr>
+</p:notes>
+</file>
+
+<file path=ppt/notesSlides/notesSlide12.xml><?xml version="1.0" encoding="utf-8"?>
+<p:notes xmlns:a="http://schemas.openxmlformats.org/drawingml/2006/main" xmlns:r="http://schemas.openxmlformats.org/officeDocument/2006/relationships" xmlns:p="http://schemas.openxmlformats.org/presentationml/2006/main">
+  <p:cSld>
+    <p:spTree>
+      <p:nvGrpSpPr>
+        <p:cNvPr id="1" name=""/>
+        <p:cNvGrpSpPr/>
+        <p:nvPr/>
+      </p:nvGrpSpPr>
+      <p:grpSpPr>
+        <a:xfrm>
+          <a:off x="0" y="0"/>
+          <a:ext cx="0" cy="0"/>
+          <a:chOff x="0" y="0"/>
+          <a:chExt cx="0" cy="0"/>
+        </a:xfrm>
+      </p:grpSpPr>
+      <p:sp>
+        <p:nvSpPr>
+          <p:cNvPr id="2" name="Slide Image Placeholder 1"/>
+          <p:cNvSpPr>
+            <a:spLocks noGrp="1" noRot="1" noChangeAspect="1"/>
+          </p:cNvSpPr>
+          <p:nvPr>
+            <p:ph type="sldImg"/>
+          </p:nvPr>
+        </p:nvSpPr>
+        <p:spPr>
+          <a:xfrm>
+            <a:off x="381000" y="685800"/>
+            <a:ext cx="6096000" cy="3429000"/>
+          </a:xfrm>
+          <a:prstGeom prst="rect">
+            <a:avLst/>
+          </a:prstGeom>
+          <a:noFill/>
+          <a:ln w="12700">
+            <a:solidFill>
+              <a:prstClr val="black"/>
+            </a:solidFill>
+          </a:ln>
+        </p:spPr>
+      </p:sp>
+      <p:sp>
+        <p:nvSpPr>
+          <p:cNvPr id="3" name="Notes Placeholder 2"/>
+          <p:cNvSpPr>
+            <a:spLocks noGrp="1"/>
+          </p:cNvSpPr>
+          <p:nvPr>
+            <p:ph type="body" idx="1"/>
+          </p:nvPr>
+        </p:nvSpPr>
+        <p:spPr/>
+        <p:txBody>
+          <a:bodyPr/>
+          <a:lstStyle/>
+          <a:p>
+            <a:endParaRPr lang="it-IT" dirty="0"/>
+          </a:p>
+        </p:txBody>
+      </p:sp>
+      <p:sp>
+        <p:nvSpPr>
+          <p:cNvPr id="4" name="Slide Number Placeholder 3"/>
+          <p:cNvSpPr>
+            <a:spLocks noGrp="1"/>
+          </p:cNvSpPr>
+          <p:nvPr>
+            <p:ph type="sldNum" idx="10"/>
+          </p:nvPr>
+        </p:nvSpPr>
+        <p:spPr/>
+        <p:txBody>
+          <a:bodyPr/>
+          <a:lstStyle/>
+          <a:p>
+            <a:pPr algn="r"/>
+            <a:fld id="{BF3F0219-EEC3-47CD-80D0-D5594D977E01}" type="slidenum">
+              <a:rPr lang="en-US" sz="1400" b="0" strike="noStrike" spc="-1" smtClean="0">
+                <a:solidFill>
+                  <a:srgbClr val="000000"/>
+                </a:solidFill>
+                <a:uFill>
+                  <a:solidFill>
+                    <a:srgbClr val="FFFFFF"/>
+                  </a:solidFill>
+                </a:uFill>
+                <a:latin typeface="Times New Roman"/>
+              </a:rPr>
               <a:t>24</a:t>
             </a:fld>
             <a:endParaRPr lang="en-US" sz="1400" b="0" strike="noStrike" spc="-1">
@@ -1408,7 +1566,7 @@
 </p:notes>
 </file>
 
-<file path=ppt/notesSlides/notesSlide12.xml><?xml version="1.0" encoding="utf-8"?>
+<file path=ppt/notesSlides/notesSlide13.xml><?xml version="1.0" encoding="utf-8"?>
 <p:notes xmlns:a="http://schemas.openxmlformats.org/drawingml/2006/main" xmlns:r="http://schemas.openxmlformats.org/officeDocument/2006/relationships" xmlns:p="http://schemas.openxmlformats.org/presentationml/2006/main">
   <p:cSld>
     <p:spTree>
@@ -1546,6 +1704,128 @@
       </p:grpSpPr>
       <p:sp>
         <p:nvSpPr>
+          <p:cNvPr id="102" name="PlaceHolder 1"/>
+          <p:cNvSpPr>
+            <a:spLocks noGrp="1"/>
+          </p:cNvSpPr>
+          <p:nvPr>
+            <p:ph type="body"/>
+          </p:nvPr>
+        </p:nvSpPr>
+        <p:spPr>
+          <a:xfrm>
+            <a:off x="685800" y="4400640"/>
+            <a:ext cx="5486040" cy="3600000"/>
+          </a:xfrm>
+          <a:prstGeom prst="rect">
+            <a:avLst/>
+          </a:prstGeom>
+        </p:spPr>
+        <p:txBody>
+          <a:bodyPr/>
+          <a:lstStyle/>
+          <a:p>
+            <a:r>
+              <a:rPr lang="en-US" sz="2000" b="0" strike="noStrike" spc="-1">
+                <a:solidFill>
+                  <a:srgbClr val="000000"/>
+                </a:solidFill>
+                <a:uFill>
+                  <a:solidFill>
+                    <a:srgbClr val="FFFFFF"/>
+                  </a:solidFill>
+                </a:uFill>
+                <a:latin typeface="Arial"/>
+              </a:rPr>
+              <a:t>Dire che a causa delle risorse limitate si è usato solo un sottoinsieme di tutti i documenti</a:t>
+            </a:r>
+          </a:p>
+        </p:txBody>
+      </p:sp>
+      <p:sp>
+        <p:nvSpPr>
+          <p:cNvPr id="103" name="TextShape 2"/>
+          <p:cNvSpPr txBox="1"/>
+          <p:nvPr/>
+        </p:nvSpPr>
+        <p:spPr>
+          <a:xfrm>
+            <a:off x="3884760" y="8685360"/>
+            <a:ext cx="2971440" cy="458280"/>
+          </a:xfrm>
+          <a:prstGeom prst="rect">
+            <a:avLst/>
+          </a:prstGeom>
+          <a:noFill/>
+          <a:ln>
+            <a:noFill/>
+          </a:ln>
+        </p:spPr>
+        <p:txBody>
+          <a:bodyPr anchor="b"/>
+          <a:lstStyle/>
+          <a:p>
+            <a:pPr algn="r">
+              <a:lnSpc>
+                <a:spcPct val="100000"/>
+              </a:lnSpc>
+            </a:pPr>
+            <a:fld id="{39958131-3C39-448D-86AE-8ACBC1243374}" type="slidenum">
+              <a:rPr lang="en-US" sz="1200" b="0" strike="noStrike" spc="-1">
+                <a:solidFill>
+                  <a:srgbClr val="000000"/>
+                </a:solidFill>
+                <a:uFill>
+                  <a:solidFill>
+                    <a:srgbClr val="FFFFFF"/>
+                  </a:solidFill>
+                </a:uFill>
+                <a:latin typeface="+mn-lt"/>
+                <a:ea typeface="+mn-ea"/>
+              </a:rPr>
+              <a:t>2</a:t>
+            </a:fld>
+            <a:endParaRPr lang="en-US" sz="1400" b="0" strike="noStrike" spc="-1">
+              <a:solidFill>
+                <a:srgbClr val="000000"/>
+              </a:solidFill>
+              <a:uFill>
+                <a:solidFill>
+                  <a:srgbClr val="FFFFFF"/>
+                </a:solidFill>
+              </a:uFill>
+              <a:latin typeface="Times New Roman"/>
+            </a:endParaRPr>
+          </a:p>
+        </p:txBody>
+      </p:sp>
+    </p:spTree>
+  </p:cSld>
+  <p:clrMapOvr>
+    <a:masterClrMapping/>
+  </p:clrMapOvr>
+</p:notes>
+</file>
+
+<file path=ppt/notesSlides/notesSlide3.xml><?xml version="1.0" encoding="utf-8"?>
+<p:notes xmlns:a="http://schemas.openxmlformats.org/drawingml/2006/main" xmlns:r="http://schemas.openxmlformats.org/officeDocument/2006/relationships" xmlns:p="http://schemas.openxmlformats.org/presentationml/2006/main">
+  <p:cSld>
+    <p:spTree>
+      <p:nvGrpSpPr>
+        <p:cNvPr id="1" name=""/>
+        <p:cNvGrpSpPr/>
+        <p:nvPr/>
+      </p:nvGrpSpPr>
+      <p:grpSpPr>
+        <a:xfrm>
+          <a:off x="0" y="0"/>
+          <a:ext cx="0" cy="0"/>
+          <a:chOff x="0" y="0"/>
+          <a:chExt cx="0" cy="0"/>
+        </a:xfrm>
+      </p:grpSpPr>
+      <p:sp>
+        <p:nvSpPr>
           <p:cNvPr id="104" name="PlaceHolder 1"/>
           <p:cNvSpPr>
             <a:spLocks noGrp="1"/>
@@ -1665,7 +1945,7 @@
 </p:notes>
 </file>
 
-<file path=ppt/notesSlides/notesSlide3.xml><?xml version="1.0" encoding="utf-8"?>
+<file path=ppt/notesSlides/notesSlide4.xml><?xml version="1.0" encoding="utf-8"?>
 <p:notes xmlns:a="http://schemas.openxmlformats.org/drawingml/2006/main" xmlns:r="http://schemas.openxmlformats.org/officeDocument/2006/relationships" xmlns:p="http://schemas.openxmlformats.org/presentationml/2006/main">
   <p:cSld>
     <p:spTree>
@@ -1819,7 +2099,7 @@
 </p:notes>
 </file>
 
-<file path=ppt/notesSlides/notesSlide4.xml><?xml version="1.0" encoding="utf-8"?>
+<file path=ppt/notesSlides/notesSlide5.xml><?xml version="1.0" encoding="utf-8"?>
 <p:notes xmlns:a="http://schemas.openxmlformats.org/drawingml/2006/main" xmlns:r="http://schemas.openxmlformats.org/officeDocument/2006/relationships" xmlns:p="http://schemas.openxmlformats.org/presentationml/2006/main">
   <p:cSld>
     <p:spTree>
@@ -2035,7 +2315,7 @@
 </p:notes>
 </file>
 
-<file path=ppt/notesSlides/notesSlide5.xml><?xml version="1.0" encoding="utf-8"?>
+<file path=ppt/notesSlides/notesSlide6.xml><?xml version="1.0" encoding="utf-8"?>
 <p:notes xmlns:a="http://schemas.openxmlformats.org/drawingml/2006/main" xmlns:r="http://schemas.openxmlformats.org/officeDocument/2006/relationships" xmlns:p="http://schemas.openxmlformats.org/presentationml/2006/main">
   <p:cSld>
     <p:spTree>
@@ -2182,970 +2462,6 @@
         </p:txBody>
       </p:sp>
     </p:spTree>
-  </p:cSld>
-  <p:clrMapOvr>
-    <a:masterClrMapping/>
-  </p:clrMapOvr>
-</p:notes>
-</file>
-
-<file path=ppt/notesSlides/notesSlide6.xml><?xml version="1.0" encoding="utf-8"?>
-<p:notes xmlns:a="http://schemas.openxmlformats.org/drawingml/2006/main" xmlns:r="http://schemas.openxmlformats.org/officeDocument/2006/relationships" xmlns:p="http://schemas.openxmlformats.org/presentationml/2006/main">
-  <p:cSld>
-    <p:spTree>
-      <p:nvGrpSpPr>
-        <p:cNvPr id="1" name=""/>
-        <p:cNvGrpSpPr/>
-        <p:nvPr/>
-      </p:nvGrpSpPr>
-      <p:grpSpPr>
-        <a:xfrm>
-          <a:off x="0" y="0"/>
-          <a:ext cx="0" cy="0"/>
-          <a:chOff x="0" y="0"/>
-          <a:chExt cx="0" cy="0"/>
-        </a:xfrm>
-      </p:grpSpPr>
-      <p:sp>
-        <p:nvSpPr>
-          <p:cNvPr id="2" name="Slide Image Placeholder 1"/>
-          <p:cNvSpPr>
-            <a:spLocks noGrp="1" noRot="1" noChangeAspect="1"/>
-          </p:cNvSpPr>
-          <p:nvPr>
-            <p:ph type="sldImg"/>
-          </p:nvPr>
-        </p:nvSpPr>
-        <p:spPr>
-          <a:xfrm>
-            <a:off x="381000" y="685800"/>
-            <a:ext cx="6096000" cy="3429000"/>
-          </a:xfrm>
-          <a:prstGeom prst="rect">
-            <a:avLst/>
-          </a:prstGeom>
-          <a:noFill/>
-          <a:ln w="12700">
-            <a:solidFill>
-              <a:prstClr val="black"/>
-            </a:solidFill>
-          </a:ln>
-        </p:spPr>
-      </p:sp>
-      <p:sp>
-        <p:nvSpPr>
-          <p:cNvPr id="3" name="Notes Placeholder 2"/>
-          <p:cNvSpPr>
-            <a:spLocks noGrp="1"/>
-          </p:cNvSpPr>
-          <p:nvPr>
-            <p:ph type="body" idx="1"/>
-          </p:nvPr>
-        </p:nvSpPr>
-        <p:spPr/>
-        <p:txBody>
-          <a:bodyPr/>
-          <a:lstStyle/>
-          <a:p>
-            <a:r>
-              <a:rPr lang="en-US" dirty="0" err="1" smtClean="0"/>
-              <a:t>Query_dict</a:t>
-            </a:r>
-            <a:r>
-              <a:rPr lang="en-US" dirty="0" smtClean="0"/>
-              <a:t> è un </a:t>
-            </a:r>
-            <a:r>
-              <a:rPr lang="en-US" dirty="0" err="1" smtClean="0"/>
-              <a:t>dizion</a:t>
-            </a:r>
-            <a:r>
-              <a:rPr lang="en-US" sz="1200" spc="-1" dirty="0" err="1" smtClean="0">
-                <a:solidFill>
-                  <a:srgbClr val="404040"/>
-                </a:solidFill>
-                <a:uFill>
-                  <a:solidFill>
-                    <a:srgbClr val="FFFFFF"/>
-                  </a:solidFill>
-                </a:uFill>
-                <a:latin typeface="Franklin Gothic Medium"/>
-                <a:cs typeface="Calibri"/>
-              </a:rPr>
-              <a:t>ario</a:t>
-            </a:r>
-            <a:r>
-              <a:rPr lang="en-US" sz="1200" spc="-1" dirty="0" smtClean="0">
-                <a:solidFill>
-                  <a:srgbClr val="404040"/>
-                </a:solidFill>
-                <a:uFill>
-                  <a:solidFill>
-                    <a:srgbClr val="FFFFFF"/>
-                  </a:solidFill>
-                </a:uFill>
-                <a:latin typeface="Franklin Gothic Medium"/>
-                <a:cs typeface="Calibri"/>
-              </a:rPr>
-              <a:t> </a:t>
-            </a:r>
-            <a:r>
-              <a:rPr lang="en-US" sz="1200" spc="-1" dirty="0" err="1" smtClean="0">
-                <a:solidFill>
-                  <a:srgbClr val="404040"/>
-                </a:solidFill>
-                <a:uFill>
-                  <a:solidFill>
-                    <a:srgbClr val="FFFFFF"/>
-                  </a:solidFill>
-                </a:uFill>
-                <a:latin typeface="Franklin Gothic Medium"/>
-                <a:cs typeface="Calibri"/>
-              </a:rPr>
-              <a:t>che</a:t>
-            </a:r>
-            <a:r>
-              <a:rPr lang="en-US" sz="1200" spc="-1" dirty="0" smtClean="0">
-                <a:solidFill>
-                  <a:srgbClr val="404040"/>
-                </a:solidFill>
-                <a:uFill>
-                  <a:solidFill>
-                    <a:srgbClr val="FFFFFF"/>
-                  </a:solidFill>
-                </a:uFill>
-                <a:latin typeface="Franklin Gothic Medium"/>
-                <a:cs typeface="Calibri"/>
-              </a:rPr>
-              <a:t> </a:t>
-            </a:r>
-            <a:r>
-              <a:rPr lang="en-US" sz="1200" spc="-1" dirty="0" err="1" smtClean="0">
-                <a:solidFill>
-                  <a:srgbClr val="404040"/>
-                </a:solidFill>
-                <a:uFill>
-                  <a:solidFill>
-                    <a:srgbClr val="FFFFFF"/>
-                  </a:solidFill>
-                </a:uFill>
-                <a:latin typeface="Franklin Gothic Medium"/>
-                <a:cs typeface="Calibri"/>
-              </a:rPr>
-              <a:t>contiene</a:t>
-            </a:r>
-            <a:r>
-              <a:rPr lang="en-US" sz="1200" spc="-1" dirty="0" smtClean="0">
-                <a:solidFill>
-                  <a:srgbClr val="404040"/>
-                </a:solidFill>
-                <a:uFill>
-                  <a:solidFill>
-                    <a:srgbClr val="FFFFFF"/>
-                  </a:solidFill>
-                </a:uFill>
-                <a:latin typeface="Franklin Gothic Medium"/>
-                <a:cs typeface="Calibri"/>
-              </a:rPr>
-              <a:t> per </a:t>
-            </a:r>
-            <a:r>
-              <a:rPr lang="en-US" sz="1200" spc="-1" dirty="0" err="1" smtClean="0">
-                <a:solidFill>
-                  <a:srgbClr val="404040"/>
-                </a:solidFill>
-                <a:uFill>
-                  <a:solidFill>
-                    <a:srgbClr val="FFFFFF"/>
-                  </a:solidFill>
-                </a:uFill>
-                <a:latin typeface="Franklin Gothic Medium"/>
-                <a:cs typeface="Calibri"/>
-              </a:rPr>
-              <a:t>ogni</a:t>
-            </a:r>
-            <a:r>
-              <a:rPr lang="en-US" sz="1200" spc="-1" dirty="0" smtClean="0">
-                <a:solidFill>
-                  <a:srgbClr val="404040"/>
-                </a:solidFill>
-                <a:uFill>
-                  <a:solidFill>
-                    <a:srgbClr val="FFFFFF"/>
-                  </a:solidFill>
-                </a:uFill>
-                <a:latin typeface="Franklin Gothic Medium"/>
-                <a:cs typeface="Calibri"/>
-              </a:rPr>
-              <a:t> campo la query</a:t>
-            </a:r>
-            <a:r>
-              <a:rPr lang="en-US" sz="1200" spc="-1" baseline="0" dirty="0" smtClean="0">
-                <a:solidFill>
-                  <a:srgbClr val="404040"/>
-                </a:solidFill>
-                <a:uFill>
-                  <a:solidFill>
-                    <a:srgbClr val="FFFFFF"/>
-                  </a:solidFill>
-                </a:uFill>
-                <a:latin typeface="Franklin Gothic Medium"/>
-                <a:cs typeface="Calibri"/>
-              </a:rPr>
-              <a:t> d</a:t>
-            </a:r>
-            <a:r>
-              <a:rPr lang="en-US" sz="1200" spc="-1" dirty="0" smtClean="0">
-                <a:solidFill>
-                  <a:srgbClr val="404040"/>
-                </a:solidFill>
-                <a:uFill>
-                  <a:solidFill>
-                    <a:srgbClr val="FFFFFF"/>
-                  </a:solidFill>
-                </a:uFill>
-                <a:latin typeface="Franklin Gothic Medium"/>
-                <a:cs typeface="Calibri"/>
-              </a:rPr>
-              <a:t>a </a:t>
-            </a:r>
-            <a:r>
-              <a:rPr lang="en-US" sz="1200" spc="-1" dirty="0" err="1" smtClean="0">
-                <a:solidFill>
-                  <a:srgbClr val="404040"/>
-                </a:solidFill>
-                <a:uFill>
-                  <a:solidFill>
-                    <a:srgbClr val="FFFFFF"/>
-                  </a:solidFill>
-                </a:uFill>
-                <a:latin typeface="Franklin Gothic Medium"/>
-                <a:cs typeface="Calibri"/>
-              </a:rPr>
-              <a:t>eseguire</a:t>
-            </a:r>
-            <a:endParaRPr lang="en-US" sz="1200" spc="-1" dirty="0" smtClean="0">
-              <a:solidFill>
-                <a:srgbClr val="404040"/>
-              </a:solidFill>
-              <a:uFill>
-                <a:solidFill>
-                  <a:srgbClr val="FFFFFF"/>
-                </a:solidFill>
-              </a:uFill>
-              <a:latin typeface="Franklin Gothic Medium"/>
-              <a:cs typeface="Calibri"/>
-            </a:endParaRPr>
-          </a:p>
-          <a:p>
-            <a:r>
-              <a:rPr lang="en-US" sz="1200" spc="-1" dirty="0" smtClean="0">
-                <a:solidFill>
-                  <a:srgbClr val="404040"/>
-                </a:solidFill>
-                <a:uFill>
-                  <a:solidFill>
-                    <a:srgbClr val="FFFFFF"/>
-                  </a:solidFill>
-                </a:uFill>
-                <a:latin typeface="Franklin Gothic Medium"/>
-                <a:cs typeface="Calibri"/>
-              </a:rPr>
-              <a:t>Il primo </a:t>
-            </a:r>
-            <a:r>
-              <a:rPr lang="en-US" sz="1200" spc="-1" dirty="0" smtClean="0">
-                <a:solidFill>
-                  <a:schemeClr val="accent6">
-                    <a:lumMod val="75000"/>
-                  </a:schemeClr>
-                </a:solidFill>
-                <a:uFill>
-                  <a:solidFill>
-                    <a:srgbClr val="FFFFFF"/>
-                  </a:solidFill>
-                </a:uFill>
-                <a:latin typeface="Franklin Gothic Medium"/>
-              </a:rPr>
-              <a:t>for</a:t>
-            </a:r>
-            <a:r>
-              <a:rPr lang="en-US" sz="1200" spc="-1" dirty="0" smtClean="0">
-                <a:uFill>
-                  <a:solidFill>
-                    <a:srgbClr val="FFFFFF"/>
-                  </a:solidFill>
-                </a:uFill>
-                <a:latin typeface="Franklin Gothic Medium"/>
-              </a:rPr>
-              <a:t> </a:t>
-            </a:r>
-            <a:r>
-              <a:rPr lang="en-US" sz="1200" spc="-1" dirty="0" err="1" smtClean="0">
-                <a:uFill>
-                  <a:solidFill>
-                    <a:srgbClr val="FFFFFF"/>
-                  </a:solidFill>
-                </a:uFill>
-                <a:latin typeface="Franklin Gothic Medium"/>
-              </a:rPr>
-              <a:t>esegue</a:t>
-            </a:r>
-            <a:r>
-              <a:rPr lang="en-US" sz="1200" spc="-1" dirty="0" smtClean="0">
-                <a:uFill>
-                  <a:solidFill>
-                    <a:srgbClr val="FFFFFF"/>
-                  </a:solidFill>
-                </a:uFill>
-                <a:latin typeface="Franklin Gothic Medium"/>
-              </a:rPr>
-              <a:t> le </a:t>
-            </a:r>
-            <a:r>
-              <a:rPr lang="en-US" sz="1200" spc="-1" dirty="0" err="1" smtClean="0">
-                <a:uFill>
-                  <a:solidFill>
-                    <a:srgbClr val="FFFFFF"/>
-                  </a:solidFill>
-                </a:uFill>
-                <a:latin typeface="Franklin Gothic Medium"/>
-              </a:rPr>
-              <a:t>singole</a:t>
-            </a:r>
-            <a:r>
-              <a:rPr lang="en-US" sz="1200" spc="-1" dirty="0" smtClean="0">
-                <a:uFill>
-                  <a:solidFill>
-                    <a:srgbClr val="FFFFFF"/>
-                  </a:solidFill>
-                </a:uFill>
-                <a:latin typeface="Franklin Gothic Medium"/>
-              </a:rPr>
-              <a:t> query</a:t>
-            </a:r>
-          </a:p>
-          <a:p>
-            <a:r>
-              <a:rPr lang="en-US" sz="1200" spc="-1" dirty="0" smtClean="0">
-                <a:uFill>
-                  <a:solidFill>
-                    <a:srgbClr val="FFFFFF"/>
-                  </a:solidFill>
-                </a:uFill>
-                <a:latin typeface="Franklin Gothic Medium"/>
-              </a:rPr>
-              <a:t>Il secondo </a:t>
-            </a:r>
-            <a:r>
-              <a:rPr lang="en-US" sz="1200" spc="-1" dirty="0" err="1" smtClean="0">
-                <a:uFill>
-                  <a:solidFill>
-                    <a:srgbClr val="FFFFFF"/>
-                  </a:solidFill>
-                </a:uFill>
-                <a:latin typeface="Franklin Gothic Medium"/>
-              </a:rPr>
-              <a:t>cerc</a:t>
-            </a:r>
-            <a:r>
-              <a:rPr lang="en-US" sz="1200" spc="-1" dirty="0" err="1" smtClean="0">
-                <a:solidFill>
-                  <a:srgbClr val="404040"/>
-                </a:solidFill>
-                <a:uFill>
-                  <a:solidFill>
-                    <a:srgbClr val="FFFFFF"/>
-                  </a:solidFill>
-                </a:uFill>
-                <a:latin typeface="Franklin Gothic Medium"/>
-                <a:cs typeface="Calibri"/>
-              </a:rPr>
-              <a:t>a</a:t>
-            </a:r>
-            <a:r>
-              <a:rPr lang="en-US" sz="1200" spc="-1" dirty="0" smtClean="0">
-                <a:solidFill>
-                  <a:srgbClr val="404040"/>
-                </a:solidFill>
-                <a:uFill>
-                  <a:solidFill>
-                    <a:srgbClr val="FFFFFF"/>
-                  </a:solidFill>
-                </a:uFill>
-                <a:latin typeface="Franklin Gothic Medium"/>
-                <a:cs typeface="Calibri"/>
-              </a:rPr>
-              <a:t> l </a:t>
-            </a:r>
-            <a:r>
-              <a:rPr lang="en-US" sz="1200" spc="-1" dirty="0" err="1" smtClean="0">
-                <a:solidFill>
-                  <a:srgbClr val="404040"/>
-                </a:solidFill>
-                <a:uFill>
-                  <a:solidFill>
-                    <a:srgbClr val="FFFFFF"/>
-                  </a:solidFill>
-                </a:uFill>
-                <a:latin typeface="Franklin Gothic Medium"/>
-                <a:cs typeface="Calibri"/>
-              </a:rPr>
-              <a:t>insieme</a:t>
-            </a:r>
-            <a:r>
-              <a:rPr lang="en-US" sz="1200" spc="-1" dirty="0" smtClean="0">
-                <a:solidFill>
-                  <a:srgbClr val="404040"/>
-                </a:solidFill>
-                <a:uFill>
-                  <a:solidFill>
-                    <a:srgbClr val="FFFFFF"/>
-                  </a:solidFill>
-                </a:uFill>
-                <a:latin typeface="Franklin Gothic Medium"/>
-                <a:cs typeface="Calibri"/>
-              </a:rPr>
-              <a:t> </a:t>
-            </a:r>
-            <a:r>
-              <a:rPr lang="en-US" sz="1200" spc="-1" dirty="0" err="1" smtClean="0">
-                <a:solidFill>
-                  <a:srgbClr val="404040"/>
-                </a:solidFill>
-                <a:uFill>
-                  <a:solidFill>
-                    <a:srgbClr val="FFFFFF"/>
-                  </a:solidFill>
-                </a:uFill>
-                <a:latin typeface="Franklin Gothic Medium"/>
-                <a:cs typeface="Calibri"/>
-              </a:rPr>
-              <a:t>dei</a:t>
-            </a:r>
-            <a:r>
-              <a:rPr lang="en-US" sz="1200" spc="-1" dirty="0" smtClean="0">
-                <a:solidFill>
-                  <a:srgbClr val="404040"/>
-                </a:solidFill>
-                <a:uFill>
-                  <a:solidFill>
-                    <a:srgbClr val="FFFFFF"/>
-                  </a:solidFill>
-                </a:uFill>
-                <a:latin typeface="Franklin Gothic Medium"/>
-                <a:cs typeface="Calibri"/>
-              </a:rPr>
-              <a:t> </a:t>
-            </a:r>
-            <a:r>
-              <a:rPr lang="en-US" sz="1200" spc="-1" dirty="0" err="1" smtClean="0">
-                <a:solidFill>
-                  <a:srgbClr val="404040"/>
-                </a:solidFill>
-                <a:uFill>
-                  <a:solidFill>
-                    <a:srgbClr val="FFFFFF"/>
-                  </a:solidFill>
-                </a:uFill>
-                <a:latin typeface="Franklin Gothic Medium"/>
-                <a:cs typeface="Calibri"/>
-              </a:rPr>
-              <a:t>risultati</a:t>
-            </a:r>
-            <a:r>
-              <a:rPr lang="en-US" sz="1200" spc="-1" dirty="0" smtClean="0">
-                <a:solidFill>
-                  <a:srgbClr val="404040"/>
-                </a:solidFill>
-                <a:uFill>
-                  <a:solidFill>
-                    <a:srgbClr val="FFFFFF"/>
-                  </a:solidFill>
-                </a:uFill>
-                <a:latin typeface="Franklin Gothic Medium"/>
-                <a:cs typeface="Calibri"/>
-              </a:rPr>
-              <a:t> </a:t>
-            </a:r>
-            <a:r>
-              <a:rPr lang="en-US" sz="1200" spc="-1" dirty="0" err="1" smtClean="0">
-                <a:solidFill>
-                  <a:srgbClr val="404040"/>
-                </a:solidFill>
-                <a:uFill>
-                  <a:solidFill>
-                    <a:srgbClr val="FFFFFF"/>
-                  </a:solidFill>
-                </a:uFill>
-                <a:latin typeface="Franklin Gothic Medium"/>
-                <a:cs typeface="Calibri"/>
-              </a:rPr>
-              <a:t>piu</a:t>
-            </a:r>
-            <a:r>
-              <a:rPr lang="en-US" sz="1200" spc="-1" dirty="0" smtClean="0">
-                <a:solidFill>
-                  <a:srgbClr val="404040"/>
-                </a:solidFill>
-                <a:uFill>
-                  <a:solidFill>
-                    <a:srgbClr val="FFFFFF"/>
-                  </a:solidFill>
-                </a:uFill>
-                <a:latin typeface="Franklin Gothic Medium"/>
-                <a:cs typeface="Calibri"/>
-              </a:rPr>
-              <a:t> piccolo</a:t>
-            </a:r>
-          </a:p>
-          <a:p>
-            <a:r>
-              <a:rPr lang="en-US" sz="1200" spc="-1" dirty="0" smtClean="0">
-                <a:solidFill>
-                  <a:srgbClr val="404040"/>
-                </a:solidFill>
-                <a:uFill>
-                  <a:solidFill>
-                    <a:srgbClr val="FFFFFF"/>
-                  </a:solidFill>
-                </a:uFill>
-                <a:latin typeface="Franklin Gothic Medium"/>
-                <a:cs typeface="Calibri"/>
-              </a:rPr>
-              <a:t>Il </a:t>
-            </a:r>
-            <a:r>
-              <a:rPr lang="en-US" sz="1200" spc="-1" dirty="0" err="1" smtClean="0">
-                <a:solidFill>
-                  <a:srgbClr val="404040"/>
-                </a:solidFill>
-                <a:uFill>
-                  <a:solidFill>
-                    <a:srgbClr val="FFFFFF"/>
-                  </a:solidFill>
-                </a:uFill>
-                <a:latin typeface="Franklin Gothic Medium"/>
-                <a:cs typeface="Calibri"/>
-              </a:rPr>
-              <a:t>terzo</a:t>
-            </a:r>
-            <a:r>
-              <a:rPr lang="en-US" sz="1200" spc="-1" baseline="0" dirty="0" smtClean="0">
-                <a:solidFill>
-                  <a:srgbClr val="404040"/>
-                </a:solidFill>
-                <a:uFill>
-                  <a:solidFill>
-                    <a:srgbClr val="FFFFFF"/>
-                  </a:solidFill>
-                </a:uFill>
-                <a:latin typeface="Franklin Gothic Medium"/>
-                <a:cs typeface="Calibri"/>
-              </a:rPr>
-              <a:t> </a:t>
-            </a:r>
-            <a:r>
-              <a:rPr lang="en-US" sz="1200" spc="-1" baseline="0" dirty="0" err="1" smtClean="0">
-                <a:solidFill>
-                  <a:srgbClr val="404040"/>
-                </a:solidFill>
-                <a:uFill>
-                  <a:solidFill>
-                    <a:srgbClr val="FFFFFF"/>
-                  </a:solidFill>
-                </a:uFill>
-                <a:latin typeface="Franklin Gothic Medium"/>
-                <a:cs typeface="Calibri"/>
-              </a:rPr>
-              <a:t>intersec</a:t>
-            </a:r>
-            <a:r>
-              <a:rPr lang="en-US" sz="1200" spc="-1" dirty="0" err="1" smtClean="0">
-                <a:solidFill>
-                  <a:srgbClr val="404040"/>
-                </a:solidFill>
-                <a:uFill>
-                  <a:solidFill>
-                    <a:srgbClr val="FFFFFF"/>
-                  </a:solidFill>
-                </a:uFill>
-                <a:latin typeface="Franklin Gothic Medium"/>
-                <a:cs typeface="Calibri"/>
-              </a:rPr>
-              <a:t>a</a:t>
-            </a:r>
-            <a:r>
-              <a:rPr lang="en-US" sz="1200" spc="-1" dirty="0" smtClean="0">
-                <a:solidFill>
-                  <a:srgbClr val="404040"/>
-                </a:solidFill>
-                <a:uFill>
-                  <a:solidFill>
-                    <a:srgbClr val="FFFFFF"/>
-                  </a:solidFill>
-                </a:uFill>
-                <a:latin typeface="Franklin Gothic Medium"/>
-                <a:cs typeface="Calibri"/>
-              </a:rPr>
-              <a:t> </a:t>
-            </a:r>
-            <a:r>
-              <a:rPr lang="en-US" sz="1200" spc="-1" dirty="0" err="1" smtClean="0">
-                <a:solidFill>
-                  <a:srgbClr val="404040"/>
-                </a:solidFill>
-                <a:uFill>
-                  <a:solidFill>
-                    <a:srgbClr val="FFFFFF"/>
-                  </a:solidFill>
-                </a:uFill>
-                <a:latin typeface="Franklin Gothic Medium"/>
-                <a:cs typeface="Calibri"/>
-              </a:rPr>
-              <a:t>tutti</a:t>
-            </a:r>
-            <a:r>
-              <a:rPr lang="en-US" sz="1200" spc="-1" dirty="0" smtClean="0">
-                <a:solidFill>
-                  <a:srgbClr val="404040"/>
-                </a:solidFill>
-                <a:uFill>
-                  <a:solidFill>
-                    <a:srgbClr val="FFFFFF"/>
-                  </a:solidFill>
-                </a:uFill>
-                <a:latin typeface="Franklin Gothic Medium"/>
-                <a:cs typeface="Calibri"/>
-              </a:rPr>
-              <a:t> i </a:t>
-            </a:r>
-            <a:r>
-              <a:rPr lang="en-US" sz="1200" spc="-1" dirty="0" err="1" smtClean="0">
-                <a:solidFill>
-                  <a:srgbClr val="404040"/>
-                </a:solidFill>
-                <a:uFill>
-                  <a:solidFill>
-                    <a:srgbClr val="FFFFFF"/>
-                  </a:solidFill>
-                </a:uFill>
-                <a:latin typeface="Franklin Gothic Medium"/>
-                <a:cs typeface="Calibri"/>
-              </a:rPr>
-              <a:t>risultati</a:t>
-            </a:r>
-            <a:r>
-              <a:rPr lang="en-US" sz="1200" spc="-1" dirty="0" smtClean="0">
-                <a:solidFill>
-                  <a:srgbClr val="404040"/>
-                </a:solidFill>
-                <a:uFill>
-                  <a:solidFill>
-                    <a:srgbClr val="FFFFFF"/>
-                  </a:solidFill>
-                </a:uFill>
-                <a:latin typeface="Franklin Gothic Medium"/>
-                <a:cs typeface="Calibri"/>
-              </a:rPr>
-              <a:t> </a:t>
-            </a:r>
-            <a:r>
-              <a:rPr lang="en-US" sz="1200" spc="-1" dirty="0" err="1" smtClean="0">
-                <a:solidFill>
-                  <a:srgbClr val="404040"/>
-                </a:solidFill>
-                <a:uFill>
-                  <a:solidFill>
-                    <a:srgbClr val="FFFFFF"/>
-                  </a:solidFill>
-                </a:uFill>
-                <a:latin typeface="Franklin Gothic Medium"/>
-                <a:cs typeface="Calibri"/>
-              </a:rPr>
-              <a:t>delle</a:t>
-            </a:r>
-            <a:r>
-              <a:rPr lang="en-US" sz="1200" spc="-1" dirty="0" smtClean="0">
-                <a:solidFill>
-                  <a:srgbClr val="404040"/>
-                </a:solidFill>
-                <a:uFill>
-                  <a:solidFill>
-                    <a:srgbClr val="FFFFFF"/>
-                  </a:solidFill>
-                </a:uFill>
-                <a:latin typeface="Franklin Gothic Medium"/>
-                <a:cs typeface="Calibri"/>
-              </a:rPr>
-              <a:t> query con l </a:t>
-            </a:r>
-            <a:r>
-              <a:rPr lang="en-US" sz="1200" spc="-1" dirty="0" err="1" smtClean="0">
-                <a:solidFill>
-                  <a:srgbClr val="404040"/>
-                </a:solidFill>
-                <a:uFill>
-                  <a:solidFill>
-                    <a:srgbClr val="FFFFFF"/>
-                  </a:solidFill>
-                </a:uFill>
-                <a:latin typeface="Franklin Gothic Medium"/>
-                <a:cs typeface="Calibri"/>
-              </a:rPr>
-              <a:t>insieme</a:t>
-            </a:r>
-            <a:r>
-              <a:rPr lang="en-US" sz="1200" spc="-1" dirty="0" smtClean="0">
-                <a:solidFill>
-                  <a:srgbClr val="404040"/>
-                </a:solidFill>
-                <a:uFill>
-                  <a:solidFill>
-                    <a:srgbClr val="FFFFFF"/>
-                  </a:solidFill>
-                </a:uFill>
-                <a:latin typeface="Franklin Gothic Medium"/>
-                <a:cs typeface="Calibri"/>
-              </a:rPr>
-              <a:t> </a:t>
-            </a:r>
-            <a:r>
-              <a:rPr lang="en-US" sz="1200" spc="-1" dirty="0" err="1" smtClean="0">
-                <a:solidFill>
-                  <a:srgbClr val="404040"/>
-                </a:solidFill>
-                <a:uFill>
-                  <a:solidFill>
-                    <a:srgbClr val="FFFFFF"/>
-                  </a:solidFill>
-                </a:uFill>
-                <a:latin typeface="Franklin Gothic Medium"/>
-                <a:cs typeface="Calibri"/>
-              </a:rPr>
-              <a:t>piu</a:t>
-            </a:r>
-            <a:r>
-              <a:rPr lang="en-US" sz="1200" spc="-1" dirty="0" smtClean="0">
-                <a:solidFill>
-                  <a:srgbClr val="404040"/>
-                </a:solidFill>
-                <a:uFill>
-                  <a:solidFill>
-                    <a:srgbClr val="FFFFFF"/>
-                  </a:solidFill>
-                </a:uFill>
-                <a:latin typeface="Franklin Gothic Medium"/>
-                <a:cs typeface="Calibri"/>
-              </a:rPr>
-              <a:t> piccolo</a:t>
-            </a:r>
-          </a:p>
-          <a:p>
-            <a:r>
-              <a:rPr lang="en-US" sz="1200" spc="-1" dirty="0" smtClean="0">
-                <a:solidFill>
-                  <a:srgbClr val="404040"/>
-                </a:solidFill>
-                <a:uFill>
-                  <a:solidFill>
-                    <a:srgbClr val="FFFFFF"/>
-                  </a:solidFill>
-                </a:uFill>
-                <a:latin typeface="Franklin Gothic Medium"/>
-                <a:cs typeface="Calibri"/>
-              </a:rPr>
-              <a:t>Si </a:t>
-            </a:r>
-            <a:r>
-              <a:rPr lang="en-US" sz="1200" spc="-1" dirty="0" err="1" smtClean="0">
-                <a:solidFill>
-                  <a:srgbClr val="404040"/>
-                </a:solidFill>
-                <a:uFill>
-                  <a:solidFill>
-                    <a:srgbClr val="FFFFFF"/>
-                  </a:solidFill>
-                </a:uFill>
-                <a:latin typeface="Franklin Gothic Medium"/>
-                <a:cs typeface="Calibri"/>
-              </a:rPr>
-              <a:t>interseca</a:t>
-            </a:r>
-            <a:r>
-              <a:rPr lang="en-US" sz="1200" spc="-1" dirty="0" smtClean="0">
-                <a:solidFill>
-                  <a:srgbClr val="404040"/>
-                </a:solidFill>
-                <a:uFill>
-                  <a:solidFill>
-                    <a:srgbClr val="FFFFFF"/>
-                  </a:solidFill>
-                </a:uFill>
-                <a:latin typeface="Franklin Gothic Medium"/>
-                <a:cs typeface="Calibri"/>
-              </a:rPr>
-              <a:t> con l</a:t>
-            </a:r>
-            <a:r>
-              <a:rPr lang="en-US" sz="1200" spc="-1" baseline="0" dirty="0" smtClean="0">
-                <a:solidFill>
-                  <a:srgbClr val="404040"/>
-                </a:solidFill>
-                <a:uFill>
-                  <a:solidFill>
-                    <a:srgbClr val="FFFFFF"/>
-                  </a:solidFill>
-                </a:uFill>
-                <a:latin typeface="Franklin Gothic Medium"/>
-                <a:cs typeface="Calibri"/>
-              </a:rPr>
-              <a:t> </a:t>
-            </a:r>
-            <a:r>
-              <a:rPr lang="en-US" sz="1200" spc="-1" baseline="0" dirty="0" err="1" smtClean="0">
-                <a:solidFill>
-                  <a:srgbClr val="404040"/>
-                </a:solidFill>
-                <a:uFill>
-                  <a:solidFill>
-                    <a:srgbClr val="FFFFFF"/>
-                  </a:solidFill>
-                </a:uFill>
-                <a:latin typeface="Franklin Gothic Medium"/>
-                <a:cs typeface="Calibri"/>
-              </a:rPr>
-              <a:t>insieme</a:t>
-            </a:r>
-            <a:r>
-              <a:rPr lang="en-US" sz="1200" spc="-1" baseline="0" dirty="0" smtClean="0">
-                <a:solidFill>
-                  <a:srgbClr val="404040"/>
-                </a:solidFill>
-                <a:uFill>
-                  <a:solidFill>
-                    <a:srgbClr val="FFFFFF"/>
-                  </a:solidFill>
-                </a:uFill>
-                <a:latin typeface="Franklin Gothic Medium"/>
-                <a:cs typeface="Calibri"/>
-              </a:rPr>
-              <a:t> </a:t>
-            </a:r>
-            <a:r>
-              <a:rPr lang="en-US" sz="1200" spc="-1" baseline="0" dirty="0" err="1" smtClean="0">
-                <a:solidFill>
-                  <a:srgbClr val="404040"/>
-                </a:solidFill>
-                <a:uFill>
-                  <a:solidFill>
-                    <a:srgbClr val="FFFFFF"/>
-                  </a:solidFill>
-                </a:uFill>
-                <a:latin typeface="Franklin Gothic Medium"/>
-                <a:cs typeface="Calibri"/>
-              </a:rPr>
-              <a:t>piu</a:t>
-            </a:r>
-            <a:r>
-              <a:rPr lang="en-US" sz="1200" spc="-1" baseline="0" dirty="0" smtClean="0">
-                <a:solidFill>
-                  <a:srgbClr val="404040"/>
-                </a:solidFill>
-                <a:uFill>
-                  <a:solidFill>
-                    <a:srgbClr val="FFFFFF"/>
-                  </a:solidFill>
-                </a:uFill>
-                <a:latin typeface="Franklin Gothic Medium"/>
-                <a:cs typeface="Calibri"/>
-              </a:rPr>
-              <a:t> piccolo per </a:t>
-            </a:r>
-            <a:r>
-              <a:rPr lang="en-US" sz="1200" spc="-1" baseline="0" dirty="0" err="1" smtClean="0">
-                <a:solidFill>
-                  <a:srgbClr val="404040"/>
-                </a:solidFill>
-                <a:uFill>
-                  <a:solidFill>
-                    <a:srgbClr val="FFFFFF"/>
-                  </a:solidFill>
-                </a:uFill>
-                <a:latin typeface="Franklin Gothic Medium"/>
-                <a:cs typeface="Calibri"/>
-              </a:rPr>
-              <a:t>ottimizz</a:t>
-            </a:r>
-            <a:r>
-              <a:rPr lang="en-US" sz="1200" spc="-1" dirty="0" err="1" smtClean="0">
-                <a:solidFill>
-                  <a:srgbClr val="404040"/>
-                </a:solidFill>
-                <a:uFill>
-                  <a:solidFill>
-                    <a:srgbClr val="FFFFFF"/>
-                  </a:solidFill>
-                </a:uFill>
-                <a:latin typeface="Franklin Gothic Medium"/>
-                <a:cs typeface="Calibri"/>
-              </a:rPr>
-              <a:t>are</a:t>
-            </a:r>
-            <a:endParaRPr lang="it-IT" dirty="0"/>
-          </a:p>
-        </p:txBody>
-      </p:sp>
-      <p:sp>
-        <p:nvSpPr>
-          <p:cNvPr id="4" name="Slide Number Placeholder 3"/>
-          <p:cNvSpPr>
-            <a:spLocks noGrp="1"/>
-          </p:cNvSpPr>
-          <p:nvPr>
-            <p:ph type="sldNum" idx="10"/>
-          </p:nvPr>
-        </p:nvSpPr>
-        <p:spPr/>
-        <p:txBody>
-          <a:bodyPr/>
-          <a:lstStyle/>
-          <a:p>
-            <a:pPr algn="r"/>
-            <a:fld id="{BF3F0219-EEC3-47CD-80D0-D5594D977E01}" type="slidenum">
-              <a:rPr lang="en-US" sz="1400" b="0" strike="noStrike" spc="-1" smtClean="0">
-                <a:solidFill>
-                  <a:srgbClr val="000000"/>
-                </a:solidFill>
-                <a:uFill>
-                  <a:solidFill>
-                    <a:srgbClr val="FFFFFF"/>
-                  </a:solidFill>
-                </a:uFill>
-                <a:latin typeface="Times New Roman"/>
-              </a:rPr>
-              <a:t>11</a:t>
-            </a:fld>
-            <a:endParaRPr lang="en-US" sz="1400" b="0" strike="noStrike" spc="-1">
-              <a:solidFill>
-                <a:srgbClr val="000000"/>
-              </a:solidFill>
-              <a:uFill>
-                <a:solidFill>
-                  <a:srgbClr val="FFFFFF"/>
-                </a:solidFill>
-              </a:uFill>
-              <a:latin typeface="Times New Roman"/>
-            </a:endParaRPr>
-          </a:p>
-        </p:txBody>
-      </p:sp>
-    </p:spTree>
-    <p:extLst>
-      <p:ext uri="{BB962C8B-B14F-4D97-AF65-F5344CB8AC3E}">
-        <p14:creationId xmlns:p14="http://schemas.microsoft.com/office/powerpoint/2010/main" val="3363847177"/>
-      </p:ext>
-    </p:extLst>
   </p:cSld>
   <p:clrMapOvr>
     <a:masterClrMapping/>
@@ -3211,123 +2527,184 @@
           <a:bodyPr/>
           <a:lstStyle/>
           <a:p>
-            <a:pPr marL="457200" lvl="1" indent="0">
-              <a:buFont typeface="Wingdings" panose="05000000000000000000" pitchFamily="2" charset="2"/>
-              <a:buNone/>
-            </a:pPr>
-            <a:r>
-              <a:rPr lang="en-US" sz="2800" spc="-1" dirty="0" smtClean="0">
-                <a:solidFill>
-                  <a:srgbClr val="404040"/>
-                </a:solidFill>
-                <a:uFill>
-                  <a:solidFill>
-                    <a:srgbClr val="FFFFFF"/>
-                  </a:solidFill>
-                </a:uFill>
-                <a:latin typeface="Franklin Gothic Medium"/>
-              </a:rPr>
-              <a:t>edit distance -&gt; </a:t>
-            </a:r>
-            <a:r>
-              <a:rPr lang="en-US" sz="2800" spc="-1" dirty="0" err="1" smtClean="0">
-                <a:solidFill>
-                  <a:srgbClr val="404040"/>
-                </a:solidFill>
-                <a:uFill>
-                  <a:solidFill>
-                    <a:srgbClr val="FFFFFF"/>
-                  </a:solidFill>
-                </a:uFill>
-                <a:latin typeface="Franklin Gothic Medium"/>
-              </a:rPr>
-              <a:t>ricerca</a:t>
-            </a:r>
-            <a:r>
-              <a:rPr lang="en-US" sz="2800" spc="-1" dirty="0" smtClean="0">
-                <a:solidFill>
-                  <a:srgbClr val="404040"/>
-                </a:solidFill>
-                <a:uFill>
-                  <a:solidFill>
-                    <a:srgbClr val="FFFFFF"/>
-                  </a:solidFill>
-                </a:uFill>
-                <a:latin typeface="Franklin Gothic Medium"/>
-              </a:rPr>
-              <a:t> parole </a:t>
-            </a:r>
-            <a:r>
-              <a:rPr lang="en-US" sz="2800" spc="-1" dirty="0" err="1" smtClean="0">
-                <a:solidFill>
-                  <a:srgbClr val="404040"/>
-                </a:solidFill>
-                <a:uFill>
-                  <a:solidFill>
-                    <a:srgbClr val="FFFFFF"/>
-                  </a:solidFill>
-                </a:uFill>
-                <a:latin typeface="Franklin Gothic Medium"/>
-              </a:rPr>
-              <a:t>simili</a:t>
-            </a:r>
-            <a:r>
-              <a:rPr lang="en-US" sz="2800" spc="-1" dirty="0" smtClean="0">
-                <a:solidFill>
-                  <a:srgbClr val="404040"/>
-                </a:solidFill>
-                <a:uFill>
-                  <a:solidFill>
-                    <a:srgbClr val="FFFFFF"/>
-                  </a:solidFill>
-                </a:uFill>
-                <a:latin typeface="Franklin Gothic Medium"/>
+            <a:r>
+              <a:rPr lang="en-US" dirty="0" err="1" smtClean="0"/>
+              <a:t>Query_dict</a:t>
+            </a:r>
+            <a:r>
+              <a:rPr lang="en-US" dirty="0" smtClean="0"/>
+              <a:t> è un </a:t>
+            </a:r>
+            <a:r>
+              <a:rPr lang="en-US" dirty="0" err="1" smtClean="0"/>
+              <a:t>dizion</a:t>
+            </a:r>
+            <a:r>
+              <a:rPr lang="en-US" sz="1200" spc="-1" dirty="0" err="1" smtClean="0">
+                <a:solidFill>
+                  <a:srgbClr val="404040"/>
+                </a:solidFill>
+                <a:uFill>
+                  <a:solidFill>
+                    <a:srgbClr val="FFFFFF"/>
+                  </a:solidFill>
+                </a:uFill>
+                <a:latin typeface="Franklin Gothic Medium"/>
+                <a:cs typeface="Calibri"/>
+              </a:rPr>
+              <a:t>ario</a:t>
+            </a:r>
+            <a:r>
+              <a:rPr lang="en-US" sz="1200" spc="-1" dirty="0" smtClean="0">
+                <a:solidFill>
+                  <a:srgbClr val="404040"/>
+                </a:solidFill>
+                <a:uFill>
+                  <a:solidFill>
+                    <a:srgbClr val="FFFFFF"/>
+                  </a:solidFill>
+                </a:uFill>
+                <a:latin typeface="Franklin Gothic Medium"/>
+                <a:cs typeface="Calibri"/>
               </a:rPr>
               <a:t> </a:t>
             </a:r>
             <a:r>
-              <a:rPr lang="en-US" sz="2800" spc="-1" dirty="0" err="1" smtClean="0">
-                <a:solidFill>
-                  <a:srgbClr val="404040"/>
-                </a:solidFill>
-                <a:uFill>
-                  <a:solidFill>
-                    <a:srgbClr val="FFFFFF"/>
-                  </a:solidFill>
-                </a:uFill>
-                <a:latin typeface="Franklin Gothic Medium"/>
-              </a:rPr>
-              <a:t>nell</a:t>
-            </a:r>
-            <a:r>
-              <a:rPr lang="en-US" sz="2800" spc="-1" dirty="0" smtClean="0">
-                <a:solidFill>
-                  <a:srgbClr val="404040"/>
-                </a:solidFill>
-                <a:uFill>
-                  <a:solidFill>
-                    <a:srgbClr val="FFFFFF"/>
-                  </a:solidFill>
-                </a:uFill>
-                <a:latin typeface="Franklin Gothic Medium"/>
+              <a:rPr lang="en-US" sz="1200" spc="-1" dirty="0" err="1" smtClean="0">
+                <a:solidFill>
+                  <a:srgbClr val="404040"/>
+                </a:solidFill>
+                <a:uFill>
+                  <a:solidFill>
+                    <a:srgbClr val="FFFFFF"/>
+                  </a:solidFill>
+                </a:uFill>
+                <a:latin typeface="Franklin Gothic Medium"/>
+                <a:cs typeface="Calibri"/>
+              </a:rPr>
+              <a:t>che</a:t>
+            </a:r>
+            <a:r>
+              <a:rPr lang="en-US" sz="1200" spc="-1" dirty="0" smtClean="0">
+                <a:solidFill>
+                  <a:srgbClr val="404040"/>
+                </a:solidFill>
+                <a:uFill>
+                  <a:solidFill>
+                    <a:srgbClr val="FFFFFF"/>
+                  </a:solidFill>
+                </a:uFill>
+                <a:latin typeface="Franklin Gothic Medium"/>
+                <a:cs typeface="Calibri"/>
               </a:rPr>
               <a:t> </a:t>
             </a:r>
             <a:r>
-              <a:rPr lang="en-US" sz="2800" spc="-1" dirty="0" err="1" smtClean="0">
-                <a:solidFill>
-                  <a:srgbClr val="404040"/>
-                </a:solidFill>
-                <a:uFill>
-                  <a:solidFill>
-                    <a:srgbClr val="FFFFFF"/>
-                  </a:solidFill>
-                </a:uFill>
-                <a:latin typeface="Franklin Gothic Medium"/>
-              </a:rPr>
-              <a:t>indice</a:t>
-            </a:r>
-            <a:endParaRPr lang="en-US" sz="2800" spc="-1" dirty="0" smtClean="0">
+              <a:rPr lang="en-US" sz="1200" spc="-1" dirty="0" err="1" smtClean="0">
+                <a:solidFill>
+                  <a:srgbClr val="404040"/>
+                </a:solidFill>
+                <a:uFill>
+                  <a:solidFill>
+                    <a:srgbClr val="FFFFFF"/>
+                  </a:solidFill>
+                </a:uFill>
+                <a:latin typeface="Franklin Gothic Medium"/>
+                <a:cs typeface="Calibri"/>
+              </a:rPr>
+              <a:t>contiene</a:t>
+            </a:r>
+            <a:r>
+              <a:rPr lang="en-US" sz="1200" spc="-1" dirty="0" smtClean="0">
+                <a:solidFill>
+                  <a:srgbClr val="404040"/>
+                </a:solidFill>
+                <a:uFill>
+                  <a:solidFill>
+                    <a:srgbClr val="FFFFFF"/>
+                  </a:solidFill>
+                </a:uFill>
+                <a:latin typeface="Franklin Gothic Medium"/>
+                <a:cs typeface="Calibri"/>
+              </a:rPr>
+              <a:t> per </a:t>
+            </a:r>
+            <a:r>
+              <a:rPr lang="en-US" sz="1200" spc="-1" dirty="0" err="1" smtClean="0">
+                <a:solidFill>
+                  <a:srgbClr val="404040"/>
+                </a:solidFill>
+                <a:uFill>
+                  <a:solidFill>
+                    <a:srgbClr val="FFFFFF"/>
+                  </a:solidFill>
+                </a:uFill>
+                <a:latin typeface="Franklin Gothic Medium"/>
+                <a:cs typeface="Calibri"/>
+              </a:rPr>
+              <a:t>ogni</a:t>
+            </a:r>
+            <a:r>
+              <a:rPr lang="en-US" sz="1200" spc="-1" dirty="0" smtClean="0">
+                <a:solidFill>
+                  <a:srgbClr val="404040"/>
+                </a:solidFill>
+                <a:uFill>
+                  <a:solidFill>
+                    <a:srgbClr val="FFFFFF"/>
+                  </a:solidFill>
+                </a:uFill>
+                <a:latin typeface="Franklin Gothic Medium"/>
+                <a:cs typeface="Calibri"/>
+              </a:rPr>
+              <a:t> campo la query</a:t>
+            </a:r>
+            <a:r>
+              <a:rPr lang="en-US" sz="1200" spc="-1" baseline="0" dirty="0" smtClean="0">
+                <a:solidFill>
+                  <a:srgbClr val="404040"/>
+                </a:solidFill>
+                <a:uFill>
+                  <a:solidFill>
+                    <a:srgbClr val="FFFFFF"/>
+                  </a:solidFill>
+                </a:uFill>
+                <a:latin typeface="Franklin Gothic Medium"/>
+                <a:cs typeface="Calibri"/>
+              </a:rPr>
+              <a:t> d</a:t>
+            </a:r>
+            <a:r>
+              <a:rPr lang="en-US" sz="1200" spc="-1" dirty="0" smtClean="0">
+                <a:solidFill>
+                  <a:srgbClr val="404040"/>
+                </a:solidFill>
+                <a:uFill>
+                  <a:solidFill>
+                    <a:srgbClr val="FFFFFF"/>
+                  </a:solidFill>
+                </a:uFill>
+                <a:latin typeface="Franklin Gothic Medium"/>
+                <a:cs typeface="Calibri"/>
+              </a:rPr>
+              <a:t>a </a:t>
+            </a:r>
+            <a:r>
+              <a:rPr lang="en-US" sz="1200" spc="-1" dirty="0" err="1" smtClean="0">
+                <a:solidFill>
+                  <a:srgbClr val="404040"/>
+                </a:solidFill>
+                <a:uFill>
+                  <a:solidFill>
+                    <a:srgbClr val="FFFFFF"/>
+                  </a:solidFill>
+                </a:uFill>
+                <a:latin typeface="Franklin Gothic Medium"/>
+                <a:cs typeface="Calibri"/>
+              </a:rPr>
+              <a:t>eseguire</a:t>
+            </a:r>
+            <a:endParaRPr lang="en-US" sz="1200" spc="-1" dirty="0" smtClean="0">
               <a:solidFill>
                 <a:srgbClr val="404040"/>
               </a:solidFill>
@@ -3337,437 +2714,664 @@
                 </a:solidFill>
               </a:uFill>
               <a:latin typeface="Franklin Gothic Medium"/>
+              <a:cs typeface="Calibri"/>
             </a:endParaRPr>
           </a:p>
           <a:p>
-            <a:pPr marL="457200" lvl="1" indent="0">
-              <a:buFont typeface="Wingdings" panose="05000000000000000000" pitchFamily="2" charset="2"/>
-              <a:buNone/>
-            </a:pPr>
-            <a:r>
-              <a:rPr lang="en-US" sz="2800" spc="-1" dirty="0" smtClean="0">
-                <a:solidFill>
-                  <a:srgbClr val="404040"/>
-                </a:solidFill>
-                <a:uFill>
-                  <a:solidFill>
-                    <a:srgbClr val="FFFFFF"/>
-                  </a:solidFill>
-                </a:uFill>
-                <a:latin typeface="Franklin Gothic Medium"/>
-              </a:rPr>
-              <a:t>n</a:t>
-            </a:r>
-            <a:r>
-              <a:rPr lang="en-US" sz="2800" b="0" strike="noStrike" spc="-1" dirty="0" smtClean="0">
-                <a:solidFill>
-                  <a:srgbClr val="404040"/>
-                </a:solidFill>
-                <a:uFill>
-                  <a:solidFill>
-                    <a:srgbClr val="FFFFFF"/>
-                  </a:solidFill>
-                </a:uFill>
-                <a:latin typeface="Franklin Gothic Medium"/>
-              </a:rPr>
-              <a:t>-grams -&gt; </a:t>
-            </a:r>
-            <a:r>
-              <a:rPr lang="en-US" sz="2800" b="0" strike="noStrike" spc="-1" dirty="0" err="1" smtClean="0">
-                <a:solidFill>
-                  <a:srgbClr val="404040"/>
-                </a:solidFill>
-                <a:uFill>
-                  <a:solidFill>
-                    <a:srgbClr val="FFFFFF"/>
-                  </a:solidFill>
-                </a:uFill>
-                <a:latin typeface="Franklin Gothic Medium"/>
-              </a:rPr>
-              <a:t>ricerc</a:t>
-            </a:r>
-            <a:r>
-              <a:rPr lang="en-US" sz="2800" spc="-1" dirty="0" err="1" smtClean="0">
-                <a:solidFill>
-                  <a:srgbClr val="404040"/>
-                </a:solidFill>
-                <a:uFill>
-                  <a:solidFill>
-                    <a:srgbClr val="FFFFFF"/>
-                  </a:solidFill>
-                </a:uFill>
-                <a:latin typeface="Franklin Gothic Medium"/>
+            <a:r>
+              <a:rPr lang="en-US" sz="1200" spc="-1" dirty="0" smtClean="0">
+                <a:solidFill>
+                  <a:srgbClr val="404040"/>
+                </a:solidFill>
+                <a:uFill>
+                  <a:solidFill>
+                    <a:srgbClr val="FFFFFF"/>
+                  </a:solidFill>
+                </a:uFill>
+                <a:latin typeface="Franklin Gothic Medium"/>
+                <a:cs typeface="Calibri"/>
+              </a:rPr>
+              <a:t>Il primo </a:t>
+            </a:r>
+            <a:r>
+              <a:rPr lang="en-US" sz="1200" spc="-1" dirty="0" smtClean="0">
+                <a:solidFill>
+                  <a:schemeClr val="accent6">
+                    <a:lumMod val="75000"/>
+                  </a:schemeClr>
+                </a:solidFill>
+                <a:uFill>
+                  <a:solidFill>
+                    <a:srgbClr val="FFFFFF"/>
+                  </a:solidFill>
+                </a:uFill>
+                <a:latin typeface="Franklin Gothic Medium"/>
+              </a:rPr>
+              <a:t>for</a:t>
+            </a:r>
+            <a:r>
+              <a:rPr lang="en-US" sz="1200" spc="-1" dirty="0" smtClean="0">
+                <a:uFill>
+                  <a:solidFill>
+                    <a:srgbClr val="FFFFFF"/>
+                  </a:solidFill>
+                </a:uFill>
+                <a:latin typeface="Franklin Gothic Medium"/>
+              </a:rPr>
+              <a:t> </a:t>
+            </a:r>
+            <a:r>
+              <a:rPr lang="en-US" sz="1200" spc="-1" dirty="0" err="1" smtClean="0">
+                <a:uFill>
+                  <a:solidFill>
+                    <a:srgbClr val="FFFFFF"/>
+                  </a:solidFill>
+                </a:uFill>
+                <a:latin typeface="Franklin Gothic Medium"/>
+              </a:rPr>
+              <a:t>esegue</a:t>
+            </a:r>
+            <a:r>
+              <a:rPr lang="en-US" sz="1200" spc="-1" dirty="0" smtClean="0">
+                <a:uFill>
+                  <a:solidFill>
+                    <a:srgbClr val="FFFFFF"/>
+                  </a:solidFill>
+                </a:uFill>
+                <a:latin typeface="Franklin Gothic Medium"/>
+              </a:rPr>
+              <a:t> le </a:t>
+            </a:r>
+            <a:r>
+              <a:rPr lang="en-US" sz="1200" spc="-1" dirty="0" err="1" smtClean="0">
+                <a:uFill>
+                  <a:solidFill>
+                    <a:srgbClr val="FFFFFF"/>
+                  </a:solidFill>
+                </a:uFill>
+                <a:latin typeface="Franklin Gothic Medium"/>
+              </a:rPr>
+              <a:t>singole</a:t>
+            </a:r>
+            <a:r>
+              <a:rPr lang="en-US" sz="1200" spc="-1" dirty="0" smtClean="0">
+                <a:uFill>
+                  <a:solidFill>
+                    <a:srgbClr val="FFFFFF"/>
+                  </a:solidFill>
+                </a:uFill>
+                <a:latin typeface="Franklin Gothic Medium"/>
+              </a:rPr>
+              <a:t> query</a:t>
+            </a:r>
+          </a:p>
+          <a:p>
+            <a:r>
+              <a:rPr lang="en-US" sz="1200" spc="-1" dirty="0" smtClean="0">
+                <a:uFill>
+                  <a:solidFill>
+                    <a:srgbClr val="FFFFFF"/>
+                  </a:solidFill>
+                </a:uFill>
+                <a:latin typeface="Franklin Gothic Medium"/>
+              </a:rPr>
+              <a:t>Il secondo </a:t>
+            </a:r>
+            <a:r>
+              <a:rPr lang="en-US" sz="1200" spc="-1" dirty="0" err="1" smtClean="0">
+                <a:uFill>
+                  <a:solidFill>
+                    <a:srgbClr val="FFFFFF"/>
+                  </a:solidFill>
+                </a:uFill>
+                <a:latin typeface="Franklin Gothic Medium"/>
+              </a:rPr>
+              <a:t>cerc</a:t>
+            </a:r>
+            <a:r>
+              <a:rPr lang="en-US" sz="1200" spc="-1" dirty="0" err="1" smtClean="0">
+                <a:solidFill>
+                  <a:srgbClr val="404040"/>
+                </a:solidFill>
+                <a:uFill>
+                  <a:solidFill>
+                    <a:srgbClr val="FFFFFF"/>
+                  </a:solidFill>
+                </a:uFill>
+                <a:latin typeface="Franklin Gothic Medium"/>
+                <a:cs typeface="Calibri"/>
               </a:rPr>
               <a:t>a</a:t>
             </a:r>
             <a:r>
-              <a:rPr lang="en-US" sz="2800" spc="-1" dirty="0" smtClean="0">
-                <a:solidFill>
-                  <a:srgbClr val="404040"/>
-                </a:solidFill>
-                <a:uFill>
-                  <a:solidFill>
-                    <a:srgbClr val="FFFFFF"/>
-                  </a:solidFill>
-                </a:uFill>
-                <a:latin typeface="Franklin Gothic Medium"/>
-              </a:rPr>
-              <a:t> parole </a:t>
-            </a:r>
-            <a:r>
-              <a:rPr lang="en-US" sz="2800" spc="-1" dirty="0" err="1" smtClean="0">
-                <a:solidFill>
-                  <a:srgbClr val="404040"/>
-                </a:solidFill>
-                <a:uFill>
-                  <a:solidFill>
-                    <a:srgbClr val="FFFFFF"/>
-                  </a:solidFill>
-                </a:uFill>
-                <a:latin typeface="Franklin Gothic Medium"/>
-              </a:rPr>
-              <a:t>simili</a:t>
-            </a:r>
-            <a:r>
-              <a:rPr lang="en-US" sz="2800" spc="-1" dirty="0" smtClean="0">
-                <a:solidFill>
-                  <a:srgbClr val="404040"/>
-                </a:solidFill>
-                <a:uFill>
-                  <a:solidFill>
-                    <a:srgbClr val="FFFFFF"/>
-                  </a:solidFill>
-                </a:uFill>
-                <a:latin typeface="Franklin Gothic Medium"/>
+              <a:rPr lang="en-US" sz="1200" spc="-1" dirty="0" smtClean="0">
+                <a:solidFill>
+                  <a:srgbClr val="404040"/>
+                </a:solidFill>
+                <a:uFill>
+                  <a:solidFill>
+                    <a:srgbClr val="FFFFFF"/>
+                  </a:solidFill>
+                </a:uFill>
+                <a:latin typeface="Franklin Gothic Medium"/>
+                <a:cs typeface="Calibri"/>
+              </a:rPr>
+              <a:t> l </a:t>
+            </a:r>
+            <a:r>
+              <a:rPr lang="en-US" sz="1200" spc="-1" dirty="0" err="1" smtClean="0">
+                <a:solidFill>
+                  <a:srgbClr val="404040"/>
+                </a:solidFill>
+                <a:uFill>
+                  <a:solidFill>
+                    <a:srgbClr val="FFFFFF"/>
+                  </a:solidFill>
+                </a:uFill>
+                <a:latin typeface="Franklin Gothic Medium"/>
+                <a:cs typeface="Calibri"/>
+              </a:rPr>
+              <a:t>insieme</a:t>
+            </a:r>
+            <a:r>
+              <a:rPr lang="en-US" sz="1200" spc="-1" dirty="0" smtClean="0">
+                <a:solidFill>
+                  <a:srgbClr val="404040"/>
+                </a:solidFill>
+                <a:uFill>
+                  <a:solidFill>
+                    <a:srgbClr val="FFFFFF"/>
+                  </a:solidFill>
+                </a:uFill>
+                <a:latin typeface="Franklin Gothic Medium"/>
+                <a:cs typeface="Calibri"/>
               </a:rPr>
               <a:t> </a:t>
             </a:r>
             <a:r>
-              <a:rPr lang="en-US" sz="2800" spc="-1" dirty="0" err="1" smtClean="0">
-                <a:solidFill>
-                  <a:srgbClr val="404040"/>
-                </a:solidFill>
-                <a:uFill>
-                  <a:solidFill>
-                    <a:srgbClr val="FFFFFF"/>
-                  </a:solidFill>
-                </a:uFill>
-                <a:latin typeface="Franklin Gothic Medium"/>
-              </a:rPr>
-              <a:t>nel</a:t>
-            </a:r>
-            <a:r>
-              <a:rPr lang="en-US" sz="2800" spc="-1" dirty="0" smtClean="0">
-                <a:solidFill>
-                  <a:srgbClr val="404040"/>
-                </a:solidFill>
-                <a:uFill>
-                  <a:solidFill>
-                    <a:srgbClr val="FFFFFF"/>
-                  </a:solidFill>
-                </a:uFill>
-                <a:latin typeface="Franklin Gothic Medium"/>
+              <a:rPr lang="en-US" sz="1200" spc="-1" dirty="0" err="1" smtClean="0">
+                <a:solidFill>
+                  <a:srgbClr val="404040"/>
+                </a:solidFill>
+                <a:uFill>
+                  <a:solidFill>
+                    <a:srgbClr val="FFFFFF"/>
+                  </a:solidFill>
+                </a:uFill>
+                <a:latin typeface="Franklin Gothic Medium"/>
+                <a:cs typeface="Calibri"/>
+              </a:rPr>
+              <a:t>dei</a:t>
+            </a:r>
+            <a:r>
+              <a:rPr lang="en-US" sz="1200" spc="-1" dirty="0" smtClean="0">
+                <a:solidFill>
+                  <a:srgbClr val="404040"/>
+                </a:solidFill>
+                <a:uFill>
+                  <a:solidFill>
+                    <a:srgbClr val="FFFFFF"/>
+                  </a:solidFill>
+                </a:uFill>
+                <a:latin typeface="Franklin Gothic Medium"/>
+                <a:cs typeface="Calibri"/>
               </a:rPr>
               <a:t> </a:t>
             </a:r>
             <a:r>
-              <a:rPr lang="en-US" sz="2800" spc="-1" dirty="0" err="1" smtClean="0">
-                <a:solidFill>
-                  <a:srgbClr val="404040"/>
-                </a:solidFill>
-                <a:uFill>
-                  <a:solidFill>
-                    <a:srgbClr val="FFFFFF"/>
-                  </a:solidFill>
-                </a:uFill>
-                <a:latin typeface="Franklin Gothic Medium"/>
-              </a:rPr>
-              <a:t>dizionario</a:t>
-            </a:r>
-            <a:r>
-              <a:rPr lang="en-US" sz="2800" spc="-1" dirty="0" smtClean="0">
-                <a:solidFill>
-                  <a:srgbClr val="404040"/>
-                </a:solidFill>
-                <a:uFill>
-                  <a:solidFill>
-                    <a:srgbClr val="FFFFFF"/>
-                  </a:solidFill>
-                </a:uFill>
-                <a:latin typeface="Franklin Gothic Medium"/>
-              </a:rPr>
-              <a:t> e </a:t>
-            </a:r>
-            <a:r>
-              <a:rPr lang="en-US" sz="2800" spc="-1" dirty="0" err="1" smtClean="0">
-                <a:solidFill>
-                  <a:srgbClr val="404040"/>
-                </a:solidFill>
-                <a:uFill>
-                  <a:solidFill>
-                    <a:srgbClr val="FFFFFF"/>
-                  </a:solidFill>
-                </a:uFill>
-                <a:latin typeface="Franklin Gothic Medium"/>
-              </a:rPr>
-              <a:t>nel</a:t>
-            </a:r>
-            <a:r>
-              <a:rPr lang="en-US" sz="2800" spc="-1" dirty="0" smtClean="0">
-                <a:solidFill>
-                  <a:srgbClr val="404040"/>
-                </a:solidFill>
-                <a:uFill>
-                  <a:solidFill>
-                    <a:srgbClr val="FFFFFF"/>
-                  </a:solidFill>
-                </a:uFill>
-                <a:latin typeface="Franklin Gothic Medium"/>
-              </a:rPr>
-              <a:t> lexicon</a:t>
-            </a:r>
-            <a:endParaRPr lang="en-US" sz="2800" b="0" strike="noStrike" spc="-1" dirty="0" smtClean="0">
-              <a:solidFill>
-                <a:srgbClr val="404040"/>
-              </a:solidFill>
-              <a:uFill>
-                <a:solidFill>
-                  <a:srgbClr val="FFFFFF"/>
-                </a:solidFill>
-              </a:uFill>
-              <a:latin typeface="Franklin Gothic Medium"/>
-            </a:endParaRPr>
-          </a:p>
-          <a:p>
-            <a:pPr marL="457200" marR="0" lvl="1" indent="0" algn="l" defTabSz="914400" rtl="0" eaLnBrk="1" fontAlgn="auto" latinLnBrk="0" hangingPunct="1">
-              <a:lnSpc>
-                <a:spcPct val="100000"/>
-              </a:lnSpc>
-              <a:spcBef>
-                <a:spcPts val="0"/>
-              </a:spcBef>
-              <a:spcAft>
-                <a:spcPts val="0"/>
-              </a:spcAft>
-              <a:buClrTx/>
-              <a:buSzTx/>
-              <a:buFont typeface="Wingdings" panose="05000000000000000000" pitchFamily="2" charset="2"/>
-              <a:buNone/>
-              <a:tabLst/>
-              <a:defRPr/>
-            </a:pPr>
-            <a:r>
-              <a:rPr lang="en-US" sz="2800" spc="-1" dirty="0" err="1" smtClean="0">
-                <a:solidFill>
-                  <a:srgbClr val="404040"/>
-                </a:solidFill>
-                <a:uFill>
-                  <a:solidFill>
-                    <a:srgbClr val="FFFFFF"/>
-                  </a:solidFill>
-                </a:uFill>
-                <a:latin typeface="Franklin Gothic Medium"/>
-              </a:rPr>
-              <a:t>Pyenchant</a:t>
-            </a:r>
-            <a:r>
-              <a:rPr lang="en-US" sz="2800" spc="-1" dirty="0" smtClean="0">
-                <a:solidFill>
-                  <a:srgbClr val="404040"/>
-                </a:solidFill>
-                <a:uFill>
-                  <a:solidFill>
-                    <a:srgbClr val="FFFFFF"/>
-                  </a:solidFill>
-                </a:uFill>
-                <a:latin typeface="Franklin Gothic Medium"/>
-              </a:rPr>
-              <a:t> -&gt; </a:t>
-            </a:r>
-            <a:r>
-              <a:rPr lang="en-US" sz="2800" b="0" strike="noStrike" spc="-1" dirty="0" err="1" smtClean="0">
-                <a:solidFill>
-                  <a:srgbClr val="404040"/>
-                </a:solidFill>
-                <a:uFill>
-                  <a:solidFill>
-                    <a:srgbClr val="FFFFFF"/>
-                  </a:solidFill>
-                </a:uFill>
-                <a:latin typeface="Franklin Gothic Medium"/>
-              </a:rPr>
-              <a:t>ricerc</a:t>
-            </a:r>
-            <a:r>
-              <a:rPr lang="en-US" sz="2800" spc="-1" dirty="0" err="1" smtClean="0">
-                <a:solidFill>
-                  <a:srgbClr val="404040"/>
-                </a:solidFill>
-                <a:uFill>
-                  <a:solidFill>
-                    <a:srgbClr val="FFFFFF"/>
-                  </a:solidFill>
-                </a:uFill>
-                <a:latin typeface="Franklin Gothic Medium"/>
+              <a:rPr lang="en-US" sz="1200" spc="-1" dirty="0" err="1" smtClean="0">
+                <a:solidFill>
+                  <a:srgbClr val="404040"/>
+                </a:solidFill>
+                <a:uFill>
+                  <a:solidFill>
+                    <a:srgbClr val="FFFFFF"/>
+                  </a:solidFill>
+                </a:uFill>
+                <a:latin typeface="Franklin Gothic Medium"/>
+                <a:cs typeface="Calibri"/>
+              </a:rPr>
+              <a:t>risultati</a:t>
+            </a:r>
+            <a:r>
+              <a:rPr lang="en-US" sz="1200" spc="-1" dirty="0" smtClean="0">
+                <a:solidFill>
+                  <a:srgbClr val="404040"/>
+                </a:solidFill>
+                <a:uFill>
+                  <a:solidFill>
+                    <a:srgbClr val="FFFFFF"/>
+                  </a:solidFill>
+                </a:uFill>
+                <a:latin typeface="Franklin Gothic Medium"/>
+                <a:cs typeface="Calibri"/>
+              </a:rPr>
+              <a:t> </a:t>
+            </a:r>
+            <a:r>
+              <a:rPr lang="en-US" sz="1200" spc="-1" dirty="0" err="1" smtClean="0">
+                <a:solidFill>
+                  <a:srgbClr val="404040"/>
+                </a:solidFill>
+                <a:uFill>
+                  <a:solidFill>
+                    <a:srgbClr val="FFFFFF"/>
+                  </a:solidFill>
+                </a:uFill>
+                <a:latin typeface="Franklin Gothic Medium"/>
+                <a:cs typeface="Calibri"/>
+              </a:rPr>
+              <a:t>piu</a:t>
+            </a:r>
+            <a:r>
+              <a:rPr lang="en-US" sz="1200" spc="-1" dirty="0" smtClean="0">
+                <a:solidFill>
+                  <a:srgbClr val="404040"/>
+                </a:solidFill>
+                <a:uFill>
+                  <a:solidFill>
+                    <a:srgbClr val="FFFFFF"/>
+                  </a:solidFill>
+                </a:uFill>
+                <a:latin typeface="Franklin Gothic Medium"/>
+                <a:cs typeface="Calibri"/>
+              </a:rPr>
+              <a:t> piccolo</a:t>
+            </a:r>
+          </a:p>
+          <a:p>
+            <a:r>
+              <a:rPr lang="en-US" sz="1200" spc="-1" dirty="0" smtClean="0">
+                <a:solidFill>
+                  <a:srgbClr val="404040"/>
+                </a:solidFill>
+                <a:uFill>
+                  <a:solidFill>
+                    <a:srgbClr val="FFFFFF"/>
+                  </a:solidFill>
+                </a:uFill>
+                <a:latin typeface="Franklin Gothic Medium"/>
+                <a:cs typeface="Calibri"/>
+              </a:rPr>
+              <a:t>Il </a:t>
+            </a:r>
+            <a:r>
+              <a:rPr lang="en-US" sz="1200" spc="-1" dirty="0" err="1" smtClean="0">
+                <a:solidFill>
+                  <a:srgbClr val="404040"/>
+                </a:solidFill>
+                <a:uFill>
+                  <a:solidFill>
+                    <a:srgbClr val="FFFFFF"/>
+                  </a:solidFill>
+                </a:uFill>
+                <a:latin typeface="Franklin Gothic Medium"/>
+                <a:cs typeface="Calibri"/>
+              </a:rPr>
+              <a:t>terzo</a:t>
+            </a:r>
+            <a:r>
+              <a:rPr lang="en-US" sz="1200" spc="-1" baseline="0" dirty="0" smtClean="0">
+                <a:solidFill>
+                  <a:srgbClr val="404040"/>
+                </a:solidFill>
+                <a:uFill>
+                  <a:solidFill>
+                    <a:srgbClr val="FFFFFF"/>
+                  </a:solidFill>
+                </a:uFill>
+                <a:latin typeface="Franklin Gothic Medium"/>
+                <a:cs typeface="Calibri"/>
+              </a:rPr>
+              <a:t> </a:t>
+            </a:r>
+            <a:r>
+              <a:rPr lang="en-US" sz="1200" spc="-1" baseline="0" dirty="0" err="1" smtClean="0">
+                <a:solidFill>
+                  <a:srgbClr val="404040"/>
+                </a:solidFill>
+                <a:uFill>
+                  <a:solidFill>
+                    <a:srgbClr val="FFFFFF"/>
+                  </a:solidFill>
+                </a:uFill>
+                <a:latin typeface="Franklin Gothic Medium"/>
+                <a:cs typeface="Calibri"/>
+              </a:rPr>
+              <a:t>intersec</a:t>
+            </a:r>
+            <a:r>
+              <a:rPr lang="en-US" sz="1200" spc="-1" dirty="0" err="1" smtClean="0">
+                <a:solidFill>
+                  <a:srgbClr val="404040"/>
+                </a:solidFill>
+                <a:uFill>
+                  <a:solidFill>
+                    <a:srgbClr val="FFFFFF"/>
+                  </a:solidFill>
+                </a:uFill>
+                <a:latin typeface="Franklin Gothic Medium"/>
+                <a:cs typeface="Calibri"/>
               </a:rPr>
               <a:t>a</a:t>
             </a:r>
             <a:r>
-              <a:rPr lang="en-US" sz="2800" spc="-1" dirty="0" smtClean="0">
-                <a:solidFill>
-                  <a:srgbClr val="404040"/>
-                </a:solidFill>
-                <a:uFill>
-                  <a:solidFill>
-                    <a:srgbClr val="FFFFFF"/>
-                  </a:solidFill>
-                </a:uFill>
-                <a:latin typeface="Franklin Gothic Medium"/>
-              </a:rPr>
-              <a:t> parole </a:t>
-            </a:r>
-            <a:r>
-              <a:rPr lang="en-US" sz="2800" spc="-1" dirty="0" err="1" smtClean="0">
-                <a:solidFill>
-                  <a:srgbClr val="404040"/>
-                </a:solidFill>
-                <a:uFill>
-                  <a:solidFill>
-                    <a:srgbClr val="FFFFFF"/>
-                  </a:solidFill>
-                </a:uFill>
-                <a:latin typeface="Franklin Gothic Medium"/>
-              </a:rPr>
-              <a:t>simili</a:t>
-            </a:r>
-            <a:r>
-              <a:rPr lang="en-US" sz="2800" spc="-1" dirty="0" smtClean="0">
-                <a:solidFill>
-                  <a:srgbClr val="404040"/>
-                </a:solidFill>
-                <a:uFill>
-                  <a:solidFill>
-                    <a:srgbClr val="FFFFFF"/>
-                  </a:solidFill>
-                </a:uFill>
-                <a:latin typeface="Franklin Gothic Medium"/>
+              <a:rPr lang="en-US" sz="1200" spc="-1" dirty="0" smtClean="0">
+                <a:solidFill>
+                  <a:srgbClr val="404040"/>
+                </a:solidFill>
+                <a:uFill>
+                  <a:solidFill>
+                    <a:srgbClr val="FFFFFF"/>
+                  </a:solidFill>
+                </a:uFill>
+                <a:latin typeface="Franklin Gothic Medium"/>
+                <a:cs typeface="Calibri"/>
               </a:rPr>
               <a:t> </a:t>
             </a:r>
             <a:r>
-              <a:rPr lang="en-US" sz="2800" spc="-1" dirty="0" err="1" smtClean="0">
-                <a:solidFill>
-                  <a:srgbClr val="404040"/>
-                </a:solidFill>
-                <a:uFill>
-                  <a:solidFill>
-                    <a:srgbClr val="FFFFFF"/>
-                  </a:solidFill>
-                </a:uFill>
-                <a:latin typeface="Franklin Gothic Medium"/>
-              </a:rPr>
-              <a:t>nel</a:t>
-            </a:r>
-            <a:r>
-              <a:rPr lang="en-US" sz="2800" spc="-1" dirty="0" smtClean="0">
-                <a:solidFill>
-                  <a:srgbClr val="404040"/>
-                </a:solidFill>
-                <a:uFill>
-                  <a:solidFill>
-                    <a:srgbClr val="FFFFFF"/>
-                  </a:solidFill>
-                </a:uFill>
-                <a:latin typeface="Franklin Gothic Medium"/>
+              <a:rPr lang="en-US" sz="1200" spc="-1" dirty="0" err="1" smtClean="0">
+                <a:solidFill>
+                  <a:srgbClr val="404040"/>
+                </a:solidFill>
+                <a:uFill>
+                  <a:solidFill>
+                    <a:srgbClr val="FFFFFF"/>
+                  </a:solidFill>
+                </a:uFill>
+                <a:latin typeface="Franklin Gothic Medium"/>
+                <a:cs typeface="Calibri"/>
+              </a:rPr>
+              <a:t>tutti</a:t>
+            </a:r>
+            <a:r>
+              <a:rPr lang="en-US" sz="1200" spc="-1" dirty="0" smtClean="0">
+                <a:solidFill>
+                  <a:srgbClr val="404040"/>
+                </a:solidFill>
+                <a:uFill>
+                  <a:solidFill>
+                    <a:srgbClr val="FFFFFF"/>
+                  </a:solidFill>
+                </a:uFill>
+                <a:latin typeface="Franklin Gothic Medium"/>
+                <a:cs typeface="Calibri"/>
+              </a:rPr>
+              <a:t> i </a:t>
+            </a:r>
+            <a:r>
+              <a:rPr lang="en-US" sz="1200" spc="-1" dirty="0" err="1" smtClean="0">
+                <a:solidFill>
+                  <a:srgbClr val="404040"/>
+                </a:solidFill>
+                <a:uFill>
+                  <a:solidFill>
+                    <a:srgbClr val="FFFFFF"/>
+                  </a:solidFill>
+                </a:uFill>
+                <a:latin typeface="Franklin Gothic Medium"/>
+                <a:cs typeface="Calibri"/>
+              </a:rPr>
+              <a:t>risultati</a:t>
+            </a:r>
+            <a:r>
+              <a:rPr lang="en-US" sz="1200" spc="-1" dirty="0" smtClean="0">
+                <a:solidFill>
+                  <a:srgbClr val="404040"/>
+                </a:solidFill>
+                <a:uFill>
+                  <a:solidFill>
+                    <a:srgbClr val="FFFFFF"/>
+                  </a:solidFill>
+                </a:uFill>
+                <a:latin typeface="Franklin Gothic Medium"/>
+                <a:cs typeface="Calibri"/>
               </a:rPr>
               <a:t> </a:t>
             </a:r>
             <a:r>
-              <a:rPr lang="en-US" sz="2800" spc="-1" dirty="0" err="1" smtClean="0">
-                <a:solidFill>
-                  <a:srgbClr val="404040"/>
-                </a:solidFill>
-                <a:uFill>
-                  <a:solidFill>
-                    <a:srgbClr val="FFFFFF"/>
-                  </a:solidFill>
-                </a:uFill>
-                <a:latin typeface="Franklin Gothic Medium"/>
-              </a:rPr>
-              <a:t>dizionario</a:t>
-            </a:r>
-            <a:r>
-              <a:rPr lang="en-US" sz="2800" spc="-1" dirty="0" smtClean="0">
-                <a:solidFill>
-                  <a:srgbClr val="404040"/>
-                </a:solidFill>
-                <a:uFill>
-                  <a:solidFill>
-                    <a:srgbClr val="FFFFFF"/>
-                  </a:solidFill>
-                </a:uFill>
-                <a:latin typeface="Franklin Gothic Medium"/>
-              </a:rPr>
-              <a:t> e </a:t>
-            </a:r>
-            <a:r>
-              <a:rPr lang="en-US" sz="2800" spc="-1" dirty="0" err="1" smtClean="0">
-                <a:solidFill>
-                  <a:srgbClr val="404040"/>
-                </a:solidFill>
-                <a:uFill>
-                  <a:solidFill>
-                    <a:srgbClr val="FFFFFF"/>
-                  </a:solidFill>
-                </a:uFill>
-                <a:latin typeface="Franklin Gothic Medium"/>
-              </a:rPr>
-              <a:t>nel</a:t>
-            </a:r>
-            <a:r>
-              <a:rPr lang="en-US" sz="2800" spc="-1" dirty="0" smtClean="0">
-                <a:solidFill>
-                  <a:srgbClr val="404040"/>
-                </a:solidFill>
-                <a:uFill>
-                  <a:solidFill>
-                    <a:srgbClr val="FFFFFF"/>
-                  </a:solidFill>
-                </a:uFill>
-                <a:latin typeface="Franklin Gothic Medium"/>
-              </a:rPr>
-              <a:t> lexicon</a:t>
-            </a:r>
-            <a:endParaRPr lang="en-US" sz="2800" b="0" strike="noStrike" spc="-1" dirty="0" smtClean="0">
-              <a:solidFill>
-                <a:srgbClr val="404040"/>
-              </a:solidFill>
-              <a:uFill>
-                <a:solidFill>
-                  <a:srgbClr val="FFFFFF"/>
-                </a:solidFill>
-              </a:uFill>
-              <a:latin typeface="Franklin Gothic Medium"/>
-            </a:endParaRPr>
-          </a:p>
-          <a:p>
-            <a:pPr marL="457200" lvl="1" indent="0">
-              <a:buFont typeface="Wingdings" panose="05000000000000000000" pitchFamily="2" charset="2"/>
-              <a:buNone/>
-            </a:pPr>
-            <a:endParaRPr lang="en-US" sz="2800" spc="-1" dirty="0" smtClean="0">
-              <a:solidFill>
-                <a:srgbClr val="404040"/>
-              </a:solidFill>
-              <a:uFill>
-                <a:solidFill>
-                  <a:srgbClr val="FFFFFF"/>
-                </a:solidFill>
-              </a:uFill>
-              <a:latin typeface="Franklin Gothic Medium"/>
-            </a:endParaRPr>
-          </a:p>
-          <a:p>
+              <a:rPr lang="en-US" sz="1200" spc="-1" dirty="0" err="1" smtClean="0">
+                <a:solidFill>
+                  <a:srgbClr val="404040"/>
+                </a:solidFill>
+                <a:uFill>
+                  <a:solidFill>
+                    <a:srgbClr val="FFFFFF"/>
+                  </a:solidFill>
+                </a:uFill>
+                <a:latin typeface="Franklin Gothic Medium"/>
+                <a:cs typeface="Calibri"/>
+              </a:rPr>
+              <a:t>delle</a:t>
+            </a:r>
+            <a:r>
+              <a:rPr lang="en-US" sz="1200" spc="-1" dirty="0" smtClean="0">
+                <a:solidFill>
+                  <a:srgbClr val="404040"/>
+                </a:solidFill>
+                <a:uFill>
+                  <a:solidFill>
+                    <a:srgbClr val="FFFFFF"/>
+                  </a:solidFill>
+                </a:uFill>
+                <a:latin typeface="Franklin Gothic Medium"/>
+                <a:cs typeface="Calibri"/>
+              </a:rPr>
+              <a:t> query con l </a:t>
+            </a:r>
+            <a:r>
+              <a:rPr lang="en-US" sz="1200" spc="-1" dirty="0" err="1" smtClean="0">
+                <a:solidFill>
+                  <a:srgbClr val="404040"/>
+                </a:solidFill>
+                <a:uFill>
+                  <a:solidFill>
+                    <a:srgbClr val="FFFFFF"/>
+                  </a:solidFill>
+                </a:uFill>
+                <a:latin typeface="Franklin Gothic Medium"/>
+                <a:cs typeface="Calibri"/>
+              </a:rPr>
+              <a:t>insieme</a:t>
+            </a:r>
+            <a:r>
+              <a:rPr lang="en-US" sz="1200" spc="-1" dirty="0" smtClean="0">
+                <a:solidFill>
+                  <a:srgbClr val="404040"/>
+                </a:solidFill>
+                <a:uFill>
+                  <a:solidFill>
+                    <a:srgbClr val="FFFFFF"/>
+                  </a:solidFill>
+                </a:uFill>
+                <a:latin typeface="Franklin Gothic Medium"/>
+                <a:cs typeface="Calibri"/>
+              </a:rPr>
+              <a:t> </a:t>
+            </a:r>
+            <a:r>
+              <a:rPr lang="en-US" sz="1200" spc="-1" dirty="0" err="1" smtClean="0">
+                <a:solidFill>
+                  <a:srgbClr val="404040"/>
+                </a:solidFill>
+                <a:uFill>
+                  <a:solidFill>
+                    <a:srgbClr val="FFFFFF"/>
+                  </a:solidFill>
+                </a:uFill>
+                <a:latin typeface="Franklin Gothic Medium"/>
+                <a:cs typeface="Calibri"/>
+              </a:rPr>
+              <a:t>piu</a:t>
+            </a:r>
+            <a:r>
+              <a:rPr lang="en-US" sz="1200" spc="-1" dirty="0" smtClean="0">
+                <a:solidFill>
+                  <a:srgbClr val="404040"/>
+                </a:solidFill>
+                <a:uFill>
+                  <a:solidFill>
+                    <a:srgbClr val="FFFFFF"/>
+                  </a:solidFill>
+                </a:uFill>
+                <a:latin typeface="Franklin Gothic Medium"/>
+                <a:cs typeface="Calibri"/>
+              </a:rPr>
+              <a:t> piccolo</a:t>
+            </a:r>
+          </a:p>
+          <a:p>
+            <a:r>
+              <a:rPr lang="en-US" sz="1200" spc="-1" dirty="0" smtClean="0">
+                <a:solidFill>
+                  <a:srgbClr val="404040"/>
+                </a:solidFill>
+                <a:uFill>
+                  <a:solidFill>
+                    <a:srgbClr val="FFFFFF"/>
+                  </a:solidFill>
+                </a:uFill>
+                <a:latin typeface="Franklin Gothic Medium"/>
+                <a:cs typeface="Calibri"/>
+              </a:rPr>
+              <a:t>Si </a:t>
+            </a:r>
+            <a:r>
+              <a:rPr lang="en-US" sz="1200" spc="-1" dirty="0" err="1" smtClean="0">
+                <a:solidFill>
+                  <a:srgbClr val="404040"/>
+                </a:solidFill>
+                <a:uFill>
+                  <a:solidFill>
+                    <a:srgbClr val="FFFFFF"/>
+                  </a:solidFill>
+                </a:uFill>
+                <a:latin typeface="Franklin Gothic Medium"/>
+                <a:cs typeface="Calibri"/>
+              </a:rPr>
+              <a:t>interseca</a:t>
+            </a:r>
+            <a:r>
+              <a:rPr lang="en-US" sz="1200" spc="-1" dirty="0" smtClean="0">
+                <a:solidFill>
+                  <a:srgbClr val="404040"/>
+                </a:solidFill>
+                <a:uFill>
+                  <a:solidFill>
+                    <a:srgbClr val="FFFFFF"/>
+                  </a:solidFill>
+                </a:uFill>
+                <a:latin typeface="Franklin Gothic Medium"/>
+                <a:cs typeface="Calibri"/>
+              </a:rPr>
+              <a:t> con l</a:t>
+            </a:r>
+            <a:r>
+              <a:rPr lang="en-US" sz="1200" spc="-1" baseline="0" dirty="0" smtClean="0">
+                <a:solidFill>
+                  <a:srgbClr val="404040"/>
+                </a:solidFill>
+                <a:uFill>
+                  <a:solidFill>
+                    <a:srgbClr val="FFFFFF"/>
+                  </a:solidFill>
+                </a:uFill>
+                <a:latin typeface="Franklin Gothic Medium"/>
+                <a:cs typeface="Calibri"/>
+              </a:rPr>
+              <a:t> </a:t>
+            </a:r>
+            <a:r>
+              <a:rPr lang="en-US" sz="1200" spc="-1" baseline="0" dirty="0" err="1" smtClean="0">
+                <a:solidFill>
+                  <a:srgbClr val="404040"/>
+                </a:solidFill>
+                <a:uFill>
+                  <a:solidFill>
+                    <a:srgbClr val="FFFFFF"/>
+                  </a:solidFill>
+                </a:uFill>
+                <a:latin typeface="Franklin Gothic Medium"/>
+                <a:cs typeface="Calibri"/>
+              </a:rPr>
+              <a:t>insieme</a:t>
+            </a:r>
+            <a:r>
+              <a:rPr lang="en-US" sz="1200" spc="-1" baseline="0" dirty="0" smtClean="0">
+                <a:solidFill>
+                  <a:srgbClr val="404040"/>
+                </a:solidFill>
+                <a:uFill>
+                  <a:solidFill>
+                    <a:srgbClr val="FFFFFF"/>
+                  </a:solidFill>
+                </a:uFill>
+                <a:latin typeface="Franklin Gothic Medium"/>
+                <a:cs typeface="Calibri"/>
+              </a:rPr>
+              <a:t> </a:t>
+            </a:r>
+            <a:r>
+              <a:rPr lang="en-US" sz="1200" spc="-1" baseline="0" dirty="0" err="1" smtClean="0">
+                <a:solidFill>
+                  <a:srgbClr val="404040"/>
+                </a:solidFill>
+                <a:uFill>
+                  <a:solidFill>
+                    <a:srgbClr val="FFFFFF"/>
+                  </a:solidFill>
+                </a:uFill>
+                <a:latin typeface="Franklin Gothic Medium"/>
+                <a:cs typeface="Calibri"/>
+              </a:rPr>
+              <a:t>piu</a:t>
+            </a:r>
+            <a:r>
+              <a:rPr lang="en-US" sz="1200" spc="-1" baseline="0" dirty="0" smtClean="0">
+                <a:solidFill>
+                  <a:srgbClr val="404040"/>
+                </a:solidFill>
+                <a:uFill>
+                  <a:solidFill>
+                    <a:srgbClr val="FFFFFF"/>
+                  </a:solidFill>
+                </a:uFill>
+                <a:latin typeface="Franklin Gothic Medium"/>
+                <a:cs typeface="Calibri"/>
+              </a:rPr>
+              <a:t> piccolo per </a:t>
+            </a:r>
+            <a:r>
+              <a:rPr lang="en-US" sz="1200" spc="-1" baseline="0" dirty="0" err="1" smtClean="0">
+                <a:solidFill>
+                  <a:srgbClr val="404040"/>
+                </a:solidFill>
+                <a:uFill>
+                  <a:solidFill>
+                    <a:srgbClr val="FFFFFF"/>
+                  </a:solidFill>
+                </a:uFill>
+                <a:latin typeface="Franklin Gothic Medium"/>
+                <a:cs typeface="Calibri"/>
+              </a:rPr>
+              <a:t>ottimizz</a:t>
+            </a:r>
+            <a:r>
+              <a:rPr lang="en-US" sz="1200" spc="-1" dirty="0" err="1" smtClean="0">
+                <a:solidFill>
+                  <a:srgbClr val="404040"/>
+                </a:solidFill>
+                <a:uFill>
+                  <a:solidFill>
+                    <a:srgbClr val="FFFFFF"/>
+                  </a:solidFill>
+                </a:uFill>
+                <a:latin typeface="Franklin Gothic Medium"/>
+                <a:cs typeface="Calibri"/>
+              </a:rPr>
+              <a:t>are</a:t>
+            </a:r>
             <a:endParaRPr lang="it-IT" dirty="0"/>
           </a:p>
         </p:txBody>
@@ -3800,7 +3404,7 @@
                 </a:uFill>
                 <a:latin typeface="Times New Roman"/>
               </a:rPr>
-              <a:t>13</a:t>
+              <a:t>11</a:t>
             </a:fld>
             <a:endParaRPr lang="en-US" sz="1400" b="0" strike="noStrike" spc="-1">
               <a:solidFill>
@@ -3819,7 +3423,7 @@
     </p:spTree>
     <p:extLst>
       <p:ext uri="{BB962C8B-B14F-4D97-AF65-F5344CB8AC3E}">
-        <p14:creationId xmlns:p14="http://schemas.microsoft.com/office/powerpoint/2010/main" val="575549077"/>
+        <p14:creationId xmlns:p14="http://schemas.microsoft.com/office/powerpoint/2010/main" val="3363847177"/>
       </p:ext>
     </p:extLst>
   </p:cSld>
@@ -3848,7 +3452,7 @@
       </p:grpSpPr>
       <p:sp>
         <p:nvSpPr>
-          <p:cNvPr id="2" name="Segnaposto immagine diapositiva 1"/>
+          <p:cNvPr id="2" name="Slide Image Placeholder 1"/>
           <p:cNvSpPr>
             <a:spLocks noGrp="1" noRot="1" noChangeAspect="1"/>
           </p:cNvSpPr>
@@ -3858,8 +3462,8 @@
         </p:nvSpPr>
         <p:spPr>
           <a:xfrm>
-            <a:off x="685800" y="1143000"/>
-            <a:ext cx="5486400" cy="3086100"/>
+            <a:off x="381000" y="685800"/>
+            <a:ext cx="6096000" cy="3429000"/>
           </a:xfrm>
           <a:prstGeom prst="rect">
             <a:avLst/>
@@ -3874,7 +3478,7 @@
       </p:sp>
       <p:sp>
         <p:nvSpPr>
-          <p:cNvPr id="3" name="Segnaposto note 2"/>
+          <p:cNvPr id="3" name="Notes Placeholder 2"/>
           <p:cNvSpPr>
             <a:spLocks noGrp="1"/>
           </p:cNvSpPr>
@@ -3887,69 +3491,570 @@
           <a:bodyPr/>
           <a:lstStyle/>
           <a:p>
-            <a:r>
-              <a:rPr lang="it-IT" dirty="0" err="1" smtClean="0"/>
-              <a:t>query</a:t>
-            </a:r>
-            <a:r>
-              <a:rPr lang="it-IT" dirty="0" smtClean="0"/>
+            <a:pPr marL="457200" lvl="1" indent="0">
+              <a:buFont typeface="Wingdings" panose="05000000000000000000" pitchFamily="2" charset="2"/>
+              <a:buNone/>
+            </a:pPr>
+            <a:r>
+              <a:rPr lang="en-US" sz="2800" spc="-1" dirty="0" smtClean="0">
+                <a:solidFill>
+                  <a:srgbClr val="404040"/>
+                </a:solidFill>
+                <a:uFill>
+                  <a:solidFill>
+                    <a:srgbClr val="FFFFFF"/>
+                  </a:solidFill>
+                </a:uFill>
+                <a:latin typeface="Franklin Gothic Medium"/>
+              </a:rPr>
+              <a:t>edit distance -&gt; </a:t>
+            </a:r>
+            <a:r>
+              <a:rPr lang="en-US" sz="2800" spc="-1" dirty="0" err="1" smtClean="0">
+                <a:solidFill>
+                  <a:srgbClr val="404040"/>
+                </a:solidFill>
+                <a:uFill>
+                  <a:solidFill>
+                    <a:srgbClr val="FFFFFF"/>
+                  </a:solidFill>
+                </a:uFill>
+                <a:latin typeface="Franklin Gothic Medium"/>
+              </a:rPr>
+              <a:t>ricerca</a:t>
+            </a:r>
+            <a:r>
+              <a:rPr lang="en-US" sz="2800" spc="-1" dirty="0" smtClean="0">
+                <a:solidFill>
+                  <a:srgbClr val="404040"/>
+                </a:solidFill>
+                <a:uFill>
+                  <a:solidFill>
+                    <a:srgbClr val="FFFFFF"/>
+                  </a:solidFill>
+                </a:uFill>
+                <a:latin typeface="Franklin Gothic Medium"/>
+              </a:rPr>
+              <a:t> parole </a:t>
+            </a:r>
+            <a:r>
+              <a:rPr lang="en-US" sz="2800" spc="-1" dirty="0" err="1" smtClean="0">
+                <a:solidFill>
+                  <a:srgbClr val="404040"/>
+                </a:solidFill>
+                <a:uFill>
+                  <a:solidFill>
+                    <a:srgbClr val="FFFFFF"/>
+                  </a:solidFill>
+                </a:uFill>
+                <a:latin typeface="Franklin Gothic Medium"/>
+              </a:rPr>
+              <a:t>simili</a:t>
+            </a:r>
+            <a:r>
+              <a:rPr lang="en-US" sz="2800" spc="-1" dirty="0" smtClean="0">
+                <a:solidFill>
+                  <a:srgbClr val="404040"/>
+                </a:solidFill>
+                <a:uFill>
+                  <a:solidFill>
+                    <a:srgbClr val="FFFFFF"/>
+                  </a:solidFill>
+                </a:uFill>
+                <a:latin typeface="Franklin Gothic Medium"/>
+              </a:rPr>
+              <a:t> </a:t>
+            </a:r>
+            <a:r>
+              <a:rPr lang="en-US" sz="2800" spc="-1" dirty="0" err="1" smtClean="0">
+                <a:solidFill>
+                  <a:srgbClr val="404040"/>
+                </a:solidFill>
+                <a:uFill>
+                  <a:solidFill>
+                    <a:srgbClr val="FFFFFF"/>
+                  </a:solidFill>
+                </a:uFill>
+                <a:latin typeface="Franklin Gothic Medium"/>
+              </a:rPr>
+              <a:t>nell</a:t>
+            </a:r>
+            <a:r>
+              <a:rPr lang="en-US" sz="2800" spc="-1" dirty="0" smtClean="0">
+                <a:solidFill>
+                  <a:srgbClr val="404040"/>
+                </a:solidFill>
+                <a:uFill>
+                  <a:solidFill>
+                    <a:srgbClr val="FFFFFF"/>
+                  </a:solidFill>
+                </a:uFill>
+                <a:latin typeface="Franklin Gothic Medium"/>
+              </a:rPr>
+              <a:t> </a:t>
+            </a:r>
+            <a:r>
+              <a:rPr lang="en-US" sz="2800" spc="-1" dirty="0" err="1" smtClean="0">
+                <a:solidFill>
+                  <a:srgbClr val="404040"/>
+                </a:solidFill>
+                <a:uFill>
+                  <a:solidFill>
+                    <a:srgbClr val="FFFFFF"/>
+                  </a:solidFill>
+                </a:uFill>
+                <a:latin typeface="Franklin Gothic Medium"/>
+              </a:rPr>
+              <a:t>indice</a:t>
+            </a:r>
+            <a:endParaRPr lang="en-US" sz="2800" spc="-1" dirty="0" smtClean="0">
+              <a:solidFill>
+                <a:srgbClr val="404040"/>
+              </a:solidFill>
+              <a:uFill>
+                <a:solidFill>
+                  <a:srgbClr val="FFFFFF"/>
+                </a:solidFill>
+              </a:uFill>
+              <a:latin typeface="Franklin Gothic Medium"/>
+            </a:endParaRPr>
+          </a:p>
+          <a:p>
+            <a:pPr marL="457200" lvl="1" indent="0">
+              <a:buFont typeface="Wingdings" panose="05000000000000000000" pitchFamily="2" charset="2"/>
+              <a:buNone/>
+            </a:pPr>
+            <a:r>
+              <a:rPr lang="en-US" sz="2800" spc="-1" dirty="0" smtClean="0">
+                <a:solidFill>
+                  <a:srgbClr val="404040"/>
+                </a:solidFill>
+                <a:uFill>
+                  <a:solidFill>
+                    <a:srgbClr val="FFFFFF"/>
+                  </a:solidFill>
+                </a:uFill>
+                <a:latin typeface="Franklin Gothic Medium"/>
+              </a:rPr>
+              <a:t>n</a:t>
+            </a:r>
+            <a:r>
+              <a:rPr lang="en-US" sz="2800" b="0" strike="noStrike" spc="-1" dirty="0" smtClean="0">
+                <a:solidFill>
+                  <a:srgbClr val="404040"/>
+                </a:solidFill>
+                <a:uFill>
+                  <a:solidFill>
+                    <a:srgbClr val="FFFFFF"/>
+                  </a:solidFill>
+                </a:uFill>
+                <a:latin typeface="Franklin Gothic Medium"/>
+              </a:rPr>
+              <a:t>-grams -&gt; </a:t>
+            </a:r>
+            <a:r>
+              <a:rPr lang="en-US" sz="2800" b="0" strike="noStrike" spc="-1" dirty="0" err="1" smtClean="0">
+                <a:solidFill>
+                  <a:srgbClr val="404040"/>
+                </a:solidFill>
+                <a:uFill>
+                  <a:solidFill>
+                    <a:srgbClr val="FFFFFF"/>
+                  </a:solidFill>
+                </a:uFill>
+                <a:latin typeface="Franklin Gothic Medium"/>
+              </a:rPr>
+              <a:t>ricerc</a:t>
+            </a:r>
+            <a:r>
+              <a:rPr lang="en-US" sz="2800" spc="-1" dirty="0" err="1" smtClean="0">
+                <a:solidFill>
+                  <a:srgbClr val="404040"/>
+                </a:solidFill>
+                <a:uFill>
+                  <a:solidFill>
+                    <a:srgbClr val="FFFFFF"/>
+                  </a:solidFill>
+                </a:uFill>
+                <a:latin typeface="Franklin Gothic Medium"/>
+              </a:rPr>
+              <a:t>a</a:t>
+            </a:r>
+            <a:r>
+              <a:rPr lang="en-US" sz="2800" spc="-1" dirty="0" smtClean="0">
+                <a:solidFill>
+                  <a:srgbClr val="404040"/>
+                </a:solidFill>
+                <a:uFill>
+                  <a:solidFill>
+                    <a:srgbClr val="FFFFFF"/>
+                  </a:solidFill>
+                </a:uFill>
+                <a:latin typeface="Franklin Gothic Medium"/>
+              </a:rPr>
+              <a:t> parole </a:t>
+            </a:r>
+            <a:r>
+              <a:rPr lang="en-US" sz="2800" spc="-1" dirty="0" err="1" smtClean="0">
+                <a:solidFill>
+                  <a:srgbClr val="404040"/>
+                </a:solidFill>
+                <a:uFill>
+                  <a:solidFill>
+                    <a:srgbClr val="FFFFFF"/>
+                  </a:solidFill>
+                </a:uFill>
+                <a:latin typeface="Franklin Gothic Medium"/>
+              </a:rPr>
+              <a:t>simili</a:t>
+            </a:r>
+            <a:r>
+              <a:rPr lang="en-US" sz="2800" spc="-1" dirty="0" smtClean="0">
+                <a:solidFill>
+                  <a:srgbClr val="404040"/>
+                </a:solidFill>
+                <a:uFill>
+                  <a:solidFill>
+                    <a:srgbClr val="FFFFFF"/>
+                  </a:solidFill>
+                </a:uFill>
+                <a:latin typeface="Franklin Gothic Medium"/>
+              </a:rPr>
+              <a:t> </a:t>
+            </a:r>
+            <a:r>
+              <a:rPr lang="en-US" sz="2800" spc="-1" dirty="0" err="1" smtClean="0">
+                <a:solidFill>
+                  <a:srgbClr val="404040"/>
+                </a:solidFill>
+                <a:uFill>
+                  <a:solidFill>
+                    <a:srgbClr val="FFFFFF"/>
+                  </a:solidFill>
+                </a:uFill>
+                <a:latin typeface="Franklin Gothic Medium"/>
+              </a:rPr>
+              <a:t>nel</a:t>
+            </a:r>
+            <a:r>
+              <a:rPr lang="en-US" sz="2800" spc="-1" dirty="0" smtClean="0">
+                <a:solidFill>
+                  <a:srgbClr val="404040"/>
+                </a:solidFill>
+                <a:uFill>
+                  <a:solidFill>
+                    <a:srgbClr val="FFFFFF"/>
+                  </a:solidFill>
+                </a:uFill>
+                <a:latin typeface="Franklin Gothic Medium"/>
+              </a:rPr>
+              <a:t> </a:t>
+            </a:r>
+            <a:r>
+              <a:rPr lang="en-US" sz="2800" spc="-1" dirty="0" err="1" smtClean="0">
+                <a:solidFill>
+                  <a:srgbClr val="404040"/>
+                </a:solidFill>
+                <a:uFill>
+                  <a:solidFill>
+                    <a:srgbClr val="FFFFFF"/>
+                  </a:solidFill>
+                </a:uFill>
+                <a:latin typeface="Franklin Gothic Medium"/>
+              </a:rPr>
+              <a:t>dizionario</a:t>
+            </a:r>
+            <a:r>
+              <a:rPr lang="en-US" sz="2800" spc="-1" dirty="0" smtClean="0">
+                <a:solidFill>
+                  <a:srgbClr val="404040"/>
+                </a:solidFill>
+                <a:uFill>
+                  <a:solidFill>
+                    <a:srgbClr val="FFFFFF"/>
+                  </a:solidFill>
+                </a:uFill>
+                <a:latin typeface="Franklin Gothic Medium"/>
+              </a:rPr>
+              <a:t> e </a:t>
+            </a:r>
+            <a:r>
+              <a:rPr lang="en-US" sz="2800" spc="-1" dirty="0" err="1" smtClean="0">
+                <a:solidFill>
+                  <a:srgbClr val="404040"/>
+                </a:solidFill>
+                <a:uFill>
+                  <a:solidFill>
+                    <a:srgbClr val="FFFFFF"/>
+                  </a:solidFill>
+                </a:uFill>
+                <a:latin typeface="Franklin Gothic Medium"/>
+              </a:rPr>
+              <a:t>nel</a:t>
+            </a:r>
+            <a:r>
+              <a:rPr lang="en-US" sz="2800" spc="-1" dirty="0" smtClean="0">
+                <a:solidFill>
+                  <a:srgbClr val="404040"/>
+                </a:solidFill>
+                <a:uFill>
+                  <a:solidFill>
+                    <a:srgbClr val="FFFFFF"/>
+                  </a:solidFill>
+                </a:uFill>
+                <a:latin typeface="Franklin Gothic Medium"/>
+              </a:rPr>
+              <a:t> lexicon</a:t>
+            </a:r>
+            <a:endParaRPr lang="en-US" sz="2800" b="0" strike="noStrike" spc="-1" dirty="0" smtClean="0">
+              <a:solidFill>
+                <a:srgbClr val="404040"/>
+              </a:solidFill>
+              <a:uFill>
+                <a:solidFill>
+                  <a:srgbClr val="FFFFFF"/>
+                </a:solidFill>
+              </a:uFill>
+              <a:latin typeface="Franklin Gothic Medium"/>
+            </a:endParaRPr>
+          </a:p>
+          <a:p>
+            <a:pPr marL="457200" marR="0" lvl="1" indent="0" algn="l" defTabSz="914400" rtl="0" eaLnBrk="1" fontAlgn="auto" latinLnBrk="0" hangingPunct="1">
+              <a:lnSpc>
+                <a:spcPct val="100000"/>
+              </a:lnSpc>
+              <a:spcBef>
+                <a:spcPts val="0"/>
+              </a:spcBef>
+              <a:spcAft>
+                <a:spcPts val="0"/>
+              </a:spcAft>
+              <a:buClrTx/>
+              <a:buSzTx/>
+              <a:buFont typeface="Wingdings" panose="05000000000000000000" pitchFamily="2" charset="2"/>
+              <a:buNone/>
+              <a:tabLst/>
+              <a:defRPr/>
+            </a:pPr>
+            <a:r>
+              <a:rPr lang="en-US" sz="2800" spc="-1" dirty="0" err="1" smtClean="0">
+                <a:solidFill>
+                  <a:srgbClr val="404040"/>
+                </a:solidFill>
+                <a:uFill>
+                  <a:solidFill>
+                    <a:srgbClr val="FFFFFF"/>
+                  </a:solidFill>
+                </a:uFill>
+                <a:latin typeface="Franklin Gothic Medium"/>
+              </a:rPr>
+              <a:t>Pyenchant</a:t>
+            </a:r>
+            <a:r>
+              <a:rPr lang="en-US" sz="2800" spc="-1" dirty="0" smtClean="0">
+                <a:solidFill>
+                  <a:srgbClr val="404040"/>
+                </a:solidFill>
+                <a:uFill>
+                  <a:solidFill>
+                    <a:srgbClr val="FFFFFF"/>
+                  </a:solidFill>
+                </a:uFill>
+                <a:latin typeface="Franklin Gothic Medium"/>
+              </a:rPr>
               <a:t> -&gt; </a:t>
             </a:r>
             <a:r>
-              <a:rPr lang="it-IT" baseline="0" dirty="0" smtClean="0"/>
-              <a:t>utile per confrontare se il correttore ha già cambiato qualcosa</a:t>
-            </a:r>
-          </a:p>
-          <a:p>
-            <a:r>
-              <a:rPr lang="it-IT" baseline="0" dirty="0" err="1" smtClean="0"/>
-              <a:t>string</a:t>
-            </a:r>
-            <a:r>
-              <a:rPr lang="it-IT" baseline="0" dirty="0" smtClean="0"/>
-              <a:t> -&gt; versione corretta della </a:t>
-            </a:r>
-            <a:r>
-              <a:rPr lang="it-IT" baseline="0" dirty="0" err="1" smtClean="0"/>
-              <a:t>query</a:t>
-            </a:r>
-            <a:r>
-              <a:rPr lang="it-IT" baseline="0" dirty="0" smtClean="0"/>
-              <a:t> dell’utente</a:t>
-            </a:r>
-          </a:p>
-          <a:p>
-            <a:r>
-              <a:rPr lang="it-IT" baseline="0" dirty="0" err="1" smtClean="0"/>
-              <a:t>tokens</a:t>
-            </a:r>
-            <a:r>
-              <a:rPr lang="it-IT" baseline="0" dirty="0" smtClean="0"/>
-              <a:t> -&gt;lista di </a:t>
-            </a:r>
-            <a:r>
-              <a:rPr lang="it-IT" baseline="0" dirty="0" err="1" smtClean="0"/>
-              <a:t>token</a:t>
-            </a:r>
-            <a:r>
-              <a:rPr lang="it-IT" baseline="0" dirty="0" smtClean="0"/>
-              <a:t> che rappresentano la </a:t>
-            </a:r>
-            <a:r>
-              <a:rPr lang="it-IT" baseline="0" dirty="0" err="1" smtClean="0"/>
-              <a:t>query</a:t>
-            </a:r>
-            <a:r>
-              <a:rPr lang="it-IT" baseline="0" dirty="0" smtClean="0"/>
-              <a:t> corretta</a:t>
-            </a:r>
+              <a:rPr lang="en-US" sz="2800" b="0" strike="noStrike" spc="-1" dirty="0" err="1" smtClean="0">
+                <a:solidFill>
+                  <a:srgbClr val="404040"/>
+                </a:solidFill>
+                <a:uFill>
+                  <a:solidFill>
+                    <a:srgbClr val="FFFFFF"/>
+                  </a:solidFill>
+                </a:uFill>
+                <a:latin typeface="Franklin Gothic Medium"/>
+              </a:rPr>
+              <a:t>ricerc</a:t>
+            </a:r>
+            <a:r>
+              <a:rPr lang="en-US" sz="2800" spc="-1" dirty="0" err="1" smtClean="0">
+                <a:solidFill>
+                  <a:srgbClr val="404040"/>
+                </a:solidFill>
+                <a:uFill>
+                  <a:solidFill>
+                    <a:srgbClr val="FFFFFF"/>
+                  </a:solidFill>
+                </a:uFill>
+                <a:latin typeface="Franklin Gothic Medium"/>
+              </a:rPr>
+              <a:t>a</a:t>
+            </a:r>
+            <a:r>
+              <a:rPr lang="en-US" sz="2800" spc="-1" dirty="0" smtClean="0">
+                <a:solidFill>
+                  <a:srgbClr val="404040"/>
+                </a:solidFill>
+                <a:uFill>
+                  <a:solidFill>
+                    <a:srgbClr val="FFFFFF"/>
+                  </a:solidFill>
+                </a:uFill>
+                <a:latin typeface="Franklin Gothic Medium"/>
+              </a:rPr>
+              <a:t> parole </a:t>
+            </a:r>
+            <a:r>
+              <a:rPr lang="en-US" sz="2800" spc="-1" dirty="0" err="1" smtClean="0">
+                <a:solidFill>
+                  <a:srgbClr val="404040"/>
+                </a:solidFill>
+                <a:uFill>
+                  <a:solidFill>
+                    <a:srgbClr val="FFFFFF"/>
+                  </a:solidFill>
+                </a:uFill>
+                <a:latin typeface="Franklin Gothic Medium"/>
+              </a:rPr>
+              <a:t>simili</a:t>
+            </a:r>
+            <a:r>
+              <a:rPr lang="en-US" sz="2800" spc="-1" dirty="0" smtClean="0">
+                <a:solidFill>
+                  <a:srgbClr val="404040"/>
+                </a:solidFill>
+                <a:uFill>
+                  <a:solidFill>
+                    <a:srgbClr val="FFFFFF"/>
+                  </a:solidFill>
+                </a:uFill>
+                <a:latin typeface="Franklin Gothic Medium"/>
+              </a:rPr>
+              <a:t> </a:t>
+            </a:r>
+            <a:r>
+              <a:rPr lang="en-US" sz="2800" spc="-1" dirty="0" err="1" smtClean="0">
+                <a:solidFill>
+                  <a:srgbClr val="404040"/>
+                </a:solidFill>
+                <a:uFill>
+                  <a:solidFill>
+                    <a:srgbClr val="FFFFFF"/>
+                  </a:solidFill>
+                </a:uFill>
+                <a:latin typeface="Franklin Gothic Medium"/>
+              </a:rPr>
+              <a:t>nel</a:t>
+            </a:r>
+            <a:r>
+              <a:rPr lang="en-US" sz="2800" spc="-1" dirty="0" smtClean="0">
+                <a:solidFill>
+                  <a:srgbClr val="404040"/>
+                </a:solidFill>
+                <a:uFill>
+                  <a:solidFill>
+                    <a:srgbClr val="FFFFFF"/>
+                  </a:solidFill>
+                </a:uFill>
+                <a:latin typeface="Franklin Gothic Medium"/>
+              </a:rPr>
+              <a:t> </a:t>
+            </a:r>
+            <a:r>
+              <a:rPr lang="en-US" sz="2800" spc="-1" dirty="0" err="1" smtClean="0">
+                <a:solidFill>
+                  <a:srgbClr val="404040"/>
+                </a:solidFill>
+                <a:uFill>
+                  <a:solidFill>
+                    <a:srgbClr val="FFFFFF"/>
+                  </a:solidFill>
+                </a:uFill>
+                <a:latin typeface="Franklin Gothic Medium"/>
+              </a:rPr>
+              <a:t>dizionario</a:t>
+            </a:r>
+            <a:r>
+              <a:rPr lang="en-US" sz="2800" spc="-1" dirty="0" smtClean="0">
+                <a:solidFill>
+                  <a:srgbClr val="404040"/>
+                </a:solidFill>
+                <a:uFill>
+                  <a:solidFill>
+                    <a:srgbClr val="FFFFFF"/>
+                  </a:solidFill>
+                </a:uFill>
+                <a:latin typeface="Franklin Gothic Medium"/>
+              </a:rPr>
+              <a:t> e </a:t>
+            </a:r>
+            <a:r>
+              <a:rPr lang="en-US" sz="2800" spc="-1" dirty="0" err="1" smtClean="0">
+                <a:solidFill>
+                  <a:srgbClr val="404040"/>
+                </a:solidFill>
+                <a:uFill>
+                  <a:solidFill>
+                    <a:srgbClr val="FFFFFF"/>
+                  </a:solidFill>
+                </a:uFill>
+                <a:latin typeface="Franklin Gothic Medium"/>
+              </a:rPr>
+              <a:t>nel</a:t>
+            </a:r>
+            <a:r>
+              <a:rPr lang="en-US" sz="2800" spc="-1" dirty="0" smtClean="0">
+                <a:solidFill>
+                  <a:srgbClr val="404040"/>
+                </a:solidFill>
+                <a:uFill>
+                  <a:solidFill>
+                    <a:srgbClr val="FFFFFF"/>
+                  </a:solidFill>
+                </a:uFill>
+                <a:latin typeface="Franklin Gothic Medium"/>
+              </a:rPr>
+              <a:t> lexicon</a:t>
+            </a:r>
+            <a:endParaRPr lang="en-US" sz="2800" b="0" strike="noStrike" spc="-1" dirty="0" smtClean="0">
+              <a:solidFill>
+                <a:srgbClr val="404040"/>
+              </a:solidFill>
+              <a:uFill>
+                <a:solidFill>
+                  <a:srgbClr val="FFFFFF"/>
+                </a:solidFill>
+              </a:uFill>
+              <a:latin typeface="Franklin Gothic Medium"/>
+            </a:endParaRPr>
+          </a:p>
+          <a:p>
+            <a:pPr marL="457200" lvl="1" indent="0">
+              <a:buFont typeface="Wingdings" panose="05000000000000000000" pitchFamily="2" charset="2"/>
+              <a:buNone/>
+            </a:pPr>
+            <a:endParaRPr lang="en-US" sz="2800" spc="-1" dirty="0" smtClean="0">
+              <a:solidFill>
+                <a:srgbClr val="404040"/>
+              </a:solidFill>
+              <a:uFill>
+                <a:solidFill>
+                  <a:srgbClr val="FFFFFF"/>
+                </a:solidFill>
+              </a:uFill>
+              <a:latin typeface="Franklin Gothic Medium"/>
+            </a:endParaRPr>
+          </a:p>
+          <a:p>
             <a:endParaRPr lang="it-IT" dirty="0"/>
           </a:p>
         </p:txBody>
       </p:sp>
       <p:sp>
         <p:nvSpPr>
-          <p:cNvPr id="4" name="Segnaposto numero diapositiva 3"/>
+          <p:cNvPr id="4" name="Slide Number Placeholder 3"/>
           <p:cNvSpPr>
             <a:spLocks noGrp="1"/>
           </p:cNvSpPr>
@@ -3975,7 +4080,7 @@
                 </a:uFill>
                 <a:latin typeface="Times New Roman"/>
               </a:rPr>
-              <a:t>14</a:t>
+              <a:t>13</a:t>
             </a:fld>
             <a:endParaRPr lang="en-US" sz="1400" b="0" strike="noStrike" spc="-1">
               <a:solidFill>
@@ -3994,7 +4099,7 @@
     </p:spTree>
     <p:extLst>
       <p:ext uri="{BB962C8B-B14F-4D97-AF65-F5344CB8AC3E}">
-        <p14:creationId xmlns:p14="http://schemas.microsoft.com/office/powerpoint/2010/main" val="2070109178"/>
+        <p14:creationId xmlns:p14="http://schemas.microsoft.com/office/powerpoint/2010/main" val="575549077"/>
       </p:ext>
     </p:extLst>
   </p:cSld>
@@ -4063,46 +4168,60 @@
           <a:lstStyle/>
           <a:p>
             <a:r>
-              <a:rPr lang="it-IT" sz="1200" spc="-1" dirty="0" err="1" smtClean="0">
-                <a:solidFill>
-                  <a:srgbClr val="404040"/>
-                </a:solidFill>
-                <a:uFill>
-                  <a:solidFill>
-                    <a:srgbClr val="FFFFFF"/>
-                  </a:solidFill>
-                </a:uFill>
-                <a:latin typeface="Franklin Gothic Medium" panose="020B0603020102020204" pitchFamily="34" charset="0"/>
-              </a:rPr>
-              <a:t>Jaccard</a:t>
-            </a:r>
-            <a:r>
-              <a:rPr lang="it-IT" sz="1200" spc="-1" dirty="0" smtClean="0">
-                <a:solidFill>
-                  <a:srgbClr val="404040"/>
-                </a:solidFill>
-                <a:uFill>
-                  <a:solidFill>
-                    <a:srgbClr val="FFFFFF"/>
-                  </a:solidFill>
-                </a:uFill>
-                <a:latin typeface="Franklin Gothic Medium" panose="020B0603020102020204" pitchFamily="34" charset="0"/>
-              </a:rPr>
-              <a:t> = (s1 ∩</a:t>
-            </a:r>
-            <a:r>
-              <a:rPr lang="it-IT" sz="1200" spc="-1" baseline="0" dirty="0" smtClean="0">
-                <a:solidFill>
-                  <a:srgbClr val="404040"/>
-                </a:solidFill>
-                <a:uFill>
-                  <a:solidFill>
-                    <a:srgbClr val="FFFFFF"/>
-                  </a:solidFill>
-                </a:uFill>
-                <a:latin typeface="Franklin Gothic Medium" panose="020B0603020102020204" pitchFamily="34" charset="0"/>
-              </a:rPr>
-              <a:t> s2) / (s1 u s2)</a:t>
+              <a:rPr lang="it-IT" dirty="0" err="1" smtClean="0"/>
+              <a:t>query</a:t>
+            </a:r>
+            <a:r>
+              <a:rPr lang="it-IT" dirty="0" smtClean="0"/>
+              <a:t> -&gt; </a:t>
+            </a:r>
+            <a:r>
+              <a:rPr lang="it-IT" baseline="0" dirty="0" smtClean="0"/>
+              <a:t>utile per confrontare se il correttore ha già cambiato qualcosa</a:t>
+            </a:r>
+          </a:p>
+          <a:p>
+            <a:r>
+              <a:rPr lang="it-IT" baseline="0" dirty="0" err="1" smtClean="0"/>
+              <a:t>string</a:t>
+            </a:r>
+            <a:r>
+              <a:rPr lang="it-IT" baseline="0" dirty="0" smtClean="0"/>
+              <a:t> -&gt; versione corretta della </a:t>
+            </a:r>
+            <a:r>
+              <a:rPr lang="it-IT" baseline="0" dirty="0" err="1" smtClean="0"/>
+              <a:t>query</a:t>
+            </a:r>
+            <a:r>
+              <a:rPr lang="it-IT" baseline="0" dirty="0" smtClean="0"/>
+              <a:t> dell’utente</a:t>
+            </a:r>
+          </a:p>
+          <a:p>
+            <a:r>
+              <a:rPr lang="it-IT" baseline="0" dirty="0" err="1" smtClean="0"/>
+              <a:t>tokens</a:t>
+            </a:r>
+            <a:r>
+              <a:rPr lang="it-IT" baseline="0" dirty="0" smtClean="0"/>
+              <a:t> -&gt;lista di </a:t>
+            </a:r>
+            <a:r>
+              <a:rPr lang="it-IT" baseline="0" dirty="0" err="1" smtClean="0"/>
+              <a:t>token</a:t>
+            </a:r>
+            <a:r>
+              <a:rPr lang="it-IT" baseline="0" dirty="0" smtClean="0"/>
+              <a:t> che rappresentano la </a:t>
+            </a:r>
+            <a:r>
+              <a:rPr lang="it-IT" baseline="0" dirty="0" err="1" smtClean="0"/>
+              <a:t>query</a:t>
+            </a:r>
+            <a:r>
+              <a:rPr lang="it-IT" baseline="0" dirty="0" smtClean="0"/>
+              <a:t> corretta</a:t>
             </a:r>
             <a:endParaRPr lang="it-IT" dirty="0"/>
           </a:p>
@@ -4136,7 +4255,7 @@
                 </a:uFill>
                 <a:latin typeface="Times New Roman"/>
               </a:rPr>
-              <a:t>17</a:t>
+              <a:t>14</a:t>
             </a:fld>
             <a:endParaRPr lang="en-US" sz="1400" b="0" strike="noStrike" spc="-1">
               <a:solidFill>
@@ -4155,7 +4274,7 @@
     </p:spTree>
     <p:extLst>
       <p:ext uri="{BB962C8B-B14F-4D97-AF65-F5344CB8AC3E}">
-        <p14:creationId xmlns:p14="http://schemas.microsoft.com/office/powerpoint/2010/main" val="1227873119"/>
+        <p14:creationId xmlns:p14="http://schemas.microsoft.com/office/powerpoint/2010/main" val="2070109178"/>
       </p:ext>
     </p:extLst>
   </p:cSld>
@@ -10795,7 +10914,7 @@
       </p:grpSpPr>
       <p:pic>
         <p:nvPicPr>
-          <p:cNvPr id="1026" name="Picture 2" descr="Z:\home\davide\Desktop\Uni\GAVI\GAvI\doc\images\keyword_query.png"/>
+          <p:cNvPr id="1026" name="Picture 2"/>
           <p:cNvPicPr>
             <a:picLocks noChangeAspect="1" noChangeArrowheads="1"/>
           </p:cNvPicPr>
@@ -10809,13 +10928,13 @@
               </a:ext>
             </a:extLst>
           </a:blip>
-          <a:srcRect t="882"/>
+          <a:srcRect r="51691"/>
           <a:stretch/>
         </p:blipFill>
         <p:spPr bwMode="auto">
           <a:xfrm>
-            <a:off x="2933700" y="247650"/>
-            <a:ext cx="6324600" cy="6419850"/>
+            <a:off x="2803072" y="188175"/>
+            <a:ext cx="6585857" cy="6481650"/>
           </a:xfrm>
           <a:prstGeom prst="rect">
             <a:avLst/>
@@ -11367,17 +11486,6 @@
               </a:rPr>
               <a:t>:</a:t>
             </a:r>
-            <a:endParaRPr lang="en-US" sz="2800" spc="-1" dirty="0" smtClean="0">
-              <a:solidFill>
-                <a:srgbClr val="404040"/>
-              </a:solidFill>
-              <a:uFill>
-                <a:solidFill>
-                  <a:srgbClr val="FFFFFF"/>
-                </a:solidFill>
-              </a:uFill>
-              <a:latin typeface="Franklin Gothic Medium"/>
-            </a:endParaRPr>
           </a:p>
           <a:p>
             <a:pPr marL="914400" lvl="1" indent="-457200">
@@ -11396,21 +11504,7 @@
                 </a:uFill>
                 <a:latin typeface="Franklin Gothic Medium"/>
               </a:rPr>
-              <a:t>edit </a:t>
-            </a:r>
-            <a:r>
-              <a:rPr lang="en-US" sz="2800" spc="-1" dirty="0" smtClean="0">
-                <a:solidFill>
-                  <a:srgbClr val="404040"/>
-                </a:solidFill>
-                <a:uFill>
-                  <a:solidFill>
-                    <a:srgbClr val="FFFFFF"/>
-                  </a:solidFill>
-                </a:uFill>
-                <a:latin typeface="Franklin Gothic Medium"/>
-              </a:rPr>
-              <a:t>distance</a:t>
+              <a:t>edit distance</a:t>
             </a:r>
           </a:p>
           <a:p>
@@ -16146,17 +16240,6 @@
               </a:rPr>
               <a:t>.</a:t>
             </a:r>
-            <a:endParaRPr lang="en-US" sz="2800" spc="-1" dirty="0" smtClean="0">
-              <a:solidFill>
-                <a:srgbClr val="404040"/>
-              </a:solidFill>
-              <a:uFill>
-                <a:solidFill>
-                  <a:srgbClr val="FFFFFF"/>
-                </a:solidFill>
-              </a:uFill>
-              <a:latin typeface="Franklin Gothic Medium" panose="020B0603020102020204" pitchFamily="34" charset="0"/>
-            </a:endParaRPr>
           </a:p>
           <a:p>
             <a:pPr marL="457200" indent="-457200">
@@ -17031,35 +17114,7 @@
                 </a:uFill>
                 <a:latin typeface="Franklin Gothic Medium"/>
               </a:rPr>
-              <a:t> </a:t>
-            </a:r>
-            <a:r>
-              <a:rPr lang="en-US" sz="2800" b="0" strike="noStrike" spc="-1" dirty="0" err="1">
-                <a:solidFill>
-                  <a:srgbClr val="404040"/>
-                </a:solidFill>
-                <a:uFill>
-                  <a:solidFill>
-                    <a:srgbClr val="FFFFFF"/>
-                  </a:solidFill>
-                </a:uFill>
-                <a:latin typeface="Franklin Gothic Medium"/>
-              </a:rPr>
-              <a:t>i</a:t>
-            </a:r>
-            <a:r>
-              <a:rPr lang="en-US" sz="2800" b="0" strike="noStrike" spc="-1" dirty="0">
-                <a:solidFill>
-                  <a:srgbClr val="404040"/>
-                </a:solidFill>
-                <a:uFill>
-                  <a:solidFill>
-                    <a:srgbClr val="FFFFFF"/>
-                  </a:solidFill>
-                </a:uFill>
-                <a:latin typeface="Franklin Gothic Medium"/>
-              </a:rPr>
-              <a:t> </a:t>
+              <a:t> i </a:t>
             </a:r>
             <a:r>
               <a:rPr lang="en-US" sz="2800" b="0" strike="noStrike" spc="-1" dirty="0" err="1">
@@ -17143,188 +17198,17 @@
               <a:buFont typeface="Arial"/>
               <a:buChar char="▪"/>
             </a:pPr>
-            <a:r>
-              <a:rPr lang="en-US" sz="2800" b="0" strike="noStrike" spc="-1" dirty="0" err="1" smtClean="0">
-                <a:solidFill>
-                  <a:srgbClr val="404040"/>
-                </a:solidFill>
-                <a:uFill>
-                  <a:solidFill>
-                    <a:srgbClr val="FFFFFF"/>
-                  </a:solidFill>
-                </a:uFill>
-                <a:latin typeface="Franklin Gothic Medium"/>
-              </a:rPr>
-              <a:t>Più</a:t>
-            </a:r>
-            <a:r>
-              <a:rPr lang="en-US" sz="2800" b="0" strike="noStrike" spc="-1" dirty="0" smtClean="0">
-                <a:solidFill>
-                  <a:srgbClr val="404040"/>
-                </a:solidFill>
-                <a:uFill>
-                  <a:solidFill>
-                    <a:srgbClr val="FFFFFF"/>
-                  </a:solidFill>
-                </a:uFill>
-                <a:latin typeface="Franklin Gothic Medium"/>
-              </a:rPr>
-              <a:t> </a:t>
-            </a:r>
-            <a:r>
-              <a:rPr lang="en-US" sz="2800" b="0" strike="noStrike" spc="-1" dirty="0">
-                <a:solidFill>
-                  <a:srgbClr val="404040"/>
-                </a:solidFill>
-                <a:uFill>
-                  <a:solidFill>
-                    <a:srgbClr val="FFFFFF"/>
-                  </a:solidFill>
-                </a:uFill>
-                <a:latin typeface="Franklin Gothic Medium"/>
-              </a:rPr>
-              <a:t>di un 1 </a:t>
-            </a:r>
-            <a:r>
-              <a:rPr lang="en-US" sz="2800" b="0" strike="noStrike" spc="-1" dirty="0" err="1">
-                <a:solidFill>
-                  <a:srgbClr val="404040"/>
-                </a:solidFill>
-                <a:uFill>
-                  <a:solidFill>
-                    <a:srgbClr val="FFFFFF"/>
-                  </a:solidFill>
-                </a:uFill>
-                <a:latin typeface="Franklin Gothic Medium"/>
-              </a:rPr>
-              <a:t>miliardo</a:t>
-            </a:r>
-            <a:r>
-              <a:rPr lang="en-US" sz="2800" b="0" strike="noStrike" spc="-1" dirty="0">
-                <a:solidFill>
-                  <a:srgbClr val="404040"/>
-                </a:solidFill>
-                <a:uFill>
-                  <a:solidFill>
-                    <a:srgbClr val="FFFFFF"/>
-                  </a:solidFill>
-                </a:uFill>
-                <a:latin typeface="Franklin Gothic Medium"/>
-              </a:rPr>
-              <a:t> di </a:t>
-            </a:r>
-            <a:r>
-              <a:rPr lang="en-US" sz="2800" b="0" strike="noStrike" spc="-1" dirty="0" err="1">
-                <a:solidFill>
-                  <a:srgbClr val="404040"/>
-                </a:solidFill>
-                <a:uFill>
-                  <a:solidFill>
-                    <a:srgbClr val="FFFFFF"/>
-                  </a:solidFill>
-                </a:uFill>
-                <a:latin typeface="Franklin Gothic Medium"/>
-              </a:rPr>
-              <a:t>documenti</a:t>
-            </a:r>
-            <a:r>
-              <a:rPr lang="en-US" sz="2800" b="0" strike="noStrike" spc="-1" dirty="0">
-                <a:solidFill>
-                  <a:srgbClr val="404040"/>
-                </a:solidFill>
-                <a:uFill>
-                  <a:solidFill>
-                    <a:srgbClr val="FFFFFF"/>
-                  </a:solidFill>
-                </a:uFill>
-                <a:latin typeface="Franklin Gothic Medium"/>
-              </a:rPr>
-              <a:t> </a:t>
-            </a:r>
-            <a:r>
-              <a:rPr lang="en-US" sz="2800" b="0" strike="noStrike" spc="-1" dirty="0" err="1">
-                <a:solidFill>
-                  <a:srgbClr val="404040"/>
-                </a:solidFill>
-                <a:uFill>
-                  <a:solidFill>
-                    <a:srgbClr val="FFFFFF"/>
-                  </a:solidFill>
-                </a:uFill>
-                <a:latin typeface="Franklin Gothic Medium"/>
-              </a:rPr>
-              <a:t>disponibili</a:t>
-            </a:r>
-            <a:r>
-              <a:rPr lang="en-US" sz="2800" b="0" strike="noStrike" spc="-1" dirty="0">
-                <a:solidFill>
-                  <a:srgbClr val="404040"/>
-                </a:solidFill>
-                <a:uFill>
-                  <a:solidFill>
-                    <a:srgbClr val="FFFFFF"/>
-                  </a:solidFill>
-                </a:uFill>
-                <a:latin typeface="Franklin Gothic Medium"/>
-              </a:rPr>
-              <a:t> in </a:t>
-            </a:r>
-            <a:r>
-              <a:rPr lang="en-US" sz="2800" b="0" strike="noStrike" spc="-1" dirty="0" err="1">
-                <a:solidFill>
-                  <a:srgbClr val="404040"/>
-                </a:solidFill>
-                <a:uFill>
-                  <a:solidFill>
-                    <a:srgbClr val="FFFFFF"/>
-                  </a:solidFill>
-                </a:uFill>
-                <a:latin typeface="Franklin Gothic Medium"/>
-              </a:rPr>
-              <a:t>formato</a:t>
-            </a:r>
-            <a:r>
-              <a:rPr lang="en-US" sz="2800" b="0" strike="noStrike" spc="-1" dirty="0">
-                <a:solidFill>
-                  <a:srgbClr val="404040"/>
-                </a:solidFill>
-                <a:uFill>
-                  <a:solidFill>
-                    <a:srgbClr val="FFFFFF"/>
-                  </a:solidFill>
-                </a:uFill>
-                <a:latin typeface="Franklin Gothic Medium"/>
-              </a:rPr>
-              <a:t> </a:t>
-            </a:r>
-            <a:r>
-              <a:rPr lang="en-US" sz="2800" b="0" strike="noStrike" spc="-1" dirty="0" err="1">
-                <a:solidFill>
-                  <a:srgbClr val="404040"/>
-                </a:solidFill>
-                <a:uFill>
-                  <a:solidFill>
-                    <a:srgbClr val="FFFFFF"/>
-                  </a:solidFill>
-                </a:uFill>
-                <a:latin typeface="Franklin Gothic Medium"/>
-              </a:rPr>
-              <a:t>nxml</a:t>
-            </a:r>
-            <a:r>
-              <a:rPr lang="en-US" sz="2800" b="0" strike="noStrike" spc="-1" dirty="0">
-                <a:solidFill>
-                  <a:srgbClr val="404040"/>
-                </a:solidFill>
-                <a:uFill>
-                  <a:solidFill>
-                    <a:srgbClr val="FFFFFF"/>
-                  </a:solidFill>
-                </a:uFill>
-                <a:latin typeface="Franklin Gothic Medium"/>
-              </a:rPr>
-              <a:t>.</a:t>
-            </a:r>
+            <a:endParaRPr lang="en-US" sz="2800" b="0" strike="noStrike" spc="-1" dirty="0" smtClean="0">
+              <a:solidFill>
+                <a:srgbClr val="404040"/>
+              </a:solidFill>
+              <a:uFill>
+                <a:solidFill>
+                  <a:srgbClr val="FFFFFF"/>
+                </a:solidFill>
+              </a:uFill>
+              <a:latin typeface="Franklin Gothic Medium"/>
+            </a:endParaRPr>
           </a:p>
           <a:p>
             <a:pPr marL="228600" indent="-228240">
@@ -17338,18 +17222,18 @@
               <a:buChar char="▪"/>
             </a:pPr>
             <a:r>
-              <a:rPr lang="en-US" sz="2800" spc="-1" dirty="0">
-                <a:solidFill>
-                  <a:srgbClr val="404040"/>
-                </a:solidFill>
-                <a:uFill>
-                  <a:solidFill>
-                    <a:srgbClr val="FFFFFF"/>
-                  </a:solidFill>
-                </a:uFill>
-                <a:latin typeface="Franklin Gothic Medium"/>
-              </a:rPr>
-              <a:t>3</a:t>
+              <a:rPr lang="en-US" sz="2800" b="0" strike="noStrike" spc="-1" dirty="0" err="1" smtClean="0">
+                <a:solidFill>
+                  <a:srgbClr val="404040"/>
+                </a:solidFill>
+                <a:uFill>
+                  <a:solidFill>
+                    <a:srgbClr val="FFFFFF"/>
+                  </a:solidFill>
+                </a:uFill>
+                <a:latin typeface="Franklin Gothic Medium"/>
+              </a:rPr>
+              <a:t>Più</a:t>
             </a:r>
             <a:r>
               <a:rPr lang="en-US" sz="2800" b="0" strike="noStrike" spc="-1" dirty="0" smtClean="0">
@@ -17363,7 +17247,7 @@
                 </a:uFill>
                 <a:latin typeface="Franklin Gothic Medium"/>
               </a:rPr>
-              <a:t>0 </a:t>
+              <a:t> </a:t>
             </a:r>
             <a:r>
               <a:rPr lang="en-US" sz="2800" b="0" strike="noStrike" spc="-1" dirty="0">
@@ -17377,7 +17261,7 @@
                 </a:uFill>
                 <a:latin typeface="Franklin Gothic Medium"/>
               </a:rPr>
-              <a:t>query con </a:t>
+              <a:t>di un 1 </a:t>
             </a:r>
             <a:r>
               <a:rPr lang="en-US" sz="2800" b="0" strike="noStrike" spc="-1" dirty="0" err="1">
@@ -17391,7 +17275,7 @@
                 </a:uFill>
                 <a:latin typeface="Franklin Gothic Medium"/>
               </a:rPr>
-              <a:t>relativi</a:t>
+              <a:t>miliardo</a:t>
             </a:r>
             <a:r>
               <a:rPr lang="en-US" sz="2800" b="0" strike="noStrike" spc="-1" dirty="0">
@@ -17405,6 +17289,34 @@
                 </a:uFill>
                 <a:latin typeface="Franklin Gothic Medium"/>
               </a:rPr>
+              <a:t> di </a:t>
+            </a:r>
+            <a:r>
+              <a:rPr lang="en-US" sz="2800" b="0" strike="noStrike" spc="-1" dirty="0" err="1">
+                <a:solidFill>
+                  <a:srgbClr val="404040"/>
+                </a:solidFill>
+                <a:uFill>
+                  <a:solidFill>
+                    <a:srgbClr val="FFFFFF"/>
+                  </a:solidFill>
+                </a:uFill>
+                <a:latin typeface="Franklin Gothic Medium"/>
+              </a:rPr>
+              <a:t>documenti</a:t>
+            </a:r>
+            <a:r>
+              <a:rPr lang="en-US" sz="2800" b="0" strike="noStrike" spc="-1" dirty="0">
+                <a:solidFill>
+                  <a:srgbClr val="404040"/>
+                </a:solidFill>
+                <a:uFill>
+                  <a:solidFill>
+                    <a:srgbClr val="FFFFFF"/>
+                  </a:solidFill>
+                </a:uFill>
+                <a:latin typeface="Franklin Gothic Medium"/>
+              </a:rPr>
               <a:t> </a:t>
             </a:r>
             <a:r>
@@ -17419,7 +17331,7 @@
                 </a:uFill>
                 <a:latin typeface="Franklin Gothic Medium"/>
               </a:rPr>
-              <a:t>documenti</a:t>
+              <a:t>disponibili</a:t>
             </a:r>
             <a:r>
               <a:rPr lang="en-US" sz="2800" b="0" strike="noStrike" spc="-1" dirty="0">
@@ -17433,6 +17345,34 @@
                 </a:uFill>
                 <a:latin typeface="Franklin Gothic Medium"/>
               </a:rPr>
+              <a:t> in </a:t>
+            </a:r>
+            <a:r>
+              <a:rPr lang="en-US" sz="2800" b="0" strike="noStrike" spc="-1" dirty="0" err="1">
+                <a:solidFill>
+                  <a:srgbClr val="404040"/>
+                </a:solidFill>
+                <a:uFill>
+                  <a:solidFill>
+                    <a:srgbClr val="FFFFFF"/>
+                  </a:solidFill>
+                </a:uFill>
+                <a:latin typeface="Franklin Gothic Medium"/>
+              </a:rPr>
+              <a:t>formato</a:t>
+            </a:r>
+            <a:r>
+              <a:rPr lang="en-US" sz="2800" b="0" strike="noStrike" spc="-1" dirty="0">
+                <a:solidFill>
+                  <a:srgbClr val="404040"/>
+                </a:solidFill>
+                <a:uFill>
+                  <a:solidFill>
+                    <a:srgbClr val="FFFFFF"/>
+                  </a:solidFill>
+                </a:uFill>
+                <a:latin typeface="Franklin Gothic Medium"/>
+              </a:rPr>
               <a:t> </a:t>
             </a:r>
             <a:r>
@@ -17447,77 +17387,7 @@
                 </a:uFill>
                 <a:latin typeface="Franklin Gothic Medium"/>
               </a:rPr>
-              <a:t>rilevanti</a:t>
-            </a:r>
-            <a:r>
-              <a:rPr lang="en-US" sz="2800" b="0" strike="noStrike" spc="-1" dirty="0">
-                <a:solidFill>
-                  <a:srgbClr val="404040"/>
-                </a:solidFill>
-                <a:uFill>
-                  <a:solidFill>
-                    <a:srgbClr val="FFFFFF"/>
-                  </a:solidFill>
-                </a:uFill>
-                <a:latin typeface="Franklin Gothic Medium"/>
-              </a:rPr>
-              <a:t> per </a:t>
-            </a:r>
-            <a:r>
-              <a:rPr lang="en-US" sz="2800" b="0" strike="noStrike" spc="-1" dirty="0" err="1">
-                <a:solidFill>
-                  <a:srgbClr val="404040"/>
-                </a:solidFill>
-                <a:uFill>
-                  <a:solidFill>
-                    <a:srgbClr val="FFFFFF"/>
-                  </a:solidFill>
-                </a:uFill>
-                <a:latin typeface="Franklin Gothic Medium"/>
-              </a:rPr>
-              <a:t>effettuare</a:t>
-            </a:r>
-            <a:r>
-              <a:rPr lang="en-US" sz="2800" b="0" strike="noStrike" spc="-1" dirty="0">
-                <a:solidFill>
-                  <a:srgbClr val="404040"/>
-                </a:solidFill>
-                <a:uFill>
-                  <a:solidFill>
-                    <a:srgbClr val="FFFFFF"/>
-                  </a:solidFill>
-                </a:uFill>
-                <a:latin typeface="Franklin Gothic Medium"/>
-              </a:rPr>
-              <a:t> </a:t>
-            </a:r>
-            <a:r>
-              <a:rPr lang="en-US" sz="2800" b="0" strike="noStrike" spc="-1" dirty="0" err="1">
-                <a:solidFill>
-                  <a:srgbClr val="404040"/>
-                </a:solidFill>
-                <a:uFill>
-                  <a:solidFill>
-                    <a:srgbClr val="FFFFFF"/>
-                  </a:solidFill>
-                </a:uFill>
-                <a:latin typeface="Franklin Gothic Medium"/>
-              </a:rPr>
-              <a:t>dei</a:t>
-            </a:r>
-            <a:r>
-              <a:rPr lang="en-US" sz="2800" b="0" strike="noStrike" spc="-1" dirty="0">
-                <a:solidFill>
-                  <a:srgbClr val="404040"/>
-                </a:solidFill>
-                <a:uFill>
-                  <a:solidFill>
-                    <a:srgbClr val="FFFFFF"/>
-                  </a:solidFill>
-                </a:uFill>
-                <a:latin typeface="Franklin Gothic Medium"/>
-              </a:rPr>
-              <a:t> </a:t>
+              <a:t>nxml</a:t>
             </a:r>
             <a:r>
               <a:rPr lang="en-US" sz="2800" b="0" strike="noStrike" spc="-1" dirty="0" smtClean="0">
@@ -17531,7 +17401,7 @@
                 </a:uFill>
                 <a:latin typeface="Franklin Gothic Medium"/>
               </a:rPr>
-              <a:t>benchmark.</a:t>
+              <a:t>.</a:t>
             </a:r>
           </a:p>
           <a:p>
@@ -17545,6 +17415,274 @@
               <a:buFont typeface="Arial"/>
               <a:buChar char="▪"/>
             </a:pPr>
+            <a:endParaRPr lang="en-US" sz="2800" b="0" strike="noStrike" spc="-1" dirty="0">
+              <a:solidFill>
+                <a:srgbClr val="404040"/>
+              </a:solidFill>
+              <a:uFill>
+                <a:solidFill>
+                  <a:srgbClr val="FFFFFF"/>
+                </a:solidFill>
+              </a:uFill>
+              <a:latin typeface="Franklin Gothic Medium"/>
+            </a:endParaRPr>
+          </a:p>
+          <a:p>
+            <a:pPr marL="228600" indent="-228240">
+              <a:lnSpc>
+                <a:spcPct val="100000"/>
+              </a:lnSpc>
+              <a:buClr>
+                <a:srgbClr val="404040"/>
+              </a:buClr>
+              <a:buFont typeface="Arial"/>
+              <a:buChar char="▪"/>
+            </a:pPr>
+            <a:r>
+              <a:rPr lang="en-US" sz="2800" spc="-1" dirty="0">
+                <a:solidFill>
+                  <a:srgbClr val="404040"/>
+                </a:solidFill>
+                <a:uFill>
+                  <a:solidFill>
+                    <a:srgbClr val="FFFFFF"/>
+                  </a:solidFill>
+                </a:uFill>
+                <a:latin typeface="Franklin Gothic Medium"/>
+              </a:rPr>
+              <a:t>3</a:t>
+            </a:r>
+            <a:r>
+              <a:rPr lang="en-US" sz="2800" b="0" strike="noStrike" spc="-1" dirty="0" smtClean="0">
+                <a:solidFill>
+                  <a:srgbClr val="404040"/>
+                </a:solidFill>
+                <a:uFill>
+                  <a:solidFill>
+                    <a:srgbClr val="FFFFFF"/>
+                  </a:solidFill>
+                </a:uFill>
+                <a:latin typeface="Franklin Gothic Medium"/>
+              </a:rPr>
+              <a:t>0 </a:t>
+            </a:r>
+            <a:r>
+              <a:rPr lang="en-US" sz="2800" b="0" strike="noStrike" spc="-1" dirty="0">
+                <a:solidFill>
+                  <a:srgbClr val="404040"/>
+                </a:solidFill>
+                <a:uFill>
+                  <a:solidFill>
+                    <a:srgbClr val="FFFFFF"/>
+                  </a:solidFill>
+                </a:uFill>
+                <a:latin typeface="Franklin Gothic Medium"/>
+              </a:rPr>
+              <a:t>query con </a:t>
+            </a:r>
+            <a:r>
+              <a:rPr lang="en-US" sz="2800" b="0" strike="noStrike" spc="-1" dirty="0" err="1">
+                <a:solidFill>
+                  <a:srgbClr val="404040"/>
+                </a:solidFill>
+                <a:uFill>
+                  <a:solidFill>
+                    <a:srgbClr val="FFFFFF"/>
+                  </a:solidFill>
+                </a:uFill>
+                <a:latin typeface="Franklin Gothic Medium"/>
+              </a:rPr>
+              <a:t>relativi</a:t>
+            </a:r>
+            <a:r>
+              <a:rPr lang="en-US" sz="2800" b="0" strike="noStrike" spc="-1" dirty="0">
+                <a:solidFill>
+                  <a:srgbClr val="404040"/>
+                </a:solidFill>
+                <a:uFill>
+                  <a:solidFill>
+                    <a:srgbClr val="FFFFFF"/>
+                  </a:solidFill>
+                </a:uFill>
+                <a:latin typeface="Franklin Gothic Medium"/>
+              </a:rPr>
+              <a:t> </a:t>
+            </a:r>
+            <a:r>
+              <a:rPr lang="en-US" sz="2800" b="0" strike="noStrike" spc="-1" dirty="0" err="1">
+                <a:solidFill>
+                  <a:srgbClr val="404040"/>
+                </a:solidFill>
+                <a:uFill>
+                  <a:solidFill>
+                    <a:srgbClr val="FFFFFF"/>
+                  </a:solidFill>
+                </a:uFill>
+                <a:latin typeface="Franklin Gothic Medium"/>
+              </a:rPr>
+              <a:t>documenti</a:t>
+            </a:r>
+            <a:r>
+              <a:rPr lang="en-US" sz="2800" b="0" strike="noStrike" spc="-1" dirty="0">
+                <a:solidFill>
+                  <a:srgbClr val="404040"/>
+                </a:solidFill>
+                <a:uFill>
+                  <a:solidFill>
+                    <a:srgbClr val="FFFFFF"/>
+                  </a:solidFill>
+                </a:uFill>
+                <a:latin typeface="Franklin Gothic Medium"/>
+              </a:rPr>
+              <a:t> </a:t>
+            </a:r>
+            <a:r>
+              <a:rPr lang="en-US" sz="2800" b="0" strike="noStrike" spc="-1" dirty="0" err="1">
+                <a:solidFill>
+                  <a:srgbClr val="404040"/>
+                </a:solidFill>
+                <a:uFill>
+                  <a:solidFill>
+                    <a:srgbClr val="FFFFFF"/>
+                  </a:solidFill>
+                </a:uFill>
+                <a:latin typeface="Franklin Gothic Medium"/>
+              </a:rPr>
+              <a:t>rilevanti</a:t>
+            </a:r>
+            <a:r>
+              <a:rPr lang="en-US" sz="2800" b="0" strike="noStrike" spc="-1" dirty="0">
+                <a:solidFill>
+                  <a:srgbClr val="404040"/>
+                </a:solidFill>
+                <a:uFill>
+                  <a:solidFill>
+                    <a:srgbClr val="FFFFFF"/>
+                  </a:solidFill>
+                </a:uFill>
+                <a:latin typeface="Franklin Gothic Medium"/>
+              </a:rPr>
+              <a:t> per </a:t>
+            </a:r>
+            <a:r>
+              <a:rPr lang="en-US" sz="2800" b="0" strike="noStrike" spc="-1" dirty="0" err="1">
+                <a:solidFill>
+                  <a:srgbClr val="404040"/>
+                </a:solidFill>
+                <a:uFill>
+                  <a:solidFill>
+                    <a:srgbClr val="FFFFFF"/>
+                  </a:solidFill>
+                </a:uFill>
+                <a:latin typeface="Franklin Gothic Medium"/>
+              </a:rPr>
+              <a:t>effettuare</a:t>
+            </a:r>
+            <a:r>
+              <a:rPr lang="en-US" sz="2800" b="0" strike="noStrike" spc="-1" dirty="0">
+                <a:solidFill>
+                  <a:srgbClr val="404040"/>
+                </a:solidFill>
+                <a:uFill>
+                  <a:solidFill>
+                    <a:srgbClr val="FFFFFF"/>
+                  </a:solidFill>
+                </a:uFill>
+                <a:latin typeface="Franklin Gothic Medium"/>
+              </a:rPr>
+              <a:t> </a:t>
+            </a:r>
+            <a:r>
+              <a:rPr lang="en-US" sz="2800" b="0" strike="noStrike" spc="-1" dirty="0" err="1">
+                <a:solidFill>
+                  <a:srgbClr val="404040"/>
+                </a:solidFill>
+                <a:uFill>
+                  <a:solidFill>
+                    <a:srgbClr val="FFFFFF"/>
+                  </a:solidFill>
+                </a:uFill>
+                <a:latin typeface="Franklin Gothic Medium"/>
+              </a:rPr>
+              <a:t>dei</a:t>
+            </a:r>
+            <a:r>
+              <a:rPr lang="en-US" sz="2800" b="0" strike="noStrike" spc="-1" dirty="0">
+                <a:solidFill>
+                  <a:srgbClr val="404040"/>
+                </a:solidFill>
+                <a:uFill>
+                  <a:solidFill>
+                    <a:srgbClr val="FFFFFF"/>
+                  </a:solidFill>
+                </a:uFill>
+                <a:latin typeface="Franklin Gothic Medium"/>
+              </a:rPr>
+              <a:t> </a:t>
+            </a:r>
+            <a:r>
+              <a:rPr lang="en-US" sz="2800" b="0" strike="noStrike" spc="-1" dirty="0" smtClean="0">
+                <a:solidFill>
+                  <a:srgbClr val="404040"/>
+                </a:solidFill>
+                <a:uFill>
+                  <a:solidFill>
+                    <a:srgbClr val="FFFFFF"/>
+                  </a:solidFill>
+                </a:uFill>
+                <a:latin typeface="Franklin Gothic Medium"/>
+              </a:rPr>
+              <a:t>benchmark</a:t>
+            </a:r>
+            <a:r>
+              <a:rPr lang="en-US" sz="2800" b="0" strike="noStrike" spc="-1" dirty="0" smtClean="0">
+                <a:solidFill>
+                  <a:srgbClr val="404040"/>
+                </a:solidFill>
+                <a:uFill>
+                  <a:solidFill>
+                    <a:srgbClr val="FFFFFF"/>
+                  </a:solidFill>
+                </a:uFill>
+                <a:latin typeface="Franklin Gothic Medium"/>
+              </a:rPr>
+              <a:t>.</a:t>
+            </a:r>
+          </a:p>
+          <a:p>
+            <a:pPr marL="228600" indent="-228240">
+              <a:lnSpc>
+                <a:spcPct val="100000"/>
+              </a:lnSpc>
+              <a:buClr>
+                <a:srgbClr val="404040"/>
+              </a:buClr>
+              <a:buFont typeface="Arial"/>
+              <a:buChar char="▪"/>
+            </a:pPr>
+            <a:endParaRPr lang="en-US" sz="2800" b="0" strike="noStrike" spc="-1" dirty="0" smtClean="0">
+              <a:solidFill>
+                <a:srgbClr val="404040"/>
+              </a:solidFill>
+              <a:uFill>
+                <a:solidFill>
+                  <a:srgbClr val="FFFFFF"/>
+                </a:solidFill>
+              </a:uFill>
+              <a:latin typeface="Franklin Gothic Medium"/>
+            </a:endParaRPr>
+          </a:p>
+          <a:p>
+            <a:pPr marL="228600" indent="-228240">
+              <a:lnSpc>
+                <a:spcPct val="100000"/>
+              </a:lnSpc>
+              <a:buClr>
+                <a:srgbClr val="404040"/>
+              </a:buClr>
+              <a:buFont typeface="Arial"/>
+              <a:buChar char="▪"/>
+            </a:pPr>
             <a:r>
               <a:rPr lang="en-US" sz="2800" spc="-1" dirty="0" err="1" smtClean="0">
                 <a:solidFill>
@@ -17683,21 +17821,49 @@
                 </a:uFill>
                 <a:latin typeface="Franklin Gothic Medium"/>
               </a:rPr>
-              <a:t> whoosh e </a:t>
-            </a:r>
-            <a:r>
-              <a:rPr lang="en-US" sz="2800" spc="-1" dirty="0" err="1" smtClean="0">
-                <a:solidFill>
-                  <a:srgbClr val="404040"/>
-                </a:solidFill>
-                <a:uFill>
-                  <a:solidFill>
-                    <a:srgbClr val="FFFFFF"/>
-                  </a:solidFill>
-                </a:uFill>
-                <a:latin typeface="Franklin Gothic Medium"/>
-              </a:rPr>
-              <a:t>nltk</a:t>
+              <a:t> </a:t>
+            </a:r>
+            <a:r>
+              <a:rPr lang="en-US" sz="2800" spc="-1" dirty="0" smtClean="0">
+                <a:solidFill>
+                  <a:srgbClr val="404040"/>
+                </a:solidFill>
+                <a:uFill>
+                  <a:solidFill>
+                    <a:srgbClr val="FFFFFF"/>
+                  </a:solidFill>
+                </a:uFill>
+                <a:latin typeface="Franklin Gothic Medium"/>
+              </a:rPr>
+              <a:t>Whoosh </a:t>
+            </a:r>
+            <a:r>
+              <a:rPr lang="en-US" sz="2800" spc="-1" dirty="0" smtClean="0">
+                <a:solidFill>
+                  <a:srgbClr val="404040"/>
+                </a:solidFill>
+                <a:uFill>
+                  <a:solidFill>
+                    <a:srgbClr val="FFFFFF"/>
+                  </a:solidFill>
+                </a:uFill>
+                <a:latin typeface="Franklin Gothic Medium"/>
+              </a:rPr>
+              <a:t>e </a:t>
+            </a:r>
+            <a:r>
+              <a:rPr lang="en-US" sz="2800" spc="-1" dirty="0" smtClean="0">
+                <a:solidFill>
+                  <a:srgbClr val="404040"/>
+                </a:solidFill>
+                <a:uFill>
+                  <a:solidFill>
+                    <a:srgbClr val="FFFFFF"/>
+                  </a:solidFill>
+                </a:uFill>
+                <a:latin typeface="Franklin Gothic Medium"/>
+              </a:rPr>
+              <a:t>NLTK.</a:t>
             </a:r>
             <a:endParaRPr lang="en-US" sz="2800" b="0" strike="noStrike" spc="-1" dirty="0" smtClean="0">
               <a:solidFill>
@@ -19203,17 +19369,6 @@
               </a:rPr>
               <a:t>:</a:t>
             </a:r>
-            <a:endParaRPr lang="en-US" sz="2800" spc="-1" dirty="0" smtClean="0">
-              <a:solidFill>
-                <a:srgbClr val="404040"/>
-              </a:solidFill>
-              <a:uFill>
-                <a:solidFill>
-                  <a:srgbClr val="FFFFFF"/>
-                </a:solidFill>
-              </a:uFill>
-              <a:latin typeface="Franklin Gothic Medium"/>
-            </a:endParaRPr>
           </a:p>
           <a:p>
             <a:pPr marL="914400" lvl="1" indent="-457200">
@@ -19234,17 +19389,6 @@
               </a:rPr>
               <a:t>Precision-Recall</a:t>
             </a:r>
-            <a:endParaRPr lang="en-US" sz="2800" spc="-1" dirty="0" smtClean="0">
-              <a:solidFill>
-                <a:srgbClr val="404040"/>
-              </a:solidFill>
-              <a:uFill>
-                <a:solidFill>
-                  <a:srgbClr val="FFFFFF"/>
-                </a:solidFill>
-              </a:uFill>
-              <a:latin typeface="Franklin Gothic Medium"/>
-            </a:endParaRPr>
           </a:p>
           <a:p>
             <a:pPr marL="914400" lvl="1" indent="-457200">
@@ -19265,17 +19409,6 @@
               </a:rPr>
               <a:t>R-Precision</a:t>
             </a:r>
-            <a:endParaRPr lang="en-US" sz="2800" spc="-1" dirty="0" smtClean="0">
-              <a:solidFill>
-                <a:srgbClr val="404040"/>
-              </a:solidFill>
-              <a:uFill>
-                <a:solidFill>
-                  <a:srgbClr val="FFFFFF"/>
-                </a:solidFill>
-              </a:uFill>
-              <a:latin typeface="Franklin Gothic Medium"/>
-            </a:endParaRPr>
           </a:p>
           <a:p>
             <a:endParaRPr lang="en-US" sz="2800" spc="-1" dirty="0" smtClean="0">
@@ -19582,35 +19715,7 @@
                 </a:uFill>
                 <a:latin typeface="Franklin Gothic Medium"/>
               </a:rPr>
-              <a:t> la </a:t>
-            </a:r>
-            <a:r>
-              <a:rPr lang="en-US" sz="2800" spc="-1" dirty="0" smtClean="0">
-                <a:solidFill>
-                  <a:srgbClr val="404040"/>
-                </a:solidFill>
-                <a:uFill>
-                  <a:solidFill>
-                    <a:srgbClr val="FFFFFF"/>
-                  </a:solidFill>
-                </a:uFill>
-                <a:latin typeface="Franklin Gothic Medium"/>
-              </a:rPr>
-              <a:t>precision-recall </a:t>
-            </a:r>
-            <a:r>
-              <a:rPr lang="en-US" sz="2800" spc="-1" dirty="0" smtClean="0">
-                <a:solidFill>
-                  <a:srgbClr val="404040"/>
-                </a:solidFill>
-                <a:uFill>
-                  <a:solidFill>
-                    <a:srgbClr val="FFFFFF"/>
-                  </a:solidFill>
-                </a:uFill>
-                <a:latin typeface="Franklin Gothic Medium"/>
-              </a:rPr>
-              <a:t>di </a:t>
+              <a:t> la precision-recall di </a:t>
             </a:r>
             <a:r>
               <a:rPr lang="en-US" sz="2800" spc="-1" dirty="0" err="1" smtClean="0">
@@ -19703,21 +19808,7 @@
                 </a:uFill>
                 <a:latin typeface="Franklin Gothic Medium"/>
               </a:rPr>
-              <a:t>Query: </a:t>
-            </a:r>
-            <a:r>
-              <a:rPr lang="en-US" sz="2800" spc="-1" dirty="0" smtClean="0">
-                <a:solidFill>
-                  <a:srgbClr val="404040"/>
-                </a:solidFill>
-                <a:uFill>
-                  <a:solidFill>
-                    <a:srgbClr val="FFFFFF"/>
-                  </a:solidFill>
-                </a:uFill>
-                <a:latin typeface="Franklin Gothic Medium"/>
-              </a:rPr>
-              <a:t>“21-year-old </a:t>
+              <a:t>Query: “21-year-old </a:t>
             </a:r>
             <a:r>
               <a:rPr lang="en-US" sz="2800" spc="-1" dirty="0">
@@ -19949,21 +20040,7 @@
                 </a:uFill>
                 <a:latin typeface="Franklin Gothic Medium"/>
               </a:rPr>
-              <a:t> </a:t>
-            </a:r>
-            <a:r>
-              <a:rPr lang="en-US" sz="2800" spc="-1" dirty="0" smtClean="0">
-                <a:solidFill>
-                  <a:srgbClr val="404040"/>
-                </a:solidFill>
-                <a:uFill>
-                  <a:solidFill>
-                    <a:srgbClr val="FFFFFF"/>
-                  </a:solidFill>
-                </a:uFill>
-                <a:latin typeface="Franklin Gothic Medium"/>
-              </a:rPr>
-              <a:t>sotto forma di </a:t>
+              <a:t> sotto forma di </a:t>
             </a:r>
             <a:r>
               <a:rPr lang="en-US" sz="2800" spc="-1" dirty="0" err="1" smtClean="0">
@@ -20692,17 +20769,6 @@
               </a:rPr>
               <a:t> NLTK.</a:t>
             </a:r>
-            <a:endParaRPr lang="en-US" sz="2800" spc="-1" dirty="0" smtClean="0">
-              <a:solidFill>
-                <a:srgbClr val="404040"/>
-              </a:solidFill>
-              <a:uFill>
-                <a:solidFill>
-                  <a:srgbClr val="FFFFFF"/>
-                </a:solidFill>
-              </a:uFill>
-              <a:latin typeface="Franklin Gothic Medium"/>
-            </a:endParaRPr>
           </a:p>
         </p:txBody>
       </p:sp>
@@ -20787,17 +20853,6 @@
               </a:rPr>
               <a:t>: query pre-processing</a:t>
             </a:r>
-            <a:endParaRPr lang="en-US" sz="3600" spc="-1" dirty="0" smtClean="0">
-              <a:solidFill>
-                <a:srgbClr val="FFFFFF"/>
-              </a:solidFill>
-              <a:uFill>
-                <a:solidFill>
-                  <a:srgbClr val="FFFFFF"/>
-                </a:solidFill>
-              </a:uFill>
-              <a:latin typeface="Franklin Gothic Medium"/>
-            </a:endParaRPr>
           </a:p>
         </p:txBody>
       </p:sp>
@@ -21404,52 +21459,15 @@
           </a:p>
         </p:txBody>
       </p:sp>
-      <p:sp>
-        <p:nvSpPr>
-          <p:cNvPr id="101" name="TextShape 2"/>
-          <p:cNvSpPr txBox="1"/>
-          <p:nvPr/>
-        </p:nvSpPr>
-        <p:spPr>
-          <a:xfrm>
-            <a:off x="479520" y="1484640"/>
-            <a:ext cx="11304720" cy="4915800"/>
-          </a:xfrm>
-          <a:prstGeom prst="rect">
-            <a:avLst/>
-          </a:prstGeom>
-          <a:noFill/>
-          <a:ln>
-            <a:noFill/>
-          </a:ln>
-        </p:spPr>
-        <p:txBody>
-          <a:bodyPr/>
-          <a:lstStyle/>
-          <a:p>
-            <a:endParaRPr lang="en-US" sz="2800" spc="-1" dirty="0" smtClean="0">
-              <a:solidFill>
-                <a:srgbClr val="404040"/>
-              </a:solidFill>
-              <a:uFill>
-                <a:solidFill>
-                  <a:srgbClr val="FFFFFF"/>
-                </a:solidFill>
-              </a:uFill>
-              <a:latin typeface="Franklin Gothic Medium"/>
-            </a:endParaRPr>
-          </a:p>
-        </p:txBody>
-      </p:sp>
       <p:pic>
         <p:nvPicPr>
-          <p:cNvPr id="2" name="Immagine 1"/>
+          <p:cNvPr id="3" name="Picture 2"/>
           <p:cNvPicPr>
             <a:picLocks noChangeAspect="1"/>
           </p:cNvPicPr>
           <p:nvPr/>
         </p:nvPicPr>
-        <p:blipFill>
+        <p:blipFill rotWithShape="1">
           <a:blip r:embed="rId2">
             <a:extLst>
               <a:ext uri="{28A0092B-C50C-407E-A947-70E740481C1C}">
@@ -21457,14 +21475,13 @@
               </a:ext>
             </a:extLst>
           </a:blip>
-          <a:stretch>
-            <a:fillRect/>
-          </a:stretch>
+          <a:srcRect l="4426" t="5701" r="6287"/>
+          <a:stretch/>
         </p:blipFill>
         <p:spPr>
           <a:xfrm>
-            <a:off x="2474272" y="1371589"/>
-            <a:ext cx="7315215" cy="5486411"/>
+            <a:off x="2715986" y="1372136"/>
+            <a:ext cx="6760029" cy="5354733"/>
           </a:xfrm>
           <a:prstGeom prst="rect">
             <a:avLst/>
@@ -21582,52 +21599,15 @@
           </a:p>
         </p:txBody>
       </p:sp>
-      <p:sp>
-        <p:nvSpPr>
-          <p:cNvPr id="101" name="TextShape 2"/>
-          <p:cNvSpPr txBox="1"/>
-          <p:nvPr/>
-        </p:nvSpPr>
-        <p:spPr>
-          <a:xfrm>
-            <a:off x="479520" y="1484640"/>
-            <a:ext cx="11304720" cy="4915800"/>
-          </a:xfrm>
-          <a:prstGeom prst="rect">
-            <a:avLst/>
-          </a:prstGeom>
-          <a:noFill/>
-          <a:ln>
-            <a:noFill/>
-          </a:ln>
-        </p:spPr>
-        <p:txBody>
-          <a:bodyPr/>
-          <a:lstStyle/>
-          <a:p>
-            <a:endParaRPr lang="en-US" sz="2800" spc="-1" dirty="0" smtClean="0">
-              <a:solidFill>
-                <a:srgbClr val="404040"/>
-              </a:solidFill>
-              <a:uFill>
-                <a:solidFill>
-                  <a:srgbClr val="FFFFFF"/>
-                </a:solidFill>
-              </a:uFill>
-              <a:latin typeface="Franklin Gothic Medium"/>
-            </a:endParaRPr>
-          </a:p>
-        </p:txBody>
-      </p:sp>
       <p:pic>
         <p:nvPicPr>
-          <p:cNvPr id="2" name="Immagine 1"/>
+          <p:cNvPr id="5" name="Picture 4"/>
           <p:cNvPicPr>
             <a:picLocks noChangeAspect="1"/>
           </p:cNvPicPr>
           <p:nvPr/>
         </p:nvPicPr>
-        <p:blipFill>
+        <p:blipFill rotWithShape="1">
           <a:blip r:embed="rId3">
             <a:extLst>
               <a:ext uri="{28A0092B-C50C-407E-A947-70E740481C1C}">
@@ -21635,14 +21615,13 @@
               </a:ext>
             </a:extLst>
           </a:blip>
-          <a:stretch>
-            <a:fillRect/>
-          </a:stretch>
+          <a:srcRect l="4268" t="5877" r="7327"/>
+          <a:stretch/>
         </p:blipFill>
         <p:spPr>
           <a:xfrm>
-            <a:off x="2474272" y="1371589"/>
-            <a:ext cx="7315215" cy="5486411"/>
+            <a:off x="2699400" y="1391385"/>
+            <a:ext cx="6793200" cy="5424371"/>
           </a:xfrm>
           <a:prstGeom prst="rect">
             <a:avLst/>
@@ -21760,52 +21739,15 @@
           </a:p>
         </p:txBody>
       </p:sp>
-      <p:sp>
-        <p:nvSpPr>
-          <p:cNvPr id="101" name="TextShape 2"/>
-          <p:cNvSpPr txBox="1"/>
-          <p:nvPr/>
-        </p:nvSpPr>
-        <p:spPr>
-          <a:xfrm>
-            <a:off x="479520" y="1484640"/>
-            <a:ext cx="11304720" cy="4915800"/>
-          </a:xfrm>
-          <a:prstGeom prst="rect">
-            <a:avLst/>
-          </a:prstGeom>
-          <a:noFill/>
-          <a:ln>
-            <a:noFill/>
-          </a:ln>
-        </p:spPr>
-        <p:txBody>
-          <a:bodyPr/>
-          <a:lstStyle/>
-          <a:p>
-            <a:endParaRPr lang="en-US" sz="2800" spc="-1" dirty="0" smtClean="0">
-              <a:solidFill>
-                <a:srgbClr val="404040"/>
-              </a:solidFill>
-              <a:uFill>
-                <a:solidFill>
-                  <a:srgbClr val="FFFFFF"/>
-                </a:solidFill>
-              </a:uFill>
-              <a:latin typeface="Franklin Gothic Medium"/>
-            </a:endParaRPr>
-          </a:p>
-        </p:txBody>
-      </p:sp>
       <p:pic>
         <p:nvPicPr>
-          <p:cNvPr id="3" name="Immagine 2"/>
+          <p:cNvPr id="5" name="Picture 4"/>
           <p:cNvPicPr>
             <a:picLocks noChangeAspect="1"/>
           </p:cNvPicPr>
           <p:nvPr/>
         </p:nvPicPr>
-        <p:blipFill>
+        <p:blipFill rotWithShape="1">
           <a:blip r:embed="rId2">
             <a:extLst>
               <a:ext uri="{28A0092B-C50C-407E-A947-70E740481C1C}">
@@ -21813,14 +21755,13 @@
               </a:ext>
             </a:extLst>
           </a:blip>
-          <a:stretch>
-            <a:fillRect/>
-          </a:stretch>
+          <a:srcRect l="4006" t="6169" r="8260"/>
+          <a:stretch/>
         </p:blipFill>
         <p:spPr>
           <a:xfrm>
-            <a:off x="2474272" y="1371589"/>
-            <a:ext cx="7315215" cy="5486411"/>
+            <a:off x="2726444" y="1389231"/>
+            <a:ext cx="6673797" cy="5353200"/>
           </a:xfrm>
           <a:prstGeom prst="rect">
             <a:avLst/>
@@ -21911,7 +21852,7 @@
           <a:lstStyle/>
           <a:p>
             <a:r>
-              <a:rPr lang="en-US" sz="3600" spc="-1" dirty="0" err="1" smtClean="0">
+              <a:rPr lang="en-US" sz="3600" spc="-1" dirty="0" smtClean="0">
                 <a:solidFill>
                   <a:srgbClr val="FFFFFF"/>
                 </a:solidFill>
@@ -21922,7 +21863,7 @@
                 </a:uFill>
                 <a:latin typeface="Franklin Gothic Medium"/>
               </a:rPr>
-              <a:t>Rprecision</a:t>
+              <a:t>R-Precision</a:t>
             </a:r>
             <a:endParaRPr lang="en-US" sz="3600" spc="-1" dirty="0">
               <a:solidFill>
@@ -21966,6 +21907,20 @@
               <a:buChar char="§"/>
             </a:pPr>
             <a:r>
+              <a:rPr lang="en-US" sz="2800" spc="-1" dirty="0">
+                <a:solidFill>
+                  <a:srgbClr val="404040"/>
+                </a:solidFill>
+                <a:uFill>
+                  <a:solidFill>
+                    <a:srgbClr val="FFFFFF"/>
+                  </a:solidFill>
+                </a:uFill>
+                <a:latin typeface="Franklin Gothic Medium"/>
+              </a:rPr>
+              <a:t>Il </a:t>
+            </a:r>
+            <a:r>
               <a:rPr lang="en-US" sz="2800" spc="-1" dirty="0" err="1" smtClean="0">
                 <a:solidFill>
                   <a:srgbClr val="404040"/>
@@ -21977,7 +21932,35 @@
                 </a:uFill>
                 <a:latin typeface="Franklin Gothic Medium"/>
               </a:rPr>
-              <a:t>Nell’esempio</a:t>
+              <a:t>gra</a:t>
+            </a:r>
+            <a:r>
+              <a:rPr lang="en-US" sz="2800" spc="-1" dirty="0" err="1">
+                <a:solidFill>
+                  <a:srgbClr val="404040"/>
+                </a:solidFill>
+                <a:uFill>
+                  <a:solidFill>
+                    <a:srgbClr val="FFFFFF"/>
+                  </a:solidFill>
+                </a:uFill>
+                <a:latin typeface="Franklin Gothic Medium"/>
+              </a:rPr>
+              <a:t>f</a:t>
+            </a:r>
+            <a:r>
+              <a:rPr lang="en-US" sz="2800" spc="-1" dirty="0" err="1" smtClean="0">
+                <a:solidFill>
+                  <a:srgbClr val="404040"/>
+                </a:solidFill>
+                <a:uFill>
+                  <a:solidFill>
+                    <a:srgbClr val="FFFFFF"/>
+                  </a:solidFill>
+                </a:uFill>
+                <a:latin typeface="Franklin Gothic Medium"/>
+              </a:rPr>
+              <a:t>ico</a:t>
             </a:r>
             <a:r>
               <a:rPr lang="en-US" sz="2800" spc="-1" dirty="0" smtClean="0">
@@ -22005,7 +21988,7 @@
                 </a:uFill>
                 <a:latin typeface="Franklin Gothic Medium"/>
               </a:rPr>
-              <a:t>seguente</a:t>
+              <a:t>successivo</a:t>
             </a:r>
             <a:r>
               <a:rPr lang="en-US" sz="2800" spc="-1" dirty="0" smtClean="0">
@@ -22019,6 +22002,278 @@
                 </a:uFill>
                 <a:latin typeface="Franklin Gothic Medium"/>
               </a:rPr>
+              <a:t> </a:t>
+            </a:r>
+            <a:r>
+              <a:rPr lang="en-US" sz="2800" spc="-1" dirty="0" err="1" smtClean="0">
+                <a:solidFill>
+                  <a:srgbClr val="404040"/>
+                </a:solidFill>
+                <a:uFill>
+                  <a:solidFill>
+                    <a:srgbClr val="FFFFFF"/>
+                  </a:solidFill>
+                </a:uFill>
+                <a:latin typeface="Franklin Gothic Medium"/>
+              </a:rPr>
+              <a:t>mostra</a:t>
+            </a:r>
+            <a:r>
+              <a:rPr lang="en-US" sz="2800" spc="-1" dirty="0" smtClean="0">
+                <a:solidFill>
+                  <a:srgbClr val="404040"/>
+                </a:solidFill>
+                <a:uFill>
+                  <a:solidFill>
+                    <a:srgbClr val="FFFFFF"/>
+                  </a:solidFill>
+                </a:uFill>
+                <a:latin typeface="Franklin Gothic Medium"/>
+              </a:rPr>
+              <a:t> i </a:t>
+            </a:r>
+            <a:r>
+              <a:rPr lang="en-US" sz="2800" spc="-1" dirty="0" err="1" smtClean="0">
+                <a:solidFill>
+                  <a:srgbClr val="404040"/>
+                </a:solidFill>
+                <a:uFill>
+                  <a:solidFill>
+                    <a:srgbClr val="FFFFFF"/>
+                  </a:solidFill>
+                </a:uFill>
+                <a:latin typeface="Franklin Gothic Medium"/>
+              </a:rPr>
+              <a:t>risultati</a:t>
+            </a:r>
+            <a:r>
+              <a:rPr lang="en-US" sz="2800" spc="-1" dirty="0" smtClean="0">
+                <a:solidFill>
+                  <a:srgbClr val="404040"/>
+                </a:solidFill>
+                <a:uFill>
+                  <a:solidFill>
+                    <a:srgbClr val="FFFFFF"/>
+                  </a:solidFill>
+                </a:uFill>
+                <a:latin typeface="Franklin Gothic Medium"/>
+              </a:rPr>
+              <a:t> del </a:t>
+            </a:r>
+            <a:r>
+              <a:rPr lang="en-US" sz="2800" spc="-1" dirty="0" err="1" smtClean="0">
+                <a:solidFill>
+                  <a:srgbClr val="404040"/>
+                </a:solidFill>
+                <a:uFill>
+                  <a:solidFill>
+                    <a:srgbClr val="FFFFFF"/>
+                  </a:solidFill>
+                </a:uFill>
+                <a:latin typeface="Franklin Gothic Medium"/>
+              </a:rPr>
+              <a:t>con</a:t>
+            </a:r>
+            <a:r>
+              <a:rPr lang="en-US" sz="2800" spc="-1" dirty="0" err="1">
+                <a:solidFill>
+                  <a:srgbClr val="404040"/>
+                </a:solidFill>
+                <a:uFill>
+                  <a:solidFill>
+                    <a:srgbClr val="FFFFFF"/>
+                  </a:solidFill>
+                </a:uFill>
+                <a:latin typeface="Franklin Gothic Medium"/>
+              </a:rPr>
+              <a:t>f</a:t>
+            </a:r>
+            <a:r>
+              <a:rPr lang="en-US" sz="2800" spc="-1" dirty="0" err="1" smtClean="0">
+                <a:solidFill>
+                  <a:srgbClr val="404040"/>
+                </a:solidFill>
+                <a:uFill>
+                  <a:solidFill>
+                    <a:srgbClr val="FFFFFF"/>
+                  </a:solidFill>
+                </a:uFill>
+                <a:latin typeface="Franklin Gothic Medium"/>
+              </a:rPr>
+              <a:t>ronto</a:t>
+            </a:r>
+            <a:r>
+              <a:rPr lang="en-US" sz="2800" spc="-1" dirty="0" smtClean="0">
+                <a:solidFill>
+                  <a:srgbClr val="404040"/>
+                </a:solidFill>
+                <a:uFill>
+                  <a:solidFill>
+                    <a:srgbClr val="FFFFFF"/>
+                  </a:solidFill>
+                </a:uFill>
+                <a:latin typeface="Franklin Gothic Medium"/>
+              </a:rPr>
+              <a:t> di due </a:t>
+            </a:r>
+            <a:r>
+              <a:rPr lang="en-US" sz="2800" spc="-1" dirty="0" err="1" smtClean="0">
+                <a:solidFill>
+                  <a:srgbClr val="404040"/>
+                </a:solidFill>
+                <a:uFill>
+                  <a:solidFill>
+                    <a:srgbClr val="FFFFFF"/>
+                  </a:solidFill>
+                </a:uFill>
+                <a:latin typeface="Franklin Gothic Medium"/>
+              </a:rPr>
+              <a:t>modelli</a:t>
+            </a:r>
+            <a:r>
+              <a:rPr lang="en-US" sz="2800" spc="-1" dirty="0" smtClean="0">
+                <a:solidFill>
+                  <a:srgbClr val="404040"/>
+                </a:solidFill>
+                <a:uFill>
+                  <a:solidFill>
+                    <a:srgbClr val="FFFFFF"/>
+                  </a:solidFill>
+                </a:uFill>
+                <a:latin typeface="Franklin Gothic Medium"/>
+              </a:rPr>
+              <a:t> </a:t>
+            </a:r>
+            <a:r>
+              <a:rPr lang="en-US" sz="2800" spc="-1" dirty="0" err="1" smtClean="0">
+                <a:solidFill>
+                  <a:srgbClr val="404040"/>
+                </a:solidFill>
+                <a:uFill>
+                  <a:solidFill>
+                    <a:srgbClr val="FFFFFF"/>
+                  </a:solidFill>
+                </a:uFill>
+                <a:latin typeface="Franklin Gothic Medium"/>
+              </a:rPr>
+              <a:t>tramite</a:t>
+            </a:r>
+            <a:r>
+              <a:rPr lang="en-US" sz="2800" spc="-1" dirty="0" smtClean="0">
+                <a:solidFill>
+                  <a:srgbClr val="404040"/>
+                </a:solidFill>
+                <a:uFill>
+                  <a:solidFill>
+                    <a:srgbClr val="FFFFFF"/>
+                  </a:solidFill>
+                </a:uFill>
+                <a:latin typeface="Franklin Gothic Medium"/>
+              </a:rPr>
+              <a:t> R-Precision.</a:t>
+            </a:r>
+            <a:endParaRPr lang="en-US" sz="2800" spc="-1" dirty="0">
+              <a:solidFill>
+                <a:srgbClr val="404040"/>
+              </a:solidFill>
+              <a:uFill>
+                <a:solidFill>
+                  <a:srgbClr val="FFFFFF"/>
+                </a:solidFill>
+              </a:uFill>
+              <a:latin typeface="Franklin Gothic Medium"/>
+            </a:endParaRPr>
+          </a:p>
+          <a:p>
+            <a:pPr marL="457200" indent="-457200">
+              <a:buFont typeface="Wingdings" panose="05000000000000000000" pitchFamily="2" charset="2"/>
+              <a:buChar char="§"/>
+            </a:pPr>
+            <a:endParaRPr lang="en-US" sz="2800" spc="-1" dirty="0" smtClean="0">
+              <a:solidFill>
+                <a:srgbClr val="404040"/>
+              </a:solidFill>
+              <a:uFill>
+                <a:solidFill>
+                  <a:srgbClr val="FFFFFF"/>
+                </a:solidFill>
+              </a:uFill>
+              <a:latin typeface="Franklin Gothic Medium"/>
+            </a:endParaRPr>
+          </a:p>
+          <a:p>
+            <a:pPr marL="457200" indent="-457200">
+              <a:buFont typeface="Wingdings" panose="05000000000000000000" pitchFamily="2" charset="2"/>
+              <a:buChar char="§"/>
+            </a:pPr>
+            <a:r>
+              <a:rPr lang="en-US" sz="2800" spc="-1" dirty="0" smtClean="0">
+                <a:solidFill>
+                  <a:srgbClr val="404040"/>
+                </a:solidFill>
+                <a:uFill>
+                  <a:solidFill>
+                    <a:srgbClr val="FFFFFF"/>
+                  </a:solidFill>
+                </a:uFill>
+                <a:latin typeface="Franklin Gothic Medium"/>
+              </a:rPr>
+              <a:t>Il </a:t>
+            </a:r>
+            <a:r>
+              <a:rPr lang="en-US" sz="2800" spc="-1" dirty="0" err="1" smtClean="0">
+                <a:solidFill>
+                  <a:srgbClr val="404040"/>
+                </a:solidFill>
+                <a:uFill>
+                  <a:solidFill>
+                    <a:srgbClr val="FFFFFF"/>
+                  </a:solidFill>
+                </a:uFill>
+                <a:latin typeface="Franklin Gothic Medium"/>
+              </a:rPr>
+              <a:t>con</a:t>
+            </a:r>
+            <a:r>
+              <a:rPr lang="en-US" sz="2800" spc="-1" dirty="0" err="1">
+                <a:solidFill>
+                  <a:srgbClr val="404040"/>
+                </a:solidFill>
+                <a:uFill>
+                  <a:solidFill>
+                    <a:srgbClr val="FFFFFF"/>
+                  </a:solidFill>
+                </a:uFill>
+                <a:latin typeface="Franklin Gothic Medium"/>
+              </a:rPr>
+              <a:t>f</a:t>
+            </a:r>
+            <a:r>
+              <a:rPr lang="en-US" sz="2800" spc="-1" dirty="0" err="1" smtClean="0">
+                <a:solidFill>
+                  <a:srgbClr val="404040"/>
+                </a:solidFill>
+                <a:uFill>
+                  <a:solidFill>
+                    <a:srgbClr val="FFFFFF"/>
+                  </a:solidFill>
+                </a:uFill>
+                <a:latin typeface="Franklin Gothic Medium"/>
+              </a:rPr>
+              <a:t>ronto</a:t>
+            </a:r>
+            <a:r>
+              <a:rPr lang="en-US" sz="2800" spc="-1" dirty="0" smtClean="0">
+                <a:solidFill>
+                  <a:srgbClr val="404040"/>
+                </a:solidFill>
+                <a:uFill>
+                  <a:solidFill>
+                    <a:srgbClr val="FFFFFF"/>
+                  </a:solidFill>
+                </a:uFill>
+                <a:latin typeface="Franklin Gothic Medium"/>
+              </a:rPr>
               <a:t> è </a:t>
             </a:r>
             <a:r>
@@ -22061,7 +22316,7 @@
                 </a:uFill>
                 <a:latin typeface="Franklin Gothic Medium"/>
               </a:rPr>
-              <a:t>lanciato</a:t>
+              <a:t>eseguito</a:t>
             </a:r>
             <a:r>
               <a:rPr lang="en-US" sz="2800" spc="-1" dirty="0" smtClean="0">
@@ -22089,7 +22344,7 @@
                 </a:uFill>
                 <a:latin typeface="Franklin Gothic Medium"/>
               </a:rPr>
-              <a:t>sul</a:t>
+              <a:t>su</a:t>
             </a:r>
             <a:r>
               <a:rPr lang="en-US" sz="2800" spc="-1" dirty="0" smtClean="0">
@@ -22103,7 +22358,7 @@
                 </a:uFill>
                 <a:latin typeface="Franklin Gothic Medium"/>
               </a:rPr>
-              <a:t> </a:t>
+              <a:t> un </a:t>
             </a:r>
             <a:r>
               <a:rPr lang="en-US" sz="2800" spc="-1" dirty="0" err="1" smtClean="0">
@@ -22117,7 +22372,7 @@
                 </a:uFill>
                 <a:latin typeface="Franklin Gothic Medium"/>
               </a:rPr>
-              <a:t>sistema</a:t>
+              <a:t>insieme</a:t>
             </a:r>
             <a:r>
               <a:rPr lang="en-US" sz="2800" spc="-1" dirty="0" smtClean="0">
@@ -22131,63 +22386,7 @@
                 </a:uFill>
                 <a:latin typeface="Franklin Gothic Medium"/>
               </a:rPr>
-              <a:t> di IR un </a:t>
-            </a:r>
-            <a:r>
-              <a:rPr lang="en-US" sz="2800" spc="-1" dirty="0" err="1" smtClean="0">
-                <a:solidFill>
-                  <a:srgbClr val="404040"/>
-                </a:solidFill>
-                <a:uFill>
-                  <a:solidFill>
-                    <a:srgbClr val="FFFFFF"/>
-                  </a:solidFill>
-                </a:uFill>
-                <a:latin typeface="Franklin Gothic Medium"/>
-              </a:rPr>
-              <a:t>Rprecision</a:t>
-            </a:r>
-            <a:r>
-              <a:rPr lang="en-US" sz="2800" spc="-1" dirty="0" smtClean="0">
-                <a:solidFill>
-                  <a:srgbClr val="404040"/>
-                </a:solidFill>
-                <a:uFill>
-                  <a:solidFill>
-                    <a:srgbClr val="FFFFFF"/>
-                  </a:solidFill>
-                </a:uFill>
-                <a:latin typeface="Franklin Gothic Medium"/>
-              </a:rPr>
-              <a:t> </a:t>
-            </a:r>
-            <a:r>
-              <a:rPr lang="en-US" sz="2800" spc="-1" dirty="0" err="1" smtClean="0">
-                <a:solidFill>
-                  <a:srgbClr val="404040"/>
-                </a:solidFill>
-                <a:uFill>
-                  <a:solidFill>
-                    <a:srgbClr val="FFFFFF"/>
-                  </a:solidFill>
-                </a:uFill>
-                <a:latin typeface="Franklin Gothic Medium"/>
-              </a:rPr>
-              <a:t>su</a:t>
-            </a:r>
-            <a:r>
-              <a:rPr lang="en-US" sz="2800" spc="-1" dirty="0" smtClean="0">
-                <a:solidFill>
-                  <a:srgbClr val="404040"/>
-                </a:solidFill>
-                <a:uFill>
-                  <a:solidFill>
-                    <a:srgbClr val="FFFFFF"/>
-                  </a:solidFill>
-                </a:uFill>
-                <a:latin typeface="Franklin Gothic Medium"/>
-              </a:rPr>
-              <a:t> 30 query </a:t>
+              <a:t> di 30 query.</a:t>
             </a:r>
           </a:p>
         </p:txBody>
@@ -22301,35 +22500,7 @@
                 </a:uFill>
                 <a:latin typeface="Franklin Gothic Medium"/>
               </a:rPr>
-              <a:t> </a:t>
-            </a:r>
-            <a:r>
-              <a:rPr lang="en-US" sz="3600" spc="-1" dirty="0" smtClean="0">
-                <a:solidFill>
-                  <a:srgbClr val="FFFFFF"/>
-                </a:solidFill>
-                <a:uFill>
-                  <a:solidFill>
-                    <a:srgbClr val="FFFFFF"/>
-                  </a:solidFill>
-                </a:uFill>
-                <a:latin typeface="Franklin Gothic Medium"/>
-              </a:rPr>
-              <a:t>R-Precision(BM25F</a:t>
-            </a:r>
-            <a:r>
-              <a:rPr lang="en-US" sz="3600" spc="-1" dirty="0" smtClean="0">
-                <a:solidFill>
-                  <a:srgbClr val="FFFFFF"/>
-                </a:solidFill>
-                <a:uFill>
-                  <a:solidFill>
-                    <a:srgbClr val="FFFFFF"/>
-                  </a:solidFill>
-                </a:uFill>
-                <a:latin typeface="Franklin Gothic Medium"/>
-              </a:rPr>
-              <a:t>, Frequency, 30)</a:t>
+              <a:t> R-Precision(BM25F, Frequency, 30)</a:t>
             </a:r>
           </a:p>
         </p:txBody>

--- a/doc/Progetto.pptx
+++ b/doc/Progetto.pptx
@@ -22386,8 +22386,89 @@
                 </a:uFill>
                 <a:latin typeface="Franklin Gothic Medium"/>
               </a:rPr>
-              <a:t> di 30 query.</a:t>
-            </a:r>
+              <a:t> di 30 query e con precision </a:t>
+            </a:r>
+            <a:r>
+              <a:rPr lang="en-US" sz="2800" spc="-1" dirty="0" err="1" smtClean="0">
+                <a:solidFill>
+                  <a:srgbClr val="404040"/>
+                </a:solidFill>
+                <a:uFill>
+                  <a:solidFill>
+                    <a:srgbClr val="FFFFFF"/>
+                  </a:solidFill>
+                </a:uFill>
+                <a:latin typeface="Franklin Gothic Medium"/>
+              </a:rPr>
+              <a:t>calcolata</a:t>
+            </a:r>
+            <a:r>
+              <a:rPr lang="en-US" sz="2800" spc="-1" dirty="0" smtClean="0">
+                <a:solidFill>
+                  <a:srgbClr val="404040"/>
+                </a:solidFill>
+                <a:uFill>
+                  <a:solidFill>
+                    <a:srgbClr val="FFFFFF"/>
+                  </a:solidFill>
+                </a:uFill>
+                <a:latin typeface="Franklin Gothic Medium"/>
+              </a:rPr>
+              <a:t> sui </a:t>
+            </a:r>
+            <a:r>
+              <a:rPr lang="en-US" sz="2800" spc="-1" dirty="0" err="1" smtClean="0">
+                <a:solidFill>
+                  <a:srgbClr val="404040"/>
+                </a:solidFill>
+                <a:uFill>
+                  <a:solidFill>
+                    <a:srgbClr val="FFFFFF"/>
+                  </a:solidFill>
+                </a:uFill>
+                <a:latin typeface="Franklin Gothic Medium"/>
+              </a:rPr>
+              <a:t>primi</a:t>
+            </a:r>
+            <a:r>
+              <a:rPr lang="en-US" sz="2800" spc="-1" dirty="0" smtClean="0">
+                <a:solidFill>
+                  <a:srgbClr val="404040"/>
+                </a:solidFill>
+                <a:uFill>
+                  <a:solidFill>
+                    <a:srgbClr val="FFFFFF"/>
+                  </a:solidFill>
+                </a:uFill>
+                <a:latin typeface="Franklin Gothic Medium"/>
+              </a:rPr>
+              <a:t> 100 </a:t>
+            </a:r>
+            <a:r>
+              <a:rPr lang="en-US" sz="2800" spc="-1" smtClean="0">
+                <a:solidFill>
+                  <a:srgbClr val="404040"/>
+                </a:solidFill>
+                <a:uFill>
+                  <a:solidFill>
+                    <a:srgbClr val="FFFFFF"/>
+                  </a:solidFill>
+                </a:uFill>
+                <a:latin typeface="Franklin Gothic Medium"/>
+              </a:rPr>
+              <a:t>risultati.</a:t>
+            </a:r>
+            <a:endParaRPr lang="en-US" sz="2800" spc="-1" dirty="0" smtClean="0">
+              <a:solidFill>
+                <a:srgbClr val="404040"/>
+              </a:solidFill>
+              <a:uFill>
+                <a:solidFill>
+                  <a:srgbClr val="FFFFFF"/>
+                </a:solidFill>
+              </a:uFill>
+              <a:latin typeface="Franklin Gothic Medium"/>
+            </a:endParaRPr>
           </a:p>
         </p:txBody>
       </p:sp>

--- a/doc/Progetto.pptx
+++ b/doc/Progetto.pptx
@@ -22445,30 +22445,33 @@
               <a:t> 100 </a:t>
             </a:r>
             <a:r>
-              <a:rPr lang="en-US" sz="2800" spc="-1" smtClean="0">
-                <a:solidFill>
-                  <a:srgbClr val="404040"/>
-                </a:solidFill>
-                <a:uFill>
-                  <a:solidFill>
-                    <a:srgbClr val="FFFFFF"/>
-                  </a:solidFill>
-                </a:uFill>
-                <a:latin typeface="Franklin Gothic Medium"/>
-              </a:rPr>
-              <a:t>risultati.</a:t>
-            </a:r>
-            <a:endParaRPr lang="en-US" sz="2800" spc="-1" dirty="0" smtClean="0">
-              <a:solidFill>
-                <a:srgbClr val="404040"/>
-              </a:solidFill>
-              <a:uFill>
-                <a:solidFill>
-                  <a:srgbClr val="FFFFFF"/>
-                </a:solidFill>
-              </a:uFill>
-              <a:latin typeface="Franklin Gothic Medium"/>
-            </a:endParaRPr>
+              <a:rPr lang="en-US" sz="2800" spc="-1" dirty="0" err="1" smtClean="0">
+                <a:solidFill>
+                  <a:srgbClr val="404040"/>
+                </a:solidFill>
+                <a:uFill>
+                  <a:solidFill>
+                    <a:srgbClr val="FFFFFF"/>
+                  </a:solidFill>
+                </a:uFill>
+                <a:latin typeface="Franklin Gothic Medium"/>
+              </a:rPr>
+              <a:t>risultati</a:t>
+            </a:r>
+            <a:r>
+              <a:rPr lang="en-US" sz="2800" spc="-1" dirty="0" smtClean="0">
+                <a:solidFill>
+                  <a:srgbClr val="404040"/>
+                </a:solidFill>
+                <a:uFill>
+                  <a:solidFill>
+                    <a:srgbClr val="FFFFFF"/>
+                  </a:solidFill>
+                </a:uFill>
+                <a:latin typeface="Franklin Gothic Medium"/>
+              </a:rPr>
+              <a:t>.</a:t>
+            </a:r>
           </a:p>
         </p:txBody>
       </p:sp>

--- a/doc/Progetto.pptx
+++ b/doc/Progetto.pptx
@@ -138,7 +138,7 @@
   </p:defaultTextStyle>
   <p:extLst>
     <p:ext uri="{EFAFB233-063F-42B5-8137-9DF3F51BA10A}">
-      <p15:sldGuideLst xmlns="" xmlns:p15="http://schemas.microsoft.com/office/powerpoint/2012/main">
+      <p15:sldGuideLst xmlns:p15="http://schemas.microsoft.com/office/powerpoint/2012/main">
         <p15:guide id="1" orient="horz" pos="2160">
           <p15:clr>
             <a:srgbClr val="A4A3A4"/>
@@ -374,7 +374,7 @@
                 </a:uFill>
                 <a:latin typeface="Times New Roman"/>
               </a:rPr>
-              <a:t>‹#›</a:t>
+              <a:t>‹N›</a:t>
             </a:fld>
             <a:endParaRPr lang="en-US" sz="1400" b="0" strike="noStrike" spc="-1">
               <a:solidFill>
@@ -1800,6 +1800,11 @@
         </p:txBody>
       </p:sp>
     </p:spTree>
+    <p:extLst>
+      <p:ext uri="{BB962C8B-B14F-4D97-AF65-F5344CB8AC3E}">
+        <p14:creationId xmlns:p14="http://schemas.microsoft.com/office/powerpoint/2010/main" val="3083816234"/>
+      </p:ext>
+    </p:extLst>
   </p:cSld>
   <p:clrMapOvr>
     <a:masterClrMapping/>
@@ -1938,6 +1943,11 @@
         </p:txBody>
       </p:sp>
     </p:spTree>
+    <p:extLst>
+      <p:ext uri="{BB962C8B-B14F-4D97-AF65-F5344CB8AC3E}">
+        <p14:creationId xmlns:p14="http://schemas.microsoft.com/office/powerpoint/2010/main" val="718311792"/>
+      </p:ext>
+    </p:extLst>
   </p:cSld>
   <p:clrMapOvr>
     <a:masterClrMapping/>
@@ -2092,6 +2102,11 @@
         </p:txBody>
       </p:sp>
     </p:spTree>
+    <p:extLst>
+      <p:ext uri="{BB962C8B-B14F-4D97-AF65-F5344CB8AC3E}">
+        <p14:creationId xmlns:p14="http://schemas.microsoft.com/office/powerpoint/2010/main" val="3631228869"/>
+      </p:ext>
+    </p:extLst>
   </p:cSld>
   <p:clrMapOvr>
     <a:masterClrMapping/>
@@ -2308,6 +2323,11 @@
         </p:txBody>
       </p:sp>
     </p:spTree>
+    <p:extLst>
+      <p:ext uri="{BB962C8B-B14F-4D97-AF65-F5344CB8AC3E}">
+        <p14:creationId xmlns:p14="http://schemas.microsoft.com/office/powerpoint/2010/main" val="3567532388"/>
+      </p:ext>
+    </p:extLst>
   </p:cSld>
   <p:clrMapOvr>
     <a:masterClrMapping/>
@@ -2462,6 +2482,11 @@
         </p:txBody>
       </p:sp>
     </p:spTree>
+    <p:extLst>
+      <p:ext uri="{BB962C8B-B14F-4D97-AF65-F5344CB8AC3E}">
+        <p14:creationId xmlns:p14="http://schemas.microsoft.com/office/powerpoint/2010/main" val="1385994121"/>
+      </p:ext>
+    </p:extLst>
   </p:cSld>
   <p:clrMapOvr>
     <a:masterClrMapping/>
@@ -8557,7 +8582,7 @@
                 </a:uFill>
                 <a:latin typeface="Franklin Gothic Medium"/>
               </a:rPr>
-              <a:t>‹#›</a:t>
+              <a:t>‹N›</a:t>
             </a:fld>
             <a:endParaRPr lang="en-US" sz="1400" b="0" strike="noStrike" spc="-1">
               <a:solidFill>
@@ -15966,7 +15991,7 @@
               <a:t> per la </a:t>
             </a:r>
             <a:r>
-              <a:rPr lang="en-US" sz="2800" spc="-1" dirty="0" err="1" smtClean="0">
+              <a:rPr lang="en-US" sz="2800" u="sng" spc="-1" dirty="0" err="1" smtClean="0">
                 <a:solidFill>
                   <a:srgbClr val="404040"/>
                 </a:solidFill>
@@ -15977,7 +16002,7 @@
                 </a:uFill>
                 <a:latin typeface="Franklin Gothic Medium" panose="020B0603020102020204" pitchFamily="34" charset="0"/>
               </a:rPr>
-              <a:t>correzzione</a:t>
+              <a:t>correzione</a:t>
             </a:r>
             <a:r>
               <a:rPr lang="en-US" sz="2800" spc="-1" dirty="0" smtClean="0">
@@ -17632,21 +17657,7 @@
                 </a:uFill>
                 <a:latin typeface="Franklin Gothic Medium"/>
               </a:rPr>
-              <a:t>benchmark</a:t>
-            </a:r>
-            <a:r>
-              <a:rPr lang="en-US" sz="2800" b="0" strike="noStrike" spc="-1" dirty="0" smtClean="0">
-                <a:solidFill>
-                  <a:srgbClr val="404040"/>
-                </a:solidFill>
-                <a:uFill>
-                  <a:solidFill>
-                    <a:srgbClr val="FFFFFF"/>
-                  </a:solidFill>
-                </a:uFill>
-                <a:latin typeface="Franklin Gothic Medium"/>
-              </a:rPr>
-              <a:t>.</a:t>
+              <a:t>benchmark.</a:t>
             </a:r>
           </a:p>
           <a:p>
@@ -17821,49 +17832,7 @@
                 </a:uFill>
                 <a:latin typeface="Franklin Gothic Medium"/>
               </a:rPr>
-              <a:t> </a:t>
-            </a:r>
-            <a:r>
-              <a:rPr lang="en-US" sz="2800" spc="-1" dirty="0" smtClean="0">
-                <a:solidFill>
-                  <a:srgbClr val="404040"/>
-                </a:solidFill>
-                <a:uFill>
-                  <a:solidFill>
-                    <a:srgbClr val="FFFFFF"/>
-                  </a:solidFill>
-                </a:uFill>
-                <a:latin typeface="Franklin Gothic Medium"/>
-              </a:rPr>
-              <a:t>Whoosh </a:t>
-            </a:r>
-            <a:r>
-              <a:rPr lang="en-US" sz="2800" spc="-1" dirty="0" smtClean="0">
-                <a:solidFill>
-                  <a:srgbClr val="404040"/>
-                </a:solidFill>
-                <a:uFill>
-                  <a:solidFill>
-                    <a:srgbClr val="FFFFFF"/>
-                  </a:solidFill>
-                </a:uFill>
-                <a:latin typeface="Franklin Gothic Medium"/>
-              </a:rPr>
-              <a:t>e </a:t>
-            </a:r>
-            <a:r>
-              <a:rPr lang="en-US" sz="2800" spc="-1" dirty="0" smtClean="0">
-                <a:solidFill>
-                  <a:srgbClr val="404040"/>
-                </a:solidFill>
-                <a:uFill>
-                  <a:solidFill>
-                    <a:srgbClr val="FFFFFF"/>
-                  </a:solidFill>
-                </a:uFill>
-                <a:latin typeface="Franklin Gothic Medium"/>
-              </a:rPr>
-              <a:t>NLTK.</a:t>
+              <a:t> Whoosh e NLTK.</a:t>
             </a:r>
             <a:endParaRPr lang="en-US" sz="2800" b="0" strike="noStrike" spc="-1" dirty="0" smtClean="0">
               <a:solidFill>
@@ -18409,6 +18378,34 @@
                 <a:latin typeface="Franklin Gothic Medium"/>
               </a:rPr>
               <a:t>volta</a:t>
+            </a:r>
+            <a:r>
+              <a:rPr lang="en-US" sz="2800" spc="-1" dirty="0" smtClean="0">
+                <a:solidFill>
+                  <a:srgbClr val="404040"/>
+                </a:solidFill>
+                <a:uFill>
+                  <a:solidFill>
+                    <a:srgbClr val="FFFFFF"/>
+                  </a:solidFill>
+                </a:uFill>
+                <a:latin typeface="Franklin Gothic Medium"/>
+              </a:rPr>
+              <a:t> </a:t>
+            </a:r>
+            <a:r>
+              <a:rPr lang="en-US" sz="2800" spc="-1" dirty="0" err="1" smtClean="0">
+                <a:solidFill>
+                  <a:srgbClr val="404040"/>
+                </a:solidFill>
+                <a:uFill>
+                  <a:solidFill>
+                    <a:srgbClr val="FFFFFF"/>
+                  </a:solidFill>
+                </a:uFill>
+                <a:latin typeface="Franklin Gothic Medium"/>
+              </a:rPr>
+              <a:t>che</a:t>
             </a:r>
             <a:r>
               <a:rPr lang="en-US" sz="2800" spc="-1" dirty="0" smtClean="0">
@@ -18904,7 +18901,7 @@
                 </a:uFill>
                 <a:latin typeface="Franklin Gothic Medium"/>
               </a:rPr>
-              <a:t>proposto</a:t>
+              <a:t>proposte</a:t>
             </a:r>
             <a:r>
               <a:rPr lang="en-US" sz="2800" spc="-1" dirty="0" smtClean="0">
@@ -18918,7 +18915,21 @@
                 </a:uFill>
                 <a:latin typeface="Franklin Gothic Medium"/>
               </a:rPr>
-              <a:t> dal set di </a:t>
+              <a:t> </a:t>
+            </a:r>
+            <a:r>
+              <a:rPr lang="en-US" sz="2800" spc="-1" dirty="0" smtClean="0">
+                <a:solidFill>
+                  <a:srgbClr val="404040"/>
+                </a:solidFill>
+                <a:uFill>
+                  <a:solidFill>
+                    <a:srgbClr val="FFFFFF"/>
+                  </a:solidFill>
+                </a:uFill>
+                <a:latin typeface="Franklin Gothic Medium"/>
+              </a:rPr>
+              <a:t>dal set di </a:t>
             </a:r>
             <a:r>
               <a:rPr lang="en-US" sz="2800" spc="-1" dirty="0" err="1" smtClean="0">
